--- a/finalPresentation/Part 1/Part1.pptx
+++ b/finalPresentation/Part 1/Part1.pptx
@@ -6,17 +6,19 @@
     <p:sldMasterId id="2147483660" r:id="rId2"/>
   </p:sldMasterIdLst>
   <p:notesMasterIdLst>
-    <p:notesMasterId r:id="rId11"/>
+    <p:notesMasterId r:id="rId13"/>
   </p:notesMasterIdLst>
   <p:sldIdLst>
     <p:sldId id="257" r:id="rId3"/>
     <p:sldId id="258" r:id="rId4"/>
-    <p:sldId id="259" r:id="rId5"/>
-    <p:sldId id="260" r:id="rId6"/>
-    <p:sldId id="262" r:id="rId7"/>
-    <p:sldId id="263" r:id="rId8"/>
-    <p:sldId id="264" r:id="rId9"/>
-    <p:sldId id="265" r:id="rId10"/>
+    <p:sldId id="267" r:id="rId5"/>
+    <p:sldId id="266" r:id="rId6"/>
+    <p:sldId id="259" r:id="rId7"/>
+    <p:sldId id="260" r:id="rId8"/>
+    <p:sldId id="262" r:id="rId9"/>
+    <p:sldId id="263" r:id="rId10"/>
+    <p:sldId id="264" r:id="rId11"/>
+    <p:sldId id="265" r:id="rId12"/>
   </p:sldIdLst>
   <p:sldSz cx="12192000" cy="6858000"/>
   <p:notesSz cx="6858000" cy="9144000"/>
@@ -134,6 +136,18 @@
 </p:presentation>
 </file>
 
+<file path=ppt/commentAuthors.xml><?xml version="1.0" encoding="utf-8"?>
+<p:cmAuthorLst xmlns:a="http://schemas.openxmlformats.org/drawingml/2006/main" xmlns:r="http://schemas.openxmlformats.org/officeDocument/2006/relationships" xmlns:p="http://schemas.openxmlformats.org/presentationml/2006/main">
+  <p:cmAuthor id="1" name="user" initials="u" lastIdx="1" clrIdx="0">
+    <p:extLst>
+      <p:ext uri="{19B8F6BF-5375-455C-9EA6-DF929625EA0E}">
+        <p15:presenceInfo xmlns:p15="http://schemas.microsoft.com/office/powerpoint/2012/main" userId="user" providerId="None"/>
+      </p:ext>
+    </p:extLst>
+  </p:cmAuthor>
+</p:cmAuthorLst>
+</file>
+
 <file path=ppt/notesMasters/notesMaster1.xml><?xml version="1.0" encoding="utf-8"?>
 <p:notesMaster xmlns:a="http://schemas.openxmlformats.org/drawingml/2006/main" xmlns:r="http://schemas.openxmlformats.org/officeDocument/2006/relationships" xmlns:p="http://schemas.openxmlformats.org/presentationml/2006/main">
   <p:cSld>
@@ -216,7 +230,7 @@
           <a:p>
             <a:fld id="{15E71755-9285-4A55-92B4-833415C06301}" type="datetimeFigureOut">
               <a:rPr lang="en-US" smtClean="0"/>
-              <a:t>6/21/2016</a:t>
+              <a:t>6/22/2016</a:t>
             </a:fld>
             <a:endParaRPr lang="en-US"/>
           </a:p>
@@ -709,23 +723,11 @@
             </a:pPr>
             <a:r>
               <a:rPr lang="it-IT" dirty="0"/>
-              <a:t>Mettere</a:t>
+              <a:t>Fare due slide e più figure</a:t>
             </a:r>
             <a:r>
               <a:rPr lang="it-IT" baseline="0" dirty="0"/>
-              <a:t> foto carrellino</a:t>
-            </a:r>
-          </a:p>
-          <a:p>
-            <a:pPr lvl="0" rtl="0">
-              <a:spcBef>
-                <a:spcPts val="0"/>
-              </a:spcBef>
-              <a:buNone/>
-            </a:pPr>
-            <a:r>
-              <a:rPr lang="it-IT" baseline="0" dirty="0"/>
-              <a:t>Fare sezioni a scomparsa con immagini riferite al pezzo del modello</a:t>
+              <a:t> e meno testo</a:t>
             </a:r>
             <a:endParaRPr dirty="0"/>
           </a:p>
@@ -734,7 +736,7 @@
     </p:spTree>
     <p:extLst>
       <p:ext uri="{BB962C8B-B14F-4D97-AF65-F5344CB8AC3E}">
-        <p14:creationId xmlns:p14="http://schemas.microsoft.com/office/powerpoint/2010/main" val="895908095"/>
+        <p14:creationId xmlns:p14="http://schemas.microsoft.com/office/powerpoint/2010/main" val="1565271675"/>
       </p:ext>
     </p:extLst>
   </p:cSld>
@@ -845,15 +847,11 @@
             </a:pPr>
             <a:r>
               <a:rPr lang="it-IT" dirty="0"/>
-              <a:t>Levare x1 x2 x3 e fare solo matrici e mettere</a:t>
+              <a:t>Fare due slide e più figure</a:t>
             </a:r>
             <a:r>
               <a:rPr lang="it-IT" baseline="0" dirty="0"/>
-              <a:t> anche 3 </a:t>
-            </a:r>
-            <a:r>
-              <a:rPr lang="it-IT" baseline="0" dirty="0" err="1"/>
-              <a:t>dof</a:t>
+              <a:t> e meno testo</a:t>
             </a:r>
             <a:endParaRPr dirty="0"/>
           </a:p>
@@ -862,7 +860,7 @@
     </p:spTree>
     <p:extLst>
       <p:ext uri="{BB962C8B-B14F-4D97-AF65-F5344CB8AC3E}">
-        <p14:creationId xmlns:p14="http://schemas.microsoft.com/office/powerpoint/2010/main" val="2472732229"/>
+        <p14:creationId xmlns:p14="http://schemas.microsoft.com/office/powerpoint/2010/main" val="1789741763"/>
       </p:ext>
     </p:extLst>
   </p:cSld>
@@ -973,19 +971,11 @@
             </a:pPr>
             <a:r>
               <a:rPr lang="it-IT" dirty="0"/>
-              <a:t>Inserire</a:t>
+              <a:t>Mettere</a:t>
             </a:r>
             <a:r>
               <a:rPr lang="it-IT" baseline="0" dirty="0"/>
-              <a:t> </a:t>
-            </a:r>
-            <a:r>
-              <a:rPr lang="it-IT" baseline="0" dirty="0" err="1"/>
-              <a:t>freq</a:t>
-            </a:r>
-            <a:r>
-              <a:rPr lang="it-IT" baseline="0" dirty="0"/>
-              <a:t> di campionamento 200 Hz e perché</a:t>
+              <a:t> foto carrellino</a:t>
             </a:r>
           </a:p>
           <a:p>
@@ -997,67 +987,7 @@
             </a:pPr>
             <a:r>
               <a:rPr lang="it-IT" baseline="0" dirty="0"/>
-              <a:t>Inserire schema su come si è fatta l’identificazione: Raccolta dati-&gt;elaborazione-&gt;creazione modello-&gt;validazione (sul </a:t>
-            </a:r>
-            <a:r>
-              <a:rPr lang="it-IT" baseline="0" dirty="0" err="1"/>
-              <a:t>sitema</a:t>
-            </a:r>
-            <a:r>
-              <a:rPr lang="it-IT" baseline="0" dirty="0"/>
-              <a:t> reale)</a:t>
-            </a:r>
-          </a:p>
-          <a:p>
-            <a:pPr lvl="0" rtl="0">
-              <a:spcBef>
-                <a:spcPts val="0"/>
-              </a:spcBef>
-              <a:buNone/>
-            </a:pPr>
-            <a:r>
-              <a:rPr lang="it-IT" baseline="0" dirty="0"/>
-              <a:t>Fare foto grande e </a:t>
-            </a:r>
-            <a:r>
-              <a:rPr lang="it-IT" baseline="0" dirty="0" err="1"/>
-              <a:t>spiragre</a:t>
-            </a:r>
-            <a:r>
-              <a:rPr lang="it-IT" baseline="0" dirty="0"/>
-              <a:t> ogni parametro sulla foto</a:t>
-            </a:r>
-          </a:p>
-          <a:p>
-            <a:pPr lvl="0" rtl="0">
-              <a:spcBef>
-                <a:spcPts val="0"/>
-              </a:spcBef>
-              <a:buNone/>
-            </a:pPr>
-            <a:r>
-              <a:rPr lang="it-IT" baseline="0" dirty="0"/>
-              <a:t>Spezzare in due </a:t>
-            </a:r>
-            <a:r>
-              <a:rPr lang="it-IT" baseline="0" dirty="0" err="1"/>
-              <a:t>slides</a:t>
-            </a:r>
-            <a:r>
-              <a:rPr lang="it-IT" baseline="0" dirty="0"/>
-              <a:t> con omega e </a:t>
-            </a:r>
-            <a:r>
-              <a:rPr lang="it-IT" baseline="0" dirty="0" err="1"/>
-              <a:t>csi</a:t>
-            </a:r>
-            <a:r>
-              <a:rPr lang="it-IT" baseline="0" dirty="0"/>
-              <a:t> sulla figura e poi altra slide dove si ricavano K,M,C e il </a:t>
-            </a:r>
-            <a:r>
-              <a:rPr lang="it-IT" baseline="0" dirty="0" err="1"/>
-              <a:t>fit</a:t>
+              <a:t>Fare sezioni a scomparsa con immagini riferite al pezzo del modello</a:t>
             </a:r>
             <a:endParaRPr dirty="0"/>
           </a:p>
@@ -1066,7 +996,7 @@
     </p:spTree>
     <p:extLst>
       <p:ext uri="{BB962C8B-B14F-4D97-AF65-F5344CB8AC3E}">
-        <p14:creationId xmlns:p14="http://schemas.microsoft.com/office/powerpoint/2010/main" val="438543189"/>
+        <p14:creationId xmlns:p14="http://schemas.microsoft.com/office/powerpoint/2010/main" val="895908095"/>
       </p:ext>
     </p:extLst>
   </p:cSld>
@@ -1177,72 +1107,15 @@
             </a:pPr>
             <a:r>
               <a:rPr lang="it-IT" dirty="0"/>
-              <a:t>Voltaggio</a:t>
+              <a:t>Levare x1 x2 x3 e fare solo matrici e mettere</a:t>
             </a:r>
             <a:r>
               <a:rPr lang="it-IT" baseline="0" dirty="0"/>
-              <a:t> a onda quadra con corrente che lo segue e fare vedere che la </a:t>
+              <a:t> anche 3 </a:t>
             </a:r>
             <a:r>
               <a:rPr lang="it-IT" baseline="0" dirty="0" err="1"/>
-              <a:t>disatnza</a:t>
-            </a:r>
-            <a:r>
-              <a:rPr lang="it-IT" baseline="0" dirty="0"/>
-              <a:t> a steady state è R. L’abbiamo </a:t>
-            </a:r>
-            <a:r>
-              <a:rPr lang="it-IT" baseline="0" dirty="0" err="1"/>
-              <a:t>idnetificata</a:t>
-            </a:r>
-            <a:r>
-              <a:rPr lang="it-IT" baseline="0" dirty="0"/>
-              <a:t> cosi.</a:t>
-            </a:r>
-          </a:p>
-          <a:p>
-            <a:pPr lvl="0" rtl="0">
-              <a:spcBef>
-                <a:spcPts val="0"/>
-              </a:spcBef>
-              <a:buNone/>
-            </a:pPr>
-            <a:endParaRPr lang="it-IT" baseline="0" dirty="0"/>
-          </a:p>
-          <a:p>
-            <a:pPr lvl="0" rtl="0">
-              <a:spcBef>
-                <a:spcPts val="0"/>
-              </a:spcBef>
-              <a:buNone/>
-            </a:pPr>
-            <a:r>
-              <a:rPr lang="it-IT" baseline="0" dirty="0"/>
-              <a:t>Per la </a:t>
-            </a:r>
-            <a:r>
-              <a:rPr lang="it-IT" baseline="0" dirty="0" err="1"/>
-              <a:t>fuznione</a:t>
-            </a:r>
-            <a:r>
-              <a:rPr lang="it-IT" baseline="0" dirty="0"/>
-              <a:t> di </a:t>
-            </a:r>
-            <a:r>
-              <a:rPr lang="it-IT" baseline="0" dirty="0" err="1"/>
-              <a:t>straferimento</a:t>
-            </a:r>
-            <a:r>
-              <a:rPr lang="it-IT" baseline="0" dirty="0"/>
-              <a:t> mettere il blocchetto di </a:t>
-            </a:r>
-            <a:r>
-              <a:rPr lang="it-IT" baseline="0" dirty="0" err="1"/>
-              <a:t>simulink</a:t>
-            </a:r>
-            <a:r>
-              <a:rPr lang="it-IT" baseline="0" dirty="0"/>
-              <a:t> nei modelli</a:t>
+              <a:t>dof</a:t>
             </a:r>
             <a:endParaRPr dirty="0"/>
           </a:p>
@@ -1251,7 +1124,7 @@
     </p:spTree>
     <p:extLst>
       <p:ext uri="{BB962C8B-B14F-4D97-AF65-F5344CB8AC3E}">
-        <p14:creationId xmlns:p14="http://schemas.microsoft.com/office/powerpoint/2010/main" val="1246830462"/>
+        <p14:creationId xmlns:p14="http://schemas.microsoft.com/office/powerpoint/2010/main" val="2472732229"/>
       </p:ext>
     </p:extLst>
   </p:cSld>
@@ -1362,23 +1235,91 @@
             </a:pPr>
             <a:r>
               <a:rPr lang="it-IT" dirty="0"/>
-              <a:t>Levare i valori e mettere solo </a:t>
-            </a:r>
-            <a:r>
-              <a:rPr lang="it-IT" dirty="0" err="1"/>
-              <a:t>imamgini</a:t>
-            </a:r>
-            <a:r>
-              <a:rPr lang="it-IT" dirty="0"/>
-              <a:t> e fare vedere con due blocchi </a:t>
-            </a:r>
-            <a:r>
-              <a:rPr lang="it-IT" dirty="0" err="1"/>
-              <a:t>simulink</a:t>
-            </a:r>
-            <a:r>
-              <a:rPr lang="it-IT" dirty="0"/>
-              <a:t> che è l’unione</a:t>
+              <a:t>Inserire</a:t>
+            </a:r>
+            <a:r>
+              <a:rPr lang="it-IT" baseline="0" dirty="0"/>
+              <a:t> </a:t>
+            </a:r>
+            <a:r>
+              <a:rPr lang="it-IT" baseline="0" dirty="0" err="1"/>
+              <a:t>freq</a:t>
+            </a:r>
+            <a:r>
+              <a:rPr lang="it-IT" baseline="0" dirty="0"/>
+              <a:t> di campionamento 200 Hz e perché</a:t>
+            </a:r>
+          </a:p>
+          <a:p>
+            <a:pPr lvl="0" rtl="0">
+              <a:spcBef>
+                <a:spcPts val="0"/>
+              </a:spcBef>
+              <a:buNone/>
+            </a:pPr>
+            <a:r>
+              <a:rPr lang="it-IT" baseline="0" dirty="0"/>
+              <a:t>Inserire schema su come si è fatta l’identificazione: Raccolta dati-&gt;elaborazione-&gt;creazione modello-&gt;validazione (sul </a:t>
+            </a:r>
+            <a:r>
+              <a:rPr lang="it-IT" baseline="0" dirty="0" err="1"/>
+              <a:t>sitema</a:t>
+            </a:r>
+            <a:r>
+              <a:rPr lang="it-IT" baseline="0" dirty="0"/>
+              <a:t> reale)</a:t>
+            </a:r>
+          </a:p>
+          <a:p>
+            <a:pPr lvl="0" rtl="0">
+              <a:spcBef>
+                <a:spcPts val="0"/>
+              </a:spcBef>
+              <a:buNone/>
+            </a:pPr>
+            <a:r>
+              <a:rPr lang="it-IT" baseline="0" dirty="0"/>
+              <a:t>Fare foto grande e </a:t>
+            </a:r>
+            <a:r>
+              <a:rPr lang="it-IT" baseline="0" dirty="0" err="1"/>
+              <a:t>spiragre</a:t>
+            </a:r>
+            <a:r>
+              <a:rPr lang="it-IT" baseline="0" dirty="0"/>
+              <a:t> ogni parametro sulla foto</a:t>
+            </a:r>
+          </a:p>
+          <a:p>
+            <a:pPr lvl="0" rtl="0">
+              <a:spcBef>
+                <a:spcPts val="0"/>
+              </a:spcBef>
+              <a:buNone/>
+            </a:pPr>
+            <a:r>
+              <a:rPr lang="it-IT" baseline="0" dirty="0"/>
+              <a:t>Spezzare in due </a:t>
+            </a:r>
+            <a:r>
+              <a:rPr lang="it-IT" baseline="0" dirty="0" err="1"/>
+              <a:t>slides</a:t>
+            </a:r>
+            <a:r>
+              <a:rPr lang="it-IT" baseline="0" dirty="0"/>
+              <a:t> con omega e </a:t>
+            </a:r>
+            <a:r>
+              <a:rPr lang="it-IT" baseline="0" dirty="0" err="1"/>
+              <a:t>csi</a:t>
+            </a:r>
+            <a:r>
+              <a:rPr lang="it-IT" baseline="0" dirty="0"/>
+              <a:t> sulla figura e poi altra slide dove si ricavano K,M,C e il </a:t>
+            </a:r>
+            <a:r>
+              <a:rPr lang="it-IT" baseline="0" dirty="0" err="1"/>
+              <a:t>fit</a:t>
             </a:r>
             <a:endParaRPr dirty="0"/>
           </a:p>
@@ -1387,7 +1328,7 @@
     </p:spTree>
     <p:extLst>
       <p:ext uri="{BB962C8B-B14F-4D97-AF65-F5344CB8AC3E}">
-        <p14:creationId xmlns:p14="http://schemas.microsoft.com/office/powerpoint/2010/main" val="4192966930"/>
+        <p14:creationId xmlns:p14="http://schemas.microsoft.com/office/powerpoint/2010/main" val="438543189"/>
       </p:ext>
     </p:extLst>
   </p:cSld>
@@ -1498,6 +1439,327 @@
             </a:pPr>
             <a:r>
               <a:rPr lang="it-IT" dirty="0"/>
+              <a:t>Voltaggio</a:t>
+            </a:r>
+            <a:r>
+              <a:rPr lang="it-IT" baseline="0" dirty="0"/>
+              <a:t> a onda quadra con corrente che lo segue e fare vedere che la </a:t>
+            </a:r>
+            <a:r>
+              <a:rPr lang="it-IT" baseline="0" dirty="0" err="1"/>
+              <a:t>disatnza</a:t>
+            </a:r>
+            <a:r>
+              <a:rPr lang="it-IT" baseline="0" dirty="0"/>
+              <a:t> a steady state è R. L’abbiamo </a:t>
+            </a:r>
+            <a:r>
+              <a:rPr lang="it-IT" baseline="0" dirty="0" err="1"/>
+              <a:t>idnetificata</a:t>
+            </a:r>
+            <a:r>
+              <a:rPr lang="it-IT" baseline="0" dirty="0"/>
+              <a:t> cosi.</a:t>
+            </a:r>
+          </a:p>
+          <a:p>
+            <a:pPr lvl="0" rtl="0">
+              <a:spcBef>
+                <a:spcPts val="0"/>
+              </a:spcBef>
+              <a:buNone/>
+            </a:pPr>
+            <a:endParaRPr lang="it-IT" baseline="0" dirty="0"/>
+          </a:p>
+          <a:p>
+            <a:pPr lvl="0" rtl="0">
+              <a:spcBef>
+                <a:spcPts val="0"/>
+              </a:spcBef>
+              <a:buNone/>
+            </a:pPr>
+            <a:r>
+              <a:rPr lang="it-IT" baseline="0" dirty="0"/>
+              <a:t>Per la </a:t>
+            </a:r>
+            <a:r>
+              <a:rPr lang="it-IT" baseline="0" dirty="0" err="1"/>
+              <a:t>fuznione</a:t>
+            </a:r>
+            <a:r>
+              <a:rPr lang="it-IT" baseline="0" dirty="0"/>
+              <a:t> di </a:t>
+            </a:r>
+            <a:r>
+              <a:rPr lang="it-IT" baseline="0" dirty="0" err="1"/>
+              <a:t>straferimento</a:t>
+            </a:r>
+            <a:r>
+              <a:rPr lang="it-IT" baseline="0" dirty="0"/>
+              <a:t> mettere il blocchetto di </a:t>
+            </a:r>
+            <a:r>
+              <a:rPr lang="it-IT" baseline="0" dirty="0" err="1"/>
+              <a:t>simulink</a:t>
+            </a:r>
+            <a:r>
+              <a:rPr lang="it-IT" baseline="0" dirty="0"/>
+              <a:t> nei modelli</a:t>
+            </a:r>
+            <a:endParaRPr dirty="0"/>
+          </a:p>
+        </p:txBody>
+      </p:sp>
+    </p:spTree>
+    <p:extLst>
+      <p:ext uri="{BB962C8B-B14F-4D97-AF65-F5344CB8AC3E}">
+        <p14:creationId xmlns:p14="http://schemas.microsoft.com/office/powerpoint/2010/main" val="1246830462"/>
+      </p:ext>
+    </p:extLst>
+  </p:cSld>
+  <p:clrMapOvr>
+    <a:masterClrMapping/>
+  </p:clrMapOvr>
+</p:notes>
+</file>
+
+<file path=ppt/notesSlides/notesSlide8.xml><?xml version="1.0" encoding="utf-8"?>
+<p:notes xmlns:a="http://schemas.openxmlformats.org/drawingml/2006/main" xmlns:r="http://schemas.openxmlformats.org/officeDocument/2006/relationships" xmlns:p="http://schemas.openxmlformats.org/presentationml/2006/main" showMasterSp="0" showMasterPhAnim="0">
+  <p:cSld>
+    <p:spTree>
+      <p:nvGrpSpPr>
+        <p:cNvPr id="1" name="Shape 32"/>
+        <p:cNvGrpSpPr/>
+        <p:nvPr/>
+      </p:nvGrpSpPr>
+      <p:grpSpPr>
+        <a:xfrm>
+          <a:off x="0" y="0"/>
+          <a:ext cx="0" cy="0"/>
+          <a:chOff x="0" y="0"/>
+          <a:chExt cx="0" cy="0"/>
+        </a:xfrm>
+      </p:grpSpPr>
+      <p:sp>
+        <p:nvSpPr>
+          <p:cNvPr id="33" name="Shape 33"/>
+          <p:cNvSpPr>
+            <a:spLocks noGrp="1" noRot="1" noChangeAspect="1"/>
+          </p:cNvSpPr>
+          <p:nvPr>
+            <p:ph type="sldImg" idx="2"/>
+          </p:nvPr>
+        </p:nvSpPr>
+        <p:spPr>
+          <a:xfrm>
+            <a:off x="381000" y="685800"/>
+            <a:ext cx="6096000" cy="3429000"/>
+          </a:xfrm>
+          <a:custGeom>
+            <a:avLst/>
+            <a:gdLst/>
+            <a:ahLst/>
+            <a:cxnLst/>
+            <a:rect l="0" t="0" r="0" b="0"/>
+            <a:pathLst>
+              <a:path w="120000" h="120000" extrusionOk="0">
+                <a:moveTo>
+                  <a:pt x="0" y="0"/>
+                </a:moveTo>
+                <a:lnTo>
+                  <a:pt x="120000" y="0"/>
+                </a:lnTo>
+                <a:lnTo>
+                  <a:pt x="120000" y="120000"/>
+                </a:lnTo>
+                <a:lnTo>
+                  <a:pt x="0" y="120000"/>
+                </a:lnTo>
+                <a:close/>
+              </a:path>
+            </a:pathLst>
+          </a:custGeom>
+          <a:noFill/>
+          <a:ln w="9525" cap="flat" cmpd="sng">
+            <a:solidFill>
+              <a:srgbClr val="000000"/>
+            </a:solidFill>
+            <a:prstDash val="solid"/>
+            <a:round/>
+            <a:headEnd type="none" w="med" len="med"/>
+            <a:tailEnd type="none" w="med" len="med"/>
+          </a:ln>
+        </p:spPr>
+      </p:sp>
+      <p:sp>
+        <p:nvSpPr>
+          <p:cNvPr id="34" name="Shape 34"/>
+          <p:cNvSpPr txBox="1">
+            <a:spLocks noGrp="1"/>
+          </p:cNvSpPr>
+          <p:nvPr>
+            <p:ph type="body" idx="1"/>
+          </p:nvPr>
+        </p:nvSpPr>
+        <p:spPr>
+          <a:xfrm>
+            <a:off x="685800" y="4343400"/>
+            <a:ext cx="5486399" cy="4114800"/>
+          </a:xfrm>
+          <a:prstGeom prst="rect">
+            <a:avLst/>
+          </a:prstGeom>
+        </p:spPr>
+        <p:txBody>
+          <a:bodyPr lIns="91425" tIns="91425" rIns="91425" bIns="91425" anchor="t" anchorCtr="0">
+            <a:noAutofit/>
+          </a:bodyPr>
+          <a:lstStyle/>
+          <a:p>
+            <a:pPr lvl="0" rtl="0">
+              <a:spcBef>
+                <a:spcPts val="0"/>
+              </a:spcBef>
+              <a:buNone/>
+            </a:pPr>
+            <a:r>
+              <a:rPr lang="it-IT" dirty="0"/>
+              <a:t>Levare i valori e mettere solo </a:t>
+            </a:r>
+            <a:r>
+              <a:rPr lang="it-IT" dirty="0" err="1"/>
+              <a:t>imamgini</a:t>
+            </a:r>
+            <a:r>
+              <a:rPr lang="it-IT" dirty="0"/>
+              <a:t> e fare vedere con due blocchi </a:t>
+            </a:r>
+            <a:r>
+              <a:rPr lang="it-IT" dirty="0" err="1"/>
+              <a:t>simulink</a:t>
+            </a:r>
+            <a:r>
+              <a:rPr lang="it-IT" dirty="0"/>
+              <a:t> che è l’unione</a:t>
+            </a:r>
+            <a:endParaRPr dirty="0"/>
+          </a:p>
+        </p:txBody>
+      </p:sp>
+    </p:spTree>
+    <p:extLst>
+      <p:ext uri="{BB962C8B-B14F-4D97-AF65-F5344CB8AC3E}">
+        <p14:creationId xmlns:p14="http://schemas.microsoft.com/office/powerpoint/2010/main" val="4192966930"/>
+      </p:ext>
+    </p:extLst>
+  </p:cSld>
+  <p:clrMapOvr>
+    <a:masterClrMapping/>
+  </p:clrMapOvr>
+</p:notes>
+</file>
+
+<file path=ppt/notesSlides/notesSlide9.xml><?xml version="1.0" encoding="utf-8"?>
+<p:notes xmlns:a="http://schemas.openxmlformats.org/drawingml/2006/main" xmlns:r="http://schemas.openxmlformats.org/officeDocument/2006/relationships" xmlns:p="http://schemas.openxmlformats.org/presentationml/2006/main" showMasterSp="0" showMasterPhAnim="0">
+  <p:cSld>
+    <p:spTree>
+      <p:nvGrpSpPr>
+        <p:cNvPr id="1" name="Shape 32"/>
+        <p:cNvGrpSpPr/>
+        <p:nvPr/>
+      </p:nvGrpSpPr>
+      <p:grpSpPr>
+        <a:xfrm>
+          <a:off x="0" y="0"/>
+          <a:ext cx="0" cy="0"/>
+          <a:chOff x="0" y="0"/>
+          <a:chExt cx="0" cy="0"/>
+        </a:xfrm>
+      </p:grpSpPr>
+      <p:sp>
+        <p:nvSpPr>
+          <p:cNvPr id="33" name="Shape 33"/>
+          <p:cNvSpPr>
+            <a:spLocks noGrp="1" noRot="1" noChangeAspect="1"/>
+          </p:cNvSpPr>
+          <p:nvPr>
+            <p:ph type="sldImg" idx="2"/>
+          </p:nvPr>
+        </p:nvSpPr>
+        <p:spPr>
+          <a:xfrm>
+            <a:off x="381000" y="685800"/>
+            <a:ext cx="6096000" cy="3429000"/>
+          </a:xfrm>
+          <a:custGeom>
+            <a:avLst/>
+            <a:gdLst/>
+            <a:ahLst/>
+            <a:cxnLst/>
+            <a:rect l="0" t="0" r="0" b="0"/>
+            <a:pathLst>
+              <a:path w="120000" h="120000" extrusionOk="0">
+                <a:moveTo>
+                  <a:pt x="0" y="0"/>
+                </a:moveTo>
+                <a:lnTo>
+                  <a:pt x="120000" y="0"/>
+                </a:lnTo>
+                <a:lnTo>
+                  <a:pt x="120000" y="120000"/>
+                </a:lnTo>
+                <a:lnTo>
+                  <a:pt x="0" y="120000"/>
+                </a:lnTo>
+                <a:close/>
+              </a:path>
+            </a:pathLst>
+          </a:custGeom>
+          <a:noFill/>
+          <a:ln w="9525" cap="flat" cmpd="sng">
+            <a:solidFill>
+              <a:srgbClr val="000000"/>
+            </a:solidFill>
+            <a:prstDash val="solid"/>
+            <a:round/>
+            <a:headEnd type="none" w="med" len="med"/>
+            <a:tailEnd type="none" w="med" len="med"/>
+          </a:ln>
+        </p:spPr>
+      </p:sp>
+      <p:sp>
+        <p:nvSpPr>
+          <p:cNvPr id="34" name="Shape 34"/>
+          <p:cNvSpPr txBox="1">
+            <a:spLocks noGrp="1"/>
+          </p:cNvSpPr>
+          <p:nvPr>
+            <p:ph type="body" idx="1"/>
+          </p:nvPr>
+        </p:nvSpPr>
+        <p:spPr>
+          <a:xfrm>
+            <a:off x="685800" y="4343400"/>
+            <a:ext cx="5486399" cy="4114800"/>
+          </a:xfrm>
+          <a:prstGeom prst="rect">
+            <a:avLst/>
+          </a:prstGeom>
+        </p:spPr>
+        <p:txBody>
+          <a:bodyPr lIns="91425" tIns="91425" rIns="91425" bIns="91425" anchor="t" anchorCtr="0">
+            <a:noAutofit/>
+          </a:bodyPr>
+          <a:lstStyle/>
+          <a:p>
+            <a:pPr lvl="0" rtl="0">
+              <a:spcBef>
+                <a:spcPts val="0"/>
+              </a:spcBef>
+              <a:buNone/>
+            </a:pPr>
+            <a:r>
+              <a:rPr lang="it-IT" dirty="0"/>
               <a:t>Fare anche la </a:t>
             </a:r>
             <a:r>
@@ -1656,7 +1918,7 @@
           <a:p>
             <a:fld id="{843C4FC0-81D1-4453-9443-D3E156B7E80B}" type="datetimeFigureOut">
               <a:rPr lang="en-GB" smtClean="0"/>
-              <a:t>21/06/2016</a:t>
+              <a:t>22/06/2016</a:t>
             </a:fld>
             <a:endParaRPr lang="en-GB"/>
           </a:p>
@@ -1826,7 +2088,7 @@
           <a:p>
             <a:fld id="{843C4FC0-81D1-4453-9443-D3E156B7E80B}" type="datetimeFigureOut">
               <a:rPr lang="en-GB" smtClean="0"/>
-              <a:t>21/06/2016</a:t>
+              <a:t>22/06/2016</a:t>
             </a:fld>
             <a:endParaRPr lang="en-GB"/>
           </a:p>
@@ -2006,7 +2268,7 @@
           <a:p>
             <a:fld id="{843C4FC0-81D1-4453-9443-D3E156B7E80B}" type="datetimeFigureOut">
               <a:rPr lang="en-GB" smtClean="0"/>
-              <a:t>21/06/2016</a:t>
+              <a:t>22/06/2016</a:t>
             </a:fld>
             <a:endParaRPr lang="en-GB"/>
           </a:p>
@@ -2716,7 +2978,7 @@
           <a:p>
             <a:fld id="{843C4FC0-81D1-4453-9443-D3E156B7E80B}" type="datetimeFigureOut">
               <a:rPr lang="en-GB" smtClean="0"/>
-              <a:t>21/06/2016</a:t>
+              <a:t>22/06/2016</a:t>
             </a:fld>
             <a:endParaRPr lang="en-GB"/>
           </a:p>
@@ -2962,7 +3224,7 @@
           <a:p>
             <a:fld id="{843C4FC0-81D1-4453-9443-D3E156B7E80B}" type="datetimeFigureOut">
               <a:rPr lang="en-GB" smtClean="0"/>
-              <a:t>21/06/2016</a:t>
+              <a:t>22/06/2016</a:t>
             </a:fld>
             <a:endParaRPr lang="en-GB"/>
           </a:p>
@@ -3194,7 +3456,7 @@
           <a:p>
             <a:fld id="{843C4FC0-81D1-4453-9443-D3E156B7E80B}" type="datetimeFigureOut">
               <a:rPr lang="en-GB" smtClean="0"/>
-              <a:t>21/06/2016</a:t>
+              <a:t>22/06/2016</a:t>
             </a:fld>
             <a:endParaRPr lang="en-GB"/>
           </a:p>
@@ -3561,7 +3823,7 @@
           <a:p>
             <a:fld id="{843C4FC0-81D1-4453-9443-D3E156B7E80B}" type="datetimeFigureOut">
               <a:rPr lang="en-GB" smtClean="0"/>
-              <a:t>21/06/2016</a:t>
+              <a:t>22/06/2016</a:t>
             </a:fld>
             <a:endParaRPr lang="en-GB"/>
           </a:p>
@@ -3679,7 +3941,7 @@
           <a:p>
             <a:fld id="{843C4FC0-81D1-4453-9443-D3E156B7E80B}" type="datetimeFigureOut">
               <a:rPr lang="en-GB" smtClean="0"/>
-              <a:t>21/06/2016</a:t>
+              <a:t>22/06/2016</a:t>
             </a:fld>
             <a:endParaRPr lang="en-GB"/>
           </a:p>
@@ -3774,7 +4036,7 @@
           <a:p>
             <a:fld id="{843C4FC0-81D1-4453-9443-D3E156B7E80B}" type="datetimeFigureOut">
               <a:rPr lang="en-GB" smtClean="0"/>
-              <a:t>21/06/2016</a:t>
+              <a:t>22/06/2016</a:t>
             </a:fld>
             <a:endParaRPr lang="en-GB"/>
           </a:p>
@@ -4051,7 +4313,7 @@
           <a:p>
             <a:fld id="{843C4FC0-81D1-4453-9443-D3E156B7E80B}" type="datetimeFigureOut">
               <a:rPr lang="en-GB" smtClean="0"/>
-              <a:t>21/06/2016</a:t>
+              <a:t>22/06/2016</a:t>
             </a:fld>
             <a:endParaRPr lang="en-GB"/>
           </a:p>
@@ -4304,7 +4566,7 @@
           <a:p>
             <a:fld id="{843C4FC0-81D1-4453-9443-D3E156B7E80B}" type="datetimeFigureOut">
               <a:rPr lang="en-GB" smtClean="0"/>
-              <a:t>21/06/2016</a:t>
+              <a:t>22/06/2016</a:t>
             </a:fld>
             <a:endParaRPr lang="en-GB"/>
           </a:p>
@@ -4517,7 +4779,7 @@
           <a:p>
             <a:fld id="{843C4FC0-81D1-4453-9443-D3E156B7E80B}" type="datetimeFigureOut">
               <a:rPr lang="en-GB" smtClean="0"/>
-              <a:t>21/06/2016</a:t>
+              <a:t>22/06/2016</a:t>
             </a:fld>
             <a:endParaRPr lang="en-GB"/>
           </a:p>
@@ -5815,7 +6077,1947 @@
 </p:sld>
 </file>
 
+<file path=ppt/slides/slide10.xml><?xml version="1.0" encoding="utf-8"?>
+<p:sld xmlns:a="http://schemas.openxmlformats.org/drawingml/2006/main" xmlns:r="http://schemas.openxmlformats.org/officeDocument/2006/relationships" xmlns:p="http://schemas.openxmlformats.org/presentationml/2006/main">
+  <p:cSld>
+    <p:spTree>
+      <p:nvGrpSpPr>
+        <p:cNvPr id="1" name="Shape 35"/>
+        <p:cNvGrpSpPr/>
+        <p:nvPr/>
+      </p:nvGrpSpPr>
+      <p:grpSpPr>
+        <a:xfrm>
+          <a:off x="0" y="0"/>
+          <a:ext cx="0" cy="0"/>
+          <a:chOff x="0" y="0"/>
+          <a:chExt cx="0" cy="0"/>
+        </a:xfrm>
+      </p:grpSpPr>
+      <p:pic>
+        <p:nvPicPr>
+          <p:cNvPr id="16" name="Immagine 15"/>
+          <p:cNvPicPr>
+            <a:picLocks noChangeAspect="1"/>
+          </p:cNvPicPr>
+          <p:nvPr/>
+        </p:nvPicPr>
+        <p:blipFill>
+          <a:blip r:embed="rId3">
+            <a:extLst>
+              <a:ext uri="{28A0092B-C50C-407E-A947-70E740481C1C}">
+                <a14:useLocalDpi xmlns:a14="http://schemas.microsoft.com/office/drawing/2010/main" val="0"/>
+              </a:ext>
+            </a:extLst>
+          </a:blip>
+          <a:stretch>
+            <a:fillRect/>
+          </a:stretch>
+        </p:blipFill>
+        <p:spPr>
+          <a:xfrm>
+            <a:off x="5532269" y="3685425"/>
+            <a:ext cx="3564434" cy="2673326"/>
+          </a:xfrm>
+          <a:prstGeom prst="rect">
+            <a:avLst/>
+          </a:prstGeom>
+        </p:spPr>
+      </p:pic>
+      <p:pic>
+        <p:nvPicPr>
+          <p:cNvPr id="14" name="Immagine 13"/>
+          <p:cNvPicPr>
+            <a:picLocks noChangeAspect="1"/>
+          </p:cNvPicPr>
+          <p:nvPr/>
+        </p:nvPicPr>
+        <p:blipFill>
+          <a:blip r:embed="rId4">
+            <a:extLst>
+              <a:ext uri="{28A0092B-C50C-407E-A947-70E740481C1C}">
+                <a14:useLocalDpi xmlns:a14="http://schemas.microsoft.com/office/drawing/2010/main" val="0"/>
+              </a:ext>
+            </a:extLst>
+          </a:blip>
+          <a:stretch>
+            <a:fillRect/>
+          </a:stretch>
+        </p:blipFill>
+        <p:spPr>
+          <a:xfrm>
+            <a:off x="1667424" y="3650410"/>
+            <a:ext cx="3676539" cy="2757405"/>
+          </a:xfrm>
+          <a:prstGeom prst="rect">
+            <a:avLst/>
+          </a:prstGeom>
+        </p:spPr>
+      </p:pic>
+      <p:sp>
+        <p:nvSpPr>
+          <p:cNvPr id="36" name="Shape 36"/>
+          <p:cNvSpPr txBox="1">
+            <a:spLocks noGrp="1"/>
+          </p:cNvSpPr>
+          <p:nvPr>
+            <p:ph type="title"/>
+          </p:nvPr>
+        </p:nvSpPr>
+        <p:spPr>
+          <a:xfrm>
+            <a:off x="2361450" y="131951"/>
+            <a:ext cx="8136900" cy="498599"/>
+          </a:xfrm>
+          <a:prstGeom prst="rect">
+            <a:avLst/>
+          </a:prstGeom>
+        </p:spPr>
+        <p:txBody>
+          <a:bodyPr lIns="91425" tIns="91425" rIns="91425" bIns="91425" anchor="b" anchorCtr="0">
+            <a:noAutofit/>
+          </a:bodyPr>
+          <a:lstStyle/>
+          <a:p>
+            <a:r>
+              <a:rPr lang="en-US" sz="3000" dirty="0">
+                <a:solidFill>
+                  <a:srgbClr val="003366"/>
+                </a:solidFill>
+              </a:rPr>
+              <a:t>Overall system identification</a:t>
+            </a:r>
+          </a:p>
+        </p:txBody>
+      </p:sp>
+      <p:pic>
+        <p:nvPicPr>
+          <p:cNvPr id="38" name="Shape 38"/>
+          <p:cNvPicPr preferRelativeResize="0"/>
+          <p:nvPr/>
+        </p:nvPicPr>
+        <p:blipFill>
+          <a:blip r:embed="rId5">
+            <a:alphaModFix/>
+          </a:blip>
+          <a:stretch>
+            <a:fillRect/>
+          </a:stretch>
+        </p:blipFill>
+        <p:spPr>
+          <a:xfrm>
+            <a:off x="1606450" y="65950"/>
+            <a:ext cx="464900" cy="498650"/>
+          </a:xfrm>
+          <a:prstGeom prst="rect">
+            <a:avLst/>
+          </a:prstGeom>
+          <a:noFill/>
+          <a:ln>
+            <a:noFill/>
+          </a:ln>
+        </p:spPr>
+      </p:pic>
+      <p:pic>
+        <p:nvPicPr>
+          <p:cNvPr id="39" name="Shape 39"/>
+          <p:cNvPicPr preferRelativeResize="0"/>
+          <p:nvPr/>
+        </p:nvPicPr>
+        <p:blipFill>
+          <a:blip r:embed="rId6">
+            <a:alphaModFix/>
+          </a:blip>
+          <a:stretch>
+            <a:fillRect/>
+          </a:stretch>
+        </p:blipFill>
+        <p:spPr>
+          <a:xfrm>
+            <a:off x="1524000" y="630540"/>
+            <a:ext cx="9143998" cy="97471"/>
+          </a:xfrm>
+          <a:prstGeom prst="rect">
+            <a:avLst/>
+          </a:prstGeom>
+          <a:noFill/>
+          <a:ln>
+            <a:noFill/>
+          </a:ln>
+        </p:spPr>
+      </p:pic>
+      <p:cxnSp>
+        <p:nvCxnSpPr>
+          <p:cNvPr id="40" name="Shape 40"/>
+          <p:cNvCxnSpPr/>
+          <p:nvPr/>
+        </p:nvCxnSpPr>
+        <p:spPr>
+          <a:xfrm rot="10800000">
+            <a:off x="2215550" y="126"/>
+            <a:ext cx="0" cy="630299"/>
+          </a:xfrm>
+          <a:prstGeom prst="straightConnector1">
+            <a:avLst/>
+          </a:prstGeom>
+          <a:noFill/>
+          <a:ln w="9525" cap="flat" cmpd="sng">
+            <a:solidFill>
+              <a:srgbClr val="003366"/>
+            </a:solidFill>
+            <a:prstDash val="solid"/>
+            <a:round/>
+            <a:headEnd type="none" w="lg" len="lg"/>
+            <a:tailEnd type="none" w="lg" len="lg"/>
+          </a:ln>
+        </p:spPr>
+      </p:cxnSp>
+      <p:sp>
+        <p:nvSpPr>
+          <p:cNvPr id="41" name="Shape 41"/>
+          <p:cNvSpPr txBox="1"/>
+          <p:nvPr/>
+        </p:nvSpPr>
+        <p:spPr>
+          <a:xfrm>
+            <a:off x="8307700" y="6531001"/>
+            <a:ext cx="2599200" cy="363899"/>
+          </a:xfrm>
+          <a:prstGeom prst="rect">
+            <a:avLst/>
+          </a:prstGeom>
+          <a:noFill/>
+          <a:ln>
+            <a:noFill/>
+          </a:ln>
+        </p:spPr>
+        <p:txBody>
+          <a:bodyPr lIns="91425" tIns="91425" rIns="91425" bIns="91425" anchor="t" anchorCtr="0">
+            <a:noAutofit/>
+          </a:bodyPr>
+          <a:lstStyle/>
+          <a:p>
+            <a:r>
+              <a:rPr lang="en-US" sz="1200" b="1" dirty="0">
+                <a:solidFill>
+                  <a:srgbClr val="FFFFFF"/>
+                </a:solidFill>
+              </a:rPr>
+              <a:t>POLITECNICO DI MILANO</a:t>
+            </a:r>
+          </a:p>
+        </p:txBody>
+      </p:sp>
+      <p:pic>
+        <p:nvPicPr>
+          <p:cNvPr id="42" name="Shape 42"/>
+          <p:cNvPicPr preferRelativeResize="0"/>
+          <p:nvPr/>
+        </p:nvPicPr>
+        <p:blipFill>
+          <a:blip r:embed="rId7">
+            <a:alphaModFix/>
+          </a:blip>
+          <a:stretch>
+            <a:fillRect/>
+          </a:stretch>
+        </p:blipFill>
+        <p:spPr>
+          <a:xfrm>
+            <a:off x="1524000" y="6571226"/>
+            <a:ext cx="9144000" cy="286775"/>
+          </a:xfrm>
+          <a:prstGeom prst="rect">
+            <a:avLst/>
+          </a:prstGeom>
+          <a:noFill/>
+          <a:ln>
+            <a:noFill/>
+          </a:ln>
+        </p:spPr>
+      </p:pic>
+      <p:sp>
+        <p:nvSpPr>
+          <p:cNvPr id="43" name="Shape 43"/>
+          <p:cNvSpPr txBox="1">
+            <a:spLocks noGrp="1"/>
+          </p:cNvSpPr>
+          <p:nvPr>
+            <p:ph type="ctrTitle" idx="4294967295"/>
+          </p:nvPr>
+        </p:nvSpPr>
+        <p:spPr>
+          <a:xfrm>
+            <a:off x="3575453" y="6500850"/>
+            <a:ext cx="3238799" cy="424199"/>
+          </a:xfrm>
+          <a:prstGeom prst="rect">
+            <a:avLst/>
+          </a:prstGeom>
+        </p:spPr>
+        <p:txBody>
+          <a:bodyPr lIns="91425" tIns="91425" rIns="91425" bIns="91425" anchor="ctr" anchorCtr="0">
+            <a:noAutofit/>
+          </a:bodyPr>
+          <a:lstStyle/>
+          <a:p>
+            <a:pPr indent="457200">
+              <a:lnSpc>
+                <a:spcPct val="115000"/>
+              </a:lnSpc>
+            </a:pPr>
+            <a:r>
+              <a:rPr lang="en-US" sz="1200" b="1">
+                <a:solidFill>
+                  <a:srgbClr val="003366"/>
+                </a:solidFill>
+              </a:rPr>
+              <a:t>Control of linear vibrations</a:t>
+            </a:r>
+            <a:endParaRPr lang="en-US" sz="1300" b="1" dirty="0">
+              <a:solidFill>
+                <a:srgbClr val="003366"/>
+              </a:solidFill>
+            </a:endParaRPr>
+          </a:p>
+        </p:txBody>
+      </p:sp>
+      <p:sp>
+        <p:nvSpPr>
+          <p:cNvPr id="45" name="Rectangle 39"/>
+          <p:cNvSpPr>
+            <a:spLocks noChangeArrowheads="1"/>
+          </p:cNvSpPr>
+          <p:nvPr/>
+        </p:nvSpPr>
+        <p:spPr bwMode="auto">
+          <a:xfrm>
+            <a:off x="2092269" y="1929808"/>
+            <a:ext cx="12192000" cy="457200"/>
+          </a:xfrm>
+          <a:prstGeom prst="rect">
+            <a:avLst/>
+          </a:prstGeom>
+          <a:noFill/>
+          <a:ln>
+            <a:noFill/>
+          </a:ln>
+          <a:effectLst/>
+          <a:extLst>
+            <a:ext uri="{909E8E84-426E-40DD-AFC4-6F175D3DCCD1}">
+              <a14:hiddenFill xmlns:a14="http://schemas.microsoft.com/office/drawing/2010/main">
+                <a:solidFill>
+                  <a:schemeClr val="accent1"/>
+                </a:solidFill>
+              </a14:hiddenFill>
+            </a:ext>
+            <a:ext uri="{91240B29-F687-4F45-9708-019B960494DF}">
+              <a14:hiddenLine xmlns:a14="http://schemas.microsoft.com/office/drawing/2010/main" w="9525">
+                <a:solidFill>
+                  <a:schemeClr val="tx1"/>
+                </a:solidFill>
+                <a:miter lim="800000"/>
+                <a:headEnd/>
+                <a:tailEnd/>
+              </a14:hiddenLine>
+            </a:ext>
+            <a:ext uri="{AF507438-7753-43E0-B8FC-AC1667EBCBE1}">
+              <a14:hiddenEffects xmlns:a14="http://schemas.microsoft.com/office/drawing/2010/main">
+                <a:effectLst>
+                  <a:outerShdw dist="35921" dir="2700000" algn="ctr" rotWithShape="0">
+                    <a:schemeClr val="bg2"/>
+                  </a:outerShdw>
+                </a:effectLst>
+              </a14:hiddenEffects>
+            </a:ext>
+          </a:extLst>
+        </p:spPr>
+        <p:txBody>
+          <a:bodyPr vert="horz" wrap="none" lIns="91440" tIns="45720" rIns="91440" bIns="45720" numCol="1" anchor="ctr" anchorCtr="0" compatLnSpc="1">
+            <a:prstTxWarp prst="textNoShape">
+              <a:avLst/>
+            </a:prstTxWarp>
+            <a:spAutoFit/>
+          </a:bodyPr>
+          <a:lstStyle/>
+          <a:p>
+            <a:endParaRPr lang="en-US"/>
+          </a:p>
+        </p:txBody>
+      </p:sp>
+      <p:sp>
+        <p:nvSpPr>
+          <p:cNvPr id="68" name="Rectangle 58"/>
+          <p:cNvSpPr>
+            <a:spLocks noChangeArrowheads="1"/>
+          </p:cNvSpPr>
+          <p:nvPr/>
+        </p:nvSpPr>
+        <p:spPr bwMode="auto">
+          <a:xfrm>
+            <a:off x="2528550" y="5686133"/>
+            <a:ext cx="12192000" cy="0"/>
+          </a:xfrm>
+          <a:prstGeom prst="rect">
+            <a:avLst/>
+          </a:prstGeom>
+          <a:noFill/>
+          <a:ln>
+            <a:noFill/>
+          </a:ln>
+          <a:effectLst/>
+          <a:extLst>
+            <a:ext uri="{909E8E84-426E-40DD-AFC4-6F175D3DCCD1}">
+              <a14:hiddenFill xmlns:a14="http://schemas.microsoft.com/office/drawing/2010/main">
+                <a:solidFill>
+                  <a:schemeClr val="accent1"/>
+                </a:solidFill>
+              </a14:hiddenFill>
+            </a:ext>
+            <a:ext uri="{91240B29-F687-4F45-9708-019B960494DF}">
+              <a14:hiddenLine xmlns:a14="http://schemas.microsoft.com/office/drawing/2010/main" w="9525">
+                <a:solidFill>
+                  <a:schemeClr val="tx1"/>
+                </a:solidFill>
+                <a:miter lim="800000"/>
+                <a:headEnd/>
+                <a:tailEnd/>
+              </a14:hiddenLine>
+            </a:ext>
+            <a:ext uri="{AF507438-7753-43E0-B8FC-AC1667EBCBE1}">
+              <a14:hiddenEffects xmlns:a14="http://schemas.microsoft.com/office/drawing/2010/main">
+                <a:effectLst>
+                  <a:outerShdw dist="35921" dir="2700000" algn="ctr" rotWithShape="0">
+                    <a:schemeClr val="bg2"/>
+                  </a:outerShdw>
+                </a:effectLst>
+              </a14:hiddenEffects>
+            </a:ext>
+          </a:extLst>
+        </p:spPr>
+        <p:txBody>
+          <a:bodyPr vert="horz" wrap="none" lIns="91440" tIns="45720" rIns="91440" bIns="45720" numCol="1" anchor="ctr" anchorCtr="0" compatLnSpc="1">
+            <a:prstTxWarp prst="textNoShape">
+              <a:avLst/>
+            </a:prstTxWarp>
+            <a:spAutoFit/>
+          </a:bodyPr>
+          <a:lstStyle/>
+          <a:p>
+            <a:endParaRPr lang="en-US"/>
+          </a:p>
+        </p:txBody>
+      </p:sp>
+      <p:pic>
+        <p:nvPicPr>
+          <p:cNvPr id="60" name="Immagine 59" descr="C:\Users\user\Documents\GitHub\linearVibrationsControl\finalReport\parts\Identification\img\validation_overall_kl_nomass.png"/>
+          <p:cNvPicPr>
+            <a:picLocks noChangeAspect="1"/>
+          </p:cNvPicPr>
+          <p:nvPr/>
+        </p:nvPicPr>
+        <p:blipFill>
+          <a:blip r:embed="rId8" cstate="print">
+            <a:extLst>
+              <a:ext uri="{28A0092B-C50C-407E-A947-70E740481C1C}">
+                <a14:useLocalDpi xmlns:a14="http://schemas.microsoft.com/office/drawing/2010/main" val="0"/>
+              </a:ext>
+            </a:extLst>
+          </a:blip>
+          <a:srcRect/>
+          <a:stretch>
+            <a:fillRect/>
+          </a:stretch>
+        </p:blipFill>
+        <p:spPr bwMode="auto">
+          <a:xfrm>
+            <a:off x="1606450" y="842020"/>
+            <a:ext cx="3737513" cy="2636695"/>
+          </a:xfrm>
+          <a:prstGeom prst="rect">
+            <a:avLst/>
+          </a:prstGeom>
+          <a:noFill/>
+          <a:ln>
+            <a:noFill/>
+          </a:ln>
+        </p:spPr>
+      </p:pic>
+      <p:pic>
+        <p:nvPicPr>
+          <p:cNvPr id="61" name="Immagine 60" descr="C:\Users\user\Documents\GitHub\linearVibrationsControl\finalReport\parts\Identification\img\validation_overall_2dof_klkh_0m0m.png"/>
+          <p:cNvPicPr>
+            <a:picLocks noChangeAspect="1"/>
+          </p:cNvPicPr>
+          <p:nvPr/>
+        </p:nvPicPr>
+        <p:blipFill>
+          <a:blip r:embed="rId9" cstate="print">
+            <a:extLst>
+              <a:ext uri="{28A0092B-C50C-407E-A947-70E740481C1C}">
+                <a14:useLocalDpi xmlns:a14="http://schemas.microsoft.com/office/drawing/2010/main" val="0"/>
+              </a:ext>
+            </a:extLst>
+          </a:blip>
+          <a:srcRect/>
+          <a:stretch>
+            <a:fillRect/>
+          </a:stretch>
+        </p:blipFill>
+        <p:spPr bwMode="auto">
+          <a:xfrm>
+            <a:off x="5511073" y="842020"/>
+            <a:ext cx="3516630" cy="2636695"/>
+          </a:xfrm>
+          <a:prstGeom prst="rect">
+            <a:avLst/>
+          </a:prstGeom>
+          <a:noFill/>
+          <a:ln>
+            <a:noFill/>
+          </a:ln>
+        </p:spPr>
+      </p:pic>
+      <p:sp>
+        <p:nvSpPr>
+          <p:cNvPr id="57" name="Rettangolo 56"/>
+          <p:cNvSpPr/>
+          <p:nvPr/>
+        </p:nvSpPr>
+        <p:spPr>
+          <a:xfrm>
+            <a:off x="3036624" y="3307950"/>
+            <a:ext cx="877163" cy="369332"/>
+          </a:xfrm>
+          <a:prstGeom prst="rect">
+            <a:avLst/>
+          </a:prstGeom>
+        </p:spPr>
+        <p:txBody>
+          <a:bodyPr wrap="none">
+            <a:spAutoFit/>
+          </a:bodyPr>
+          <a:lstStyle/>
+          <a:p>
+            <a:r>
+              <a:rPr lang="it-IT" dirty="0">
+                <a:latin typeface="Calibri" panose="020F0502020204030204" pitchFamily="34" charset="0"/>
+                <a:ea typeface="Calibri" panose="020F0502020204030204" pitchFamily="34" charset="0"/>
+                <a:cs typeface="Times New Roman" panose="02020603050405020304" pitchFamily="18" charset="0"/>
+              </a:rPr>
+              <a:t>1 </a:t>
+            </a:r>
+            <a:r>
+              <a:rPr lang="it-IT" dirty="0" err="1">
+                <a:latin typeface="Calibri" panose="020F0502020204030204" pitchFamily="34" charset="0"/>
+                <a:ea typeface="Calibri" panose="020F0502020204030204" pitchFamily="34" charset="0"/>
+                <a:cs typeface="Times New Roman" panose="02020603050405020304" pitchFamily="18" charset="0"/>
+              </a:rPr>
+              <a:t>dof</a:t>
+            </a:r>
+            <a:r>
+              <a:rPr lang="it-IT" dirty="0">
+                <a:latin typeface="Calibri" panose="020F0502020204030204" pitchFamily="34" charset="0"/>
+                <a:ea typeface="Calibri" panose="020F0502020204030204" pitchFamily="34" charset="0"/>
+                <a:cs typeface="Times New Roman" panose="02020603050405020304" pitchFamily="18" charset="0"/>
+              </a:rPr>
+              <a:t> </a:t>
+            </a:r>
+            <a:r>
+              <a:rPr lang="it-IT" dirty="0" err="1">
+                <a:latin typeface="Calibri" panose="020F0502020204030204" pitchFamily="34" charset="0"/>
+                <a:ea typeface="Calibri" panose="020F0502020204030204" pitchFamily="34" charset="0"/>
+                <a:cs typeface="Times New Roman" panose="02020603050405020304" pitchFamily="18" charset="0"/>
+              </a:rPr>
+              <a:t>K</a:t>
+            </a:r>
+            <a:r>
+              <a:rPr lang="it-IT" baseline="-25000" dirty="0" err="1">
+                <a:latin typeface="Calibri" panose="020F0502020204030204" pitchFamily="34" charset="0"/>
+                <a:ea typeface="Calibri" panose="020F0502020204030204" pitchFamily="34" charset="0"/>
+                <a:cs typeface="Times New Roman" panose="02020603050405020304" pitchFamily="18" charset="0"/>
+              </a:rPr>
+              <a:t>l</a:t>
+            </a:r>
+            <a:endParaRPr lang="en-US" dirty="0"/>
+          </a:p>
+        </p:txBody>
+      </p:sp>
+      <p:sp>
+        <p:nvSpPr>
+          <p:cNvPr id="62" name="Rettangolo 61"/>
+          <p:cNvSpPr/>
+          <p:nvPr/>
+        </p:nvSpPr>
+        <p:spPr>
+          <a:xfrm>
+            <a:off x="6712985" y="3316093"/>
+            <a:ext cx="1112805" cy="369332"/>
+          </a:xfrm>
+          <a:prstGeom prst="rect">
+            <a:avLst/>
+          </a:prstGeom>
+        </p:spPr>
+        <p:txBody>
+          <a:bodyPr wrap="none">
+            <a:spAutoFit/>
+          </a:bodyPr>
+          <a:lstStyle/>
+          <a:p>
+            <a:r>
+              <a:rPr lang="it-IT" dirty="0">
+                <a:latin typeface="Calibri" panose="020F0502020204030204" pitchFamily="34" charset="0"/>
+                <a:ea typeface="Calibri" panose="020F0502020204030204" pitchFamily="34" charset="0"/>
+                <a:cs typeface="Times New Roman" panose="02020603050405020304" pitchFamily="18" charset="0"/>
+              </a:rPr>
+              <a:t>2 </a:t>
+            </a:r>
+            <a:r>
+              <a:rPr lang="it-IT" dirty="0" err="1">
+                <a:latin typeface="Calibri" panose="020F0502020204030204" pitchFamily="34" charset="0"/>
+                <a:ea typeface="Calibri" panose="020F0502020204030204" pitchFamily="34" charset="0"/>
+                <a:cs typeface="Times New Roman" panose="02020603050405020304" pitchFamily="18" charset="0"/>
+              </a:rPr>
+              <a:t>dof</a:t>
+            </a:r>
+            <a:r>
+              <a:rPr lang="it-IT" dirty="0">
+                <a:latin typeface="Calibri" panose="020F0502020204030204" pitchFamily="34" charset="0"/>
+                <a:ea typeface="Calibri" panose="020F0502020204030204" pitchFamily="34" charset="0"/>
+                <a:cs typeface="Times New Roman" panose="02020603050405020304" pitchFamily="18" charset="0"/>
+              </a:rPr>
+              <a:t> </a:t>
+            </a:r>
+            <a:r>
+              <a:rPr lang="it-IT" dirty="0" err="1">
+                <a:latin typeface="Calibri" panose="020F0502020204030204" pitchFamily="34" charset="0"/>
+                <a:ea typeface="Calibri" panose="020F0502020204030204" pitchFamily="34" charset="0"/>
+                <a:cs typeface="Times New Roman" panose="02020603050405020304" pitchFamily="18" charset="0"/>
+              </a:rPr>
+              <a:t>K</a:t>
+            </a:r>
+            <a:r>
+              <a:rPr lang="it-IT" baseline="-25000" dirty="0" err="1">
+                <a:latin typeface="Calibri" panose="020F0502020204030204" pitchFamily="34" charset="0"/>
+                <a:ea typeface="Calibri" panose="020F0502020204030204" pitchFamily="34" charset="0"/>
+                <a:cs typeface="Times New Roman" panose="02020603050405020304" pitchFamily="18" charset="0"/>
+              </a:rPr>
+              <a:t>l</a:t>
+            </a:r>
+            <a:r>
+              <a:rPr lang="it-IT" baseline="-25000" dirty="0">
+                <a:latin typeface="Calibri" panose="020F0502020204030204" pitchFamily="34" charset="0"/>
+                <a:ea typeface="Calibri" panose="020F0502020204030204" pitchFamily="34" charset="0"/>
+                <a:cs typeface="Times New Roman" panose="02020603050405020304" pitchFamily="18" charset="0"/>
+              </a:rPr>
+              <a:t> </a:t>
+            </a:r>
+            <a:r>
+              <a:rPr lang="it-IT" dirty="0" err="1">
+                <a:latin typeface="Calibri" panose="020F0502020204030204" pitchFamily="34" charset="0"/>
+                <a:ea typeface="Calibri" panose="020F0502020204030204" pitchFamily="34" charset="0"/>
+                <a:cs typeface="Times New Roman" panose="02020603050405020304" pitchFamily="18" charset="0"/>
+              </a:rPr>
+              <a:t>K</a:t>
+            </a:r>
+            <a:r>
+              <a:rPr lang="it-IT" baseline="-25000" dirty="0" err="1">
+                <a:latin typeface="Calibri" panose="020F0502020204030204" pitchFamily="34" charset="0"/>
+                <a:ea typeface="Calibri" panose="020F0502020204030204" pitchFamily="34" charset="0"/>
+                <a:cs typeface="Times New Roman" panose="02020603050405020304" pitchFamily="18" charset="0"/>
+              </a:rPr>
+              <a:t>h</a:t>
+            </a:r>
+            <a:endParaRPr lang="en-US" dirty="0"/>
+          </a:p>
+        </p:txBody>
+      </p:sp>
+      <p:sp>
+        <p:nvSpPr>
+          <p:cNvPr id="46" name="Rettangolo 45"/>
+          <p:cNvSpPr/>
+          <p:nvPr/>
+        </p:nvSpPr>
+        <p:spPr>
+          <a:xfrm>
+            <a:off x="6767369" y="6196053"/>
+            <a:ext cx="1197379" cy="369332"/>
+          </a:xfrm>
+          <a:prstGeom prst="rect">
+            <a:avLst/>
+          </a:prstGeom>
+        </p:spPr>
+        <p:txBody>
+          <a:bodyPr wrap="none">
+            <a:spAutoFit/>
+          </a:bodyPr>
+          <a:lstStyle/>
+          <a:p>
+            <a:r>
+              <a:rPr lang="it-IT" dirty="0">
+                <a:latin typeface="Calibri" panose="020F0502020204030204" pitchFamily="34" charset="0"/>
+                <a:ea typeface="Calibri" panose="020F0502020204030204" pitchFamily="34" charset="0"/>
+                <a:cs typeface="Times New Roman" panose="02020603050405020304" pitchFamily="18" charset="0"/>
+              </a:rPr>
+              <a:t>2 </a:t>
+            </a:r>
+            <a:r>
+              <a:rPr lang="it-IT" dirty="0" err="1">
+                <a:latin typeface="Calibri" panose="020F0502020204030204" pitchFamily="34" charset="0"/>
+                <a:ea typeface="Calibri" panose="020F0502020204030204" pitchFamily="34" charset="0"/>
+                <a:cs typeface="Times New Roman" panose="02020603050405020304" pitchFamily="18" charset="0"/>
+              </a:rPr>
+              <a:t>dof</a:t>
+            </a:r>
+            <a:r>
+              <a:rPr lang="it-IT" dirty="0">
+                <a:latin typeface="Calibri" panose="020F0502020204030204" pitchFamily="34" charset="0"/>
+                <a:ea typeface="Calibri" panose="020F0502020204030204" pitchFamily="34" charset="0"/>
+                <a:cs typeface="Times New Roman" panose="02020603050405020304" pitchFamily="18" charset="0"/>
+              </a:rPr>
+              <a:t> </a:t>
+            </a:r>
+            <a:r>
+              <a:rPr lang="it-IT" dirty="0" err="1">
+                <a:latin typeface="Calibri" panose="020F0502020204030204" pitchFamily="34" charset="0"/>
+                <a:ea typeface="Calibri" panose="020F0502020204030204" pitchFamily="34" charset="0"/>
+                <a:cs typeface="Times New Roman" panose="02020603050405020304" pitchFamily="18" charset="0"/>
+              </a:rPr>
+              <a:t>K</a:t>
+            </a:r>
+            <a:r>
+              <a:rPr lang="it-IT" baseline="-25000" dirty="0" err="1">
+                <a:latin typeface="Calibri" panose="020F0502020204030204" pitchFamily="34" charset="0"/>
+                <a:ea typeface="Calibri" panose="020F0502020204030204" pitchFamily="34" charset="0"/>
+                <a:cs typeface="Times New Roman" panose="02020603050405020304" pitchFamily="18" charset="0"/>
+              </a:rPr>
+              <a:t>h</a:t>
+            </a:r>
+            <a:r>
+              <a:rPr lang="it-IT" baseline="-25000" dirty="0">
+                <a:latin typeface="Calibri" panose="020F0502020204030204" pitchFamily="34" charset="0"/>
+                <a:ea typeface="Calibri" panose="020F0502020204030204" pitchFamily="34" charset="0"/>
+                <a:cs typeface="Times New Roman" panose="02020603050405020304" pitchFamily="18" charset="0"/>
+              </a:rPr>
+              <a:t> </a:t>
+            </a:r>
+            <a:r>
+              <a:rPr lang="it-IT" dirty="0">
+                <a:latin typeface="Calibri" panose="020F0502020204030204" pitchFamily="34" charset="0"/>
+                <a:ea typeface="Calibri" panose="020F0502020204030204" pitchFamily="34" charset="0"/>
+                <a:cs typeface="Times New Roman" panose="02020603050405020304" pitchFamily="18" charset="0"/>
+              </a:rPr>
+              <a:t>K</a:t>
+            </a:r>
+            <a:r>
+              <a:rPr lang="it-IT" baseline="-25000" dirty="0">
+                <a:latin typeface="Calibri" panose="020F0502020204030204" pitchFamily="34" charset="0"/>
+                <a:ea typeface="Calibri" panose="020F0502020204030204" pitchFamily="34" charset="0"/>
+                <a:cs typeface="Times New Roman" panose="02020603050405020304" pitchFamily="18" charset="0"/>
+              </a:rPr>
+              <a:t>m</a:t>
+            </a:r>
+            <a:endParaRPr lang="en-US" dirty="0"/>
+          </a:p>
+        </p:txBody>
+      </p:sp>
+      <p:sp>
+        <p:nvSpPr>
+          <p:cNvPr id="47" name="Rettangolo 46"/>
+          <p:cNvSpPr/>
+          <p:nvPr/>
+        </p:nvSpPr>
+        <p:spPr>
+          <a:xfrm>
+            <a:off x="3067111" y="6197820"/>
+            <a:ext cx="922047" cy="369332"/>
+          </a:xfrm>
+          <a:prstGeom prst="rect">
+            <a:avLst/>
+          </a:prstGeom>
+        </p:spPr>
+        <p:txBody>
+          <a:bodyPr wrap="none">
+            <a:spAutoFit/>
+          </a:bodyPr>
+          <a:lstStyle/>
+          <a:p>
+            <a:r>
+              <a:rPr lang="it-IT" dirty="0">
+                <a:latin typeface="Calibri" panose="020F0502020204030204" pitchFamily="34" charset="0"/>
+                <a:ea typeface="Calibri" panose="020F0502020204030204" pitchFamily="34" charset="0"/>
+                <a:cs typeface="Times New Roman" panose="02020603050405020304" pitchFamily="18" charset="0"/>
+              </a:rPr>
+              <a:t>1 </a:t>
+            </a:r>
+            <a:r>
+              <a:rPr lang="it-IT" dirty="0" err="1">
+                <a:latin typeface="Calibri" panose="020F0502020204030204" pitchFamily="34" charset="0"/>
+                <a:ea typeface="Calibri" panose="020F0502020204030204" pitchFamily="34" charset="0"/>
+                <a:cs typeface="Times New Roman" panose="02020603050405020304" pitchFamily="18" charset="0"/>
+              </a:rPr>
+              <a:t>dof</a:t>
+            </a:r>
+            <a:r>
+              <a:rPr lang="it-IT" dirty="0">
+                <a:latin typeface="Calibri" panose="020F0502020204030204" pitchFamily="34" charset="0"/>
+                <a:ea typeface="Calibri" panose="020F0502020204030204" pitchFamily="34" charset="0"/>
+                <a:cs typeface="Times New Roman" panose="02020603050405020304" pitchFamily="18" charset="0"/>
+              </a:rPr>
+              <a:t> </a:t>
+            </a:r>
+            <a:r>
+              <a:rPr lang="it-IT" dirty="0" err="1">
+                <a:latin typeface="Calibri" panose="020F0502020204030204" pitchFamily="34" charset="0"/>
+                <a:ea typeface="Calibri" panose="020F0502020204030204" pitchFamily="34" charset="0"/>
+                <a:cs typeface="Times New Roman" panose="02020603050405020304" pitchFamily="18" charset="0"/>
+              </a:rPr>
+              <a:t>K</a:t>
+            </a:r>
+            <a:r>
+              <a:rPr lang="it-IT" baseline="-25000" dirty="0" err="1">
+                <a:latin typeface="Calibri" panose="020F0502020204030204" pitchFamily="34" charset="0"/>
+                <a:ea typeface="Calibri" panose="020F0502020204030204" pitchFamily="34" charset="0"/>
+                <a:cs typeface="Times New Roman" panose="02020603050405020304" pitchFamily="18" charset="0"/>
+              </a:rPr>
+              <a:t>h</a:t>
+            </a:r>
+            <a:endParaRPr lang="en-US" dirty="0"/>
+          </a:p>
+        </p:txBody>
+      </p:sp>
+    </p:spTree>
+    <p:extLst>
+      <p:ext uri="{BB962C8B-B14F-4D97-AF65-F5344CB8AC3E}">
+        <p14:creationId xmlns:p14="http://schemas.microsoft.com/office/powerpoint/2010/main" val="1907308583"/>
+      </p:ext>
+    </p:extLst>
+  </p:cSld>
+  <p:clrMapOvr>
+    <a:masterClrMapping/>
+  </p:clrMapOvr>
+  <p:transition spd="slow">
+    <p:cut/>
+  </p:transition>
+</p:sld>
+</file>
+
 <file path=ppt/slides/slide2.xml><?xml version="1.0" encoding="utf-8"?>
+<p:sld xmlns:a="http://schemas.openxmlformats.org/drawingml/2006/main" xmlns:r="http://schemas.openxmlformats.org/officeDocument/2006/relationships" xmlns:p="http://schemas.openxmlformats.org/presentationml/2006/main">
+  <p:cSld>
+    <p:spTree>
+      <p:nvGrpSpPr>
+        <p:cNvPr id="1" name="Shape 35"/>
+        <p:cNvGrpSpPr/>
+        <p:nvPr/>
+      </p:nvGrpSpPr>
+      <p:grpSpPr>
+        <a:xfrm>
+          <a:off x="0" y="0"/>
+          <a:ext cx="0" cy="0"/>
+          <a:chOff x="0" y="0"/>
+          <a:chExt cx="0" cy="0"/>
+        </a:xfrm>
+      </p:grpSpPr>
+      <p:pic>
+        <p:nvPicPr>
+          <p:cNvPr id="3" name="Immagine 2"/>
+          <p:cNvPicPr>
+            <a:picLocks noChangeAspect="1"/>
+          </p:cNvPicPr>
+          <p:nvPr/>
+        </p:nvPicPr>
+        <p:blipFill rotWithShape="1">
+          <a:blip r:embed="rId3" cstate="print">
+            <a:extLst>
+              <a:ext uri="{28A0092B-C50C-407E-A947-70E740481C1C}">
+                <a14:useLocalDpi xmlns:a14="http://schemas.microsoft.com/office/drawing/2010/main" val="0"/>
+              </a:ext>
+            </a:extLst>
+          </a:blip>
+          <a:srcRect t="13063"/>
+          <a:stretch/>
+        </p:blipFill>
+        <p:spPr>
+          <a:xfrm>
+            <a:off x="1524000" y="1862330"/>
+            <a:ext cx="9130253" cy="4464865"/>
+          </a:xfrm>
+          <a:prstGeom prst="rect">
+            <a:avLst/>
+          </a:prstGeom>
+        </p:spPr>
+      </p:pic>
+      <p:sp>
+        <p:nvSpPr>
+          <p:cNvPr id="36" name="Shape 36"/>
+          <p:cNvSpPr txBox="1">
+            <a:spLocks noGrp="1"/>
+          </p:cNvSpPr>
+          <p:nvPr>
+            <p:ph type="title"/>
+          </p:nvPr>
+        </p:nvSpPr>
+        <p:spPr>
+          <a:xfrm>
+            <a:off x="2361450" y="131951"/>
+            <a:ext cx="8136900" cy="498599"/>
+          </a:xfrm>
+          <a:prstGeom prst="rect">
+            <a:avLst/>
+          </a:prstGeom>
+        </p:spPr>
+        <p:txBody>
+          <a:bodyPr lIns="91425" tIns="91425" rIns="91425" bIns="91425" anchor="b" anchorCtr="0">
+            <a:noAutofit/>
+          </a:bodyPr>
+          <a:lstStyle/>
+          <a:p>
+            <a:r>
+              <a:rPr lang="en-US" sz="3000" dirty="0">
+                <a:solidFill>
+                  <a:srgbClr val="003366"/>
+                </a:solidFill>
+              </a:rPr>
+              <a:t>System description</a:t>
+            </a:r>
+          </a:p>
+        </p:txBody>
+      </p:sp>
+      <p:pic>
+        <p:nvPicPr>
+          <p:cNvPr id="38" name="Shape 38"/>
+          <p:cNvPicPr preferRelativeResize="0"/>
+          <p:nvPr/>
+        </p:nvPicPr>
+        <p:blipFill>
+          <a:blip r:embed="rId4">
+            <a:alphaModFix/>
+          </a:blip>
+          <a:stretch>
+            <a:fillRect/>
+          </a:stretch>
+        </p:blipFill>
+        <p:spPr>
+          <a:xfrm>
+            <a:off x="1606450" y="65950"/>
+            <a:ext cx="464900" cy="498650"/>
+          </a:xfrm>
+          <a:prstGeom prst="rect">
+            <a:avLst/>
+          </a:prstGeom>
+          <a:noFill/>
+          <a:ln>
+            <a:noFill/>
+          </a:ln>
+        </p:spPr>
+      </p:pic>
+      <p:pic>
+        <p:nvPicPr>
+          <p:cNvPr id="39" name="Shape 39"/>
+          <p:cNvPicPr preferRelativeResize="0"/>
+          <p:nvPr/>
+        </p:nvPicPr>
+        <p:blipFill>
+          <a:blip r:embed="rId5">
+            <a:alphaModFix/>
+          </a:blip>
+          <a:stretch>
+            <a:fillRect/>
+          </a:stretch>
+        </p:blipFill>
+        <p:spPr>
+          <a:xfrm>
+            <a:off x="1524000" y="630540"/>
+            <a:ext cx="9143998" cy="97471"/>
+          </a:xfrm>
+          <a:prstGeom prst="rect">
+            <a:avLst/>
+          </a:prstGeom>
+          <a:noFill/>
+          <a:ln>
+            <a:noFill/>
+          </a:ln>
+        </p:spPr>
+      </p:pic>
+      <p:cxnSp>
+        <p:nvCxnSpPr>
+          <p:cNvPr id="40" name="Shape 40"/>
+          <p:cNvCxnSpPr/>
+          <p:nvPr/>
+        </p:nvCxnSpPr>
+        <p:spPr>
+          <a:xfrm rot="10800000">
+            <a:off x="2215550" y="126"/>
+            <a:ext cx="0" cy="630299"/>
+          </a:xfrm>
+          <a:prstGeom prst="straightConnector1">
+            <a:avLst/>
+          </a:prstGeom>
+          <a:noFill/>
+          <a:ln w="9525" cap="flat" cmpd="sng">
+            <a:solidFill>
+              <a:srgbClr val="003366"/>
+            </a:solidFill>
+            <a:prstDash val="solid"/>
+            <a:round/>
+            <a:headEnd type="none" w="lg" len="lg"/>
+            <a:tailEnd type="none" w="lg" len="lg"/>
+          </a:ln>
+        </p:spPr>
+      </p:cxnSp>
+      <p:sp>
+        <p:nvSpPr>
+          <p:cNvPr id="41" name="Shape 41"/>
+          <p:cNvSpPr txBox="1"/>
+          <p:nvPr/>
+        </p:nvSpPr>
+        <p:spPr>
+          <a:xfrm>
+            <a:off x="8307700" y="6531001"/>
+            <a:ext cx="2599200" cy="363899"/>
+          </a:xfrm>
+          <a:prstGeom prst="rect">
+            <a:avLst/>
+          </a:prstGeom>
+          <a:noFill/>
+          <a:ln>
+            <a:noFill/>
+          </a:ln>
+        </p:spPr>
+        <p:txBody>
+          <a:bodyPr lIns="91425" tIns="91425" rIns="91425" bIns="91425" anchor="t" anchorCtr="0">
+            <a:noAutofit/>
+          </a:bodyPr>
+          <a:lstStyle/>
+          <a:p>
+            <a:r>
+              <a:rPr lang="en-US" sz="1200" b="1" dirty="0">
+                <a:solidFill>
+                  <a:srgbClr val="FFFFFF"/>
+                </a:solidFill>
+              </a:rPr>
+              <a:t>POLITECNICO DI MILANO</a:t>
+            </a:r>
+          </a:p>
+        </p:txBody>
+      </p:sp>
+      <p:pic>
+        <p:nvPicPr>
+          <p:cNvPr id="42" name="Shape 42"/>
+          <p:cNvPicPr preferRelativeResize="0"/>
+          <p:nvPr/>
+        </p:nvPicPr>
+        <p:blipFill>
+          <a:blip r:embed="rId6">
+            <a:alphaModFix/>
+          </a:blip>
+          <a:stretch>
+            <a:fillRect/>
+          </a:stretch>
+        </p:blipFill>
+        <p:spPr>
+          <a:xfrm>
+            <a:off x="1524000" y="6571226"/>
+            <a:ext cx="9144000" cy="286775"/>
+          </a:xfrm>
+          <a:prstGeom prst="rect">
+            <a:avLst/>
+          </a:prstGeom>
+          <a:noFill/>
+          <a:ln>
+            <a:noFill/>
+          </a:ln>
+        </p:spPr>
+      </p:pic>
+      <p:sp>
+        <p:nvSpPr>
+          <p:cNvPr id="43" name="Shape 43"/>
+          <p:cNvSpPr txBox="1">
+            <a:spLocks noGrp="1"/>
+          </p:cNvSpPr>
+          <p:nvPr>
+            <p:ph type="ctrTitle" idx="4294967295"/>
+          </p:nvPr>
+        </p:nvSpPr>
+        <p:spPr>
+          <a:xfrm>
+            <a:off x="3575453" y="6500850"/>
+            <a:ext cx="3238799" cy="424199"/>
+          </a:xfrm>
+          <a:prstGeom prst="rect">
+            <a:avLst/>
+          </a:prstGeom>
+        </p:spPr>
+        <p:txBody>
+          <a:bodyPr lIns="91425" tIns="91425" rIns="91425" bIns="91425" anchor="ctr" anchorCtr="0">
+            <a:noAutofit/>
+          </a:bodyPr>
+          <a:lstStyle/>
+          <a:p>
+            <a:pPr indent="457200">
+              <a:lnSpc>
+                <a:spcPct val="115000"/>
+              </a:lnSpc>
+            </a:pPr>
+            <a:r>
+              <a:rPr lang="en-US" sz="1200" b="1" dirty="0">
+                <a:solidFill>
+                  <a:srgbClr val="003366"/>
+                </a:solidFill>
+              </a:rPr>
+              <a:t>Control of linear vibrations</a:t>
+            </a:r>
+            <a:endParaRPr lang="en-US" sz="1300" b="1" dirty="0">
+              <a:solidFill>
+                <a:srgbClr val="003366"/>
+              </a:solidFill>
+            </a:endParaRPr>
+          </a:p>
+        </p:txBody>
+      </p:sp>
+      <p:sp>
+        <p:nvSpPr>
+          <p:cNvPr id="55" name="Rectangle 44"/>
+          <p:cNvSpPr>
+            <a:spLocks noChangeArrowheads="1"/>
+          </p:cNvSpPr>
+          <p:nvPr/>
+        </p:nvSpPr>
+        <p:spPr bwMode="auto">
+          <a:xfrm>
+            <a:off x="1343600" y="3101516"/>
+            <a:ext cx="184731" cy="369332"/>
+          </a:xfrm>
+          <a:prstGeom prst="rect">
+            <a:avLst/>
+          </a:prstGeom>
+          <a:noFill/>
+          <a:ln>
+            <a:noFill/>
+          </a:ln>
+          <a:effectLst/>
+          <a:extLst>
+            <a:ext uri="{909E8E84-426E-40DD-AFC4-6F175D3DCCD1}">
+              <a14:hiddenFill xmlns:a14="http://schemas.microsoft.com/office/drawing/2010/main">
+                <a:solidFill>
+                  <a:schemeClr val="accent1"/>
+                </a:solidFill>
+              </a14:hiddenFill>
+            </a:ext>
+            <a:ext uri="{91240B29-F687-4F45-9708-019B960494DF}">
+              <a14:hiddenLine xmlns:a14="http://schemas.microsoft.com/office/drawing/2010/main" w="9525">
+                <a:solidFill>
+                  <a:schemeClr val="tx1"/>
+                </a:solidFill>
+                <a:miter lim="800000"/>
+                <a:headEnd/>
+                <a:tailEnd/>
+              </a14:hiddenLine>
+            </a:ext>
+            <a:ext uri="{AF507438-7753-43E0-B8FC-AC1667EBCBE1}">
+              <a14:hiddenEffects xmlns:a14="http://schemas.microsoft.com/office/drawing/2010/main">
+                <a:effectLst>
+                  <a:outerShdw dist="35921" dir="2700000" algn="ctr" rotWithShape="0">
+                    <a:schemeClr val="bg2"/>
+                  </a:outerShdw>
+                </a:effectLst>
+              </a14:hiddenEffects>
+            </a:ext>
+          </a:extLst>
+        </p:spPr>
+        <p:txBody>
+          <a:bodyPr vert="horz" wrap="none" lIns="91440" tIns="45720" rIns="91440" bIns="45720" numCol="1" anchor="ctr" anchorCtr="0" compatLnSpc="1">
+            <a:prstTxWarp prst="textNoShape">
+              <a:avLst/>
+            </a:prstTxWarp>
+            <a:spAutoFit/>
+          </a:bodyPr>
+          <a:lstStyle/>
+          <a:p>
+            <a:endParaRPr lang="en-US" dirty="0"/>
+          </a:p>
+        </p:txBody>
+      </p:sp>
+      <p:sp>
+        <p:nvSpPr>
+          <p:cNvPr id="6" name="Freccia in giù 5"/>
+          <p:cNvSpPr/>
+          <p:nvPr/>
+        </p:nvSpPr>
+        <p:spPr>
+          <a:xfrm>
+            <a:off x="3177417" y="1412079"/>
+            <a:ext cx="484632" cy="848225"/>
+          </a:xfrm>
+          <a:prstGeom prst="downArrow">
+            <a:avLst/>
+          </a:prstGeom>
+        </p:spPr>
+        <p:style>
+          <a:lnRef idx="2">
+            <a:schemeClr val="accent1">
+              <a:shade val="50000"/>
+            </a:schemeClr>
+          </a:lnRef>
+          <a:fillRef idx="1">
+            <a:schemeClr val="accent1"/>
+          </a:fillRef>
+          <a:effectRef idx="0">
+            <a:schemeClr val="accent1"/>
+          </a:effectRef>
+          <a:fontRef idx="minor">
+            <a:schemeClr val="lt1"/>
+          </a:fontRef>
+        </p:style>
+        <p:txBody>
+          <a:bodyPr rtlCol="0" anchor="ctr"/>
+          <a:lstStyle/>
+          <a:p>
+            <a:pPr algn="ctr"/>
+            <a:endParaRPr lang="it-IT"/>
+          </a:p>
+        </p:txBody>
+      </p:sp>
+      <p:grpSp>
+        <p:nvGrpSpPr>
+          <p:cNvPr id="10" name="Gruppo 9"/>
+          <p:cNvGrpSpPr/>
+          <p:nvPr/>
+        </p:nvGrpSpPr>
+        <p:grpSpPr>
+          <a:xfrm>
+            <a:off x="2640935" y="969207"/>
+            <a:ext cx="1596271" cy="478272"/>
+            <a:chOff x="2640935" y="969207"/>
+            <a:chExt cx="1596271" cy="478272"/>
+          </a:xfrm>
+        </p:grpSpPr>
+        <p:sp>
+          <p:nvSpPr>
+            <p:cNvPr id="8" name="Rettangolo arrotondato 7"/>
+            <p:cNvSpPr/>
+            <p:nvPr/>
+          </p:nvSpPr>
+          <p:spPr>
+            <a:xfrm>
+              <a:off x="2671903" y="969207"/>
+              <a:ext cx="1534337" cy="478272"/>
+            </a:xfrm>
+            <a:prstGeom prst="roundRect">
+              <a:avLst/>
+            </a:prstGeom>
+            <a:solidFill>
+              <a:schemeClr val="bg2"/>
+            </a:solidFill>
+          </p:spPr>
+          <p:style>
+            <a:lnRef idx="2">
+              <a:schemeClr val="accent1">
+                <a:shade val="50000"/>
+              </a:schemeClr>
+            </a:lnRef>
+            <a:fillRef idx="1">
+              <a:schemeClr val="accent1"/>
+            </a:fillRef>
+            <a:effectRef idx="0">
+              <a:schemeClr val="accent1"/>
+            </a:effectRef>
+            <a:fontRef idx="minor">
+              <a:schemeClr val="lt1"/>
+            </a:fontRef>
+          </p:style>
+          <p:txBody>
+            <a:bodyPr rtlCol="0" anchor="ctr"/>
+            <a:lstStyle/>
+            <a:p>
+              <a:pPr algn="ctr"/>
+              <a:endParaRPr lang="it-IT"/>
+            </a:p>
+          </p:txBody>
+        </p:sp>
+        <p:sp>
+          <p:nvSpPr>
+            <p:cNvPr id="7" name="Rettangolo 6"/>
+            <p:cNvSpPr/>
+            <p:nvPr/>
+          </p:nvSpPr>
+          <p:spPr>
+            <a:xfrm>
+              <a:off x="2640935" y="997207"/>
+              <a:ext cx="1596271" cy="369332"/>
+            </a:xfrm>
+            <a:prstGeom prst="rect">
+              <a:avLst/>
+            </a:prstGeom>
+          </p:spPr>
+          <p:txBody>
+            <a:bodyPr wrap="none">
+              <a:spAutoFit/>
+            </a:bodyPr>
+            <a:lstStyle/>
+            <a:p>
+              <a:r>
+                <a:rPr lang="en-US" dirty="0"/>
+                <a:t>Brushed motor</a:t>
+              </a:r>
+              <a:endParaRPr lang="it-IT" dirty="0"/>
+            </a:p>
+          </p:txBody>
+        </p:sp>
+      </p:grpSp>
+      <p:sp>
+        <p:nvSpPr>
+          <p:cNvPr id="21" name="Freccia in giù 20"/>
+          <p:cNvSpPr/>
+          <p:nvPr/>
+        </p:nvSpPr>
+        <p:spPr>
+          <a:xfrm>
+            <a:off x="5053812" y="1628589"/>
+            <a:ext cx="484632" cy="1289178"/>
+          </a:xfrm>
+          <a:prstGeom prst="downArrow">
+            <a:avLst/>
+          </a:prstGeom>
+        </p:spPr>
+        <p:style>
+          <a:lnRef idx="2">
+            <a:schemeClr val="accent1">
+              <a:shade val="50000"/>
+            </a:schemeClr>
+          </a:lnRef>
+          <a:fillRef idx="1">
+            <a:schemeClr val="accent1"/>
+          </a:fillRef>
+          <a:effectRef idx="0">
+            <a:schemeClr val="accent1"/>
+          </a:effectRef>
+          <a:fontRef idx="minor">
+            <a:schemeClr val="lt1"/>
+          </a:fontRef>
+        </p:style>
+        <p:txBody>
+          <a:bodyPr rtlCol="0" anchor="ctr"/>
+          <a:lstStyle/>
+          <a:p>
+            <a:pPr algn="ctr"/>
+            <a:endParaRPr lang="it-IT"/>
+          </a:p>
+        </p:txBody>
+      </p:sp>
+      <p:grpSp>
+        <p:nvGrpSpPr>
+          <p:cNvPr id="9" name="Gruppo 8"/>
+          <p:cNvGrpSpPr/>
+          <p:nvPr/>
+        </p:nvGrpSpPr>
+        <p:grpSpPr>
+          <a:xfrm>
+            <a:off x="4268174" y="1150317"/>
+            <a:ext cx="2136867" cy="478272"/>
+            <a:chOff x="4268174" y="1150317"/>
+            <a:chExt cx="2136867" cy="478272"/>
+          </a:xfrm>
+        </p:grpSpPr>
+        <p:sp>
+          <p:nvSpPr>
+            <p:cNvPr id="20" name="Rettangolo arrotondato 19"/>
+            <p:cNvSpPr/>
+            <p:nvPr/>
+          </p:nvSpPr>
+          <p:spPr>
+            <a:xfrm>
+              <a:off x="4268174" y="1150317"/>
+              <a:ext cx="2105899" cy="478272"/>
+            </a:xfrm>
+            <a:prstGeom prst="roundRect">
+              <a:avLst/>
+            </a:prstGeom>
+            <a:solidFill>
+              <a:schemeClr val="bg2"/>
+            </a:solidFill>
+          </p:spPr>
+          <p:style>
+            <a:lnRef idx="2">
+              <a:schemeClr val="accent1">
+                <a:shade val="50000"/>
+              </a:schemeClr>
+            </a:lnRef>
+            <a:fillRef idx="1">
+              <a:schemeClr val="accent1"/>
+            </a:fillRef>
+            <a:effectRef idx="0">
+              <a:schemeClr val="accent1"/>
+            </a:effectRef>
+            <a:fontRef idx="minor">
+              <a:schemeClr val="lt1"/>
+            </a:fontRef>
+          </p:style>
+          <p:txBody>
+            <a:bodyPr rtlCol="0" anchor="ctr"/>
+            <a:lstStyle/>
+            <a:p>
+              <a:pPr algn="ctr"/>
+              <a:endParaRPr lang="it-IT"/>
+            </a:p>
+          </p:txBody>
+        </p:sp>
+        <p:sp>
+          <p:nvSpPr>
+            <p:cNvPr id="22" name="Rettangolo 21"/>
+            <p:cNvSpPr/>
+            <p:nvPr/>
+          </p:nvSpPr>
+          <p:spPr>
+            <a:xfrm>
+              <a:off x="4268174" y="1180868"/>
+              <a:ext cx="2136867" cy="369332"/>
+            </a:xfrm>
+            <a:prstGeom prst="rect">
+              <a:avLst/>
+            </a:prstGeom>
+          </p:spPr>
+          <p:txBody>
+            <a:bodyPr wrap="none">
+              <a:spAutoFit/>
+            </a:bodyPr>
+            <a:lstStyle/>
+            <a:p>
+              <a:r>
+                <a:rPr lang="en-US" dirty="0"/>
+                <a:t>Incremental encoder</a:t>
+              </a:r>
+              <a:endParaRPr lang="it-IT" dirty="0"/>
+            </a:p>
+          </p:txBody>
+        </p:sp>
+      </p:grpSp>
+      <p:sp>
+        <p:nvSpPr>
+          <p:cNvPr id="25" name="Freccia in giù 24"/>
+          <p:cNvSpPr/>
+          <p:nvPr/>
+        </p:nvSpPr>
+        <p:spPr>
+          <a:xfrm>
+            <a:off x="8665930" y="2526233"/>
+            <a:ext cx="484632" cy="2128894"/>
+          </a:xfrm>
+          <a:prstGeom prst="downArrow">
+            <a:avLst/>
+          </a:prstGeom>
+        </p:spPr>
+        <p:style>
+          <a:lnRef idx="2">
+            <a:schemeClr val="accent1">
+              <a:shade val="50000"/>
+            </a:schemeClr>
+          </a:lnRef>
+          <a:fillRef idx="1">
+            <a:schemeClr val="accent1"/>
+          </a:fillRef>
+          <a:effectRef idx="0">
+            <a:schemeClr val="accent1"/>
+          </a:effectRef>
+          <a:fontRef idx="minor">
+            <a:schemeClr val="lt1"/>
+          </a:fontRef>
+        </p:style>
+        <p:txBody>
+          <a:bodyPr rtlCol="0" anchor="ctr"/>
+          <a:lstStyle/>
+          <a:p>
+            <a:pPr algn="ctr"/>
+            <a:endParaRPr lang="it-IT"/>
+          </a:p>
+        </p:txBody>
+      </p:sp>
+      <p:grpSp>
+        <p:nvGrpSpPr>
+          <p:cNvPr id="26" name="Gruppo 25"/>
+          <p:cNvGrpSpPr/>
+          <p:nvPr/>
+        </p:nvGrpSpPr>
+        <p:grpSpPr>
+          <a:xfrm>
+            <a:off x="8617214" y="2027849"/>
+            <a:ext cx="582064" cy="478272"/>
+            <a:chOff x="6934343" y="1130205"/>
+            <a:chExt cx="2105899" cy="478272"/>
+          </a:xfrm>
+        </p:grpSpPr>
+        <p:sp>
+          <p:nvSpPr>
+            <p:cNvPr id="27" name="Rettangolo arrotondato 26"/>
+            <p:cNvSpPr/>
+            <p:nvPr/>
+          </p:nvSpPr>
+          <p:spPr>
+            <a:xfrm>
+              <a:off x="6934343" y="1130205"/>
+              <a:ext cx="2105899" cy="478272"/>
+            </a:xfrm>
+            <a:prstGeom prst="roundRect">
+              <a:avLst/>
+            </a:prstGeom>
+            <a:solidFill>
+              <a:schemeClr val="bg2"/>
+            </a:solidFill>
+          </p:spPr>
+          <p:style>
+            <a:lnRef idx="2">
+              <a:schemeClr val="accent1">
+                <a:shade val="50000"/>
+              </a:schemeClr>
+            </a:lnRef>
+            <a:fillRef idx="1">
+              <a:schemeClr val="accent1"/>
+            </a:fillRef>
+            <a:effectRef idx="0">
+              <a:schemeClr val="accent1"/>
+            </a:effectRef>
+            <a:fontRef idx="minor">
+              <a:schemeClr val="lt1"/>
+            </a:fontRef>
+          </p:style>
+          <p:txBody>
+            <a:bodyPr rtlCol="0" anchor="ctr"/>
+            <a:lstStyle/>
+            <a:p>
+              <a:pPr algn="ctr"/>
+              <a:endParaRPr lang="it-IT"/>
+            </a:p>
+          </p:txBody>
+        </p:sp>
+        <p:sp>
+          <p:nvSpPr>
+            <p:cNvPr id="28" name="Rettangolo 27"/>
+            <p:cNvSpPr/>
+            <p:nvPr/>
+          </p:nvSpPr>
+          <p:spPr>
+            <a:xfrm>
+              <a:off x="6934343" y="1176495"/>
+              <a:ext cx="575799" cy="369332"/>
+            </a:xfrm>
+            <a:prstGeom prst="rect">
+              <a:avLst/>
+            </a:prstGeom>
+          </p:spPr>
+          <p:txBody>
+            <a:bodyPr wrap="none">
+              <a:spAutoFit/>
+            </a:bodyPr>
+            <a:lstStyle/>
+            <a:p>
+              <a:r>
+                <a:rPr lang="en-US" dirty="0"/>
+                <a:t>Cart</a:t>
+              </a:r>
+              <a:endParaRPr lang="it-IT" dirty="0"/>
+            </a:p>
+          </p:txBody>
+        </p:sp>
+      </p:grpSp>
+      <p:sp>
+        <p:nvSpPr>
+          <p:cNvPr id="11" name="Freccia a destra 10"/>
+          <p:cNvSpPr/>
+          <p:nvPr/>
+        </p:nvSpPr>
+        <p:spPr>
+          <a:xfrm>
+            <a:off x="3620995" y="3571101"/>
+            <a:ext cx="978408" cy="484632"/>
+          </a:xfrm>
+          <a:prstGeom prst="rightArrow">
+            <a:avLst/>
+          </a:prstGeom>
+        </p:spPr>
+        <p:style>
+          <a:lnRef idx="2">
+            <a:schemeClr val="accent1">
+              <a:shade val="50000"/>
+            </a:schemeClr>
+          </a:lnRef>
+          <a:fillRef idx="1">
+            <a:schemeClr val="accent1"/>
+          </a:fillRef>
+          <a:effectRef idx="0">
+            <a:schemeClr val="accent1"/>
+          </a:effectRef>
+          <a:fontRef idx="minor">
+            <a:schemeClr val="lt1"/>
+          </a:fontRef>
+        </p:style>
+        <p:txBody>
+          <a:bodyPr rtlCol="0" anchor="ctr"/>
+          <a:lstStyle/>
+          <a:p>
+            <a:pPr algn="ctr"/>
+            <a:endParaRPr lang="it-IT"/>
+          </a:p>
+        </p:txBody>
+      </p:sp>
+      <p:grpSp>
+        <p:nvGrpSpPr>
+          <p:cNvPr id="31" name="Gruppo 30"/>
+          <p:cNvGrpSpPr/>
+          <p:nvPr/>
+        </p:nvGrpSpPr>
+        <p:grpSpPr>
+          <a:xfrm>
+            <a:off x="2885321" y="3559700"/>
+            <a:ext cx="1254416" cy="478272"/>
+            <a:chOff x="6658600" y="1130205"/>
+            <a:chExt cx="3200741" cy="478272"/>
+          </a:xfrm>
+        </p:grpSpPr>
+        <p:sp>
+          <p:nvSpPr>
+            <p:cNvPr id="32" name="Rettangolo arrotondato 31"/>
+            <p:cNvSpPr/>
+            <p:nvPr/>
+          </p:nvSpPr>
+          <p:spPr>
+            <a:xfrm>
+              <a:off x="6658600" y="1130205"/>
+              <a:ext cx="2288684" cy="478272"/>
+            </a:xfrm>
+            <a:prstGeom prst="roundRect">
+              <a:avLst/>
+            </a:prstGeom>
+            <a:solidFill>
+              <a:schemeClr val="bg2"/>
+            </a:solidFill>
+          </p:spPr>
+          <p:style>
+            <a:lnRef idx="2">
+              <a:schemeClr val="accent1">
+                <a:shade val="50000"/>
+              </a:schemeClr>
+            </a:lnRef>
+            <a:fillRef idx="1">
+              <a:schemeClr val="accent1"/>
+            </a:fillRef>
+            <a:effectRef idx="0">
+              <a:schemeClr val="accent1"/>
+            </a:effectRef>
+            <a:fontRef idx="minor">
+              <a:schemeClr val="lt1"/>
+            </a:fontRef>
+          </p:style>
+          <p:txBody>
+            <a:bodyPr rtlCol="0" anchor="ctr"/>
+            <a:lstStyle/>
+            <a:p>
+              <a:pPr algn="ctr"/>
+              <a:endParaRPr lang="it-IT"/>
+            </a:p>
+          </p:txBody>
+        </p:sp>
+        <p:sp>
+          <p:nvSpPr>
+            <p:cNvPr id="33" name="Rettangolo 32"/>
+            <p:cNvSpPr/>
+            <p:nvPr/>
+          </p:nvSpPr>
+          <p:spPr>
+            <a:xfrm>
+              <a:off x="6764654" y="1176495"/>
+              <a:ext cx="3094687" cy="369332"/>
+            </a:xfrm>
+            <a:prstGeom prst="rect">
+              <a:avLst/>
+            </a:prstGeom>
+          </p:spPr>
+          <p:txBody>
+            <a:bodyPr wrap="none">
+              <a:spAutoFit/>
+            </a:bodyPr>
+            <a:lstStyle/>
+            <a:p>
+              <a:r>
+                <a:rPr lang="en-US" dirty="0"/>
+                <a:t>Weight</a:t>
+              </a:r>
+              <a:endParaRPr lang="it-IT" dirty="0"/>
+            </a:p>
+          </p:txBody>
+        </p:sp>
+      </p:grpSp>
+      <p:grpSp>
+        <p:nvGrpSpPr>
+          <p:cNvPr id="34" name="Gruppo 33"/>
+          <p:cNvGrpSpPr/>
+          <p:nvPr/>
+        </p:nvGrpSpPr>
+        <p:grpSpPr>
+          <a:xfrm>
+            <a:off x="4060373" y="5594789"/>
+            <a:ext cx="1585705" cy="478272"/>
+            <a:chOff x="6658597" y="1130205"/>
+            <a:chExt cx="4046051" cy="478272"/>
+          </a:xfrm>
+        </p:grpSpPr>
+        <p:sp>
+          <p:nvSpPr>
+            <p:cNvPr id="35" name="Rettangolo arrotondato 34"/>
+            <p:cNvSpPr/>
+            <p:nvPr/>
+          </p:nvSpPr>
+          <p:spPr>
+            <a:xfrm>
+              <a:off x="6658597" y="1130205"/>
+              <a:ext cx="4046051" cy="478272"/>
+            </a:xfrm>
+            <a:prstGeom prst="roundRect">
+              <a:avLst/>
+            </a:prstGeom>
+            <a:solidFill>
+              <a:schemeClr val="bg2"/>
+            </a:solidFill>
+          </p:spPr>
+          <p:style>
+            <a:lnRef idx="2">
+              <a:schemeClr val="accent1">
+                <a:shade val="50000"/>
+              </a:schemeClr>
+            </a:lnRef>
+            <a:fillRef idx="1">
+              <a:schemeClr val="accent1"/>
+            </a:fillRef>
+            <a:effectRef idx="0">
+              <a:schemeClr val="accent1"/>
+            </a:effectRef>
+            <a:fontRef idx="minor">
+              <a:schemeClr val="lt1"/>
+            </a:fontRef>
+          </p:style>
+          <p:txBody>
+            <a:bodyPr rtlCol="0" anchor="ctr"/>
+            <a:lstStyle/>
+            <a:p>
+              <a:pPr algn="ctr"/>
+              <a:endParaRPr lang="it-IT"/>
+            </a:p>
+          </p:txBody>
+        </p:sp>
+        <p:sp>
+          <p:nvSpPr>
+            <p:cNvPr id="37" name="Rettangolo 36"/>
+            <p:cNvSpPr/>
+            <p:nvPr/>
+          </p:nvSpPr>
+          <p:spPr>
+            <a:xfrm>
+              <a:off x="6764653" y="1176495"/>
+              <a:ext cx="3931817" cy="369332"/>
+            </a:xfrm>
+            <a:prstGeom prst="rect">
+              <a:avLst/>
+            </a:prstGeom>
+          </p:spPr>
+          <p:txBody>
+            <a:bodyPr wrap="none">
+              <a:spAutoFit/>
+            </a:bodyPr>
+            <a:lstStyle/>
+            <a:p>
+              <a:r>
+                <a:rPr lang="en-US" dirty="0"/>
+                <a:t>Arduino board</a:t>
+              </a:r>
+              <a:endParaRPr lang="it-IT" dirty="0"/>
+            </a:p>
+          </p:txBody>
+        </p:sp>
+      </p:grpSp>
+      <p:sp>
+        <p:nvSpPr>
+          <p:cNvPr id="12" name="Freccia a sinistra 11"/>
+          <p:cNvSpPr/>
+          <p:nvPr/>
+        </p:nvSpPr>
+        <p:spPr>
+          <a:xfrm>
+            <a:off x="3067517" y="5594789"/>
+            <a:ext cx="978408" cy="484632"/>
+          </a:xfrm>
+          <a:prstGeom prst="leftArrow">
+            <a:avLst/>
+          </a:prstGeom>
+        </p:spPr>
+        <p:style>
+          <a:lnRef idx="2">
+            <a:schemeClr val="accent1">
+              <a:shade val="50000"/>
+            </a:schemeClr>
+          </a:lnRef>
+          <a:fillRef idx="1">
+            <a:schemeClr val="accent1"/>
+          </a:fillRef>
+          <a:effectRef idx="0">
+            <a:schemeClr val="accent1"/>
+          </a:effectRef>
+          <a:fontRef idx="minor">
+            <a:schemeClr val="lt1"/>
+          </a:fontRef>
+        </p:style>
+        <p:txBody>
+          <a:bodyPr rtlCol="0" anchor="ctr"/>
+          <a:lstStyle/>
+          <a:p>
+            <a:pPr algn="ctr"/>
+            <a:endParaRPr lang="it-IT"/>
+          </a:p>
+        </p:txBody>
+      </p:sp>
+      <p:grpSp>
+        <p:nvGrpSpPr>
+          <p:cNvPr id="47" name="Gruppo 46"/>
+          <p:cNvGrpSpPr/>
+          <p:nvPr/>
+        </p:nvGrpSpPr>
+        <p:grpSpPr>
+          <a:xfrm>
+            <a:off x="5151731" y="4834784"/>
+            <a:ext cx="817740" cy="478272"/>
+            <a:chOff x="7585747" y="1130205"/>
+            <a:chExt cx="2086528" cy="478272"/>
+          </a:xfrm>
+        </p:grpSpPr>
+        <p:sp>
+          <p:nvSpPr>
+            <p:cNvPr id="48" name="Rettangolo arrotondato 47"/>
+            <p:cNvSpPr/>
+            <p:nvPr/>
+          </p:nvSpPr>
+          <p:spPr>
+            <a:xfrm>
+              <a:off x="7585747" y="1130205"/>
+              <a:ext cx="2086528" cy="478272"/>
+            </a:xfrm>
+            <a:prstGeom prst="roundRect">
+              <a:avLst/>
+            </a:prstGeom>
+            <a:solidFill>
+              <a:schemeClr val="bg2"/>
+            </a:solidFill>
+          </p:spPr>
+          <p:style>
+            <a:lnRef idx="2">
+              <a:schemeClr val="accent1">
+                <a:shade val="50000"/>
+              </a:schemeClr>
+            </a:lnRef>
+            <a:fillRef idx="1">
+              <a:schemeClr val="accent1"/>
+            </a:fillRef>
+            <a:effectRef idx="0">
+              <a:schemeClr val="accent1"/>
+            </a:effectRef>
+            <a:fontRef idx="minor">
+              <a:schemeClr val="lt1"/>
+            </a:fontRef>
+          </p:style>
+          <p:txBody>
+            <a:bodyPr rtlCol="0" anchor="ctr"/>
+            <a:lstStyle/>
+            <a:p>
+              <a:pPr algn="ctr"/>
+              <a:endParaRPr lang="it-IT"/>
+            </a:p>
+          </p:txBody>
+        </p:sp>
+        <p:sp>
+          <p:nvSpPr>
+            <p:cNvPr id="50" name="Rettangolo 49"/>
+            <p:cNvSpPr/>
+            <p:nvPr/>
+          </p:nvSpPr>
+          <p:spPr>
+            <a:xfrm>
+              <a:off x="7650559" y="1177067"/>
+              <a:ext cx="1980472" cy="369332"/>
+            </a:xfrm>
+            <a:prstGeom prst="rect">
+              <a:avLst/>
+            </a:prstGeom>
+          </p:spPr>
+          <p:txBody>
+            <a:bodyPr wrap="none">
+              <a:spAutoFit/>
+            </a:bodyPr>
+            <a:lstStyle/>
+            <a:p>
+              <a:r>
+                <a:rPr lang="en-US" dirty="0"/>
+                <a:t>Spring</a:t>
+              </a:r>
+              <a:endParaRPr lang="it-IT" dirty="0"/>
+            </a:p>
+          </p:txBody>
+        </p:sp>
+      </p:grpSp>
+      <p:sp>
+        <p:nvSpPr>
+          <p:cNvPr id="13" name="Freccia in su 12"/>
+          <p:cNvSpPr/>
+          <p:nvPr/>
+        </p:nvSpPr>
+        <p:spPr>
+          <a:xfrm>
+            <a:off x="5321123" y="3856376"/>
+            <a:ext cx="484632" cy="978408"/>
+          </a:xfrm>
+          <a:prstGeom prst="upArrow">
+            <a:avLst/>
+          </a:prstGeom>
+        </p:spPr>
+        <p:style>
+          <a:lnRef idx="2">
+            <a:schemeClr val="accent1">
+              <a:shade val="50000"/>
+            </a:schemeClr>
+          </a:lnRef>
+          <a:fillRef idx="1">
+            <a:schemeClr val="accent1"/>
+          </a:fillRef>
+          <a:effectRef idx="0">
+            <a:schemeClr val="accent1"/>
+          </a:effectRef>
+          <a:fontRef idx="minor">
+            <a:schemeClr val="lt1"/>
+          </a:fontRef>
+        </p:style>
+        <p:txBody>
+          <a:bodyPr rtlCol="0" anchor="ctr"/>
+          <a:lstStyle/>
+          <a:p>
+            <a:pPr algn="ctr"/>
+            <a:endParaRPr lang="it-IT"/>
+          </a:p>
+        </p:txBody>
+      </p:sp>
+    </p:spTree>
+    <p:extLst>
+      <p:ext uri="{BB962C8B-B14F-4D97-AF65-F5344CB8AC3E}">
+        <p14:creationId xmlns:p14="http://schemas.microsoft.com/office/powerpoint/2010/main" val="2319399844"/>
+      </p:ext>
+    </p:extLst>
+  </p:cSld>
+  <p:clrMapOvr>
+    <a:masterClrMapping/>
+  </p:clrMapOvr>
+  <p:transition spd="slow">
+    <p:cut/>
+  </p:transition>
+</p:sld>
+</file>
+
+<file path=ppt/slides/slide3.xml><?xml version="1.0" encoding="utf-8"?>
 <p:sld xmlns:a="http://schemas.openxmlformats.org/drawingml/2006/main" xmlns:r="http://schemas.openxmlformats.org/officeDocument/2006/relationships" xmlns:p="http://schemas.openxmlformats.org/presentationml/2006/main">
   <p:cSld>
     <p:spTree>
@@ -5858,26 +8060,1043 @@
           <a:lstStyle/>
           <a:p>
             <a:r>
-              <a:rPr lang="en-US" sz="3000" dirty="0">
+              <a:rPr lang="en-GB" sz="3000" dirty="0">
                 <a:solidFill>
                   <a:srgbClr val="003366"/>
                 </a:solidFill>
               </a:rPr>
-              <a:t>System </a:t>
-            </a:r>
-            <a:r>
-              <a:rPr lang="en-US" sz="3000" dirty="0" err="1">
+              <a:t>Preliminary issues</a:t>
+            </a:r>
+          </a:p>
+        </p:txBody>
+      </p:sp>
+      <p:pic>
+        <p:nvPicPr>
+          <p:cNvPr id="38" name="Shape 38"/>
+          <p:cNvPicPr preferRelativeResize="0"/>
+          <p:nvPr/>
+        </p:nvPicPr>
+        <p:blipFill>
+          <a:blip r:embed="rId3">
+            <a:alphaModFix/>
+          </a:blip>
+          <a:stretch>
+            <a:fillRect/>
+          </a:stretch>
+        </p:blipFill>
+        <p:spPr>
+          <a:xfrm>
+            <a:off x="1606450" y="65950"/>
+            <a:ext cx="464900" cy="498650"/>
+          </a:xfrm>
+          <a:prstGeom prst="rect">
+            <a:avLst/>
+          </a:prstGeom>
+          <a:noFill/>
+          <a:ln>
+            <a:noFill/>
+          </a:ln>
+        </p:spPr>
+      </p:pic>
+      <p:pic>
+        <p:nvPicPr>
+          <p:cNvPr id="39" name="Shape 39"/>
+          <p:cNvPicPr preferRelativeResize="0"/>
+          <p:nvPr/>
+        </p:nvPicPr>
+        <p:blipFill>
+          <a:blip r:embed="rId4">
+            <a:alphaModFix/>
+          </a:blip>
+          <a:stretch>
+            <a:fillRect/>
+          </a:stretch>
+        </p:blipFill>
+        <p:spPr>
+          <a:xfrm>
+            <a:off x="1524000" y="630540"/>
+            <a:ext cx="9143998" cy="97471"/>
+          </a:xfrm>
+          <a:prstGeom prst="rect">
+            <a:avLst/>
+          </a:prstGeom>
+          <a:noFill/>
+          <a:ln>
+            <a:noFill/>
+          </a:ln>
+        </p:spPr>
+      </p:pic>
+      <p:cxnSp>
+        <p:nvCxnSpPr>
+          <p:cNvPr id="40" name="Shape 40"/>
+          <p:cNvCxnSpPr/>
+          <p:nvPr/>
+        </p:nvCxnSpPr>
+        <p:spPr>
+          <a:xfrm rot="10800000">
+            <a:off x="2215550" y="126"/>
+            <a:ext cx="0" cy="630299"/>
+          </a:xfrm>
+          <a:prstGeom prst="straightConnector1">
+            <a:avLst/>
+          </a:prstGeom>
+          <a:noFill/>
+          <a:ln w="9525" cap="flat" cmpd="sng">
+            <a:solidFill>
+              <a:srgbClr val="003366"/>
+            </a:solidFill>
+            <a:prstDash val="solid"/>
+            <a:round/>
+            <a:headEnd type="none" w="lg" len="lg"/>
+            <a:tailEnd type="none" w="lg" len="lg"/>
+          </a:ln>
+        </p:spPr>
+      </p:cxnSp>
+      <p:sp>
+        <p:nvSpPr>
+          <p:cNvPr id="41" name="Shape 41"/>
+          <p:cNvSpPr txBox="1"/>
+          <p:nvPr/>
+        </p:nvSpPr>
+        <p:spPr>
+          <a:xfrm>
+            <a:off x="8307700" y="6531001"/>
+            <a:ext cx="2599200" cy="363899"/>
+          </a:xfrm>
+          <a:prstGeom prst="rect">
+            <a:avLst/>
+          </a:prstGeom>
+          <a:noFill/>
+          <a:ln>
+            <a:noFill/>
+          </a:ln>
+        </p:spPr>
+        <p:txBody>
+          <a:bodyPr lIns="91425" tIns="91425" rIns="91425" bIns="91425" anchor="t" anchorCtr="0">
+            <a:noAutofit/>
+          </a:bodyPr>
+          <a:lstStyle/>
+          <a:p>
+            <a:r>
+              <a:rPr lang="en-GB" sz="1200" b="1" dirty="0">
+                <a:solidFill>
+                  <a:srgbClr val="FFFFFF"/>
+                </a:solidFill>
+              </a:rPr>
+              <a:t>POLITECNICO DI MILANO</a:t>
+            </a:r>
+          </a:p>
+        </p:txBody>
+      </p:sp>
+      <p:pic>
+        <p:nvPicPr>
+          <p:cNvPr id="42" name="Shape 42"/>
+          <p:cNvPicPr preferRelativeResize="0"/>
+          <p:nvPr/>
+        </p:nvPicPr>
+        <p:blipFill>
+          <a:blip r:embed="rId5">
+            <a:alphaModFix/>
+          </a:blip>
+          <a:stretch>
+            <a:fillRect/>
+          </a:stretch>
+        </p:blipFill>
+        <p:spPr>
+          <a:xfrm>
+            <a:off x="1524000" y="6571226"/>
+            <a:ext cx="9144000" cy="286775"/>
+          </a:xfrm>
+          <a:prstGeom prst="rect">
+            <a:avLst/>
+          </a:prstGeom>
+          <a:noFill/>
+          <a:ln>
+            <a:noFill/>
+          </a:ln>
+        </p:spPr>
+      </p:pic>
+      <p:sp>
+        <p:nvSpPr>
+          <p:cNvPr id="43" name="Shape 43"/>
+          <p:cNvSpPr txBox="1">
+            <a:spLocks noGrp="1"/>
+          </p:cNvSpPr>
+          <p:nvPr>
+            <p:ph type="ctrTitle" idx="4294967295"/>
+          </p:nvPr>
+        </p:nvSpPr>
+        <p:spPr>
+          <a:xfrm>
+            <a:off x="3575453" y="6500850"/>
+            <a:ext cx="3238799" cy="424199"/>
+          </a:xfrm>
+          <a:prstGeom prst="rect">
+            <a:avLst/>
+          </a:prstGeom>
+        </p:spPr>
+        <p:txBody>
+          <a:bodyPr lIns="91425" tIns="91425" rIns="91425" bIns="91425" anchor="ctr" anchorCtr="0">
+            <a:noAutofit/>
+          </a:bodyPr>
+          <a:lstStyle/>
+          <a:p>
+            <a:pPr indent="457200">
+              <a:lnSpc>
+                <a:spcPct val="115000"/>
+              </a:lnSpc>
+            </a:pPr>
+            <a:r>
+              <a:rPr lang="en-GB" sz="1200" b="1" dirty="0">
                 <a:solidFill>
                   <a:srgbClr val="003366"/>
                 </a:solidFill>
               </a:rPr>
-              <a:t>descrption</a:t>
-            </a:r>
-            <a:endParaRPr lang="en-US" sz="3000" dirty="0">
+              <a:t>Control of linear vibrations</a:t>
+            </a:r>
+            <a:endParaRPr lang="en-GB" sz="1300" b="1" dirty="0">
               <a:solidFill>
                 <a:srgbClr val="003366"/>
               </a:solidFill>
             </a:endParaRPr>
+          </a:p>
+        </p:txBody>
+      </p:sp>
+      <p:sp>
+        <p:nvSpPr>
+          <p:cNvPr id="55" name="Rectangle 44"/>
+          <p:cNvSpPr>
+            <a:spLocks noChangeArrowheads="1"/>
+          </p:cNvSpPr>
+          <p:nvPr/>
+        </p:nvSpPr>
+        <p:spPr bwMode="auto">
+          <a:xfrm>
+            <a:off x="1343600" y="3101516"/>
+            <a:ext cx="184731" cy="369332"/>
+          </a:xfrm>
+          <a:prstGeom prst="rect">
+            <a:avLst/>
+          </a:prstGeom>
+          <a:noFill/>
+          <a:ln>
+            <a:noFill/>
+          </a:ln>
+          <a:effectLst/>
+          <a:extLst>
+            <a:ext uri="{909E8E84-426E-40DD-AFC4-6F175D3DCCD1}">
+              <a14:hiddenFill xmlns:a14="http://schemas.microsoft.com/office/drawing/2010/main">
+                <a:solidFill>
+                  <a:schemeClr val="accent1"/>
+                </a:solidFill>
+              </a14:hiddenFill>
+            </a:ext>
+            <a:ext uri="{91240B29-F687-4F45-9708-019B960494DF}">
+              <a14:hiddenLine xmlns:a14="http://schemas.microsoft.com/office/drawing/2010/main" w="9525">
+                <a:solidFill>
+                  <a:schemeClr val="tx1"/>
+                </a:solidFill>
+                <a:miter lim="800000"/>
+                <a:headEnd/>
+                <a:tailEnd/>
+              </a14:hiddenLine>
+            </a:ext>
+            <a:ext uri="{AF507438-7753-43E0-B8FC-AC1667EBCBE1}">
+              <a14:hiddenEffects xmlns:a14="http://schemas.microsoft.com/office/drawing/2010/main">
+                <a:effectLst>
+                  <a:outerShdw dist="35921" dir="2700000" algn="ctr" rotWithShape="0">
+                    <a:schemeClr val="bg2"/>
+                  </a:outerShdw>
+                </a:effectLst>
+              </a14:hiddenEffects>
+            </a:ext>
+          </a:extLst>
+        </p:spPr>
+        <p:txBody>
+          <a:bodyPr vert="horz" wrap="none" lIns="91440" tIns="45720" rIns="91440" bIns="45720" numCol="1" anchor="ctr" anchorCtr="0" compatLnSpc="1">
+            <a:prstTxWarp prst="textNoShape">
+              <a:avLst/>
+            </a:prstTxWarp>
+            <a:spAutoFit/>
+          </a:bodyPr>
+          <a:lstStyle/>
+          <a:p>
+            <a:endParaRPr lang="en-GB" dirty="0"/>
+          </a:p>
+        </p:txBody>
+      </p:sp>
+      <p:grpSp>
+        <p:nvGrpSpPr>
+          <p:cNvPr id="34" name="Gruppo 33"/>
+          <p:cNvGrpSpPr/>
+          <p:nvPr/>
+        </p:nvGrpSpPr>
+        <p:grpSpPr>
+          <a:xfrm>
+            <a:off x="1743299" y="849870"/>
+            <a:ext cx="2557318" cy="478272"/>
+            <a:chOff x="2798275" y="1113053"/>
+            <a:chExt cx="6525195" cy="478272"/>
+          </a:xfrm>
+        </p:grpSpPr>
+        <p:sp>
+          <p:nvSpPr>
+            <p:cNvPr id="35" name="Rettangolo arrotondato 34"/>
+            <p:cNvSpPr/>
+            <p:nvPr/>
+          </p:nvSpPr>
+          <p:spPr>
+            <a:xfrm>
+              <a:off x="2798275" y="1113053"/>
+              <a:ext cx="6525195" cy="478272"/>
+            </a:xfrm>
+            <a:prstGeom prst="roundRect">
+              <a:avLst/>
+            </a:prstGeom>
+            <a:solidFill>
+              <a:schemeClr val="bg2"/>
+            </a:solidFill>
+          </p:spPr>
+          <p:style>
+            <a:lnRef idx="2">
+              <a:schemeClr val="accent1">
+                <a:shade val="50000"/>
+              </a:schemeClr>
+            </a:lnRef>
+            <a:fillRef idx="1">
+              <a:schemeClr val="accent1"/>
+            </a:fillRef>
+            <a:effectRef idx="0">
+              <a:schemeClr val="accent1"/>
+            </a:effectRef>
+            <a:fontRef idx="minor">
+              <a:schemeClr val="lt1"/>
+            </a:fontRef>
+          </p:style>
+          <p:txBody>
+            <a:bodyPr rtlCol="0" anchor="ctr"/>
+            <a:lstStyle/>
+            <a:p>
+              <a:pPr algn="ctr"/>
+              <a:endParaRPr lang="en-GB" dirty="0"/>
+            </a:p>
+          </p:txBody>
+        </p:sp>
+        <p:sp>
+          <p:nvSpPr>
+            <p:cNvPr id="37" name="Rettangolo 36"/>
+            <p:cNvSpPr/>
+            <p:nvPr/>
+          </p:nvSpPr>
+          <p:spPr>
+            <a:xfrm>
+              <a:off x="2904331" y="1165276"/>
+              <a:ext cx="6419138" cy="369332"/>
+            </a:xfrm>
+            <a:prstGeom prst="rect">
+              <a:avLst/>
+            </a:prstGeom>
+          </p:spPr>
+          <p:txBody>
+            <a:bodyPr wrap="none">
+              <a:spAutoFit/>
+            </a:bodyPr>
+            <a:lstStyle/>
+            <a:p>
+              <a:r>
+                <a:rPr lang="en-GB" dirty="0"/>
+                <a:t>Measurement saturation</a:t>
+              </a:r>
+            </a:p>
+          </p:txBody>
+        </p:sp>
+      </p:grpSp>
+      <p:pic>
+        <p:nvPicPr>
+          <p:cNvPr id="5" name="Immagine 4"/>
+          <p:cNvPicPr>
+            <a:picLocks noChangeAspect="1"/>
+          </p:cNvPicPr>
+          <p:nvPr/>
+        </p:nvPicPr>
+        <p:blipFill>
+          <a:blip r:embed="rId6" cstate="print">
+            <a:extLst>
+              <a:ext uri="{28A0092B-C50C-407E-A947-70E740481C1C}">
+                <a14:useLocalDpi xmlns:a14="http://schemas.microsoft.com/office/drawing/2010/main" val="0"/>
+              </a:ext>
+            </a:extLst>
+          </a:blip>
+          <a:stretch>
+            <a:fillRect/>
+          </a:stretch>
+        </p:blipFill>
+        <p:spPr>
+          <a:xfrm>
+            <a:off x="2236043" y="4909374"/>
+            <a:ext cx="1613391" cy="1584943"/>
+          </a:xfrm>
+          <a:prstGeom prst="rect">
+            <a:avLst/>
+          </a:prstGeom>
+        </p:spPr>
+      </p:pic>
+      <p:pic>
+        <p:nvPicPr>
+          <p:cNvPr id="14" name="Immagine 13"/>
+          <p:cNvPicPr>
+            <a:picLocks noChangeAspect="1"/>
+          </p:cNvPicPr>
+          <p:nvPr/>
+        </p:nvPicPr>
+        <p:blipFill>
+          <a:blip r:embed="rId7">
+            <a:extLst>
+              <a:ext uri="{28A0092B-C50C-407E-A947-70E740481C1C}">
+                <a14:useLocalDpi xmlns:a14="http://schemas.microsoft.com/office/drawing/2010/main" val="0"/>
+              </a:ext>
+            </a:extLst>
+          </a:blip>
+          <a:stretch>
+            <a:fillRect/>
+          </a:stretch>
+        </p:blipFill>
+        <p:spPr>
+          <a:xfrm>
+            <a:off x="1303565" y="1450001"/>
+            <a:ext cx="3283568" cy="2462676"/>
+          </a:xfrm>
+          <a:prstGeom prst="rect">
+            <a:avLst/>
+          </a:prstGeom>
+        </p:spPr>
+      </p:pic>
+      <p:sp>
+        <p:nvSpPr>
+          <p:cNvPr id="15" name="Freccia a destra con strisce 14"/>
+          <p:cNvSpPr/>
+          <p:nvPr/>
+        </p:nvSpPr>
+        <p:spPr>
+          <a:xfrm rot="5400000">
+            <a:off x="2542715" y="4230876"/>
+            <a:ext cx="1000049" cy="484632"/>
+          </a:xfrm>
+          <a:prstGeom prst="stripedRightArrow">
+            <a:avLst/>
+          </a:prstGeom>
+          <a:noFill/>
+          <a:ln w="9525" cap="flat" cmpd="sng" algn="ctr">
+            <a:solidFill>
+              <a:schemeClr val="accent5"/>
+            </a:solidFill>
+            <a:prstDash val="solid"/>
+            <a:round/>
+            <a:headEnd type="none" w="med" len="med"/>
+            <a:tailEnd type="none" w="med" len="med"/>
+          </a:ln>
+        </p:spPr>
+        <p:style>
+          <a:lnRef idx="0">
+            <a:scrgbClr r="0" g="0" b="0"/>
+          </a:lnRef>
+          <a:fillRef idx="0">
+            <a:scrgbClr r="0" g="0" b="0"/>
+          </a:fillRef>
+          <a:effectRef idx="0">
+            <a:scrgbClr r="0" g="0" b="0"/>
+          </a:effectRef>
+          <a:fontRef idx="minor">
+            <a:schemeClr val="accent5"/>
+          </a:fontRef>
+        </p:style>
+        <p:txBody>
+          <a:bodyPr rtlCol="0" anchor="ctr"/>
+          <a:lstStyle/>
+          <a:p>
+            <a:pPr algn="ctr"/>
+            <a:r>
+              <a:rPr lang="en-GB" dirty="0"/>
+              <a:t>Solved</a:t>
+            </a:r>
+          </a:p>
+        </p:txBody>
+      </p:sp>
+      <p:grpSp>
+        <p:nvGrpSpPr>
+          <p:cNvPr id="45" name="Gruppo 44"/>
+          <p:cNvGrpSpPr/>
+          <p:nvPr/>
+        </p:nvGrpSpPr>
+        <p:grpSpPr>
+          <a:xfrm>
+            <a:off x="7057902" y="847623"/>
+            <a:ext cx="2096836" cy="478272"/>
+            <a:chOff x="2798275" y="1113053"/>
+            <a:chExt cx="6585023" cy="478272"/>
+          </a:xfrm>
+        </p:grpSpPr>
+        <p:sp>
+          <p:nvSpPr>
+            <p:cNvPr id="46" name="Rettangolo arrotondato 45"/>
+            <p:cNvSpPr/>
+            <p:nvPr/>
+          </p:nvSpPr>
+          <p:spPr>
+            <a:xfrm>
+              <a:off x="2798275" y="1113053"/>
+              <a:ext cx="6525195" cy="478272"/>
+            </a:xfrm>
+            <a:prstGeom prst="roundRect">
+              <a:avLst/>
+            </a:prstGeom>
+            <a:solidFill>
+              <a:schemeClr val="bg2"/>
+            </a:solidFill>
+          </p:spPr>
+          <p:style>
+            <a:lnRef idx="2">
+              <a:schemeClr val="accent1">
+                <a:shade val="50000"/>
+              </a:schemeClr>
+            </a:lnRef>
+            <a:fillRef idx="1">
+              <a:schemeClr val="accent1"/>
+            </a:fillRef>
+            <a:effectRef idx="0">
+              <a:schemeClr val="accent1"/>
+            </a:effectRef>
+            <a:fontRef idx="minor">
+              <a:schemeClr val="lt1"/>
+            </a:fontRef>
+          </p:style>
+          <p:txBody>
+            <a:bodyPr rtlCol="0" anchor="ctr"/>
+            <a:lstStyle/>
+            <a:p>
+              <a:pPr algn="ctr"/>
+              <a:endParaRPr lang="en-GB" dirty="0"/>
+            </a:p>
+          </p:txBody>
+        </p:sp>
+        <p:sp>
+          <p:nvSpPr>
+            <p:cNvPr id="49" name="Rettangolo 48"/>
+            <p:cNvSpPr/>
+            <p:nvPr/>
+          </p:nvSpPr>
+          <p:spPr>
+            <a:xfrm>
+              <a:off x="2904331" y="1165276"/>
+              <a:ext cx="6478967" cy="369332"/>
+            </a:xfrm>
+            <a:prstGeom prst="rect">
+              <a:avLst/>
+            </a:prstGeom>
+          </p:spPr>
+          <p:txBody>
+            <a:bodyPr wrap="none">
+              <a:spAutoFit/>
+            </a:bodyPr>
+            <a:lstStyle/>
+            <a:p>
+              <a:r>
+                <a:rPr lang="en-GB" dirty="0"/>
+                <a:t>Measurement noise</a:t>
+              </a:r>
+            </a:p>
+          </p:txBody>
+        </p:sp>
+      </p:grpSp>
+      <p:pic>
+        <p:nvPicPr>
+          <p:cNvPr id="16" name="Immagine 15"/>
+          <p:cNvPicPr>
+            <a:picLocks noChangeAspect="1"/>
+          </p:cNvPicPr>
+          <p:nvPr/>
+        </p:nvPicPr>
+        <p:blipFill>
+          <a:blip r:embed="rId8">
+            <a:extLst>
+              <a:ext uri="{28A0092B-C50C-407E-A947-70E740481C1C}">
+                <a14:useLocalDpi xmlns:a14="http://schemas.microsoft.com/office/drawing/2010/main" val="0"/>
+              </a:ext>
+            </a:extLst>
+          </a:blip>
+          <a:stretch>
+            <a:fillRect/>
+          </a:stretch>
+        </p:blipFill>
+        <p:spPr>
+          <a:xfrm>
+            <a:off x="6375862" y="1408265"/>
+            <a:ext cx="3347263" cy="2510448"/>
+          </a:xfrm>
+          <a:prstGeom prst="rect">
+            <a:avLst/>
+          </a:prstGeom>
+        </p:spPr>
+      </p:pic>
+      <p:sp>
+        <p:nvSpPr>
+          <p:cNvPr id="24" name="CasellaDiTesto 23"/>
+          <p:cNvSpPr txBox="1"/>
+          <p:nvPr/>
+        </p:nvSpPr>
+        <p:spPr>
+          <a:xfrm>
+            <a:off x="5782597" y="3816417"/>
+            <a:ext cx="1309076" cy="369332"/>
+          </a:xfrm>
+          <a:prstGeom prst="rect">
+            <a:avLst/>
+          </a:prstGeom>
+          <a:noFill/>
+        </p:spPr>
+        <p:txBody>
+          <a:bodyPr wrap="none" rtlCol="0">
+            <a:spAutoFit/>
+          </a:bodyPr>
+          <a:lstStyle/>
+          <a:p>
+            <a:r>
+              <a:rPr lang="en-GB" dirty="0"/>
+              <a:t>White noise</a:t>
+            </a:r>
+          </a:p>
+        </p:txBody>
+      </p:sp>
+      <p:sp>
+        <p:nvSpPr>
+          <p:cNvPr id="52" name="CasellaDiTesto 51"/>
+          <p:cNvSpPr txBox="1"/>
+          <p:nvPr/>
+        </p:nvSpPr>
+        <p:spPr>
+          <a:xfrm>
+            <a:off x="10026718" y="2175266"/>
+            <a:ext cx="1790683" cy="369332"/>
+          </a:xfrm>
+          <a:prstGeom prst="rect">
+            <a:avLst/>
+          </a:prstGeom>
+          <a:noFill/>
+        </p:spPr>
+        <p:txBody>
+          <a:bodyPr wrap="none" rtlCol="0">
+            <a:spAutoFit/>
+          </a:bodyPr>
+          <a:lstStyle/>
+          <a:p>
+            <a:r>
+              <a:rPr lang="en-GB" dirty="0"/>
+              <a:t>Variable variance</a:t>
+            </a:r>
+          </a:p>
+        </p:txBody>
+      </p:sp>
+      <p:cxnSp>
+        <p:nvCxnSpPr>
+          <p:cNvPr id="54" name="Connettore 2 53"/>
+          <p:cNvCxnSpPr>
+            <a:stCxn id="52" idx="1"/>
+          </p:cNvCxnSpPr>
+          <p:nvPr/>
+        </p:nvCxnSpPr>
+        <p:spPr>
+          <a:xfrm flipH="1">
+            <a:off x="8565502" y="2359932"/>
+            <a:ext cx="1461216" cy="184666"/>
+          </a:xfrm>
+          <a:prstGeom prst="straightConnector1">
+            <a:avLst/>
+          </a:prstGeom>
+          <a:ln>
+            <a:tailEnd type="triangle"/>
+          </a:ln>
+        </p:spPr>
+        <p:style>
+          <a:lnRef idx="1">
+            <a:schemeClr val="accent1"/>
+          </a:lnRef>
+          <a:fillRef idx="0">
+            <a:schemeClr val="accent1"/>
+          </a:fillRef>
+          <a:effectRef idx="0">
+            <a:schemeClr val="accent1"/>
+          </a:effectRef>
+          <a:fontRef idx="minor">
+            <a:schemeClr val="tx1"/>
+          </a:fontRef>
+        </p:style>
+      </p:cxnSp>
+      <p:cxnSp>
+        <p:nvCxnSpPr>
+          <p:cNvPr id="57" name="Connettore 2 56"/>
+          <p:cNvCxnSpPr>
+            <a:stCxn id="52" idx="1"/>
+          </p:cNvCxnSpPr>
+          <p:nvPr/>
+        </p:nvCxnSpPr>
+        <p:spPr>
+          <a:xfrm flipH="1">
+            <a:off x="8990214" y="2359932"/>
+            <a:ext cx="1036504" cy="541888"/>
+          </a:xfrm>
+          <a:prstGeom prst="straightConnector1">
+            <a:avLst/>
+          </a:prstGeom>
+          <a:ln>
+            <a:tailEnd type="triangle"/>
+          </a:ln>
+        </p:spPr>
+        <p:style>
+          <a:lnRef idx="1">
+            <a:schemeClr val="accent1"/>
+          </a:lnRef>
+          <a:fillRef idx="0">
+            <a:schemeClr val="accent1"/>
+          </a:fillRef>
+          <a:effectRef idx="0">
+            <a:schemeClr val="accent1"/>
+          </a:effectRef>
+          <a:fontRef idx="minor">
+            <a:schemeClr val="tx1"/>
+          </a:fontRef>
+        </p:style>
+      </p:cxnSp>
+      <p:cxnSp>
+        <p:nvCxnSpPr>
+          <p:cNvPr id="59" name="Connettore 2 58"/>
+          <p:cNvCxnSpPr>
+            <a:stCxn id="24" idx="0"/>
+          </p:cNvCxnSpPr>
+          <p:nvPr/>
+        </p:nvCxnSpPr>
+        <p:spPr>
+          <a:xfrm flipV="1">
+            <a:off x="6437135" y="2359932"/>
+            <a:ext cx="1400579" cy="1456485"/>
+          </a:xfrm>
+          <a:prstGeom prst="straightConnector1">
+            <a:avLst/>
+          </a:prstGeom>
+          <a:ln>
+            <a:tailEnd type="triangle"/>
+          </a:ln>
+        </p:spPr>
+        <p:style>
+          <a:lnRef idx="1">
+            <a:schemeClr val="accent1"/>
+          </a:lnRef>
+          <a:fillRef idx="0">
+            <a:schemeClr val="accent1"/>
+          </a:fillRef>
+          <a:effectRef idx="0">
+            <a:schemeClr val="accent1"/>
+          </a:effectRef>
+          <a:fontRef idx="minor">
+            <a:schemeClr val="tx1"/>
+          </a:fontRef>
+        </p:style>
+      </p:cxnSp>
+      <p:sp>
+        <p:nvSpPr>
+          <p:cNvPr id="60" name="Freccia a destra con strisce 59"/>
+          <p:cNvSpPr/>
+          <p:nvPr/>
+        </p:nvSpPr>
+        <p:spPr>
+          <a:xfrm rot="5400000">
+            <a:off x="5867314" y="4418296"/>
+            <a:ext cx="1017095" cy="484632"/>
+          </a:xfrm>
+          <a:prstGeom prst="stripedRightArrow">
+            <a:avLst/>
+          </a:prstGeom>
+          <a:noFill/>
+          <a:ln w="9525" cap="flat" cmpd="sng" algn="ctr">
+            <a:solidFill>
+              <a:schemeClr val="accent5"/>
+            </a:solidFill>
+            <a:prstDash val="solid"/>
+            <a:round/>
+            <a:headEnd type="none" w="med" len="med"/>
+            <a:tailEnd type="none" w="med" len="med"/>
+          </a:ln>
+        </p:spPr>
+        <p:style>
+          <a:lnRef idx="0">
+            <a:scrgbClr r="0" g="0" b="0"/>
+          </a:lnRef>
+          <a:fillRef idx="0">
+            <a:scrgbClr r="0" g="0" b="0"/>
+          </a:fillRef>
+          <a:effectRef idx="0">
+            <a:scrgbClr r="0" g="0" b="0"/>
+          </a:effectRef>
+          <a:fontRef idx="minor">
+            <a:schemeClr val="accent5"/>
+          </a:fontRef>
+        </p:style>
+        <p:txBody>
+          <a:bodyPr rtlCol="0" anchor="ctr"/>
+          <a:lstStyle/>
+          <a:p>
+            <a:pPr algn="ctr"/>
+            <a:r>
+              <a:rPr lang="en-GB" dirty="0"/>
+              <a:t>Solved</a:t>
+            </a:r>
+          </a:p>
+        </p:txBody>
+      </p:sp>
+      <p:sp>
+        <p:nvSpPr>
+          <p:cNvPr id="62" name="Freccia a destra con strisce 61"/>
+          <p:cNvSpPr/>
+          <p:nvPr/>
+        </p:nvSpPr>
+        <p:spPr>
+          <a:xfrm rot="5400000">
+            <a:off x="10398352" y="2810830"/>
+            <a:ext cx="1017095" cy="484632"/>
+          </a:xfrm>
+          <a:prstGeom prst="stripedRightArrow">
+            <a:avLst/>
+          </a:prstGeom>
+          <a:noFill/>
+          <a:ln w="9525" cap="flat" cmpd="sng" algn="ctr">
+            <a:solidFill>
+              <a:schemeClr val="accent5"/>
+            </a:solidFill>
+            <a:prstDash val="solid"/>
+            <a:round/>
+            <a:headEnd type="none" w="med" len="med"/>
+            <a:tailEnd type="none" w="med" len="med"/>
+          </a:ln>
+        </p:spPr>
+        <p:style>
+          <a:lnRef idx="0">
+            <a:scrgbClr r="0" g="0" b="0"/>
+          </a:lnRef>
+          <a:fillRef idx="0">
+            <a:scrgbClr r="0" g="0" b="0"/>
+          </a:fillRef>
+          <a:effectRef idx="0">
+            <a:scrgbClr r="0" g="0" b="0"/>
+          </a:effectRef>
+          <a:fontRef idx="minor">
+            <a:schemeClr val="accent5"/>
+          </a:fontRef>
+        </p:style>
+        <p:txBody>
+          <a:bodyPr rtlCol="0" anchor="ctr"/>
+          <a:lstStyle/>
+          <a:p>
+            <a:pPr algn="ctr"/>
+            <a:r>
+              <a:rPr lang="en-GB" dirty="0"/>
+              <a:t>Solved</a:t>
+            </a:r>
+          </a:p>
+        </p:txBody>
+      </p:sp>
+      <p:pic>
+        <p:nvPicPr>
+          <p:cNvPr id="63" name="Immagine 62"/>
+          <p:cNvPicPr>
+            <a:picLocks noChangeAspect="1"/>
+          </p:cNvPicPr>
+          <p:nvPr/>
+        </p:nvPicPr>
+        <p:blipFill>
+          <a:blip r:embed="rId9" cstate="print">
+            <a:extLst>
+              <a:ext uri="{28A0092B-C50C-407E-A947-70E740481C1C}">
+                <a14:useLocalDpi xmlns:a14="http://schemas.microsoft.com/office/drawing/2010/main" val="0"/>
+              </a:ext>
+            </a:extLst>
+          </a:blip>
+          <a:stretch>
+            <a:fillRect/>
+          </a:stretch>
+        </p:blipFill>
+        <p:spPr>
+          <a:xfrm>
+            <a:off x="5479195" y="5209385"/>
+            <a:ext cx="1793333" cy="1345000"/>
+          </a:xfrm>
+          <a:prstGeom prst="rect">
+            <a:avLst/>
+          </a:prstGeom>
+        </p:spPr>
+      </p:pic>
+      <p:sp>
+        <p:nvSpPr>
+          <p:cNvPr id="64" name="CasellaDiTesto 63"/>
+          <p:cNvSpPr txBox="1"/>
+          <p:nvPr/>
+        </p:nvSpPr>
+        <p:spPr>
+          <a:xfrm>
+            <a:off x="7091673" y="6071620"/>
+            <a:ext cx="1836913" cy="369332"/>
+          </a:xfrm>
+          <a:prstGeom prst="rect">
+            <a:avLst/>
+          </a:prstGeom>
+          <a:noFill/>
+        </p:spPr>
+        <p:txBody>
+          <a:bodyPr wrap="none" rtlCol="0">
+            <a:spAutoFit/>
+          </a:bodyPr>
+          <a:lstStyle/>
+          <a:p>
+            <a:r>
+              <a:rPr lang="it-IT" dirty="0"/>
+              <a:t>Fourier </a:t>
+            </a:r>
+            <a:r>
+              <a:rPr lang="it-IT" dirty="0" err="1"/>
+              <a:t>transform</a:t>
+            </a:r>
+            <a:endParaRPr lang="it-IT" dirty="0"/>
+          </a:p>
+        </p:txBody>
+      </p:sp>
+      <p:pic>
+        <p:nvPicPr>
+          <p:cNvPr id="65" name="Immagine 64"/>
+          <p:cNvPicPr>
+            <a:picLocks noChangeAspect="1"/>
+          </p:cNvPicPr>
+          <p:nvPr/>
+        </p:nvPicPr>
+        <p:blipFill>
+          <a:blip r:embed="rId10">
+            <a:extLst>
+              <a:ext uri="{28A0092B-C50C-407E-A947-70E740481C1C}">
+                <a14:useLocalDpi xmlns:a14="http://schemas.microsoft.com/office/drawing/2010/main" val="0"/>
+              </a:ext>
+            </a:extLst>
+          </a:blip>
+          <a:stretch>
+            <a:fillRect/>
+          </a:stretch>
+        </p:blipFill>
+        <p:spPr>
+          <a:xfrm>
+            <a:off x="9677688" y="3632070"/>
+            <a:ext cx="2514312" cy="1885734"/>
+          </a:xfrm>
+          <a:prstGeom prst="rect">
+            <a:avLst/>
+          </a:prstGeom>
+        </p:spPr>
+      </p:pic>
+      <p:sp>
+        <p:nvSpPr>
+          <p:cNvPr id="66" name="CasellaDiTesto 65"/>
+          <p:cNvSpPr txBox="1"/>
+          <p:nvPr/>
+        </p:nvSpPr>
+        <p:spPr>
+          <a:xfrm>
+            <a:off x="10214871" y="5558029"/>
+            <a:ext cx="1439946" cy="369332"/>
+          </a:xfrm>
+          <a:prstGeom prst="rect">
+            <a:avLst/>
+          </a:prstGeom>
+          <a:noFill/>
+        </p:spPr>
+        <p:txBody>
+          <a:bodyPr wrap="none" rtlCol="0">
+            <a:spAutoFit/>
+          </a:bodyPr>
+          <a:lstStyle/>
+          <a:p>
+            <a:r>
+              <a:rPr lang="it-IT" dirty="0"/>
+              <a:t>LS </a:t>
+            </a:r>
+            <a:r>
+              <a:rPr lang="it-IT" dirty="0" err="1"/>
+              <a:t>estimation</a:t>
+            </a:r>
+            <a:endParaRPr lang="it-IT" dirty="0"/>
+          </a:p>
+        </p:txBody>
+      </p:sp>
+    </p:spTree>
+    <p:extLst>
+      <p:ext uri="{BB962C8B-B14F-4D97-AF65-F5344CB8AC3E}">
+        <p14:creationId xmlns:p14="http://schemas.microsoft.com/office/powerpoint/2010/main" val="3841646808"/>
+      </p:ext>
+    </p:extLst>
+  </p:cSld>
+  <p:clrMapOvr>
+    <a:masterClrMapping/>
+  </p:clrMapOvr>
+  <p:transition spd="slow">
+    <p:cut/>
+  </p:transition>
+</p:sld>
+</file>
+
+<file path=ppt/slides/slide4.xml><?xml version="1.0" encoding="utf-8"?>
+<p:sld xmlns:a="http://schemas.openxmlformats.org/drawingml/2006/main" xmlns:r="http://schemas.openxmlformats.org/officeDocument/2006/relationships" xmlns:p="http://schemas.openxmlformats.org/presentationml/2006/main">
+  <p:cSld>
+    <p:spTree>
+      <p:nvGrpSpPr>
+        <p:cNvPr id="1" name="Shape 35"/>
+        <p:cNvGrpSpPr/>
+        <p:nvPr/>
+      </p:nvGrpSpPr>
+      <p:grpSpPr>
+        <a:xfrm>
+          <a:off x="0" y="0"/>
+          <a:ext cx="0" cy="0"/>
+          <a:chOff x="0" y="0"/>
+          <a:chExt cx="0" cy="0"/>
+        </a:xfrm>
+      </p:grpSpPr>
+      <p:sp>
+        <p:nvSpPr>
+          <p:cNvPr id="36" name="Shape 36"/>
+          <p:cNvSpPr txBox="1">
+            <a:spLocks noGrp="1"/>
+          </p:cNvSpPr>
+          <p:nvPr>
+            <p:ph type="title"/>
+          </p:nvPr>
+        </p:nvSpPr>
+        <p:spPr>
+          <a:xfrm>
+            <a:off x="2361450" y="131951"/>
+            <a:ext cx="8136900" cy="498599"/>
+          </a:xfrm>
+          <a:prstGeom prst="rect">
+            <a:avLst/>
+          </a:prstGeom>
+        </p:spPr>
+        <p:txBody>
+          <a:bodyPr lIns="91425" tIns="91425" rIns="91425" bIns="91425" anchor="b" anchorCtr="0">
+            <a:noAutofit/>
+          </a:bodyPr>
+          <a:lstStyle/>
+          <a:p>
+            <a:r>
+              <a:rPr lang="en-US" sz="3000" dirty="0">
+                <a:solidFill>
+                  <a:srgbClr val="003366"/>
+                </a:solidFill>
+              </a:rPr>
+              <a:t>System description</a:t>
+            </a:r>
           </a:p>
         </p:txBody>
       </p:sp>
@@ -6631,7 +9850,7 @@
     </p:spTree>
     <p:extLst>
       <p:ext uri="{BB962C8B-B14F-4D97-AF65-F5344CB8AC3E}">
-        <p14:creationId xmlns:p14="http://schemas.microsoft.com/office/powerpoint/2010/main" val="2319399844"/>
+        <p14:creationId xmlns:p14="http://schemas.microsoft.com/office/powerpoint/2010/main" val="1402923100"/>
       </p:ext>
     </p:extLst>
   </p:cSld>
@@ -6644,7 +9863,7 @@
 </p:sld>
 </file>
 
-<file path=ppt/slides/slide3.xml><?xml version="1.0" encoding="utf-8"?>
+<file path=ppt/slides/slide5.xml><?xml version="1.0" encoding="utf-8"?>
 <p:sld xmlns:a="http://schemas.openxmlformats.org/drawingml/2006/main" xmlns:r="http://schemas.openxmlformats.org/officeDocument/2006/relationships" xmlns:p="http://schemas.openxmlformats.org/presentationml/2006/main">
   <p:cSld>
     <p:spTree>
@@ -7059,7 +10278,7 @@
           <a:graphicData uri="http://schemas.openxmlformats.org/presentationml/2006/ole">
             <mc:AlternateContent xmlns:mc="http://schemas.openxmlformats.org/markup-compatibility/2006">
               <mc:Choice xmlns:v="urn:schemas-microsoft-com:vml" Requires="v">
-                <p:oleObj spid="_x0000_s2432" name="Equazione" r:id="rId7" imgW="1815312" imgH="393529" progId="Equation.3">
+                <p:oleObj spid="_x0000_s2549" name="Equazione" r:id="rId7" imgW="1815312" imgH="393529" progId="Equation.3">
                   <p:embed/>
                 </p:oleObj>
               </mc:Choice>
@@ -7126,7 +10345,7 @@
           <a:graphicData uri="http://schemas.openxmlformats.org/presentationml/2006/ole">
             <mc:AlternateContent xmlns:mc="http://schemas.openxmlformats.org/markup-compatibility/2006">
               <mc:Choice xmlns:v="urn:schemas-microsoft-com:vml" Requires="v">
-                <p:oleObj spid="_x0000_s2433" name="Equazione" r:id="rId9" imgW="457200" imgH="241200" progId="Equation.3">
+                <p:oleObj spid="_x0000_s2550" name="Equazione" r:id="rId9" imgW="457200" imgH="241200" progId="Equation.3">
                   <p:embed/>
                 </p:oleObj>
               </mc:Choice>
@@ -7187,7 +10406,7 @@
           <a:graphicData uri="http://schemas.openxmlformats.org/presentationml/2006/ole">
             <mc:AlternateContent xmlns:mc="http://schemas.openxmlformats.org/markup-compatibility/2006">
               <mc:Choice xmlns:v="urn:schemas-microsoft-com:vml" Requires="v">
-                <p:oleObj spid="_x0000_s2434" name="Equazione" r:id="rId11" imgW="203112" imgH="228501" progId="Equation.3">
+                <p:oleObj spid="_x0000_s2551" name="Equazione" r:id="rId11" imgW="203112" imgH="228501" progId="Equation.3">
                   <p:embed/>
                 </p:oleObj>
               </mc:Choice>
@@ -7395,7 +10614,7 @@
           <a:graphicData uri="http://schemas.openxmlformats.org/presentationml/2006/ole">
             <mc:AlternateContent xmlns:mc="http://schemas.openxmlformats.org/markup-compatibility/2006">
               <mc:Choice xmlns:v="urn:schemas-microsoft-com:vml" Requires="v">
-                <p:oleObj spid="_x0000_s2435" name="Equazione" r:id="rId13" imgW="787400" imgH="228600" progId="Equation.3">
+                <p:oleObj spid="_x0000_s2552" name="Equazione" r:id="rId13" imgW="787400" imgH="228600" progId="Equation.3">
                   <p:embed/>
                 </p:oleObj>
               </mc:Choice>
@@ -7577,7 +10796,7 @@
           <a:graphicData uri="http://schemas.openxmlformats.org/presentationml/2006/ole">
             <mc:AlternateContent xmlns:mc="http://schemas.openxmlformats.org/markup-compatibility/2006">
               <mc:Choice xmlns:v="urn:schemas-microsoft-com:vml" Requires="v">
-                <p:oleObj spid="_x0000_s2436" name="Equazione" r:id="rId15" imgW="1625400" imgH="241200" progId="Equation.3">
+                <p:oleObj spid="_x0000_s2553" name="Equazione" r:id="rId15" imgW="1625400" imgH="241200" progId="Equation.3">
                   <p:embed/>
                 </p:oleObj>
               </mc:Choice>
@@ -7638,7 +10857,7 @@
           <a:graphicData uri="http://schemas.openxmlformats.org/presentationml/2006/ole">
             <mc:AlternateContent xmlns:mc="http://schemas.openxmlformats.org/markup-compatibility/2006">
               <mc:Choice xmlns:v="urn:schemas-microsoft-com:vml" Requires="v">
-                <p:oleObj spid="_x0000_s2437" name="Equazione" r:id="rId17" imgW="304668" imgH="228501" progId="Equation.3">
+                <p:oleObj spid="_x0000_s2554" name="Equazione" r:id="rId17" imgW="304668" imgH="228501" progId="Equation.3">
                   <p:embed/>
                 </p:oleObj>
               </mc:Choice>
@@ -7705,7 +10924,7 @@
           <a:graphicData uri="http://schemas.openxmlformats.org/presentationml/2006/ole">
             <mc:AlternateContent xmlns:mc="http://schemas.openxmlformats.org/markup-compatibility/2006">
               <mc:Choice xmlns:v="urn:schemas-microsoft-com:vml" Requires="v">
-                <p:oleObj spid="_x0000_s2438" name="Equazione" r:id="rId19" imgW="139579" imgH="177646" progId="Equation.3">
+                <p:oleObj spid="_x0000_s2555" name="Equazione" r:id="rId19" imgW="139579" imgH="177646" progId="Equation.3">
                   <p:embed/>
                 </p:oleObj>
               </mc:Choice>
@@ -7772,7 +10991,7 @@
           <a:graphicData uri="http://schemas.openxmlformats.org/presentationml/2006/ole">
             <mc:AlternateContent xmlns:mc="http://schemas.openxmlformats.org/markup-compatibility/2006">
               <mc:Choice xmlns:v="urn:schemas-microsoft-com:vml" Requires="v">
-                <p:oleObj spid="_x0000_s2439" name="Equazione" r:id="rId21" imgW="545760" imgH="241200" progId="Equation.3">
+                <p:oleObj spid="_x0000_s2556" name="Equazione" r:id="rId21" imgW="545760" imgH="241200" progId="Equation.3">
                   <p:embed/>
                 </p:oleObj>
               </mc:Choice>
@@ -8204,7 +11423,7 @@
           <a:graphicData uri="http://schemas.openxmlformats.org/presentationml/2006/ole">
             <mc:AlternateContent xmlns:mc="http://schemas.openxmlformats.org/markup-compatibility/2006">
               <mc:Choice xmlns:v="urn:schemas-microsoft-com:vml" Requires="v">
-                <p:oleObj spid="_x0000_s2440" name="Equazione" r:id="rId23" imgW="1549400" imgH="228600" progId="Equation.3">
+                <p:oleObj spid="_x0000_s2557" name="Equazione" r:id="rId23" imgW="1549400" imgH="228600" progId="Equation.3">
                   <p:embed/>
                 </p:oleObj>
               </mc:Choice>
@@ -8334,7 +11553,7 @@
           <a:graphicData uri="http://schemas.openxmlformats.org/presentationml/2006/ole">
             <mc:AlternateContent xmlns:mc="http://schemas.openxmlformats.org/markup-compatibility/2006">
               <mc:Choice xmlns:v="urn:schemas-microsoft-com:vml" Requires="v">
-                <p:oleObj spid="_x0000_s2441" name="Equazione" r:id="rId25" imgW="469900" imgH="228600" progId="Equation.3">
+                <p:oleObj spid="_x0000_s2558" name="Equazione" r:id="rId25" imgW="469900" imgH="228600" progId="Equation.3">
                   <p:embed/>
                 </p:oleObj>
               </mc:Choice>
@@ -8534,7 +11753,7 @@
           <a:graphicData uri="http://schemas.openxmlformats.org/presentationml/2006/ole">
             <mc:AlternateContent xmlns:mc="http://schemas.openxmlformats.org/markup-compatibility/2006">
               <mc:Choice xmlns:v="urn:schemas-microsoft-com:vml" Requires="v">
-                <p:oleObj spid="_x0000_s2442" name="Equazione" r:id="rId27" imgW="520474" imgH="393529" progId="Equation.3">
+                <p:oleObj spid="_x0000_s2559" name="Equazione" r:id="rId27" imgW="520474" imgH="393529" progId="Equation.3">
                   <p:embed/>
                 </p:oleObj>
               </mc:Choice>
@@ -8601,7 +11820,7 @@
           <a:graphicData uri="http://schemas.openxmlformats.org/presentationml/2006/ole">
             <mc:AlternateContent xmlns:mc="http://schemas.openxmlformats.org/markup-compatibility/2006">
               <mc:Choice xmlns:v="urn:schemas-microsoft-com:vml" Requires="v">
-                <p:oleObj spid="_x0000_s2443" name="Equazione" r:id="rId29" imgW="2044700" imgH="393700" progId="Equation.3">
+                <p:oleObj spid="_x0000_s2560" name="Equazione" r:id="rId29" imgW="2044700" imgH="393700" progId="Equation.3">
                   <p:embed/>
                 </p:oleObj>
               </mc:Choice>
@@ -8668,7 +11887,7 @@
           <a:graphicData uri="http://schemas.openxmlformats.org/presentationml/2006/ole">
             <mc:AlternateContent xmlns:mc="http://schemas.openxmlformats.org/markup-compatibility/2006">
               <mc:Choice xmlns:v="urn:schemas-microsoft-com:vml" Requires="v">
-                <p:oleObj spid="_x0000_s2444" name="Equazione" r:id="rId31" imgW="571252" imgH="393529" progId="Equation.3">
+                <p:oleObj spid="_x0000_s2561" name="Equazione" r:id="rId31" imgW="571252" imgH="393529" progId="Equation.3">
                   <p:embed/>
                 </p:oleObj>
               </mc:Choice>
@@ -9079,7 +12298,7 @@
 </p:sld>
 </file>
 
-<file path=ppt/slides/slide4.xml><?xml version="1.0" encoding="utf-8"?>
+<file path=ppt/slides/slide6.xml><?xml version="1.0" encoding="utf-8"?>
 <p:sld xmlns:a="http://schemas.openxmlformats.org/drawingml/2006/main" xmlns:r="http://schemas.openxmlformats.org/officeDocument/2006/relationships" xmlns:p="http://schemas.openxmlformats.org/presentationml/2006/main">
   <p:cSld>
     <p:spTree>
@@ -9351,7 +12570,7 @@
           <a:graphicData uri="http://schemas.openxmlformats.org/presentationml/2006/ole">
             <mc:AlternateContent xmlns:mc="http://schemas.openxmlformats.org/markup-compatibility/2006">
               <mc:Choice xmlns:v="urn:schemas-microsoft-com:vml" Requires="v">
-                <p:oleObj spid="_x0000_s3273" name="Equazione" r:id="rId7" imgW="152280" imgH="215640" progId="Equation.3">
+                <p:oleObj spid="_x0000_s3363" name="Equazione" r:id="rId7" imgW="152280" imgH="215640" progId="Equation.3">
                   <p:embed/>
                 </p:oleObj>
               </mc:Choice>
@@ -9412,7 +12631,7 @@
           <a:graphicData uri="http://schemas.openxmlformats.org/presentationml/2006/ole">
             <mc:AlternateContent xmlns:mc="http://schemas.openxmlformats.org/markup-compatibility/2006">
               <mc:Choice xmlns:v="urn:schemas-microsoft-com:vml" Requires="v">
-                <p:oleObj spid="_x0000_s3274" name="Equazione" r:id="rId9" imgW="164880" imgH="215640" progId="Equation.3">
+                <p:oleObj spid="_x0000_s3364" name="Equazione" r:id="rId9" imgW="164880" imgH="215640" progId="Equation.3">
                   <p:embed/>
                 </p:oleObj>
               </mc:Choice>
@@ -9867,7 +13086,7 @@
           <a:graphicData uri="http://schemas.openxmlformats.org/presentationml/2006/ole">
             <mc:AlternateContent xmlns:mc="http://schemas.openxmlformats.org/markup-compatibility/2006">
               <mc:Choice xmlns:v="urn:schemas-microsoft-com:vml" Requires="v">
-                <p:oleObj spid="_x0000_s3275" name="Equazione" r:id="rId11" imgW="164880" imgH="228600" progId="Equation.3">
+                <p:oleObj spid="_x0000_s3365" name="Equazione" r:id="rId11" imgW="164880" imgH="228600" progId="Equation.3">
                   <p:embed/>
                 </p:oleObj>
               </mc:Choice>
@@ -10195,7 +13414,7 @@
           <a:graphicData uri="http://schemas.openxmlformats.org/presentationml/2006/ole">
             <mc:AlternateContent xmlns:mc="http://schemas.openxmlformats.org/markup-compatibility/2006">
               <mc:Choice xmlns:v="urn:schemas-microsoft-com:vml" Requires="v">
-                <p:oleObj spid="_x0000_s3276" name="Equazione" r:id="rId13" imgW="1651000" imgH="660400" progId="Equation.3">
+                <p:oleObj spid="_x0000_s3366" name="Equazione" r:id="rId13" imgW="1651000" imgH="660400" progId="Equation.3">
                   <p:embed/>
                 </p:oleObj>
               </mc:Choice>
@@ -10262,7 +13481,7 @@
           <a:graphicData uri="http://schemas.openxmlformats.org/presentationml/2006/ole">
             <mc:AlternateContent xmlns:mc="http://schemas.openxmlformats.org/markup-compatibility/2006">
               <mc:Choice xmlns:v="urn:schemas-microsoft-com:vml" Requires="v">
-                <p:oleObj spid="_x0000_s3277" name="Equazione" r:id="rId15" imgW="965160" imgH="393480" progId="Equation.3">
+                <p:oleObj spid="_x0000_s3367" name="Equazione" r:id="rId15" imgW="965160" imgH="393480" progId="Equation.3">
                   <p:embed/>
                 </p:oleObj>
               </mc:Choice>
@@ -10323,7 +13542,7 @@
           <a:graphicData uri="http://schemas.openxmlformats.org/presentationml/2006/ole">
             <mc:AlternateContent xmlns:mc="http://schemas.openxmlformats.org/markup-compatibility/2006">
               <mc:Choice xmlns:v="urn:schemas-microsoft-com:vml" Requires="v">
-                <p:oleObj spid="_x0000_s3278" name="Equazione" r:id="rId17" imgW="2171520" imgH="965160" progId="Equation.3">
+                <p:oleObj spid="_x0000_s3368" name="Equazione" r:id="rId17" imgW="2171520" imgH="965160" progId="Equation.3">
                   <p:embed/>
                 </p:oleObj>
               </mc:Choice>
@@ -10384,7 +13603,7 @@
           <a:graphicData uri="http://schemas.openxmlformats.org/presentationml/2006/ole">
             <mc:AlternateContent xmlns:mc="http://schemas.openxmlformats.org/markup-compatibility/2006">
               <mc:Choice xmlns:v="urn:schemas-microsoft-com:vml" Requires="v">
-                <p:oleObj spid="_x0000_s3279" name="Equazione" r:id="rId19" imgW="190440" imgH="152280" progId="Equation.3">
+                <p:oleObj spid="_x0000_s3369" name="Equazione" r:id="rId19" imgW="190440" imgH="152280" progId="Equation.3">
                   <p:embed/>
                 </p:oleObj>
               </mc:Choice>
@@ -10601,7 +13820,7 @@
           <a:graphicData uri="http://schemas.openxmlformats.org/presentationml/2006/ole">
             <mc:AlternateContent xmlns:mc="http://schemas.openxmlformats.org/markup-compatibility/2006">
               <mc:Choice xmlns:v="urn:schemas-microsoft-com:vml" Requires="v">
-                <p:oleObj spid="_x0000_s3280" name="Equazione" r:id="rId21" imgW="1892300" imgH="482600" progId="Equation.3">
+                <p:oleObj spid="_x0000_s3370" name="Equazione" r:id="rId21" imgW="1892300" imgH="482600" progId="Equation.3">
                   <p:embed/>
                 </p:oleObj>
               </mc:Choice>
@@ -10668,7 +13887,7 @@
           <a:graphicData uri="http://schemas.openxmlformats.org/presentationml/2006/ole">
             <mc:AlternateContent xmlns:mc="http://schemas.openxmlformats.org/markup-compatibility/2006">
               <mc:Choice xmlns:v="urn:schemas-microsoft-com:vml" Requires="v">
-                <p:oleObj spid="_x0000_s3281" name="Equazione" r:id="rId23" imgW="774364" imgH="457002" progId="Equation.3">
+                <p:oleObj spid="_x0000_s3371" name="Equazione" r:id="rId23" imgW="774364" imgH="457002" progId="Equation.3">
                   <p:embed/>
                 </p:oleObj>
               </mc:Choice>
@@ -10838,7 +14057,7 @@
           <a:graphicData uri="http://schemas.openxmlformats.org/presentationml/2006/ole">
             <mc:AlternateContent xmlns:mc="http://schemas.openxmlformats.org/markup-compatibility/2006">
               <mc:Choice xmlns:v="urn:schemas-microsoft-com:vml" Requires="v">
-                <p:oleObj spid="_x0000_s3282" name="Equazione" r:id="rId25" imgW="3009900" imgH="1143000" progId="Equation.3">
+                <p:oleObj spid="_x0000_s3372" name="Equazione" r:id="rId25" imgW="3009900" imgH="1143000" progId="Equation.3">
                   <p:embed/>
                 </p:oleObj>
               </mc:Choice>
@@ -11059,7 +14278,7 @@
 </p:sld>
 </file>
 
-<file path=ppt/slides/slide5.xml><?xml version="1.0" encoding="utf-8"?>
+<file path=ppt/slides/slide7.xml><?xml version="1.0" encoding="utf-8"?>
 <p:sld xmlns:a="http://schemas.openxmlformats.org/drawingml/2006/main" xmlns:r="http://schemas.openxmlformats.org/officeDocument/2006/relationships" xmlns:p="http://schemas.openxmlformats.org/presentationml/2006/main">
   <p:cSld>
     <p:spTree>
@@ -11452,7 +14671,7 @@
           <a:graphicData uri="http://schemas.openxmlformats.org/presentationml/2006/ole">
             <mc:AlternateContent xmlns:mc="http://schemas.openxmlformats.org/markup-compatibility/2006">
               <mc:Choice xmlns:v="urn:schemas-microsoft-com:vml" Requires="v">
-                <p:oleObj spid="_x0000_s6366" name="Equazione" r:id="rId7" imgW="660113" imgH="177723" progId="Equation.3">
+                <p:oleObj spid="_x0000_s6438" name="Equazione" r:id="rId7" imgW="660113" imgH="177723" progId="Equation.3">
                   <p:embed/>
                 </p:oleObj>
               </mc:Choice>
@@ -11519,7 +14738,7 @@
           <a:graphicData uri="http://schemas.openxmlformats.org/presentationml/2006/ole">
             <mc:AlternateContent xmlns:mc="http://schemas.openxmlformats.org/markup-compatibility/2006">
               <mc:Choice xmlns:v="urn:schemas-microsoft-com:vml" Requires="v">
-                <p:oleObj spid="_x0000_s6367" name="Equazione" r:id="rId9" imgW="761669" imgH="431613" progId="Equation.3">
+                <p:oleObj spid="_x0000_s6439" name="Equazione" r:id="rId9" imgW="761669" imgH="431613" progId="Equation.3">
                   <p:embed/>
                 </p:oleObj>
               </mc:Choice>
@@ -11586,7 +14805,7 @@
           <a:graphicData uri="http://schemas.openxmlformats.org/presentationml/2006/ole">
             <mc:AlternateContent xmlns:mc="http://schemas.openxmlformats.org/markup-compatibility/2006">
               <mc:Choice xmlns:v="urn:schemas-microsoft-com:vml" Requires="v">
-                <p:oleObj spid="_x0000_s6368" name="Equazione" r:id="rId11" imgW="1143000" imgH="457200" progId="Equation.3">
+                <p:oleObj spid="_x0000_s6440" name="Equazione" r:id="rId11" imgW="1143000" imgH="457200" progId="Equation.3">
                   <p:embed/>
                 </p:oleObj>
               </mc:Choice>
@@ -11653,7 +14872,7 @@
           <a:graphicData uri="http://schemas.openxmlformats.org/presentationml/2006/ole">
             <mc:AlternateContent xmlns:mc="http://schemas.openxmlformats.org/markup-compatibility/2006">
               <mc:Choice xmlns:v="urn:schemas-microsoft-com:vml" Requires="v">
-                <p:oleObj spid="_x0000_s6369" name="Equazione" r:id="rId13" imgW="647640" imgH="203040" progId="Equation.3">
+                <p:oleObj spid="_x0000_s6441" name="Equazione" r:id="rId13" imgW="647640" imgH="203040" progId="Equation.3">
                   <p:embed/>
                 </p:oleObj>
               </mc:Choice>
@@ -11714,7 +14933,7 @@
           <a:graphicData uri="http://schemas.openxmlformats.org/presentationml/2006/ole">
             <mc:AlternateContent xmlns:mc="http://schemas.openxmlformats.org/markup-compatibility/2006">
               <mc:Choice xmlns:v="urn:schemas-microsoft-com:vml" Requires="v">
-                <p:oleObj spid="_x0000_s6370" name="Equazione" r:id="rId15" imgW="368280" imgH="228600" progId="Equation.3">
+                <p:oleObj spid="_x0000_s6442" name="Equazione" r:id="rId15" imgW="368280" imgH="228600" progId="Equation.3">
                   <p:embed/>
                 </p:oleObj>
               </mc:Choice>
@@ -11775,7 +14994,7 @@
           <a:graphicData uri="http://schemas.openxmlformats.org/presentationml/2006/ole">
             <mc:AlternateContent xmlns:mc="http://schemas.openxmlformats.org/markup-compatibility/2006">
               <mc:Choice xmlns:v="urn:schemas-microsoft-com:vml" Requires="v">
-                <p:oleObj spid="_x0000_s6371" name="Equazione" r:id="rId17" imgW="1002865" imgH="863225" progId="Equation.3">
+                <p:oleObj spid="_x0000_s6443" name="Equazione" r:id="rId17" imgW="1002865" imgH="863225" progId="Equation.3">
                   <p:embed/>
                 </p:oleObj>
               </mc:Choice>
@@ -11842,7 +15061,7 @@
           <a:graphicData uri="http://schemas.openxmlformats.org/presentationml/2006/ole">
             <mc:AlternateContent xmlns:mc="http://schemas.openxmlformats.org/markup-compatibility/2006">
               <mc:Choice xmlns:v="urn:schemas-microsoft-com:vml" Requires="v">
-                <p:oleObj spid="_x0000_s6372" name="Equazione" r:id="rId19" imgW="875920" imgH="266584" progId="Equation.3">
+                <p:oleObj spid="_x0000_s6444" name="Equazione" r:id="rId19" imgW="875920" imgH="266584" progId="Equation.3">
                   <p:embed/>
                 </p:oleObj>
               </mc:Choice>
@@ -11909,7 +15128,7 @@
           <a:graphicData uri="http://schemas.openxmlformats.org/presentationml/2006/ole">
             <mc:AlternateContent xmlns:mc="http://schemas.openxmlformats.org/markup-compatibility/2006">
               <mc:Choice xmlns:v="urn:schemas-microsoft-com:vml" Requires="v">
-                <p:oleObj spid="_x0000_s6373" name="Equazione" r:id="rId21" imgW="1409700" imgH="228600" progId="Equation.3">
+                <p:oleObj spid="_x0000_s6445" name="Equazione" r:id="rId21" imgW="1409700" imgH="228600" progId="Equation.3">
                   <p:embed/>
                 </p:oleObj>
               </mc:Choice>
@@ -13038,7 +16257,7 @@
 </p:sld>
 </file>
 
-<file path=ppt/slides/slide6.xml><?xml version="1.0" encoding="utf-8"?>
+<file path=ppt/slides/slide8.xml><?xml version="1.0" encoding="utf-8"?>
 <p:sld xmlns:a="http://schemas.openxmlformats.org/drawingml/2006/main" xmlns:r="http://schemas.openxmlformats.org/officeDocument/2006/relationships" xmlns:p="http://schemas.openxmlformats.org/presentationml/2006/main">
   <p:cSld>
     <p:spTree>
@@ -13464,7 +16683,7 @@
           <a:graphicData uri="http://schemas.openxmlformats.org/presentationml/2006/ole">
             <mc:AlternateContent xmlns:mc="http://schemas.openxmlformats.org/markup-compatibility/2006">
               <mc:Choice xmlns:v="urn:schemas-microsoft-com:vml" Requires="v">
-                <p:oleObj spid="_x0000_s7338" name="Equazione" r:id="rId8" imgW="1841500" imgH="203200" progId="Equation.3">
+                <p:oleObj spid="_x0000_s7410" name="Equazione" r:id="rId8" imgW="1841500" imgH="203200" progId="Equation.3">
                   <p:embed/>
                 </p:oleObj>
               </mc:Choice>
@@ -13531,7 +16750,7 @@
           <a:graphicData uri="http://schemas.openxmlformats.org/presentationml/2006/ole">
             <mc:AlternateContent xmlns:mc="http://schemas.openxmlformats.org/markup-compatibility/2006">
               <mc:Choice xmlns:v="urn:schemas-microsoft-com:vml" Requires="v">
-                <p:oleObj spid="_x0000_s7339" name="Equazione" r:id="rId10" imgW="1167893" imgH="393529" progId="Equation.3">
+                <p:oleObj spid="_x0000_s7411" name="Equazione" r:id="rId10" imgW="1167893" imgH="393529" progId="Equation.3">
                   <p:embed/>
                 </p:oleObj>
               </mc:Choice>
@@ -13598,7 +16817,7 @@
           <a:graphicData uri="http://schemas.openxmlformats.org/presentationml/2006/ole">
             <mc:AlternateContent xmlns:mc="http://schemas.openxmlformats.org/markup-compatibility/2006">
               <mc:Choice xmlns:v="urn:schemas-microsoft-com:vml" Requires="v">
-                <p:oleObj spid="_x0000_s7340" name="Equazione" r:id="rId12" imgW="545863" imgH="228501" progId="Equation.3">
+                <p:oleObj spid="_x0000_s7412" name="Equazione" r:id="rId12" imgW="545863" imgH="228501" progId="Equation.3">
                   <p:embed/>
                 </p:oleObj>
               </mc:Choice>
@@ -13665,7 +16884,7 @@
           <a:graphicData uri="http://schemas.openxmlformats.org/presentationml/2006/ole">
             <mc:AlternateContent xmlns:mc="http://schemas.openxmlformats.org/markup-compatibility/2006">
               <mc:Choice xmlns:v="urn:schemas-microsoft-com:vml" Requires="v">
-                <p:oleObj spid="_x0000_s7341" name="Equazione" r:id="rId14" imgW="901309" imgH="393529" progId="Equation.3">
+                <p:oleObj spid="_x0000_s7413" name="Equazione" r:id="rId14" imgW="901309" imgH="393529" progId="Equation.3">
                   <p:embed/>
                 </p:oleObj>
               </mc:Choice>
@@ -13732,7 +16951,7 @@
           <a:graphicData uri="http://schemas.openxmlformats.org/presentationml/2006/ole">
             <mc:AlternateContent xmlns:mc="http://schemas.openxmlformats.org/markup-compatibility/2006">
               <mc:Choice xmlns:v="urn:schemas-microsoft-com:vml" Requires="v">
-                <p:oleObj spid="_x0000_s7342" name="Equazione" r:id="rId16" imgW="1485900" imgH="203200" progId="Equation.3">
+                <p:oleObj spid="_x0000_s7414" name="Equazione" r:id="rId16" imgW="1485900" imgH="203200" progId="Equation.3">
                   <p:embed/>
                 </p:oleObj>
               </mc:Choice>
@@ -13799,7 +17018,7 @@
           <a:graphicData uri="http://schemas.openxmlformats.org/presentationml/2006/ole">
             <mc:AlternateContent xmlns:mc="http://schemas.openxmlformats.org/markup-compatibility/2006">
               <mc:Choice xmlns:v="urn:schemas-microsoft-com:vml" Requires="v">
-                <p:oleObj spid="_x0000_s7343" name="Equazione" r:id="rId18" imgW="1511300" imgH="203200" progId="Equation.3">
+                <p:oleObj spid="_x0000_s7415" name="Equazione" r:id="rId18" imgW="1511300" imgH="203200" progId="Equation.3">
                   <p:embed/>
                 </p:oleObj>
               </mc:Choice>
@@ -13866,7 +17085,7 @@
           <a:graphicData uri="http://schemas.openxmlformats.org/presentationml/2006/ole">
             <mc:AlternateContent xmlns:mc="http://schemas.openxmlformats.org/markup-compatibility/2006">
               <mc:Choice xmlns:v="urn:schemas-microsoft-com:vml" Requires="v">
-                <p:oleObj spid="_x0000_s7344" name="Equazione" r:id="rId20" imgW="647640" imgH="228600" progId="Equation.3">
+                <p:oleObj spid="_x0000_s7416" name="Equazione" r:id="rId20" imgW="647640" imgH="228600" progId="Equation.3">
                   <p:embed/>
                 </p:oleObj>
               </mc:Choice>
@@ -13927,7 +17146,7 @@
           <a:graphicData uri="http://schemas.openxmlformats.org/presentationml/2006/ole">
             <mc:AlternateContent xmlns:mc="http://schemas.openxmlformats.org/markup-compatibility/2006">
               <mc:Choice xmlns:v="urn:schemas-microsoft-com:vml" Requires="v">
-                <p:oleObj spid="_x0000_s7345" name="Equazione" r:id="rId22" imgW="889000" imgH="228600" progId="Equation.3">
+                <p:oleObj spid="_x0000_s7417" name="Equazione" r:id="rId22" imgW="889000" imgH="228600" progId="Equation.3">
                   <p:embed/>
                 </p:oleObj>
               </mc:Choice>
@@ -14836,7 +18055,7 @@
 </p:sld>
 </file>
 
-<file path=ppt/slides/slide7.xml><?xml version="1.0" encoding="utf-8"?>
+<file path=ppt/slides/slide9.xml><?xml version="1.0" encoding="utf-8"?>
 <p:sld xmlns:a="http://schemas.openxmlformats.org/drawingml/2006/main" xmlns:r="http://schemas.openxmlformats.org/officeDocument/2006/relationships" xmlns:p="http://schemas.openxmlformats.org/presentationml/2006/main">
   <p:cSld>
     <p:spTree>
@@ -15229,7 +18448,7 @@
           <a:graphicData uri="http://schemas.openxmlformats.org/presentationml/2006/ole">
             <mc:AlternateContent xmlns:mc="http://schemas.openxmlformats.org/markup-compatibility/2006">
               <mc:Choice xmlns:v="urn:schemas-microsoft-com:vml" Requires="v">
-                <p:oleObj spid="_x0000_s8460" name="Equazione" r:id="rId7" imgW="1586811" imgH="203112" progId="Equation.3">
+                <p:oleObj spid="_x0000_s8586" name="Equazione" r:id="rId7" imgW="1586811" imgH="203112" progId="Equation.3">
                   <p:embed/>
                 </p:oleObj>
               </mc:Choice>
@@ -15296,7 +18515,7 @@
           <a:graphicData uri="http://schemas.openxmlformats.org/presentationml/2006/ole">
             <mc:AlternateContent xmlns:mc="http://schemas.openxmlformats.org/markup-compatibility/2006">
               <mc:Choice xmlns:v="urn:schemas-microsoft-com:vml" Requires="v">
-                <p:oleObj spid="_x0000_s8461" name="Equazione" r:id="rId9" imgW="1257300" imgH="228600" progId="Equation.3">
+                <p:oleObj spid="_x0000_s8587" name="Equazione" r:id="rId9" imgW="1257300" imgH="228600" progId="Equation.3">
                   <p:embed/>
                 </p:oleObj>
               </mc:Choice>
@@ -15363,7 +18582,7 @@
           <a:graphicData uri="http://schemas.openxmlformats.org/presentationml/2006/ole">
             <mc:AlternateContent xmlns:mc="http://schemas.openxmlformats.org/markup-compatibility/2006">
               <mc:Choice xmlns:v="urn:schemas-microsoft-com:vml" Requires="v">
-                <p:oleObj spid="_x0000_s8462" name="Equazione" r:id="rId11" imgW="1117600" imgH="241300" progId="Equation.3">
+                <p:oleObj spid="_x0000_s8588" name="Equazione" r:id="rId11" imgW="1117600" imgH="241300" progId="Equation.3">
                   <p:embed/>
                 </p:oleObj>
               </mc:Choice>
@@ -15430,7 +18649,7 @@
           <a:graphicData uri="http://schemas.openxmlformats.org/presentationml/2006/ole">
             <mc:AlternateContent xmlns:mc="http://schemas.openxmlformats.org/markup-compatibility/2006">
               <mc:Choice xmlns:v="urn:schemas-microsoft-com:vml" Requires="v">
-                <p:oleObj spid="_x0000_s8463" name="Equazione" r:id="rId13" imgW="1129810" imgH="241195" progId="Equation.3">
+                <p:oleObj spid="_x0000_s8589" name="Equazione" r:id="rId13" imgW="1129810" imgH="241195" progId="Equation.3">
                   <p:embed/>
                 </p:oleObj>
               </mc:Choice>
@@ -15497,7 +18716,7 @@
           <a:graphicData uri="http://schemas.openxmlformats.org/presentationml/2006/ole">
             <mc:AlternateContent xmlns:mc="http://schemas.openxmlformats.org/markup-compatibility/2006">
               <mc:Choice xmlns:v="urn:schemas-microsoft-com:vml" Requires="v">
-                <p:oleObj spid="_x0000_s8464" name="Equazione" r:id="rId15" imgW="1091726" imgH="241195" progId="Equation.3">
+                <p:oleObj spid="_x0000_s8590" name="Equazione" r:id="rId15" imgW="1091726" imgH="241195" progId="Equation.3">
                   <p:embed/>
                 </p:oleObj>
               </mc:Choice>
@@ -15564,7 +18783,7 @@
           <a:graphicData uri="http://schemas.openxmlformats.org/presentationml/2006/ole">
             <mc:AlternateContent xmlns:mc="http://schemas.openxmlformats.org/markup-compatibility/2006">
               <mc:Choice xmlns:v="urn:schemas-microsoft-com:vml" Requires="v">
-                <p:oleObj spid="_x0000_s8465" name="Equazione" r:id="rId17" imgW="1714500" imgH="241300" progId="Equation.3">
+                <p:oleObj spid="_x0000_s8591" name="Equazione" r:id="rId17" imgW="1714500" imgH="241300" progId="Equation.3">
                   <p:embed/>
                 </p:oleObj>
               </mc:Choice>
@@ -15631,7 +18850,7 @@
           <a:graphicData uri="http://schemas.openxmlformats.org/presentationml/2006/ole">
             <mc:AlternateContent xmlns:mc="http://schemas.openxmlformats.org/markup-compatibility/2006">
               <mc:Choice xmlns:v="urn:schemas-microsoft-com:vml" Requires="v">
-                <p:oleObj spid="_x0000_s8466" name="Equazione" r:id="rId19" imgW="1663700" imgH="241300" progId="Equation.3">
+                <p:oleObj spid="_x0000_s8592" name="Equazione" r:id="rId19" imgW="1663700" imgH="241300" progId="Equation.3">
                   <p:embed/>
                 </p:oleObj>
               </mc:Choice>
@@ -15698,7 +18917,7 @@
           <a:graphicData uri="http://schemas.openxmlformats.org/presentationml/2006/ole">
             <mc:AlternateContent xmlns:mc="http://schemas.openxmlformats.org/markup-compatibility/2006">
               <mc:Choice xmlns:v="urn:schemas-microsoft-com:vml" Requires="v">
-                <p:oleObj spid="_x0000_s8467" name="Equazione" r:id="rId21" imgW="1625600" imgH="241300" progId="Equation.3">
+                <p:oleObj spid="_x0000_s8593" name="Equazione" r:id="rId21" imgW="1625600" imgH="241300" progId="Equation.3">
                   <p:embed/>
                 </p:oleObj>
               </mc:Choice>
@@ -15765,7 +18984,7 @@
           <a:graphicData uri="http://schemas.openxmlformats.org/presentationml/2006/ole">
             <mc:AlternateContent xmlns:mc="http://schemas.openxmlformats.org/markup-compatibility/2006">
               <mc:Choice xmlns:v="urn:schemas-microsoft-com:vml" Requires="v">
-                <p:oleObj spid="_x0000_s8468" name="Equazione" r:id="rId23" imgW="1397000" imgH="241300" progId="Equation.3">
+                <p:oleObj spid="_x0000_s8594" name="Equazione" r:id="rId23" imgW="1397000" imgH="241300" progId="Equation.3">
                   <p:embed/>
                 </p:oleObj>
               </mc:Choice>
@@ -15832,7 +19051,7 @@
           <a:graphicData uri="http://schemas.openxmlformats.org/presentationml/2006/ole">
             <mc:AlternateContent xmlns:mc="http://schemas.openxmlformats.org/markup-compatibility/2006">
               <mc:Choice xmlns:v="urn:schemas-microsoft-com:vml" Requires="v">
-                <p:oleObj spid="_x0000_s8469" name="Equazione" r:id="rId25" imgW="1409400" imgH="241200" progId="Equation.3">
+                <p:oleObj spid="_x0000_s8595" name="Equazione" r:id="rId25" imgW="1409400" imgH="241200" progId="Equation.3">
                   <p:embed/>
                 </p:oleObj>
               </mc:Choice>
@@ -15893,7 +19112,7 @@
           <a:graphicData uri="http://schemas.openxmlformats.org/presentationml/2006/ole">
             <mc:AlternateContent xmlns:mc="http://schemas.openxmlformats.org/markup-compatibility/2006">
               <mc:Choice xmlns:v="urn:schemas-microsoft-com:vml" Requires="v">
-                <p:oleObj spid="_x0000_s8470" name="Equazione" r:id="rId27" imgW="1396800" imgH="241200" progId="Equation.3">
+                <p:oleObj spid="_x0000_s8596" name="Equazione" r:id="rId27" imgW="1396800" imgH="241200" progId="Equation.3">
                   <p:embed/>
                 </p:oleObj>
               </mc:Choice>
@@ -15954,7 +19173,7 @@
           <a:graphicData uri="http://schemas.openxmlformats.org/presentationml/2006/ole">
             <mc:AlternateContent xmlns:mc="http://schemas.openxmlformats.org/markup-compatibility/2006">
               <mc:Choice xmlns:v="urn:schemas-microsoft-com:vml" Requires="v">
-                <p:oleObj spid="_x0000_s8471" name="Equazione" r:id="rId29" imgW="1739880" imgH="228600" progId="Equation.3">
+                <p:oleObj spid="_x0000_s8597" name="Equazione" r:id="rId29" imgW="1739880" imgH="228600" progId="Equation.3">
                   <p:embed/>
                 </p:oleObj>
               </mc:Choice>
@@ -16015,7 +19234,7 @@
           <a:graphicData uri="http://schemas.openxmlformats.org/presentationml/2006/ole">
             <mc:AlternateContent xmlns:mc="http://schemas.openxmlformats.org/markup-compatibility/2006">
               <mc:Choice xmlns:v="urn:schemas-microsoft-com:vml" Requires="v">
-                <p:oleObj spid="_x0000_s8472" name="Equazione" r:id="rId31" imgW="1002865" imgH="431613" progId="Equation.3">
+                <p:oleObj spid="_x0000_s8598" name="Equazione" r:id="rId31" imgW="1002865" imgH="431613" progId="Equation.3">
                   <p:embed/>
                 </p:oleObj>
               </mc:Choice>
@@ -16082,7 +19301,7 @@
           <a:graphicData uri="http://schemas.openxmlformats.org/presentationml/2006/ole">
             <mc:AlternateContent xmlns:mc="http://schemas.openxmlformats.org/markup-compatibility/2006">
               <mc:Choice xmlns:v="urn:schemas-microsoft-com:vml" Requires="v">
-                <p:oleObj spid="_x0000_s8473" name="Equazione" r:id="rId33" imgW="787058" imgH="215806" progId="Equation.3">
+                <p:oleObj spid="_x0000_s8599" name="Equazione" r:id="rId33" imgW="787058" imgH="215806" progId="Equation.3">
                   <p:embed/>
                 </p:oleObj>
               </mc:Choice>
@@ -17362,831 +20581,6 @@
     <p:extLst>
       <p:ext uri="{BB962C8B-B14F-4D97-AF65-F5344CB8AC3E}">
         <p14:creationId xmlns:p14="http://schemas.microsoft.com/office/powerpoint/2010/main" val="804266569"/>
-      </p:ext>
-    </p:extLst>
-  </p:cSld>
-  <p:clrMapOvr>
-    <a:masterClrMapping/>
-  </p:clrMapOvr>
-  <p:transition spd="slow">
-    <p:cut/>
-  </p:transition>
-</p:sld>
-</file>
-
-<file path=ppt/slides/slide8.xml><?xml version="1.0" encoding="utf-8"?>
-<p:sld xmlns:a="http://schemas.openxmlformats.org/drawingml/2006/main" xmlns:r="http://schemas.openxmlformats.org/officeDocument/2006/relationships" xmlns:p="http://schemas.openxmlformats.org/presentationml/2006/main">
-  <p:cSld>
-    <p:spTree>
-      <p:nvGrpSpPr>
-        <p:cNvPr id="1" name="Shape 35"/>
-        <p:cNvGrpSpPr/>
-        <p:nvPr/>
-      </p:nvGrpSpPr>
-      <p:grpSpPr>
-        <a:xfrm>
-          <a:off x="0" y="0"/>
-          <a:ext cx="0" cy="0"/>
-          <a:chOff x="0" y="0"/>
-          <a:chExt cx="0" cy="0"/>
-        </a:xfrm>
-      </p:grpSpPr>
-      <p:pic>
-        <p:nvPicPr>
-          <p:cNvPr id="16" name="Immagine 15"/>
-          <p:cNvPicPr>
-            <a:picLocks noChangeAspect="1"/>
-          </p:cNvPicPr>
-          <p:nvPr/>
-        </p:nvPicPr>
-        <p:blipFill>
-          <a:blip r:embed="rId3">
-            <a:extLst>
-              <a:ext uri="{28A0092B-C50C-407E-A947-70E740481C1C}">
-                <a14:useLocalDpi xmlns:a14="http://schemas.microsoft.com/office/drawing/2010/main" val="0"/>
-              </a:ext>
-            </a:extLst>
-          </a:blip>
-          <a:stretch>
-            <a:fillRect/>
-          </a:stretch>
-        </p:blipFill>
-        <p:spPr>
-          <a:xfrm>
-            <a:off x="5532269" y="3685425"/>
-            <a:ext cx="3564434" cy="2673326"/>
-          </a:xfrm>
-          <a:prstGeom prst="rect">
-            <a:avLst/>
-          </a:prstGeom>
-        </p:spPr>
-      </p:pic>
-      <p:pic>
-        <p:nvPicPr>
-          <p:cNvPr id="14" name="Immagine 13"/>
-          <p:cNvPicPr>
-            <a:picLocks noChangeAspect="1"/>
-          </p:cNvPicPr>
-          <p:nvPr/>
-        </p:nvPicPr>
-        <p:blipFill>
-          <a:blip r:embed="rId4">
-            <a:extLst>
-              <a:ext uri="{28A0092B-C50C-407E-A947-70E740481C1C}">
-                <a14:useLocalDpi xmlns:a14="http://schemas.microsoft.com/office/drawing/2010/main" val="0"/>
-              </a:ext>
-            </a:extLst>
-          </a:blip>
-          <a:stretch>
-            <a:fillRect/>
-          </a:stretch>
-        </p:blipFill>
-        <p:spPr>
-          <a:xfrm>
-            <a:off x="1667424" y="3650410"/>
-            <a:ext cx="3676539" cy="2757405"/>
-          </a:xfrm>
-          <a:prstGeom prst="rect">
-            <a:avLst/>
-          </a:prstGeom>
-        </p:spPr>
-      </p:pic>
-      <p:sp>
-        <p:nvSpPr>
-          <p:cNvPr id="36" name="Shape 36"/>
-          <p:cNvSpPr txBox="1">
-            <a:spLocks noGrp="1"/>
-          </p:cNvSpPr>
-          <p:nvPr>
-            <p:ph type="title"/>
-          </p:nvPr>
-        </p:nvSpPr>
-        <p:spPr>
-          <a:xfrm>
-            <a:off x="2361450" y="131951"/>
-            <a:ext cx="8136900" cy="498599"/>
-          </a:xfrm>
-          <a:prstGeom prst="rect">
-            <a:avLst/>
-          </a:prstGeom>
-        </p:spPr>
-        <p:txBody>
-          <a:bodyPr lIns="91425" tIns="91425" rIns="91425" bIns="91425" anchor="b" anchorCtr="0">
-            <a:noAutofit/>
-          </a:bodyPr>
-          <a:lstStyle/>
-          <a:p>
-            <a:r>
-              <a:rPr lang="en-US" sz="3000" dirty="0">
-                <a:solidFill>
-                  <a:srgbClr val="003366"/>
-                </a:solidFill>
-              </a:rPr>
-              <a:t>Overall system identification</a:t>
-            </a:r>
-          </a:p>
-        </p:txBody>
-      </p:sp>
-      <p:pic>
-        <p:nvPicPr>
-          <p:cNvPr id="38" name="Shape 38"/>
-          <p:cNvPicPr preferRelativeResize="0"/>
-          <p:nvPr/>
-        </p:nvPicPr>
-        <p:blipFill>
-          <a:blip r:embed="rId5">
-            <a:alphaModFix/>
-          </a:blip>
-          <a:stretch>
-            <a:fillRect/>
-          </a:stretch>
-        </p:blipFill>
-        <p:spPr>
-          <a:xfrm>
-            <a:off x="1606450" y="65950"/>
-            <a:ext cx="464900" cy="498650"/>
-          </a:xfrm>
-          <a:prstGeom prst="rect">
-            <a:avLst/>
-          </a:prstGeom>
-          <a:noFill/>
-          <a:ln>
-            <a:noFill/>
-          </a:ln>
-        </p:spPr>
-      </p:pic>
-      <p:pic>
-        <p:nvPicPr>
-          <p:cNvPr id="39" name="Shape 39"/>
-          <p:cNvPicPr preferRelativeResize="0"/>
-          <p:nvPr/>
-        </p:nvPicPr>
-        <p:blipFill>
-          <a:blip r:embed="rId6">
-            <a:alphaModFix/>
-          </a:blip>
-          <a:stretch>
-            <a:fillRect/>
-          </a:stretch>
-        </p:blipFill>
-        <p:spPr>
-          <a:xfrm>
-            <a:off x="1524000" y="630540"/>
-            <a:ext cx="9143998" cy="97471"/>
-          </a:xfrm>
-          <a:prstGeom prst="rect">
-            <a:avLst/>
-          </a:prstGeom>
-          <a:noFill/>
-          <a:ln>
-            <a:noFill/>
-          </a:ln>
-        </p:spPr>
-      </p:pic>
-      <p:cxnSp>
-        <p:nvCxnSpPr>
-          <p:cNvPr id="40" name="Shape 40"/>
-          <p:cNvCxnSpPr/>
-          <p:nvPr/>
-        </p:nvCxnSpPr>
-        <p:spPr>
-          <a:xfrm rot="10800000">
-            <a:off x="2215550" y="126"/>
-            <a:ext cx="0" cy="630299"/>
-          </a:xfrm>
-          <a:prstGeom prst="straightConnector1">
-            <a:avLst/>
-          </a:prstGeom>
-          <a:noFill/>
-          <a:ln w="9525" cap="flat" cmpd="sng">
-            <a:solidFill>
-              <a:srgbClr val="003366"/>
-            </a:solidFill>
-            <a:prstDash val="solid"/>
-            <a:round/>
-            <a:headEnd type="none" w="lg" len="lg"/>
-            <a:tailEnd type="none" w="lg" len="lg"/>
-          </a:ln>
-        </p:spPr>
-      </p:cxnSp>
-      <p:sp>
-        <p:nvSpPr>
-          <p:cNvPr id="41" name="Shape 41"/>
-          <p:cNvSpPr txBox="1"/>
-          <p:nvPr/>
-        </p:nvSpPr>
-        <p:spPr>
-          <a:xfrm>
-            <a:off x="8307700" y="6531001"/>
-            <a:ext cx="2599200" cy="363899"/>
-          </a:xfrm>
-          <a:prstGeom prst="rect">
-            <a:avLst/>
-          </a:prstGeom>
-          <a:noFill/>
-          <a:ln>
-            <a:noFill/>
-          </a:ln>
-        </p:spPr>
-        <p:txBody>
-          <a:bodyPr lIns="91425" tIns="91425" rIns="91425" bIns="91425" anchor="t" anchorCtr="0">
-            <a:noAutofit/>
-          </a:bodyPr>
-          <a:lstStyle/>
-          <a:p>
-            <a:r>
-              <a:rPr lang="en-US" sz="1200" b="1" dirty="0">
-                <a:solidFill>
-                  <a:srgbClr val="FFFFFF"/>
-                </a:solidFill>
-              </a:rPr>
-              <a:t>POLITECNICO DI MILANO</a:t>
-            </a:r>
-          </a:p>
-        </p:txBody>
-      </p:sp>
-      <p:pic>
-        <p:nvPicPr>
-          <p:cNvPr id="42" name="Shape 42"/>
-          <p:cNvPicPr preferRelativeResize="0"/>
-          <p:nvPr/>
-        </p:nvPicPr>
-        <p:blipFill>
-          <a:blip r:embed="rId7">
-            <a:alphaModFix/>
-          </a:blip>
-          <a:stretch>
-            <a:fillRect/>
-          </a:stretch>
-        </p:blipFill>
-        <p:spPr>
-          <a:xfrm>
-            <a:off x="1524000" y="6571226"/>
-            <a:ext cx="9144000" cy="286775"/>
-          </a:xfrm>
-          <a:prstGeom prst="rect">
-            <a:avLst/>
-          </a:prstGeom>
-          <a:noFill/>
-          <a:ln>
-            <a:noFill/>
-          </a:ln>
-        </p:spPr>
-      </p:pic>
-      <p:sp>
-        <p:nvSpPr>
-          <p:cNvPr id="43" name="Shape 43"/>
-          <p:cNvSpPr txBox="1">
-            <a:spLocks noGrp="1"/>
-          </p:cNvSpPr>
-          <p:nvPr>
-            <p:ph type="ctrTitle" idx="4294967295"/>
-          </p:nvPr>
-        </p:nvSpPr>
-        <p:spPr>
-          <a:xfrm>
-            <a:off x="3575453" y="6500850"/>
-            <a:ext cx="3238799" cy="424199"/>
-          </a:xfrm>
-          <a:prstGeom prst="rect">
-            <a:avLst/>
-          </a:prstGeom>
-        </p:spPr>
-        <p:txBody>
-          <a:bodyPr lIns="91425" tIns="91425" rIns="91425" bIns="91425" anchor="ctr" anchorCtr="0">
-            <a:noAutofit/>
-          </a:bodyPr>
-          <a:lstStyle/>
-          <a:p>
-            <a:pPr indent="457200">
-              <a:lnSpc>
-                <a:spcPct val="115000"/>
-              </a:lnSpc>
-            </a:pPr>
-            <a:r>
-              <a:rPr lang="en-US" sz="1200" b="1">
-                <a:solidFill>
-                  <a:srgbClr val="003366"/>
-                </a:solidFill>
-              </a:rPr>
-              <a:t>Control of linear vibrations</a:t>
-            </a:r>
-            <a:endParaRPr lang="en-US" sz="1300" b="1" dirty="0">
-              <a:solidFill>
-                <a:srgbClr val="003366"/>
-              </a:solidFill>
-            </a:endParaRPr>
-          </a:p>
-        </p:txBody>
-      </p:sp>
-      <p:sp>
-        <p:nvSpPr>
-          <p:cNvPr id="45" name="Rectangle 39"/>
-          <p:cNvSpPr>
-            <a:spLocks noChangeArrowheads="1"/>
-          </p:cNvSpPr>
-          <p:nvPr/>
-        </p:nvSpPr>
-        <p:spPr bwMode="auto">
-          <a:xfrm>
-            <a:off x="2092269" y="1929808"/>
-            <a:ext cx="12192000" cy="457200"/>
-          </a:xfrm>
-          <a:prstGeom prst="rect">
-            <a:avLst/>
-          </a:prstGeom>
-          <a:noFill/>
-          <a:ln>
-            <a:noFill/>
-          </a:ln>
-          <a:effectLst/>
-          <a:extLst>
-            <a:ext uri="{909E8E84-426E-40DD-AFC4-6F175D3DCCD1}">
-              <a14:hiddenFill xmlns:a14="http://schemas.microsoft.com/office/drawing/2010/main">
-                <a:solidFill>
-                  <a:schemeClr val="accent1"/>
-                </a:solidFill>
-              </a14:hiddenFill>
-            </a:ext>
-            <a:ext uri="{91240B29-F687-4F45-9708-019B960494DF}">
-              <a14:hiddenLine xmlns:a14="http://schemas.microsoft.com/office/drawing/2010/main" w="9525">
-                <a:solidFill>
-                  <a:schemeClr val="tx1"/>
-                </a:solidFill>
-                <a:miter lim="800000"/>
-                <a:headEnd/>
-                <a:tailEnd/>
-              </a14:hiddenLine>
-            </a:ext>
-            <a:ext uri="{AF507438-7753-43E0-B8FC-AC1667EBCBE1}">
-              <a14:hiddenEffects xmlns:a14="http://schemas.microsoft.com/office/drawing/2010/main">
-                <a:effectLst>
-                  <a:outerShdw dist="35921" dir="2700000" algn="ctr" rotWithShape="0">
-                    <a:schemeClr val="bg2"/>
-                  </a:outerShdw>
-                </a:effectLst>
-              </a14:hiddenEffects>
-            </a:ext>
-          </a:extLst>
-        </p:spPr>
-        <p:txBody>
-          <a:bodyPr vert="horz" wrap="none" lIns="91440" tIns="45720" rIns="91440" bIns="45720" numCol="1" anchor="ctr" anchorCtr="0" compatLnSpc="1">
-            <a:prstTxWarp prst="textNoShape">
-              <a:avLst/>
-            </a:prstTxWarp>
-            <a:spAutoFit/>
-          </a:bodyPr>
-          <a:lstStyle/>
-          <a:p>
-            <a:endParaRPr lang="en-US"/>
-          </a:p>
-        </p:txBody>
-      </p:sp>
-      <p:sp>
-        <p:nvSpPr>
-          <p:cNvPr id="68" name="Rectangle 58"/>
-          <p:cNvSpPr>
-            <a:spLocks noChangeArrowheads="1"/>
-          </p:cNvSpPr>
-          <p:nvPr/>
-        </p:nvSpPr>
-        <p:spPr bwMode="auto">
-          <a:xfrm>
-            <a:off x="2528550" y="5686133"/>
-            <a:ext cx="12192000" cy="0"/>
-          </a:xfrm>
-          <a:prstGeom prst="rect">
-            <a:avLst/>
-          </a:prstGeom>
-          <a:noFill/>
-          <a:ln>
-            <a:noFill/>
-          </a:ln>
-          <a:effectLst/>
-          <a:extLst>
-            <a:ext uri="{909E8E84-426E-40DD-AFC4-6F175D3DCCD1}">
-              <a14:hiddenFill xmlns:a14="http://schemas.microsoft.com/office/drawing/2010/main">
-                <a:solidFill>
-                  <a:schemeClr val="accent1"/>
-                </a:solidFill>
-              </a14:hiddenFill>
-            </a:ext>
-            <a:ext uri="{91240B29-F687-4F45-9708-019B960494DF}">
-              <a14:hiddenLine xmlns:a14="http://schemas.microsoft.com/office/drawing/2010/main" w="9525">
-                <a:solidFill>
-                  <a:schemeClr val="tx1"/>
-                </a:solidFill>
-                <a:miter lim="800000"/>
-                <a:headEnd/>
-                <a:tailEnd/>
-              </a14:hiddenLine>
-            </a:ext>
-            <a:ext uri="{AF507438-7753-43E0-B8FC-AC1667EBCBE1}">
-              <a14:hiddenEffects xmlns:a14="http://schemas.microsoft.com/office/drawing/2010/main">
-                <a:effectLst>
-                  <a:outerShdw dist="35921" dir="2700000" algn="ctr" rotWithShape="0">
-                    <a:schemeClr val="bg2"/>
-                  </a:outerShdw>
-                </a:effectLst>
-              </a14:hiddenEffects>
-            </a:ext>
-          </a:extLst>
-        </p:spPr>
-        <p:txBody>
-          <a:bodyPr vert="horz" wrap="none" lIns="91440" tIns="45720" rIns="91440" bIns="45720" numCol="1" anchor="ctr" anchorCtr="0" compatLnSpc="1">
-            <a:prstTxWarp prst="textNoShape">
-              <a:avLst/>
-            </a:prstTxWarp>
-            <a:spAutoFit/>
-          </a:bodyPr>
-          <a:lstStyle/>
-          <a:p>
-            <a:endParaRPr lang="en-US"/>
-          </a:p>
-        </p:txBody>
-      </p:sp>
-      <p:pic>
-        <p:nvPicPr>
-          <p:cNvPr id="60" name="Immagine 59" descr="C:\Users\user\Documents\GitHub\linearVibrationsControl\finalReport\parts\Identification\img\validation_overall_kl_nomass.png"/>
-          <p:cNvPicPr>
-            <a:picLocks noChangeAspect="1"/>
-          </p:cNvPicPr>
-          <p:nvPr/>
-        </p:nvPicPr>
-        <p:blipFill>
-          <a:blip r:embed="rId8" cstate="print">
-            <a:extLst>
-              <a:ext uri="{28A0092B-C50C-407E-A947-70E740481C1C}">
-                <a14:useLocalDpi xmlns:a14="http://schemas.microsoft.com/office/drawing/2010/main" val="0"/>
-              </a:ext>
-            </a:extLst>
-          </a:blip>
-          <a:srcRect/>
-          <a:stretch>
-            <a:fillRect/>
-          </a:stretch>
-        </p:blipFill>
-        <p:spPr bwMode="auto">
-          <a:xfrm>
-            <a:off x="1606450" y="842020"/>
-            <a:ext cx="3737513" cy="2636695"/>
-          </a:xfrm>
-          <a:prstGeom prst="rect">
-            <a:avLst/>
-          </a:prstGeom>
-          <a:noFill/>
-          <a:ln>
-            <a:noFill/>
-          </a:ln>
-        </p:spPr>
-      </p:pic>
-      <p:pic>
-        <p:nvPicPr>
-          <p:cNvPr id="61" name="Immagine 60" descr="C:\Users\user\Documents\GitHub\linearVibrationsControl\finalReport\parts\Identification\img\validation_overall_2dof_klkh_0m0m.png"/>
-          <p:cNvPicPr>
-            <a:picLocks noChangeAspect="1"/>
-          </p:cNvPicPr>
-          <p:nvPr/>
-        </p:nvPicPr>
-        <p:blipFill>
-          <a:blip r:embed="rId9" cstate="print">
-            <a:extLst>
-              <a:ext uri="{28A0092B-C50C-407E-A947-70E740481C1C}">
-                <a14:useLocalDpi xmlns:a14="http://schemas.microsoft.com/office/drawing/2010/main" val="0"/>
-              </a:ext>
-            </a:extLst>
-          </a:blip>
-          <a:srcRect/>
-          <a:stretch>
-            <a:fillRect/>
-          </a:stretch>
-        </p:blipFill>
-        <p:spPr bwMode="auto">
-          <a:xfrm>
-            <a:off x="5511073" y="842020"/>
-            <a:ext cx="3516630" cy="2636695"/>
-          </a:xfrm>
-          <a:prstGeom prst="rect">
-            <a:avLst/>
-          </a:prstGeom>
-          <a:noFill/>
-          <a:ln>
-            <a:noFill/>
-          </a:ln>
-        </p:spPr>
-      </p:pic>
-      <p:sp>
-        <p:nvSpPr>
-          <p:cNvPr id="57" name="Rettangolo 56"/>
-          <p:cNvSpPr/>
-          <p:nvPr/>
-        </p:nvSpPr>
-        <p:spPr>
-          <a:xfrm>
-            <a:off x="3036624" y="3307950"/>
-            <a:ext cx="877163" cy="369332"/>
-          </a:xfrm>
-          <a:prstGeom prst="rect">
-            <a:avLst/>
-          </a:prstGeom>
-        </p:spPr>
-        <p:txBody>
-          <a:bodyPr wrap="none">
-            <a:spAutoFit/>
-          </a:bodyPr>
-          <a:lstStyle/>
-          <a:p>
-            <a:r>
-              <a:rPr lang="it-IT" dirty="0">
-                <a:latin typeface="Calibri" panose="020F0502020204030204" pitchFamily="34" charset="0"/>
-                <a:ea typeface="Calibri" panose="020F0502020204030204" pitchFamily="34" charset="0"/>
-                <a:cs typeface="Times New Roman" panose="02020603050405020304" pitchFamily="18" charset="0"/>
-              </a:rPr>
-              <a:t>1 </a:t>
-            </a:r>
-            <a:r>
-              <a:rPr lang="it-IT" dirty="0" err="1">
-                <a:latin typeface="Calibri" panose="020F0502020204030204" pitchFamily="34" charset="0"/>
-                <a:ea typeface="Calibri" panose="020F0502020204030204" pitchFamily="34" charset="0"/>
-                <a:cs typeface="Times New Roman" panose="02020603050405020304" pitchFamily="18" charset="0"/>
-              </a:rPr>
-              <a:t>dof</a:t>
-            </a:r>
-            <a:r>
-              <a:rPr lang="it-IT" dirty="0">
-                <a:latin typeface="Calibri" panose="020F0502020204030204" pitchFamily="34" charset="0"/>
-                <a:ea typeface="Calibri" panose="020F0502020204030204" pitchFamily="34" charset="0"/>
-                <a:cs typeface="Times New Roman" panose="02020603050405020304" pitchFamily="18" charset="0"/>
-              </a:rPr>
-              <a:t> </a:t>
-            </a:r>
-            <a:r>
-              <a:rPr lang="it-IT" dirty="0" err="1">
-                <a:latin typeface="Calibri" panose="020F0502020204030204" pitchFamily="34" charset="0"/>
-                <a:ea typeface="Calibri" panose="020F0502020204030204" pitchFamily="34" charset="0"/>
-                <a:cs typeface="Times New Roman" panose="02020603050405020304" pitchFamily="18" charset="0"/>
-              </a:rPr>
-              <a:t>K</a:t>
-            </a:r>
-            <a:r>
-              <a:rPr lang="it-IT" baseline="-25000" dirty="0" err="1">
-                <a:latin typeface="Calibri" panose="020F0502020204030204" pitchFamily="34" charset="0"/>
-                <a:ea typeface="Calibri" panose="020F0502020204030204" pitchFamily="34" charset="0"/>
-                <a:cs typeface="Times New Roman" panose="02020603050405020304" pitchFamily="18" charset="0"/>
-              </a:rPr>
-              <a:t>l</a:t>
-            </a:r>
-            <a:endParaRPr lang="en-US" dirty="0"/>
-          </a:p>
-        </p:txBody>
-      </p:sp>
-      <p:sp>
-        <p:nvSpPr>
-          <p:cNvPr id="62" name="Rettangolo 61"/>
-          <p:cNvSpPr/>
-          <p:nvPr/>
-        </p:nvSpPr>
-        <p:spPr>
-          <a:xfrm>
-            <a:off x="6712985" y="3316093"/>
-            <a:ext cx="1112805" cy="369332"/>
-          </a:xfrm>
-          <a:prstGeom prst="rect">
-            <a:avLst/>
-          </a:prstGeom>
-        </p:spPr>
-        <p:txBody>
-          <a:bodyPr wrap="none">
-            <a:spAutoFit/>
-          </a:bodyPr>
-          <a:lstStyle/>
-          <a:p>
-            <a:r>
-              <a:rPr lang="it-IT" dirty="0">
-                <a:latin typeface="Calibri" panose="020F0502020204030204" pitchFamily="34" charset="0"/>
-                <a:ea typeface="Calibri" panose="020F0502020204030204" pitchFamily="34" charset="0"/>
-                <a:cs typeface="Times New Roman" panose="02020603050405020304" pitchFamily="18" charset="0"/>
-              </a:rPr>
-              <a:t>2 </a:t>
-            </a:r>
-            <a:r>
-              <a:rPr lang="it-IT" dirty="0" err="1">
-                <a:latin typeface="Calibri" panose="020F0502020204030204" pitchFamily="34" charset="0"/>
-                <a:ea typeface="Calibri" panose="020F0502020204030204" pitchFamily="34" charset="0"/>
-                <a:cs typeface="Times New Roman" panose="02020603050405020304" pitchFamily="18" charset="0"/>
-              </a:rPr>
-              <a:t>dof</a:t>
-            </a:r>
-            <a:r>
-              <a:rPr lang="it-IT" dirty="0">
-                <a:latin typeface="Calibri" panose="020F0502020204030204" pitchFamily="34" charset="0"/>
-                <a:ea typeface="Calibri" panose="020F0502020204030204" pitchFamily="34" charset="0"/>
-                <a:cs typeface="Times New Roman" panose="02020603050405020304" pitchFamily="18" charset="0"/>
-              </a:rPr>
-              <a:t> </a:t>
-            </a:r>
-            <a:r>
-              <a:rPr lang="it-IT" dirty="0" err="1">
-                <a:latin typeface="Calibri" panose="020F0502020204030204" pitchFamily="34" charset="0"/>
-                <a:ea typeface="Calibri" panose="020F0502020204030204" pitchFamily="34" charset="0"/>
-                <a:cs typeface="Times New Roman" panose="02020603050405020304" pitchFamily="18" charset="0"/>
-              </a:rPr>
-              <a:t>K</a:t>
-            </a:r>
-            <a:r>
-              <a:rPr lang="it-IT" baseline="-25000" dirty="0" err="1">
-                <a:latin typeface="Calibri" panose="020F0502020204030204" pitchFamily="34" charset="0"/>
-                <a:ea typeface="Calibri" panose="020F0502020204030204" pitchFamily="34" charset="0"/>
-                <a:cs typeface="Times New Roman" panose="02020603050405020304" pitchFamily="18" charset="0"/>
-              </a:rPr>
-              <a:t>l</a:t>
-            </a:r>
-            <a:r>
-              <a:rPr lang="it-IT" baseline="-25000" dirty="0">
-                <a:latin typeface="Calibri" panose="020F0502020204030204" pitchFamily="34" charset="0"/>
-                <a:ea typeface="Calibri" panose="020F0502020204030204" pitchFamily="34" charset="0"/>
-                <a:cs typeface="Times New Roman" panose="02020603050405020304" pitchFamily="18" charset="0"/>
-              </a:rPr>
-              <a:t> </a:t>
-            </a:r>
-            <a:r>
-              <a:rPr lang="it-IT" dirty="0" err="1">
-                <a:latin typeface="Calibri" panose="020F0502020204030204" pitchFamily="34" charset="0"/>
-                <a:ea typeface="Calibri" panose="020F0502020204030204" pitchFamily="34" charset="0"/>
-                <a:cs typeface="Times New Roman" panose="02020603050405020304" pitchFamily="18" charset="0"/>
-              </a:rPr>
-              <a:t>K</a:t>
-            </a:r>
-            <a:r>
-              <a:rPr lang="it-IT" baseline="-25000" dirty="0" err="1">
-                <a:latin typeface="Calibri" panose="020F0502020204030204" pitchFamily="34" charset="0"/>
-                <a:ea typeface="Calibri" panose="020F0502020204030204" pitchFamily="34" charset="0"/>
-                <a:cs typeface="Times New Roman" panose="02020603050405020304" pitchFamily="18" charset="0"/>
-              </a:rPr>
-              <a:t>h</a:t>
-            </a:r>
-            <a:endParaRPr lang="en-US" dirty="0"/>
-          </a:p>
-        </p:txBody>
-      </p:sp>
-      <p:sp>
-        <p:nvSpPr>
-          <p:cNvPr id="46" name="Rettangolo 45"/>
-          <p:cNvSpPr/>
-          <p:nvPr/>
-        </p:nvSpPr>
-        <p:spPr>
-          <a:xfrm>
-            <a:off x="6767369" y="6196053"/>
-            <a:ext cx="1197379" cy="369332"/>
-          </a:xfrm>
-          <a:prstGeom prst="rect">
-            <a:avLst/>
-          </a:prstGeom>
-        </p:spPr>
-        <p:txBody>
-          <a:bodyPr wrap="none">
-            <a:spAutoFit/>
-          </a:bodyPr>
-          <a:lstStyle/>
-          <a:p>
-            <a:r>
-              <a:rPr lang="it-IT" dirty="0">
-                <a:latin typeface="Calibri" panose="020F0502020204030204" pitchFamily="34" charset="0"/>
-                <a:ea typeface="Calibri" panose="020F0502020204030204" pitchFamily="34" charset="0"/>
-                <a:cs typeface="Times New Roman" panose="02020603050405020304" pitchFamily="18" charset="0"/>
-              </a:rPr>
-              <a:t>2 </a:t>
-            </a:r>
-            <a:r>
-              <a:rPr lang="it-IT" dirty="0" err="1">
-                <a:latin typeface="Calibri" panose="020F0502020204030204" pitchFamily="34" charset="0"/>
-                <a:ea typeface="Calibri" panose="020F0502020204030204" pitchFamily="34" charset="0"/>
-                <a:cs typeface="Times New Roman" panose="02020603050405020304" pitchFamily="18" charset="0"/>
-              </a:rPr>
-              <a:t>dof</a:t>
-            </a:r>
-            <a:r>
-              <a:rPr lang="it-IT" dirty="0">
-                <a:latin typeface="Calibri" panose="020F0502020204030204" pitchFamily="34" charset="0"/>
-                <a:ea typeface="Calibri" panose="020F0502020204030204" pitchFamily="34" charset="0"/>
-                <a:cs typeface="Times New Roman" panose="02020603050405020304" pitchFamily="18" charset="0"/>
-              </a:rPr>
-              <a:t> </a:t>
-            </a:r>
-            <a:r>
-              <a:rPr lang="it-IT" dirty="0" err="1">
-                <a:latin typeface="Calibri" panose="020F0502020204030204" pitchFamily="34" charset="0"/>
-                <a:ea typeface="Calibri" panose="020F0502020204030204" pitchFamily="34" charset="0"/>
-                <a:cs typeface="Times New Roman" panose="02020603050405020304" pitchFamily="18" charset="0"/>
-              </a:rPr>
-              <a:t>K</a:t>
-            </a:r>
-            <a:r>
-              <a:rPr lang="it-IT" baseline="-25000" dirty="0" err="1">
-                <a:latin typeface="Calibri" panose="020F0502020204030204" pitchFamily="34" charset="0"/>
-                <a:ea typeface="Calibri" panose="020F0502020204030204" pitchFamily="34" charset="0"/>
-                <a:cs typeface="Times New Roman" panose="02020603050405020304" pitchFamily="18" charset="0"/>
-              </a:rPr>
-              <a:t>h</a:t>
-            </a:r>
-            <a:r>
-              <a:rPr lang="it-IT" baseline="-25000" dirty="0">
-                <a:latin typeface="Calibri" panose="020F0502020204030204" pitchFamily="34" charset="0"/>
-                <a:ea typeface="Calibri" panose="020F0502020204030204" pitchFamily="34" charset="0"/>
-                <a:cs typeface="Times New Roman" panose="02020603050405020304" pitchFamily="18" charset="0"/>
-              </a:rPr>
-              <a:t> </a:t>
-            </a:r>
-            <a:r>
-              <a:rPr lang="it-IT" dirty="0">
-                <a:latin typeface="Calibri" panose="020F0502020204030204" pitchFamily="34" charset="0"/>
-                <a:ea typeface="Calibri" panose="020F0502020204030204" pitchFamily="34" charset="0"/>
-                <a:cs typeface="Times New Roman" panose="02020603050405020304" pitchFamily="18" charset="0"/>
-              </a:rPr>
-              <a:t>K</a:t>
-            </a:r>
-            <a:r>
-              <a:rPr lang="it-IT" baseline="-25000" dirty="0">
-                <a:latin typeface="Calibri" panose="020F0502020204030204" pitchFamily="34" charset="0"/>
-                <a:ea typeface="Calibri" panose="020F0502020204030204" pitchFamily="34" charset="0"/>
-                <a:cs typeface="Times New Roman" panose="02020603050405020304" pitchFamily="18" charset="0"/>
-              </a:rPr>
-              <a:t>m</a:t>
-            </a:r>
-            <a:endParaRPr lang="en-US" dirty="0"/>
-          </a:p>
-        </p:txBody>
-      </p:sp>
-      <p:sp>
-        <p:nvSpPr>
-          <p:cNvPr id="47" name="Rettangolo 46"/>
-          <p:cNvSpPr/>
-          <p:nvPr/>
-        </p:nvSpPr>
-        <p:spPr>
-          <a:xfrm>
-            <a:off x="3067111" y="6197820"/>
-            <a:ext cx="922047" cy="369332"/>
-          </a:xfrm>
-          <a:prstGeom prst="rect">
-            <a:avLst/>
-          </a:prstGeom>
-        </p:spPr>
-        <p:txBody>
-          <a:bodyPr wrap="none">
-            <a:spAutoFit/>
-          </a:bodyPr>
-          <a:lstStyle/>
-          <a:p>
-            <a:r>
-              <a:rPr lang="it-IT" dirty="0">
-                <a:latin typeface="Calibri" panose="020F0502020204030204" pitchFamily="34" charset="0"/>
-                <a:ea typeface="Calibri" panose="020F0502020204030204" pitchFamily="34" charset="0"/>
-                <a:cs typeface="Times New Roman" panose="02020603050405020304" pitchFamily="18" charset="0"/>
-              </a:rPr>
-              <a:t>1 </a:t>
-            </a:r>
-            <a:r>
-              <a:rPr lang="it-IT" dirty="0" err="1">
-                <a:latin typeface="Calibri" panose="020F0502020204030204" pitchFamily="34" charset="0"/>
-                <a:ea typeface="Calibri" panose="020F0502020204030204" pitchFamily="34" charset="0"/>
-                <a:cs typeface="Times New Roman" panose="02020603050405020304" pitchFamily="18" charset="0"/>
-              </a:rPr>
-              <a:t>dof</a:t>
-            </a:r>
-            <a:r>
-              <a:rPr lang="it-IT" dirty="0">
-                <a:latin typeface="Calibri" panose="020F0502020204030204" pitchFamily="34" charset="0"/>
-                <a:ea typeface="Calibri" panose="020F0502020204030204" pitchFamily="34" charset="0"/>
-                <a:cs typeface="Times New Roman" panose="02020603050405020304" pitchFamily="18" charset="0"/>
-              </a:rPr>
-              <a:t> </a:t>
-            </a:r>
-            <a:r>
-              <a:rPr lang="it-IT" dirty="0" err="1">
-                <a:latin typeface="Calibri" panose="020F0502020204030204" pitchFamily="34" charset="0"/>
-                <a:ea typeface="Calibri" panose="020F0502020204030204" pitchFamily="34" charset="0"/>
-                <a:cs typeface="Times New Roman" panose="02020603050405020304" pitchFamily="18" charset="0"/>
-              </a:rPr>
-              <a:t>K</a:t>
-            </a:r>
-            <a:r>
-              <a:rPr lang="it-IT" baseline="-25000" dirty="0" err="1">
-                <a:latin typeface="Calibri" panose="020F0502020204030204" pitchFamily="34" charset="0"/>
-                <a:ea typeface="Calibri" panose="020F0502020204030204" pitchFamily="34" charset="0"/>
-                <a:cs typeface="Times New Roman" panose="02020603050405020304" pitchFamily="18" charset="0"/>
-              </a:rPr>
-              <a:t>h</a:t>
-            </a:r>
-            <a:endParaRPr lang="en-US" dirty="0"/>
-          </a:p>
-        </p:txBody>
-      </p:sp>
-    </p:spTree>
-    <p:extLst>
-      <p:ext uri="{BB962C8B-B14F-4D97-AF65-F5344CB8AC3E}">
-        <p14:creationId xmlns:p14="http://schemas.microsoft.com/office/powerpoint/2010/main" val="1907308583"/>
       </p:ext>
     </p:extLst>
   </p:cSld>

--- a/finalPresentation/Part 1/Part1.pptx
+++ b/finalPresentation/Part 1/Part1.pptx
@@ -9095,7 +9095,7 @@
                   <a:srgbClr val="003366"/>
                 </a:solidFill>
               </a:rPr>
-              <a:t>System description</a:t>
+              <a:t>Protection system: four macroblocks</a:t>
             </a:r>
           </a:p>
         </p:txBody>
@@ -9292,328 +9292,9 @@
           </a:p>
         </p:txBody>
       </p:sp>
-      <mc:AlternateContent xmlns:mc="http://schemas.openxmlformats.org/markup-compatibility/2006" xmlns:a14="http://schemas.microsoft.com/office/drawing/2010/main">
-        <mc:Choice Requires="a14">
-          <p:sp>
-            <p:nvSpPr>
-              <p:cNvPr id="2" name="TextBox 1"/>
-              <p:cNvSpPr txBox="1"/>
-              <p:nvPr/>
-            </p:nvSpPr>
-            <p:spPr>
-              <a:xfrm>
-                <a:off x="1838900" y="915634"/>
-                <a:ext cx="8241050" cy="1512978"/>
-              </a:xfrm>
-              <a:prstGeom prst="rect">
-                <a:avLst/>
-              </a:prstGeom>
-              <a:noFill/>
-            </p:spPr>
-            <p:txBody>
-              <a:bodyPr wrap="square" rtlCol="0">
-                <a:spAutoFit/>
-              </a:bodyPr>
-              <a:lstStyle/>
-              <a:p>
-                <a:pPr algn="just"/>
-                <a:r>
-                  <a:rPr lang="en-US" dirty="0"/>
-                  <a:t>System: brushed motor, 3 carts, 3 springs, weights, 4 encoders, </a:t>
-                </a:r>
-                <a:r>
-                  <a:rPr lang="en-US" dirty="0" err="1"/>
-                  <a:t>PoliArd</a:t>
-                </a:r>
-                <a:r>
-                  <a:rPr lang="en-US" dirty="0"/>
-                  <a:t>/Arduino</a:t>
-                </a:r>
-              </a:p>
-              <a:p>
-                <a:pPr algn="just"/>
-                <a:r>
-                  <a:rPr lang="en-US" dirty="0"/>
-                  <a:t>Preliminary issues: </a:t>
-                </a:r>
-              </a:p>
-              <a:p>
-                <a:pPr marL="285750" indent="-285750" algn="just">
-                  <a:buFontTx/>
-                  <a:buChar char="-"/>
-                </a:pPr>
-                <a:r>
-                  <a:rPr lang="en-US" dirty="0"/>
-                  <a:t>Arduino saturation limits measured motor current to ±5A</a:t>
-                </a:r>
-              </a:p>
-              <a:p>
-                <a:pPr marL="285750" indent="-285750" algn="just">
-                  <a:buFontTx/>
-                  <a:buChar char="-"/>
-                </a:pPr>
-                <a:r>
-                  <a:rPr lang="en-US" dirty="0"/>
-                  <a:t>For </a:t>
-                </a:r>
-                <a14:m>
-                  <m:oMath xmlns:m="http://schemas.openxmlformats.org/officeDocument/2006/math">
-                    <m:r>
-                      <a:rPr lang="en-US" b="0" i="1" smtClean="0">
-                        <a:latin typeface="Cambria Math" panose="02040503050406030204" pitchFamily="18" charset="0"/>
-                      </a:rPr>
-                      <m:t>𝑣</m:t>
-                    </m:r>
-                    <m:d>
-                      <m:dPr>
-                        <m:ctrlPr>
-                          <a:rPr lang="en-US" b="0" i="1" smtClean="0">
-                            <a:latin typeface="Cambria Math" panose="02040503050406030204" pitchFamily="18" charset="0"/>
-                          </a:rPr>
-                        </m:ctrlPr>
-                      </m:dPr>
-                      <m:e>
-                        <m:r>
-                          <a:rPr lang="en-US" b="0" i="1" smtClean="0">
-                            <a:latin typeface="Cambria Math" panose="02040503050406030204" pitchFamily="18" charset="0"/>
-                          </a:rPr>
-                          <m:t>𝑡</m:t>
-                        </m:r>
-                      </m:e>
-                    </m:d>
-                    <m:r>
-                      <a:rPr lang="en-US" b="0" i="1" smtClean="0">
-                        <a:latin typeface="Cambria Math" panose="02040503050406030204" pitchFamily="18" charset="0"/>
-                      </a:rPr>
-                      <m:t>&lt;0</m:t>
-                    </m:r>
-                  </m:oMath>
-                </a14:m>
-                <a:r>
-                  <a:rPr lang="en-US" b="0" dirty="0"/>
-                  <a:t>, </a:t>
-                </a:r>
-                <a14:m>
-                  <m:oMath xmlns:m="http://schemas.openxmlformats.org/officeDocument/2006/math">
-                    <m:r>
-                      <a:rPr lang="en-US" b="0" i="1" smtClean="0">
-                        <a:latin typeface="Cambria Math" panose="02040503050406030204" pitchFamily="18" charset="0"/>
-                      </a:rPr>
-                      <m:t>𝑣𝑎𝑟</m:t>
-                    </m:r>
-                    <m:d>
-                      <m:dPr>
-                        <m:ctrlPr>
-                          <a:rPr lang="en-US" b="0" i="1" smtClean="0">
-                            <a:latin typeface="Cambria Math" panose="02040503050406030204" pitchFamily="18" charset="0"/>
-                          </a:rPr>
-                        </m:ctrlPr>
-                      </m:dPr>
-                      <m:e>
-                        <m:r>
-                          <m:rPr>
-                            <m:sty m:val="p"/>
-                          </m:rPr>
-                          <a:rPr lang="en-US" b="0" i="0" smtClean="0">
-                            <a:latin typeface="Cambria Math" panose="02040503050406030204" pitchFamily="18" charset="0"/>
-                          </a:rPr>
-                          <m:t>i</m:t>
-                        </m:r>
-                        <m:d>
-                          <m:dPr>
-                            <m:ctrlPr>
-                              <a:rPr lang="en-US" b="0" i="1" smtClean="0">
-                                <a:latin typeface="Cambria Math" panose="02040503050406030204" pitchFamily="18" charset="0"/>
-                              </a:rPr>
-                            </m:ctrlPr>
-                          </m:dPr>
-                          <m:e>
-                            <m:r>
-                              <m:rPr>
-                                <m:sty m:val="p"/>
-                              </m:rPr>
-                              <a:rPr lang="en-US" b="0" i="0" smtClean="0">
-                                <a:latin typeface="Cambria Math" panose="02040503050406030204" pitchFamily="18" charset="0"/>
-                              </a:rPr>
-                              <m:t>t</m:t>
-                            </m:r>
-                          </m:e>
-                        </m:d>
-                      </m:e>
-                    </m:d>
-                  </m:oMath>
-                </a14:m>
-                <a:r>
-                  <a:rPr lang="en-US" b="0" dirty="0"/>
-                  <a:t> is not constant; assumed </a:t>
-                </a:r>
-                <a14:m>
-                  <m:oMath xmlns:m="http://schemas.openxmlformats.org/officeDocument/2006/math">
-                    <m:r>
-                      <a:rPr lang="en-US" i="1">
-                        <a:latin typeface="Cambria Math" panose="02040503050406030204" pitchFamily="18" charset="0"/>
-                      </a:rPr>
-                      <m:t>𝑣𝑎𝑟</m:t>
-                    </m:r>
-                    <m:d>
-                      <m:dPr>
-                        <m:ctrlPr>
-                          <a:rPr lang="en-US" i="1">
-                            <a:latin typeface="Cambria Math" panose="02040503050406030204" pitchFamily="18" charset="0"/>
-                          </a:rPr>
-                        </m:ctrlPr>
-                      </m:dPr>
-                      <m:e>
-                        <m:r>
-                          <m:rPr>
-                            <m:sty m:val="p"/>
-                          </m:rPr>
-                          <a:rPr lang="en-US">
-                            <a:latin typeface="Cambria Math" panose="02040503050406030204" pitchFamily="18" charset="0"/>
-                          </a:rPr>
-                          <m:t>i</m:t>
-                        </m:r>
-                        <m:d>
-                          <m:dPr>
-                            <m:ctrlPr>
-                              <a:rPr lang="en-US" i="1">
-                                <a:latin typeface="Cambria Math" panose="02040503050406030204" pitchFamily="18" charset="0"/>
-                              </a:rPr>
-                            </m:ctrlPr>
-                          </m:dPr>
-                          <m:e>
-                            <m:r>
-                              <m:rPr>
-                                <m:sty m:val="p"/>
-                              </m:rPr>
-                              <a:rPr lang="en-US">
-                                <a:latin typeface="Cambria Math" panose="02040503050406030204" pitchFamily="18" charset="0"/>
-                              </a:rPr>
-                              <m:t>t</m:t>
-                            </m:r>
-                          </m:e>
-                        </m:d>
-                      </m:e>
-                    </m:d>
-                    <m:r>
-                      <a:rPr lang="en-US" b="0" i="1" smtClean="0">
-                        <a:latin typeface="Cambria Math" panose="02040503050406030204" pitchFamily="18" charset="0"/>
-                      </a:rPr>
-                      <m:t>=</m:t>
-                    </m:r>
-                    <m:r>
-                      <a:rPr lang="en-US" b="0" i="1" smtClean="0">
-                        <a:latin typeface="Cambria Math" panose="02040503050406030204" pitchFamily="18" charset="0"/>
-                      </a:rPr>
-                      <m:t>𝑎</m:t>
-                    </m:r>
-                    <m:r>
-                      <a:rPr lang="en-US" b="0" i="1" smtClean="0">
-                        <a:latin typeface="Cambria Math" panose="02040503050406030204" pitchFamily="18" charset="0"/>
-                      </a:rPr>
-                      <m:t>+</m:t>
-                    </m:r>
-                    <m:r>
-                      <a:rPr lang="en-US" b="0" i="1" smtClean="0">
-                        <a:latin typeface="Cambria Math" panose="02040503050406030204" pitchFamily="18" charset="0"/>
-                      </a:rPr>
-                      <m:t>𝑏𝐸</m:t>
-                    </m:r>
-                    <m:d>
-                      <m:dPr>
-                        <m:begChr m:val="["/>
-                        <m:endChr m:val="]"/>
-                        <m:ctrlPr>
-                          <a:rPr lang="en-US" b="0" i="1" smtClean="0">
-                            <a:latin typeface="Cambria Math" panose="02040503050406030204" pitchFamily="18" charset="0"/>
-                          </a:rPr>
-                        </m:ctrlPr>
-                      </m:dPr>
-                      <m:e>
-                        <m:r>
-                          <a:rPr lang="en-US" b="0" i="1" smtClean="0">
-                            <a:latin typeface="Cambria Math" panose="02040503050406030204" pitchFamily="18" charset="0"/>
-                          </a:rPr>
-                          <m:t>𝑖</m:t>
-                        </m:r>
-                        <m:d>
-                          <m:dPr>
-                            <m:ctrlPr>
-                              <a:rPr lang="en-US" b="0" i="1" smtClean="0">
-                                <a:latin typeface="Cambria Math" panose="02040503050406030204" pitchFamily="18" charset="0"/>
-                              </a:rPr>
-                            </m:ctrlPr>
-                          </m:dPr>
-                          <m:e>
-                            <m:r>
-                              <a:rPr lang="en-US" b="0" i="1" smtClean="0">
-                                <a:latin typeface="Cambria Math" panose="02040503050406030204" pitchFamily="18" charset="0"/>
-                              </a:rPr>
-                              <m:t>𝑡</m:t>
-                            </m:r>
-                          </m:e>
-                        </m:d>
-                      </m:e>
-                    </m:d>
-                  </m:oMath>
-                </a14:m>
-                <a:endParaRPr lang="en-US" b="0" dirty="0"/>
-              </a:p>
-              <a:p>
-                <a:pPr marL="285750" indent="-285750" algn="just">
-                  <a:buFontTx/>
-                  <a:buChar char="-"/>
-                </a:pPr>
-                <a:r>
-                  <a:rPr lang="en-US" dirty="0"/>
-                  <a:t>Encoder signal: Arduino to and fro cm; measurement of the ratio</a:t>
-                </a:r>
-              </a:p>
-            </p:txBody>
-          </p:sp>
-        </mc:Choice>
-        <mc:Fallback xmlns="">
-          <p:sp>
-            <p:nvSpPr>
-              <p:cNvPr id="2" name="TextBox 1"/>
-              <p:cNvSpPr txBox="1">
-                <a:spLocks noRot="1" noChangeAspect="1" noMove="1" noResize="1" noEditPoints="1" noAdjustHandles="1" noChangeArrowheads="1" noChangeShapeType="1" noTextEdit="1"/>
-              </p:cNvSpPr>
-              <p:nvPr/>
-            </p:nvSpPr>
-            <p:spPr>
-              <a:xfrm>
-                <a:off x="1838900" y="915634"/>
-                <a:ext cx="8241050" cy="1512978"/>
-              </a:xfrm>
-              <a:prstGeom prst="rect">
-                <a:avLst/>
-              </a:prstGeom>
-              <a:blipFill>
-                <a:blip r:embed="rId6"/>
-                <a:stretch>
-                  <a:fillRect l="-666" t="-2016" b="-5645"/>
-                </a:stretch>
-              </a:blipFill>
-            </p:spPr>
-            <p:txBody>
-              <a:bodyPr/>
-              <a:lstStyle/>
-              <a:p>
-                <a:r>
-                  <a:rPr lang="en-US">
-                    <a:noFill/>
-                  </a:rPr>
-                  <a:t> </a:t>
-                </a:r>
-              </a:p>
-            </p:txBody>
-          </p:sp>
-        </mc:Fallback>
-      </mc:AlternateContent>
       <p:sp>
         <p:nvSpPr>
-          <p:cNvPr id="49" name="Rectangle 40"/>
+          <p:cNvPr id="55" name="Rectangle 44"/>
           <p:cNvSpPr>
             <a:spLocks noChangeArrowheads="1"/>
           </p:cNvSpPr>
@@ -9621,7 +9302,7 @@
         </p:nvSpPr>
         <p:spPr bwMode="auto">
           <a:xfrm>
-            <a:off x="3689131" y="1621134"/>
+            <a:off x="1343600" y="3101516"/>
             <a:ext cx="184731" cy="369332"/>
           </a:xfrm>
           <a:prstGeom prst="rect">
@@ -9674,69 +9355,6 @@
           </a:p>
         </p:txBody>
       </p:sp>
-      <p:sp>
-        <p:nvSpPr>
-          <p:cNvPr id="55" name="Rectangle 44"/>
-          <p:cNvSpPr>
-            <a:spLocks noChangeArrowheads="1"/>
-          </p:cNvSpPr>
-          <p:nvPr/>
-        </p:nvSpPr>
-        <p:spPr bwMode="auto">
-          <a:xfrm>
-            <a:off x="1343600" y="3101516"/>
-            <a:ext cx="184731" cy="369332"/>
-          </a:xfrm>
-          <a:prstGeom prst="rect">
-            <a:avLst/>
-          </a:prstGeom>
-          <a:noFill/>
-          <a:ln>
-            <a:noFill/>
-          </a:ln>
-          <a:effectLst/>
-          <a:extLst>
-            <a:ext uri="{909E8E84-426E-40DD-AFC4-6F175D3DCCD1}">
-              <a14:hiddenFill xmlns:a14="http://schemas.microsoft.com/office/drawing/2010/main">
-                <a:solidFill>
-                  <a:schemeClr val="accent1"/>
-                </a:solidFill>
-              </a14:hiddenFill>
-            </a:ext>
-            <a:ext uri="{91240B29-F687-4F45-9708-019B960494DF}">
-              <a14:hiddenLine xmlns:a14="http://schemas.microsoft.com/office/drawing/2010/main" w="9525">
-                <a:solidFill>
-                  <a:schemeClr val="tx1"/>
-                </a:solidFill>
-                <a:miter lim="800000"/>
-                <a:headEnd/>
-                <a:tailEnd/>
-              </a14:hiddenLine>
-            </a:ext>
-            <a:ext uri="{AF507438-7753-43E0-B8FC-AC1667EBCBE1}">
-              <a14:hiddenEffects xmlns:a14="http://schemas.microsoft.com/office/drawing/2010/main">
-                <a:effectLst>
-                  <a:outerShdw dist="35921" dir="2700000" algn="ctr" rotWithShape="0">
-                    <a:schemeClr val="bg2"/>
-                  </a:outerShdw>
-                </a:effectLst>
-              </a14:hiddenEffects>
-            </a:ext>
-          </a:extLst>
-        </p:spPr>
-        <p:txBody>
-          <a:bodyPr vert="horz" wrap="none" lIns="91440" tIns="45720" rIns="91440" bIns="45720" numCol="1" anchor="ctr" anchorCtr="0" compatLnSpc="1">
-            <a:prstTxWarp prst="textNoShape">
-              <a:avLst/>
-            </a:prstTxWarp>
-            <a:spAutoFit/>
-          </a:bodyPr>
-          <a:lstStyle/>
-          <a:p>
-            <a:endParaRPr lang="en-US" dirty="0"/>
-          </a:p>
-        </p:txBody>
-      </p:sp>
       <p:pic>
         <p:nvPicPr>
           <p:cNvPr id="64" name="Immagine 63"/>
@@ -9746,7 +9364,7 @@
           <p:nvPr/>
         </p:nvPicPr>
         <p:blipFill>
-          <a:blip r:embed="rId7" cstate="print">
+          <a:blip r:embed="rId6" cstate="print">
             <a:extLst>
               <a:ext uri="{28A0092B-C50C-407E-A947-70E740481C1C}">
                 <a14:useLocalDpi xmlns:a14="http://schemas.microsoft.com/office/drawing/2010/main" val="0"/>
@@ -9759,8 +9377,8 @@
         </p:blipFill>
         <p:spPr>
           <a:xfrm>
-            <a:off x="5361896" y="2795103"/>
-            <a:ext cx="6265166" cy="2622318"/>
+            <a:off x="1606450" y="1621134"/>
+            <a:ext cx="9194448" cy="3848384"/>
           </a:xfrm>
           <a:prstGeom prst="rect">
             <a:avLst/>
@@ -9769,81 +9387,570 @@
       </p:pic>
       <p:sp>
         <p:nvSpPr>
-          <p:cNvPr id="62" name="Rettangolo 61"/>
+          <p:cNvPr id="14" name="Freccia in giù 13"/>
           <p:cNvSpPr/>
           <p:nvPr/>
         </p:nvSpPr>
         <p:spPr>
           <a:xfrm>
-            <a:off x="1492175" y="2246394"/>
-            <a:ext cx="3891866" cy="3693319"/>
-          </a:xfrm>
-          <a:prstGeom prst="rect">
+            <a:off x="2099796" y="1421375"/>
+            <a:ext cx="484632" cy="552158"/>
+          </a:xfrm>
+          <a:prstGeom prst="downArrow">
             <a:avLst/>
           </a:prstGeom>
         </p:spPr>
+        <p:style>
+          <a:lnRef idx="2">
+            <a:schemeClr val="accent1">
+              <a:shade val="50000"/>
+            </a:schemeClr>
+          </a:lnRef>
+          <a:fillRef idx="1">
+            <a:schemeClr val="accent1"/>
+          </a:fillRef>
+          <a:effectRef idx="0">
+            <a:schemeClr val="accent1"/>
+          </a:effectRef>
+          <a:fontRef idx="minor">
+            <a:schemeClr val="lt1"/>
+          </a:fontRef>
+        </p:style>
         <p:txBody>
-          <a:bodyPr wrap="square">
-            <a:spAutoFit/>
-          </a:bodyPr>
+          <a:bodyPr rtlCol="0" anchor="ctr"/>
           <a:lstStyle/>
           <a:p>
-            <a:pPr marL="285750" indent="-285750" algn="just">
-              <a:buFontTx/>
-              <a:buChar char="-"/>
-            </a:pPr>
-            <a:endParaRPr lang="en-US" dirty="0"/>
-          </a:p>
-          <a:p>
-            <a:r>
-              <a:rPr lang="en-US" dirty="0"/>
-              <a:t>Protection system - four macroblocks:</a:t>
-            </a:r>
-            <a:endParaRPr lang="en-US" sz="1600" dirty="0"/>
-          </a:p>
-          <a:p>
-            <a:pPr marL="285750" indent="-285750">
-              <a:buFontTx/>
-              <a:buChar char="-"/>
-            </a:pPr>
-            <a:r>
-              <a:rPr lang="en-US" dirty="0"/>
-              <a:t>Input Manager: selects input, control input noise and reference</a:t>
-            </a:r>
-            <a:endParaRPr lang="en-US" sz="1600" dirty="0"/>
-          </a:p>
-          <a:p>
-            <a:pPr marL="285750" indent="-285750">
-              <a:buFontTx/>
-              <a:buChar char="-"/>
-            </a:pPr>
-            <a:r>
-              <a:rPr lang="en-US" dirty="0"/>
-              <a:t>Protector: saturates voltage, displacement and reference; synchronizes Arduino and signal starting time; triggers alert</a:t>
-            </a:r>
-            <a:endParaRPr lang="en-US" sz="1600" dirty="0"/>
-          </a:p>
-          <a:p>
-            <a:pPr marL="285750" indent="-285750">
-              <a:buFontTx/>
-              <a:buChar char="-"/>
-            </a:pPr>
-            <a:r>
-              <a:rPr lang="en-US" dirty="0"/>
-              <a:t>System: motor and encoder feedback</a:t>
-            </a:r>
-            <a:endParaRPr lang="en-US" sz="1600" dirty="0"/>
-          </a:p>
-          <a:p>
-            <a:pPr marL="285750" indent="-285750">
-              <a:buFontTx/>
-              <a:buChar char="-"/>
-            </a:pPr>
-            <a:r>
-              <a:rPr lang="en-US" dirty="0"/>
-              <a:t>Controller: controls + pulls control voltage to 0 when alert has been triggered</a:t>
-            </a:r>
-            <a:endParaRPr lang="en-US" sz="1600" dirty="0"/>
+            <a:pPr algn="ctr"/>
+            <a:endParaRPr lang="it-IT"/>
+          </a:p>
+        </p:txBody>
+      </p:sp>
+      <p:grpSp>
+        <p:nvGrpSpPr>
+          <p:cNvPr id="15" name="Gruppo 14"/>
+          <p:cNvGrpSpPr/>
+          <p:nvPr/>
+        </p:nvGrpSpPr>
+        <p:grpSpPr>
+          <a:xfrm>
+            <a:off x="512835" y="744931"/>
+            <a:ext cx="3409518" cy="954474"/>
+            <a:chOff x="2671903" y="701782"/>
+            <a:chExt cx="6075704" cy="954474"/>
+          </a:xfrm>
+        </p:grpSpPr>
+        <p:sp>
+          <p:nvSpPr>
+            <p:cNvPr id="16" name="Rettangolo arrotondato 15"/>
+            <p:cNvSpPr/>
+            <p:nvPr/>
+          </p:nvSpPr>
+          <p:spPr>
+            <a:xfrm>
+              <a:off x="2671903" y="701782"/>
+              <a:ext cx="5929963" cy="745697"/>
+            </a:xfrm>
+            <a:prstGeom prst="roundRect">
+              <a:avLst/>
+            </a:prstGeom>
+            <a:solidFill>
+              <a:schemeClr val="bg2"/>
+            </a:solidFill>
+          </p:spPr>
+          <p:style>
+            <a:lnRef idx="2">
+              <a:schemeClr val="accent1">
+                <a:shade val="50000"/>
+              </a:schemeClr>
+            </a:lnRef>
+            <a:fillRef idx="1">
+              <a:schemeClr val="accent1"/>
+            </a:fillRef>
+            <a:effectRef idx="0">
+              <a:schemeClr val="accent1"/>
+            </a:effectRef>
+            <a:fontRef idx="minor">
+              <a:schemeClr val="lt1"/>
+            </a:fontRef>
+          </p:style>
+          <p:txBody>
+            <a:bodyPr rtlCol="0" anchor="ctr"/>
+            <a:lstStyle/>
+            <a:p>
+              <a:pPr algn="ctr"/>
+              <a:endParaRPr lang="it-IT"/>
+            </a:p>
+          </p:txBody>
+        </p:sp>
+        <p:sp>
+          <p:nvSpPr>
+            <p:cNvPr id="17" name="Rettangolo 16"/>
+            <p:cNvSpPr/>
+            <p:nvPr/>
+          </p:nvSpPr>
+          <p:spPr>
+            <a:xfrm>
+              <a:off x="2684070" y="732926"/>
+              <a:ext cx="6063537" cy="923330"/>
+            </a:xfrm>
+            <a:prstGeom prst="rect">
+              <a:avLst/>
+            </a:prstGeom>
+          </p:spPr>
+          <p:txBody>
+            <a:bodyPr wrap="square">
+              <a:spAutoFit/>
+            </a:bodyPr>
+            <a:lstStyle/>
+            <a:p>
+              <a:r>
+                <a:rPr lang="en-US" b="1" dirty="0"/>
+                <a:t>Input manager</a:t>
+              </a:r>
+              <a:r>
+                <a:rPr lang="en-US" dirty="0"/>
+                <a:t>: </a:t>
+              </a:r>
+            </a:p>
+            <a:p>
+              <a:r>
+                <a:rPr lang="en-US" dirty="0"/>
+                <a:t>Selects input, noise and reference</a:t>
+              </a:r>
+              <a:endParaRPr lang="it-IT" dirty="0"/>
+            </a:p>
+          </p:txBody>
+        </p:sp>
+      </p:grpSp>
+      <p:sp>
+        <p:nvSpPr>
+          <p:cNvPr id="18" name="Freccia in giù 17"/>
+          <p:cNvSpPr/>
+          <p:nvPr/>
+        </p:nvSpPr>
+        <p:spPr>
+          <a:xfrm>
+            <a:off x="5562663" y="2094667"/>
+            <a:ext cx="484632" cy="805834"/>
+          </a:xfrm>
+          <a:prstGeom prst="downArrow">
+            <a:avLst/>
+          </a:prstGeom>
+        </p:spPr>
+        <p:style>
+          <a:lnRef idx="2">
+            <a:schemeClr val="accent1">
+              <a:shade val="50000"/>
+            </a:schemeClr>
+          </a:lnRef>
+          <a:fillRef idx="1">
+            <a:schemeClr val="accent1"/>
+          </a:fillRef>
+          <a:effectRef idx="0">
+            <a:schemeClr val="accent1"/>
+          </a:effectRef>
+          <a:fontRef idx="minor">
+            <a:schemeClr val="lt1"/>
+          </a:fontRef>
+        </p:style>
+        <p:txBody>
+          <a:bodyPr rtlCol="0" anchor="ctr"/>
+          <a:lstStyle/>
+          <a:p>
+            <a:pPr algn="ctr"/>
+            <a:endParaRPr lang="it-IT"/>
+          </a:p>
+        </p:txBody>
+      </p:sp>
+      <p:grpSp>
+        <p:nvGrpSpPr>
+          <p:cNvPr id="19" name="Gruppo 18"/>
+          <p:cNvGrpSpPr/>
+          <p:nvPr/>
+        </p:nvGrpSpPr>
+        <p:grpSpPr>
+          <a:xfrm>
+            <a:off x="3922353" y="849185"/>
+            <a:ext cx="4857318" cy="1262416"/>
+            <a:chOff x="2671903" y="701782"/>
+            <a:chExt cx="6075704" cy="1262416"/>
+          </a:xfrm>
+        </p:grpSpPr>
+        <p:sp>
+          <p:nvSpPr>
+            <p:cNvPr id="20" name="Rettangolo arrotondato 19"/>
+            <p:cNvSpPr/>
+            <p:nvPr/>
+          </p:nvSpPr>
+          <p:spPr>
+            <a:xfrm>
+              <a:off x="2671903" y="701782"/>
+              <a:ext cx="5929962" cy="1262416"/>
+            </a:xfrm>
+            <a:prstGeom prst="roundRect">
+              <a:avLst/>
+            </a:prstGeom>
+            <a:solidFill>
+              <a:schemeClr val="bg2"/>
+            </a:solidFill>
+          </p:spPr>
+          <p:style>
+            <a:lnRef idx="2">
+              <a:schemeClr val="accent1">
+                <a:shade val="50000"/>
+              </a:schemeClr>
+            </a:lnRef>
+            <a:fillRef idx="1">
+              <a:schemeClr val="accent1"/>
+            </a:fillRef>
+            <a:effectRef idx="0">
+              <a:schemeClr val="accent1"/>
+            </a:effectRef>
+            <a:fontRef idx="minor">
+              <a:schemeClr val="lt1"/>
+            </a:fontRef>
+          </p:style>
+          <p:txBody>
+            <a:bodyPr rtlCol="0" anchor="ctr"/>
+            <a:lstStyle/>
+            <a:p>
+              <a:pPr algn="ctr"/>
+              <a:endParaRPr lang="it-IT"/>
+            </a:p>
+          </p:txBody>
+        </p:sp>
+        <p:sp>
+          <p:nvSpPr>
+            <p:cNvPr id="21" name="Rettangolo 20"/>
+            <p:cNvSpPr/>
+            <p:nvPr/>
+          </p:nvSpPr>
+          <p:spPr>
+            <a:xfrm>
+              <a:off x="2684070" y="732926"/>
+              <a:ext cx="6063537" cy="1200329"/>
+            </a:xfrm>
+            <a:prstGeom prst="rect">
+              <a:avLst/>
+            </a:prstGeom>
+          </p:spPr>
+          <p:txBody>
+            <a:bodyPr wrap="square">
+              <a:spAutoFit/>
+            </a:bodyPr>
+            <a:lstStyle/>
+            <a:p>
+              <a:r>
+                <a:rPr lang="en-US" b="1" dirty="0"/>
+                <a:t>Protector</a:t>
+              </a:r>
+              <a:r>
+                <a:rPr lang="en-US" dirty="0"/>
+                <a:t>: </a:t>
+              </a:r>
+            </a:p>
+            <a:p>
+              <a:pPr marL="285750" indent="-285750">
+                <a:buFontTx/>
+                <a:buChar char="-"/>
+              </a:pPr>
+              <a:r>
+                <a:rPr lang="en-US" dirty="0"/>
+                <a:t>Saturates voltage, displacement and reference </a:t>
+              </a:r>
+            </a:p>
+            <a:p>
+              <a:pPr marL="285750" indent="-285750">
+                <a:buFontTx/>
+                <a:buChar char="-"/>
+              </a:pPr>
+              <a:r>
+                <a:rPr lang="en-US" dirty="0"/>
+                <a:t>Synchronizes Arduino and signal starting time</a:t>
+              </a:r>
+            </a:p>
+            <a:p>
+              <a:pPr marL="285750" indent="-285750">
+                <a:buFontTx/>
+                <a:buChar char="-"/>
+              </a:pPr>
+              <a:r>
+                <a:rPr lang="en-US" dirty="0"/>
+                <a:t>Triggers alert</a:t>
+              </a:r>
+              <a:endParaRPr lang="en-US" sz="1600" dirty="0"/>
+            </a:p>
+          </p:txBody>
+        </p:sp>
+      </p:grpSp>
+      <p:grpSp>
+        <p:nvGrpSpPr>
+          <p:cNvPr id="23" name="Gruppo 22"/>
+          <p:cNvGrpSpPr/>
+          <p:nvPr/>
+        </p:nvGrpSpPr>
+        <p:grpSpPr>
+          <a:xfrm>
+            <a:off x="1606450" y="5805416"/>
+            <a:ext cx="3150206" cy="745697"/>
+            <a:chOff x="2671903" y="701782"/>
+            <a:chExt cx="6075704" cy="745697"/>
+          </a:xfrm>
+        </p:grpSpPr>
+        <p:sp>
+          <p:nvSpPr>
+            <p:cNvPr id="24" name="Rettangolo arrotondato 23"/>
+            <p:cNvSpPr/>
+            <p:nvPr/>
+          </p:nvSpPr>
+          <p:spPr>
+            <a:xfrm>
+              <a:off x="2671903" y="701782"/>
+              <a:ext cx="5929963" cy="745697"/>
+            </a:xfrm>
+            <a:prstGeom prst="roundRect">
+              <a:avLst/>
+            </a:prstGeom>
+            <a:solidFill>
+              <a:schemeClr val="bg2"/>
+            </a:solidFill>
+          </p:spPr>
+          <p:style>
+            <a:lnRef idx="2">
+              <a:schemeClr val="accent1">
+                <a:shade val="50000"/>
+              </a:schemeClr>
+            </a:lnRef>
+            <a:fillRef idx="1">
+              <a:schemeClr val="accent1"/>
+            </a:fillRef>
+            <a:effectRef idx="0">
+              <a:schemeClr val="accent1"/>
+            </a:effectRef>
+            <a:fontRef idx="minor">
+              <a:schemeClr val="lt1"/>
+            </a:fontRef>
+          </p:style>
+          <p:txBody>
+            <a:bodyPr rtlCol="0" anchor="ctr"/>
+            <a:lstStyle/>
+            <a:p>
+              <a:pPr algn="ctr"/>
+              <a:endParaRPr lang="it-IT"/>
+            </a:p>
+          </p:txBody>
+        </p:sp>
+        <p:sp>
+          <p:nvSpPr>
+            <p:cNvPr id="25" name="Rettangolo 24"/>
+            <p:cNvSpPr/>
+            <p:nvPr/>
+          </p:nvSpPr>
+          <p:spPr>
+            <a:xfrm>
+              <a:off x="2684069" y="732926"/>
+              <a:ext cx="6063538" cy="646331"/>
+            </a:xfrm>
+            <a:prstGeom prst="rect">
+              <a:avLst/>
+            </a:prstGeom>
+          </p:spPr>
+          <p:txBody>
+            <a:bodyPr wrap="square">
+              <a:spAutoFit/>
+            </a:bodyPr>
+            <a:lstStyle/>
+            <a:p>
+              <a:r>
+                <a:rPr lang="en-US" b="1" dirty="0"/>
+                <a:t>System</a:t>
+              </a:r>
+              <a:r>
+                <a:rPr lang="en-US" dirty="0"/>
+                <a:t>: </a:t>
+              </a:r>
+            </a:p>
+            <a:p>
+              <a:r>
+                <a:rPr lang="en-US" dirty="0"/>
+                <a:t>Motor and encoder feedback</a:t>
+              </a:r>
+              <a:endParaRPr lang="en-US" sz="1600" dirty="0"/>
+            </a:p>
+          </p:txBody>
+        </p:sp>
+      </p:grpSp>
+      <p:sp>
+        <p:nvSpPr>
+          <p:cNvPr id="3" name="Freccia in su 2"/>
+          <p:cNvSpPr/>
+          <p:nvPr/>
+        </p:nvSpPr>
+        <p:spPr>
+          <a:xfrm>
+            <a:off x="3242282" y="5346901"/>
+            <a:ext cx="484632" cy="454471"/>
+          </a:xfrm>
+          <a:prstGeom prst="upArrow">
+            <a:avLst/>
+          </a:prstGeom>
+        </p:spPr>
+        <p:style>
+          <a:lnRef idx="2">
+            <a:schemeClr val="accent1">
+              <a:shade val="50000"/>
+            </a:schemeClr>
+          </a:lnRef>
+          <a:fillRef idx="1">
+            <a:schemeClr val="accent1"/>
+          </a:fillRef>
+          <a:effectRef idx="0">
+            <a:schemeClr val="accent1"/>
+          </a:effectRef>
+          <a:fontRef idx="minor">
+            <a:schemeClr val="lt1"/>
+          </a:fontRef>
+        </p:style>
+        <p:txBody>
+          <a:bodyPr rtlCol="0" anchor="ctr"/>
+          <a:lstStyle/>
+          <a:p>
+            <a:pPr algn="ctr"/>
+            <a:endParaRPr lang="it-IT"/>
+          </a:p>
+        </p:txBody>
+      </p:sp>
+      <p:grpSp>
+        <p:nvGrpSpPr>
+          <p:cNvPr id="27" name="Gruppo 26"/>
+          <p:cNvGrpSpPr/>
+          <p:nvPr/>
+        </p:nvGrpSpPr>
+        <p:grpSpPr>
+          <a:xfrm>
+            <a:off x="5309610" y="5795974"/>
+            <a:ext cx="3150206" cy="745697"/>
+            <a:chOff x="2671903" y="701782"/>
+            <a:chExt cx="6075704" cy="745697"/>
+          </a:xfrm>
+        </p:grpSpPr>
+        <p:sp>
+          <p:nvSpPr>
+            <p:cNvPr id="28" name="Rettangolo arrotondato 27"/>
+            <p:cNvSpPr/>
+            <p:nvPr/>
+          </p:nvSpPr>
+          <p:spPr>
+            <a:xfrm>
+              <a:off x="2671903" y="701782"/>
+              <a:ext cx="5929963" cy="745697"/>
+            </a:xfrm>
+            <a:prstGeom prst="roundRect">
+              <a:avLst/>
+            </a:prstGeom>
+            <a:solidFill>
+              <a:schemeClr val="bg2"/>
+            </a:solidFill>
+          </p:spPr>
+          <p:style>
+            <a:lnRef idx="2">
+              <a:schemeClr val="accent1">
+                <a:shade val="50000"/>
+              </a:schemeClr>
+            </a:lnRef>
+            <a:fillRef idx="1">
+              <a:schemeClr val="accent1"/>
+            </a:fillRef>
+            <a:effectRef idx="0">
+              <a:schemeClr val="accent1"/>
+            </a:effectRef>
+            <a:fontRef idx="minor">
+              <a:schemeClr val="lt1"/>
+            </a:fontRef>
+          </p:style>
+          <p:txBody>
+            <a:bodyPr rtlCol="0" anchor="ctr"/>
+            <a:lstStyle/>
+            <a:p>
+              <a:pPr algn="ctr"/>
+              <a:endParaRPr lang="it-IT"/>
+            </a:p>
+          </p:txBody>
+        </p:sp>
+        <p:sp>
+          <p:nvSpPr>
+            <p:cNvPr id="29" name="Rettangolo 28"/>
+            <p:cNvSpPr/>
+            <p:nvPr/>
+          </p:nvSpPr>
+          <p:spPr>
+            <a:xfrm>
+              <a:off x="2684069" y="732926"/>
+              <a:ext cx="6063538" cy="646331"/>
+            </a:xfrm>
+            <a:prstGeom prst="rect">
+              <a:avLst/>
+            </a:prstGeom>
+          </p:spPr>
+          <p:txBody>
+            <a:bodyPr wrap="square">
+              <a:spAutoFit/>
+            </a:bodyPr>
+            <a:lstStyle/>
+            <a:p>
+              <a:r>
+                <a:rPr lang="en-US" b="1" dirty="0"/>
+                <a:t>Controller:</a:t>
+              </a:r>
+              <a:endParaRPr lang="en-US" dirty="0"/>
+            </a:p>
+            <a:p>
+              <a:r>
+                <a:rPr lang="en-US" dirty="0"/>
+                <a:t>Contains control action</a:t>
+              </a:r>
+              <a:endParaRPr lang="en-US" sz="1600" dirty="0"/>
+            </a:p>
+          </p:txBody>
+        </p:sp>
+      </p:grpSp>
+      <p:sp>
+        <p:nvSpPr>
+          <p:cNvPr id="30" name="Freccia in su 29"/>
+          <p:cNvSpPr/>
+          <p:nvPr/>
+        </p:nvSpPr>
+        <p:spPr>
+          <a:xfrm>
+            <a:off x="5406660" y="5321499"/>
+            <a:ext cx="484632" cy="478217"/>
+          </a:xfrm>
+          <a:prstGeom prst="upArrow">
+            <a:avLst/>
+          </a:prstGeom>
+        </p:spPr>
+        <p:style>
+          <a:lnRef idx="2">
+            <a:schemeClr val="accent1">
+              <a:shade val="50000"/>
+            </a:schemeClr>
+          </a:lnRef>
+          <a:fillRef idx="1">
+            <a:schemeClr val="accent1"/>
+          </a:fillRef>
+          <a:effectRef idx="0">
+            <a:schemeClr val="accent1"/>
+          </a:effectRef>
+          <a:fontRef idx="minor">
+            <a:schemeClr val="lt1"/>
+          </a:fontRef>
+        </p:style>
+        <p:txBody>
+          <a:bodyPr rtlCol="0" anchor="ctr"/>
+          <a:lstStyle/>
+          <a:p>
+            <a:pPr algn="ctr"/>
+            <a:endParaRPr lang="it-IT"/>
           </a:p>
         </p:txBody>
       </p:sp>
@@ -10278,7 +10385,7 @@
           <a:graphicData uri="http://schemas.openxmlformats.org/presentationml/2006/ole">
             <mc:AlternateContent xmlns:mc="http://schemas.openxmlformats.org/markup-compatibility/2006">
               <mc:Choice xmlns:v="urn:schemas-microsoft-com:vml" Requires="v">
-                <p:oleObj spid="_x0000_s2549" name="Equazione" r:id="rId7" imgW="1815312" imgH="393529" progId="Equation.3">
+                <p:oleObj spid="_x0000_s2640" name="Equazione" r:id="rId7" imgW="1815312" imgH="393529" progId="Equation.3">
                   <p:embed/>
                 </p:oleObj>
               </mc:Choice>
@@ -10345,7 +10452,7 @@
           <a:graphicData uri="http://schemas.openxmlformats.org/presentationml/2006/ole">
             <mc:AlternateContent xmlns:mc="http://schemas.openxmlformats.org/markup-compatibility/2006">
               <mc:Choice xmlns:v="urn:schemas-microsoft-com:vml" Requires="v">
-                <p:oleObj spid="_x0000_s2550" name="Equazione" r:id="rId9" imgW="457200" imgH="241200" progId="Equation.3">
+                <p:oleObj spid="_x0000_s2641" name="Equazione" r:id="rId9" imgW="457200" imgH="241200" progId="Equation.3">
                   <p:embed/>
                 </p:oleObj>
               </mc:Choice>
@@ -10406,7 +10513,7 @@
           <a:graphicData uri="http://schemas.openxmlformats.org/presentationml/2006/ole">
             <mc:AlternateContent xmlns:mc="http://schemas.openxmlformats.org/markup-compatibility/2006">
               <mc:Choice xmlns:v="urn:schemas-microsoft-com:vml" Requires="v">
-                <p:oleObj spid="_x0000_s2551" name="Equazione" r:id="rId11" imgW="203112" imgH="228501" progId="Equation.3">
+                <p:oleObj spid="_x0000_s2642" name="Equazione" r:id="rId11" imgW="203112" imgH="228501" progId="Equation.3">
                   <p:embed/>
                 </p:oleObj>
               </mc:Choice>
@@ -10614,7 +10721,7 @@
           <a:graphicData uri="http://schemas.openxmlformats.org/presentationml/2006/ole">
             <mc:AlternateContent xmlns:mc="http://schemas.openxmlformats.org/markup-compatibility/2006">
               <mc:Choice xmlns:v="urn:schemas-microsoft-com:vml" Requires="v">
-                <p:oleObj spid="_x0000_s2552" name="Equazione" r:id="rId13" imgW="787400" imgH="228600" progId="Equation.3">
+                <p:oleObj spid="_x0000_s2643" name="Equazione" r:id="rId13" imgW="787400" imgH="228600" progId="Equation.3">
                   <p:embed/>
                 </p:oleObj>
               </mc:Choice>
@@ -10796,7 +10903,7 @@
           <a:graphicData uri="http://schemas.openxmlformats.org/presentationml/2006/ole">
             <mc:AlternateContent xmlns:mc="http://schemas.openxmlformats.org/markup-compatibility/2006">
               <mc:Choice xmlns:v="urn:schemas-microsoft-com:vml" Requires="v">
-                <p:oleObj spid="_x0000_s2553" name="Equazione" r:id="rId15" imgW="1625400" imgH="241200" progId="Equation.3">
+                <p:oleObj spid="_x0000_s2644" name="Equazione" r:id="rId15" imgW="1625400" imgH="241200" progId="Equation.3">
                   <p:embed/>
                 </p:oleObj>
               </mc:Choice>
@@ -10857,7 +10964,7 @@
           <a:graphicData uri="http://schemas.openxmlformats.org/presentationml/2006/ole">
             <mc:AlternateContent xmlns:mc="http://schemas.openxmlformats.org/markup-compatibility/2006">
               <mc:Choice xmlns:v="urn:schemas-microsoft-com:vml" Requires="v">
-                <p:oleObj spid="_x0000_s2554" name="Equazione" r:id="rId17" imgW="304668" imgH="228501" progId="Equation.3">
+                <p:oleObj spid="_x0000_s2645" name="Equazione" r:id="rId17" imgW="304668" imgH="228501" progId="Equation.3">
                   <p:embed/>
                 </p:oleObj>
               </mc:Choice>
@@ -10924,7 +11031,7 @@
           <a:graphicData uri="http://schemas.openxmlformats.org/presentationml/2006/ole">
             <mc:AlternateContent xmlns:mc="http://schemas.openxmlformats.org/markup-compatibility/2006">
               <mc:Choice xmlns:v="urn:schemas-microsoft-com:vml" Requires="v">
-                <p:oleObj spid="_x0000_s2555" name="Equazione" r:id="rId19" imgW="139579" imgH="177646" progId="Equation.3">
+                <p:oleObj spid="_x0000_s2646" name="Equazione" r:id="rId19" imgW="139579" imgH="177646" progId="Equation.3">
                   <p:embed/>
                 </p:oleObj>
               </mc:Choice>
@@ -10991,7 +11098,7 @@
           <a:graphicData uri="http://schemas.openxmlformats.org/presentationml/2006/ole">
             <mc:AlternateContent xmlns:mc="http://schemas.openxmlformats.org/markup-compatibility/2006">
               <mc:Choice xmlns:v="urn:schemas-microsoft-com:vml" Requires="v">
-                <p:oleObj spid="_x0000_s2556" name="Equazione" r:id="rId21" imgW="545760" imgH="241200" progId="Equation.3">
+                <p:oleObj spid="_x0000_s2647" name="Equazione" r:id="rId21" imgW="545760" imgH="241200" progId="Equation.3">
                   <p:embed/>
                 </p:oleObj>
               </mc:Choice>
@@ -11423,7 +11530,7 @@
           <a:graphicData uri="http://schemas.openxmlformats.org/presentationml/2006/ole">
             <mc:AlternateContent xmlns:mc="http://schemas.openxmlformats.org/markup-compatibility/2006">
               <mc:Choice xmlns:v="urn:schemas-microsoft-com:vml" Requires="v">
-                <p:oleObj spid="_x0000_s2557" name="Equazione" r:id="rId23" imgW="1549400" imgH="228600" progId="Equation.3">
+                <p:oleObj spid="_x0000_s2648" name="Equazione" r:id="rId23" imgW="1549400" imgH="228600" progId="Equation.3">
                   <p:embed/>
                 </p:oleObj>
               </mc:Choice>
@@ -11553,7 +11660,7 @@
           <a:graphicData uri="http://schemas.openxmlformats.org/presentationml/2006/ole">
             <mc:AlternateContent xmlns:mc="http://schemas.openxmlformats.org/markup-compatibility/2006">
               <mc:Choice xmlns:v="urn:schemas-microsoft-com:vml" Requires="v">
-                <p:oleObj spid="_x0000_s2558" name="Equazione" r:id="rId25" imgW="469900" imgH="228600" progId="Equation.3">
+                <p:oleObj spid="_x0000_s2649" name="Equazione" r:id="rId25" imgW="469900" imgH="228600" progId="Equation.3">
                   <p:embed/>
                 </p:oleObj>
               </mc:Choice>
@@ -11753,7 +11860,7 @@
           <a:graphicData uri="http://schemas.openxmlformats.org/presentationml/2006/ole">
             <mc:AlternateContent xmlns:mc="http://schemas.openxmlformats.org/markup-compatibility/2006">
               <mc:Choice xmlns:v="urn:schemas-microsoft-com:vml" Requires="v">
-                <p:oleObj spid="_x0000_s2559" name="Equazione" r:id="rId27" imgW="520474" imgH="393529" progId="Equation.3">
+                <p:oleObj spid="_x0000_s2650" name="Equazione" r:id="rId27" imgW="520474" imgH="393529" progId="Equation.3">
                   <p:embed/>
                 </p:oleObj>
               </mc:Choice>
@@ -11820,7 +11927,7 @@
           <a:graphicData uri="http://schemas.openxmlformats.org/presentationml/2006/ole">
             <mc:AlternateContent xmlns:mc="http://schemas.openxmlformats.org/markup-compatibility/2006">
               <mc:Choice xmlns:v="urn:schemas-microsoft-com:vml" Requires="v">
-                <p:oleObj spid="_x0000_s2560" name="Equazione" r:id="rId29" imgW="2044700" imgH="393700" progId="Equation.3">
+                <p:oleObj spid="_x0000_s2651" name="Equazione" r:id="rId29" imgW="2044700" imgH="393700" progId="Equation.3">
                   <p:embed/>
                 </p:oleObj>
               </mc:Choice>
@@ -11887,7 +11994,7 @@
           <a:graphicData uri="http://schemas.openxmlformats.org/presentationml/2006/ole">
             <mc:AlternateContent xmlns:mc="http://schemas.openxmlformats.org/markup-compatibility/2006">
               <mc:Choice xmlns:v="urn:schemas-microsoft-com:vml" Requires="v">
-                <p:oleObj spid="_x0000_s2561" name="Equazione" r:id="rId31" imgW="571252" imgH="393529" progId="Equation.3">
+                <p:oleObj spid="_x0000_s2652" name="Equazione" r:id="rId31" imgW="571252" imgH="393529" progId="Equation.3">
                   <p:embed/>
                 </p:oleObj>
               </mc:Choice>
@@ -12570,7 +12677,7 @@
           <a:graphicData uri="http://schemas.openxmlformats.org/presentationml/2006/ole">
             <mc:AlternateContent xmlns:mc="http://schemas.openxmlformats.org/markup-compatibility/2006">
               <mc:Choice xmlns:v="urn:schemas-microsoft-com:vml" Requires="v">
-                <p:oleObj spid="_x0000_s3363" name="Equazione" r:id="rId7" imgW="152280" imgH="215640" progId="Equation.3">
+                <p:oleObj spid="_x0000_s3433" name="Equazione" r:id="rId7" imgW="152280" imgH="215640" progId="Equation.3">
                   <p:embed/>
                 </p:oleObj>
               </mc:Choice>
@@ -12631,7 +12738,7 @@
           <a:graphicData uri="http://schemas.openxmlformats.org/presentationml/2006/ole">
             <mc:AlternateContent xmlns:mc="http://schemas.openxmlformats.org/markup-compatibility/2006">
               <mc:Choice xmlns:v="urn:schemas-microsoft-com:vml" Requires="v">
-                <p:oleObj spid="_x0000_s3364" name="Equazione" r:id="rId9" imgW="164880" imgH="215640" progId="Equation.3">
+                <p:oleObj spid="_x0000_s3434" name="Equazione" r:id="rId9" imgW="164880" imgH="215640" progId="Equation.3">
                   <p:embed/>
                 </p:oleObj>
               </mc:Choice>
@@ -13086,7 +13193,7 @@
           <a:graphicData uri="http://schemas.openxmlformats.org/presentationml/2006/ole">
             <mc:AlternateContent xmlns:mc="http://schemas.openxmlformats.org/markup-compatibility/2006">
               <mc:Choice xmlns:v="urn:schemas-microsoft-com:vml" Requires="v">
-                <p:oleObj spid="_x0000_s3365" name="Equazione" r:id="rId11" imgW="164880" imgH="228600" progId="Equation.3">
+                <p:oleObj spid="_x0000_s3435" name="Equazione" r:id="rId11" imgW="164880" imgH="228600" progId="Equation.3">
                   <p:embed/>
                 </p:oleObj>
               </mc:Choice>
@@ -13414,7 +13521,7 @@
           <a:graphicData uri="http://schemas.openxmlformats.org/presentationml/2006/ole">
             <mc:AlternateContent xmlns:mc="http://schemas.openxmlformats.org/markup-compatibility/2006">
               <mc:Choice xmlns:v="urn:schemas-microsoft-com:vml" Requires="v">
-                <p:oleObj spid="_x0000_s3366" name="Equazione" r:id="rId13" imgW="1651000" imgH="660400" progId="Equation.3">
+                <p:oleObj spid="_x0000_s3436" name="Equazione" r:id="rId13" imgW="1651000" imgH="660400" progId="Equation.3">
                   <p:embed/>
                 </p:oleObj>
               </mc:Choice>
@@ -13481,7 +13588,7 @@
           <a:graphicData uri="http://schemas.openxmlformats.org/presentationml/2006/ole">
             <mc:AlternateContent xmlns:mc="http://schemas.openxmlformats.org/markup-compatibility/2006">
               <mc:Choice xmlns:v="urn:schemas-microsoft-com:vml" Requires="v">
-                <p:oleObj spid="_x0000_s3367" name="Equazione" r:id="rId15" imgW="965160" imgH="393480" progId="Equation.3">
+                <p:oleObj spid="_x0000_s3437" name="Equazione" r:id="rId15" imgW="965160" imgH="393480" progId="Equation.3">
                   <p:embed/>
                 </p:oleObj>
               </mc:Choice>
@@ -13542,7 +13649,7 @@
           <a:graphicData uri="http://schemas.openxmlformats.org/presentationml/2006/ole">
             <mc:AlternateContent xmlns:mc="http://schemas.openxmlformats.org/markup-compatibility/2006">
               <mc:Choice xmlns:v="urn:schemas-microsoft-com:vml" Requires="v">
-                <p:oleObj spid="_x0000_s3368" name="Equazione" r:id="rId17" imgW="2171520" imgH="965160" progId="Equation.3">
+                <p:oleObj spid="_x0000_s3438" name="Equazione" r:id="rId17" imgW="2171520" imgH="965160" progId="Equation.3">
                   <p:embed/>
                 </p:oleObj>
               </mc:Choice>
@@ -13603,7 +13710,7 @@
           <a:graphicData uri="http://schemas.openxmlformats.org/presentationml/2006/ole">
             <mc:AlternateContent xmlns:mc="http://schemas.openxmlformats.org/markup-compatibility/2006">
               <mc:Choice xmlns:v="urn:schemas-microsoft-com:vml" Requires="v">
-                <p:oleObj spid="_x0000_s3369" name="Equazione" r:id="rId19" imgW="190440" imgH="152280" progId="Equation.3">
+                <p:oleObj spid="_x0000_s3439" name="Equazione" r:id="rId19" imgW="190440" imgH="152280" progId="Equation.3">
                   <p:embed/>
                 </p:oleObj>
               </mc:Choice>
@@ -13820,7 +13927,7 @@
           <a:graphicData uri="http://schemas.openxmlformats.org/presentationml/2006/ole">
             <mc:AlternateContent xmlns:mc="http://schemas.openxmlformats.org/markup-compatibility/2006">
               <mc:Choice xmlns:v="urn:schemas-microsoft-com:vml" Requires="v">
-                <p:oleObj spid="_x0000_s3370" name="Equazione" r:id="rId21" imgW="1892300" imgH="482600" progId="Equation.3">
+                <p:oleObj spid="_x0000_s3440" name="Equazione" r:id="rId21" imgW="1892300" imgH="482600" progId="Equation.3">
                   <p:embed/>
                 </p:oleObj>
               </mc:Choice>
@@ -13887,7 +13994,7 @@
           <a:graphicData uri="http://schemas.openxmlformats.org/presentationml/2006/ole">
             <mc:AlternateContent xmlns:mc="http://schemas.openxmlformats.org/markup-compatibility/2006">
               <mc:Choice xmlns:v="urn:schemas-microsoft-com:vml" Requires="v">
-                <p:oleObj spid="_x0000_s3371" name="Equazione" r:id="rId23" imgW="774364" imgH="457002" progId="Equation.3">
+                <p:oleObj spid="_x0000_s3441" name="Equazione" r:id="rId23" imgW="774364" imgH="457002" progId="Equation.3">
                   <p:embed/>
                 </p:oleObj>
               </mc:Choice>
@@ -14057,7 +14164,7 @@
           <a:graphicData uri="http://schemas.openxmlformats.org/presentationml/2006/ole">
             <mc:AlternateContent xmlns:mc="http://schemas.openxmlformats.org/markup-compatibility/2006">
               <mc:Choice xmlns:v="urn:schemas-microsoft-com:vml" Requires="v">
-                <p:oleObj spid="_x0000_s3372" name="Equazione" r:id="rId25" imgW="3009900" imgH="1143000" progId="Equation.3">
+                <p:oleObj spid="_x0000_s3442" name="Equazione" r:id="rId25" imgW="3009900" imgH="1143000" progId="Equation.3">
                   <p:embed/>
                 </p:oleObj>
               </mc:Choice>
@@ -14671,7 +14778,7 @@
           <a:graphicData uri="http://schemas.openxmlformats.org/presentationml/2006/ole">
             <mc:AlternateContent xmlns:mc="http://schemas.openxmlformats.org/markup-compatibility/2006">
               <mc:Choice xmlns:v="urn:schemas-microsoft-com:vml" Requires="v">
-                <p:oleObj spid="_x0000_s6438" name="Equazione" r:id="rId7" imgW="660113" imgH="177723" progId="Equation.3">
+                <p:oleObj spid="_x0000_s6494" name="Equazione" r:id="rId7" imgW="660113" imgH="177723" progId="Equation.3">
                   <p:embed/>
                 </p:oleObj>
               </mc:Choice>
@@ -14738,7 +14845,7 @@
           <a:graphicData uri="http://schemas.openxmlformats.org/presentationml/2006/ole">
             <mc:AlternateContent xmlns:mc="http://schemas.openxmlformats.org/markup-compatibility/2006">
               <mc:Choice xmlns:v="urn:schemas-microsoft-com:vml" Requires="v">
-                <p:oleObj spid="_x0000_s6439" name="Equazione" r:id="rId9" imgW="761669" imgH="431613" progId="Equation.3">
+                <p:oleObj spid="_x0000_s6495" name="Equazione" r:id="rId9" imgW="761669" imgH="431613" progId="Equation.3">
                   <p:embed/>
                 </p:oleObj>
               </mc:Choice>
@@ -14805,7 +14912,7 @@
           <a:graphicData uri="http://schemas.openxmlformats.org/presentationml/2006/ole">
             <mc:AlternateContent xmlns:mc="http://schemas.openxmlformats.org/markup-compatibility/2006">
               <mc:Choice xmlns:v="urn:schemas-microsoft-com:vml" Requires="v">
-                <p:oleObj spid="_x0000_s6440" name="Equazione" r:id="rId11" imgW="1143000" imgH="457200" progId="Equation.3">
+                <p:oleObj spid="_x0000_s6496" name="Equazione" r:id="rId11" imgW="1143000" imgH="457200" progId="Equation.3">
                   <p:embed/>
                 </p:oleObj>
               </mc:Choice>
@@ -14872,7 +14979,7 @@
           <a:graphicData uri="http://schemas.openxmlformats.org/presentationml/2006/ole">
             <mc:AlternateContent xmlns:mc="http://schemas.openxmlformats.org/markup-compatibility/2006">
               <mc:Choice xmlns:v="urn:schemas-microsoft-com:vml" Requires="v">
-                <p:oleObj spid="_x0000_s6441" name="Equazione" r:id="rId13" imgW="647640" imgH="203040" progId="Equation.3">
+                <p:oleObj spid="_x0000_s6497" name="Equazione" r:id="rId13" imgW="647640" imgH="203040" progId="Equation.3">
                   <p:embed/>
                 </p:oleObj>
               </mc:Choice>
@@ -14933,7 +15040,7 @@
           <a:graphicData uri="http://schemas.openxmlformats.org/presentationml/2006/ole">
             <mc:AlternateContent xmlns:mc="http://schemas.openxmlformats.org/markup-compatibility/2006">
               <mc:Choice xmlns:v="urn:schemas-microsoft-com:vml" Requires="v">
-                <p:oleObj spid="_x0000_s6442" name="Equazione" r:id="rId15" imgW="368280" imgH="228600" progId="Equation.3">
+                <p:oleObj spid="_x0000_s6498" name="Equazione" r:id="rId15" imgW="368280" imgH="228600" progId="Equation.3">
                   <p:embed/>
                 </p:oleObj>
               </mc:Choice>
@@ -14994,7 +15101,7 @@
           <a:graphicData uri="http://schemas.openxmlformats.org/presentationml/2006/ole">
             <mc:AlternateContent xmlns:mc="http://schemas.openxmlformats.org/markup-compatibility/2006">
               <mc:Choice xmlns:v="urn:schemas-microsoft-com:vml" Requires="v">
-                <p:oleObj spid="_x0000_s6443" name="Equazione" r:id="rId17" imgW="1002865" imgH="863225" progId="Equation.3">
+                <p:oleObj spid="_x0000_s6499" name="Equazione" r:id="rId17" imgW="1002865" imgH="863225" progId="Equation.3">
                   <p:embed/>
                 </p:oleObj>
               </mc:Choice>
@@ -15061,7 +15168,7 @@
           <a:graphicData uri="http://schemas.openxmlformats.org/presentationml/2006/ole">
             <mc:AlternateContent xmlns:mc="http://schemas.openxmlformats.org/markup-compatibility/2006">
               <mc:Choice xmlns:v="urn:schemas-microsoft-com:vml" Requires="v">
-                <p:oleObj spid="_x0000_s6444" name="Equazione" r:id="rId19" imgW="875920" imgH="266584" progId="Equation.3">
+                <p:oleObj spid="_x0000_s6500" name="Equazione" r:id="rId19" imgW="875920" imgH="266584" progId="Equation.3">
                   <p:embed/>
                 </p:oleObj>
               </mc:Choice>
@@ -15128,7 +15235,7 @@
           <a:graphicData uri="http://schemas.openxmlformats.org/presentationml/2006/ole">
             <mc:AlternateContent xmlns:mc="http://schemas.openxmlformats.org/markup-compatibility/2006">
               <mc:Choice xmlns:v="urn:schemas-microsoft-com:vml" Requires="v">
-                <p:oleObj spid="_x0000_s6445" name="Equazione" r:id="rId21" imgW="1409700" imgH="228600" progId="Equation.3">
+                <p:oleObj spid="_x0000_s6501" name="Equazione" r:id="rId21" imgW="1409700" imgH="228600" progId="Equation.3">
                   <p:embed/>
                 </p:oleObj>
               </mc:Choice>
@@ -16683,7 +16790,7 @@
           <a:graphicData uri="http://schemas.openxmlformats.org/presentationml/2006/ole">
             <mc:AlternateContent xmlns:mc="http://schemas.openxmlformats.org/markup-compatibility/2006">
               <mc:Choice xmlns:v="urn:schemas-microsoft-com:vml" Requires="v">
-                <p:oleObj spid="_x0000_s7410" name="Equazione" r:id="rId8" imgW="1841500" imgH="203200" progId="Equation.3">
+                <p:oleObj spid="_x0000_s7466" name="Equazione" r:id="rId8" imgW="1841500" imgH="203200" progId="Equation.3">
                   <p:embed/>
                 </p:oleObj>
               </mc:Choice>
@@ -16750,7 +16857,7 @@
           <a:graphicData uri="http://schemas.openxmlformats.org/presentationml/2006/ole">
             <mc:AlternateContent xmlns:mc="http://schemas.openxmlformats.org/markup-compatibility/2006">
               <mc:Choice xmlns:v="urn:schemas-microsoft-com:vml" Requires="v">
-                <p:oleObj spid="_x0000_s7411" name="Equazione" r:id="rId10" imgW="1167893" imgH="393529" progId="Equation.3">
+                <p:oleObj spid="_x0000_s7467" name="Equazione" r:id="rId10" imgW="1167893" imgH="393529" progId="Equation.3">
                   <p:embed/>
                 </p:oleObj>
               </mc:Choice>
@@ -16817,7 +16924,7 @@
           <a:graphicData uri="http://schemas.openxmlformats.org/presentationml/2006/ole">
             <mc:AlternateContent xmlns:mc="http://schemas.openxmlformats.org/markup-compatibility/2006">
               <mc:Choice xmlns:v="urn:schemas-microsoft-com:vml" Requires="v">
-                <p:oleObj spid="_x0000_s7412" name="Equazione" r:id="rId12" imgW="545863" imgH="228501" progId="Equation.3">
+                <p:oleObj spid="_x0000_s7468" name="Equazione" r:id="rId12" imgW="545863" imgH="228501" progId="Equation.3">
                   <p:embed/>
                 </p:oleObj>
               </mc:Choice>
@@ -16884,7 +16991,7 @@
           <a:graphicData uri="http://schemas.openxmlformats.org/presentationml/2006/ole">
             <mc:AlternateContent xmlns:mc="http://schemas.openxmlformats.org/markup-compatibility/2006">
               <mc:Choice xmlns:v="urn:schemas-microsoft-com:vml" Requires="v">
-                <p:oleObj spid="_x0000_s7413" name="Equazione" r:id="rId14" imgW="901309" imgH="393529" progId="Equation.3">
+                <p:oleObj spid="_x0000_s7469" name="Equazione" r:id="rId14" imgW="901309" imgH="393529" progId="Equation.3">
                   <p:embed/>
                 </p:oleObj>
               </mc:Choice>
@@ -16951,7 +17058,7 @@
           <a:graphicData uri="http://schemas.openxmlformats.org/presentationml/2006/ole">
             <mc:AlternateContent xmlns:mc="http://schemas.openxmlformats.org/markup-compatibility/2006">
               <mc:Choice xmlns:v="urn:schemas-microsoft-com:vml" Requires="v">
-                <p:oleObj spid="_x0000_s7414" name="Equazione" r:id="rId16" imgW="1485900" imgH="203200" progId="Equation.3">
+                <p:oleObj spid="_x0000_s7470" name="Equazione" r:id="rId16" imgW="1485900" imgH="203200" progId="Equation.3">
                   <p:embed/>
                 </p:oleObj>
               </mc:Choice>
@@ -17018,7 +17125,7 @@
           <a:graphicData uri="http://schemas.openxmlformats.org/presentationml/2006/ole">
             <mc:AlternateContent xmlns:mc="http://schemas.openxmlformats.org/markup-compatibility/2006">
               <mc:Choice xmlns:v="urn:schemas-microsoft-com:vml" Requires="v">
-                <p:oleObj spid="_x0000_s7415" name="Equazione" r:id="rId18" imgW="1511300" imgH="203200" progId="Equation.3">
+                <p:oleObj spid="_x0000_s7471" name="Equazione" r:id="rId18" imgW="1511300" imgH="203200" progId="Equation.3">
                   <p:embed/>
                 </p:oleObj>
               </mc:Choice>
@@ -17085,7 +17192,7 @@
           <a:graphicData uri="http://schemas.openxmlformats.org/presentationml/2006/ole">
             <mc:AlternateContent xmlns:mc="http://schemas.openxmlformats.org/markup-compatibility/2006">
               <mc:Choice xmlns:v="urn:schemas-microsoft-com:vml" Requires="v">
-                <p:oleObj spid="_x0000_s7416" name="Equazione" r:id="rId20" imgW="647640" imgH="228600" progId="Equation.3">
+                <p:oleObj spid="_x0000_s7472" name="Equazione" r:id="rId20" imgW="647640" imgH="228600" progId="Equation.3">
                   <p:embed/>
                 </p:oleObj>
               </mc:Choice>
@@ -17146,7 +17253,7 @@
           <a:graphicData uri="http://schemas.openxmlformats.org/presentationml/2006/ole">
             <mc:AlternateContent xmlns:mc="http://schemas.openxmlformats.org/markup-compatibility/2006">
               <mc:Choice xmlns:v="urn:schemas-microsoft-com:vml" Requires="v">
-                <p:oleObj spid="_x0000_s7417" name="Equazione" r:id="rId22" imgW="889000" imgH="228600" progId="Equation.3">
+                <p:oleObj spid="_x0000_s7473" name="Equazione" r:id="rId22" imgW="889000" imgH="228600" progId="Equation.3">
                   <p:embed/>
                 </p:oleObj>
               </mc:Choice>
@@ -18448,7 +18555,7 @@
           <a:graphicData uri="http://schemas.openxmlformats.org/presentationml/2006/ole">
             <mc:AlternateContent xmlns:mc="http://schemas.openxmlformats.org/markup-compatibility/2006">
               <mc:Choice xmlns:v="urn:schemas-microsoft-com:vml" Requires="v">
-                <p:oleObj spid="_x0000_s8586" name="Equazione" r:id="rId7" imgW="1586811" imgH="203112" progId="Equation.3">
+                <p:oleObj spid="_x0000_s8684" name="Equazione" r:id="rId7" imgW="1586811" imgH="203112" progId="Equation.3">
                   <p:embed/>
                 </p:oleObj>
               </mc:Choice>
@@ -18515,7 +18622,7 @@
           <a:graphicData uri="http://schemas.openxmlformats.org/presentationml/2006/ole">
             <mc:AlternateContent xmlns:mc="http://schemas.openxmlformats.org/markup-compatibility/2006">
               <mc:Choice xmlns:v="urn:schemas-microsoft-com:vml" Requires="v">
-                <p:oleObj spid="_x0000_s8587" name="Equazione" r:id="rId9" imgW="1257300" imgH="228600" progId="Equation.3">
+                <p:oleObj spid="_x0000_s8685" name="Equazione" r:id="rId9" imgW="1257300" imgH="228600" progId="Equation.3">
                   <p:embed/>
                 </p:oleObj>
               </mc:Choice>
@@ -18582,7 +18689,7 @@
           <a:graphicData uri="http://schemas.openxmlformats.org/presentationml/2006/ole">
             <mc:AlternateContent xmlns:mc="http://schemas.openxmlformats.org/markup-compatibility/2006">
               <mc:Choice xmlns:v="urn:schemas-microsoft-com:vml" Requires="v">
-                <p:oleObj spid="_x0000_s8588" name="Equazione" r:id="rId11" imgW="1117600" imgH="241300" progId="Equation.3">
+                <p:oleObj spid="_x0000_s8686" name="Equazione" r:id="rId11" imgW="1117600" imgH="241300" progId="Equation.3">
                   <p:embed/>
                 </p:oleObj>
               </mc:Choice>
@@ -18649,7 +18756,7 @@
           <a:graphicData uri="http://schemas.openxmlformats.org/presentationml/2006/ole">
             <mc:AlternateContent xmlns:mc="http://schemas.openxmlformats.org/markup-compatibility/2006">
               <mc:Choice xmlns:v="urn:schemas-microsoft-com:vml" Requires="v">
-                <p:oleObj spid="_x0000_s8589" name="Equazione" r:id="rId13" imgW="1129810" imgH="241195" progId="Equation.3">
+                <p:oleObj spid="_x0000_s8687" name="Equazione" r:id="rId13" imgW="1129810" imgH="241195" progId="Equation.3">
                   <p:embed/>
                 </p:oleObj>
               </mc:Choice>
@@ -18716,7 +18823,7 @@
           <a:graphicData uri="http://schemas.openxmlformats.org/presentationml/2006/ole">
             <mc:AlternateContent xmlns:mc="http://schemas.openxmlformats.org/markup-compatibility/2006">
               <mc:Choice xmlns:v="urn:schemas-microsoft-com:vml" Requires="v">
-                <p:oleObj spid="_x0000_s8590" name="Equazione" r:id="rId15" imgW="1091726" imgH="241195" progId="Equation.3">
+                <p:oleObj spid="_x0000_s8688" name="Equazione" r:id="rId15" imgW="1091726" imgH="241195" progId="Equation.3">
                   <p:embed/>
                 </p:oleObj>
               </mc:Choice>
@@ -18783,7 +18890,7 @@
           <a:graphicData uri="http://schemas.openxmlformats.org/presentationml/2006/ole">
             <mc:AlternateContent xmlns:mc="http://schemas.openxmlformats.org/markup-compatibility/2006">
               <mc:Choice xmlns:v="urn:schemas-microsoft-com:vml" Requires="v">
-                <p:oleObj spid="_x0000_s8591" name="Equazione" r:id="rId17" imgW="1714500" imgH="241300" progId="Equation.3">
+                <p:oleObj spid="_x0000_s8689" name="Equazione" r:id="rId17" imgW="1714500" imgH="241300" progId="Equation.3">
                   <p:embed/>
                 </p:oleObj>
               </mc:Choice>
@@ -18850,7 +18957,7 @@
           <a:graphicData uri="http://schemas.openxmlformats.org/presentationml/2006/ole">
             <mc:AlternateContent xmlns:mc="http://schemas.openxmlformats.org/markup-compatibility/2006">
               <mc:Choice xmlns:v="urn:schemas-microsoft-com:vml" Requires="v">
-                <p:oleObj spid="_x0000_s8592" name="Equazione" r:id="rId19" imgW="1663700" imgH="241300" progId="Equation.3">
+                <p:oleObj spid="_x0000_s8690" name="Equazione" r:id="rId19" imgW="1663700" imgH="241300" progId="Equation.3">
                   <p:embed/>
                 </p:oleObj>
               </mc:Choice>
@@ -18917,7 +19024,7 @@
           <a:graphicData uri="http://schemas.openxmlformats.org/presentationml/2006/ole">
             <mc:AlternateContent xmlns:mc="http://schemas.openxmlformats.org/markup-compatibility/2006">
               <mc:Choice xmlns:v="urn:schemas-microsoft-com:vml" Requires="v">
-                <p:oleObj spid="_x0000_s8593" name="Equazione" r:id="rId21" imgW="1625600" imgH="241300" progId="Equation.3">
+                <p:oleObj spid="_x0000_s8691" name="Equazione" r:id="rId21" imgW="1625600" imgH="241300" progId="Equation.3">
                   <p:embed/>
                 </p:oleObj>
               </mc:Choice>
@@ -18984,7 +19091,7 @@
           <a:graphicData uri="http://schemas.openxmlformats.org/presentationml/2006/ole">
             <mc:AlternateContent xmlns:mc="http://schemas.openxmlformats.org/markup-compatibility/2006">
               <mc:Choice xmlns:v="urn:schemas-microsoft-com:vml" Requires="v">
-                <p:oleObj spid="_x0000_s8594" name="Equazione" r:id="rId23" imgW="1397000" imgH="241300" progId="Equation.3">
+                <p:oleObj spid="_x0000_s8692" name="Equazione" r:id="rId23" imgW="1397000" imgH="241300" progId="Equation.3">
                   <p:embed/>
                 </p:oleObj>
               </mc:Choice>
@@ -19051,7 +19158,7 @@
           <a:graphicData uri="http://schemas.openxmlformats.org/presentationml/2006/ole">
             <mc:AlternateContent xmlns:mc="http://schemas.openxmlformats.org/markup-compatibility/2006">
               <mc:Choice xmlns:v="urn:schemas-microsoft-com:vml" Requires="v">
-                <p:oleObj spid="_x0000_s8595" name="Equazione" r:id="rId25" imgW="1409400" imgH="241200" progId="Equation.3">
+                <p:oleObj spid="_x0000_s8693" name="Equazione" r:id="rId25" imgW="1409400" imgH="241200" progId="Equation.3">
                   <p:embed/>
                 </p:oleObj>
               </mc:Choice>
@@ -19112,7 +19219,7 @@
           <a:graphicData uri="http://schemas.openxmlformats.org/presentationml/2006/ole">
             <mc:AlternateContent xmlns:mc="http://schemas.openxmlformats.org/markup-compatibility/2006">
               <mc:Choice xmlns:v="urn:schemas-microsoft-com:vml" Requires="v">
-                <p:oleObj spid="_x0000_s8596" name="Equazione" r:id="rId27" imgW="1396800" imgH="241200" progId="Equation.3">
+                <p:oleObj spid="_x0000_s8694" name="Equazione" r:id="rId27" imgW="1396800" imgH="241200" progId="Equation.3">
                   <p:embed/>
                 </p:oleObj>
               </mc:Choice>
@@ -19173,7 +19280,7 @@
           <a:graphicData uri="http://schemas.openxmlformats.org/presentationml/2006/ole">
             <mc:AlternateContent xmlns:mc="http://schemas.openxmlformats.org/markup-compatibility/2006">
               <mc:Choice xmlns:v="urn:schemas-microsoft-com:vml" Requires="v">
-                <p:oleObj spid="_x0000_s8597" name="Equazione" r:id="rId29" imgW="1739880" imgH="228600" progId="Equation.3">
+                <p:oleObj spid="_x0000_s8695" name="Equazione" r:id="rId29" imgW="1739880" imgH="228600" progId="Equation.3">
                   <p:embed/>
                 </p:oleObj>
               </mc:Choice>
@@ -19234,7 +19341,7 @@
           <a:graphicData uri="http://schemas.openxmlformats.org/presentationml/2006/ole">
             <mc:AlternateContent xmlns:mc="http://schemas.openxmlformats.org/markup-compatibility/2006">
               <mc:Choice xmlns:v="urn:schemas-microsoft-com:vml" Requires="v">
-                <p:oleObj spid="_x0000_s8598" name="Equazione" r:id="rId31" imgW="1002865" imgH="431613" progId="Equation.3">
+                <p:oleObj spid="_x0000_s8696" name="Equazione" r:id="rId31" imgW="1002865" imgH="431613" progId="Equation.3">
                   <p:embed/>
                 </p:oleObj>
               </mc:Choice>
@@ -19301,7 +19408,7 @@
           <a:graphicData uri="http://schemas.openxmlformats.org/presentationml/2006/ole">
             <mc:AlternateContent xmlns:mc="http://schemas.openxmlformats.org/markup-compatibility/2006">
               <mc:Choice xmlns:v="urn:schemas-microsoft-com:vml" Requires="v">
-                <p:oleObj spid="_x0000_s8599" name="Equazione" r:id="rId33" imgW="787058" imgH="215806" progId="Equation.3">
+                <p:oleObj spid="_x0000_s8697" name="Equazione" r:id="rId33" imgW="787058" imgH="215806" progId="Equation.3">
                   <p:embed/>
                 </p:oleObj>
               </mc:Choice>

--- a/finalPresentation/Part 1/Part1.pptx
+++ b/finalPresentation/Part 1/Part1.pptx
@@ -6,7 +6,7 @@
     <p:sldMasterId id="2147483660" r:id="rId2"/>
   </p:sldMasterIdLst>
   <p:notesMasterIdLst>
-    <p:notesMasterId r:id="rId15"/>
+    <p:notesMasterId r:id="rId14"/>
   </p:notesMasterIdLst>
   <p:sldIdLst>
     <p:sldId id="257" r:id="rId3"/>
@@ -17,10 +17,9 @@
     <p:sldId id="270" r:id="rId8"/>
     <p:sldId id="268" r:id="rId9"/>
     <p:sldId id="260" r:id="rId10"/>
-    <p:sldId id="262" r:id="rId11"/>
-    <p:sldId id="263" r:id="rId12"/>
-    <p:sldId id="264" r:id="rId13"/>
-    <p:sldId id="265" r:id="rId14"/>
+    <p:sldId id="263" r:id="rId11"/>
+    <p:sldId id="272" r:id="rId12"/>
+    <p:sldId id="271" r:id="rId13"/>
   </p:sldIdLst>
   <p:sldSz cx="12192000" cy="6858000"/>
   <p:notesSz cx="6858000" cy="9144000"/>
@@ -725,23 +724,72 @@
             </a:pPr>
             <a:r>
               <a:rPr lang="it-IT" dirty="0"/>
-              <a:t>Levare i valori e mettere solo </a:t>
-            </a:r>
-            <a:r>
-              <a:rPr lang="it-IT" dirty="0" err="1"/>
-              <a:t>imamgini</a:t>
-            </a:r>
-            <a:r>
-              <a:rPr lang="it-IT" dirty="0"/>
-              <a:t> e fare vedere con due blocchi </a:t>
-            </a:r>
-            <a:r>
-              <a:rPr lang="it-IT" dirty="0" err="1"/>
+              <a:t>Voltaggio</a:t>
+            </a:r>
+            <a:r>
+              <a:rPr lang="it-IT" baseline="0" dirty="0"/>
+              <a:t> a onda quadra con corrente che lo segue e fare vedere che la </a:t>
+            </a:r>
+            <a:r>
+              <a:rPr lang="it-IT" baseline="0" dirty="0" err="1"/>
+              <a:t>disatnza</a:t>
+            </a:r>
+            <a:r>
+              <a:rPr lang="it-IT" baseline="0" dirty="0"/>
+              <a:t> a steady state è R. L’abbiamo </a:t>
+            </a:r>
+            <a:r>
+              <a:rPr lang="it-IT" baseline="0" dirty="0" err="1"/>
+              <a:t>idnetificata</a:t>
+            </a:r>
+            <a:r>
+              <a:rPr lang="it-IT" baseline="0" dirty="0"/>
+              <a:t> cosi.</a:t>
+            </a:r>
+          </a:p>
+          <a:p>
+            <a:pPr lvl="0" rtl="0">
+              <a:spcBef>
+                <a:spcPts val="0"/>
+              </a:spcBef>
+              <a:buNone/>
+            </a:pPr>
+            <a:endParaRPr lang="it-IT" baseline="0" dirty="0"/>
+          </a:p>
+          <a:p>
+            <a:pPr lvl="0" rtl="0">
+              <a:spcBef>
+                <a:spcPts val="0"/>
+              </a:spcBef>
+              <a:buNone/>
+            </a:pPr>
+            <a:r>
+              <a:rPr lang="it-IT" baseline="0" dirty="0"/>
+              <a:t>Per la </a:t>
+            </a:r>
+            <a:r>
+              <a:rPr lang="it-IT" baseline="0" dirty="0" err="1"/>
+              <a:t>fuznione</a:t>
+            </a:r>
+            <a:r>
+              <a:rPr lang="it-IT" baseline="0" dirty="0"/>
+              <a:t> di </a:t>
+            </a:r>
+            <a:r>
+              <a:rPr lang="it-IT" baseline="0" dirty="0" err="1"/>
+              <a:t>straferimento</a:t>
+            </a:r>
+            <a:r>
+              <a:rPr lang="it-IT" baseline="0" dirty="0"/>
+              <a:t> mettere il blocchetto di </a:t>
+            </a:r>
+            <a:r>
+              <a:rPr lang="it-IT" baseline="0" dirty="0" err="1"/>
               <a:t>simulink</a:t>
             </a:r>
             <a:r>
-              <a:rPr lang="it-IT" dirty="0"/>
-              <a:t> che è l’unione</a:t>
+              <a:rPr lang="it-IT" baseline="0" dirty="0"/>
+              <a:t> nei modelli</a:t>
             </a:r>
             <a:endParaRPr dirty="0"/>
           </a:p>
@@ -750,7 +798,7 @@
     </p:spTree>
     <p:extLst>
       <p:ext uri="{BB962C8B-B14F-4D97-AF65-F5344CB8AC3E}">
-        <p14:creationId xmlns:p14="http://schemas.microsoft.com/office/powerpoint/2010/main" val="4192966930"/>
+        <p14:creationId xmlns:p14="http://schemas.microsoft.com/office/powerpoint/2010/main" val="851829052"/>
       </p:ext>
     </p:extLst>
   </p:cSld>
@@ -760,7 +808,7 @@
 </p:notes>
 </file>
 
-<file path=ppt/notesSlides/notesSlide11.xml><?xml version="1.0" encoding="utf-8"?>
+<file path=ppt/notesSlides/notesSlide2.xml><?xml version="1.0" encoding="utf-8"?>
 <p:notes xmlns:a="http://schemas.openxmlformats.org/drawingml/2006/main" xmlns:r="http://schemas.openxmlformats.org/officeDocument/2006/relationships" xmlns:p="http://schemas.openxmlformats.org/presentationml/2006/main" showMasterSp="0" showMasterPhAnim="0">
   <p:cSld>
     <p:spTree>
@@ -861,15 +909,11 @@
             </a:pPr>
             <a:r>
               <a:rPr lang="it-IT" dirty="0"/>
-              <a:t>Fare anche la </a:t>
-            </a:r>
-            <a:r>
-              <a:rPr lang="it-IT" dirty="0" err="1"/>
-              <a:t>gray</a:t>
-            </a:r>
-            <a:r>
-              <a:rPr lang="it-IT" dirty="0"/>
-              <a:t> box</a:t>
+              <a:t>Fare due slide e più figure</a:t>
+            </a:r>
+            <a:r>
+              <a:rPr lang="it-IT" baseline="0" dirty="0"/>
+              <a:t> e meno testo</a:t>
             </a:r>
             <a:endParaRPr dirty="0"/>
           </a:p>
@@ -878,7 +922,7 @@
     </p:spTree>
     <p:extLst>
       <p:ext uri="{BB962C8B-B14F-4D97-AF65-F5344CB8AC3E}">
-        <p14:creationId xmlns:p14="http://schemas.microsoft.com/office/powerpoint/2010/main" val="727224920"/>
+        <p14:creationId xmlns:p14="http://schemas.microsoft.com/office/powerpoint/2010/main" val="1565271675"/>
       </p:ext>
     </p:extLst>
   </p:cSld>
@@ -888,7 +932,7 @@
 </p:notes>
 </file>
 
-<file path=ppt/notesSlides/notesSlide2.xml><?xml version="1.0" encoding="utf-8"?>
+<file path=ppt/notesSlides/notesSlide3.xml><?xml version="1.0" encoding="utf-8"?>
 <p:notes xmlns:a="http://schemas.openxmlformats.org/drawingml/2006/main" xmlns:r="http://schemas.openxmlformats.org/officeDocument/2006/relationships" xmlns:p="http://schemas.openxmlformats.org/presentationml/2006/main" showMasterSp="0" showMasterPhAnim="0">
   <p:cSld>
     <p:spTree>
@@ -1002,7 +1046,7 @@
     </p:spTree>
     <p:extLst>
       <p:ext uri="{BB962C8B-B14F-4D97-AF65-F5344CB8AC3E}">
-        <p14:creationId xmlns:p14="http://schemas.microsoft.com/office/powerpoint/2010/main" val="1565271675"/>
+        <p14:creationId xmlns:p14="http://schemas.microsoft.com/office/powerpoint/2010/main" val="1789741763"/>
       </p:ext>
     </p:extLst>
   </p:cSld>
@@ -1012,7 +1056,7 @@
 </p:notes>
 </file>
 
-<file path=ppt/notesSlides/notesSlide3.xml><?xml version="1.0" encoding="utf-8"?>
+<file path=ppt/notesSlides/notesSlide4.xml><?xml version="1.0" encoding="utf-8"?>
 <p:notes xmlns:a="http://schemas.openxmlformats.org/drawingml/2006/main" xmlns:r="http://schemas.openxmlformats.org/officeDocument/2006/relationships" xmlns:p="http://schemas.openxmlformats.org/presentationml/2006/main" showMasterSp="0" showMasterPhAnim="0">
   <p:cSld>
     <p:spTree>
@@ -1113,11 +1157,23 @@
             </a:pPr>
             <a:r>
               <a:rPr lang="it-IT" dirty="0"/>
-              <a:t>Fare due slide e più figure</a:t>
+              <a:t>Mettere</a:t>
             </a:r>
             <a:r>
               <a:rPr lang="it-IT" baseline="0" dirty="0"/>
-              <a:t> e meno testo</a:t>
+              <a:t> foto carrellino</a:t>
+            </a:r>
+          </a:p>
+          <a:p>
+            <a:pPr lvl="0" rtl="0">
+              <a:spcBef>
+                <a:spcPts val="0"/>
+              </a:spcBef>
+              <a:buNone/>
+            </a:pPr>
+            <a:r>
+              <a:rPr lang="it-IT" baseline="0" dirty="0"/>
+              <a:t>Fare sezioni a scomparsa con immagini riferite al pezzo del modello</a:t>
             </a:r>
             <a:endParaRPr dirty="0"/>
           </a:p>
@@ -1126,7 +1182,7 @@
     </p:spTree>
     <p:extLst>
       <p:ext uri="{BB962C8B-B14F-4D97-AF65-F5344CB8AC3E}">
-        <p14:creationId xmlns:p14="http://schemas.microsoft.com/office/powerpoint/2010/main" val="1789741763"/>
+        <p14:creationId xmlns:p14="http://schemas.microsoft.com/office/powerpoint/2010/main" val="895908095"/>
       </p:ext>
     </p:extLst>
   </p:cSld>
@@ -1136,7 +1192,7 @@
 </p:notes>
 </file>
 
-<file path=ppt/notesSlides/notesSlide4.xml><?xml version="1.0" encoding="utf-8"?>
+<file path=ppt/notesSlides/notesSlide5.xml><?xml version="1.0" encoding="utf-8"?>
 <p:notes xmlns:a="http://schemas.openxmlformats.org/drawingml/2006/main" xmlns:r="http://schemas.openxmlformats.org/officeDocument/2006/relationships" xmlns:p="http://schemas.openxmlformats.org/presentationml/2006/main" showMasterSp="0" showMasterPhAnim="0">
   <p:cSld>
     <p:spTree>
@@ -1262,7 +1318,7 @@
     </p:spTree>
     <p:extLst>
       <p:ext uri="{BB962C8B-B14F-4D97-AF65-F5344CB8AC3E}">
-        <p14:creationId xmlns:p14="http://schemas.microsoft.com/office/powerpoint/2010/main" val="895908095"/>
+        <p14:creationId xmlns:p14="http://schemas.microsoft.com/office/powerpoint/2010/main" val="3802516909"/>
       </p:ext>
     </p:extLst>
   </p:cSld>
@@ -1272,7 +1328,7 @@
 </p:notes>
 </file>
 
-<file path=ppt/notesSlides/notesSlide5.xml><?xml version="1.0" encoding="utf-8"?>
+<file path=ppt/notesSlides/notesSlide6.xml><?xml version="1.0" encoding="utf-8"?>
 <p:notes xmlns:a="http://schemas.openxmlformats.org/drawingml/2006/main" xmlns:r="http://schemas.openxmlformats.org/officeDocument/2006/relationships" xmlns:p="http://schemas.openxmlformats.org/presentationml/2006/main" showMasterSp="0" showMasterPhAnim="0">
   <p:cSld>
     <p:spTree>
@@ -1398,7 +1454,7 @@
     </p:spTree>
     <p:extLst>
       <p:ext uri="{BB962C8B-B14F-4D97-AF65-F5344CB8AC3E}">
-        <p14:creationId xmlns:p14="http://schemas.microsoft.com/office/powerpoint/2010/main" val="3802516909"/>
+        <p14:creationId xmlns:p14="http://schemas.microsoft.com/office/powerpoint/2010/main" val="2979538973"/>
       </p:ext>
     </p:extLst>
   </p:cSld>
@@ -1408,7 +1464,7 @@
 </p:notes>
 </file>
 
-<file path=ppt/notesSlides/notesSlide6.xml><?xml version="1.0" encoding="utf-8"?>
+<file path=ppt/notesSlides/notesSlide7.xml><?xml version="1.0" encoding="utf-8"?>
 <p:notes xmlns:a="http://schemas.openxmlformats.org/drawingml/2006/main" xmlns:r="http://schemas.openxmlformats.org/officeDocument/2006/relationships" xmlns:p="http://schemas.openxmlformats.org/presentationml/2006/main" showMasterSp="0" showMasterPhAnim="0">
   <p:cSld>
     <p:spTree>
@@ -1507,26 +1563,6 @@
               </a:spcBef>
               <a:buNone/>
             </a:pPr>
-            <a:r>
-              <a:rPr lang="it-IT" dirty="0"/>
-              <a:t>Mettere</a:t>
-            </a:r>
-            <a:r>
-              <a:rPr lang="it-IT" baseline="0" dirty="0"/>
-              <a:t> foto carrellino</a:t>
-            </a:r>
-          </a:p>
-          <a:p>
-            <a:pPr lvl="0" rtl="0">
-              <a:spcBef>
-                <a:spcPts val="0"/>
-              </a:spcBef>
-              <a:buNone/>
-            </a:pPr>
-            <a:r>
-              <a:rPr lang="it-IT" baseline="0" dirty="0"/>
-              <a:t>Fare sezioni a scomparsa con immagini riferite al pezzo del modello</a:t>
-            </a:r>
             <a:endParaRPr dirty="0"/>
           </a:p>
         </p:txBody>
@@ -1534,7 +1570,7 @@
     </p:spTree>
     <p:extLst>
       <p:ext uri="{BB962C8B-B14F-4D97-AF65-F5344CB8AC3E}">
-        <p14:creationId xmlns:p14="http://schemas.microsoft.com/office/powerpoint/2010/main" val="2979538973"/>
+        <p14:creationId xmlns:p14="http://schemas.microsoft.com/office/powerpoint/2010/main" val="2472732229"/>
       </p:ext>
     </p:extLst>
   </p:cSld>
@@ -1544,7 +1580,7 @@
 </p:notes>
 </file>
 
-<file path=ppt/notesSlides/notesSlide7.xml><?xml version="1.0" encoding="utf-8"?>
+<file path=ppt/notesSlides/notesSlide8.xml><?xml version="1.0" encoding="utf-8"?>
 <p:notes xmlns:a="http://schemas.openxmlformats.org/drawingml/2006/main" xmlns:r="http://schemas.openxmlformats.org/officeDocument/2006/relationships" xmlns:p="http://schemas.openxmlformats.org/presentationml/2006/main" showMasterSp="0" showMasterPhAnim="0">
   <p:cSld>
     <p:spTree>
@@ -1645,15 +1681,72 @@
             </a:pPr>
             <a:r>
               <a:rPr lang="it-IT" dirty="0"/>
-              <a:t>Levare x1 x2 x3 e fare solo matrici e mettere</a:t>
+              <a:t>Voltaggio</a:t>
             </a:r>
             <a:r>
               <a:rPr lang="it-IT" baseline="0" dirty="0"/>
-              <a:t> anche 3 </a:t>
+              <a:t> a onda quadra con corrente che lo segue e fare vedere che la </a:t>
             </a:r>
             <a:r>
               <a:rPr lang="it-IT" baseline="0" dirty="0" err="1"/>
-              <a:t>dof</a:t>
+              <a:t>disatnza</a:t>
+            </a:r>
+            <a:r>
+              <a:rPr lang="it-IT" baseline="0" dirty="0"/>
+              <a:t> a steady state è R. L’abbiamo </a:t>
+            </a:r>
+            <a:r>
+              <a:rPr lang="it-IT" baseline="0" dirty="0" err="1"/>
+              <a:t>idnetificata</a:t>
+            </a:r>
+            <a:r>
+              <a:rPr lang="it-IT" baseline="0" dirty="0"/>
+              <a:t> cosi.</a:t>
+            </a:r>
+          </a:p>
+          <a:p>
+            <a:pPr lvl="0" rtl="0">
+              <a:spcBef>
+                <a:spcPts val="0"/>
+              </a:spcBef>
+              <a:buNone/>
+            </a:pPr>
+            <a:endParaRPr lang="it-IT" baseline="0" dirty="0"/>
+          </a:p>
+          <a:p>
+            <a:pPr lvl="0" rtl="0">
+              <a:spcBef>
+                <a:spcPts val="0"/>
+              </a:spcBef>
+              <a:buNone/>
+            </a:pPr>
+            <a:r>
+              <a:rPr lang="it-IT" baseline="0" dirty="0"/>
+              <a:t>Per la </a:t>
+            </a:r>
+            <a:r>
+              <a:rPr lang="it-IT" baseline="0" dirty="0" err="1"/>
+              <a:t>fuznione</a:t>
+            </a:r>
+            <a:r>
+              <a:rPr lang="it-IT" baseline="0" dirty="0"/>
+              <a:t> di </a:t>
+            </a:r>
+            <a:r>
+              <a:rPr lang="it-IT" baseline="0" dirty="0" err="1"/>
+              <a:t>straferimento</a:t>
+            </a:r>
+            <a:r>
+              <a:rPr lang="it-IT" baseline="0" dirty="0"/>
+              <a:t> mettere il blocchetto di </a:t>
+            </a:r>
+            <a:r>
+              <a:rPr lang="it-IT" baseline="0" dirty="0" err="1"/>
+              <a:t>simulink</a:t>
+            </a:r>
+            <a:r>
+              <a:rPr lang="it-IT" baseline="0" dirty="0"/>
+              <a:t> nei modelli</a:t>
             </a:r>
             <a:endParaRPr dirty="0"/>
           </a:p>
@@ -1662,7 +1755,7 @@
     </p:spTree>
     <p:extLst>
       <p:ext uri="{BB962C8B-B14F-4D97-AF65-F5344CB8AC3E}">
-        <p14:creationId xmlns:p14="http://schemas.microsoft.com/office/powerpoint/2010/main" val="2472732229"/>
+        <p14:creationId xmlns:p14="http://schemas.microsoft.com/office/powerpoint/2010/main" val="1246830462"/>
       </p:ext>
     </p:extLst>
   </p:cSld>
@@ -1672,7 +1765,7 @@
 </p:notes>
 </file>
 
-<file path=ppt/notesSlides/notesSlide8.xml><?xml version="1.0" encoding="utf-8"?>
+<file path=ppt/notesSlides/notesSlide9.xml><?xml version="1.0" encoding="utf-8"?>
 <p:notes xmlns:a="http://schemas.openxmlformats.org/drawingml/2006/main" xmlns:r="http://schemas.openxmlformats.org/officeDocument/2006/relationships" xmlns:p="http://schemas.openxmlformats.org/presentationml/2006/main" showMasterSp="0" showMasterPhAnim="0">
   <p:cSld>
     <p:spTree>
@@ -1773,210 +1866,6 @@
             </a:pPr>
             <a:r>
               <a:rPr lang="it-IT" dirty="0"/>
-              <a:t>Inserire</a:t>
-            </a:r>
-            <a:r>
-              <a:rPr lang="it-IT" baseline="0" dirty="0"/>
-              <a:t> </a:t>
-            </a:r>
-            <a:r>
-              <a:rPr lang="it-IT" baseline="0" dirty="0" err="1"/>
-              <a:t>freq</a:t>
-            </a:r>
-            <a:r>
-              <a:rPr lang="it-IT" baseline="0" dirty="0"/>
-              <a:t> di campionamento 200 Hz e perché</a:t>
-            </a:r>
-          </a:p>
-          <a:p>
-            <a:pPr lvl="0" rtl="0">
-              <a:spcBef>
-                <a:spcPts val="0"/>
-              </a:spcBef>
-              <a:buNone/>
-            </a:pPr>
-            <a:r>
-              <a:rPr lang="it-IT" baseline="0" dirty="0"/>
-              <a:t>Inserire schema su come si è fatta l’identificazione: Raccolta dati-&gt;elaborazione-&gt;creazione modello-&gt;validazione (sul </a:t>
-            </a:r>
-            <a:r>
-              <a:rPr lang="it-IT" baseline="0" dirty="0" err="1"/>
-              <a:t>sitema</a:t>
-            </a:r>
-            <a:r>
-              <a:rPr lang="it-IT" baseline="0" dirty="0"/>
-              <a:t> reale)</a:t>
-            </a:r>
-          </a:p>
-          <a:p>
-            <a:pPr lvl="0" rtl="0">
-              <a:spcBef>
-                <a:spcPts val="0"/>
-              </a:spcBef>
-              <a:buNone/>
-            </a:pPr>
-            <a:r>
-              <a:rPr lang="it-IT" baseline="0" dirty="0"/>
-              <a:t>Fare foto grande e </a:t>
-            </a:r>
-            <a:r>
-              <a:rPr lang="it-IT" baseline="0" dirty="0" err="1"/>
-              <a:t>spiragre</a:t>
-            </a:r>
-            <a:r>
-              <a:rPr lang="it-IT" baseline="0" dirty="0"/>
-              <a:t> ogni parametro sulla foto</a:t>
-            </a:r>
-          </a:p>
-          <a:p>
-            <a:pPr lvl="0" rtl="0">
-              <a:spcBef>
-                <a:spcPts val="0"/>
-              </a:spcBef>
-              <a:buNone/>
-            </a:pPr>
-            <a:r>
-              <a:rPr lang="it-IT" baseline="0" dirty="0"/>
-              <a:t>Spezzare in due </a:t>
-            </a:r>
-            <a:r>
-              <a:rPr lang="it-IT" baseline="0" dirty="0" err="1"/>
-              <a:t>slides</a:t>
-            </a:r>
-            <a:r>
-              <a:rPr lang="it-IT" baseline="0" dirty="0"/>
-              <a:t> con omega e </a:t>
-            </a:r>
-            <a:r>
-              <a:rPr lang="it-IT" baseline="0" dirty="0" err="1"/>
-              <a:t>csi</a:t>
-            </a:r>
-            <a:r>
-              <a:rPr lang="it-IT" baseline="0" dirty="0"/>
-              <a:t> sulla figura e poi altra slide dove si ricavano K,M,C e il </a:t>
-            </a:r>
-            <a:r>
-              <a:rPr lang="it-IT" baseline="0" dirty="0" err="1"/>
-              <a:t>fit</a:t>
-            </a:r>
-            <a:endParaRPr dirty="0"/>
-          </a:p>
-        </p:txBody>
-      </p:sp>
-    </p:spTree>
-    <p:extLst>
-      <p:ext uri="{BB962C8B-B14F-4D97-AF65-F5344CB8AC3E}">
-        <p14:creationId xmlns:p14="http://schemas.microsoft.com/office/powerpoint/2010/main" val="438543189"/>
-      </p:ext>
-    </p:extLst>
-  </p:cSld>
-  <p:clrMapOvr>
-    <a:masterClrMapping/>
-  </p:clrMapOvr>
-</p:notes>
-</file>
-
-<file path=ppt/notesSlides/notesSlide9.xml><?xml version="1.0" encoding="utf-8"?>
-<p:notes xmlns:a="http://schemas.openxmlformats.org/drawingml/2006/main" xmlns:r="http://schemas.openxmlformats.org/officeDocument/2006/relationships" xmlns:p="http://schemas.openxmlformats.org/presentationml/2006/main" showMasterSp="0" showMasterPhAnim="0">
-  <p:cSld>
-    <p:spTree>
-      <p:nvGrpSpPr>
-        <p:cNvPr id="1" name="Shape 32"/>
-        <p:cNvGrpSpPr/>
-        <p:nvPr/>
-      </p:nvGrpSpPr>
-      <p:grpSpPr>
-        <a:xfrm>
-          <a:off x="0" y="0"/>
-          <a:ext cx="0" cy="0"/>
-          <a:chOff x="0" y="0"/>
-          <a:chExt cx="0" cy="0"/>
-        </a:xfrm>
-      </p:grpSpPr>
-      <p:sp>
-        <p:nvSpPr>
-          <p:cNvPr id="33" name="Shape 33"/>
-          <p:cNvSpPr>
-            <a:spLocks noGrp="1" noRot="1" noChangeAspect="1"/>
-          </p:cNvSpPr>
-          <p:nvPr>
-            <p:ph type="sldImg" idx="2"/>
-          </p:nvPr>
-        </p:nvSpPr>
-        <p:spPr>
-          <a:xfrm>
-            <a:off x="381000" y="685800"/>
-            <a:ext cx="6096000" cy="3429000"/>
-          </a:xfrm>
-          <a:custGeom>
-            <a:avLst/>
-            <a:gdLst/>
-            <a:ahLst/>
-            <a:cxnLst/>
-            <a:rect l="0" t="0" r="0" b="0"/>
-            <a:pathLst>
-              <a:path w="120000" h="120000" extrusionOk="0">
-                <a:moveTo>
-                  <a:pt x="0" y="0"/>
-                </a:moveTo>
-                <a:lnTo>
-                  <a:pt x="120000" y="0"/>
-                </a:lnTo>
-                <a:lnTo>
-                  <a:pt x="120000" y="120000"/>
-                </a:lnTo>
-                <a:lnTo>
-                  <a:pt x="0" y="120000"/>
-                </a:lnTo>
-                <a:close/>
-              </a:path>
-            </a:pathLst>
-          </a:custGeom>
-          <a:noFill/>
-          <a:ln w="9525" cap="flat" cmpd="sng">
-            <a:solidFill>
-              <a:srgbClr val="000000"/>
-            </a:solidFill>
-            <a:prstDash val="solid"/>
-            <a:round/>
-            <a:headEnd type="none" w="med" len="med"/>
-            <a:tailEnd type="none" w="med" len="med"/>
-          </a:ln>
-        </p:spPr>
-      </p:sp>
-      <p:sp>
-        <p:nvSpPr>
-          <p:cNvPr id="34" name="Shape 34"/>
-          <p:cNvSpPr txBox="1">
-            <a:spLocks noGrp="1"/>
-          </p:cNvSpPr>
-          <p:nvPr>
-            <p:ph type="body" idx="1"/>
-          </p:nvPr>
-        </p:nvSpPr>
-        <p:spPr>
-          <a:xfrm>
-            <a:off x="685800" y="4343400"/>
-            <a:ext cx="5486399" cy="4114800"/>
-          </a:xfrm>
-          <a:prstGeom prst="rect">
-            <a:avLst/>
-          </a:prstGeom>
-        </p:spPr>
-        <p:txBody>
-          <a:bodyPr lIns="91425" tIns="91425" rIns="91425" bIns="91425" anchor="t" anchorCtr="0">
-            <a:noAutofit/>
-          </a:bodyPr>
-          <a:lstStyle/>
-          <a:p>
-            <a:pPr lvl="0" rtl="0">
-              <a:spcBef>
-                <a:spcPts val="0"/>
-              </a:spcBef>
-              <a:buNone/>
-            </a:pPr>
-            <a:r>
-              <a:rPr lang="it-IT" dirty="0"/>
               <a:t>Voltaggio</a:t>
             </a:r>
             <a:r>
@@ -2051,7 +1940,7 @@
     </p:spTree>
     <p:extLst>
       <p:ext uri="{BB962C8B-B14F-4D97-AF65-F5344CB8AC3E}">
-        <p14:creationId xmlns:p14="http://schemas.microsoft.com/office/powerpoint/2010/main" val="1246830462"/>
+        <p14:creationId xmlns:p14="http://schemas.microsoft.com/office/powerpoint/2010/main" val="2328796011"/>
       </p:ext>
     </p:extLst>
   </p:cSld>
@@ -6368,6 +6257,453 @@
           <a:chExt cx="0" cy="0"/>
         </a:xfrm>
       </p:grpSpPr>
+      <p:sp>
+        <p:nvSpPr>
+          <p:cNvPr id="36" name="Shape 36"/>
+          <p:cNvSpPr txBox="1">
+            <a:spLocks noGrp="1"/>
+          </p:cNvSpPr>
+          <p:nvPr>
+            <p:ph type="title"/>
+          </p:nvPr>
+        </p:nvSpPr>
+        <p:spPr>
+          <a:xfrm>
+            <a:off x="2361450" y="131951"/>
+            <a:ext cx="8136900" cy="498599"/>
+          </a:xfrm>
+          <a:prstGeom prst="rect">
+            <a:avLst/>
+          </a:prstGeom>
+        </p:spPr>
+        <p:txBody>
+          <a:bodyPr lIns="91425" tIns="91425" rIns="91425" bIns="91425" anchor="b" anchorCtr="0">
+            <a:noAutofit/>
+          </a:bodyPr>
+          <a:lstStyle/>
+          <a:p>
+            <a:r>
+              <a:rPr lang="en-GB" sz="3000" dirty="0">
+                <a:solidFill>
+                  <a:srgbClr val="003366"/>
+                </a:solidFill>
+              </a:rPr>
+              <a:t>Identification: open vs closed loop</a:t>
+            </a:r>
+          </a:p>
+        </p:txBody>
+      </p:sp>
+      <p:pic>
+        <p:nvPicPr>
+          <p:cNvPr id="38" name="Shape 38"/>
+          <p:cNvPicPr preferRelativeResize="0"/>
+          <p:nvPr/>
+        </p:nvPicPr>
+        <p:blipFill>
+          <a:blip r:embed="rId4">
+            <a:alphaModFix/>
+          </a:blip>
+          <a:stretch>
+            <a:fillRect/>
+          </a:stretch>
+        </p:blipFill>
+        <p:spPr>
+          <a:xfrm>
+            <a:off x="1606450" y="65950"/>
+            <a:ext cx="464900" cy="498650"/>
+          </a:xfrm>
+          <a:prstGeom prst="rect">
+            <a:avLst/>
+          </a:prstGeom>
+          <a:noFill/>
+          <a:ln>
+            <a:noFill/>
+          </a:ln>
+        </p:spPr>
+      </p:pic>
+      <p:pic>
+        <p:nvPicPr>
+          <p:cNvPr id="39" name="Shape 39"/>
+          <p:cNvPicPr preferRelativeResize="0"/>
+          <p:nvPr/>
+        </p:nvPicPr>
+        <p:blipFill>
+          <a:blip r:embed="rId5">
+            <a:alphaModFix/>
+          </a:blip>
+          <a:stretch>
+            <a:fillRect/>
+          </a:stretch>
+        </p:blipFill>
+        <p:spPr>
+          <a:xfrm>
+            <a:off x="1524000" y="630540"/>
+            <a:ext cx="9143998" cy="97471"/>
+          </a:xfrm>
+          <a:prstGeom prst="rect">
+            <a:avLst/>
+          </a:prstGeom>
+          <a:noFill/>
+          <a:ln>
+            <a:noFill/>
+          </a:ln>
+        </p:spPr>
+      </p:pic>
+      <p:cxnSp>
+        <p:nvCxnSpPr>
+          <p:cNvPr id="40" name="Shape 40"/>
+          <p:cNvCxnSpPr/>
+          <p:nvPr/>
+        </p:nvCxnSpPr>
+        <p:spPr>
+          <a:xfrm rot="10800000">
+            <a:off x="2215550" y="126"/>
+            <a:ext cx="0" cy="630299"/>
+          </a:xfrm>
+          <a:prstGeom prst="straightConnector1">
+            <a:avLst/>
+          </a:prstGeom>
+          <a:noFill/>
+          <a:ln w="9525" cap="flat" cmpd="sng">
+            <a:solidFill>
+              <a:srgbClr val="003366"/>
+            </a:solidFill>
+            <a:prstDash val="solid"/>
+            <a:round/>
+            <a:headEnd type="none" w="lg" len="lg"/>
+            <a:tailEnd type="none" w="lg" len="lg"/>
+          </a:ln>
+        </p:spPr>
+      </p:cxnSp>
+      <p:sp>
+        <p:nvSpPr>
+          <p:cNvPr id="41" name="Shape 41"/>
+          <p:cNvSpPr txBox="1"/>
+          <p:nvPr/>
+        </p:nvSpPr>
+        <p:spPr>
+          <a:xfrm>
+            <a:off x="8307700" y="6531001"/>
+            <a:ext cx="2599200" cy="363899"/>
+          </a:xfrm>
+          <a:prstGeom prst="rect">
+            <a:avLst/>
+          </a:prstGeom>
+          <a:noFill/>
+          <a:ln>
+            <a:noFill/>
+          </a:ln>
+        </p:spPr>
+        <p:txBody>
+          <a:bodyPr lIns="91425" tIns="91425" rIns="91425" bIns="91425" anchor="t" anchorCtr="0">
+            <a:noAutofit/>
+          </a:bodyPr>
+          <a:lstStyle/>
+          <a:p>
+            <a:r>
+              <a:rPr lang="en-GB" sz="1200" b="1" dirty="0">
+                <a:solidFill>
+                  <a:srgbClr val="FFFFFF"/>
+                </a:solidFill>
+              </a:rPr>
+              <a:t>POLITECNICO DI MILANO</a:t>
+            </a:r>
+          </a:p>
+        </p:txBody>
+      </p:sp>
+      <p:pic>
+        <p:nvPicPr>
+          <p:cNvPr id="42" name="Shape 42"/>
+          <p:cNvPicPr preferRelativeResize="0"/>
+          <p:nvPr/>
+        </p:nvPicPr>
+        <p:blipFill>
+          <a:blip r:embed="rId6">
+            <a:alphaModFix/>
+          </a:blip>
+          <a:stretch>
+            <a:fillRect/>
+          </a:stretch>
+        </p:blipFill>
+        <p:spPr>
+          <a:xfrm>
+            <a:off x="1524000" y="6571226"/>
+            <a:ext cx="9144000" cy="286775"/>
+          </a:xfrm>
+          <a:prstGeom prst="rect">
+            <a:avLst/>
+          </a:prstGeom>
+          <a:noFill/>
+          <a:ln>
+            <a:noFill/>
+          </a:ln>
+        </p:spPr>
+      </p:pic>
+      <p:sp>
+        <p:nvSpPr>
+          <p:cNvPr id="43" name="Shape 43"/>
+          <p:cNvSpPr txBox="1">
+            <a:spLocks noGrp="1"/>
+          </p:cNvSpPr>
+          <p:nvPr>
+            <p:ph type="ctrTitle" idx="4294967295"/>
+          </p:nvPr>
+        </p:nvSpPr>
+        <p:spPr>
+          <a:xfrm>
+            <a:off x="3575453" y="6500850"/>
+            <a:ext cx="3238799" cy="424199"/>
+          </a:xfrm>
+          <a:prstGeom prst="rect">
+            <a:avLst/>
+          </a:prstGeom>
+        </p:spPr>
+        <p:txBody>
+          <a:bodyPr lIns="91425" tIns="91425" rIns="91425" bIns="91425" anchor="ctr" anchorCtr="0">
+            <a:noAutofit/>
+          </a:bodyPr>
+          <a:lstStyle/>
+          <a:p>
+            <a:pPr indent="457200">
+              <a:lnSpc>
+                <a:spcPct val="115000"/>
+              </a:lnSpc>
+            </a:pPr>
+            <a:r>
+              <a:rPr lang="en-GB" sz="1200" b="1" dirty="0">
+                <a:solidFill>
+                  <a:srgbClr val="003366"/>
+                </a:solidFill>
+              </a:rPr>
+              <a:t>Control of linear vibrations</a:t>
+            </a:r>
+            <a:endParaRPr lang="en-GB" sz="1300" b="1" dirty="0">
+              <a:solidFill>
+                <a:srgbClr val="003366"/>
+              </a:solidFill>
+            </a:endParaRPr>
+          </a:p>
+        </p:txBody>
+      </p:sp>
+      <p:sp>
+        <p:nvSpPr>
+          <p:cNvPr id="45" name="Rectangle 39"/>
+          <p:cNvSpPr>
+            <a:spLocks noChangeArrowheads="1"/>
+          </p:cNvSpPr>
+          <p:nvPr/>
+        </p:nvSpPr>
+        <p:spPr bwMode="auto">
+          <a:xfrm>
+            <a:off x="2106219" y="1973594"/>
+            <a:ext cx="184731" cy="369332"/>
+          </a:xfrm>
+          <a:prstGeom prst="rect">
+            <a:avLst/>
+          </a:prstGeom>
+          <a:noFill/>
+          <a:ln>
+            <a:noFill/>
+          </a:ln>
+          <a:effectLst/>
+          <a:extLst>
+            <a:ext uri="{909E8E84-426E-40DD-AFC4-6F175D3DCCD1}">
+              <a14:hiddenFill xmlns:a14="http://schemas.microsoft.com/office/drawing/2010/main">
+                <a:solidFill>
+                  <a:schemeClr val="accent1"/>
+                </a:solidFill>
+              </a14:hiddenFill>
+            </a:ext>
+            <a:ext uri="{91240B29-F687-4F45-9708-019B960494DF}">
+              <a14:hiddenLine xmlns:a14="http://schemas.microsoft.com/office/drawing/2010/main" w="9525">
+                <a:solidFill>
+                  <a:schemeClr val="tx1"/>
+                </a:solidFill>
+                <a:miter lim="800000"/>
+                <a:headEnd/>
+                <a:tailEnd/>
+              </a14:hiddenLine>
+            </a:ext>
+            <a:ext uri="{AF507438-7753-43E0-B8FC-AC1667EBCBE1}">
+              <a14:hiddenEffects xmlns:a14="http://schemas.microsoft.com/office/drawing/2010/main">
+                <a:effectLst>
+                  <a:outerShdw dist="35921" dir="2700000" algn="ctr" rotWithShape="0">
+                    <a:schemeClr val="bg2"/>
+                  </a:outerShdw>
+                </a:effectLst>
+              </a14:hiddenEffects>
+            </a:ext>
+          </a:extLst>
+        </p:spPr>
+        <p:txBody>
+          <a:bodyPr vert="horz" wrap="none" lIns="91440" tIns="45720" rIns="91440" bIns="45720" numCol="1" anchor="ctr" anchorCtr="0" compatLnSpc="1">
+            <a:prstTxWarp prst="textNoShape">
+              <a:avLst/>
+            </a:prstTxWarp>
+            <a:spAutoFit/>
+          </a:bodyPr>
+          <a:lstStyle/>
+          <a:p>
+            <a:endParaRPr lang="en-GB" dirty="0"/>
+          </a:p>
+        </p:txBody>
+      </p:sp>
+      <p:sp>
+        <p:nvSpPr>
+          <p:cNvPr id="2" name="CasellaDiTesto 1"/>
+          <p:cNvSpPr txBox="1"/>
+          <p:nvPr/>
+        </p:nvSpPr>
+        <p:spPr>
+          <a:xfrm>
+            <a:off x="1606450" y="1049867"/>
+            <a:ext cx="4736168" cy="369332"/>
+          </a:xfrm>
+          <a:prstGeom prst="rect">
+            <a:avLst/>
+          </a:prstGeom>
+          <a:noFill/>
+        </p:spPr>
+        <p:txBody>
+          <a:bodyPr wrap="none" rtlCol="0">
+            <a:spAutoFit/>
+          </a:bodyPr>
+          <a:lstStyle/>
+          <a:p>
+            <a:r>
+              <a:rPr lang="en-GB" dirty="0"/>
+              <a:t>Back-</a:t>
+            </a:r>
+            <a:r>
+              <a:rPr lang="en-GB" dirty="0" err="1"/>
+              <a:t>emf</a:t>
+            </a:r>
+            <a:r>
+              <a:rPr lang="en-GB" dirty="0"/>
+              <a:t> can be seen as a closed loop feedback:</a:t>
+            </a:r>
+          </a:p>
+        </p:txBody>
+      </p:sp>
+      <p:graphicFrame>
+        <p:nvGraphicFramePr>
+          <p:cNvPr id="28" name="Oggetto 27"/>
+          <p:cNvGraphicFramePr>
+            <a:graphicFrameLocks noChangeAspect="1"/>
+          </p:cNvGraphicFramePr>
+          <p:nvPr>
+            <p:extLst/>
+          </p:nvPr>
+        </p:nvGraphicFramePr>
+        <p:xfrm>
+          <a:off x="6216650" y="1047750"/>
+          <a:ext cx="1354138" cy="385763"/>
+        </p:xfrm>
+        <a:graphic>
+          <a:graphicData uri="http://schemas.openxmlformats.org/presentationml/2006/ole">
+            <mc:AlternateContent xmlns:mc="http://schemas.openxmlformats.org/markup-compatibility/2006">
+              <mc:Choice xmlns:v="urn:schemas-microsoft-com:vml" Requires="v">
+                <p:oleObj spid="_x0000_s13316" name="Equazione" r:id="rId7" imgW="876240" imgH="253800" progId="Equation.3">
+                  <p:embed/>
+                </p:oleObj>
+              </mc:Choice>
+              <mc:Fallback>
+                <p:oleObj name="Equazione" r:id="rId7" imgW="876240" imgH="253800" progId="Equation.3">
+                  <p:embed/>
+                  <p:pic>
+                    <p:nvPicPr>
+                      <p:cNvPr id="28" name="Oggetto 27"/>
+                      <p:cNvPicPr>
+                        <a:picLocks noChangeAspect="1" noChangeArrowheads="1"/>
+                      </p:cNvPicPr>
+                      <p:nvPr/>
+                    </p:nvPicPr>
+                    <p:blipFill>
+                      <a:blip r:embed="rId8"/>
+                      <a:srcRect/>
+                      <a:stretch>
+                        <a:fillRect/>
+                      </a:stretch>
+                    </p:blipFill>
+                    <p:spPr bwMode="auto">
+                      <a:xfrm>
+                        <a:off x="6216650" y="1047750"/>
+                        <a:ext cx="1354138" cy="385763"/>
+                      </a:xfrm>
+                      <a:prstGeom prst="rect">
+                        <a:avLst/>
+                      </a:prstGeom>
+                      <a:noFill/>
+                    </p:spPr>
+                  </p:pic>
+                </p:oleObj>
+              </mc:Fallback>
+            </mc:AlternateContent>
+          </a:graphicData>
+        </a:graphic>
+      </p:graphicFrame>
+      <p:sp>
+        <p:nvSpPr>
+          <p:cNvPr id="3" name="CasellaDiTesto 2"/>
+          <p:cNvSpPr txBox="1"/>
+          <p:nvPr/>
+        </p:nvSpPr>
+        <p:spPr>
+          <a:xfrm>
+            <a:off x="1606450" y="1630584"/>
+            <a:ext cx="8370881" cy="369332"/>
+          </a:xfrm>
+          <a:prstGeom prst="rect">
+            <a:avLst/>
+          </a:prstGeom>
+          <a:noFill/>
+        </p:spPr>
+        <p:txBody>
+          <a:bodyPr wrap="none" rtlCol="0">
+            <a:spAutoFit/>
+          </a:bodyPr>
+          <a:lstStyle/>
+          <a:p>
+            <a:r>
+              <a:rPr lang="en-GB" dirty="0"/>
+              <a:t>The effect is proportional to velocity and opposing to motion, thus it adds to damping</a:t>
+            </a:r>
+          </a:p>
+        </p:txBody>
+      </p:sp>
+    </p:spTree>
+    <p:extLst>
+      <p:ext uri="{BB962C8B-B14F-4D97-AF65-F5344CB8AC3E}">
+        <p14:creationId xmlns:p14="http://schemas.microsoft.com/office/powerpoint/2010/main" val="2114405860"/>
+      </p:ext>
+    </p:extLst>
+  </p:cSld>
+  <p:clrMapOvr>
+    <a:masterClrMapping/>
+  </p:clrMapOvr>
+  <p:transition spd="slow">
+    <p:cut/>
+  </p:transition>
+</p:sld>
+</file>
+
+<file path=ppt/slides/slide11.xml><?xml version="1.0" encoding="utf-8"?>
+<p:sld xmlns:a="http://schemas.openxmlformats.org/drawingml/2006/main" xmlns:r="http://schemas.openxmlformats.org/officeDocument/2006/relationships" xmlns:p="http://schemas.openxmlformats.org/presentationml/2006/main">
+  <p:cSld>
+    <p:spTree>
+      <p:nvGrpSpPr>
+        <p:cNvPr id="1" name="Shape 35"/>
+        <p:cNvGrpSpPr/>
+        <p:nvPr/>
+      </p:nvGrpSpPr>
+      <p:grpSpPr>
+        <a:xfrm>
+          <a:off x="0" y="0"/>
+          <a:ext cx="0" cy="0"/>
+          <a:chOff x="0" y="0"/>
+          <a:chExt cx="0" cy="0"/>
+        </a:xfrm>
+      </p:grpSpPr>
       <p:pic>
         <p:nvPicPr>
           <p:cNvPr id="47" name="Immagine 46" descr="C:\Users\user\Documents\GitHub\linearVibrationsControl\finalReport\parts\Identification\img\motor_validation.png"/>
@@ -6432,7 +6768,7 @@
                   <a:srgbClr val="003366"/>
                 </a:solidFill>
               </a:rPr>
-              <a:t>White box identification: motor only</a:t>
+              <a:t>Identification: validation cost function</a:t>
             </a:r>
           </a:p>
         </p:txBody>
@@ -6762,11 +7098,7 @@
             <a:graphicFrameLocks noChangeAspect="1"/>
           </p:cNvGraphicFramePr>
           <p:nvPr>
-            <p:extLst>
-              <p:ext uri="{D42A27DB-BD31-4B8C-83A1-F6EECF244321}">
-                <p14:modId xmlns:p14="http://schemas.microsoft.com/office/powerpoint/2010/main" val="2584723655"/>
-              </p:ext>
-            </p:extLst>
+            <p:extLst/>
           </p:nvPr>
         </p:nvGraphicFramePr>
         <p:xfrm>
@@ -6777,7 +7109,7 @@
           <a:graphicData uri="http://schemas.openxmlformats.org/presentationml/2006/ole">
             <mc:AlternateContent xmlns:mc="http://schemas.openxmlformats.org/markup-compatibility/2006">
               <mc:Choice xmlns:v="urn:schemas-microsoft-com:vml" Requires="v">
-                <p:oleObj spid="_x0000_s7546" name="Equazione" r:id="rId8" imgW="1841500" imgH="203200" progId="Equation.3">
+                <p:oleObj spid="_x0000_s12322" name="Equazione" r:id="rId8" imgW="1841500" imgH="203200" progId="Equation.3">
                   <p:embed/>
                 </p:oleObj>
               </mc:Choice>
@@ -6786,7 +7118,7 @@
                   <p:embed/>
                   <p:pic>
                     <p:nvPicPr>
-                      <p:cNvPr id="0" name="Object 8"/>
+                      <p:cNvPr id="13" name="Oggetto 12"/>
                       <p:cNvPicPr>
                         <a:picLocks noChangeAspect="1" noChangeArrowheads="1"/>
                       </p:cNvPicPr>
@@ -6829,11 +7161,7 @@
             <a:graphicFrameLocks noChangeAspect="1"/>
           </p:cNvGraphicFramePr>
           <p:nvPr>
-            <p:extLst>
-              <p:ext uri="{D42A27DB-BD31-4B8C-83A1-F6EECF244321}">
-                <p14:modId xmlns:p14="http://schemas.microsoft.com/office/powerpoint/2010/main" val="2851992121"/>
-              </p:ext>
-            </p:extLst>
+            <p:extLst/>
           </p:nvPr>
         </p:nvGraphicFramePr>
         <p:xfrm>
@@ -6844,7 +7172,7 @@
           <a:graphicData uri="http://schemas.openxmlformats.org/presentationml/2006/ole">
             <mc:AlternateContent xmlns:mc="http://schemas.openxmlformats.org/markup-compatibility/2006">
               <mc:Choice xmlns:v="urn:schemas-microsoft-com:vml" Requires="v">
-                <p:oleObj spid="_x0000_s7547" name="Equazione" r:id="rId10" imgW="1167893" imgH="393529" progId="Equation.3">
+                <p:oleObj spid="_x0000_s12323" name="Equazione" r:id="rId10" imgW="1167893" imgH="393529" progId="Equation.3">
                   <p:embed/>
                 </p:oleObj>
               </mc:Choice>
@@ -6853,7 +7181,7 @@
                   <p:embed/>
                   <p:pic>
                     <p:nvPicPr>
-                      <p:cNvPr id="0" name="Object 7"/>
+                      <p:cNvPr id="14" name="Oggetto 13"/>
                       <p:cNvPicPr>
                         <a:picLocks noChangeAspect="1" noChangeArrowheads="1"/>
                       </p:cNvPicPr>
@@ -6896,11 +7224,7 @@
             <a:graphicFrameLocks noChangeAspect="1"/>
           </p:cNvGraphicFramePr>
           <p:nvPr>
-            <p:extLst>
-              <p:ext uri="{D42A27DB-BD31-4B8C-83A1-F6EECF244321}">
-                <p14:modId xmlns:p14="http://schemas.microsoft.com/office/powerpoint/2010/main" val="767089802"/>
-              </p:ext>
-            </p:extLst>
+            <p:extLst/>
           </p:nvPr>
         </p:nvGraphicFramePr>
         <p:xfrm>
@@ -6911,7 +7235,7 @@
           <a:graphicData uri="http://schemas.openxmlformats.org/presentationml/2006/ole">
             <mc:AlternateContent xmlns:mc="http://schemas.openxmlformats.org/markup-compatibility/2006">
               <mc:Choice xmlns:v="urn:schemas-microsoft-com:vml" Requires="v">
-                <p:oleObj spid="_x0000_s7548" name="Equazione" r:id="rId12" imgW="545863" imgH="228501" progId="Equation.3">
+                <p:oleObj spid="_x0000_s12324" name="Equazione" r:id="rId12" imgW="545863" imgH="228501" progId="Equation.3">
                   <p:embed/>
                 </p:oleObj>
               </mc:Choice>
@@ -6920,7 +7244,7 @@
                   <p:embed/>
                   <p:pic>
                     <p:nvPicPr>
-                      <p:cNvPr id="0" name="Object 6"/>
+                      <p:cNvPr id="15" name="Oggetto 14"/>
                       <p:cNvPicPr>
                         <a:picLocks noChangeAspect="1" noChangeArrowheads="1"/>
                       </p:cNvPicPr>
@@ -6963,11 +7287,7 @@
             <a:graphicFrameLocks noChangeAspect="1"/>
           </p:cNvGraphicFramePr>
           <p:nvPr>
-            <p:extLst>
-              <p:ext uri="{D42A27DB-BD31-4B8C-83A1-F6EECF244321}">
-                <p14:modId xmlns:p14="http://schemas.microsoft.com/office/powerpoint/2010/main" val="959061492"/>
-              </p:ext>
-            </p:extLst>
+            <p:extLst/>
           </p:nvPr>
         </p:nvGraphicFramePr>
         <p:xfrm>
@@ -6978,7 +7298,7 @@
           <a:graphicData uri="http://schemas.openxmlformats.org/presentationml/2006/ole">
             <mc:AlternateContent xmlns:mc="http://schemas.openxmlformats.org/markup-compatibility/2006">
               <mc:Choice xmlns:v="urn:schemas-microsoft-com:vml" Requires="v">
-                <p:oleObj spid="_x0000_s7549" name="Equazione" r:id="rId14" imgW="901309" imgH="393529" progId="Equation.3">
+                <p:oleObj spid="_x0000_s12325" name="Equazione" r:id="rId14" imgW="901309" imgH="393529" progId="Equation.3">
                   <p:embed/>
                 </p:oleObj>
               </mc:Choice>
@@ -6987,7 +7307,7 @@
                   <p:embed/>
                   <p:pic>
                     <p:nvPicPr>
-                      <p:cNvPr id="0" name="Object 5"/>
+                      <p:cNvPr id="16" name="Oggetto 15"/>
                       <p:cNvPicPr>
                         <a:picLocks noChangeAspect="1" noChangeArrowheads="1"/>
                       </p:cNvPicPr>
@@ -7030,11 +7350,7 @@
             <a:graphicFrameLocks noChangeAspect="1"/>
           </p:cNvGraphicFramePr>
           <p:nvPr>
-            <p:extLst>
-              <p:ext uri="{D42A27DB-BD31-4B8C-83A1-F6EECF244321}">
-                <p14:modId xmlns:p14="http://schemas.microsoft.com/office/powerpoint/2010/main" val="1305839918"/>
-              </p:ext>
-            </p:extLst>
+            <p:extLst/>
           </p:nvPr>
         </p:nvGraphicFramePr>
         <p:xfrm>
@@ -7045,7 +7361,7 @@
           <a:graphicData uri="http://schemas.openxmlformats.org/presentationml/2006/ole">
             <mc:AlternateContent xmlns:mc="http://schemas.openxmlformats.org/markup-compatibility/2006">
               <mc:Choice xmlns:v="urn:schemas-microsoft-com:vml" Requires="v">
-                <p:oleObj spid="_x0000_s7550" name="Equazione" r:id="rId16" imgW="1485900" imgH="203200" progId="Equation.3">
+                <p:oleObj spid="_x0000_s12326" name="Equazione" r:id="rId16" imgW="1485900" imgH="203200" progId="Equation.3">
                   <p:embed/>
                 </p:oleObj>
               </mc:Choice>
@@ -7054,7 +7370,7 @@
                   <p:embed/>
                   <p:pic>
                     <p:nvPicPr>
-                      <p:cNvPr id="0" name="Object 4"/>
+                      <p:cNvPr id="17" name="Oggetto 16"/>
                       <p:cNvPicPr>
                         <a:picLocks noChangeAspect="1" noChangeArrowheads="1"/>
                       </p:cNvPicPr>
@@ -7097,11 +7413,7 @@
             <a:graphicFrameLocks noChangeAspect="1"/>
           </p:cNvGraphicFramePr>
           <p:nvPr>
-            <p:extLst>
-              <p:ext uri="{D42A27DB-BD31-4B8C-83A1-F6EECF244321}">
-                <p14:modId xmlns:p14="http://schemas.microsoft.com/office/powerpoint/2010/main" val="2125618658"/>
-              </p:ext>
-            </p:extLst>
+            <p:extLst/>
           </p:nvPr>
         </p:nvGraphicFramePr>
         <p:xfrm>
@@ -7112,7 +7424,7 @@
           <a:graphicData uri="http://schemas.openxmlformats.org/presentationml/2006/ole">
             <mc:AlternateContent xmlns:mc="http://schemas.openxmlformats.org/markup-compatibility/2006">
               <mc:Choice xmlns:v="urn:schemas-microsoft-com:vml" Requires="v">
-                <p:oleObj spid="_x0000_s7551" name="Equazione" r:id="rId18" imgW="1511300" imgH="203200" progId="Equation.3">
+                <p:oleObj spid="_x0000_s12327" name="Equazione" r:id="rId18" imgW="1511300" imgH="203200" progId="Equation.3">
                   <p:embed/>
                 </p:oleObj>
               </mc:Choice>
@@ -7121,7 +7433,7 @@
                   <p:embed/>
                   <p:pic>
                     <p:nvPicPr>
-                      <p:cNvPr id="0" name="Object 3"/>
+                      <p:cNvPr id="19" name="Oggetto 18"/>
                       <p:cNvPicPr>
                         <a:picLocks noChangeAspect="1" noChangeArrowheads="1"/>
                       </p:cNvPicPr>
@@ -7164,11 +7476,7 @@
             <a:graphicFrameLocks noChangeAspect="1"/>
           </p:cNvGraphicFramePr>
           <p:nvPr>
-            <p:extLst>
-              <p:ext uri="{D42A27DB-BD31-4B8C-83A1-F6EECF244321}">
-                <p14:modId xmlns:p14="http://schemas.microsoft.com/office/powerpoint/2010/main" val="1186032083"/>
-              </p:ext>
-            </p:extLst>
+            <p:extLst/>
           </p:nvPr>
         </p:nvGraphicFramePr>
         <p:xfrm>
@@ -7179,7 +7487,7 @@
           <a:graphicData uri="http://schemas.openxmlformats.org/presentationml/2006/ole">
             <mc:AlternateContent xmlns:mc="http://schemas.openxmlformats.org/markup-compatibility/2006">
               <mc:Choice xmlns:v="urn:schemas-microsoft-com:vml" Requires="v">
-                <p:oleObj spid="_x0000_s7552" name="Equazione" r:id="rId20" imgW="647640" imgH="228600" progId="Equation.3">
+                <p:oleObj spid="_x0000_s12328" name="Equazione" r:id="rId20" imgW="647640" imgH="228600" progId="Equation.3">
                   <p:embed/>
                 </p:oleObj>
               </mc:Choice>
@@ -7188,7 +7496,7 @@
                   <p:embed/>
                   <p:pic>
                     <p:nvPicPr>
-                      <p:cNvPr id="0" name="Object 2"/>
+                      <p:cNvPr id="20" name="Oggetto 19"/>
                       <p:cNvPicPr>
                         <a:picLocks noChangeAspect="1" noChangeArrowheads="1"/>
                       </p:cNvPicPr>
@@ -7225,11 +7533,7 @@
             <a:graphicFrameLocks noChangeAspect="1"/>
           </p:cNvGraphicFramePr>
           <p:nvPr>
-            <p:extLst>
-              <p:ext uri="{D42A27DB-BD31-4B8C-83A1-F6EECF244321}">
-                <p14:modId xmlns:p14="http://schemas.microsoft.com/office/powerpoint/2010/main" val="1427446556"/>
-              </p:ext>
-            </p:extLst>
+            <p:extLst/>
           </p:nvPr>
         </p:nvGraphicFramePr>
         <p:xfrm>
@@ -7240,7 +7544,7 @@
           <a:graphicData uri="http://schemas.openxmlformats.org/presentationml/2006/ole">
             <mc:AlternateContent xmlns:mc="http://schemas.openxmlformats.org/markup-compatibility/2006">
               <mc:Choice xmlns:v="urn:schemas-microsoft-com:vml" Requires="v">
-                <p:oleObj spid="_x0000_s7553" name="Equazione" r:id="rId22" imgW="889000" imgH="228600" progId="Equation.3">
+                <p:oleObj spid="_x0000_s12329" name="Equazione" r:id="rId22" imgW="889000" imgH="228600" progId="Equation.3">
                   <p:embed/>
                 </p:oleObj>
               </mc:Choice>
@@ -7249,7 +7553,7 @@
                   <p:embed/>
                   <p:pic>
                     <p:nvPicPr>
-                      <p:cNvPr id="0" name="Object 1"/>
+                      <p:cNvPr id="22" name="Oggetto 21"/>
                       <p:cNvPicPr>
                         <a:picLocks noChangeAspect="1" noChangeArrowheads="1"/>
                       </p:cNvPicPr>
@@ -8136,3370 +8440,7 @@
     </p:spTree>
     <p:extLst>
       <p:ext uri="{BB962C8B-B14F-4D97-AF65-F5344CB8AC3E}">
-        <p14:creationId xmlns:p14="http://schemas.microsoft.com/office/powerpoint/2010/main" val="2442095312"/>
-      </p:ext>
-    </p:extLst>
-  </p:cSld>
-  <p:clrMapOvr>
-    <a:masterClrMapping/>
-  </p:clrMapOvr>
-  <p:transition spd="slow">
-    <p:cut/>
-  </p:transition>
-</p:sld>
-</file>
-
-<file path=ppt/slides/slide11.xml><?xml version="1.0" encoding="utf-8"?>
-<p:sld xmlns:a="http://schemas.openxmlformats.org/drawingml/2006/main" xmlns:r="http://schemas.openxmlformats.org/officeDocument/2006/relationships" xmlns:p="http://schemas.openxmlformats.org/presentationml/2006/main">
-  <p:cSld>
-    <p:spTree>
-      <p:nvGrpSpPr>
-        <p:cNvPr id="1" name="Shape 35"/>
-        <p:cNvGrpSpPr/>
-        <p:nvPr/>
-      </p:nvGrpSpPr>
-      <p:grpSpPr>
-        <a:xfrm>
-          <a:off x="0" y="0"/>
-          <a:ext cx="0" cy="0"/>
-          <a:chOff x="0" y="0"/>
-          <a:chExt cx="0" cy="0"/>
-        </a:xfrm>
-      </p:grpSpPr>
-      <p:sp>
-        <p:nvSpPr>
-          <p:cNvPr id="36" name="Shape 36"/>
-          <p:cNvSpPr txBox="1">
-            <a:spLocks noGrp="1"/>
-          </p:cNvSpPr>
-          <p:nvPr>
-            <p:ph type="title"/>
-          </p:nvPr>
-        </p:nvSpPr>
-        <p:spPr>
-          <a:xfrm>
-            <a:off x="2361450" y="131951"/>
-            <a:ext cx="8136900" cy="498599"/>
-          </a:xfrm>
-          <a:prstGeom prst="rect">
-            <a:avLst/>
-          </a:prstGeom>
-        </p:spPr>
-        <p:txBody>
-          <a:bodyPr lIns="91425" tIns="91425" rIns="91425" bIns="91425" anchor="b" anchorCtr="0">
-            <a:noAutofit/>
-          </a:bodyPr>
-          <a:lstStyle/>
-          <a:p>
-            <a:r>
-              <a:rPr lang="en-US" sz="3000" dirty="0">
-                <a:solidFill>
-                  <a:srgbClr val="003366"/>
-                </a:solidFill>
-              </a:rPr>
-              <a:t>Overall system identification</a:t>
-            </a:r>
-          </a:p>
-        </p:txBody>
-      </p:sp>
-      <p:pic>
-        <p:nvPicPr>
-          <p:cNvPr id="38" name="Shape 38"/>
-          <p:cNvPicPr preferRelativeResize="0"/>
-          <p:nvPr/>
-        </p:nvPicPr>
-        <p:blipFill>
-          <a:blip r:embed="rId4">
-            <a:alphaModFix/>
-          </a:blip>
-          <a:stretch>
-            <a:fillRect/>
-          </a:stretch>
-        </p:blipFill>
-        <p:spPr>
-          <a:xfrm>
-            <a:off x="1606450" y="65950"/>
-            <a:ext cx="464900" cy="498650"/>
-          </a:xfrm>
-          <a:prstGeom prst="rect">
-            <a:avLst/>
-          </a:prstGeom>
-          <a:noFill/>
-          <a:ln>
-            <a:noFill/>
-          </a:ln>
-        </p:spPr>
-      </p:pic>
-      <p:pic>
-        <p:nvPicPr>
-          <p:cNvPr id="39" name="Shape 39"/>
-          <p:cNvPicPr preferRelativeResize="0"/>
-          <p:nvPr/>
-        </p:nvPicPr>
-        <p:blipFill>
-          <a:blip r:embed="rId5">
-            <a:alphaModFix/>
-          </a:blip>
-          <a:stretch>
-            <a:fillRect/>
-          </a:stretch>
-        </p:blipFill>
-        <p:spPr>
-          <a:xfrm>
-            <a:off x="1524000" y="630540"/>
-            <a:ext cx="9143998" cy="97471"/>
-          </a:xfrm>
-          <a:prstGeom prst="rect">
-            <a:avLst/>
-          </a:prstGeom>
-          <a:noFill/>
-          <a:ln>
-            <a:noFill/>
-          </a:ln>
-        </p:spPr>
-      </p:pic>
-      <p:cxnSp>
-        <p:nvCxnSpPr>
-          <p:cNvPr id="40" name="Shape 40"/>
-          <p:cNvCxnSpPr/>
-          <p:nvPr/>
-        </p:nvCxnSpPr>
-        <p:spPr>
-          <a:xfrm rot="10800000">
-            <a:off x="2215550" y="126"/>
-            <a:ext cx="0" cy="630299"/>
-          </a:xfrm>
-          <a:prstGeom prst="straightConnector1">
-            <a:avLst/>
-          </a:prstGeom>
-          <a:noFill/>
-          <a:ln w="9525" cap="flat" cmpd="sng">
-            <a:solidFill>
-              <a:srgbClr val="003366"/>
-            </a:solidFill>
-            <a:prstDash val="solid"/>
-            <a:round/>
-            <a:headEnd type="none" w="lg" len="lg"/>
-            <a:tailEnd type="none" w="lg" len="lg"/>
-          </a:ln>
-        </p:spPr>
-      </p:cxnSp>
-      <p:sp>
-        <p:nvSpPr>
-          <p:cNvPr id="41" name="Shape 41"/>
-          <p:cNvSpPr txBox="1"/>
-          <p:nvPr/>
-        </p:nvSpPr>
-        <p:spPr>
-          <a:xfrm>
-            <a:off x="8307700" y="6531001"/>
-            <a:ext cx="2599200" cy="363899"/>
-          </a:xfrm>
-          <a:prstGeom prst="rect">
-            <a:avLst/>
-          </a:prstGeom>
-          <a:noFill/>
-          <a:ln>
-            <a:noFill/>
-          </a:ln>
-        </p:spPr>
-        <p:txBody>
-          <a:bodyPr lIns="91425" tIns="91425" rIns="91425" bIns="91425" anchor="t" anchorCtr="0">
-            <a:noAutofit/>
-          </a:bodyPr>
-          <a:lstStyle/>
-          <a:p>
-            <a:r>
-              <a:rPr lang="en-US" sz="1200" b="1" dirty="0">
-                <a:solidFill>
-                  <a:srgbClr val="FFFFFF"/>
-                </a:solidFill>
-              </a:rPr>
-              <a:t>POLITECNICO DI MILANO</a:t>
-            </a:r>
-          </a:p>
-        </p:txBody>
-      </p:sp>
-      <p:pic>
-        <p:nvPicPr>
-          <p:cNvPr id="42" name="Shape 42"/>
-          <p:cNvPicPr preferRelativeResize="0"/>
-          <p:nvPr/>
-        </p:nvPicPr>
-        <p:blipFill>
-          <a:blip r:embed="rId6">
-            <a:alphaModFix/>
-          </a:blip>
-          <a:stretch>
-            <a:fillRect/>
-          </a:stretch>
-        </p:blipFill>
-        <p:spPr>
-          <a:xfrm>
-            <a:off x="1524000" y="6571226"/>
-            <a:ext cx="9144000" cy="286775"/>
-          </a:xfrm>
-          <a:prstGeom prst="rect">
-            <a:avLst/>
-          </a:prstGeom>
-          <a:noFill/>
-          <a:ln>
-            <a:noFill/>
-          </a:ln>
-        </p:spPr>
-      </p:pic>
-      <p:sp>
-        <p:nvSpPr>
-          <p:cNvPr id="43" name="Shape 43"/>
-          <p:cNvSpPr txBox="1">
-            <a:spLocks noGrp="1"/>
-          </p:cNvSpPr>
-          <p:nvPr>
-            <p:ph type="ctrTitle" idx="4294967295"/>
-          </p:nvPr>
-        </p:nvSpPr>
-        <p:spPr>
-          <a:xfrm>
-            <a:off x="3575453" y="6500850"/>
-            <a:ext cx="3238799" cy="424199"/>
-          </a:xfrm>
-          <a:prstGeom prst="rect">
-            <a:avLst/>
-          </a:prstGeom>
-        </p:spPr>
-        <p:txBody>
-          <a:bodyPr lIns="91425" tIns="91425" rIns="91425" bIns="91425" anchor="ctr" anchorCtr="0">
-            <a:noAutofit/>
-          </a:bodyPr>
-          <a:lstStyle/>
-          <a:p>
-            <a:pPr indent="457200">
-              <a:lnSpc>
-                <a:spcPct val="115000"/>
-              </a:lnSpc>
-            </a:pPr>
-            <a:r>
-              <a:rPr lang="en-US" sz="1200" b="1">
-                <a:solidFill>
-                  <a:srgbClr val="003366"/>
-                </a:solidFill>
-              </a:rPr>
-              <a:t>Control of linear vibrations</a:t>
-            </a:r>
-            <a:endParaRPr lang="en-US" sz="1300" b="1" dirty="0">
-              <a:solidFill>
-                <a:srgbClr val="003366"/>
-              </a:solidFill>
-            </a:endParaRPr>
-          </a:p>
-        </p:txBody>
-      </p:sp>
-      <p:sp>
-        <p:nvSpPr>
-          <p:cNvPr id="45" name="Rectangle 39"/>
-          <p:cNvSpPr>
-            <a:spLocks noChangeArrowheads="1"/>
-          </p:cNvSpPr>
-          <p:nvPr/>
-        </p:nvSpPr>
-        <p:spPr bwMode="auto">
-          <a:xfrm>
-            <a:off x="2092269" y="1929808"/>
-            <a:ext cx="12192000" cy="457200"/>
-          </a:xfrm>
-          <a:prstGeom prst="rect">
-            <a:avLst/>
-          </a:prstGeom>
-          <a:noFill/>
-          <a:ln>
-            <a:noFill/>
-          </a:ln>
-          <a:effectLst/>
-          <a:extLst>
-            <a:ext uri="{909E8E84-426E-40DD-AFC4-6F175D3DCCD1}">
-              <a14:hiddenFill xmlns:a14="http://schemas.microsoft.com/office/drawing/2010/main">
-                <a:solidFill>
-                  <a:schemeClr val="accent1"/>
-                </a:solidFill>
-              </a14:hiddenFill>
-            </a:ext>
-            <a:ext uri="{91240B29-F687-4F45-9708-019B960494DF}">
-              <a14:hiddenLine xmlns:a14="http://schemas.microsoft.com/office/drawing/2010/main" w="9525">
-                <a:solidFill>
-                  <a:schemeClr val="tx1"/>
-                </a:solidFill>
-                <a:miter lim="800000"/>
-                <a:headEnd/>
-                <a:tailEnd/>
-              </a14:hiddenLine>
-            </a:ext>
-            <a:ext uri="{AF507438-7753-43E0-B8FC-AC1667EBCBE1}">
-              <a14:hiddenEffects xmlns:a14="http://schemas.microsoft.com/office/drawing/2010/main">
-                <a:effectLst>
-                  <a:outerShdw dist="35921" dir="2700000" algn="ctr" rotWithShape="0">
-                    <a:schemeClr val="bg2"/>
-                  </a:outerShdw>
-                </a:effectLst>
-              </a14:hiddenEffects>
-            </a:ext>
-          </a:extLst>
-        </p:spPr>
-        <p:txBody>
-          <a:bodyPr vert="horz" wrap="none" lIns="91440" tIns="45720" rIns="91440" bIns="45720" numCol="1" anchor="ctr" anchorCtr="0" compatLnSpc="1">
-            <a:prstTxWarp prst="textNoShape">
-              <a:avLst/>
-            </a:prstTxWarp>
-            <a:spAutoFit/>
-          </a:bodyPr>
-          <a:lstStyle/>
-          <a:p>
-            <a:endParaRPr lang="en-US"/>
-          </a:p>
-        </p:txBody>
-      </p:sp>
-      <p:sp>
-        <p:nvSpPr>
-          <p:cNvPr id="68" name="Rectangle 58"/>
-          <p:cNvSpPr>
-            <a:spLocks noChangeArrowheads="1"/>
-          </p:cNvSpPr>
-          <p:nvPr/>
-        </p:nvSpPr>
-        <p:spPr bwMode="auto">
-          <a:xfrm>
-            <a:off x="2528550" y="5686133"/>
-            <a:ext cx="12192000" cy="0"/>
-          </a:xfrm>
-          <a:prstGeom prst="rect">
-            <a:avLst/>
-          </a:prstGeom>
-          <a:noFill/>
-          <a:ln>
-            <a:noFill/>
-          </a:ln>
-          <a:effectLst/>
-          <a:extLst>
-            <a:ext uri="{909E8E84-426E-40DD-AFC4-6F175D3DCCD1}">
-              <a14:hiddenFill xmlns:a14="http://schemas.microsoft.com/office/drawing/2010/main">
-                <a:solidFill>
-                  <a:schemeClr val="accent1"/>
-                </a:solidFill>
-              </a14:hiddenFill>
-            </a:ext>
-            <a:ext uri="{91240B29-F687-4F45-9708-019B960494DF}">
-              <a14:hiddenLine xmlns:a14="http://schemas.microsoft.com/office/drawing/2010/main" w="9525">
-                <a:solidFill>
-                  <a:schemeClr val="tx1"/>
-                </a:solidFill>
-                <a:miter lim="800000"/>
-                <a:headEnd/>
-                <a:tailEnd/>
-              </a14:hiddenLine>
-            </a:ext>
-            <a:ext uri="{AF507438-7753-43E0-B8FC-AC1667EBCBE1}">
-              <a14:hiddenEffects xmlns:a14="http://schemas.microsoft.com/office/drawing/2010/main">
-                <a:effectLst>
-                  <a:outerShdw dist="35921" dir="2700000" algn="ctr" rotWithShape="0">
-                    <a:schemeClr val="bg2"/>
-                  </a:outerShdw>
-                </a:effectLst>
-              </a14:hiddenEffects>
-            </a:ext>
-          </a:extLst>
-        </p:spPr>
-        <p:txBody>
-          <a:bodyPr vert="horz" wrap="none" lIns="91440" tIns="45720" rIns="91440" bIns="45720" numCol="1" anchor="ctr" anchorCtr="0" compatLnSpc="1">
-            <a:prstTxWarp prst="textNoShape">
-              <a:avLst/>
-            </a:prstTxWarp>
-            <a:spAutoFit/>
-          </a:bodyPr>
-          <a:lstStyle/>
-          <a:p>
-            <a:endParaRPr lang="en-US"/>
-          </a:p>
-        </p:txBody>
-      </p:sp>
-      <p:graphicFrame>
-        <p:nvGraphicFramePr>
-          <p:cNvPr id="2" name="Oggetto 1"/>
-          <p:cNvGraphicFramePr>
-            <a:graphicFrameLocks noChangeAspect="1"/>
-          </p:cNvGraphicFramePr>
-          <p:nvPr>
-            <p:extLst>
-              <p:ext uri="{D42A27DB-BD31-4B8C-83A1-F6EECF244321}">
-                <p14:modId xmlns:p14="http://schemas.microsoft.com/office/powerpoint/2010/main" val="1752046061"/>
-              </p:ext>
-            </p:extLst>
-          </p:nvPr>
-        </p:nvGraphicFramePr>
-        <p:xfrm>
-          <a:off x="3047038" y="1180165"/>
-          <a:ext cx="2633391" cy="331145"/>
-        </p:xfrm>
-        <a:graphic>
-          <a:graphicData uri="http://schemas.openxmlformats.org/presentationml/2006/ole">
-            <mc:AlternateContent xmlns:mc="http://schemas.openxmlformats.org/markup-compatibility/2006">
-              <mc:Choice xmlns:v="urn:schemas-microsoft-com:vml" Requires="v">
-                <p:oleObj spid="_x0000_s8824" name="Equazione" r:id="rId7" imgW="1586811" imgH="203112" progId="Equation.3">
-                  <p:embed/>
-                </p:oleObj>
-              </mc:Choice>
-              <mc:Fallback>
-                <p:oleObj name="Equazione" r:id="rId7" imgW="1586811" imgH="203112" progId="Equation.3">
-                  <p:embed/>
-                  <p:pic>
-                    <p:nvPicPr>
-                      <p:cNvPr id="0" name="Object 14"/>
-                      <p:cNvPicPr>
-                        <a:picLocks noChangeAspect="1" noChangeArrowheads="1"/>
-                      </p:cNvPicPr>
-                      <p:nvPr/>
-                    </p:nvPicPr>
-                    <p:blipFill>
-                      <a:blip r:embed="rId8">
-                        <a:extLst>
-                          <a:ext uri="{28A0092B-C50C-407E-A947-70E740481C1C}">
-                            <a14:useLocalDpi xmlns:a14="http://schemas.microsoft.com/office/drawing/2010/main" val="0"/>
-                          </a:ext>
-                        </a:extLst>
-                      </a:blip>
-                      <a:srcRect/>
-                      <a:stretch>
-                        <a:fillRect/>
-                      </a:stretch>
-                    </p:blipFill>
-                    <p:spPr bwMode="auto">
-                      <a:xfrm>
-                        <a:off x="3047038" y="1180165"/>
-                        <a:ext cx="2633391" cy="331145"/>
-                      </a:xfrm>
-                      <a:prstGeom prst="rect">
-                        <a:avLst/>
-                      </a:prstGeom>
-                      <a:noFill/>
-                    </p:spPr>
-                  </p:pic>
-                </p:oleObj>
-              </mc:Fallback>
-            </mc:AlternateContent>
-          </a:graphicData>
-        </a:graphic>
-      </p:graphicFrame>
-      <p:graphicFrame>
-        <p:nvGraphicFramePr>
-          <p:cNvPr id="3" name="Oggetto 2"/>
-          <p:cNvGraphicFramePr>
-            <a:graphicFrameLocks noChangeAspect="1"/>
-          </p:cNvGraphicFramePr>
-          <p:nvPr>
-            <p:extLst>
-              <p:ext uri="{D42A27DB-BD31-4B8C-83A1-F6EECF244321}">
-                <p14:modId xmlns:p14="http://schemas.microsoft.com/office/powerpoint/2010/main" val="1360940687"/>
-              </p:ext>
-            </p:extLst>
-          </p:nvPr>
-        </p:nvGraphicFramePr>
-        <p:xfrm>
-          <a:off x="6922737" y="1164226"/>
-          <a:ext cx="2077338" cy="372951"/>
-        </p:xfrm>
-        <a:graphic>
-          <a:graphicData uri="http://schemas.openxmlformats.org/presentationml/2006/ole">
-            <mc:AlternateContent xmlns:mc="http://schemas.openxmlformats.org/markup-compatibility/2006">
-              <mc:Choice xmlns:v="urn:schemas-microsoft-com:vml" Requires="v">
-                <p:oleObj spid="_x0000_s8825" name="Equazione" r:id="rId9" imgW="1257300" imgH="228600" progId="Equation.3">
-                  <p:embed/>
-                </p:oleObj>
-              </mc:Choice>
-              <mc:Fallback>
-                <p:oleObj name="Equazione" r:id="rId9" imgW="1257300" imgH="228600" progId="Equation.3">
-                  <p:embed/>
-                  <p:pic>
-                    <p:nvPicPr>
-                      <p:cNvPr id="0" name="Object 13"/>
-                      <p:cNvPicPr>
-                        <a:picLocks noChangeAspect="1" noChangeArrowheads="1"/>
-                      </p:cNvPicPr>
-                      <p:nvPr/>
-                    </p:nvPicPr>
-                    <p:blipFill>
-                      <a:blip r:embed="rId10">
-                        <a:extLst>
-                          <a:ext uri="{28A0092B-C50C-407E-A947-70E740481C1C}">
-                            <a14:useLocalDpi xmlns:a14="http://schemas.microsoft.com/office/drawing/2010/main" val="0"/>
-                          </a:ext>
-                        </a:extLst>
-                      </a:blip>
-                      <a:srcRect/>
-                      <a:stretch>
-                        <a:fillRect/>
-                      </a:stretch>
-                    </p:blipFill>
-                    <p:spPr bwMode="auto">
-                      <a:xfrm>
-                        <a:off x="6922737" y="1164226"/>
-                        <a:ext cx="2077338" cy="372951"/>
-                      </a:xfrm>
-                      <a:prstGeom prst="rect">
-                        <a:avLst/>
-                      </a:prstGeom>
-                      <a:noFill/>
-                    </p:spPr>
-                  </p:pic>
-                </p:oleObj>
-              </mc:Fallback>
-            </mc:AlternateContent>
-          </a:graphicData>
-        </a:graphic>
-      </p:graphicFrame>
-      <p:graphicFrame>
-        <p:nvGraphicFramePr>
-          <p:cNvPr id="4" name="Oggetto 3"/>
-          <p:cNvGraphicFramePr>
-            <a:graphicFrameLocks noChangeAspect="1"/>
-          </p:cNvGraphicFramePr>
-          <p:nvPr>
-            <p:extLst>
-              <p:ext uri="{D42A27DB-BD31-4B8C-83A1-F6EECF244321}">
-                <p14:modId xmlns:p14="http://schemas.microsoft.com/office/powerpoint/2010/main" val="2228260121"/>
-              </p:ext>
-            </p:extLst>
-          </p:nvPr>
-        </p:nvGraphicFramePr>
-        <p:xfrm>
-          <a:off x="3193025" y="1548649"/>
-          <a:ext cx="1914602" cy="409103"/>
-        </p:xfrm>
-        <a:graphic>
-          <a:graphicData uri="http://schemas.openxmlformats.org/presentationml/2006/ole">
-            <mc:AlternateContent xmlns:mc="http://schemas.openxmlformats.org/markup-compatibility/2006">
-              <mc:Choice xmlns:v="urn:schemas-microsoft-com:vml" Requires="v">
-                <p:oleObj spid="_x0000_s8826" name="Equazione" r:id="rId11" imgW="1117600" imgH="241300" progId="Equation.3">
-                  <p:embed/>
-                </p:oleObj>
-              </mc:Choice>
-              <mc:Fallback>
-                <p:oleObj name="Equazione" r:id="rId11" imgW="1117600" imgH="241300" progId="Equation.3">
-                  <p:embed/>
-                  <p:pic>
-                    <p:nvPicPr>
-                      <p:cNvPr id="0" name="Object 12"/>
-                      <p:cNvPicPr>
-                        <a:picLocks noChangeAspect="1" noChangeArrowheads="1"/>
-                      </p:cNvPicPr>
-                      <p:nvPr/>
-                    </p:nvPicPr>
-                    <p:blipFill>
-                      <a:blip r:embed="rId12">
-                        <a:extLst>
-                          <a:ext uri="{28A0092B-C50C-407E-A947-70E740481C1C}">
-                            <a14:useLocalDpi xmlns:a14="http://schemas.microsoft.com/office/drawing/2010/main" val="0"/>
-                          </a:ext>
-                        </a:extLst>
-                      </a:blip>
-                      <a:srcRect/>
-                      <a:stretch>
-                        <a:fillRect/>
-                      </a:stretch>
-                    </p:blipFill>
-                    <p:spPr bwMode="auto">
-                      <a:xfrm>
-                        <a:off x="3193025" y="1548649"/>
-                        <a:ext cx="1914602" cy="409103"/>
-                      </a:xfrm>
-                      <a:prstGeom prst="rect">
-                        <a:avLst/>
-                      </a:prstGeom>
-                      <a:noFill/>
-                    </p:spPr>
-                  </p:pic>
-                </p:oleObj>
-              </mc:Fallback>
-            </mc:AlternateContent>
-          </a:graphicData>
-        </a:graphic>
-      </p:graphicFrame>
-      <p:graphicFrame>
-        <p:nvGraphicFramePr>
-          <p:cNvPr id="5" name="Oggetto 4"/>
-          <p:cNvGraphicFramePr>
-            <a:graphicFrameLocks noChangeAspect="1"/>
-          </p:cNvGraphicFramePr>
-          <p:nvPr>
-            <p:extLst>
-              <p:ext uri="{D42A27DB-BD31-4B8C-83A1-F6EECF244321}">
-                <p14:modId xmlns:p14="http://schemas.microsoft.com/office/powerpoint/2010/main" val="3249851637"/>
-              </p:ext>
-            </p:extLst>
-          </p:nvPr>
-        </p:nvGraphicFramePr>
-        <p:xfrm>
-          <a:off x="5179752" y="1548649"/>
-          <a:ext cx="1977846" cy="415514"/>
-        </p:xfrm>
-        <a:graphic>
-          <a:graphicData uri="http://schemas.openxmlformats.org/presentationml/2006/ole">
-            <mc:AlternateContent xmlns:mc="http://schemas.openxmlformats.org/markup-compatibility/2006">
-              <mc:Choice xmlns:v="urn:schemas-microsoft-com:vml" Requires="v">
-                <p:oleObj spid="_x0000_s8827" name="Equazione" r:id="rId13" imgW="1129810" imgH="241195" progId="Equation.3">
-                  <p:embed/>
-                </p:oleObj>
-              </mc:Choice>
-              <mc:Fallback>
-                <p:oleObj name="Equazione" r:id="rId13" imgW="1129810" imgH="241195" progId="Equation.3">
-                  <p:embed/>
-                  <p:pic>
-                    <p:nvPicPr>
-                      <p:cNvPr id="0" name="Object 11"/>
-                      <p:cNvPicPr>
-                        <a:picLocks noChangeAspect="1" noChangeArrowheads="1"/>
-                      </p:cNvPicPr>
-                      <p:nvPr/>
-                    </p:nvPicPr>
-                    <p:blipFill>
-                      <a:blip r:embed="rId14">
-                        <a:extLst>
-                          <a:ext uri="{28A0092B-C50C-407E-A947-70E740481C1C}">
-                            <a14:useLocalDpi xmlns:a14="http://schemas.microsoft.com/office/drawing/2010/main" val="0"/>
-                          </a:ext>
-                        </a:extLst>
-                      </a:blip>
-                      <a:srcRect/>
-                      <a:stretch>
-                        <a:fillRect/>
-                      </a:stretch>
-                    </p:blipFill>
-                    <p:spPr bwMode="auto">
-                      <a:xfrm>
-                        <a:off x="5179752" y="1548649"/>
-                        <a:ext cx="1977846" cy="415514"/>
-                      </a:xfrm>
-                      <a:prstGeom prst="rect">
-                        <a:avLst/>
-                      </a:prstGeom>
-                      <a:noFill/>
-                    </p:spPr>
-                  </p:pic>
-                </p:oleObj>
-              </mc:Fallback>
-            </mc:AlternateContent>
-          </a:graphicData>
-        </a:graphic>
-      </p:graphicFrame>
-      <p:graphicFrame>
-        <p:nvGraphicFramePr>
-          <p:cNvPr id="6" name="Oggetto 5"/>
-          <p:cNvGraphicFramePr>
-            <a:graphicFrameLocks noChangeAspect="1"/>
-          </p:cNvGraphicFramePr>
-          <p:nvPr>
-            <p:extLst>
-              <p:ext uri="{D42A27DB-BD31-4B8C-83A1-F6EECF244321}">
-                <p14:modId xmlns:p14="http://schemas.microsoft.com/office/powerpoint/2010/main" val="3112899202"/>
-              </p:ext>
-            </p:extLst>
-          </p:nvPr>
-        </p:nvGraphicFramePr>
-        <p:xfrm>
-          <a:off x="7183771" y="1517985"/>
-          <a:ext cx="1888251" cy="414090"/>
-        </p:xfrm>
-        <a:graphic>
-          <a:graphicData uri="http://schemas.openxmlformats.org/presentationml/2006/ole">
-            <mc:AlternateContent xmlns:mc="http://schemas.openxmlformats.org/markup-compatibility/2006">
-              <mc:Choice xmlns:v="urn:schemas-microsoft-com:vml" Requires="v">
-                <p:oleObj spid="_x0000_s8828" name="Equazione" r:id="rId15" imgW="1091726" imgH="241195" progId="Equation.3">
-                  <p:embed/>
-                </p:oleObj>
-              </mc:Choice>
-              <mc:Fallback>
-                <p:oleObj name="Equazione" r:id="rId15" imgW="1091726" imgH="241195" progId="Equation.3">
-                  <p:embed/>
-                  <p:pic>
-                    <p:nvPicPr>
-                      <p:cNvPr id="0" name="Object 10"/>
-                      <p:cNvPicPr>
-                        <a:picLocks noChangeAspect="1" noChangeArrowheads="1"/>
-                      </p:cNvPicPr>
-                      <p:nvPr/>
-                    </p:nvPicPr>
-                    <p:blipFill>
-                      <a:blip r:embed="rId16">
-                        <a:extLst>
-                          <a:ext uri="{28A0092B-C50C-407E-A947-70E740481C1C}">
-                            <a14:useLocalDpi xmlns:a14="http://schemas.microsoft.com/office/drawing/2010/main" val="0"/>
-                          </a:ext>
-                        </a:extLst>
-                      </a:blip>
-                      <a:srcRect/>
-                      <a:stretch>
-                        <a:fillRect/>
-                      </a:stretch>
-                    </p:blipFill>
-                    <p:spPr bwMode="auto">
-                      <a:xfrm>
-                        <a:off x="7183771" y="1517985"/>
-                        <a:ext cx="1888251" cy="414090"/>
-                      </a:xfrm>
-                      <a:prstGeom prst="rect">
-                        <a:avLst/>
-                      </a:prstGeom>
-                      <a:noFill/>
-                    </p:spPr>
-                  </p:pic>
-                </p:oleObj>
-              </mc:Fallback>
-            </mc:AlternateContent>
-          </a:graphicData>
-        </a:graphic>
-      </p:graphicFrame>
-      <p:graphicFrame>
-        <p:nvGraphicFramePr>
-          <p:cNvPr id="7" name="Oggetto 6"/>
-          <p:cNvGraphicFramePr>
-            <a:graphicFrameLocks noChangeAspect="1"/>
-          </p:cNvGraphicFramePr>
-          <p:nvPr>
-            <p:extLst>
-              <p:ext uri="{D42A27DB-BD31-4B8C-83A1-F6EECF244321}">
-                <p14:modId xmlns:p14="http://schemas.microsoft.com/office/powerpoint/2010/main" val="4262451778"/>
-              </p:ext>
-            </p:extLst>
-          </p:nvPr>
-        </p:nvGraphicFramePr>
-        <p:xfrm>
-          <a:off x="2174948" y="2400460"/>
-          <a:ext cx="2654042" cy="368617"/>
-        </p:xfrm>
-        <a:graphic>
-          <a:graphicData uri="http://schemas.openxmlformats.org/presentationml/2006/ole">
-            <mc:AlternateContent xmlns:mc="http://schemas.openxmlformats.org/markup-compatibility/2006">
-              <mc:Choice xmlns:v="urn:schemas-microsoft-com:vml" Requires="v">
-                <p:oleObj spid="_x0000_s8829" name="Equazione" r:id="rId17" imgW="1714500" imgH="241300" progId="Equation.3">
-                  <p:embed/>
-                </p:oleObj>
-              </mc:Choice>
-              <mc:Fallback>
-                <p:oleObj name="Equazione" r:id="rId17" imgW="1714500" imgH="241300" progId="Equation.3">
-                  <p:embed/>
-                  <p:pic>
-                    <p:nvPicPr>
-                      <p:cNvPr id="0" name="Object 9"/>
-                      <p:cNvPicPr>
-                        <a:picLocks noChangeAspect="1" noChangeArrowheads="1"/>
-                      </p:cNvPicPr>
-                      <p:nvPr/>
-                    </p:nvPicPr>
-                    <p:blipFill>
-                      <a:blip r:embed="rId18">
-                        <a:extLst>
-                          <a:ext uri="{28A0092B-C50C-407E-A947-70E740481C1C}">
-                            <a14:useLocalDpi xmlns:a14="http://schemas.microsoft.com/office/drawing/2010/main" val="0"/>
-                          </a:ext>
-                        </a:extLst>
-                      </a:blip>
-                      <a:srcRect/>
-                      <a:stretch>
-                        <a:fillRect/>
-                      </a:stretch>
-                    </p:blipFill>
-                    <p:spPr bwMode="auto">
-                      <a:xfrm>
-                        <a:off x="2174948" y="2400460"/>
-                        <a:ext cx="2654042" cy="368617"/>
-                      </a:xfrm>
-                      <a:prstGeom prst="rect">
-                        <a:avLst/>
-                      </a:prstGeom>
-                      <a:noFill/>
-                    </p:spPr>
-                  </p:pic>
-                </p:oleObj>
-              </mc:Fallback>
-            </mc:AlternateContent>
-          </a:graphicData>
-        </a:graphic>
-      </p:graphicFrame>
-      <p:graphicFrame>
-        <p:nvGraphicFramePr>
-          <p:cNvPr id="8" name="Oggetto 7"/>
-          <p:cNvGraphicFramePr>
-            <a:graphicFrameLocks noChangeAspect="1"/>
-          </p:cNvGraphicFramePr>
-          <p:nvPr>
-            <p:extLst>
-              <p:ext uri="{D42A27DB-BD31-4B8C-83A1-F6EECF244321}">
-                <p14:modId xmlns:p14="http://schemas.microsoft.com/office/powerpoint/2010/main" val="264571332"/>
-              </p:ext>
-            </p:extLst>
-          </p:nvPr>
-        </p:nvGraphicFramePr>
-        <p:xfrm>
-          <a:off x="4959086" y="2392787"/>
-          <a:ext cx="2565574" cy="368617"/>
-        </p:xfrm>
-        <a:graphic>
-          <a:graphicData uri="http://schemas.openxmlformats.org/presentationml/2006/ole">
-            <mc:AlternateContent xmlns:mc="http://schemas.openxmlformats.org/markup-compatibility/2006">
-              <mc:Choice xmlns:v="urn:schemas-microsoft-com:vml" Requires="v">
-                <p:oleObj spid="_x0000_s8830" name="Equazione" r:id="rId19" imgW="1663700" imgH="241300" progId="Equation.3">
-                  <p:embed/>
-                </p:oleObj>
-              </mc:Choice>
-              <mc:Fallback>
-                <p:oleObj name="Equazione" r:id="rId19" imgW="1663700" imgH="241300" progId="Equation.3">
-                  <p:embed/>
-                  <p:pic>
-                    <p:nvPicPr>
-                      <p:cNvPr id="0" name="Object 8"/>
-                      <p:cNvPicPr>
-                        <a:picLocks noChangeAspect="1" noChangeArrowheads="1"/>
-                      </p:cNvPicPr>
-                      <p:nvPr/>
-                    </p:nvPicPr>
-                    <p:blipFill>
-                      <a:blip r:embed="rId20">
-                        <a:extLst>
-                          <a:ext uri="{28A0092B-C50C-407E-A947-70E740481C1C}">
-                            <a14:useLocalDpi xmlns:a14="http://schemas.microsoft.com/office/drawing/2010/main" val="0"/>
-                          </a:ext>
-                        </a:extLst>
-                      </a:blip>
-                      <a:srcRect/>
-                      <a:stretch>
-                        <a:fillRect/>
-                      </a:stretch>
-                    </p:blipFill>
-                    <p:spPr bwMode="auto">
-                      <a:xfrm>
-                        <a:off x="4959086" y="2392787"/>
-                        <a:ext cx="2565574" cy="368617"/>
-                      </a:xfrm>
-                      <a:prstGeom prst="rect">
-                        <a:avLst/>
-                      </a:prstGeom>
-                      <a:noFill/>
-                    </p:spPr>
-                  </p:pic>
-                </p:oleObj>
-              </mc:Fallback>
-            </mc:AlternateContent>
-          </a:graphicData>
-        </a:graphic>
-      </p:graphicFrame>
-      <p:graphicFrame>
-        <p:nvGraphicFramePr>
-          <p:cNvPr id="9" name="Oggetto 8"/>
-          <p:cNvGraphicFramePr>
-            <a:graphicFrameLocks noChangeAspect="1"/>
-          </p:cNvGraphicFramePr>
-          <p:nvPr>
-            <p:extLst>
-              <p:ext uri="{D42A27DB-BD31-4B8C-83A1-F6EECF244321}">
-                <p14:modId xmlns:p14="http://schemas.microsoft.com/office/powerpoint/2010/main" val="2358037230"/>
-              </p:ext>
-            </p:extLst>
-          </p:nvPr>
-        </p:nvGraphicFramePr>
-        <p:xfrm>
-          <a:off x="7654576" y="2400459"/>
-          <a:ext cx="2506596" cy="368617"/>
-        </p:xfrm>
-        <a:graphic>
-          <a:graphicData uri="http://schemas.openxmlformats.org/presentationml/2006/ole">
-            <mc:AlternateContent xmlns:mc="http://schemas.openxmlformats.org/markup-compatibility/2006">
-              <mc:Choice xmlns:v="urn:schemas-microsoft-com:vml" Requires="v">
-                <p:oleObj spid="_x0000_s8831" name="Equazione" r:id="rId21" imgW="1625600" imgH="241300" progId="Equation.3">
-                  <p:embed/>
-                </p:oleObj>
-              </mc:Choice>
-              <mc:Fallback>
-                <p:oleObj name="Equazione" r:id="rId21" imgW="1625600" imgH="241300" progId="Equation.3">
-                  <p:embed/>
-                  <p:pic>
-                    <p:nvPicPr>
-                      <p:cNvPr id="0" name="Object 7"/>
-                      <p:cNvPicPr>
-                        <a:picLocks noChangeAspect="1" noChangeArrowheads="1"/>
-                      </p:cNvPicPr>
-                      <p:nvPr/>
-                    </p:nvPicPr>
-                    <p:blipFill>
-                      <a:blip r:embed="rId22">
-                        <a:extLst>
-                          <a:ext uri="{28A0092B-C50C-407E-A947-70E740481C1C}">
-                            <a14:useLocalDpi xmlns:a14="http://schemas.microsoft.com/office/drawing/2010/main" val="0"/>
-                          </a:ext>
-                        </a:extLst>
-                      </a:blip>
-                      <a:srcRect/>
-                      <a:stretch>
-                        <a:fillRect/>
-                      </a:stretch>
-                    </p:blipFill>
-                    <p:spPr bwMode="auto">
-                      <a:xfrm>
-                        <a:off x="7654576" y="2400459"/>
-                        <a:ext cx="2506596" cy="368617"/>
-                      </a:xfrm>
-                      <a:prstGeom prst="rect">
-                        <a:avLst/>
-                      </a:prstGeom>
-                      <a:noFill/>
-                    </p:spPr>
-                  </p:pic>
-                </p:oleObj>
-              </mc:Fallback>
-            </mc:AlternateContent>
-          </a:graphicData>
-        </a:graphic>
-      </p:graphicFrame>
-      <p:graphicFrame>
-        <p:nvGraphicFramePr>
-          <p:cNvPr id="10" name="Oggetto 9"/>
-          <p:cNvGraphicFramePr>
-            <a:graphicFrameLocks noChangeAspect="1"/>
-          </p:cNvGraphicFramePr>
-          <p:nvPr>
-            <p:extLst>
-              <p:ext uri="{D42A27DB-BD31-4B8C-83A1-F6EECF244321}">
-                <p14:modId xmlns:p14="http://schemas.microsoft.com/office/powerpoint/2010/main" val="911520613"/>
-              </p:ext>
-            </p:extLst>
-          </p:nvPr>
-        </p:nvGraphicFramePr>
-        <p:xfrm>
-          <a:off x="2174948" y="2798658"/>
-          <a:ext cx="2403621" cy="408779"/>
-        </p:xfrm>
-        <a:graphic>
-          <a:graphicData uri="http://schemas.openxmlformats.org/presentationml/2006/ole">
-            <mc:AlternateContent xmlns:mc="http://schemas.openxmlformats.org/markup-compatibility/2006">
-              <mc:Choice xmlns:v="urn:schemas-microsoft-com:vml" Requires="v">
-                <p:oleObj spid="_x0000_s8832" name="Equazione" r:id="rId23" imgW="1397000" imgH="241300" progId="Equation.3">
-                  <p:embed/>
-                </p:oleObj>
-              </mc:Choice>
-              <mc:Fallback>
-                <p:oleObj name="Equazione" r:id="rId23" imgW="1397000" imgH="241300" progId="Equation.3">
-                  <p:embed/>
-                  <p:pic>
-                    <p:nvPicPr>
-                      <p:cNvPr id="0" name="Object 6"/>
-                      <p:cNvPicPr>
-                        <a:picLocks noChangeAspect="1" noChangeArrowheads="1"/>
-                      </p:cNvPicPr>
-                      <p:nvPr/>
-                    </p:nvPicPr>
-                    <p:blipFill>
-                      <a:blip r:embed="rId24">
-                        <a:extLst>
-                          <a:ext uri="{28A0092B-C50C-407E-A947-70E740481C1C}">
-                            <a14:useLocalDpi xmlns:a14="http://schemas.microsoft.com/office/drawing/2010/main" val="0"/>
-                          </a:ext>
-                        </a:extLst>
-                      </a:blip>
-                      <a:srcRect/>
-                      <a:stretch>
-                        <a:fillRect/>
-                      </a:stretch>
-                    </p:blipFill>
-                    <p:spPr bwMode="auto">
-                      <a:xfrm>
-                        <a:off x="2174948" y="2798658"/>
-                        <a:ext cx="2403621" cy="408779"/>
-                      </a:xfrm>
-                      <a:prstGeom prst="rect">
-                        <a:avLst/>
-                      </a:prstGeom>
-                      <a:noFill/>
-                    </p:spPr>
-                  </p:pic>
-                </p:oleObj>
-              </mc:Fallback>
-            </mc:AlternateContent>
-          </a:graphicData>
-        </a:graphic>
-      </p:graphicFrame>
-      <p:graphicFrame>
-        <p:nvGraphicFramePr>
-          <p:cNvPr id="11" name="Oggetto 10"/>
-          <p:cNvGraphicFramePr>
-            <a:graphicFrameLocks noChangeAspect="1"/>
-          </p:cNvGraphicFramePr>
-          <p:nvPr>
-            <p:extLst>
-              <p:ext uri="{D42A27DB-BD31-4B8C-83A1-F6EECF244321}">
-                <p14:modId xmlns:p14="http://schemas.microsoft.com/office/powerpoint/2010/main" val="872439100"/>
-              </p:ext>
-            </p:extLst>
-          </p:nvPr>
-        </p:nvGraphicFramePr>
-        <p:xfrm>
-          <a:off x="4619250" y="2784492"/>
-          <a:ext cx="2437985" cy="411822"/>
-        </p:xfrm>
-        <a:graphic>
-          <a:graphicData uri="http://schemas.openxmlformats.org/presentationml/2006/ole">
-            <mc:AlternateContent xmlns:mc="http://schemas.openxmlformats.org/markup-compatibility/2006">
-              <mc:Choice xmlns:v="urn:schemas-microsoft-com:vml" Requires="v">
-                <p:oleObj spid="_x0000_s8833" name="Equazione" r:id="rId25" imgW="1409400" imgH="241200" progId="Equation.3">
-                  <p:embed/>
-                </p:oleObj>
-              </mc:Choice>
-              <mc:Fallback>
-                <p:oleObj name="Equazione" r:id="rId25" imgW="1409400" imgH="241200" progId="Equation.3">
-                  <p:embed/>
-                  <p:pic>
-                    <p:nvPicPr>
-                      <p:cNvPr id="0" name="Object 5"/>
-                      <p:cNvPicPr>
-                        <a:picLocks noChangeAspect="1" noChangeArrowheads="1"/>
-                      </p:cNvPicPr>
-                      <p:nvPr/>
-                    </p:nvPicPr>
-                    <p:blipFill>
-                      <a:blip r:embed="rId26"/>
-                      <a:srcRect/>
-                      <a:stretch>
-                        <a:fillRect/>
-                      </a:stretch>
-                    </p:blipFill>
-                    <p:spPr bwMode="auto">
-                      <a:xfrm>
-                        <a:off x="4619250" y="2784492"/>
-                        <a:ext cx="2437985" cy="411822"/>
-                      </a:xfrm>
-                      <a:prstGeom prst="rect">
-                        <a:avLst/>
-                      </a:prstGeom>
-                      <a:noFill/>
-                    </p:spPr>
-                  </p:pic>
-                </p:oleObj>
-              </mc:Fallback>
-            </mc:AlternateContent>
-          </a:graphicData>
-        </a:graphic>
-      </p:graphicFrame>
-      <p:graphicFrame>
-        <p:nvGraphicFramePr>
-          <p:cNvPr id="12" name="Oggetto 11"/>
-          <p:cNvGraphicFramePr>
-            <a:graphicFrameLocks noChangeAspect="1"/>
-          </p:cNvGraphicFramePr>
-          <p:nvPr>
-            <p:extLst>
-              <p:ext uri="{D42A27DB-BD31-4B8C-83A1-F6EECF244321}">
-                <p14:modId xmlns:p14="http://schemas.microsoft.com/office/powerpoint/2010/main" val="763218110"/>
-              </p:ext>
-            </p:extLst>
-          </p:nvPr>
-        </p:nvGraphicFramePr>
-        <p:xfrm>
-          <a:off x="7140472" y="2790195"/>
-          <a:ext cx="2314615" cy="393642"/>
-        </p:xfrm>
-        <a:graphic>
-          <a:graphicData uri="http://schemas.openxmlformats.org/presentationml/2006/ole">
-            <mc:AlternateContent xmlns:mc="http://schemas.openxmlformats.org/markup-compatibility/2006">
-              <mc:Choice xmlns:v="urn:schemas-microsoft-com:vml" Requires="v">
-                <p:oleObj spid="_x0000_s8834" name="Equazione" r:id="rId27" imgW="1396800" imgH="241200" progId="Equation.3">
-                  <p:embed/>
-                </p:oleObj>
-              </mc:Choice>
-              <mc:Fallback>
-                <p:oleObj name="Equazione" r:id="rId27" imgW="1396800" imgH="241200" progId="Equation.3">
-                  <p:embed/>
-                  <p:pic>
-                    <p:nvPicPr>
-                      <p:cNvPr id="0" name="Object 4"/>
-                      <p:cNvPicPr>
-                        <a:picLocks noChangeAspect="1" noChangeArrowheads="1"/>
-                      </p:cNvPicPr>
-                      <p:nvPr/>
-                    </p:nvPicPr>
-                    <p:blipFill>
-                      <a:blip r:embed="rId28"/>
-                      <a:srcRect/>
-                      <a:stretch>
-                        <a:fillRect/>
-                      </a:stretch>
-                    </p:blipFill>
-                    <p:spPr bwMode="auto">
-                      <a:xfrm>
-                        <a:off x="7140472" y="2790195"/>
-                        <a:ext cx="2314615" cy="393642"/>
-                      </a:xfrm>
-                      <a:prstGeom prst="rect">
-                        <a:avLst/>
-                      </a:prstGeom>
-                      <a:noFill/>
-                    </p:spPr>
-                  </p:pic>
-                </p:oleObj>
-              </mc:Fallback>
-            </mc:AlternateContent>
-          </a:graphicData>
-        </a:graphic>
-      </p:graphicFrame>
-      <p:graphicFrame>
-        <p:nvGraphicFramePr>
-          <p:cNvPr id="18" name="Oggetto 17"/>
-          <p:cNvGraphicFramePr>
-            <a:graphicFrameLocks noChangeAspect="1"/>
-          </p:cNvGraphicFramePr>
-          <p:nvPr>
-            <p:extLst>
-              <p:ext uri="{D42A27DB-BD31-4B8C-83A1-F6EECF244321}">
-                <p14:modId xmlns:p14="http://schemas.microsoft.com/office/powerpoint/2010/main" val="1426318477"/>
-              </p:ext>
-            </p:extLst>
-          </p:nvPr>
-        </p:nvGraphicFramePr>
-        <p:xfrm>
-          <a:off x="4039508" y="3244388"/>
-          <a:ext cx="2526407" cy="331332"/>
-        </p:xfrm>
-        <a:graphic>
-          <a:graphicData uri="http://schemas.openxmlformats.org/presentationml/2006/ole">
-            <mc:AlternateContent xmlns:mc="http://schemas.openxmlformats.org/markup-compatibility/2006">
-              <mc:Choice xmlns:v="urn:schemas-microsoft-com:vml" Requires="v">
-                <p:oleObj spid="_x0000_s8835" name="Equazione" r:id="rId29" imgW="1739880" imgH="228600" progId="Equation.3">
-                  <p:embed/>
-                </p:oleObj>
-              </mc:Choice>
-              <mc:Fallback>
-                <p:oleObj name="Equazione" r:id="rId29" imgW="1739880" imgH="228600" progId="Equation.3">
-                  <p:embed/>
-                  <p:pic>
-                    <p:nvPicPr>
-                      <p:cNvPr id="0" name="Object 3"/>
-                      <p:cNvPicPr>
-                        <a:picLocks noChangeAspect="1" noChangeArrowheads="1"/>
-                      </p:cNvPicPr>
-                      <p:nvPr/>
-                    </p:nvPicPr>
-                    <p:blipFill>
-                      <a:blip r:embed="rId30"/>
-                      <a:srcRect/>
-                      <a:stretch>
-                        <a:fillRect/>
-                      </a:stretch>
-                    </p:blipFill>
-                    <p:spPr bwMode="auto">
-                      <a:xfrm>
-                        <a:off x="4039508" y="3244388"/>
-                        <a:ext cx="2526407" cy="331332"/>
-                      </a:xfrm>
-                      <a:prstGeom prst="rect">
-                        <a:avLst/>
-                      </a:prstGeom>
-                      <a:noFill/>
-                    </p:spPr>
-                  </p:pic>
-                </p:oleObj>
-              </mc:Fallback>
-            </mc:AlternateContent>
-          </a:graphicData>
-        </a:graphic>
-      </p:graphicFrame>
-      <p:graphicFrame>
-        <p:nvGraphicFramePr>
-          <p:cNvPr id="21" name="Oggetto 20"/>
-          <p:cNvGraphicFramePr>
-            <a:graphicFrameLocks noChangeAspect="1"/>
-          </p:cNvGraphicFramePr>
-          <p:nvPr>
-            <p:extLst>
-              <p:ext uri="{D42A27DB-BD31-4B8C-83A1-F6EECF244321}">
-                <p14:modId xmlns:p14="http://schemas.microsoft.com/office/powerpoint/2010/main" val="2876414193"/>
-              </p:ext>
-            </p:extLst>
-          </p:nvPr>
-        </p:nvGraphicFramePr>
-        <p:xfrm>
-          <a:off x="6315653" y="3556335"/>
-          <a:ext cx="1460181" cy="625792"/>
-        </p:xfrm>
-        <a:graphic>
-          <a:graphicData uri="http://schemas.openxmlformats.org/presentationml/2006/ole">
-            <mc:AlternateContent xmlns:mc="http://schemas.openxmlformats.org/markup-compatibility/2006">
-              <mc:Choice xmlns:v="urn:schemas-microsoft-com:vml" Requires="v">
-                <p:oleObj spid="_x0000_s8836" name="Equazione" r:id="rId31" imgW="1002865" imgH="431613" progId="Equation.3">
-                  <p:embed/>
-                </p:oleObj>
-              </mc:Choice>
-              <mc:Fallback>
-                <p:oleObj name="Equazione" r:id="rId31" imgW="1002865" imgH="431613" progId="Equation.3">
-                  <p:embed/>
-                  <p:pic>
-                    <p:nvPicPr>
-                      <p:cNvPr id="0" name="Object 2"/>
-                      <p:cNvPicPr>
-                        <a:picLocks noChangeAspect="1" noChangeArrowheads="1"/>
-                      </p:cNvPicPr>
-                      <p:nvPr/>
-                    </p:nvPicPr>
-                    <p:blipFill>
-                      <a:blip r:embed="rId32">
-                        <a:extLst>
-                          <a:ext uri="{28A0092B-C50C-407E-A947-70E740481C1C}">
-                            <a14:useLocalDpi xmlns:a14="http://schemas.microsoft.com/office/drawing/2010/main" val="0"/>
-                          </a:ext>
-                        </a:extLst>
-                      </a:blip>
-                      <a:srcRect/>
-                      <a:stretch>
-                        <a:fillRect/>
-                      </a:stretch>
-                    </p:blipFill>
-                    <p:spPr bwMode="auto">
-                      <a:xfrm>
-                        <a:off x="6315653" y="3556335"/>
-                        <a:ext cx="1460181" cy="625792"/>
-                      </a:xfrm>
-                      <a:prstGeom prst="rect">
-                        <a:avLst/>
-                      </a:prstGeom>
-                      <a:noFill/>
-                    </p:spPr>
-                  </p:pic>
-                </p:oleObj>
-              </mc:Fallback>
-            </mc:AlternateContent>
-          </a:graphicData>
-        </a:graphic>
-      </p:graphicFrame>
-      <p:graphicFrame>
-        <p:nvGraphicFramePr>
-          <p:cNvPr id="24" name="Oggetto 23"/>
-          <p:cNvGraphicFramePr>
-            <a:graphicFrameLocks noChangeAspect="1"/>
-          </p:cNvGraphicFramePr>
-          <p:nvPr>
-            <p:extLst>
-              <p:ext uri="{D42A27DB-BD31-4B8C-83A1-F6EECF244321}">
-                <p14:modId xmlns:p14="http://schemas.microsoft.com/office/powerpoint/2010/main" val="2735532847"/>
-              </p:ext>
-            </p:extLst>
-          </p:nvPr>
-        </p:nvGraphicFramePr>
-        <p:xfrm>
-          <a:off x="8419903" y="3677967"/>
-          <a:ext cx="1304237" cy="361415"/>
-        </p:xfrm>
-        <a:graphic>
-          <a:graphicData uri="http://schemas.openxmlformats.org/presentationml/2006/ole">
-            <mc:AlternateContent xmlns:mc="http://schemas.openxmlformats.org/markup-compatibility/2006">
-              <mc:Choice xmlns:v="urn:schemas-microsoft-com:vml" Requires="v">
-                <p:oleObj spid="_x0000_s8837" name="Equazione" r:id="rId33" imgW="787058" imgH="215806" progId="Equation.3">
-                  <p:embed/>
-                </p:oleObj>
-              </mc:Choice>
-              <mc:Fallback>
-                <p:oleObj name="Equazione" r:id="rId33" imgW="787058" imgH="215806" progId="Equation.3">
-                  <p:embed/>
-                  <p:pic>
-                    <p:nvPicPr>
-                      <p:cNvPr id="0" name="Object 1"/>
-                      <p:cNvPicPr>
-                        <a:picLocks noChangeAspect="1" noChangeArrowheads="1"/>
-                      </p:cNvPicPr>
-                      <p:nvPr/>
-                    </p:nvPicPr>
-                    <p:blipFill>
-                      <a:blip r:embed="rId34">
-                        <a:extLst>
-                          <a:ext uri="{28A0092B-C50C-407E-A947-70E740481C1C}">
-                            <a14:useLocalDpi xmlns:a14="http://schemas.microsoft.com/office/drawing/2010/main" val="0"/>
-                          </a:ext>
-                        </a:extLst>
-                      </a:blip>
-                      <a:srcRect/>
-                      <a:stretch>
-                        <a:fillRect/>
-                      </a:stretch>
-                    </p:blipFill>
-                    <p:spPr bwMode="auto">
-                      <a:xfrm>
-                        <a:off x="8419903" y="3677967"/>
-                        <a:ext cx="1304237" cy="361415"/>
-                      </a:xfrm>
-                      <a:prstGeom prst="rect">
-                        <a:avLst/>
-                      </a:prstGeom>
-                      <a:noFill/>
-                    </p:spPr>
-                  </p:pic>
-                </p:oleObj>
-              </mc:Fallback>
-            </mc:AlternateContent>
-          </a:graphicData>
-        </a:graphic>
-      </p:graphicFrame>
-      <p:sp>
-        <p:nvSpPr>
-          <p:cNvPr id="26" name="Rectangle 15"/>
-          <p:cNvSpPr>
-            <a:spLocks noChangeArrowheads="1"/>
-          </p:cNvSpPr>
-          <p:nvPr/>
-        </p:nvSpPr>
-        <p:spPr bwMode="auto">
-          <a:xfrm>
-            <a:off x="1641995" y="1140009"/>
-            <a:ext cx="5443478" cy="369332"/>
-          </a:xfrm>
-          <a:prstGeom prst="rect">
-            <a:avLst/>
-          </a:prstGeom>
-          <a:noFill/>
-          <a:ln>
-            <a:noFill/>
-          </a:ln>
-          <a:effectLst/>
-          <a:extLst>
-            <a:ext uri="{909E8E84-426E-40DD-AFC4-6F175D3DCCD1}">
-              <a14:hiddenFill xmlns:a14="http://schemas.microsoft.com/office/drawing/2010/main">
-                <a:solidFill>
-                  <a:schemeClr val="accent1"/>
-                </a:solidFill>
-              </a14:hiddenFill>
-            </a:ext>
-            <a:ext uri="{91240B29-F687-4F45-9708-019B960494DF}">
-              <a14:hiddenLine xmlns:a14="http://schemas.microsoft.com/office/drawing/2010/main" w="9525">
-                <a:solidFill>
-                  <a:schemeClr val="tx1"/>
-                </a:solidFill>
-                <a:miter lim="800000"/>
-                <a:headEnd/>
-                <a:tailEnd/>
-              </a14:hiddenLine>
-            </a:ext>
-            <a:ext uri="{AF507438-7753-43E0-B8FC-AC1667EBCBE1}">
-              <a14:hiddenEffects xmlns:a14="http://schemas.microsoft.com/office/drawing/2010/main">
-                <a:effectLst>
-                  <a:outerShdw dist="35921" dir="2700000" algn="ctr" rotWithShape="0">
-                    <a:schemeClr val="bg2"/>
-                  </a:outerShdw>
-                </a:effectLst>
-              </a14:hiddenEffects>
-            </a:ext>
-          </a:extLst>
-        </p:spPr>
-        <p:txBody>
-          <a:bodyPr vert="horz" wrap="none" lIns="91440" tIns="45720" rIns="91440" bIns="45720" numCol="1" anchor="ctr" anchorCtr="0" compatLnSpc="1">
-            <a:prstTxWarp prst="textNoShape">
-              <a:avLst/>
-            </a:prstTxWarp>
-            <a:spAutoFit/>
-          </a:bodyPr>
-          <a:lstStyle/>
-          <a:p>
-            <a:pPr marL="0" marR="0" lvl="0" indent="0" algn="l" defTabSz="914400" rtl="0" eaLnBrk="0" fontAlgn="base" latinLnBrk="0" hangingPunct="0">
-              <a:lnSpc>
-                <a:spcPct val="100000"/>
-              </a:lnSpc>
-              <a:spcBef>
-                <a:spcPct val="0"/>
-              </a:spcBef>
-              <a:spcAft>
-                <a:spcPct val="0"/>
-              </a:spcAft>
-              <a:buClrTx/>
-              <a:buSzTx/>
-              <a:buFontTx/>
-              <a:buNone/>
-              <a:tabLst/>
-            </a:pPr>
-            <a:r>
-              <a:rPr kumimoji="0" lang="en-US" altLang="en-US" sz="1800" b="0" i="0" u="none" strike="noStrike" cap="none" normalizeH="0" baseline="0" dirty="0">
-                <a:ln>
-                  <a:noFill/>
-                </a:ln>
-                <a:solidFill>
-                  <a:schemeClr val="tx1"/>
-                </a:solidFill>
-                <a:effectLst/>
-                <a:latin typeface="Calibri" panose="020F0502020204030204" pitchFamily="34" charset="0"/>
-                <a:ea typeface="Calibri" panose="020F0502020204030204" pitchFamily="34" charset="0"/>
-                <a:cs typeface="Times New Roman" panose="02020603050405020304" pitchFamily="18" charset="0"/>
-              </a:rPr>
-              <a:t>System mass:			     ; Motor mass: </a:t>
-            </a:r>
-            <a:endParaRPr kumimoji="0" lang="en-US" altLang="en-US" sz="1800" b="0" i="0" u="none" strike="noStrike" cap="none" normalizeH="0" baseline="0" dirty="0">
-              <a:ln>
-                <a:noFill/>
-              </a:ln>
-              <a:solidFill>
-                <a:schemeClr val="tx1"/>
-              </a:solidFill>
-              <a:effectLst/>
-              <a:latin typeface="Arial" panose="020B0604020202020204" pitchFamily="34" charset="0"/>
-            </a:endParaRPr>
-          </a:p>
-        </p:txBody>
-      </p:sp>
-      <p:sp>
-        <p:nvSpPr>
-          <p:cNvPr id="29" name="Rectangle 17"/>
-          <p:cNvSpPr>
-            <a:spLocks noChangeArrowheads="1"/>
-          </p:cNvSpPr>
-          <p:nvPr/>
-        </p:nvSpPr>
-        <p:spPr bwMode="auto">
-          <a:xfrm>
-            <a:off x="1641995" y="1540364"/>
-            <a:ext cx="7734810" cy="369332"/>
-          </a:xfrm>
-          <a:prstGeom prst="rect">
-            <a:avLst/>
-          </a:prstGeom>
-          <a:noFill/>
-          <a:ln>
-            <a:noFill/>
-          </a:ln>
-          <a:effectLst/>
-          <a:extLst>
-            <a:ext uri="{909E8E84-426E-40DD-AFC4-6F175D3DCCD1}">
-              <a14:hiddenFill xmlns:a14="http://schemas.microsoft.com/office/drawing/2010/main">
-                <a:solidFill>
-                  <a:schemeClr val="accent1"/>
-                </a:solidFill>
-              </a14:hiddenFill>
-            </a:ext>
-            <a:ext uri="{91240B29-F687-4F45-9708-019B960494DF}">
-              <a14:hiddenLine xmlns:a14="http://schemas.microsoft.com/office/drawing/2010/main" w="9525">
-                <a:solidFill>
-                  <a:schemeClr val="tx1"/>
-                </a:solidFill>
-                <a:miter lim="800000"/>
-                <a:headEnd/>
-                <a:tailEnd/>
-              </a14:hiddenLine>
-            </a:ext>
-            <a:ext uri="{AF507438-7753-43E0-B8FC-AC1667EBCBE1}">
-              <a14:hiddenEffects xmlns:a14="http://schemas.microsoft.com/office/drawing/2010/main">
-                <a:effectLst>
-                  <a:outerShdw dist="35921" dir="2700000" algn="ctr" rotWithShape="0">
-                    <a:schemeClr val="bg2"/>
-                  </a:outerShdw>
-                </a:effectLst>
-              </a14:hiddenEffects>
-            </a:ext>
-          </a:extLst>
-        </p:spPr>
-        <p:txBody>
-          <a:bodyPr vert="horz" wrap="none" lIns="91440" tIns="45720" rIns="91440" bIns="45720" numCol="1" anchor="ctr" anchorCtr="0" compatLnSpc="1">
-            <a:prstTxWarp prst="textNoShape">
-              <a:avLst/>
-            </a:prstTxWarp>
-            <a:spAutoFit/>
-          </a:bodyPr>
-          <a:lstStyle/>
-          <a:p>
-            <a:pPr marL="0" marR="0" lvl="0" indent="0" algn="l" defTabSz="914400" rtl="0" eaLnBrk="0" fontAlgn="base" latinLnBrk="0" hangingPunct="0">
-              <a:lnSpc>
-                <a:spcPct val="100000"/>
-              </a:lnSpc>
-              <a:spcBef>
-                <a:spcPct val="0"/>
-              </a:spcBef>
-              <a:spcAft>
-                <a:spcPct val="0"/>
-              </a:spcAft>
-              <a:buClrTx/>
-              <a:buSzTx/>
-              <a:buFontTx/>
-              <a:buNone/>
-              <a:tabLst/>
-            </a:pPr>
-            <a:r>
-              <a:rPr kumimoji="0" lang="en-US" altLang="en-US" sz="1800" b="0" i="0" u="none" strike="noStrike" cap="none" normalizeH="0" baseline="0" dirty="0">
-                <a:ln>
-                  <a:noFill/>
-                </a:ln>
-                <a:solidFill>
-                  <a:schemeClr val="tx1"/>
-                </a:solidFill>
-                <a:effectLst/>
-                <a:latin typeface="Calibri" panose="020F0502020204030204" pitchFamily="34" charset="0"/>
-                <a:ea typeface="Calibri" panose="020F0502020204030204" pitchFamily="34" charset="0"/>
-                <a:cs typeface="Times New Roman" panose="02020603050405020304" pitchFamily="18" charset="0"/>
-              </a:rPr>
-              <a:t>System springs:		</a:t>
-            </a:r>
-            <a:r>
-              <a:rPr kumimoji="0" lang="en-US" altLang="en-US" sz="1800" b="0" i="0" u="none" strike="noStrike" cap="none" normalizeH="0" dirty="0">
-                <a:ln>
-                  <a:noFill/>
-                </a:ln>
-                <a:solidFill>
-                  <a:schemeClr val="tx1"/>
-                </a:solidFill>
-                <a:effectLst/>
-                <a:latin typeface="Calibri" panose="020F0502020204030204" pitchFamily="34" charset="0"/>
-                <a:ea typeface="Calibri" panose="020F0502020204030204" pitchFamily="34" charset="0"/>
-                <a:cs typeface="Times New Roman" panose="02020603050405020304" pitchFamily="18" charset="0"/>
-              </a:rPr>
-              <a:t>            ,		               ,			</a:t>
-            </a:r>
-            <a:r>
-              <a:rPr kumimoji="0" lang="en-US" altLang="en-US" sz="1800" b="0" i="0" u="none" strike="noStrike" cap="none" normalizeH="0" baseline="0" dirty="0">
-                <a:ln>
-                  <a:noFill/>
-                </a:ln>
-                <a:solidFill>
-                  <a:schemeClr val="tx1"/>
-                </a:solidFill>
-                <a:effectLst/>
-                <a:latin typeface="Calibri" panose="020F0502020204030204" pitchFamily="34" charset="0"/>
-                <a:ea typeface="Calibri" panose="020F0502020204030204" pitchFamily="34" charset="0"/>
-                <a:cs typeface="Times New Roman" panose="02020603050405020304" pitchFamily="18" charset="0"/>
-              </a:rPr>
-              <a:t> </a:t>
-            </a:r>
-            <a:endParaRPr kumimoji="0" lang="en-US" altLang="en-US" sz="1800" b="0" i="0" u="none" strike="noStrike" cap="none" normalizeH="0" baseline="0" dirty="0">
-              <a:ln>
-                <a:noFill/>
-              </a:ln>
-              <a:solidFill>
-                <a:schemeClr val="tx1"/>
-              </a:solidFill>
-              <a:effectLst/>
-              <a:latin typeface="Arial" panose="020B0604020202020204" pitchFamily="34" charset="0"/>
-            </a:endParaRPr>
-          </a:p>
-        </p:txBody>
-      </p:sp>
-      <p:sp>
-        <p:nvSpPr>
-          <p:cNvPr id="37" name="Rectangle 20"/>
-          <p:cNvSpPr>
-            <a:spLocks noChangeArrowheads="1"/>
-          </p:cNvSpPr>
-          <p:nvPr/>
-        </p:nvSpPr>
-        <p:spPr bwMode="auto">
-          <a:xfrm>
-            <a:off x="1641995" y="2032231"/>
-            <a:ext cx="3289940" cy="369332"/>
-          </a:xfrm>
-          <a:prstGeom prst="rect">
-            <a:avLst/>
-          </a:prstGeom>
-          <a:noFill/>
-          <a:ln>
-            <a:noFill/>
-          </a:ln>
-          <a:effectLst/>
-          <a:extLst>
-            <a:ext uri="{909E8E84-426E-40DD-AFC4-6F175D3DCCD1}">
-              <a14:hiddenFill xmlns:a14="http://schemas.microsoft.com/office/drawing/2010/main">
-                <a:solidFill>
-                  <a:schemeClr val="accent1"/>
-                </a:solidFill>
-              </a14:hiddenFill>
-            </a:ext>
-            <a:ext uri="{91240B29-F687-4F45-9708-019B960494DF}">
-              <a14:hiddenLine xmlns:a14="http://schemas.microsoft.com/office/drawing/2010/main" w="9525">
-                <a:solidFill>
-                  <a:schemeClr val="tx1"/>
-                </a:solidFill>
-                <a:miter lim="800000"/>
-                <a:headEnd/>
-                <a:tailEnd/>
-              </a14:hiddenLine>
-            </a:ext>
-            <a:ext uri="{AF507438-7753-43E0-B8FC-AC1667EBCBE1}">
-              <a14:hiddenEffects xmlns:a14="http://schemas.microsoft.com/office/drawing/2010/main">
-                <a:effectLst>
-                  <a:outerShdw dist="35921" dir="2700000" algn="ctr" rotWithShape="0">
-                    <a:schemeClr val="bg2"/>
-                  </a:outerShdw>
-                </a:effectLst>
-              </a14:hiddenEffects>
-            </a:ext>
-          </a:extLst>
-        </p:spPr>
-        <p:txBody>
-          <a:bodyPr vert="horz" wrap="none" lIns="91440" tIns="45720" rIns="91440" bIns="45720" numCol="1" anchor="ctr" anchorCtr="0" compatLnSpc="1">
-            <a:prstTxWarp prst="textNoShape">
-              <a:avLst/>
-            </a:prstTxWarp>
-            <a:spAutoFit/>
-          </a:bodyPr>
-          <a:lstStyle/>
-          <a:p>
-            <a:pPr marL="0" marR="0" lvl="0" indent="0" algn="l" defTabSz="914400" rtl="0" eaLnBrk="0" fontAlgn="base" latinLnBrk="0" hangingPunct="0">
-              <a:lnSpc>
-                <a:spcPct val="100000"/>
-              </a:lnSpc>
-              <a:spcBef>
-                <a:spcPct val="0"/>
-              </a:spcBef>
-              <a:spcAft>
-                <a:spcPct val="0"/>
-              </a:spcAft>
-              <a:buClrTx/>
-              <a:buSzTx/>
-              <a:buFontTx/>
-              <a:buNone/>
-              <a:tabLst/>
-            </a:pPr>
-            <a:r>
-              <a:rPr kumimoji="0" lang="en-US" altLang="en-US" sz="1800" b="0" i="0" u="none" strike="noStrike" cap="none" normalizeH="0" baseline="0" dirty="0">
-                <a:ln>
-                  <a:noFill/>
-                </a:ln>
-                <a:solidFill>
-                  <a:schemeClr val="tx1"/>
-                </a:solidFill>
-                <a:effectLst/>
-                <a:latin typeface="Calibri" panose="020F0502020204030204" pitchFamily="34" charset="0"/>
-                <a:ea typeface="Calibri" panose="020F0502020204030204" pitchFamily="34" charset="0"/>
-                <a:cs typeface="Times New Roman" panose="02020603050405020304" pitchFamily="18" charset="0"/>
-              </a:rPr>
-              <a:t>System damping(load/no load): </a:t>
-            </a:r>
-            <a:endParaRPr kumimoji="0" lang="en-US" altLang="en-US" sz="1800" b="0" i="0" u="none" strike="noStrike" cap="none" normalizeH="0" baseline="0" dirty="0">
-              <a:ln>
-                <a:noFill/>
-              </a:ln>
-              <a:solidFill>
-                <a:schemeClr val="tx1"/>
-              </a:solidFill>
-              <a:effectLst/>
-              <a:latin typeface="Arial" panose="020B0604020202020204" pitchFamily="34" charset="0"/>
-            </a:endParaRPr>
-          </a:p>
-        </p:txBody>
-      </p:sp>
-      <p:sp>
-        <p:nvSpPr>
-          <p:cNvPr id="44" name="Rectangle 21"/>
-          <p:cNvSpPr>
-            <a:spLocks noChangeArrowheads="1"/>
-          </p:cNvSpPr>
-          <p:nvPr/>
-        </p:nvSpPr>
-        <p:spPr bwMode="auto">
-          <a:xfrm>
-            <a:off x="4693832" y="2405524"/>
-            <a:ext cx="3012363" cy="369332"/>
-          </a:xfrm>
-          <a:prstGeom prst="rect">
-            <a:avLst/>
-          </a:prstGeom>
-          <a:noFill/>
-          <a:ln>
-            <a:noFill/>
-          </a:ln>
-          <a:effectLst/>
-          <a:extLst>
-            <a:ext uri="{909E8E84-426E-40DD-AFC4-6F175D3DCCD1}">
-              <a14:hiddenFill xmlns:a14="http://schemas.microsoft.com/office/drawing/2010/main">
-                <a:solidFill>
-                  <a:schemeClr val="accent1"/>
-                </a:solidFill>
-              </a14:hiddenFill>
-            </a:ext>
-            <a:ext uri="{91240B29-F687-4F45-9708-019B960494DF}">
-              <a14:hiddenLine xmlns:a14="http://schemas.microsoft.com/office/drawing/2010/main" w="9525">
-                <a:solidFill>
-                  <a:schemeClr val="tx1"/>
-                </a:solidFill>
-                <a:miter lim="800000"/>
-                <a:headEnd/>
-                <a:tailEnd/>
-              </a14:hiddenLine>
-            </a:ext>
-            <a:ext uri="{AF507438-7753-43E0-B8FC-AC1667EBCBE1}">
-              <a14:hiddenEffects xmlns:a14="http://schemas.microsoft.com/office/drawing/2010/main">
-                <a:effectLst>
-                  <a:outerShdw dist="35921" dir="2700000" algn="ctr" rotWithShape="0">
-                    <a:schemeClr val="bg2"/>
-                  </a:outerShdw>
-                </a:effectLst>
-              </a14:hiddenEffects>
-            </a:ext>
-          </a:extLst>
-        </p:spPr>
-        <p:txBody>
-          <a:bodyPr vert="horz" wrap="none" lIns="91440" tIns="45720" rIns="91440" bIns="45720" numCol="1" anchor="ctr" anchorCtr="0" compatLnSpc="1">
-            <a:prstTxWarp prst="textNoShape">
-              <a:avLst/>
-            </a:prstTxWarp>
-            <a:spAutoFit/>
-          </a:bodyPr>
-          <a:lstStyle/>
-          <a:p>
-            <a:pPr marL="0" marR="0" lvl="0" indent="0" algn="l" defTabSz="914400" rtl="0" eaLnBrk="0" fontAlgn="base" latinLnBrk="0" hangingPunct="0">
-              <a:lnSpc>
-                <a:spcPct val="100000"/>
-              </a:lnSpc>
-              <a:spcBef>
-                <a:spcPct val="0"/>
-              </a:spcBef>
-              <a:spcAft>
-                <a:spcPct val="0"/>
-              </a:spcAft>
-              <a:buClrTx/>
-              <a:buSzTx/>
-              <a:buFontTx/>
-              <a:buNone/>
-              <a:tabLst/>
-            </a:pPr>
-            <a:r>
-              <a:rPr kumimoji="0" lang="en-US" altLang="en-US" sz="1800" b="0" i="0" u="none" strike="noStrike" cap="none" normalizeH="0" baseline="0" dirty="0">
-                <a:ln>
-                  <a:noFill/>
-                </a:ln>
-                <a:solidFill>
-                  <a:schemeClr val="tx1"/>
-                </a:solidFill>
-                <a:effectLst/>
-                <a:latin typeface="Calibri" panose="020F0502020204030204" pitchFamily="34" charset="0"/>
-                <a:ea typeface="Calibri" panose="020F0502020204030204" pitchFamily="34" charset="0"/>
-                <a:cs typeface="Times New Roman" panose="02020603050405020304" pitchFamily="18" charset="0"/>
-              </a:rPr>
-              <a:t> ,			,</a:t>
-            </a:r>
-            <a:endParaRPr kumimoji="0" lang="en-US" altLang="en-US" sz="1800" b="0" i="0" u="none" strike="noStrike" cap="none" normalizeH="0" baseline="0" dirty="0">
-              <a:ln>
-                <a:noFill/>
-              </a:ln>
-              <a:solidFill>
-                <a:schemeClr val="tx1"/>
-              </a:solidFill>
-              <a:effectLst/>
-              <a:latin typeface="Arial" panose="020B0604020202020204" pitchFamily="34" charset="0"/>
-            </a:endParaRPr>
-          </a:p>
-        </p:txBody>
-      </p:sp>
-      <p:sp>
-        <p:nvSpPr>
-          <p:cNvPr id="50" name="Rectangle 24"/>
-          <p:cNvSpPr>
-            <a:spLocks noChangeArrowheads="1"/>
-          </p:cNvSpPr>
-          <p:nvPr/>
-        </p:nvSpPr>
-        <p:spPr bwMode="auto">
-          <a:xfrm>
-            <a:off x="4420883" y="2845729"/>
-            <a:ext cx="3790386" cy="369332"/>
-          </a:xfrm>
-          <a:prstGeom prst="rect">
-            <a:avLst/>
-          </a:prstGeom>
-          <a:noFill/>
-          <a:ln>
-            <a:noFill/>
-          </a:ln>
-          <a:effectLst/>
-          <a:extLst>
-            <a:ext uri="{909E8E84-426E-40DD-AFC4-6F175D3DCCD1}">
-              <a14:hiddenFill xmlns:a14="http://schemas.microsoft.com/office/drawing/2010/main">
-                <a:solidFill>
-                  <a:schemeClr val="accent1"/>
-                </a:solidFill>
-              </a14:hiddenFill>
-            </a:ext>
-            <a:ext uri="{91240B29-F687-4F45-9708-019B960494DF}">
-              <a14:hiddenLine xmlns:a14="http://schemas.microsoft.com/office/drawing/2010/main" w="9525">
-                <a:solidFill>
-                  <a:schemeClr val="tx1"/>
-                </a:solidFill>
-                <a:miter lim="800000"/>
-                <a:headEnd/>
-                <a:tailEnd/>
-              </a14:hiddenLine>
-            </a:ext>
-            <a:ext uri="{AF507438-7753-43E0-B8FC-AC1667EBCBE1}">
-              <a14:hiddenEffects xmlns:a14="http://schemas.microsoft.com/office/drawing/2010/main">
-                <a:effectLst>
-                  <a:outerShdw dist="35921" dir="2700000" algn="ctr" rotWithShape="0">
-                    <a:schemeClr val="bg2"/>
-                  </a:outerShdw>
-                </a:effectLst>
-              </a14:hiddenEffects>
-            </a:ext>
-          </a:extLst>
-        </p:spPr>
-        <p:txBody>
-          <a:bodyPr vert="horz" wrap="square" lIns="91440" tIns="45720" rIns="91440" bIns="45720" numCol="1" anchor="ctr" anchorCtr="0" compatLnSpc="1">
-            <a:prstTxWarp prst="textNoShape">
-              <a:avLst/>
-            </a:prstTxWarp>
-            <a:spAutoFit/>
-          </a:bodyPr>
-          <a:lstStyle/>
-          <a:p>
-            <a:pPr marL="0" marR="0" lvl="0" indent="0" algn="l" defTabSz="914400" rtl="0" eaLnBrk="0" fontAlgn="base" latinLnBrk="0" hangingPunct="0">
-              <a:lnSpc>
-                <a:spcPct val="100000"/>
-              </a:lnSpc>
-              <a:spcBef>
-                <a:spcPct val="0"/>
-              </a:spcBef>
-              <a:spcAft>
-                <a:spcPct val="0"/>
-              </a:spcAft>
-              <a:buClrTx/>
-              <a:buSzTx/>
-              <a:buFontTx/>
-              <a:buNone/>
-              <a:tabLst/>
-            </a:pPr>
-            <a:r>
-              <a:rPr kumimoji="0" lang="en-US" altLang="en-US" sz="1800" b="0" i="0" u="none" strike="noStrike" cap="none" normalizeH="0" baseline="0" dirty="0">
-                <a:ln>
-                  <a:noFill/>
-                </a:ln>
-                <a:solidFill>
-                  <a:schemeClr val="tx1"/>
-                </a:solidFill>
-                <a:effectLst/>
-                <a:latin typeface="Calibri" panose="020F0502020204030204" pitchFamily="34" charset="0"/>
-                <a:ea typeface="Calibri" panose="020F0502020204030204" pitchFamily="34" charset="0"/>
-                <a:cs typeface="Times New Roman" panose="02020603050405020304" pitchFamily="18" charset="0"/>
-              </a:rPr>
-              <a:t>,		</a:t>
-            </a:r>
-            <a:r>
-              <a:rPr kumimoji="0" lang="en-US" altLang="en-US" sz="1800" b="0" i="0" u="none" strike="noStrike" cap="none" normalizeH="0" dirty="0">
-                <a:ln>
-                  <a:noFill/>
-                </a:ln>
-                <a:solidFill>
-                  <a:schemeClr val="tx1"/>
-                </a:solidFill>
-                <a:effectLst/>
-                <a:latin typeface="Calibri" panose="020F0502020204030204" pitchFamily="34" charset="0"/>
-                <a:ea typeface="Calibri" panose="020F0502020204030204" pitchFamily="34" charset="0"/>
-                <a:cs typeface="Times New Roman" panose="02020603050405020304" pitchFamily="18" charset="0"/>
-              </a:rPr>
-              <a:t>             ,</a:t>
-            </a:r>
-            <a:endParaRPr kumimoji="0" lang="en-US" altLang="en-US" sz="1800" b="0" i="0" u="none" strike="noStrike" cap="none" normalizeH="0" baseline="0" dirty="0">
-              <a:ln>
-                <a:noFill/>
-              </a:ln>
-              <a:solidFill>
-                <a:schemeClr val="tx1"/>
-              </a:solidFill>
-              <a:effectLst/>
-              <a:latin typeface="Arial" panose="020B0604020202020204" pitchFamily="34" charset="0"/>
-            </a:endParaRPr>
-          </a:p>
-        </p:txBody>
-      </p:sp>
-      <p:sp>
-        <p:nvSpPr>
-          <p:cNvPr id="52" name="Rectangle 26"/>
-          <p:cNvSpPr>
-            <a:spLocks noChangeArrowheads="1"/>
-          </p:cNvSpPr>
-          <p:nvPr/>
-        </p:nvSpPr>
-        <p:spPr bwMode="auto">
-          <a:xfrm>
-            <a:off x="1670204" y="3224840"/>
-            <a:ext cx="2425279" cy="369332"/>
-          </a:xfrm>
-          <a:prstGeom prst="rect">
-            <a:avLst/>
-          </a:prstGeom>
-          <a:noFill/>
-          <a:ln>
-            <a:noFill/>
-          </a:ln>
-          <a:effectLst/>
-          <a:extLst>
-            <a:ext uri="{909E8E84-426E-40DD-AFC4-6F175D3DCCD1}">
-              <a14:hiddenFill xmlns:a14="http://schemas.microsoft.com/office/drawing/2010/main">
-                <a:solidFill>
-                  <a:schemeClr val="accent1"/>
-                </a:solidFill>
-              </a14:hiddenFill>
-            </a:ext>
-            <a:ext uri="{91240B29-F687-4F45-9708-019B960494DF}">
-              <a14:hiddenLine xmlns:a14="http://schemas.microsoft.com/office/drawing/2010/main" w="9525">
-                <a:solidFill>
-                  <a:schemeClr val="tx1"/>
-                </a:solidFill>
-                <a:miter lim="800000"/>
-                <a:headEnd/>
-                <a:tailEnd/>
-              </a14:hiddenLine>
-            </a:ext>
-            <a:ext uri="{AF507438-7753-43E0-B8FC-AC1667EBCBE1}">
-              <a14:hiddenEffects xmlns:a14="http://schemas.microsoft.com/office/drawing/2010/main">
-                <a:effectLst>
-                  <a:outerShdw dist="35921" dir="2700000" algn="ctr" rotWithShape="0">
-                    <a:schemeClr val="bg2"/>
-                  </a:outerShdw>
-                </a:effectLst>
-              </a14:hiddenEffects>
-            </a:ext>
-          </a:extLst>
-        </p:spPr>
-        <p:txBody>
-          <a:bodyPr vert="horz" wrap="none" lIns="91440" tIns="45720" rIns="91440" bIns="45720" numCol="1" anchor="ctr" anchorCtr="0" compatLnSpc="1">
-            <a:prstTxWarp prst="textNoShape">
-              <a:avLst/>
-            </a:prstTxWarp>
-            <a:spAutoFit/>
-          </a:bodyPr>
-          <a:lstStyle/>
-          <a:p>
-            <a:pPr marL="0" marR="0" lvl="0" indent="0" algn="l" defTabSz="914400" rtl="0" eaLnBrk="0" fontAlgn="base" latinLnBrk="0" hangingPunct="0">
-              <a:lnSpc>
-                <a:spcPct val="100000"/>
-              </a:lnSpc>
-              <a:spcBef>
-                <a:spcPct val="0"/>
-              </a:spcBef>
-              <a:spcAft>
-                <a:spcPct val="0"/>
-              </a:spcAft>
-              <a:buClrTx/>
-              <a:buSzTx/>
-              <a:buFontTx/>
-              <a:buNone/>
-              <a:tabLst/>
-            </a:pPr>
-            <a:r>
-              <a:rPr kumimoji="0" lang="en-US" altLang="en-US" sz="1800" b="0" i="0" u="none" strike="noStrike" cap="none" normalizeH="0" baseline="0" dirty="0">
-                <a:ln>
-                  <a:noFill/>
-                </a:ln>
-                <a:solidFill>
-                  <a:schemeClr val="tx1"/>
-                </a:solidFill>
-                <a:effectLst/>
-                <a:latin typeface="Calibri" panose="020F0502020204030204" pitchFamily="34" charset="0"/>
-                <a:ea typeface="Calibri" panose="020F0502020204030204" pitchFamily="34" charset="0"/>
-                <a:cs typeface="Times New Roman" panose="02020603050405020304" pitchFamily="18" charset="0"/>
-              </a:rPr>
-              <a:t>Linear torque constant: </a:t>
-            </a:r>
-            <a:endParaRPr kumimoji="0" lang="en-US" altLang="en-US" sz="1800" b="0" i="0" u="none" strike="noStrike" cap="none" normalizeH="0" baseline="0" dirty="0">
-              <a:ln>
-                <a:noFill/>
-              </a:ln>
-              <a:solidFill>
-                <a:schemeClr val="tx1"/>
-              </a:solidFill>
-              <a:effectLst/>
-              <a:latin typeface="Arial" panose="020B0604020202020204" pitchFamily="34" charset="0"/>
-            </a:endParaRPr>
-          </a:p>
-        </p:txBody>
-      </p:sp>
-      <p:sp>
-        <p:nvSpPr>
-          <p:cNvPr id="53" name="Rectangle 27"/>
-          <p:cNvSpPr>
-            <a:spLocks noChangeArrowheads="1"/>
-          </p:cNvSpPr>
-          <p:nvPr/>
-        </p:nvSpPr>
-        <p:spPr bwMode="auto">
-          <a:xfrm>
-            <a:off x="1702936" y="3674009"/>
-            <a:ext cx="9624587" cy="369332"/>
-          </a:xfrm>
-          <a:prstGeom prst="rect">
-            <a:avLst/>
-          </a:prstGeom>
-          <a:noFill/>
-          <a:ln>
-            <a:noFill/>
-          </a:ln>
-          <a:effectLst/>
-          <a:extLst>
-            <a:ext uri="{909E8E84-426E-40DD-AFC4-6F175D3DCCD1}">
-              <a14:hiddenFill xmlns:a14="http://schemas.microsoft.com/office/drawing/2010/main">
-                <a:solidFill>
-                  <a:schemeClr val="accent1"/>
-                </a:solidFill>
-              </a14:hiddenFill>
-            </a:ext>
-            <a:ext uri="{91240B29-F687-4F45-9708-019B960494DF}">
-              <a14:hiddenLine xmlns:a14="http://schemas.microsoft.com/office/drawing/2010/main" w="9525">
-                <a:solidFill>
-                  <a:schemeClr val="tx1"/>
-                </a:solidFill>
-                <a:miter lim="800000"/>
-                <a:headEnd/>
-                <a:tailEnd/>
-              </a14:hiddenLine>
-            </a:ext>
-            <a:ext uri="{AF507438-7753-43E0-B8FC-AC1667EBCBE1}">
-              <a14:hiddenEffects xmlns:a14="http://schemas.microsoft.com/office/drawing/2010/main">
-                <a:effectLst>
-                  <a:outerShdw dist="35921" dir="2700000" algn="ctr" rotWithShape="0">
-                    <a:schemeClr val="bg2"/>
-                  </a:outerShdw>
-                </a:effectLst>
-              </a14:hiddenEffects>
-            </a:ext>
-          </a:extLst>
-        </p:spPr>
-        <p:txBody>
-          <a:bodyPr vert="horz" wrap="square" lIns="91440" tIns="45720" rIns="91440" bIns="45720" numCol="1" anchor="ctr" anchorCtr="0" compatLnSpc="1">
-            <a:prstTxWarp prst="textNoShape">
-              <a:avLst/>
-            </a:prstTxWarp>
-            <a:spAutoFit/>
-          </a:bodyPr>
-          <a:lstStyle/>
-          <a:p>
-            <a:pPr marL="0" marR="0" lvl="0" indent="0" algn="l" defTabSz="914400" rtl="0" eaLnBrk="0" fontAlgn="base" latinLnBrk="0" hangingPunct="0">
-              <a:lnSpc>
-                <a:spcPct val="100000"/>
-              </a:lnSpc>
-              <a:spcBef>
-                <a:spcPct val="0"/>
-              </a:spcBef>
-              <a:spcAft>
-                <a:spcPct val="0"/>
-              </a:spcAft>
-              <a:buClrTx/>
-              <a:buSzTx/>
-              <a:buFontTx/>
-              <a:buNone/>
-              <a:tabLst/>
-            </a:pPr>
-            <a:r>
-              <a:rPr kumimoji="0" lang="en-US" altLang="en-US" sz="1800" b="1" i="0" u="none" strike="noStrike" cap="none" normalizeH="0" baseline="0" dirty="0">
-                <a:ln>
-                  <a:noFill/>
-                </a:ln>
-                <a:solidFill>
-                  <a:schemeClr val="tx1"/>
-                </a:solidFill>
-                <a:effectLst/>
-                <a:latin typeface="Calibri" panose="020F0502020204030204" pitchFamily="34" charset="0"/>
-                <a:ea typeface="Calibri" panose="020F0502020204030204" pitchFamily="34" charset="0"/>
-                <a:cs typeface="Times New Roman" panose="02020603050405020304" pitchFamily="18" charset="0"/>
-              </a:rPr>
-              <a:t>Validation</a:t>
-            </a:r>
-            <a:r>
-              <a:rPr kumimoji="0" lang="en-US" altLang="en-US" sz="1800" b="0" i="0" u="none" strike="noStrike" cap="none" normalizeH="0" baseline="0" dirty="0">
-                <a:ln>
-                  <a:noFill/>
-                </a:ln>
-                <a:solidFill>
-                  <a:schemeClr val="tx1"/>
-                </a:solidFill>
-                <a:effectLst/>
-                <a:latin typeface="Calibri" panose="020F0502020204030204" pitchFamily="34" charset="0"/>
-                <a:ea typeface="Calibri" panose="020F0502020204030204" pitchFamily="34" charset="0"/>
-                <a:cs typeface="Times New Roman" panose="02020603050405020304" pitchFamily="18" charset="0"/>
-              </a:rPr>
-              <a:t>: real output vs simulation with input:		</a:t>
-            </a:r>
-            <a:r>
-              <a:rPr kumimoji="0" lang="en-US" altLang="en-US" sz="1800" b="0" i="0" u="none" strike="noStrike" cap="none" normalizeH="0" dirty="0">
-                <a:ln>
-                  <a:noFill/>
-                </a:ln>
-                <a:solidFill>
-                  <a:schemeClr val="tx1"/>
-                </a:solidFill>
-                <a:effectLst/>
-                <a:latin typeface="Calibri" panose="020F0502020204030204" pitchFamily="34" charset="0"/>
-                <a:ea typeface="Calibri" panose="020F0502020204030204" pitchFamily="34" charset="0"/>
-                <a:cs typeface="Times New Roman" panose="02020603050405020304" pitchFamily="18" charset="0"/>
-              </a:rPr>
-              <a:t>          where	           :	</a:t>
-            </a:r>
-            <a:r>
-              <a:rPr kumimoji="0" lang="en-US" altLang="en-US" sz="1800" b="0" i="0" u="none" strike="noStrike" cap="none" normalizeH="0" baseline="0" dirty="0">
-                <a:ln>
-                  <a:noFill/>
-                </a:ln>
-                <a:solidFill>
-                  <a:schemeClr val="tx1"/>
-                </a:solidFill>
-                <a:effectLst/>
-                <a:latin typeface="Calibri" panose="020F0502020204030204" pitchFamily="34" charset="0"/>
-                <a:ea typeface="Calibri" panose="020F0502020204030204" pitchFamily="34" charset="0"/>
-                <a:cs typeface="Times New Roman" panose="02020603050405020304" pitchFamily="18" charset="0"/>
-              </a:rPr>
-              <a:t>	 </a:t>
-            </a:r>
-            <a:endParaRPr kumimoji="0" lang="en-US" altLang="en-US" sz="1800" b="0" i="0" u="none" strike="noStrike" cap="none" normalizeH="0" baseline="0" dirty="0">
-              <a:ln>
-                <a:noFill/>
-              </a:ln>
-              <a:solidFill>
-                <a:schemeClr val="tx1"/>
-              </a:solidFill>
-              <a:effectLst/>
-              <a:latin typeface="Arial" panose="020B0604020202020204" pitchFamily="34" charset="0"/>
-            </a:endParaRPr>
-          </a:p>
-        </p:txBody>
-      </p:sp>
-      <p:sp>
-        <p:nvSpPr>
-          <p:cNvPr id="55" name="Rectangle 29"/>
-          <p:cNvSpPr>
-            <a:spLocks noChangeArrowheads="1"/>
-          </p:cNvSpPr>
-          <p:nvPr/>
-        </p:nvSpPr>
-        <p:spPr bwMode="auto">
-          <a:xfrm>
-            <a:off x="1702936" y="4016601"/>
-            <a:ext cx="4937955" cy="923330"/>
-          </a:xfrm>
-          <a:prstGeom prst="rect">
-            <a:avLst/>
-          </a:prstGeom>
-          <a:noFill/>
-          <a:ln>
-            <a:noFill/>
-          </a:ln>
-          <a:effectLst/>
-          <a:extLst>
-            <a:ext uri="{909E8E84-426E-40DD-AFC4-6F175D3DCCD1}">
-              <a14:hiddenFill xmlns:a14="http://schemas.microsoft.com/office/drawing/2010/main">
-                <a:solidFill>
-                  <a:schemeClr val="accent1"/>
-                </a:solidFill>
-              </a14:hiddenFill>
-            </a:ext>
-            <a:ext uri="{91240B29-F687-4F45-9708-019B960494DF}">
-              <a14:hiddenLine xmlns:a14="http://schemas.microsoft.com/office/drawing/2010/main" w="9525">
-                <a:solidFill>
-                  <a:schemeClr val="tx1"/>
-                </a:solidFill>
-                <a:miter lim="800000"/>
-                <a:headEnd/>
-                <a:tailEnd/>
-              </a14:hiddenLine>
-            </a:ext>
-            <a:ext uri="{AF507438-7753-43E0-B8FC-AC1667EBCBE1}">
-              <a14:hiddenEffects xmlns:a14="http://schemas.microsoft.com/office/drawing/2010/main">
-                <a:effectLst>
-                  <a:outerShdw dist="35921" dir="2700000" algn="ctr" rotWithShape="0">
-                    <a:schemeClr val="bg2"/>
-                  </a:outerShdw>
-                </a:effectLst>
-              </a14:hiddenEffects>
-            </a:ext>
-          </a:extLst>
-        </p:spPr>
-        <p:txBody>
-          <a:bodyPr vert="horz" wrap="none" lIns="91440" tIns="45720" rIns="91440" bIns="45720" numCol="1" anchor="ctr" anchorCtr="0" compatLnSpc="1">
-            <a:prstTxWarp prst="textNoShape">
-              <a:avLst/>
-            </a:prstTxWarp>
-            <a:spAutoFit/>
-          </a:bodyPr>
-          <a:lstStyle/>
-          <a:p>
-            <a:pPr marL="0" marR="0" lvl="0" indent="0" algn="l" defTabSz="914400" rtl="0" eaLnBrk="0" fontAlgn="base" latinLnBrk="0" hangingPunct="0">
-              <a:lnSpc>
-                <a:spcPct val="100000"/>
-              </a:lnSpc>
-              <a:spcBef>
-                <a:spcPct val="0"/>
-              </a:spcBef>
-              <a:spcAft>
-                <a:spcPct val="0"/>
-              </a:spcAft>
-              <a:buClrTx/>
-              <a:buSzTx/>
-              <a:buFontTx/>
-              <a:buNone/>
-              <a:tabLst/>
-            </a:pPr>
-            <a:r>
-              <a:rPr kumimoji="0" lang="en-US" altLang="en-US" sz="1800" b="0" i="0" u="none" strike="noStrike" cap="none" normalizeH="0" baseline="0" dirty="0">
-                <a:ln>
-                  <a:noFill/>
-                </a:ln>
-                <a:solidFill>
-                  <a:schemeClr val="tx1"/>
-                </a:solidFill>
-                <a:effectLst/>
-                <a:latin typeface="Calibri" panose="020F0502020204030204" pitchFamily="34" charset="0"/>
-                <a:ea typeface="Calibri" panose="020F0502020204030204" pitchFamily="34" charset="0"/>
-                <a:cs typeface="Times New Roman" panose="02020603050405020304" pitchFamily="18" charset="0"/>
-              </a:rPr>
-              <a:t>Fit:</a:t>
-            </a:r>
-          </a:p>
-          <a:p>
-            <a:pPr marL="0" marR="0" lvl="0" indent="0" algn="l" defTabSz="914400" rtl="0" eaLnBrk="0" fontAlgn="base" latinLnBrk="0" hangingPunct="0">
-              <a:lnSpc>
-                <a:spcPct val="100000"/>
-              </a:lnSpc>
-              <a:spcBef>
-                <a:spcPct val="0"/>
-              </a:spcBef>
-              <a:spcAft>
-                <a:spcPct val="0"/>
-              </a:spcAft>
-              <a:buClrTx/>
-              <a:buSzTx/>
-              <a:buFontTx/>
-              <a:buNone/>
-              <a:tabLst/>
-            </a:pPr>
-            <a:r>
-              <a:rPr kumimoji="0" lang="en-US" altLang="en-US" sz="1800" b="0" i="0" u="none" strike="noStrike" cap="none" normalizeH="0" baseline="0" dirty="0">
-                <a:ln>
-                  <a:noFill/>
-                </a:ln>
-                <a:solidFill>
-                  <a:schemeClr val="tx1"/>
-                </a:solidFill>
-                <a:effectLst/>
-                <a:latin typeface="Calibri" panose="020F0502020204030204" pitchFamily="34" charset="0"/>
-                <a:ea typeface="Calibri" panose="020F0502020204030204" pitchFamily="34" charset="0"/>
-                <a:cs typeface="Times New Roman" panose="02020603050405020304" pitchFamily="18" charset="0"/>
-              </a:rPr>
-              <a:t>1 </a:t>
-            </a:r>
-            <a:r>
-              <a:rPr kumimoji="0" lang="en-US" altLang="en-US" sz="1800" b="0" i="0" u="none" strike="noStrike" cap="none" normalizeH="0" baseline="0" dirty="0" err="1">
-                <a:ln>
-                  <a:noFill/>
-                </a:ln>
-                <a:solidFill>
-                  <a:schemeClr val="tx1"/>
-                </a:solidFill>
-                <a:effectLst/>
-                <a:latin typeface="Calibri" panose="020F0502020204030204" pitchFamily="34" charset="0"/>
-                <a:ea typeface="Calibri" panose="020F0502020204030204" pitchFamily="34" charset="0"/>
-                <a:cs typeface="Times New Roman" panose="02020603050405020304" pitchFamily="18" charset="0"/>
-              </a:rPr>
-              <a:t>dof</a:t>
-            </a:r>
-            <a:r>
-              <a:rPr kumimoji="0" lang="en-US" altLang="en-US" sz="1800" b="0" i="0" u="none" strike="noStrike" cap="none" normalizeH="0" baseline="0" dirty="0">
-                <a:ln>
-                  <a:noFill/>
-                </a:ln>
-                <a:solidFill>
-                  <a:schemeClr val="tx1"/>
-                </a:solidFill>
-                <a:effectLst/>
-                <a:latin typeface="Calibri" panose="020F0502020204030204" pitchFamily="34" charset="0"/>
-                <a:ea typeface="Calibri" panose="020F0502020204030204" pitchFamily="34" charset="0"/>
-                <a:cs typeface="Times New Roman" panose="02020603050405020304" pitchFamily="18" charset="0"/>
-              </a:rPr>
-              <a:t>: (85.42±1.68)%</a:t>
-            </a:r>
-          </a:p>
-          <a:p>
-            <a:pPr marL="0" marR="0" lvl="0" indent="0" algn="l" defTabSz="914400" rtl="0" eaLnBrk="0" fontAlgn="base" latinLnBrk="0" hangingPunct="0">
-              <a:lnSpc>
-                <a:spcPct val="100000"/>
-              </a:lnSpc>
-              <a:spcBef>
-                <a:spcPct val="0"/>
-              </a:spcBef>
-              <a:spcAft>
-                <a:spcPct val="0"/>
-              </a:spcAft>
-              <a:buClrTx/>
-              <a:buSzTx/>
-              <a:buFontTx/>
-              <a:buNone/>
-              <a:tabLst/>
-            </a:pPr>
-            <a:r>
-              <a:rPr kumimoji="0" lang="en-US" altLang="en-US" sz="1800" b="0" i="0" u="none" strike="noStrike" cap="none" normalizeH="0" baseline="0" dirty="0">
-                <a:ln>
-                  <a:noFill/>
-                </a:ln>
-                <a:solidFill>
-                  <a:schemeClr val="tx1"/>
-                </a:solidFill>
-                <a:effectLst/>
-                <a:latin typeface="Calibri" panose="020F0502020204030204" pitchFamily="34" charset="0"/>
-                <a:ea typeface="Calibri" panose="020F0502020204030204" pitchFamily="34" charset="0"/>
-                <a:cs typeface="Times New Roman" panose="02020603050405020304" pitchFamily="18" charset="0"/>
-              </a:rPr>
-              <a:t>2 </a:t>
-            </a:r>
-            <a:r>
-              <a:rPr kumimoji="0" lang="en-US" altLang="en-US" sz="1800" b="0" i="0" u="none" strike="noStrike" cap="none" normalizeH="0" baseline="0" dirty="0" err="1">
-                <a:ln>
-                  <a:noFill/>
-                </a:ln>
-                <a:solidFill>
-                  <a:schemeClr val="tx1"/>
-                </a:solidFill>
-                <a:effectLst/>
-                <a:latin typeface="Calibri" panose="020F0502020204030204" pitchFamily="34" charset="0"/>
-                <a:ea typeface="Calibri" panose="020F0502020204030204" pitchFamily="34" charset="0"/>
-                <a:cs typeface="Times New Roman" panose="02020603050405020304" pitchFamily="18" charset="0"/>
-              </a:rPr>
-              <a:t>dof</a:t>
-            </a:r>
-            <a:r>
-              <a:rPr kumimoji="0" lang="en-US" altLang="en-US" sz="1800" b="0" i="0" u="none" strike="noStrike" cap="none" normalizeH="0" baseline="0" dirty="0">
-                <a:ln>
-                  <a:noFill/>
-                </a:ln>
-                <a:solidFill>
-                  <a:schemeClr val="tx1"/>
-                </a:solidFill>
-                <a:effectLst/>
-                <a:latin typeface="Calibri" panose="020F0502020204030204" pitchFamily="34" charset="0"/>
-                <a:ea typeface="Calibri" panose="020F0502020204030204" pitchFamily="34" charset="0"/>
-                <a:cs typeface="Times New Roman" panose="02020603050405020304" pitchFamily="18" charset="0"/>
-              </a:rPr>
-              <a:t> (2 combinations: </a:t>
-            </a:r>
-            <a:r>
-              <a:rPr kumimoji="0" lang="en-US" altLang="en-US" sz="1800" b="0" i="0" u="none" strike="noStrike" cap="none" normalizeH="0" baseline="0" dirty="0" err="1">
-                <a:ln>
-                  <a:noFill/>
-                </a:ln>
-                <a:solidFill>
-                  <a:schemeClr val="tx1"/>
-                </a:solidFill>
-                <a:effectLst/>
-                <a:latin typeface="Calibri" panose="020F0502020204030204" pitchFamily="34" charset="0"/>
-                <a:ea typeface="Calibri" panose="020F0502020204030204" pitchFamily="34" charset="0"/>
-                <a:cs typeface="Times New Roman" panose="02020603050405020304" pitchFamily="18" charset="0"/>
-              </a:rPr>
-              <a:t>K</a:t>
-            </a:r>
-            <a:r>
-              <a:rPr kumimoji="0" lang="en-US" altLang="en-US" sz="1800" b="0" i="0" u="none" strike="noStrike" cap="none" normalizeH="0" baseline="-30000" dirty="0" err="1">
-                <a:ln>
-                  <a:noFill/>
-                </a:ln>
-                <a:solidFill>
-                  <a:schemeClr val="tx1"/>
-                </a:solidFill>
-                <a:effectLst/>
-                <a:latin typeface="Calibri" panose="020F0502020204030204" pitchFamily="34" charset="0"/>
-                <a:ea typeface="Calibri" panose="020F0502020204030204" pitchFamily="34" charset="0"/>
-                <a:cs typeface="Times New Roman" panose="02020603050405020304" pitchFamily="18" charset="0"/>
-              </a:rPr>
-              <a:t>h</a:t>
-            </a:r>
-            <a:r>
-              <a:rPr kumimoji="0" lang="en-US" altLang="en-US" sz="1800" b="0" i="0" u="none" strike="noStrike" cap="none" normalizeH="0" baseline="0" dirty="0">
-                <a:ln>
-                  <a:noFill/>
-                </a:ln>
-                <a:solidFill>
-                  <a:schemeClr val="tx1"/>
-                </a:solidFill>
-                <a:effectLst/>
-                <a:latin typeface="Calibri" panose="020F0502020204030204" pitchFamily="34" charset="0"/>
-                <a:ea typeface="Calibri" panose="020F0502020204030204" pitchFamily="34" charset="0"/>
-                <a:cs typeface="Times New Roman" panose="02020603050405020304" pitchFamily="18" charset="0"/>
-              </a:rPr>
-              <a:t>-K</a:t>
-            </a:r>
-            <a:r>
-              <a:rPr kumimoji="0" lang="en-US" altLang="en-US" sz="1800" b="0" i="0" u="none" strike="noStrike" cap="none" normalizeH="0" baseline="-30000" dirty="0">
-                <a:ln>
-                  <a:noFill/>
-                </a:ln>
-                <a:solidFill>
-                  <a:schemeClr val="tx1"/>
-                </a:solidFill>
-                <a:effectLst/>
-                <a:latin typeface="Calibri" panose="020F0502020204030204" pitchFamily="34" charset="0"/>
-                <a:ea typeface="Calibri" panose="020F0502020204030204" pitchFamily="34" charset="0"/>
-                <a:cs typeface="Times New Roman" panose="02020603050405020304" pitchFamily="18" charset="0"/>
-              </a:rPr>
-              <a:t>m</a:t>
-            </a:r>
-            <a:r>
-              <a:rPr kumimoji="0" lang="en-US" altLang="en-US" sz="1800" b="0" i="0" u="none" strike="noStrike" cap="none" normalizeH="0" baseline="0" dirty="0">
-                <a:ln>
-                  <a:noFill/>
-                </a:ln>
-                <a:solidFill>
-                  <a:schemeClr val="tx1"/>
-                </a:solidFill>
-                <a:effectLst/>
-                <a:latin typeface="Calibri" panose="020F0502020204030204" pitchFamily="34" charset="0"/>
-                <a:ea typeface="Calibri" panose="020F0502020204030204" pitchFamily="34" charset="0"/>
-                <a:cs typeface="Times New Roman" panose="02020603050405020304" pitchFamily="18" charset="0"/>
-              </a:rPr>
-              <a:t>, K</a:t>
-            </a:r>
-            <a:r>
-              <a:rPr kumimoji="0" lang="en-US" altLang="en-US" sz="1800" b="0" i="0" u="none" strike="noStrike" cap="none" normalizeH="0" baseline="-30000" dirty="0">
-                <a:ln>
-                  <a:noFill/>
-                </a:ln>
-                <a:solidFill>
-                  <a:schemeClr val="tx1"/>
-                </a:solidFill>
-                <a:effectLst/>
-                <a:latin typeface="Calibri" panose="020F0502020204030204" pitchFamily="34" charset="0"/>
-                <a:ea typeface="Calibri" panose="020F0502020204030204" pitchFamily="34" charset="0"/>
-                <a:cs typeface="Times New Roman" panose="02020603050405020304" pitchFamily="18" charset="0"/>
-              </a:rPr>
-              <a:t>l</a:t>
-            </a:r>
-            <a:r>
-              <a:rPr kumimoji="0" lang="en-US" altLang="en-US" sz="1800" b="0" i="0" u="none" strike="noStrike" cap="none" normalizeH="0" baseline="0" dirty="0">
-                <a:ln>
-                  <a:noFill/>
-                </a:ln>
-                <a:solidFill>
-                  <a:schemeClr val="tx1"/>
-                </a:solidFill>
-                <a:effectLst/>
-                <a:latin typeface="Calibri" panose="020F0502020204030204" pitchFamily="34" charset="0"/>
-                <a:ea typeface="Calibri" panose="020F0502020204030204" pitchFamily="34" charset="0"/>
-                <a:cs typeface="Times New Roman" panose="02020603050405020304" pitchFamily="18" charset="0"/>
-              </a:rPr>
-              <a:t>-</a:t>
-            </a:r>
-            <a:r>
-              <a:rPr kumimoji="0" lang="en-US" altLang="en-US" sz="1800" b="0" i="0" u="none" strike="noStrike" cap="none" normalizeH="0" baseline="0" dirty="0" err="1">
-                <a:ln>
-                  <a:noFill/>
-                </a:ln>
-                <a:solidFill>
-                  <a:schemeClr val="tx1"/>
-                </a:solidFill>
-                <a:effectLst/>
-                <a:latin typeface="Calibri" panose="020F0502020204030204" pitchFamily="34" charset="0"/>
-                <a:ea typeface="Calibri" panose="020F0502020204030204" pitchFamily="34" charset="0"/>
-                <a:cs typeface="Times New Roman" panose="02020603050405020304" pitchFamily="18" charset="0"/>
-              </a:rPr>
-              <a:t>K</a:t>
-            </a:r>
-            <a:r>
-              <a:rPr kumimoji="0" lang="en-US" altLang="en-US" sz="1800" b="0" i="0" u="none" strike="noStrike" cap="none" normalizeH="0" baseline="-30000" dirty="0" err="1">
-                <a:ln>
-                  <a:noFill/>
-                </a:ln>
-                <a:solidFill>
-                  <a:schemeClr val="tx1"/>
-                </a:solidFill>
-                <a:effectLst/>
-                <a:latin typeface="Calibri" panose="020F0502020204030204" pitchFamily="34" charset="0"/>
-                <a:ea typeface="Calibri" panose="020F0502020204030204" pitchFamily="34" charset="0"/>
-                <a:cs typeface="Times New Roman" panose="02020603050405020304" pitchFamily="18" charset="0"/>
-              </a:rPr>
-              <a:t>h</a:t>
-            </a:r>
-            <a:r>
-              <a:rPr kumimoji="0" lang="en-US" altLang="en-US" sz="1800" b="0" i="0" u="none" strike="noStrike" cap="none" normalizeH="0" baseline="0" dirty="0">
-                <a:ln>
-                  <a:noFill/>
-                </a:ln>
-                <a:solidFill>
-                  <a:schemeClr val="tx1"/>
-                </a:solidFill>
-                <a:effectLst/>
-                <a:latin typeface="Calibri" panose="020F0502020204030204" pitchFamily="34" charset="0"/>
-                <a:ea typeface="Calibri" panose="020F0502020204030204" pitchFamily="34" charset="0"/>
-                <a:cs typeface="Times New Roman" panose="02020603050405020304" pitchFamily="18" charset="0"/>
-              </a:rPr>
-              <a:t>): (86.54±4.68)%</a:t>
-            </a:r>
-            <a:endParaRPr kumimoji="0" lang="en-US" altLang="en-US" sz="1800" b="0" i="0" u="none" strike="noStrike" cap="none" normalizeH="0" baseline="0" dirty="0">
-              <a:ln>
-                <a:noFill/>
-              </a:ln>
-              <a:solidFill>
-                <a:schemeClr val="tx1"/>
-              </a:solidFill>
-              <a:effectLst/>
-              <a:latin typeface="Arial" panose="020B0604020202020204" pitchFamily="34" charset="0"/>
-            </a:endParaRPr>
-          </a:p>
-        </p:txBody>
-      </p:sp>
-      <p:sp>
-        <p:nvSpPr>
-          <p:cNvPr id="56" name="Rettangolo 55"/>
-          <p:cNvSpPr/>
-          <p:nvPr/>
-        </p:nvSpPr>
-        <p:spPr>
-          <a:xfrm>
-            <a:off x="1606449" y="692064"/>
-            <a:ext cx="7465573" cy="369332"/>
-          </a:xfrm>
-          <a:prstGeom prst="rect">
-            <a:avLst/>
-          </a:prstGeom>
-        </p:spPr>
-        <p:txBody>
-          <a:bodyPr wrap="square">
-            <a:spAutoFit/>
-          </a:bodyPr>
-          <a:lstStyle/>
-          <a:p>
-            <a:pPr lvl="0" eaLnBrk="0" fontAlgn="base" hangingPunct="0">
-              <a:spcBef>
-                <a:spcPct val="0"/>
-              </a:spcBef>
-              <a:spcAft>
-                <a:spcPct val="0"/>
-              </a:spcAft>
-            </a:pPr>
-            <a:r>
-              <a:rPr lang="en-US" altLang="en-US" dirty="0">
-                <a:latin typeface="Calibri" panose="020F0502020204030204" pitchFamily="34" charset="0"/>
-                <a:ea typeface="Calibri" panose="020F0502020204030204" pitchFamily="34" charset="0"/>
-                <a:cs typeface="Times New Roman" panose="02020603050405020304" pitchFamily="18" charset="0"/>
-              </a:rPr>
-              <a:t>Same tests and same techniques used for detached parts. Results: </a:t>
-            </a:r>
-            <a:endParaRPr lang="en-US" altLang="en-US" sz="800" dirty="0"/>
-          </a:p>
-        </p:txBody>
-      </p:sp>
-    </p:spTree>
-    <p:extLst>
-      <p:ext uri="{BB962C8B-B14F-4D97-AF65-F5344CB8AC3E}">
-        <p14:creationId xmlns:p14="http://schemas.microsoft.com/office/powerpoint/2010/main" val="804266569"/>
-      </p:ext>
-    </p:extLst>
-  </p:cSld>
-  <p:clrMapOvr>
-    <a:masterClrMapping/>
-  </p:clrMapOvr>
-  <p:transition spd="slow">
-    <p:cut/>
-  </p:transition>
-</p:sld>
-</file>
-
-<file path=ppt/slides/slide12.xml><?xml version="1.0" encoding="utf-8"?>
-<p:sld xmlns:a="http://schemas.openxmlformats.org/drawingml/2006/main" xmlns:r="http://schemas.openxmlformats.org/officeDocument/2006/relationships" xmlns:p="http://schemas.openxmlformats.org/presentationml/2006/main">
-  <p:cSld>
-    <p:spTree>
-      <p:nvGrpSpPr>
-        <p:cNvPr id="1" name="Shape 35"/>
-        <p:cNvGrpSpPr/>
-        <p:nvPr/>
-      </p:nvGrpSpPr>
-      <p:grpSpPr>
-        <a:xfrm>
-          <a:off x="0" y="0"/>
-          <a:ext cx="0" cy="0"/>
-          <a:chOff x="0" y="0"/>
-          <a:chExt cx="0" cy="0"/>
-        </a:xfrm>
-      </p:grpSpPr>
-      <p:pic>
-        <p:nvPicPr>
-          <p:cNvPr id="16" name="Immagine 15"/>
-          <p:cNvPicPr>
-            <a:picLocks noChangeAspect="1"/>
-          </p:cNvPicPr>
-          <p:nvPr/>
-        </p:nvPicPr>
-        <p:blipFill>
-          <a:blip r:embed="rId3">
-            <a:extLst>
-              <a:ext uri="{28A0092B-C50C-407E-A947-70E740481C1C}">
-                <a14:useLocalDpi xmlns:a14="http://schemas.microsoft.com/office/drawing/2010/main" val="0"/>
-              </a:ext>
-            </a:extLst>
-          </a:blip>
-          <a:stretch>
-            <a:fillRect/>
-          </a:stretch>
-        </p:blipFill>
-        <p:spPr>
-          <a:xfrm>
-            <a:off x="5532269" y="3685425"/>
-            <a:ext cx="3564434" cy="2673326"/>
-          </a:xfrm>
-          <a:prstGeom prst="rect">
-            <a:avLst/>
-          </a:prstGeom>
-        </p:spPr>
-      </p:pic>
-      <p:pic>
-        <p:nvPicPr>
-          <p:cNvPr id="14" name="Immagine 13"/>
-          <p:cNvPicPr>
-            <a:picLocks noChangeAspect="1"/>
-          </p:cNvPicPr>
-          <p:nvPr/>
-        </p:nvPicPr>
-        <p:blipFill>
-          <a:blip r:embed="rId4">
-            <a:extLst>
-              <a:ext uri="{28A0092B-C50C-407E-A947-70E740481C1C}">
-                <a14:useLocalDpi xmlns:a14="http://schemas.microsoft.com/office/drawing/2010/main" val="0"/>
-              </a:ext>
-            </a:extLst>
-          </a:blip>
-          <a:stretch>
-            <a:fillRect/>
-          </a:stretch>
-        </p:blipFill>
-        <p:spPr>
-          <a:xfrm>
-            <a:off x="1667424" y="3650410"/>
-            <a:ext cx="3676539" cy="2757405"/>
-          </a:xfrm>
-          <a:prstGeom prst="rect">
-            <a:avLst/>
-          </a:prstGeom>
-        </p:spPr>
-      </p:pic>
-      <p:sp>
-        <p:nvSpPr>
-          <p:cNvPr id="36" name="Shape 36"/>
-          <p:cNvSpPr txBox="1">
-            <a:spLocks noGrp="1"/>
-          </p:cNvSpPr>
-          <p:nvPr>
-            <p:ph type="title"/>
-          </p:nvPr>
-        </p:nvSpPr>
-        <p:spPr>
-          <a:xfrm>
-            <a:off x="2361450" y="131951"/>
-            <a:ext cx="8136900" cy="498599"/>
-          </a:xfrm>
-          <a:prstGeom prst="rect">
-            <a:avLst/>
-          </a:prstGeom>
-        </p:spPr>
-        <p:txBody>
-          <a:bodyPr lIns="91425" tIns="91425" rIns="91425" bIns="91425" anchor="b" anchorCtr="0">
-            <a:noAutofit/>
-          </a:bodyPr>
-          <a:lstStyle/>
-          <a:p>
-            <a:r>
-              <a:rPr lang="en-US" sz="3000" dirty="0">
-                <a:solidFill>
-                  <a:srgbClr val="003366"/>
-                </a:solidFill>
-              </a:rPr>
-              <a:t>Overall system identification</a:t>
-            </a:r>
-          </a:p>
-        </p:txBody>
-      </p:sp>
-      <p:pic>
-        <p:nvPicPr>
-          <p:cNvPr id="38" name="Shape 38"/>
-          <p:cNvPicPr preferRelativeResize="0"/>
-          <p:nvPr/>
-        </p:nvPicPr>
-        <p:blipFill>
-          <a:blip r:embed="rId5">
-            <a:alphaModFix/>
-          </a:blip>
-          <a:stretch>
-            <a:fillRect/>
-          </a:stretch>
-        </p:blipFill>
-        <p:spPr>
-          <a:xfrm>
-            <a:off x="1606450" y="65950"/>
-            <a:ext cx="464900" cy="498650"/>
-          </a:xfrm>
-          <a:prstGeom prst="rect">
-            <a:avLst/>
-          </a:prstGeom>
-          <a:noFill/>
-          <a:ln>
-            <a:noFill/>
-          </a:ln>
-        </p:spPr>
-      </p:pic>
-      <p:pic>
-        <p:nvPicPr>
-          <p:cNvPr id="39" name="Shape 39"/>
-          <p:cNvPicPr preferRelativeResize="0"/>
-          <p:nvPr/>
-        </p:nvPicPr>
-        <p:blipFill>
-          <a:blip r:embed="rId6">
-            <a:alphaModFix/>
-          </a:blip>
-          <a:stretch>
-            <a:fillRect/>
-          </a:stretch>
-        </p:blipFill>
-        <p:spPr>
-          <a:xfrm>
-            <a:off x="1524000" y="630540"/>
-            <a:ext cx="9143998" cy="97471"/>
-          </a:xfrm>
-          <a:prstGeom prst="rect">
-            <a:avLst/>
-          </a:prstGeom>
-          <a:noFill/>
-          <a:ln>
-            <a:noFill/>
-          </a:ln>
-        </p:spPr>
-      </p:pic>
-      <p:cxnSp>
-        <p:nvCxnSpPr>
-          <p:cNvPr id="40" name="Shape 40"/>
-          <p:cNvCxnSpPr/>
-          <p:nvPr/>
-        </p:nvCxnSpPr>
-        <p:spPr>
-          <a:xfrm rot="10800000">
-            <a:off x="2215550" y="126"/>
-            <a:ext cx="0" cy="630299"/>
-          </a:xfrm>
-          <a:prstGeom prst="straightConnector1">
-            <a:avLst/>
-          </a:prstGeom>
-          <a:noFill/>
-          <a:ln w="9525" cap="flat" cmpd="sng">
-            <a:solidFill>
-              <a:srgbClr val="003366"/>
-            </a:solidFill>
-            <a:prstDash val="solid"/>
-            <a:round/>
-            <a:headEnd type="none" w="lg" len="lg"/>
-            <a:tailEnd type="none" w="lg" len="lg"/>
-          </a:ln>
-        </p:spPr>
-      </p:cxnSp>
-      <p:sp>
-        <p:nvSpPr>
-          <p:cNvPr id="41" name="Shape 41"/>
-          <p:cNvSpPr txBox="1"/>
-          <p:nvPr/>
-        </p:nvSpPr>
-        <p:spPr>
-          <a:xfrm>
-            <a:off x="8307700" y="6531001"/>
-            <a:ext cx="2599200" cy="363899"/>
-          </a:xfrm>
-          <a:prstGeom prst="rect">
-            <a:avLst/>
-          </a:prstGeom>
-          <a:noFill/>
-          <a:ln>
-            <a:noFill/>
-          </a:ln>
-        </p:spPr>
-        <p:txBody>
-          <a:bodyPr lIns="91425" tIns="91425" rIns="91425" bIns="91425" anchor="t" anchorCtr="0">
-            <a:noAutofit/>
-          </a:bodyPr>
-          <a:lstStyle/>
-          <a:p>
-            <a:r>
-              <a:rPr lang="en-US" sz="1200" b="1" dirty="0">
-                <a:solidFill>
-                  <a:srgbClr val="FFFFFF"/>
-                </a:solidFill>
-              </a:rPr>
-              <a:t>POLITECNICO DI MILANO</a:t>
-            </a:r>
-          </a:p>
-        </p:txBody>
-      </p:sp>
-      <p:pic>
-        <p:nvPicPr>
-          <p:cNvPr id="42" name="Shape 42"/>
-          <p:cNvPicPr preferRelativeResize="0"/>
-          <p:nvPr/>
-        </p:nvPicPr>
-        <p:blipFill>
-          <a:blip r:embed="rId7">
-            <a:alphaModFix/>
-          </a:blip>
-          <a:stretch>
-            <a:fillRect/>
-          </a:stretch>
-        </p:blipFill>
-        <p:spPr>
-          <a:xfrm>
-            <a:off x="1524000" y="6571226"/>
-            <a:ext cx="9144000" cy="286775"/>
-          </a:xfrm>
-          <a:prstGeom prst="rect">
-            <a:avLst/>
-          </a:prstGeom>
-          <a:noFill/>
-          <a:ln>
-            <a:noFill/>
-          </a:ln>
-        </p:spPr>
-      </p:pic>
-      <p:sp>
-        <p:nvSpPr>
-          <p:cNvPr id="43" name="Shape 43"/>
-          <p:cNvSpPr txBox="1">
-            <a:spLocks noGrp="1"/>
-          </p:cNvSpPr>
-          <p:nvPr>
-            <p:ph type="ctrTitle" idx="4294967295"/>
-          </p:nvPr>
-        </p:nvSpPr>
-        <p:spPr>
-          <a:xfrm>
-            <a:off x="3575453" y="6500850"/>
-            <a:ext cx="3238799" cy="424199"/>
-          </a:xfrm>
-          <a:prstGeom prst="rect">
-            <a:avLst/>
-          </a:prstGeom>
-        </p:spPr>
-        <p:txBody>
-          <a:bodyPr lIns="91425" tIns="91425" rIns="91425" bIns="91425" anchor="ctr" anchorCtr="0">
-            <a:noAutofit/>
-          </a:bodyPr>
-          <a:lstStyle/>
-          <a:p>
-            <a:pPr indent="457200">
-              <a:lnSpc>
-                <a:spcPct val="115000"/>
-              </a:lnSpc>
-            </a:pPr>
-            <a:r>
-              <a:rPr lang="en-US" sz="1200" b="1">
-                <a:solidFill>
-                  <a:srgbClr val="003366"/>
-                </a:solidFill>
-              </a:rPr>
-              <a:t>Control of linear vibrations</a:t>
-            </a:r>
-            <a:endParaRPr lang="en-US" sz="1300" b="1" dirty="0">
-              <a:solidFill>
-                <a:srgbClr val="003366"/>
-              </a:solidFill>
-            </a:endParaRPr>
-          </a:p>
-        </p:txBody>
-      </p:sp>
-      <p:sp>
-        <p:nvSpPr>
-          <p:cNvPr id="45" name="Rectangle 39"/>
-          <p:cNvSpPr>
-            <a:spLocks noChangeArrowheads="1"/>
-          </p:cNvSpPr>
-          <p:nvPr/>
-        </p:nvSpPr>
-        <p:spPr bwMode="auto">
-          <a:xfrm>
-            <a:off x="2092269" y="1929808"/>
-            <a:ext cx="12192000" cy="457200"/>
-          </a:xfrm>
-          <a:prstGeom prst="rect">
-            <a:avLst/>
-          </a:prstGeom>
-          <a:noFill/>
-          <a:ln>
-            <a:noFill/>
-          </a:ln>
-          <a:effectLst/>
-          <a:extLst>
-            <a:ext uri="{909E8E84-426E-40DD-AFC4-6F175D3DCCD1}">
-              <a14:hiddenFill xmlns:a14="http://schemas.microsoft.com/office/drawing/2010/main">
-                <a:solidFill>
-                  <a:schemeClr val="accent1"/>
-                </a:solidFill>
-              </a14:hiddenFill>
-            </a:ext>
-            <a:ext uri="{91240B29-F687-4F45-9708-019B960494DF}">
-              <a14:hiddenLine xmlns:a14="http://schemas.microsoft.com/office/drawing/2010/main" w="9525">
-                <a:solidFill>
-                  <a:schemeClr val="tx1"/>
-                </a:solidFill>
-                <a:miter lim="800000"/>
-                <a:headEnd/>
-                <a:tailEnd/>
-              </a14:hiddenLine>
-            </a:ext>
-            <a:ext uri="{AF507438-7753-43E0-B8FC-AC1667EBCBE1}">
-              <a14:hiddenEffects xmlns:a14="http://schemas.microsoft.com/office/drawing/2010/main">
-                <a:effectLst>
-                  <a:outerShdw dist="35921" dir="2700000" algn="ctr" rotWithShape="0">
-                    <a:schemeClr val="bg2"/>
-                  </a:outerShdw>
-                </a:effectLst>
-              </a14:hiddenEffects>
-            </a:ext>
-          </a:extLst>
-        </p:spPr>
-        <p:txBody>
-          <a:bodyPr vert="horz" wrap="none" lIns="91440" tIns="45720" rIns="91440" bIns="45720" numCol="1" anchor="ctr" anchorCtr="0" compatLnSpc="1">
-            <a:prstTxWarp prst="textNoShape">
-              <a:avLst/>
-            </a:prstTxWarp>
-            <a:spAutoFit/>
-          </a:bodyPr>
-          <a:lstStyle/>
-          <a:p>
-            <a:endParaRPr lang="en-US"/>
-          </a:p>
-        </p:txBody>
-      </p:sp>
-      <p:sp>
-        <p:nvSpPr>
-          <p:cNvPr id="68" name="Rectangle 58"/>
-          <p:cNvSpPr>
-            <a:spLocks noChangeArrowheads="1"/>
-          </p:cNvSpPr>
-          <p:nvPr/>
-        </p:nvSpPr>
-        <p:spPr bwMode="auto">
-          <a:xfrm>
-            <a:off x="2528550" y="5686133"/>
-            <a:ext cx="12192000" cy="0"/>
-          </a:xfrm>
-          <a:prstGeom prst="rect">
-            <a:avLst/>
-          </a:prstGeom>
-          <a:noFill/>
-          <a:ln>
-            <a:noFill/>
-          </a:ln>
-          <a:effectLst/>
-          <a:extLst>
-            <a:ext uri="{909E8E84-426E-40DD-AFC4-6F175D3DCCD1}">
-              <a14:hiddenFill xmlns:a14="http://schemas.microsoft.com/office/drawing/2010/main">
-                <a:solidFill>
-                  <a:schemeClr val="accent1"/>
-                </a:solidFill>
-              </a14:hiddenFill>
-            </a:ext>
-            <a:ext uri="{91240B29-F687-4F45-9708-019B960494DF}">
-              <a14:hiddenLine xmlns:a14="http://schemas.microsoft.com/office/drawing/2010/main" w="9525">
-                <a:solidFill>
-                  <a:schemeClr val="tx1"/>
-                </a:solidFill>
-                <a:miter lim="800000"/>
-                <a:headEnd/>
-                <a:tailEnd/>
-              </a14:hiddenLine>
-            </a:ext>
-            <a:ext uri="{AF507438-7753-43E0-B8FC-AC1667EBCBE1}">
-              <a14:hiddenEffects xmlns:a14="http://schemas.microsoft.com/office/drawing/2010/main">
-                <a:effectLst>
-                  <a:outerShdw dist="35921" dir="2700000" algn="ctr" rotWithShape="0">
-                    <a:schemeClr val="bg2"/>
-                  </a:outerShdw>
-                </a:effectLst>
-              </a14:hiddenEffects>
-            </a:ext>
-          </a:extLst>
-        </p:spPr>
-        <p:txBody>
-          <a:bodyPr vert="horz" wrap="none" lIns="91440" tIns="45720" rIns="91440" bIns="45720" numCol="1" anchor="ctr" anchorCtr="0" compatLnSpc="1">
-            <a:prstTxWarp prst="textNoShape">
-              <a:avLst/>
-            </a:prstTxWarp>
-            <a:spAutoFit/>
-          </a:bodyPr>
-          <a:lstStyle/>
-          <a:p>
-            <a:endParaRPr lang="en-US"/>
-          </a:p>
-        </p:txBody>
-      </p:sp>
-      <p:pic>
-        <p:nvPicPr>
-          <p:cNvPr id="60" name="Immagine 59" descr="C:\Users\user\Documents\GitHub\linearVibrationsControl\finalReport\parts\Identification\img\validation_overall_kl_nomass.png"/>
-          <p:cNvPicPr>
-            <a:picLocks noChangeAspect="1"/>
-          </p:cNvPicPr>
-          <p:nvPr/>
-        </p:nvPicPr>
-        <p:blipFill>
-          <a:blip r:embed="rId8" cstate="print">
-            <a:extLst>
-              <a:ext uri="{28A0092B-C50C-407E-A947-70E740481C1C}">
-                <a14:useLocalDpi xmlns:a14="http://schemas.microsoft.com/office/drawing/2010/main" val="0"/>
-              </a:ext>
-            </a:extLst>
-          </a:blip>
-          <a:srcRect/>
-          <a:stretch>
-            <a:fillRect/>
-          </a:stretch>
-        </p:blipFill>
-        <p:spPr bwMode="auto">
-          <a:xfrm>
-            <a:off x="1606450" y="842020"/>
-            <a:ext cx="3737513" cy="2636695"/>
-          </a:xfrm>
-          <a:prstGeom prst="rect">
-            <a:avLst/>
-          </a:prstGeom>
-          <a:noFill/>
-          <a:ln>
-            <a:noFill/>
-          </a:ln>
-        </p:spPr>
-      </p:pic>
-      <p:pic>
-        <p:nvPicPr>
-          <p:cNvPr id="61" name="Immagine 60" descr="C:\Users\user\Documents\GitHub\linearVibrationsControl\finalReport\parts\Identification\img\validation_overall_2dof_klkh_0m0m.png"/>
-          <p:cNvPicPr>
-            <a:picLocks noChangeAspect="1"/>
-          </p:cNvPicPr>
-          <p:nvPr/>
-        </p:nvPicPr>
-        <p:blipFill>
-          <a:blip r:embed="rId9" cstate="print">
-            <a:extLst>
-              <a:ext uri="{28A0092B-C50C-407E-A947-70E740481C1C}">
-                <a14:useLocalDpi xmlns:a14="http://schemas.microsoft.com/office/drawing/2010/main" val="0"/>
-              </a:ext>
-            </a:extLst>
-          </a:blip>
-          <a:srcRect/>
-          <a:stretch>
-            <a:fillRect/>
-          </a:stretch>
-        </p:blipFill>
-        <p:spPr bwMode="auto">
-          <a:xfrm>
-            <a:off x="5511073" y="842020"/>
-            <a:ext cx="3516630" cy="2636695"/>
-          </a:xfrm>
-          <a:prstGeom prst="rect">
-            <a:avLst/>
-          </a:prstGeom>
-          <a:noFill/>
-          <a:ln>
-            <a:noFill/>
-          </a:ln>
-        </p:spPr>
-      </p:pic>
-      <p:sp>
-        <p:nvSpPr>
-          <p:cNvPr id="57" name="Rettangolo 56"/>
-          <p:cNvSpPr/>
-          <p:nvPr/>
-        </p:nvSpPr>
-        <p:spPr>
-          <a:xfrm>
-            <a:off x="3036624" y="3307950"/>
-            <a:ext cx="877163" cy="369332"/>
-          </a:xfrm>
-          <a:prstGeom prst="rect">
-            <a:avLst/>
-          </a:prstGeom>
-        </p:spPr>
-        <p:txBody>
-          <a:bodyPr wrap="none">
-            <a:spAutoFit/>
-          </a:bodyPr>
-          <a:lstStyle/>
-          <a:p>
-            <a:r>
-              <a:rPr lang="it-IT" dirty="0">
-                <a:latin typeface="Calibri" panose="020F0502020204030204" pitchFamily="34" charset="0"/>
-                <a:ea typeface="Calibri" panose="020F0502020204030204" pitchFamily="34" charset="0"/>
-                <a:cs typeface="Times New Roman" panose="02020603050405020304" pitchFamily="18" charset="0"/>
-              </a:rPr>
-              <a:t>1 </a:t>
-            </a:r>
-            <a:r>
-              <a:rPr lang="it-IT" dirty="0" err="1">
-                <a:latin typeface="Calibri" panose="020F0502020204030204" pitchFamily="34" charset="0"/>
-                <a:ea typeface="Calibri" panose="020F0502020204030204" pitchFamily="34" charset="0"/>
-                <a:cs typeface="Times New Roman" panose="02020603050405020304" pitchFamily="18" charset="0"/>
-              </a:rPr>
-              <a:t>dof</a:t>
-            </a:r>
-            <a:r>
-              <a:rPr lang="it-IT" dirty="0">
-                <a:latin typeface="Calibri" panose="020F0502020204030204" pitchFamily="34" charset="0"/>
-                <a:ea typeface="Calibri" panose="020F0502020204030204" pitchFamily="34" charset="0"/>
-                <a:cs typeface="Times New Roman" panose="02020603050405020304" pitchFamily="18" charset="0"/>
-              </a:rPr>
-              <a:t> </a:t>
-            </a:r>
-            <a:r>
-              <a:rPr lang="it-IT" dirty="0" err="1">
-                <a:latin typeface="Calibri" panose="020F0502020204030204" pitchFamily="34" charset="0"/>
-                <a:ea typeface="Calibri" panose="020F0502020204030204" pitchFamily="34" charset="0"/>
-                <a:cs typeface="Times New Roman" panose="02020603050405020304" pitchFamily="18" charset="0"/>
-              </a:rPr>
-              <a:t>K</a:t>
-            </a:r>
-            <a:r>
-              <a:rPr lang="it-IT" baseline="-25000" dirty="0" err="1">
-                <a:latin typeface="Calibri" panose="020F0502020204030204" pitchFamily="34" charset="0"/>
-                <a:ea typeface="Calibri" panose="020F0502020204030204" pitchFamily="34" charset="0"/>
-                <a:cs typeface="Times New Roman" panose="02020603050405020304" pitchFamily="18" charset="0"/>
-              </a:rPr>
-              <a:t>l</a:t>
-            </a:r>
-            <a:endParaRPr lang="en-US" dirty="0"/>
-          </a:p>
-        </p:txBody>
-      </p:sp>
-      <p:sp>
-        <p:nvSpPr>
-          <p:cNvPr id="62" name="Rettangolo 61"/>
-          <p:cNvSpPr/>
-          <p:nvPr/>
-        </p:nvSpPr>
-        <p:spPr>
-          <a:xfrm>
-            <a:off x="6712985" y="3316093"/>
-            <a:ext cx="1112805" cy="369332"/>
-          </a:xfrm>
-          <a:prstGeom prst="rect">
-            <a:avLst/>
-          </a:prstGeom>
-        </p:spPr>
-        <p:txBody>
-          <a:bodyPr wrap="none">
-            <a:spAutoFit/>
-          </a:bodyPr>
-          <a:lstStyle/>
-          <a:p>
-            <a:r>
-              <a:rPr lang="it-IT" dirty="0">
-                <a:latin typeface="Calibri" panose="020F0502020204030204" pitchFamily="34" charset="0"/>
-                <a:ea typeface="Calibri" panose="020F0502020204030204" pitchFamily="34" charset="0"/>
-                <a:cs typeface="Times New Roman" panose="02020603050405020304" pitchFamily="18" charset="0"/>
-              </a:rPr>
-              <a:t>2 </a:t>
-            </a:r>
-            <a:r>
-              <a:rPr lang="it-IT" dirty="0" err="1">
-                <a:latin typeface="Calibri" panose="020F0502020204030204" pitchFamily="34" charset="0"/>
-                <a:ea typeface="Calibri" panose="020F0502020204030204" pitchFamily="34" charset="0"/>
-                <a:cs typeface="Times New Roman" panose="02020603050405020304" pitchFamily="18" charset="0"/>
-              </a:rPr>
-              <a:t>dof</a:t>
-            </a:r>
-            <a:r>
-              <a:rPr lang="it-IT" dirty="0">
-                <a:latin typeface="Calibri" panose="020F0502020204030204" pitchFamily="34" charset="0"/>
-                <a:ea typeface="Calibri" panose="020F0502020204030204" pitchFamily="34" charset="0"/>
-                <a:cs typeface="Times New Roman" panose="02020603050405020304" pitchFamily="18" charset="0"/>
-              </a:rPr>
-              <a:t> </a:t>
-            </a:r>
-            <a:r>
-              <a:rPr lang="it-IT" dirty="0" err="1">
-                <a:latin typeface="Calibri" panose="020F0502020204030204" pitchFamily="34" charset="0"/>
-                <a:ea typeface="Calibri" panose="020F0502020204030204" pitchFamily="34" charset="0"/>
-                <a:cs typeface="Times New Roman" panose="02020603050405020304" pitchFamily="18" charset="0"/>
-              </a:rPr>
-              <a:t>K</a:t>
-            </a:r>
-            <a:r>
-              <a:rPr lang="it-IT" baseline="-25000" dirty="0" err="1">
-                <a:latin typeface="Calibri" panose="020F0502020204030204" pitchFamily="34" charset="0"/>
-                <a:ea typeface="Calibri" panose="020F0502020204030204" pitchFamily="34" charset="0"/>
-                <a:cs typeface="Times New Roman" panose="02020603050405020304" pitchFamily="18" charset="0"/>
-              </a:rPr>
-              <a:t>l</a:t>
-            </a:r>
-            <a:r>
-              <a:rPr lang="it-IT" baseline="-25000" dirty="0">
-                <a:latin typeface="Calibri" panose="020F0502020204030204" pitchFamily="34" charset="0"/>
-                <a:ea typeface="Calibri" panose="020F0502020204030204" pitchFamily="34" charset="0"/>
-                <a:cs typeface="Times New Roman" panose="02020603050405020304" pitchFamily="18" charset="0"/>
-              </a:rPr>
-              <a:t> </a:t>
-            </a:r>
-            <a:r>
-              <a:rPr lang="it-IT" dirty="0" err="1">
-                <a:latin typeface="Calibri" panose="020F0502020204030204" pitchFamily="34" charset="0"/>
-                <a:ea typeface="Calibri" panose="020F0502020204030204" pitchFamily="34" charset="0"/>
-                <a:cs typeface="Times New Roman" panose="02020603050405020304" pitchFamily="18" charset="0"/>
-              </a:rPr>
-              <a:t>K</a:t>
-            </a:r>
-            <a:r>
-              <a:rPr lang="it-IT" baseline="-25000" dirty="0" err="1">
-                <a:latin typeface="Calibri" panose="020F0502020204030204" pitchFamily="34" charset="0"/>
-                <a:ea typeface="Calibri" panose="020F0502020204030204" pitchFamily="34" charset="0"/>
-                <a:cs typeface="Times New Roman" panose="02020603050405020304" pitchFamily="18" charset="0"/>
-              </a:rPr>
-              <a:t>h</a:t>
-            </a:r>
-            <a:endParaRPr lang="en-US" dirty="0"/>
-          </a:p>
-        </p:txBody>
-      </p:sp>
-      <p:sp>
-        <p:nvSpPr>
-          <p:cNvPr id="46" name="Rettangolo 45"/>
-          <p:cNvSpPr/>
-          <p:nvPr/>
-        </p:nvSpPr>
-        <p:spPr>
-          <a:xfrm>
-            <a:off x="6767369" y="6196053"/>
-            <a:ext cx="1197379" cy="369332"/>
-          </a:xfrm>
-          <a:prstGeom prst="rect">
-            <a:avLst/>
-          </a:prstGeom>
-        </p:spPr>
-        <p:txBody>
-          <a:bodyPr wrap="none">
-            <a:spAutoFit/>
-          </a:bodyPr>
-          <a:lstStyle/>
-          <a:p>
-            <a:r>
-              <a:rPr lang="it-IT" dirty="0">
-                <a:latin typeface="Calibri" panose="020F0502020204030204" pitchFamily="34" charset="0"/>
-                <a:ea typeface="Calibri" panose="020F0502020204030204" pitchFamily="34" charset="0"/>
-                <a:cs typeface="Times New Roman" panose="02020603050405020304" pitchFamily="18" charset="0"/>
-              </a:rPr>
-              <a:t>2 </a:t>
-            </a:r>
-            <a:r>
-              <a:rPr lang="it-IT" dirty="0" err="1">
-                <a:latin typeface="Calibri" panose="020F0502020204030204" pitchFamily="34" charset="0"/>
-                <a:ea typeface="Calibri" panose="020F0502020204030204" pitchFamily="34" charset="0"/>
-                <a:cs typeface="Times New Roman" panose="02020603050405020304" pitchFamily="18" charset="0"/>
-              </a:rPr>
-              <a:t>dof</a:t>
-            </a:r>
-            <a:r>
-              <a:rPr lang="it-IT" dirty="0">
-                <a:latin typeface="Calibri" panose="020F0502020204030204" pitchFamily="34" charset="0"/>
-                <a:ea typeface="Calibri" panose="020F0502020204030204" pitchFamily="34" charset="0"/>
-                <a:cs typeface="Times New Roman" panose="02020603050405020304" pitchFamily="18" charset="0"/>
-              </a:rPr>
-              <a:t> </a:t>
-            </a:r>
-            <a:r>
-              <a:rPr lang="it-IT" dirty="0" err="1">
-                <a:latin typeface="Calibri" panose="020F0502020204030204" pitchFamily="34" charset="0"/>
-                <a:ea typeface="Calibri" panose="020F0502020204030204" pitchFamily="34" charset="0"/>
-                <a:cs typeface="Times New Roman" panose="02020603050405020304" pitchFamily="18" charset="0"/>
-              </a:rPr>
-              <a:t>K</a:t>
-            </a:r>
-            <a:r>
-              <a:rPr lang="it-IT" baseline="-25000" dirty="0" err="1">
-                <a:latin typeface="Calibri" panose="020F0502020204030204" pitchFamily="34" charset="0"/>
-                <a:ea typeface="Calibri" panose="020F0502020204030204" pitchFamily="34" charset="0"/>
-                <a:cs typeface="Times New Roman" panose="02020603050405020304" pitchFamily="18" charset="0"/>
-              </a:rPr>
-              <a:t>h</a:t>
-            </a:r>
-            <a:r>
-              <a:rPr lang="it-IT" baseline="-25000" dirty="0">
-                <a:latin typeface="Calibri" panose="020F0502020204030204" pitchFamily="34" charset="0"/>
-                <a:ea typeface="Calibri" panose="020F0502020204030204" pitchFamily="34" charset="0"/>
-                <a:cs typeface="Times New Roman" panose="02020603050405020304" pitchFamily="18" charset="0"/>
-              </a:rPr>
-              <a:t> </a:t>
-            </a:r>
-            <a:r>
-              <a:rPr lang="it-IT" dirty="0">
-                <a:latin typeface="Calibri" panose="020F0502020204030204" pitchFamily="34" charset="0"/>
-                <a:ea typeface="Calibri" panose="020F0502020204030204" pitchFamily="34" charset="0"/>
-                <a:cs typeface="Times New Roman" panose="02020603050405020304" pitchFamily="18" charset="0"/>
-              </a:rPr>
-              <a:t>K</a:t>
-            </a:r>
-            <a:r>
-              <a:rPr lang="it-IT" baseline="-25000" dirty="0">
-                <a:latin typeface="Calibri" panose="020F0502020204030204" pitchFamily="34" charset="0"/>
-                <a:ea typeface="Calibri" panose="020F0502020204030204" pitchFamily="34" charset="0"/>
-                <a:cs typeface="Times New Roman" panose="02020603050405020304" pitchFamily="18" charset="0"/>
-              </a:rPr>
-              <a:t>m</a:t>
-            </a:r>
-            <a:endParaRPr lang="en-US" dirty="0"/>
-          </a:p>
-        </p:txBody>
-      </p:sp>
-      <p:sp>
-        <p:nvSpPr>
-          <p:cNvPr id="47" name="Rettangolo 46"/>
-          <p:cNvSpPr/>
-          <p:nvPr/>
-        </p:nvSpPr>
-        <p:spPr>
-          <a:xfrm>
-            <a:off x="3067111" y="6197820"/>
-            <a:ext cx="922047" cy="369332"/>
-          </a:xfrm>
-          <a:prstGeom prst="rect">
-            <a:avLst/>
-          </a:prstGeom>
-        </p:spPr>
-        <p:txBody>
-          <a:bodyPr wrap="none">
-            <a:spAutoFit/>
-          </a:bodyPr>
-          <a:lstStyle/>
-          <a:p>
-            <a:r>
-              <a:rPr lang="it-IT" dirty="0">
-                <a:latin typeface="Calibri" panose="020F0502020204030204" pitchFamily="34" charset="0"/>
-                <a:ea typeface="Calibri" panose="020F0502020204030204" pitchFamily="34" charset="0"/>
-                <a:cs typeface="Times New Roman" panose="02020603050405020304" pitchFamily="18" charset="0"/>
-              </a:rPr>
-              <a:t>1 </a:t>
-            </a:r>
-            <a:r>
-              <a:rPr lang="it-IT" dirty="0" err="1">
-                <a:latin typeface="Calibri" panose="020F0502020204030204" pitchFamily="34" charset="0"/>
-                <a:ea typeface="Calibri" panose="020F0502020204030204" pitchFamily="34" charset="0"/>
-                <a:cs typeface="Times New Roman" panose="02020603050405020304" pitchFamily="18" charset="0"/>
-              </a:rPr>
-              <a:t>dof</a:t>
-            </a:r>
-            <a:r>
-              <a:rPr lang="it-IT" dirty="0">
-                <a:latin typeface="Calibri" panose="020F0502020204030204" pitchFamily="34" charset="0"/>
-                <a:ea typeface="Calibri" panose="020F0502020204030204" pitchFamily="34" charset="0"/>
-                <a:cs typeface="Times New Roman" panose="02020603050405020304" pitchFamily="18" charset="0"/>
-              </a:rPr>
-              <a:t> </a:t>
-            </a:r>
-            <a:r>
-              <a:rPr lang="it-IT" dirty="0" err="1">
-                <a:latin typeface="Calibri" panose="020F0502020204030204" pitchFamily="34" charset="0"/>
-                <a:ea typeface="Calibri" panose="020F0502020204030204" pitchFamily="34" charset="0"/>
-                <a:cs typeface="Times New Roman" panose="02020603050405020304" pitchFamily="18" charset="0"/>
-              </a:rPr>
-              <a:t>K</a:t>
-            </a:r>
-            <a:r>
-              <a:rPr lang="it-IT" baseline="-25000" dirty="0" err="1">
-                <a:latin typeface="Calibri" panose="020F0502020204030204" pitchFamily="34" charset="0"/>
-                <a:ea typeface="Calibri" panose="020F0502020204030204" pitchFamily="34" charset="0"/>
-                <a:cs typeface="Times New Roman" panose="02020603050405020304" pitchFamily="18" charset="0"/>
-              </a:rPr>
-              <a:t>h</a:t>
-            </a:r>
-            <a:endParaRPr lang="en-US" dirty="0"/>
-          </a:p>
-        </p:txBody>
-      </p:sp>
-    </p:spTree>
-    <p:extLst>
-      <p:ext uri="{BB962C8B-B14F-4D97-AF65-F5344CB8AC3E}">
-        <p14:creationId xmlns:p14="http://schemas.microsoft.com/office/powerpoint/2010/main" val="1907308583"/>
+        <p14:creationId xmlns:p14="http://schemas.microsoft.com/office/powerpoint/2010/main" val="4288432972"/>
       </p:ext>
     </p:extLst>
   </p:cSld>
@@ -11885,7 +8826,7 @@
           <a:lstStyle/>
           <a:p>
             <a:pPr algn="ctr"/>
-            <a:endParaRPr lang="it-IT"/>
+            <a:endParaRPr lang="it-IT" dirty="0"/>
           </a:p>
         </p:txBody>
       </p:sp>
@@ -11942,7 +8883,7 @@
             <a:lstStyle/>
             <a:p>
               <a:pPr algn="ctr"/>
-              <a:endParaRPr lang="it-IT"/>
+              <a:endParaRPr lang="it-IT" dirty="0"/>
             </a:p>
           </p:txBody>
         </p:sp>
@@ -12012,7 +8953,7 @@
           <a:lstStyle/>
           <a:p>
             <a:pPr algn="ctr"/>
-            <a:endParaRPr lang="it-IT"/>
+            <a:endParaRPr lang="it-IT" dirty="0"/>
           </a:p>
         </p:txBody>
       </p:sp>
@@ -12069,7 +9010,7 @@
             <a:lstStyle/>
             <a:p>
               <a:pPr algn="ctr"/>
-              <a:endParaRPr lang="it-IT"/>
+              <a:endParaRPr lang="it-IT" dirty="0"/>
             </a:p>
           </p:txBody>
         </p:sp>
@@ -12139,7 +9080,7 @@
           <a:lstStyle/>
           <a:p>
             <a:pPr algn="ctr"/>
-            <a:endParaRPr lang="it-IT"/>
+            <a:endParaRPr lang="it-IT" dirty="0"/>
           </a:p>
         </p:txBody>
       </p:sp>
@@ -12196,7 +9137,7 @@
             <a:lstStyle/>
             <a:p>
               <a:pPr algn="ctr"/>
-              <a:endParaRPr lang="it-IT"/>
+              <a:endParaRPr lang="it-IT" dirty="0"/>
             </a:p>
           </p:txBody>
         </p:sp>
@@ -12266,7 +9207,7 @@
           <a:lstStyle/>
           <a:p>
             <a:pPr algn="ctr"/>
-            <a:endParaRPr lang="it-IT"/>
+            <a:endParaRPr lang="it-IT" dirty="0"/>
           </a:p>
         </p:txBody>
       </p:sp>
@@ -12323,7 +9264,7 @@
             <a:lstStyle/>
             <a:p>
               <a:pPr algn="ctr"/>
-              <a:endParaRPr lang="it-IT"/>
+              <a:endParaRPr lang="it-IT" dirty="0"/>
             </a:p>
           </p:txBody>
         </p:sp>
@@ -12410,7 +9351,7 @@
             <a:lstStyle/>
             <a:p>
               <a:pPr algn="ctr"/>
-              <a:endParaRPr lang="it-IT"/>
+              <a:endParaRPr lang="it-IT" dirty="0"/>
             </a:p>
           </p:txBody>
         </p:sp>
@@ -12480,7 +9421,7 @@
           <a:lstStyle/>
           <a:p>
             <a:pPr algn="ctr"/>
-            <a:endParaRPr lang="it-IT"/>
+            <a:endParaRPr lang="it-IT" dirty="0"/>
           </a:p>
         </p:txBody>
       </p:sp>
@@ -12537,7 +9478,7 @@
             <a:lstStyle/>
             <a:p>
               <a:pPr algn="ctr"/>
-              <a:endParaRPr lang="it-IT"/>
+              <a:endParaRPr lang="it-IT" dirty="0"/>
             </a:p>
           </p:txBody>
         </p:sp>
@@ -12607,7 +9548,7 @@
           <a:lstStyle/>
           <a:p>
             <a:pPr algn="ctr"/>
-            <a:endParaRPr lang="it-IT"/>
+            <a:endParaRPr lang="it-IT" dirty="0"/>
           </a:p>
         </p:txBody>
       </p:sp>
@@ -15051,7 +11992,7 @@
           <a:graphicData uri="http://schemas.openxmlformats.org/presentationml/2006/ole">
             <mc:AlternateContent xmlns:mc="http://schemas.openxmlformats.org/markup-compatibility/2006">
               <mc:Choice xmlns:v="urn:schemas-microsoft-com:vml" Requires="v">
-                <p:oleObj spid="_x0000_s2689" name="Equazione" r:id="rId8" imgW="1815312" imgH="393529" progId="Equation.3">
+                <p:oleObj spid="_x0000_s2717" name="Equazione" r:id="rId8" imgW="1815312" imgH="393529" progId="Equation.3">
                   <p:embed/>
                 </p:oleObj>
               </mc:Choice>
@@ -15118,7 +12059,7 @@
           <a:graphicData uri="http://schemas.openxmlformats.org/presentationml/2006/ole">
             <mc:AlternateContent xmlns:mc="http://schemas.openxmlformats.org/markup-compatibility/2006">
               <mc:Choice xmlns:v="urn:schemas-microsoft-com:vml" Requires="v">
-                <p:oleObj spid="_x0000_s2690" name="Equazione" r:id="rId10" imgW="457200" imgH="241200" progId="Equation.3">
+                <p:oleObj spid="_x0000_s2718" name="Equazione" r:id="rId10" imgW="457200" imgH="241200" progId="Equation.3">
                   <p:embed/>
                 </p:oleObj>
               </mc:Choice>
@@ -15179,7 +12120,7 @@
           <a:graphicData uri="http://schemas.openxmlformats.org/presentationml/2006/ole">
             <mc:AlternateContent xmlns:mc="http://schemas.openxmlformats.org/markup-compatibility/2006">
               <mc:Choice xmlns:v="urn:schemas-microsoft-com:vml" Requires="v">
-                <p:oleObj spid="_x0000_s2691" name="Equazione" r:id="rId12" imgW="203112" imgH="228501" progId="Equation.3">
+                <p:oleObj spid="_x0000_s2719" name="Equazione" r:id="rId12" imgW="203112" imgH="228501" progId="Equation.3">
                   <p:embed/>
                 </p:oleObj>
               </mc:Choice>
@@ -15387,7 +12328,7 @@
           <a:graphicData uri="http://schemas.openxmlformats.org/presentationml/2006/ole">
             <mc:AlternateContent xmlns:mc="http://schemas.openxmlformats.org/markup-compatibility/2006">
               <mc:Choice xmlns:v="urn:schemas-microsoft-com:vml" Requires="v">
-                <p:oleObj spid="_x0000_s2692" name="Equazione" r:id="rId14" imgW="787400" imgH="228600" progId="Equation.3">
+                <p:oleObj spid="_x0000_s2720" name="Equazione" r:id="rId14" imgW="787400" imgH="228600" progId="Equation.3">
                   <p:embed/>
                 </p:oleObj>
               </mc:Choice>
@@ -16134,7 +13075,7 @@
           <a:graphicData uri="http://schemas.openxmlformats.org/presentationml/2006/ole">
             <mc:AlternateContent xmlns:mc="http://schemas.openxmlformats.org/markup-compatibility/2006">
               <mc:Choice xmlns:v="urn:schemas-microsoft-com:vml" Requires="v">
-                <p:oleObj spid="_x0000_s11291" name="Equazione" r:id="rId8" imgW="1625400" imgH="241200" progId="Equation.3">
+                <p:oleObj spid="_x0000_s11326" name="Equazione" r:id="rId8" imgW="1625400" imgH="241200" progId="Equation.3">
                   <p:embed/>
                 </p:oleObj>
               </mc:Choice>
@@ -16200,7 +13141,7 @@
           <a:graphicData uri="http://schemas.openxmlformats.org/presentationml/2006/ole">
             <mc:AlternateContent xmlns:mc="http://schemas.openxmlformats.org/markup-compatibility/2006">
               <mc:Choice xmlns:v="urn:schemas-microsoft-com:vml" Requires="v">
-                <p:oleObj spid="_x0000_s11292" name="Equazione" r:id="rId10" imgW="304668" imgH="228501" progId="Equation.3">
+                <p:oleObj spid="_x0000_s11327" name="Equazione" r:id="rId10" imgW="304668" imgH="228501" progId="Equation.3">
                   <p:embed/>
                 </p:oleObj>
               </mc:Choice>
@@ -16267,7 +13208,7 @@
           <a:graphicData uri="http://schemas.openxmlformats.org/presentationml/2006/ole">
             <mc:AlternateContent xmlns:mc="http://schemas.openxmlformats.org/markup-compatibility/2006">
               <mc:Choice xmlns:v="urn:schemas-microsoft-com:vml" Requires="v">
-                <p:oleObj spid="_x0000_s11293" name="Equazione" r:id="rId12" imgW="139579" imgH="177646" progId="Equation.3">
+                <p:oleObj spid="_x0000_s11328" name="Equazione" r:id="rId12" imgW="139579" imgH="177646" progId="Equation.3">
                   <p:embed/>
                 </p:oleObj>
               </mc:Choice>
@@ -16334,7 +13275,7 @@
           <a:graphicData uri="http://schemas.openxmlformats.org/presentationml/2006/ole">
             <mc:AlternateContent xmlns:mc="http://schemas.openxmlformats.org/markup-compatibility/2006">
               <mc:Choice xmlns:v="urn:schemas-microsoft-com:vml" Requires="v">
-                <p:oleObj spid="_x0000_s11294" name="Equazione" r:id="rId14" imgW="545760" imgH="241200" progId="Equation.3">
+                <p:oleObj spid="_x0000_s11329" name="Equazione" r:id="rId14" imgW="545760" imgH="241200" progId="Equation.3">
                   <p:embed/>
                 </p:oleObj>
               </mc:Choice>
@@ -16921,7 +13862,7 @@
           <a:graphicData uri="http://schemas.openxmlformats.org/presentationml/2006/ole">
             <mc:AlternateContent xmlns:mc="http://schemas.openxmlformats.org/markup-compatibility/2006">
               <mc:Choice xmlns:v="urn:schemas-microsoft-com:vml" Requires="v">
-                <p:oleObj spid="_x0000_s11295" name="Equazione" r:id="rId12" imgW="139579" imgH="177646" progId="Equation.3">
+                <p:oleObj spid="_x0000_s11330" name="Equazione" r:id="rId12" imgW="139579" imgH="177646" progId="Equation.3">
                   <p:embed/>
                 </p:oleObj>
               </mc:Choice>
@@ -17249,7 +14190,7 @@
           <a:graphicData uri="http://schemas.openxmlformats.org/presentationml/2006/ole">
             <mc:AlternateContent xmlns:mc="http://schemas.openxmlformats.org/markup-compatibility/2006">
               <mc:Choice xmlns:v="urn:schemas-microsoft-com:vml" Requires="v">
-                <p:oleObj spid="_x0000_s9307" name="Equazione" r:id="rId7" imgW="1549400" imgH="228600" progId="Equation.3">
+                <p:oleObj spid="_x0000_s9349" name="Equazione" r:id="rId7" imgW="1549400" imgH="228600" progId="Equation.3">
                   <p:embed/>
                 </p:oleObj>
               </mc:Choice>
@@ -17321,7 +14262,7 @@
           <a:graphicData uri="http://schemas.openxmlformats.org/presentationml/2006/ole">
             <mc:AlternateContent xmlns:mc="http://schemas.openxmlformats.org/markup-compatibility/2006">
               <mc:Choice xmlns:v="urn:schemas-microsoft-com:vml" Requires="v">
-                <p:oleObj spid="_x0000_s9308" name="Equazione" r:id="rId9" imgW="469900" imgH="228600" progId="Equation.3">
+                <p:oleObj spid="_x0000_s9350" name="Equazione" r:id="rId9" imgW="469900" imgH="228600" progId="Equation.3">
                   <p:embed/>
                 </p:oleObj>
               </mc:Choice>
@@ -17521,7 +14462,7 @@
           <a:graphicData uri="http://schemas.openxmlformats.org/presentationml/2006/ole">
             <mc:AlternateContent xmlns:mc="http://schemas.openxmlformats.org/markup-compatibility/2006">
               <mc:Choice xmlns:v="urn:schemas-microsoft-com:vml" Requires="v">
-                <p:oleObj spid="_x0000_s9309" name="Equazione" r:id="rId11" imgW="520474" imgH="393529" progId="Equation.3">
+                <p:oleObj spid="_x0000_s9351" name="Equazione" r:id="rId11" imgW="520474" imgH="393529" progId="Equation.3">
                   <p:embed/>
                 </p:oleObj>
               </mc:Choice>
@@ -17588,7 +14529,7 @@
           <a:graphicData uri="http://schemas.openxmlformats.org/presentationml/2006/ole">
             <mc:AlternateContent xmlns:mc="http://schemas.openxmlformats.org/markup-compatibility/2006">
               <mc:Choice xmlns:v="urn:schemas-microsoft-com:vml" Requires="v">
-                <p:oleObj spid="_x0000_s9310" name="Equazione" r:id="rId13" imgW="2044700" imgH="393700" progId="Equation.3">
+                <p:oleObj spid="_x0000_s9352" name="Equazione" r:id="rId13" imgW="2044700" imgH="393700" progId="Equation.3">
                   <p:embed/>
                 </p:oleObj>
               </mc:Choice>
@@ -17660,7 +14601,7 @@
           <a:graphicData uri="http://schemas.openxmlformats.org/presentationml/2006/ole">
             <mc:AlternateContent xmlns:mc="http://schemas.openxmlformats.org/markup-compatibility/2006">
               <mc:Choice xmlns:v="urn:schemas-microsoft-com:vml" Requires="v">
-                <p:oleObj spid="_x0000_s9311" name="Equazione" r:id="rId15" imgW="571252" imgH="393529" progId="Equation.3">
+                <p:oleObj spid="_x0000_s9353" name="Equazione" r:id="rId15" imgW="571252" imgH="393529" progId="Equation.3">
                   <p:embed/>
                 </p:oleObj>
               </mc:Choice>
@@ -18106,7 +15047,7 @@
           <a:graphicData uri="http://schemas.openxmlformats.org/presentationml/2006/ole">
             <mc:AlternateContent xmlns:mc="http://schemas.openxmlformats.org/markup-compatibility/2006">
               <mc:Choice xmlns:v="urn:schemas-microsoft-com:vml" Requires="v">
-                <p:oleObj spid="_x0000_s9312" name="Equazione" r:id="rId18" imgW="190440" imgH="152280" progId="Equation.3">
+                <p:oleObj spid="_x0000_s9354" name="Equazione" r:id="rId18" imgW="190440" imgH="152280" progId="Equation.3">
                   <p:embed/>
                 </p:oleObj>
               </mc:Choice>
@@ -18204,26 +15145,13 @@
           <a:lstStyle/>
           <a:p>
             <a:r>
-              <a:rPr lang="it-IT" sz="3000" dirty="0" err="1">
+              <a:rPr lang="en-GB" sz="3000" dirty="0">
                 <a:solidFill>
                   <a:srgbClr val="003366"/>
                 </a:solidFill>
               </a:rPr>
-              <a:t>Equations</a:t>
-            </a:r>
-            <a:r>
-              <a:rPr lang="it-IT" sz="3000" dirty="0">
-                <a:solidFill>
-                  <a:srgbClr val="003366"/>
-                </a:solidFill>
-              </a:rPr>
-              <a:t>: 1-2-3 DOF</a:t>
-            </a:r>
-            <a:endParaRPr lang="en-US" sz="3000" dirty="0">
-              <a:solidFill>
-                <a:srgbClr val="003366"/>
-              </a:solidFill>
-            </a:endParaRPr>
+              <a:t>Equations: 1-2-3 DOF</a:t>
+            </a:r>
           </a:p>
         </p:txBody>
       </p:sp>
@@ -18335,7 +15263,7 @@
           <a:lstStyle/>
           <a:p>
             <a:r>
-              <a:rPr lang="en-US" sz="1200" b="1" dirty="0">
+              <a:rPr lang="en-GB" sz="1200" b="1" dirty="0">
                 <a:solidFill>
                   <a:srgbClr val="FFFFFF"/>
                 </a:solidFill>
@@ -18404,14 +15332,14 @@
               </a:lnSpc>
             </a:pPr>
             <a:r>
-              <a:rPr lang="en-US" sz="1200" b="1" dirty="0">
+              <a:rPr lang="en-GB" sz="1200" b="1" dirty="0">
                 <a:solidFill>
                   <a:srgbClr val="003366"/>
                 </a:solidFill>
               </a:rPr>
               <a:t>Control of linear vibrations</a:t>
             </a:r>
-            <a:endParaRPr lang="en-US" sz="1300" b="1" dirty="0">
+            <a:endParaRPr lang="en-GB" sz="1300" b="1" dirty="0">
               <a:solidFill>
                 <a:srgbClr val="003366"/>
               </a:solidFill>
@@ -18419,128 +15347,6 @@
           </a:p>
         </p:txBody>
       </p:sp>
-      <p:graphicFrame>
-        <p:nvGraphicFramePr>
-          <p:cNvPr id="32" name="Oggetto 31"/>
-          <p:cNvGraphicFramePr>
-            <a:graphicFrameLocks noChangeAspect="1"/>
-          </p:cNvGraphicFramePr>
-          <p:nvPr>
-            <p:extLst>
-              <p:ext uri="{D42A27DB-BD31-4B8C-83A1-F6EECF244321}">
-                <p14:modId xmlns:p14="http://schemas.microsoft.com/office/powerpoint/2010/main" val="2001483274"/>
-              </p:ext>
-            </p:extLst>
-          </p:nvPr>
-        </p:nvGraphicFramePr>
-        <p:xfrm>
-          <a:off x="2139050" y="774025"/>
-          <a:ext cx="302525" cy="429586"/>
-        </p:xfrm>
-        <a:graphic>
-          <a:graphicData uri="http://schemas.openxmlformats.org/presentationml/2006/ole">
-            <mc:AlternateContent xmlns:mc="http://schemas.openxmlformats.org/markup-compatibility/2006">
-              <mc:Choice xmlns:v="urn:schemas-microsoft-com:vml" Requires="v">
-                <p:oleObj spid="_x0000_s3533" name="Equazione" r:id="rId7" imgW="152280" imgH="215640" progId="Equation.3">
-                  <p:embed/>
-                </p:oleObj>
-              </mc:Choice>
-              <mc:Fallback>
-                <p:oleObj name="Equazione" r:id="rId7" imgW="152280" imgH="215640" progId="Equation.3">
-                  <p:embed/>
-                  <p:pic>
-                    <p:nvPicPr>
-                      <p:cNvPr id="32" name="Oggetto 31"/>
-                      <p:cNvPicPr>
-                        <a:picLocks noChangeAspect="1" noChangeArrowheads="1"/>
-                      </p:cNvPicPr>
-                      <p:nvPr/>
-                    </p:nvPicPr>
-                    <p:blipFill>
-                      <a:blip r:embed="rId8"/>
-                      <a:srcRect/>
-                      <a:stretch>
-                        <a:fillRect/>
-                      </a:stretch>
-                    </p:blipFill>
-                    <p:spPr bwMode="auto">
-                      <a:xfrm>
-                        <a:off x="2139050" y="774025"/>
-                        <a:ext cx="302525" cy="429586"/>
-                      </a:xfrm>
-                      <a:prstGeom prst="rect">
-                        <a:avLst/>
-                      </a:prstGeom>
-                      <a:noFill/>
-                    </p:spPr>
-                  </p:pic>
-                </p:oleObj>
-              </mc:Fallback>
-            </mc:AlternateContent>
-          </a:graphicData>
-        </a:graphic>
-      </p:graphicFrame>
-      <p:graphicFrame>
-        <p:nvGraphicFramePr>
-          <p:cNvPr id="33" name="Oggetto 32"/>
-          <p:cNvGraphicFramePr>
-            <a:graphicFrameLocks noChangeAspect="1"/>
-          </p:cNvGraphicFramePr>
-          <p:nvPr>
-            <p:extLst>
-              <p:ext uri="{D42A27DB-BD31-4B8C-83A1-F6EECF244321}">
-                <p14:modId xmlns:p14="http://schemas.microsoft.com/office/powerpoint/2010/main" val="1490495349"/>
-              </p:ext>
-            </p:extLst>
-          </p:nvPr>
-        </p:nvGraphicFramePr>
-        <p:xfrm>
-          <a:off x="2139950" y="1127125"/>
-          <a:ext cx="301625" cy="398463"/>
-        </p:xfrm>
-        <a:graphic>
-          <a:graphicData uri="http://schemas.openxmlformats.org/presentationml/2006/ole">
-            <mc:AlternateContent xmlns:mc="http://schemas.openxmlformats.org/markup-compatibility/2006">
-              <mc:Choice xmlns:v="urn:schemas-microsoft-com:vml" Requires="v">
-                <p:oleObj spid="_x0000_s3534" name="Equazione" r:id="rId9" imgW="164880" imgH="215640" progId="Equation.3">
-                  <p:embed/>
-                </p:oleObj>
-              </mc:Choice>
-              <mc:Fallback>
-                <p:oleObj name="Equazione" r:id="rId9" imgW="164880" imgH="215640" progId="Equation.3">
-                  <p:embed/>
-                  <p:pic>
-                    <p:nvPicPr>
-                      <p:cNvPr id="33" name="Oggetto 32"/>
-                      <p:cNvPicPr>
-                        <a:picLocks noChangeAspect="1" noChangeArrowheads="1"/>
-                      </p:cNvPicPr>
-                      <p:nvPr/>
-                    </p:nvPicPr>
-                    <p:blipFill>
-                      <a:blip r:embed="rId10"/>
-                      <a:srcRect/>
-                      <a:stretch>
-                        <a:fillRect/>
-                      </a:stretch>
-                    </p:blipFill>
-                    <p:spPr bwMode="auto">
-                      <a:xfrm>
-                        <a:off x="2139950" y="1127125"/>
-                        <a:ext cx="301625" cy="398463"/>
-                      </a:xfrm>
-                      <a:prstGeom prst="rect">
-                        <a:avLst/>
-                      </a:prstGeom>
-                      <a:noFill/>
-                    </p:spPr>
-                  </p:pic>
-                </p:oleObj>
-              </mc:Fallback>
-            </mc:AlternateContent>
-          </a:graphicData>
-        </a:graphic>
-      </p:graphicFrame>
       <p:sp>
         <p:nvSpPr>
           <p:cNvPr id="45" name="Rectangle 39"/>
@@ -18551,8 +15357,8 @@
         </p:nvSpPr>
         <p:spPr bwMode="auto">
           <a:xfrm>
-            <a:off x="2106219" y="1929660"/>
-            <a:ext cx="12192000" cy="457200"/>
+            <a:off x="2106219" y="1973594"/>
+            <a:ext cx="184731" cy="369332"/>
           </a:xfrm>
           <a:prstGeom prst="rect">
             <a:avLst/>
@@ -18600,13 +15406,13 @@
           </a:bodyPr>
           <a:lstStyle/>
           <a:p>
-            <a:endParaRPr lang="en-US"/>
+            <a:endParaRPr lang="en-GB" dirty="0"/>
           </a:p>
         </p:txBody>
       </p:sp>
       <p:sp>
         <p:nvSpPr>
-          <p:cNvPr id="46" name="Rectangle 40"/>
+          <p:cNvPr id="57" name="Rectangle 50"/>
           <p:cNvSpPr>
             <a:spLocks noChangeArrowheads="1"/>
           </p:cNvSpPr>
@@ -18614,8 +15420,8 @@
         </p:nvSpPr>
         <p:spPr bwMode="auto">
           <a:xfrm>
-            <a:off x="2329577" y="810614"/>
-            <a:ext cx="2890791" cy="369332"/>
+            <a:off x="2123325" y="3412211"/>
+            <a:ext cx="184731" cy="369332"/>
           </a:xfrm>
           <a:prstGeom prst="rect">
             <a:avLst/>
@@ -18663,53 +15469,13 @@
           </a:bodyPr>
           <a:lstStyle/>
           <a:p>
-            <a:pPr marL="0" marR="0" lvl="0" indent="0" algn="l" defTabSz="914400" rtl="0" eaLnBrk="0" fontAlgn="base" latinLnBrk="0" hangingPunct="0">
-              <a:lnSpc>
-                <a:spcPct val="100000"/>
-              </a:lnSpc>
-              <a:spcBef>
-                <a:spcPct val="0"/>
-              </a:spcBef>
-              <a:spcAft>
-                <a:spcPct val="0"/>
-              </a:spcAft>
-              <a:buClrTx/>
-              <a:buSzTx/>
-              <a:buFontTx/>
-              <a:buNone/>
-              <a:tabLst/>
-            </a:pPr>
-            <a:r>
-              <a:rPr kumimoji="0" lang="en-US" altLang="en-US" sz="1800" b="0" i="0" u="none" strike="noStrike" cap="none" normalizeH="0" baseline="0" dirty="0">
-                <a:ln>
-                  <a:noFill/>
-                </a:ln>
-                <a:solidFill>
-                  <a:schemeClr val="tx1"/>
-                </a:solidFill>
-                <a:effectLst/>
-                <a:latin typeface="Calibri" panose="020F0502020204030204" pitchFamily="34" charset="0"/>
-                <a:ea typeface="Calibri" panose="020F0502020204030204" pitchFamily="34" charset="0"/>
-                <a:cs typeface="Times New Roman" panose="02020603050405020304" pitchFamily="18" charset="0"/>
-              </a:rPr>
-              <a:t>: state of the motor (current)</a:t>
-            </a:r>
-            <a:endParaRPr kumimoji="0" lang="en-US" altLang="en-US" sz="1800" b="0" i="0" u="none" strike="noStrike" cap="none" normalizeH="0" baseline="0" dirty="0">
-              <a:ln>
-                <a:noFill/>
-              </a:ln>
-              <a:solidFill>
-                <a:schemeClr val="tx1"/>
-              </a:solidFill>
-              <a:effectLst/>
-              <a:latin typeface="Arial" panose="020B0604020202020204" pitchFamily="34" charset="0"/>
-            </a:endParaRPr>
+            <a:endParaRPr lang="en-GB" dirty="0"/>
           </a:p>
         </p:txBody>
       </p:sp>
       <p:sp>
         <p:nvSpPr>
-          <p:cNvPr id="47" name="Rectangle 41"/>
+          <p:cNvPr id="68" name="Rectangle 58"/>
           <p:cNvSpPr>
             <a:spLocks noChangeArrowheads="1"/>
           </p:cNvSpPr>
@@ -18717,8 +15483,8 @@
         </p:nvSpPr>
         <p:spPr bwMode="auto">
           <a:xfrm>
-            <a:off x="2329577" y="1158533"/>
-            <a:ext cx="2088713" cy="369332"/>
+            <a:off x="2528550" y="5501467"/>
+            <a:ext cx="184731" cy="369332"/>
           </a:xfrm>
           <a:prstGeom prst="rect">
             <a:avLst/>
@@ -18766,500 +15532,7 @@
           </a:bodyPr>
           <a:lstStyle/>
           <a:p>
-            <a:pPr marL="0" marR="0" lvl="0" indent="0" algn="l" defTabSz="914400" rtl="0" eaLnBrk="0" fontAlgn="base" latinLnBrk="0" hangingPunct="0">
-              <a:lnSpc>
-                <a:spcPct val="100000"/>
-              </a:lnSpc>
-              <a:spcBef>
-                <a:spcPct val="0"/>
-              </a:spcBef>
-              <a:spcAft>
-                <a:spcPct val="0"/>
-              </a:spcAft>
-              <a:buClrTx/>
-              <a:buSzTx/>
-              <a:buFontTx/>
-              <a:buNone/>
-              <a:tabLst/>
-            </a:pPr>
-            <a:r>
-              <a:rPr kumimoji="0" lang="en-US" altLang="en-US" sz="1800" b="0" i="0" u="none" strike="noStrike" cap="none" normalizeH="0" baseline="0" dirty="0">
-                <a:ln>
-                  <a:noFill/>
-                </a:ln>
-                <a:solidFill>
-                  <a:schemeClr val="tx1"/>
-                </a:solidFill>
-                <a:effectLst/>
-                <a:latin typeface="Calibri" panose="020F0502020204030204" pitchFamily="34" charset="0"/>
-                <a:ea typeface="Calibri" panose="020F0502020204030204" pitchFamily="34" charset="0"/>
-                <a:cs typeface="Times New Roman" panose="02020603050405020304" pitchFamily="18" charset="0"/>
-              </a:rPr>
-              <a:t>: position of the cart</a:t>
-            </a:r>
-            <a:endParaRPr kumimoji="0" lang="en-US" altLang="en-US" sz="800" b="0" i="0" u="none" strike="noStrike" cap="none" normalizeH="0" baseline="0" dirty="0">
-              <a:ln>
-                <a:noFill/>
-              </a:ln>
-              <a:solidFill>
-                <a:schemeClr val="tx1"/>
-              </a:solidFill>
-              <a:effectLst/>
-            </a:endParaRPr>
-          </a:p>
-        </p:txBody>
-      </p:sp>
-      <p:sp>
-        <p:nvSpPr>
-          <p:cNvPr id="57" name="Rectangle 50"/>
-          <p:cNvSpPr>
-            <a:spLocks noChangeArrowheads="1"/>
-          </p:cNvSpPr>
-          <p:nvPr/>
-        </p:nvSpPr>
-        <p:spPr bwMode="auto">
-          <a:xfrm>
-            <a:off x="2123325" y="3368277"/>
-            <a:ext cx="12192000" cy="457200"/>
-          </a:xfrm>
-          <a:prstGeom prst="rect">
-            <a:avLst/>
-          </a:prstGeom>
-          <a:noFill/>
-          <a:ln>
-            <a:noFill/>
-          </a:ln>
-          <a:effectLst/>
-          <a:extLst>
-            <a:ext uri="{909E8E84-426E-40DD-AFC4-6F175D3DCCD1}">
-              <a14:hiddenFill xmlns:a14="http://schemas.microsoft.com/office/drawing/2010/main">
-                <a:solidFill>
-                  <a:schemeClr val="accent1"/>
-                </a:solidFill>
-              </a14:hiddenFill>
-            </a:ext>
-            <a:ext uri="{91240B29-F687-4F45-9708-019B960494DF}">
-              <a14:hiddenLine xmlns:a14="http://schemas.microsoft.com/office/drawing/2010/main" w="9525">
-                <a:solidFill>
-                  <a:schemeClr val="tx1"/>
-                </a:solidFill>
-                <a:miter lim="800000"/>
-                <a:headEnd/>
-                <a:tailEnd/>
-              </a14:hiddenLine>
-            </a:ext>
-            <a:ext uri="{AF507438-7753-43E0-B8FC-AC1667EBCBE1}">
-              <a14:hiddenEffects xmlns:a14="http://schemas.microsoft.com/office/drawing/2010/main">
-                <a:effectLst>
-                  <a:outerShdw dist="35921" dir="2700000" algn="ctr" rotWithShape="0">
-                    <a:schemeClr val="bg2"/>
-                  </a:outerShdw>
-                </a:effectLst>
-              </a14:hiddenEffects>
-            </a:ext>
-          </a:extLst>
-        </p:spPr>
-        <p:txBody>
-          <a:bodyPr vert="horz" wrap="none" lIns="91440" tIns="45720" rIns="91440" bIns="45720" numCol="1" anchor="ctr" anchorCtr="0" compatLnSpc="1">
-            <a:prstTxWarp prst="textNoShape">
-              <a:avLst/>
-            </a:prstTxWarp>
-            <a:spAutoFit/>
-          </a:bodyPr>
-          <a:lstStyle/>
-          <a:p>
-            <a:endParaRPr lang="en-US"/>
-          </a:p>
-        </p:txBody>
-      </p:sp>
-      <p:sp>
-        <p:nvSpPr>
-          <p:cNvPr id="68" name="Rectangle 58"/>
-          <p:cNvSpPr>
-            <a:spLocks noChangeArrowheads="1"/>
-          </p:cNvSpPr>
-          <p:nvPr/>
-        </p:nvSpPr>
-        <p:spPr bwMode="auto">
-          <a:xfrm>
-            <a:off x="2528550" y="5686133"/>
-            <a:ext cx="12192000" cy="0"/>
-          </a:xfrm>
-          <a:prstGeom prst="rect">
-            <a:avLst/>
-          </a:prstGeom>
-          <a:noFill/>
-          <a:ln>
-            <a:noFill/>
-          </a:ln>
-          <a:effectLst/>
-          <a:extLst>
-            <a:ext uri="{909E8E84-426E-40DD-AFC4-6F175D3DCCD1}">
-              <a14:hiddenFill xmlns:a14="http://schemas.microsoft.com/office/drawing/2010/main">
-                <a:solidFill>
-                  <a:schemeClr val="accent1"/>
-                </a:solidFill>
-              </a14:hiddenFill>
-            </a:ext>
-            <a:ext uri="{91240B29-F687-4F45-9708-019B960494DF}">
-              <a14:hiddenLine xmlns:a14="http://schemas.microsoft.com/office/drawing/2010/main" w="9525">
-                <a:solidFill>
-                  <a:schemeClr val="tx1"/>
-                </a:solidFill>
-                <a:miter lim="800000"/>
-                <a:headEnd/>
-                <a:tailEnd/>
-              </a14:hiddenLine>
-            </a:ext>
-            <a:ext uri="{AF507438-7753-43E0-B8FC-AC1667EBCBE1}">
-              <a14:hiddenEffects xmlns:a14="http://schemas.microsoft.com/office/drawing/2010/main">
-                <a:effectLst>
-                  <a:outerShdw dist="35921" dir="2700000" algn="ctr" rotWithShape="0">
-                    <a:schemeClr val="bg2"/>
-                  </a:outerShdw>
-                </a:effectLst>
-              </a14:hiddenEffects>
-            </a:ext>
-          </a:extLst>
-        </p:spPr>
-        <p:txBody>
-          <a:bodyPr vert="horz" wrap="none" lIns="91440" tIns="45720" rIns="91440" bIns="45720" numCol="1" anchor="ctr" anchorCtr="0" compatLnSpc="1">
-            <a:prstTxWarp prst="textNoShape">
-              <a:avLst/>
-            </a:prstTxWarp>
-            <a:spAutoFit/>
-          </a:bodyPr>
-          <a:lstStyle/>
-          <a:p>
-            <a:endParaRPr lang="en-US"/>
-          </a:p>
-        </p:txBody>
-      </p:sp>
-      <p:graphicFrame>
-        <p:nvGraphicFramePr>
-          <p:cNvPr id="35" name="Oggetto 34"/>
-          <p:cNvGraphicFramePr>
-            <a:graphicFrameLocks noChangeAspect="1"/>
-          </p:cNvGraphicFramePr>
-          <p:nvPr>
-            <p:extLst>
-              <p:ext uri="{D42A27DB-BD31-4B8C-83A1-F6EECF244321}">
-                <p14:modId xmlns:p14="http://schemas.microsoft.com/office/powerpoint/2010/main" val="3824981406"/>
-              </p:ext>
-            </p:extLst>
-          </p:nvPr>
-        </p:nvGraphicFramePr>
-        <p:xfrm>
-          <a:off x="2139950" y="1435100"/>
-          <a:ext cx="301625" cy="420688"/>
-        </p:xfrm>
-        <a:graphic>
-          <a:graphicData uri="http://schemas.openxmlformats.org/presentationml/2006/ole">
-            <mc:AlternateContent xmlns:mc="http://schemas.openxmlformats.org/markup-compatibility/2006">
-              <mc:Choice xmlns:v="urn:schemas-microsoft-com:vml" Requires="v">
-                <p:oleObj spid="_x0000_s3535" name="Equazione" r:id="rId11" imgW="164880" imgH="228600" progId="Equation.3">
-                  <p:embed/>
-                </p:oleObj>
-              </mc:Choice>
-              <mc:Fallback>
-                <p:oleObj name="Equazione" r:id="rId11" imgW="164880" imgH="228600" progId="Equation.3">
-                  <p:embed/>
-                  <p:pic>
-                    <p:nvPicPr>
-                      <p:cNvPr id="33" name="Oggetto 32"/>
-                      <p:cNvPicPr>
-                        <a:picLocks noChangeAspect="1" noChangeArrowheads="1"/>
-                      </p:cNvPicPr>
-                      <p:nvPr/>
-                    </p:nvPicPr>
-                    <p:blipFill>
-                      <a:blip r:embed="rId12"/>
-                      <a:srcRect/>
-                      <a:stretch>
-                        <a:fillRect/>
-                      </a:stretch>
-                    </p:blipFill>
-                    <p:spPr bwMode="auto">
-                      <a:xfrm>
-                        <a:off x="2139950" y="1435100"/>
-                        <a:ext cx="301625" cy="420688"/>
-                      </a:xfrm>
-                      <a:prstGeom prst="rect">
-                        <a:avLst/>
-                      </a:prstGeom>
-                      <a:noFill/>
-                    </p:spPr>
-                  </p:pic>
-                </p:oleObj>
-              </mc:Fallback>
-            </mc:AlternateContent>
-          </a:graphicData>
-        </a:graphic>
-      </p:graphicFrame>
-      <p:sp>
-        <p:nvSpPr>
-          <p:cNvPr id="49" name="Rectangle 39"/>
-          <p:cNvSpPr>
-            <a:spLocks noChangeArrowheads="1"/>
-          </p:cNvSpPr>
-          <p:nvPr/>
-        </p:nvSpPr>
-        <p:spPr bwMode="auto">
-          <a:xfrm>
-            <a:off x="2120169" y="1929728"/>
-            <a:ext cx="12192000" cy="457200"/>
-          </a:xfrm>
-          <a:prstGeom prst="rect">
-            <a:avLst/>
-          </a:prstGeom>
-          <a:noFill/>
-          <a:ln>
-            <a:noFill/>
-          </a:ln>
-          <a:effectLst/>
-          <a:extLst>
-            <a:ext uri="{909E8E84-426E-40DD-AFC4-6F175D3DCCD1}">
-              <a14:hiddenFill xmlns:a14="http://schemas.microsoft.com/office/drawing/2010/main">
-                <a:solidFill>
-                  <a:schemeClr val="accent1"/>
-                </a:solidFill>
-              </a14:hiddenFill>
-            </a:ext>
-            <a:ext uri="{91240B29-F687-4F45-9708-019B960494DF}">
-              <a14:hiddenLine xmlns:a14="http://schemas.microsoft.com/office/drawing/2010/main" w="9525">
-                <a:solidFill>
-                  <a:schemeClr val="tx1"/>
-                </a:solidFill>
-                <a:miter lim="800000"/>
-                <a:headEnd/>
-                <a:tailEnd/>
-              </a14:hiddenLine>
-            </a:ext>
-            <a:ext uri="{AF507438-7753-43E0-B8FC-AC1667EBCBE1}">
-              <a14:hiddenEffects xmlns:a14="http://schemas.microsoft.com/office/drawing/2010/main">
-                <a:effectLst>
-                  <a:outerShdw dist="35921" dir="2700000" algn="ctr" rotWithShape="0">
-                    <a:schemeClr val="bg2"/>
-                  </a:outerShdw>
-                </a:effectLst>
-              </a14:hiddenEffects>
-            </a:ext>
-          </a:extLst>
-        </p:spPr>
-        <p:txBody>
-          <a:bodyPr vert="horz" wrap="none" lIns="91440" tIns="45720" rIns="91440" bIns="45720" numCol="1" anchor="ctr" anchorCtr="0" compatLnSpc="1">
-            <a:prstTxWarp prst="textNoShape">
-              <a:avLst/>
-            </a:prstTxWarp>
-            <a:spAutoFit/>
-          </a:bodyPr>
-          <a:lstStyle/>
-          <a:p>
-            <a:endParaRPr lang="en-US"/>
-          </a:p>
-        </p:txBody>
-      </p:sp>
-      <p:sp>
-        <p:nvSpPr>
-          <p:cNvPr id="50" name="Rectangle 41"/>
-          <p:cNvSpPr>
-            <a:spLocks noChangeArrowheads="1"/>
-          </p:cNvSpPr>
-          <p:nvPr/>
-        </p:nvSpPr>
-        <p:spPr bwMode="auto">
-          <a:xfrm>
-            <a:off x="2332908" y="1159515"/>
-            <a:ext cx="2088713" cy="369332"/>
-          </a:xfrm>
-          <a:prstGeom prst="rect">
-            <a:avLst/>
-          </a:prstGeom>
-          <a:noFill/>
-          <a:ln>
-            <a:noFill/>
-          </a:ln>
-          <a:effectLst/>
-          <a:extLst>
-            <a:ext uri="{909E8E84-426E-40DD-AFC4-6F175D3DCCD1}">
-              <a14:hiddenFill xmlns:a14="http://schemas.microsoft.com/office/drawing/2010/main">
-                <a:solidFill>
-                  <a:schemeClr val="accent1"/>
-                </a:solidFill>
-              </a14:hiddenFill>
-            </a:ext>
-            <a:ext uri="{91240B29-F687-4F45-9708-019B960494DF}">
-              <a14:hiddenLine xmlns:a14="http://schemas.microsoft.com/office/drawing/2010/main" w="9525">
-                <a:solidFill>
-                  <a:schemeClr val="tx1"/>
-                </a:solidFill>
-                <a:miter lim="800000"/>
-                <a:headEnd/>
-                <a:tailEnd/>
-              </a14:hiddenLine>
-            </a:ext>
-            <a:ext uri="{AF507438-7753-43E0-B8FC-AC1667EBCBE1}">
-              <a14:hiddenEffects xmlns:a14="http://schemas.microsoft.com/office/drawing/2010/main">
-                <a:effectLst>
-                  <a:outerShdw dist="35921" dir="2700000" algn="ctr" rotWithShape="0">
-                    <a:schemeClr val="bg2"/>
-                  </a:outerShdw>
-                </a:effectLst>
-              </a14:hiddenEffects>
-            </a:ext>
-          </a:extLst>
-        </p:spPr>
-        <p:txBody>
-          <a:bodyPr vert="horz" wrap="none" lIns="91440" tIns="45720" rIns="91440" bIns="45720" numCol="1" anchor="ctr" anchorCtr="0" compatLnSpc="1">
-            <a:prstTxWarp prst="textNoShape">
-              <a:avLst/>
-            </a:prstTxWarp>
-            <a:spAutoFit/>
-          </a:bodyPr>
-          <a:lstStyle/>
-          <a:p>
-            <a:pPr marL="0" marR="0" lvl="0" indent="0" algn="l" defTabSz="914400" rtl="0" eaLnBrk="0" fontAlgn="base" latinLnBrk="0" hangingPunct="0">
-              <a:lnSpc>
-                <a:spcPct val="100000"/>
-              </a:lnSpc>
-              <a:spcBef>
-                <a:spcPct val="0"/>
-              </a:spcBef>
-              <a:spcAft>
-                <a:spcPct val="0"/>
-              </a:spcAft>
-              <a:buClrTx/>
-              <a:buSzTx/>
-              <a:buFontTx/>
-              <a:buNone/>
-              <a:tabLst/>
-            </a:pPr>
-            <a:r>
-              <a:rPr kumimoji="0" lang="en-US" altLang="en-US" sz="1800" b="0" i="0" u="none" strike="noStrike" cap="none" normalizeH="0" baseline="0" dirty="0">
-                <a:ln>
-                  <a:noFill/>
-                </a:ln>
-                <a:solidFill>
-                  <a:schemeClr val="tx1"/>
-                </a:solidFill>
-                <a:effectLst/>
-                <a:latin typeface="Calibri" panose="020F0502020204030204" pitchFamily="34" charset="0"/>
-                <a:ea typeface="Calibri" panose="020F0502020204030204" pitchFamily="34" charset="0"/>
-                <a:cs typeface="Times New Roman" panose="02020603050405020304" pitchFamily="18" charset="0"/>
-              </a:rPr>
-              <a:t>: position of the cart</a:t>
-            </a:r>
-            <a:endParaRPr kumimoji="0" lang="en-US" altLang="en-US" sz="800" b="0" i="0" u="none" strike="noStrike" cap="none" normalizeH="0" baseline="0" dirty="0">
-              <a:ln>
-                <a:noFill/>
-              </a:ln>
-              <a:solidFill>
-                <a:schemeClr val="tx1"/>
-              </a:solidFill>
-              <a:effectLst/>
-            </a:endParaRPr>
-          </a:p>
-        </p:txBody>
-      </p:sp>
-      <p:sp>
-        <p:nvSpPr>
-          <p:cNvPr id="51" name="Rectangle 41"/>
-          <p:cNvSpPr>
-            <a:spLocks noChangeArrowheads="1"/>
-          </p:cNvSpPr>
-          <p:nvPr/>
-        </p:nvSpPr>
-        <p:spPr bwMode="auto">
-          <a:xfrm>
-            <a:off x="2326246" y="1453536"/>
-            <a:ext cx="2052806" cy="369332"/>
-          </a:xfrm>
-          <a:prstGeom prst="rect">
-            <a:avLst/>
-          </a:prstGeom>
-          <a:noFill/>
-          <a:ln>
-            <a:noFill/>
-          </a:ln>
-          <a:effectLst/>
-          <a:extLst>
-            <a:ext uri="{909E8E84-426E-40DD-AFC4-6F175D3DCCD1}">
-              <a14:hiddenFill xmlns:a14="http://schemas.microsoft.com/office/drawing/2010/main">
-                <a:solidFill>
-                  <a:schemeClr val="accent1"/>
-                </a:solidFill>
-              </a14:hiddenFill>
-            </a:ext>
-            <a:ext uri="{91240B29-F687-4F45-9708-019B960494DF}">
-              <a14:hiddenLine xmlns:a14="http://schemas.microsoft.com/office/drawing/2010/main" w="9525">
-                <a:solidFill>
-                  <a:schemeClr val="tx1"/>
-                </a:solidFill>
-                <a:miter lim="800000"/>
-                <a:headEnd/>
-                <a:tailEnd/>
-              </a14:hiddenLine>
-            </a:ext>
-            <a:ext uri="{AF507438-7753-43E0-B8FC-AC1667EBCBE1}">
-              <a14:hiddenEffects xmlns:a14="http://schemas.microsoft.com/office/drawing/2010/main">
-                <a:effectLst>
-                  <a:outerShdw dist="35921" dir="2700000" algn="ctr" rotWithShape="0">
-                    <a:schemeClr val="bg2"/>
-                  </a:outerShdw>
-                </a:effectLst>
-              </a14:hiddenEffects>
-            </a:ext>
-          </a:extLst>
-        </p:spPr>
-        <p:txBody>
-          <a:bodyPr vert="horz" wrap="none" lIns="91440" tIns="45720" rIns="91440" bIns="45720" numCol="1" anchor="ctr" anchorCtr="0" compatLnSpc="1">
-            <a:prstTxWarp prst="textNoShape">
-              <a:avLst/>
-            </a:prstTxWarp>
-            <a:spAutoFit/>
-          </a:bodyPr>
-          <a:lstStyle/>
-          <a:p>
-            <a:pPr marL="0" marR="0" lvl="0" indent="0" algn="l" defTabSz="914400" rtl="0" eaLnBrk="0" fontAlgn="base" latinLnBrk="0" hangingPunct="0">
-              <a:lnSpc>
-                <a:spcPct val="100000"/>
-              </a:lnSpc>
-              <a:spcBef>
-                <a:spcPct val="0"/>
-              </a:spcBef>
-              <a:spcAft>
-                <a:spcPct val="0"/>
-              </a:spcAft>
-              <a:buClrTx/>
-              <a:buSzTx/>
-              <a:buFontTx/>
-              <a:buNone/>
-              <a:tabLst/>
-            </a:pPr>
-            <a:r>
-              <a:rPr kumimoji="0" lang="en-US" altLang="en-US" sz="1800" b="0" i="0" u="none" strike="noStrike" cap="none" normalizeH="0" baseline="0" dirty="0">
-                <a:ln>
-                  <a:noFill/>
-                </a:ln>
-                <a:solidFill>
-                  <a:schemeClr val="tx1"/>
-                </a:solidFill>
-                <a:effectLst/>
-                <a:latin typeface="Calibri" panose="020F0502020204030204" pitchFamily="34" charset="0"/>
-                <a:ea typeface="Calibri" panose="020F0502020204030204" pitchFamily="34" charset="0"/>
-                <a:cs typeface="Times New Roman" panose="02020603050405020304" pitchFamily="18" charset="0"/>
-              </a:rPr>
-              <a:t>: velocity of the cart</a:t>
-            </a:r>
-            <a:endParaRPr kumimoji="0" lang="en-US" altLang="en-US" sz="800" b="0" i="0" u="none" strike="noStrike" cap="none" normalizeH="0" baseline="0" dirty="0">
-              <a:ln>
-                <a:noFill/>
-              </a:ln>
-              <a:solidFill>
-                <a:schemeClr val="tx1"/>
-              </a:solidFill>
-              <a:effectLst/>
-            </a:endParaRPr>
+            <a:endParaRPr lang="en-GB" dirty="0"/>
           </a:p>
         </p:txBody>
       </p:sp>
@@ -19272,25 +15545,25 @@
           <p:nvPr>
             <p:extLst>
               <p:ext uri="{D42A27DB-BD31-4B8C-83A1-F6EECF244321}">
-                <p14:modId xmlns:p14="http://schemas.microsoft.com/office/powerpoint/2010/main" val="834340045"/>
+                <p14:modId xmlns:p14="http://schemas.microsoft.com/office/powerpoint/2010/main" val="1296358586"/>
               </p:ext>
             </p:extLst>
           </p:nvPr>
         </p:nvGraphicFramePr>
         <p:xfrm>
-          <a:off x="2071351" y="1885207"/>
+          <a:off x="2728286" y="1105147"/>
           <a:ext cx="2859950" cy="1168037"/>
         </p:xfrm>
         <a:graphic>
           <a:graphicData uri="http://schemas.openxmlformats.org/presentationml/2006/ole">
             <mc:AlternateContent xmlns:mc="http://schemas.openxmlformats.org/markup-compatibility/2006">
               <mc:Choice xmlns:v="urn:schemas-microsoft-com:vml" Requires="v">
-                <p:oleObj spid="_x0000_s3536" name="Equazione" r:id="rId13" imgW="1651000" imgH="660400" progId="Equation.3">
+                <p:oleObj spid="_x0000_s3598" name="Equazione" r:id="rId7" imgW="1651000" imgH="660400" progId="Equation.3">
                   <p:embed/>
                 </p:oleObj>
               </mc:Choice>
               <mc:Fallback>
-                <p:oleObj name="Equazione" r:id="rId13" imgW="1651000" imgH="660400" progId="Equation.3">
+                <p:oleObj name="Equazione" r:id="rId7" imgW="1651000" imgH="660400" progId="Equation.3">
                   <p:embed/>
                   <p:pic>
                     <p:nvPicPr>
@@ -19301,7 +15574,7 @@
                       <p:nvPr/>
                     </p:nvPicPr>
                     <p:blipFill>
-                      <a:blip r:embed="rId14">
+                      <a:blip r:embed="rId8">
                         <a:extLst>
                           <a:ext uri="{28A0092B-C50C-407E-A947-70E740481C1C}">
                             <a14:useLocalDpi xmlns:a14="http://schemas.microsoft.com/office/drawing/2010/main" val="0"/>
@@ -19315,7 +15588,7 @@
                     </p:blipFill>
                     <p:spPr bwMode="auto">
                       <a:xfrm>
-                        <a:off x="2071351" y="1885207"/>
+                        <a:off x="2728286" y="1105147"/>
                         <a:ext cx="2859950" cy="1168037"/>
                       </a:xfrm>
                       <a:prstGeom prst="rect">
@@ -19339,25 +15612,25 @@
           <p:nvPr>
             <p:extLst>
               <p:ext uri="{D42A27DB-BD31-4B8C-83A1-F6EECF244321}">
-                <p14:modId xmlns:p14="http://schemas.microsoft.com/office/powerpoint/2010/main" val="3473563993"/>
+                <p14:modId xmlns:p14="http://schemas.microsoft.com/office/powerpoint/2010/main" val="172244937"/>
               </p:ext>
             </p:extLst>
           </p:nvPr>
         </p:nvGraphicFramePr>
         <p:xfrm>
-          <a:off x="8680113" y="2230469"/>
+          <a:off x="9661811" y="1520532"/>
           <a:ext cx="1245089" cy="505432"/>
         </p:xfrm>
         <a:graphic>
           <a:graphicData uri="http://schemas.openxmlformats.org/presentationml/2006/ole">
             <mc:AlternateContent xmlns:mc="http://schemas.openxmlformats.org/markup-compatibility/2006">
               <mc:Choice xmlns:v="urn:schemas-microsoft-com:vml" Requires="v">
-                <p:oleObj spid="_x0000_s3537" name="Equazione" r:id="rId15" imgW="965160" imgH="393480" progId="Equation.3">
+                <p:oleObj spid="_x0000_s3599" name="Equazione" r:id="rId9" imgW="965160" imgH="393480" progId="Equation.3">
                   <p:embed/>
                 </p:oleObj>
               </mc:Choice>
               <mc:Fallback>
-                <p:oleObj name="Equazione" r:id="rId15" imgW="965160" imgH="393480" progId="Equation.3">
+                <p:oleObj name="Equazione" r:id="rId9" imgW="965160" imgH="393480" progId="Equation.3">
                   <p:embed/>
                   <p:pic>
                     <p:nvPicPr>
@@ -19368,7 +15641,7 @@
                       <p:nvPr/>
                     </p:nvPicPr>
                     <p:blipFill>
-                      <a:blip r:embed="rId16"/>
+                      <a:blip r:embed="rId10"/>
                       <a:srcRect/>
                       <a:stretch>
                         <a:fillRect/>
@@ -19376,7 +15649,7 @@
                     </p:blipFill>
                     <p:spPr bwMode="auto">
                       <a:xfrm>
-                        <a:off x="8680113" y="2230469"/>
+                        <a:off x="9661811" y="1520532"/>
                         <a:ext cx="1245089" cy="505432"/>
                       </a:xfrm>
                       <a:prstGeom prst="rect">
@@ -19400,25 +15673,25 @@
           <p:nvPr>
             <p:extLst>
               <p:ext uri="{D42A27DB-BD31-4B8C-83A1-F6EECF244321}">
-                <p14:modId xmlns:p14="http://schemas.microsoft.com/office/powerpoint/2010/main" val="286411911"/>
+                <p14:modId xmlns:p14="http://schemas.microsoft.com/office/powerpoint/2010/main" val="3024784291"/>
               </p:ext>
             </p:extLst>
           </p:nvPr>
         </p:nvGraphicFramePr>
         <p:xfrm>
-          <a:off x="5387975" y="1746250"/>
-          <a:ext cx="3387725" cy="1500188"/>
+          <a:off x="6002338" y="1006475"/>
+          <a:ext cx="3703637" cy="1500188"/>
         </p:xfrm>
         <a:graphic>
           <a:graphicData uri="http://schemas.openxmlformats.org/presentationml/2006/ole">
             <mc:AlternateContent xmlns:mc="http://schemas.openxmlformats.org/markup-compatibility/2006">
               <mc:Choice xmlns:v="urn:schemas-microsoft-com:vml" Requires="v">
-                <p:oleObj spid="_x0000_s3538" name="Equazione" r:id="rId17" imgW="2171520" imgH="965160" progId="Equation.3">
+                <p:oleObj spid="_x0000_s3600" name="Equazione" r:id="rId11" imgW="2374560" imgH="965160" progId="Equation.3">
                   <p:embed/>
                 </p:oleObj>
               </mc:Choice>
               <mc:Fallback>
-                <p:oleObj name="Equazione" r:id="rId17" imgW="2171520" imgH="965160" progId="Equation.3">
+                <p:oleObj name="Equazione" r:id="rId11" imgW="2374560" imgH="965160" progId="Equation.3">
                   <p:embed/>
                   <p:pic>
                     <p:nvPicPr>
@@ -19429,7 +15702,7 @@
                       <p:nvPr/>
                     </p:nvPicPr>
                     <p:blipFill>
-                      <a:blip r:embed="rId18"/>
+                      <a:blip r:embed="rId12"/>
                       <a:srcRect/>
                       <a:stretch>
                         <a:fillRect/>
@@ -19437,8 +15710,8 @@
                     </p:blipFill>
                     <p:spPr bwMode="auto">
                       <a:xfrm>
-                        <a:off x="5387975" y="1746250"/>
-                        <a:ext cx="3387725" cy="1500188"/>
+                        <a:off x="6002338" y="1006475"/>
+                        <a:ext cx="3703637" cy="1500188"/>
                       </a:xfrm>
                       <a:prstGeom prst="rect">
                         <a:avLst/>
@@ -19461,25 +15734,25 @@
           <p:nvPr>
             <p:extLst>
               <p:ext uri="{D42A27DB-BD31-4B8C-83A1-F6EECF244321}">
-                <p14:modId xmlns:p14="http://schemas.microsoft.com/office/powerpoint/2010/main" val="3819524504"/>
+                <p14:modId xmlns:p14="http://schemas.microsoft.com/office/powerpoint/2010/main" val="3176851890"/>
               </p:ext>
             </p:extLst>
           </p:nvPr>
         </p:nvGraphicFramePr>
         <p:xfrm>
-          <a:off x="5014913" y="2332038"/>
+          <a:off x="5718870" y="1599022"/>
           <a:ext cx="377825" cy="303212"/>
         </p:xfrm>
         <a:graphic>
           <a:graphicData uri="http://schemas.openxmlformats.org/presentationml/2006/ole">
             <mc:AlternateContent xmlns:mc="http://schemas.openxmlformats.org/markup-compatibility/2006">
               <mc:Choice xmlns:v="urn:schemas-microsoft-com:vml" Requires="v">
-                <p:oleObj spid="_x0000_s3539" name="Equazione" r:id="rId19" imgW="190440" imgH="152280" progId="Equation.3">
+                <p:oleObj spid="_x0000_s3601" name="Equazione" r:id="rId13" imgW="190440" imgH="152280" progId="Equation.3">
                   <p:embed/>
                 </p:oleObj>
               </mc:Choice>
               <mc:Fallback>
-                <p:oleObj name="Equazione" r:id="rId19" imgW="190440" imgH="152280" progId="Equation.3">
+                <p:oleObj name="Equazione" r:id="rId13" imgW="190440" imgH="152280" progId="Equation.3">
                   <p:embed/>
                   <p:pic>
                     <p:nvPicPr>
@@ -19490,7 +15763,7 @@
                       <p:nvPr/>
                     </p:nvPicPr>
                     <p:blipFill>
-                      <a:blip r:embed="rId20"/>
+                      <a:blip r:embed="rId14"/>
                       <a:srcRect/>
                       <a:stretch>
                         <a:fillRect/>
@@ -19498,7 +15771,7 @@
                     </p:blipFill>
                     <p:spPr bwMode="auto">
                       <a:xfrm>
-                        <a:off x="5014913" y="2332038"/>
+                        <a:off x="5718870" y="1599022"/>
                         <a:ext cx="377825" cy="303212"/>
                       </a:xfrm>
                       <a:prstGeom prst="rect">
@@ -19523,8 +15796,8 @@
         </p:nvSpPr>
         <p:spPr bwMode="auto">
           <a:xfrm>
-            <a:off x="2139050" y="3777711"/>
-            <a:ext cx="6319551" cy="369332"/>
+            <a:off x="1799516" y="2729878"/>
+            <a:ext cx="6531147" cy="369332"/>
           </a:xfrm>
           <a:prstGeom prst="rect">
             <a:avLst/>
@@ -19589,7 +15862,7 @@
               <a:tabLst/>
             </a:pPr>
             <a:r>
-              <a:rPr kumimoji="0" lang="en-US" altLang="en-US" sz="1800" b="0" i="0" u="none" strike="noStrike" cap="none" normalizeH="0" baseline="0" dirty="0">
+              <a:rPr kumimoji="0" lang="en-GB" altLang="en-US" sz="1800" b="0" i="0" u="none" strike="noStrike" cap="none" normalizeH="0" baseline="0" dirty="0">
                 <a:ln>
                   <a:noFill/>
                 </a:ln>
@@ -19601,10 +15874,10 @@
                 <a:ea typeface="Calibri" panose="020F0502020204030204" pitchFamily="34" charset="0"/>
                 <a:cs typeface="Times New Roman" panose="02020603050405020304" pitchFamily="18" charset="0"/>
               </a:rPr>
-              <a:t>2DOF: </a:t>
-            </a:r>
-            <a:r>
-              <a:rPr kumimoji="0" lang="en-US" altLang="en-US" sz="1800" b="0" i="0" u="none" strike="noStrike" cap="none" normalizeH="0" baseline="0" dirty="0" err="1">
+              <a:t>2-3 DOF: </a:t>
+            </a:r>
+            <a:r>
+              <a:rPr kumimoji="0" lang="en-GB" altLang="en-US" sz="1800" b="1" i="0" u="none" strike="noStrike" cap="none" normalizeH="0" baseline="0" dirty="0" err="1">
                 <a:ln>
                   <a:noFill/>
                 </a:ln>
@@ -19619,7 +15892,7 @@
               <a:t>Lagrangian</a:t>
             </a:r>
             <a:r>
-              <a:rPr kumimoji="0" lang="en-US" altLang="en-US" sz="1800" b="0" i="0" u="none" strike="noStrike" cap="none" normalizeH="0" baseline="0" dirty="0">
+              <a:rPr kumimoji="0" lang="en-GB" altLang="en-US" sz="1800" b="1" i="0" u="none" strike="noStrike" cap="none" normalizeH="0" baseline="0" dirty="0">
                 <a:ln>
                   <a:noFill/>
                 </a:ln>
@@ -19631,18 +15904,33 @@
                 <a:ea typeface="Calibri" panose="020F0502020204030204" pitchFamily="34" charset="0"/>
                 <a:cs typeface="Times New Roman" panose="02020603050405020304" pitchFamily="18" charset="0"/>
               </a:rPr>
-              <a:t> approach:	</a:t>
-            </a:r>
-            <a:r>
-              <a:rPr lang="en-US" altLang="en-US" dirty="0">
+              <a:t> approach</a:t>
+            </a:r>
+            <a:r>
+              <a:rPr kumimoji="0" lang="en-GB" altLang="en-US" sz="1800" b="0" i="0" u="none" strike="noStrike" cap="none" normalizeH="0" baseline="0" dirty="0">
+                <a:ln>
+                  <a:noFill/>
+                </a:ln>
+                <a:solidFill>
+                  <a:schemeClr val="tx1"/>
+                </a:solidFill>
+                <a:effectLst/>
                 <a:latin typeface="Calibri" panose="020F0502020204030204" pitchFamily="34" charset="0"/>
                 <a:ea typeface="Calibri" panose="020F0502020204030204" pitchFamily="34" charset="0"/>
                 <a:cs typeface="Times New Roman" panose="02020603050405020304" pitchFamily="18" charset="0"/>
               </a:rPr>
-              <a:t>			</a:t>
-            </a:r>
-            <a:r>
-              <a:rPr kumimoji="0" lang="en-US" altLang="en-US" sz="1800" b="0" i="0" u="none" strike="noStrike" cap="none" normalizeH="0" baseline="0" dirty="0">
+              <a:t>:	</a:t>
+            </a:r>
+            <a:r>
+              <a:rPr lang="en-GB" altLang="en-US" dirty="0">
+                <a:latin typeface="Calibri" panose="020F0502020204030204" pitchFamily="34" charset="0"/>
+                <a:ea typeface="Calibri" panose="020F0502020204030204" pitchFamily="34" charset="0"/>
+                <a:cs typeface="Times New Roman" panose="02020603050405020304" pitchFamily="18" charset="0"/>
+              </a:rPr>
+              <a:t>		     </a:t>
+            </a:r>
+            <a:r>
+              <a:rPr kumimoji="0" lang="en-GB" altLang="en-US" sz="1800" b="0" i="0" u="none" strike="noStrike" cap="none" normalizeH="0" baseline="0" dirty="0">
                 <a:ln>
                   <a:noFill/>
                 </a:ln>
@@ -19656,7 +15944,7 @@
               </a:rPr>
               <a:t>where</a:t>
             </a:r>
-            <a:endParaRPr kumimoji="0" lang="en-US" altLang="en-US" sz="1800" b="0" i="0" u="none" strike="noStrike" cap="none" normalizeH="0" baseline="0" dirty="0">
+            <a:endParaRPr kumimoji="0" lang="en-GB" altLang="en-US" sz="1800" b="0" i="0" u="none" strike="noStrike" cap="none" normalizeH="0" baseline="0" dirty="0">
               <a:ln>
                 <a:noFill/>
               </a:ln>
@@ -19678,25 +15966,25 @@
           <p:nvPr>
             <p:extLst>
               <p:ext uri="{D42A27DB-BD31-4B8C-83A1-F6EECF244321}">
-                <p14:modId xmlns:p14="http://schemas.microsoft.com/office/powerpoint/2010/main" val="3477752852"/>
+                <p14:modId xmlns:p14="http://schemas.microsoft.com/office/powerpoint/2010/main" val="1839620816"/>
               </p:ext>
             </p:extLst>
           </p:nvPr>
         </p:nvGraphicFramePr>
         <p:xfrm>
-          <a:off x="4931301" y="3606385"/>
+          <a:off x="4819761" y="2560052"/>
           <a:ext cx="2758195" cy="706874"/>
         </p:xfrm>
         <a:graphic>
           <a:graphicData uri="http://schemas.openxmlformats.org/presentationml/2006/ole">
             <mc:AlternateContent xmlns:mc="http://schemas.openxmlformats.org/markup-compatibility/2006">
               <mc:Choice xmlns:v="urn:schemas-microsoft-com:vml" Requires="v">
-                <p:oleObj spid="_x0000_s3540" name="Equazione" r:id="rId21" imgW="1892300" imgH="482600" progId="Equation.3">
+                <p:oleObj spid="_x0000_s3602" name="Equazione" r:id="rId15" imgW="1892300" imgH="482600" progId="Equation.3">
                   <p:embed/>
                 </p:oleObj>
               </mc:Choice>
               <mc:Fallback>
-                <p:oleObj name="Equazione" r:id="rId21" imgW="1892300" imgH="482600" progId="Equation.3">
+                <p:oleObj name="Equazione" r:id="rId15" imgW="1892300" imgH="482600" progId="Equation.3">
                   <p:embed/>
                   <p:pic>
                     <p:nvPicPr>
@@ -19707,7 +15995,7 @@
                       <p:nvPr/>
                     </p:nvPicPr>
                     <p:blipFill>
-                      <a:blip r:embed="rId22">
+                      <a:blip r:embed="rId16">
                         <a:extLst>
                           <a:ext uri="{28A0092B-C50C-407E-A947-70E740481C1C}">
                             <a14:useLocalDpi xmlns:a14="http://schemas.microsoft.com/office/drawing/2010/main" val="0"/>
@@ -19721,7 +16009,7 @@
                     </p:blipFill>
                     <p:spPr bwMode="auto">
                       <a:xfrm>
-                        <a:off x="4931301" y="3606385"/>
+                        <a:off x="4819761" y="2560052"/>
                         <a:ext cx="2758195" cy="706874"/>
                       </a:xfrm>
                       <a:prstGeom prst="rect">
@@ -19745,25 +16033,25 @@
           <p:nvPr>
             <p:extLst>
               <p:ext uri="{D42A27DB-BD31-4B8C-83A1-F6EECF244321}">
-                <p14:modId xmlns:p14="http://schemas.microsoft.com/office/powerpoint/2010/main" val="3632253633"/>
+                <p14:modId xmlns:p14="http://schemas.microsoft.com/office/powerpoint/2010/main" val="982687999"/>
               </p:ext>
             </p:extLst>
           </p:nvPr>
         </p:nvGraphicFramePr>
         <p:xfrm>
-          <a:off x="8398684" y="3661639"/>
+          <a:off x="8330663" y="2604191"/>
           <a:ext cx="1043879" cy="618595"/>
         </p:xfrm>
         <a:graphic>
           <a:graphicData uri="http://schemas.openxmlformats.org/presentationml/2006/ole">
             <mc:AlternateContent xmlns:mc="http://schemas.openxmlformats.org/markup-compatibility/2006">
               <mc:Choice xmlns:v="urn:schemas-microsoft-com:vml" Requires="v">
-                <p:oleObj spid="_x0000_s3541" name="Equazione" r:id="rId23" imgW="774364" imgH="457002" progId="Equation.3">
+                <p:oleObj spid="_x0000_s3603" name="Equazione" r:id="rId17" imgW="774364" imgH="457002" progId="Equation.3">
                   <p:embed/>
                 </p:oleObj>
               </mc:Choice>
               <mc:Fallback>
-                <p:oleObj name="Equazione" r:id="rId23" imgW="774364" imgH="457002" progId="Equation.3">
+                <p:oleObj name="Equazione" r:id="rId17" imgW="774364" imgH="457002" progId="Equation.3">
                   <p:embed/>
                   <p:pic>
                     <p:nvPicPr>
@@ -19774,7 +16062,7 @@
                       <p:nvPr/>
                     </p:nvPicPr>
                     <p:blipFill>
-                      <a:blip r:embed="rId24">
+                      <a:blip r:embed="rId18">
                         <a:extLst>
                           <a:ext uri="{28A0092B-C50C-407E-A947-70E740481C1C}">
                             <a14:useLocalDpi xmlns:a14="http://schemas.microsoft.com/office/drawing/2010/main" val="0"/>
@@ -19788,7 +16076,7 @@
                     </p:blipFill>
                     <p:spPr bwMode="auto">
                       <a:xfrm>
-                        <a:off x="8398684" y="3661639"/>
+                        <a:off x="8330663" y="2604191"/>
                         <a:ext cx="1043879" cy="618595"/>
                       </a:xfrm>
                       <a:prstGeom prst="rect">
@@ -19803,109 +16091,6 @@
           </a:graphicData>
         </a:graphic>
       </p:graphicFrame>
-      <p:sp>
-        <p:nvSpPr>
-          <p:cNvPr id="30" name="Rectangle 13"/>
-          <p:cNvSpPr>
-            <a:spLocks noChangeArrowheads="1"/>
-          </p:cNvSpPr>
-          <p:nvPr/>
-        </p:nvSpPr>
-        <p:spPr bwMode="auto">
-          <a:xfrm>
-            <a:off x="2120169" y="4971352"/>
-            <a:ext cx="5399184" cy="369332"/>
-          </a:xfrm>
-          <a:prstGeom prst="rect">
-            <a:avLst/>
-          </a:prstGeom>
-          <a:noFill/>
-          <a:ln>
-            <a:noFill/>
-          </a:ln>
-          <a:effectLst/>
-          <a:extLst>
-            <a:ext uri="{909E8E84-426E-40DD-AFC4-6F175D3DCCD1}">
-              <a14:hiddenFill xmlns:a14="http://schemas.microsoft.com/office/drawing/2010/main">
-                <a:solidFill>
-                  <a:schemeClr val="accent1"/>
-                </a:solidFill>
-              </a14:hiddenFill>
-            </a:ext>
-            <a:ext uri="{91240B29-F687-4F45-9708-019B960494DF}">
-              <a14:hiddenLine xmlns:a14="http://schemas.microsoft.com/office/drawing/2010/main" w="9525">
-                <a:solidFill>
-                  <a:schemeClr val="tx1"/>
-                </a:solidFill>
-                <a:miter lim="800000"/>
-                <a:headEnd/>
-                <a:tailEnd/>
-              </a14:hiddenLine>
-            </a:ext>
-            <a:ext uri="{AF507438-7753-43E0-B8FC-AC1667EBCBE1}">
-              <a14:hiddenEffects xmlns:a14="http://schemas.microsoft.com/office/drawing/2010/main">
-                <a:effectLst>
-                  <a:outerShdw dist="35921" dir="2700000" algn="ctr" rotWithShape="0">
-                    <a:schemeClr val="bg2"/>
-                  </a:outerShdw>
-                </a:effectLst>
-              </a14:hiddenEffects>
-            </a:ext>
-          </a:extLst>
-        </p:spPr>
-        <p:txBody>
-          <a:bodyPr vert="horz" wrap="square" lIns="91440" tIns="45720" rIns="91440" bIns="45720" numCol="1" anchor="ctr" anchorCtr="0" compatLnSpc="1">
-            <a:prstTxWarp prst="textNoShape">
-              <a:avLst/>
-            </a:prstTxWarp>
-            <a:spAutoFit/>
-          </a:bodyPr>
-          <a:lstStyle/>
-          <a:p>
-            <a:pPr marL="0" marR="0" lvl="0" indent="0" algn="l" defTabSz="914400" rtl="0" eaLnBrk="0" fontAlgn="base" latinLnBrk="0" hangingPunct="0">
-              <a:lnSpc>
-                <a:spcPct val="100000"/>
-              </a:lnSpc>
-              <a:spcBef>
-                <a:spcPct val="0"/>
-              </a:spcBef>
-              <a:spcAft>
-                <a:spcPct val="0"/>
-              </a:spcAft>
-              <a:buClrTx/>
-              <a:buSzTx/>
-              <a:buFontTx/>
-              <a:buNone/>
-              <a:tabLst/>
-            </a:pPr>
-            <a:r>
-              <a:rPr kumimoji="0" lang="en-US" altLang="en-US" sz="1800" b="0" i="0" u="none" strike="noStrike" cap="none" normalizeH="0" baseline="0" dirty="0">
-                <a:ln>
-                  <a:noFill/>
-                </a:ln>
-                <a:solidFill>
-                  <a:schemeClr val="tx1"/>
-                </a:solidFill>
-                <a:effectLst/>
-                <a:latin typeface="Calibri" panose="020F0502020204030204" pitchFamily="34" charset="0"/>
-                <a:ea typeface="Calibri" panose="020F0502020204030204" pitchFamily="34" charset="0"/>
-                <a:cs typeface="Times New Roman" panose="02020603050405020304" pitchFamily="18" charset="0"/>
-              </a:rPr>
-              <a:t>State space model: </a:t>
-            </a:r>
-            <a:endParaRPr kumimoji="0" lang="en-US" altLang="en-US" sz="1800" b="0" i="0" u="none" strike="noStrike" cap="none" normalizeH="0" baseline="0" dirty="0">
-              <a:ln>
-                <a:noFill/>
-              </a:ln>
-              <a:solidFill>
-                <a:schemeClr val="tx1"/>
-              </a:solidFill>
-              <a:effectLst/>
-              <a:latin typeface="Arial" panose="020B0604020202020204" pitchFamily="34" charset="0"/>
-            </a:endParaRPr>
-          </a:p>
-        </p:txBody>
-      </p:sp>
       <p:graphicFrame>
         <p:nvGraphicFramePr>
           <p:cNvPr id="31" name="Oggetto 30"/>
@@ -19915,25 +16100,25 @@
           <p:nvPr>
             <p:extLst>
               <p:ext uri="{D42A27DB-BD31-4B8C-83A1-F6EECF244321}">
-                <p14:modId xmlns:p14="http://schemas.microsoft.com/office/powerpoint/2010/main" val="100888754"/>
+                <p14:modId xmlns:p14="http://schemas.microsoft.com/office/powerpoint/2010/main" val="2513689927"/>
               </p:ext>
             </p:extLst>
           </p:nvPr>
         </p:nvGraphicFramePr>
         <p:xfrm>
-          <a:off x="4116563" y="4377144"/>
+          <a:off x="1724260" y="4024272"/>
           <a:ext cx="4085656" cy="1551515"/>
         </p:xfrm>
         <a:graphic>
           <a:graphicData uri="http://schemas.openxmlformats.org/presentationml/2006/ole">
             <mc:AlternateContent xmlns:mc="http://schemas.openxmlformats.org/markup-compatibility/2006">
               <mc:Choice xmlns:v="urn:schemas-microsoft-com:vml" Requires="v">
-                <p:oleObj spid="_x0000_s3542" name="Equazione" r:id="rId25" imgW="3009900" imgH="1143000" progId="Equation.3">
+                <p:oleObj spid="_x0000_s3604" name="Equazione" r:id="rId19" imgW="3009900" imgH="1143000" progId="Equation.3">
                   <p:embed/>
                 </p:oleObj>
               </mc:Choice>
               <mc:Fallback>
-                <p:oleObj name="Equazione" r:id="rId25" imgW="3009900" imgH="1143000" progId="Equation.3">
+                <p:oleObj name="Equazione" r:id="rId19" imgW="3009900" imgH="1143000" progId="Equation.3">
                   <p:embed/>
                   <p:pic>
                     <p:nvPicPr>
@@ -19944,7 +16129,7 @@
                       <p:nvPr/>
                     </p:nvPicPr>
                     <p:blipFill>
-                      <a:blip r:embed="rId26">
+                      <a:blip r:embed="rId20">
                         <a:extLst>
                           <a:ext uri="{28A0092B-C50C-407E-A947-70E740481C1C}">
                             <a14:useLocalDpi xmlns:a14="http://schemas.microsoft.com/office/drawing/2010/main" val="0"/>
@@ -19958,7 +16143,7 @@
                     </p:blipFill>
                     <p:spPr bwMode="auto">
                       <a:xfrm>
-                        <a:off x="4116563" y="4377144"/>
+                        <a:off x="1724260" y="4024272"/>
                         <a:ext cx="4085656" cy="1551515"/>
                       </a:xfrm>
                       <a:prstGeom prst="rect">
@@ -19973,166 +16158,328 @@
           </a:graphicData>
         </a:graphic>
       </p:graphicFrame>
-      <p:sp>
-        <p:nvSpPr>
-          <p:cNvPr id="34" name="Rectangle 14"/>
-          <p:cNvSpPr>
-            <a:spLocks noChangeArrowheads="1"/>
-          </p:cNvSpPr>
+      <p:grpSp>
+        <p:nvGrpSpPr>
+          <p:cNvPr id="52" name="Gruppo 51"/>
+          <p:cNvGrpSpPr/>
           <p:nvPr/>
-        </p:nvSpPr>
-        <p:spPr bwMode="auto">
-          <a:xfrm>
-            <a:off x="2106219" y="5911466"/>
-            <a:ext cx="3678123" cy="646331"/>
-          </a:xfrm>
-          <a:prstGeom prst="rect">
-            <a:avLst/>
-          </a:prstGeom>
-          <a:noFill/>
-          <a:ln>
-            <a:noFill/>
-          </a:ln>
-          <a:effectLst/>
-          <a:extLst>
-            <a:ext uri="{909E8E84-426E-40DD-AFC4-6F175D3DCCD1}">
-              <a14:hiddenFill xmlns:a14="http://schemas.microsoft.com/office/drawing/2010/main">
-                <a:solidFill>
-                  <a:schemeClr val="accent1"/>
-                </a:solidFill>
-              </a14:hiddenFill>
-            </a:ext>
-            <a:ext uri="{91240B29-F687-4F45-9708-019B960494DF}">
-              <a14:hiddenLine xmlns:a14="http://schemas.microsoft.com/office/drawing/2010/main" w="9525">
-                <a:solidFill>
-                  <a:schemeClr val="tx1"/>
-                </a:solidFill>
-                <a:miter lim="800000"/>
-                <a:headEnd/>
-                <a:tailEnd/>
-              </a14:hiddenLine>
-            </a:ext>
-            <a:ext uri="{AF507438-7753-43E0-B8FC-AC1667EBCBE1}">
-              <a14:hiddenEffects xmlns:a14="http://schemas.microsoft.com/office/drawing/2010/main">
-                <a:effectLst>
-                  <a:outerShdw dist="35921" dir="2700000" algn="ctr" rotWithShape="0">
-                    <a:schemeClr val="bg2"/>
-                  </a:outerShdw>
-                </a:effectLst>
-              </a14:hiddenEffects>
-            </a:ext>
-          </a:extLst>
-        </p:spPr>
-        <p:txBody>
-          <a:bodyPr vert="horz" wrap="none" lIns="91440" tIns="45720" rIns="91440" bIns="45720" numCol="1" anchor="ctr" anchorCtr="0" compatLnSpc="1">
-            <a:prstTxWarp prst="textNoShape">
+        </p:nvGrpSpPr>
+        <p:grpSpPr>
+          <a:xfrm>
+            <a:off x="1799516" y="1428428"/>
+            <a:ext cx="798136" cy="478272"/>
+            <a:chOff x="2640935" y="969207"/>
+            <a:chExt cx="1565305" cy="478272"/>
+          </a:xfrm>
+        </p:grpSpPr>
+        <p:sp>
+          <p:nvSpPr>
+            <p:cNvPr id="53" name="Rettangolo arrotondato 52"/>
+            <p:cNvSpPr/>
+            <p:nvPr/>
+          </p:nvSpPr>
+          <p:spPr>
+            <a:xfrm>
+              <a:off x="2671903" y="969207"/>
+              <a:ext cx="1534337" cy="478272"/>
+            </a:xfrm>
+            <a:prstGeom prst="roundRect">
               <a:avLst/>
-            </a:prstTxWarp>
-            <a:spAutoFit/>
-          </a:bodyPr>
-          <a:lstStyle/>
-          <a:p>
-            <a:pPr marL="0" marR="0" lvl="0" indent="0" algn="l" defTabSz="914400" rtl="0" eaLnBrk="0" fontAlgn="base" latinLnBrk="0" hangingPunct="0">
-              <a:lnSpc>
-                <a:spcPct val="100000"/>
-              </a:lnSpc>
-              <a:spcBef>
-                <a:spcPct val="0"/>
-              </a:spcBef>
-              <a:spcAft>
-                <a:spcPct val="0"/>
-              </a:spcAft>
-              <a:buClrTx/>
-              <a:buSzTx/>
-              <a:buFontTx/>
-              <a:buNone/>
-              <a:tabLst/>
-            </a:pPr>
-            <a:r>
-              <a:rPr kumimoji="0" lang="en-US" altLang="en-US" sz="1800" b="0" i="0" u="none" strike="noStrike" cap="none" normalizeH="0" baseline="0" dirty="0">
-                <a:ln>
-                  <a:noFill/>
-                </a:ln>
-                <a:solidFill>
-                  <a:schemeClr val="tx1"/>
-                </a:solidFill>
-                <a:effectLst/>
-                <a:latin typeface="Calibri" panose="020F0502020204030204" pitchFamily="34" charset="0"/>
-                <a:ea typeface="Calibri" panose="020F0502020204030204" pitchFamily="34" charset="0"/>
-                <a:cs typeface="Times New Roman" panose="02020603050405020304" pitchFamily="18" charset="0"/>
-              </a:rPr>
-              <a:t>With suitable definitions of M, C, K, B</a:t>
-            </a:r>
-            <a:endParaRPr kumimoji="0" lang="en-US" altLang="en-US" sz="800" b="0" i="0" u="none" strike="noStrike" cap="none" normalizeH="0" baseline="0" dirty="0">
-              <a:ln>
-                <a:noFill/>
-              </a:ln>
-              <a:solidFill>
-                <a:schemeClr val="tx1"/>
-              </a:solidFill>
-              <a:effectLst/>
-            </a:endParaRPr>
-          </a:p>
-          <a:p>
-            <a:pPr marL="0" marR="0" lvl="0" indent="0" algn="l" defTabSz="914400" rtl="0" eaLnBrk="0" fontAlgn="base" latinLnBrk="0" hangingPunct="0">
-              <a:lnSpc>
-                <a:spcPct val="100000"/>
-              </a:lnSpc>
-              <a:spcBef>
-                <a:spcPct val="0"/>
-              </a:spcBef>
-              <a:spcAft>
-                <a:spcPct val="0"/>
-              </a:spcAft>
-              <a:buClrTx/>
-              <a:buSzTx/>
-              <a:buFontTx/>
-              <a:buNone/>
-              <a:tabLst/>
-            </a:pPr>
-            <a:r>
-              <a:rPr kumimoji="0" lang="en-US" altLang="en-US" sz="1800" b="0" i="0" u="none" strike="noStrike" cap="none" normalizeH="0" baseline="0" dirty="0">
-                <a:ln>
-                  <a:noFill/>
-                </a:ln>
-                <a:solidFill>
-                  <a:schemeClr val="tx1"/>
-                </a:solidFill>
-                <a:effectLst/>
-                <a:latin typeface="Calibri" panose="020F0502020204030204" pitchFamily="34" charset="0"/>
-                <a:ea typeface="Calibri" panose="020F0502020204030204" pitchFamily="34" charset="0"/>
-                <a:cs typeface="Times New Roman" panose="02020603050405020304" pitchFamily="18" charset="0"/>
-              </a:rPr>
-              <a:t>Analogously for 3 </a:t>
-            </a:r>
-            <a:r>
-              <a:rPr kumimoji="0" lang="en-US" altLang="en-US" sz="1800" b="0" i="0" u="none" strike="noStrike" cap="none" normalizeH="0" baseline="0" dirty="0" err="1">
-                <a:ln>
-                  <a:noFill/>
-                </a:ln>
-                <a:solidFill>
-                  <a:schemeClr val="tx1"/>
-                </a:solidFill>
-                <a:effectLst/>
-                <a:latin typeface="Calibri" panose="020F0502020204030204" pitchFamily="34" charset="0"/>
-                <a:ea typeface="Calibri" panose="020F0502020204030204" pitchFamily="34" charset="0"/>
-                <a:cs typeface="Times New Roman" panose="02020603050405020304" pitchFamily="18" charset="0"/>
-              </a:rPr>
-              <a:t>dof</a:t>
-            </a:r>
-            <a:endParaRPr kumimoji="0" lang="en-US" altLang="en-US" sz="1800" b="0" i="0" u="none" strike="noStrike" cap="none" normalizeH="0" baseline="0" dirty="0">
-              <a:ln>
-                <a:noFill/>
-              </a:ln>
-              <a:solidFill>
-                <a:schemeClr val="tx1"/>
-              </a:solidFill>
-              <a:effectLst/>
-              <a:latin typeface="Arial" panose="020B0604020202020204" pitchFamily="34" charset="0"/>
-            </a:endParaRPr>
-          </a:p>
-        </p:txBody>
-      </p:sp>
+            </a:prstGeom>
+            <a:solidFill>
+              <a:schemeClr val="bg2"/>
+            </a:solidFill>
+          </p:spPr>
+          <p:style>
+            <a:lnRef idx="2">
+              <a:schemeClr val="accent1">
+                <a:shade val="50000"/>
+              </a:schemeClr>
+            </a:lnRef>
+            <a:fillRef idx="1">
+              <a:schemeClr val="accent1"/>
+            </a:fillRef>
+            <a:effectRef idx="0">
+              <a:schemeClr val="accent1"/>
+            </a:effectRef>
+            <a:fontRef idx="minor">
+              <a:schemeClr val="lt1"/>
+            </a:fontRef>
+          </p:style>
+          <p:txBody>
+            <a:bodyPr rtlCol="0" anchor="ctr"/>
+            <a:lstStyle/>
+            <a:p>
+              <a:pPr algn="ctr"/>
+              <a:endParaRPr lang="it-IT" dirty="0"/>
+            </a:p>
+          </p:txBody>
+        </p:sp>
+        <p:sp>
+          <p:nvSpPr>
+            <p:cNvPr id="54" name="Rettangolo 53"/>
+            <p:cNvSpPr/>
+            <p:nvPr/>
+          </p:nvSpPr>
+          <p:spPr>
+            <a:xfrm>
+              <a:off x="2640935" y="997207"/>
+              <a:ext cx="755335" cy="369332"/>
+            </a:xfrm>
+            <a:prstGeom prst="rect">
+              <a:avLst/>
+            </a:prstGeom>
+          </p:spPr>
+          <p:txBody>
+            <a:bodyPr wrap="none">
+              <a:spAutoFit/>
+            </a:bodyPr>
+            <a:lstStyle/>
+            <a:p>
+              <a:r>
+                <a:rPr lang="en-US" dirty="0"/>
+                <a:t>1 DOF</a:t>
+              </a:r>
+              <a:endParaRPr lang="it-IT" dirty="0"/>
+            </a:p>
+          </p:txBody>
+        </p:sp>
+      </p:grpSp>
+      <p:grpSp>
+        <p:nvGrpSpPr>
+          <p:cNvPr id="55" name="Gruppo 54"/>
+          <p:cNvGrpSpPr/>
+          <p:nvPr/>
+        </p:nvGrpSpPr>
+        <p:grpSpPr>
+          <a:xfrm>
+            <a:off x="3360124" y="3343198"/>
+            <a:ext cx="798137" cy="478272"/>
+            <a:chOff x="2640934" y="969207"/>
+            <a:chExt cx="1565306" cy="478272"/>
+          </a:xfrm>
+        </p:grpSpPr>
+        <p:sp>
+          <p:nvSpPr>
+            <p:cNvPr id="56" name="Rettangolo arrotondato 55"/>
+            <p:cNvSpPr/>
+            <p:nvPr/>
+          </p:nvSpPr>
+          <p:spPr>
+            <a:xfrm>
+              <a:off x="2671903" y="969207"/>
+              <a:ext cx="1534337" cy="478272"/>
+            </a:xfrm>
+            <a:prstGeom prst="roundRect">
+              <a:avLst/>
+            </a:prstGeom>
+            <a:solidFill>
+              <a:schemeClr val="bg2"/>
+            </a:solidFill>
+          </p:spPr>
+          <p:style>
+            <a:lnRef idx="2">
+              <a:schemeClr val="accent1">
+                <a:shade val="50000"/>
+              </a:schemeClr>
+            </a:lnRef>
+            <a:fillRef idx="1">
+              <a:schemeClr val="accent1"/>
+            </a:fillRef>
+            <a:effectRef idx="0">
+              <a:schemeClr val="accent1"/>
+            </a:effectRef>
+            <a:fontRef idx="minor">
+              <a:schemeClr val="lt1"/>
+            </a:fontRef>
+          </p:style>
+          <p:txBody>
+            <a:bodyPr rtlCol="0" anchor="ctr"/>
+            <a:lstStyle/>
+            <a:p>
+              <a:pPr algn="ctr"/>
+              <a:endParaRPr lang="it-IT" dirty="0"/>
+            </a:p>
+          </p:txBody>
+        </p:sp>
+        <p:sp>
+          <p:nvSpPr>
+            <p:cNvPr id="58" name="Rettangolo 57"/>
+            <p:cNvSpPr/>
+            <p:nvPr/>
+          </p:nvSpPr>
+          <p:spPr>
+            <a:xfrm>
+              <a:off x="2640934" y="997207"/>
+              <a:ext cx="1481363" cy="369332"/>
+            </a:xfrm>
+            <a:prstGeom prst="rect">
+              <a:avLst/>
+            </a:prstGeom>
+          </p:spPr>
+          <p:txBody>
+            <a:bodyPr wrap="none">
+              <a:spAutoFit/>
+            </a:bodyPr>
+            <a:lstStyle/>
+            <a:p>
+              <a:r>
+                <a:rPr lang="en-US" dirty="0"/>
+                <a:t>2 DOF</a:t>
+              </a:r>
+              <a:endParaRPr lang="it-IT" dirty="0"/>
+            </a:p>
+          </p:txBody>
+        </p:sp>
+      </p:grpSp>
+      <p:graphicFrame>
+        <p:nvGraphicFramePr>
+          <p:cNvPr id="59" name="Oggetto 58"/>
+          <p:cNvGraphicFramePr>
+            <a:graphicFrameLocks noChangeAspect="1"/>
+          </p:cNvGraphicFramePr>
+          <p:nvPr>
+            <p:extLst>
+              <p:ext uri="{D42A27DB-BD31-4B8C-83A1-F6EECF244321}">
+                <p14:modId xmlns:p14="http://schemas.microsoft.com/office/powerpoint/2010/main" val="941714591"/>
+              </p:ext>
+            </p:extLst>
+          </p:nvPr>
+        </p:nvGraphicFramePr>
+        <p:xfrm>
+          <a:off x="6503273" y="3699105"/>
+          <a:ext cx="4413250" cy="2171700"/>
+        </p:xfrm>
+        <a:graphic>
+          <a:graphicData uri="http://schemas.openxmlformats.org/presentationml/2006/ole">
+            <mc:AlternateContent xmlns:mc="http://schemas.openxmlformats.org/markup-compatibility/2006">
+              <mc:Choice xmlns:v="urn:schemas-microsoft-com:vml" Requires="v">
+                <p:oleObj spid="_x0000_s3605" name="Equazione" r:id="rId21" imgW="3251160" imgH="1600200" progId="Equation.3">
+                  <p:embed/>
+                </p:oleObj>
+              </mc:Choice>
+              <mc:Fallback>
+                <p:oleObj name="Equazione" r:id="rId21" imgW="3251160" imgH="1600200" progId="Equation.3">
+                  <p:embed/>
+                  <p:pic>
+                    <p:nvPicPr>
+                      <p:cNvPr id="31" name="Oggetto 30"/>
+                      <p:cNvPicPr>
+                        <a:picLocks noChangeAspect="1" noChangeArrowheads="1"/>
+                      </p:cNvPicPr>
+                      <p:nvPr/>
+                    </p:nvPicPr>
+                    <p:blipFill>
+                      <a:blip r:embed="rId22"/>
+                      <a:srcRect/>
+                      <a:stretch>
+                        <a:fillRect/>
+                      </a:stretch>
+                    </p:blipFill>
+                    <p:spPr bwMode="auto">
+                      <a:xfrm>
+                        <a:off x="6503273" y="3699105"/>
+                        <a:ext cx="4413250" cy="2171700"/>
+                      </a:xfrm>
+                      <a:prstGeom prst="rect">
+                        <a:avLst/>
+                      </a:prstGeom>
+                      <a:noFill/>
+                    </p:spPr>
+                  </p:pic>
+                </p:oleObj>
+              </mc:Fallback>
+            </mc:AlternateContent>
+          </a:graphicData>
+        </a:graphic>
+      </p:graphicFrame>
+      <p:grpSp>
+        <p:nvGrpSpPr>
+          <p:cNvPr id="60" name="Gruppo 59"/>
+          <p:cNvGrpSpPr/>
+          <p:nvPr/>
+        </p:nvGrpSpPr>
+        <p:grpSpPr>
+          <a:xfrm>
+            <a:off x="7948253" y="3357741"/>
+            <a:ext cx="798137" cy="478272"/>
+            <a:chOff x="2640934" y="969207"/>
+            <a:chExt cx="1565306" cy="478272"/>
+          </a:xfrm>
+        </p:grpSpPr>
+        <p:sp>
+          <p:nvSpPr>
+            <p:cNvPr id="61" name="Rettangolo arrotondato 60"/>
+            <p:cNvSpPr/>
+            <p:nvPr/>
+          </p:nvSpPr>
+          <p:spPr>
+            <a:xfrm>
+              <a:off x="2671903" y="969207"/>
+              <a:ext cx="1534337" cy="478272"/>
+            </a:xfrm>
+            <a:prstGeom prst="roundRect">
+              <a:avLst/>
+            </a:prstGeom>
+            <a:solidFill>
+              <a:schemeClr val="bg2"/>
+            </a:solidFill>
+          </p:spPr>
+          <p:style>
+            <a:lnRef idx="2">
+              <a:schemeClr val="accent1">
+                <a:shade val="50000"/>
+              </a:schemeClr>
+            </a:lnRef>
+            <a:fillRef idx="1">
+              <a:schemeClr val="accent1"/>
+            </a:fillRef>
+            <a:effectRef idx="0">
+              <a:schemeClr val="accent1"/>
+            </a:effectRef>
+            <a:fontRef idx="minor">
+              <a:schemeClr val="lt1"/>
+            </a:fontRef>
+          </p:style>
+          <p:txBody>
+            <a:bodyPr rtlCol="0" anchor="ctr"/>
+            <a:lstStyle/>
+            <a:p>
+              <a:pPr algn="ctr"/>
+              <a:endParaRPr lang="it-IT" dirty="0"/>
+            </a:p>
+          </p:txBody>
+        </p:sp>
+        <p:sp>
+          <p:nvSpPr>
+            <p:cNvPr id="62" name="Rettangolo 61"/>
+            <p:cNvSpPr/>
+            <p:nvPr/>
+          </p:nvSpPr>
+          <p:spPr>
+            <a:xfrm>
+              <a:off x="2640934" y="997207"/>
+              <a:ext cx="1481363" cy="369332"/>
+            </a:xfrm>
+            <a:prstGeom prst="rect">
+              <a:avLst/>
+            </a:prstGeom>
+          </p:spPr>
+          <p:txBody>
+            <a:bodyPr wrap="none">
+              <a:spAutoFit/>
+            </a:bodyPr>
+            <a:lstStyle/>
+            <a:p>
+              <a:r>
+                <a:rPr lang="en-US" dirty="0"/>
+                <a:t>3 DOF</a:t>
+              </a:r>
+              <a:endParaRPr lang="it-IT" dirty="0"/>
+            </a:p>
+          </p:txBody>
+        </p:sp>
+      </p:grpSp>
     </p:spTree>
     <p:extLst>
       <p:ext uri="{BB962C8B-B14F-4D97-AF65-F5344CB8AC3E}">
@@ -20192,12 +16539,12 @@
           <a:lstStyle/>
           <a:p>
             <a:r>
-              <a:rPr lang="en-US" sz="3000" dirty="0">
+              <a:rPr lang="en-GB" sz="3000" dirty="0">
                 <a:solidFill>
                   <a:srgbClr val="003366"/>
                 </a:solidFill>
               </a:rPr>
-              <a:t>White box identification: detached cart</a:t>
+              <a:t>White box identification: steps</a:t>
             </a:r>
           </a:p>
         </p:txBody>
@@ -20205,6 +16552,34 @@
       <p:pic>
         <p:nvPicPr>
           <p:cNvPr id="38" name="Shape 38"/>
+          <p:cNvPicPr preferRelativeResize="0"/>
+          <p:nvPr/>
+        </p:nvPicPr>
+        <p:blipFill>
+          <a:blip r:embed="rId3">
+            <a:alphaModFix/>
+          </a:blip>
+          <a:stretch>
+            <a:fillRect/>
+          </a:stretch>
+        </p:blipFill>
+        <p:spPr>
+          <a:xfrm>
+            <a:off x="1606450" y="65950"/>
+            <a:ext cx="464900" cy="498650"/>
+          </a:xfrm>
+          <a:prstGeom prst="rect">
+            <a:avLst/>
+          </a:prstGeom>
+          <a:noFill/>
+          <a:ln>
+            <a:noFill/>
+          </a:ln>
+        </p:spPr>
+      </p:pic>
+      <p:pic>
+        <p:nvPicPr>
+          <p:cNvPr id="39" name="Shape 39"/>
           <p:cNvPicPr preferRelativeResize="0"/>
           <p:nvPr/>
         </p:nvPicPr>
@@ -20218,8 +16593,8 @@
         </p:blipFill>
         <p:spPr>
           <a:xfrm>
-            <a:off x="1606450" y="65950"/>
-            <a:ext cx="464900" cy="498650"/>
+            <a:off x="1524000" y="630540"/>
+            <a:ext cx="9143998" cy="97471"/>
           </a:xfrm>
           <a:prstGeom prst="rect">
             <a:avLst/>
@@ -20230,9 +16605,71 @@
           </a:ln>
         </p:spPr>
       </p:pic>
+      <p:cxnSp>
+        <p:nvCxnSpPr>
+          <p:cNvPr id="40" name="Shape 40"/>
+          <p:cNvCxnSpPr/>
+          <p:nvPr/>
+        </p:nvCxnSpPr>
+        <p:spPr>
+          <a:xfrm rot="10800000">
+            <a:off x="2215550" y="126"/>
+            <a:ext cx="0" cy="630299"/>
+          </a:xfrm>
+          <a:prstGeom prst="straightConnector1">
+            <a:avLst/>
+          </a:prstGeom>
+          <a:noFill/>
+          <a:ln w="9525" cap="flat" cmpd="sng">
+            <a:solidFill>
+              <a:srgbClr val="003366"/>
+            </a:solidFill>
+            <a:prstDash val="solid"/>
+            <a:round/>
+            <a:headEnd type="none" w="lg" len="lg"/>
+            <a:tailEnd type="none" w="lg" len="lg"/>
+          </a:ln>
+        </p:spPr>
+      </p:cxnSp>
+      <p:sp>
+        <p:nvSpPr>
+          <p:cNvPr id="41" name="Shape 41"/>
+          <p:cNvSpPr txBox="1"/>
+          <p:nvPr/>
+        </p:nvSpPr>
+        <p:spPr>
+          <a:xfrm>
+            <a:off x="8307700" y="6531001"/>
+            <a:ext cx="2599200" cy="363899"/>
+          </a:xfrm>
+          <a:prstGeom prst="rect">
+            <a:avLst/>
+          </a:prstGeom>
+          <a:noFill/>
+          <a:ln>
+            <a:noFill/>
+          </a:ln>
+        </p:spPr>
+        <p:txBody>
+          <a:bodyPr lIns="91425" tIns="91425" rIns="91425" bIns="91425" anchor="t" anchorCtr="0">
+            <a:noAutofit/>
+          </a:bodyPr>
+          <a:lstStyle/>
+          <a:p>
+            <a:r>
+              <a:rPr lang="en-GB" sz="1200" b="1" dirty="0">
+                <a:solidFill>
+                  <a:srgbClr val="FFFFFF"/>
+                </a:solidFill>
+              </a:rPr>
+              <a:t>POLITECNICO DI MILANO</a:t>
+            </a:r>
+          </a:p>
+        </p:txBody>
+      </p:sp>
       <p:pic>
         <p:nvPicPr>
-          <p:cNvPr id="39" name="Shape 39"/>
+          <p:cNvPr id="42" name="Shape 42"/>
           <p:cNvPicPr preferRelativeResize="0"/>
           <p:nvPr/>
         </p:nvPicPr>
@@ -20246,96 +16683,6 @@
         </p:blipFill>
         <p:spPr>
           <a:xfrm>
-            <a:off x="1524000" y="630540"/>
-            <a:ext cx="9143998" cy="97471"/>
-          </a:xfrm>
-          <a:prstGeom prst="rect">
-            <a:avLst/>
-          </a:prstGeom>
-          <a:noFill/>
-          <a:ln>
-            <a:noFill/>
-          </a:ln>
-        </p:spPr>
-      </p:pic>
-      <p:cxnSp>
-        <p:nvCxnSpPr>
-          <p:cNvPr id="40" name="Shape 40"/>
-          <p:cNvCxnSpPr/>
-          <p:nvPr/>
-        </p:nvCxnSpPr>
-        <p:spPr>
-          <a:xfrm rot="10800000">
-            <a:off x="2215550" y="126"/>
-            <a:ext cx="0" cy="630299"/>
-          </a:xfrm>
-          <a:prstGeom prst="straightConnector1">
-            <a:avLst/>
-          </a:prstGeom>
-          <a:noFill/>
-          <a:ln w="9525" cap="flat" cmpd="sng">
-            <a:solidFill>
-              <a:srgbClr val="003366"/>
-            </a:solidFill>
-            <a:prstDash val="solid"/>
-            <a:round/>
-            <a:headEnd type="none" w="lg" len="lg"/>
-            <a:tailEnd type="none" w="lg" len="lg"/>
-          </a:ln>
-        </p:spPr>
-      </p:cxnSp>
-      <p:sp>
-        <p:nvSpPr>
-          <p:cNvPr id="41" name="Shape 41"/>
-          <p:cNvSpPr txBox="1"/>
-          <p:nvPr/>
-        </p:nvSpPr>
-        <p:spPr>
-          <a:xfrm>
-            <a:off x="8307700" y="6531001"/>
-            <a:ext cx="2599200" cy="363899"/>
-          </a:xfrm>
-          <a:prstGeom prst="rect">
-            <a:avLst/>
-          </a:prstGeom>
-          <a:noFill/>
-          <a:ln>
-            <a:noFill/>
-          </a:ln>
-        </p:spPr>
-        <p:txBody>
-          <a:bodyPr lIns="91425" tIns="91425" rIns="91425" bIns="91425" anchor="t" anchorCtr="0">
-            <a:noAutofit/>
-          </a:bodyPr>
-          <a:lstStyle/>
-          <a:p>
-            <a:r>
-              <a:rPr lang="en-US" sz="1200" b="1" dirty="0">
-                <a:solidFill>
-                  <a:srgbClr val="FFFFFF"/>
-                </a:solidFill>
-              </a:rPr>
-              <a:t>POLITECNICO DI MILANO</a:t>
-            </a:r>
-          </a:p>
-        </p:txBody>
-      </p:sp>
-      <p:pic>
-        <p:nvPicPr>
-          <p:cNvPr id="42" name="Shape 42"/>
-          <p:cNvPicPr preferRelativeResize="0"/>
-          <p:nvPr/>
-        </p:nvPicPr>
-        <p:blipFill>
-          <a:blip r:embed="rId6">
-            <a:alphaModFix/>
-          </a:blip>
-          <a:stretch>
-            <a:fillRect/>
-          </a:stretch>
-        </p:blipFill>
-        <p:spPr>
-          <a:xfrm>
             <a:off x="1524000" y="6571226"/>
             <a:ext cx="9144000" cy="286775"/>
           </a:xfrm>
@@ -20379,14 +16726,14 @@
               </a:lnSpc>
             </a:pPr>
             <a:r>
-              <a:rPr lang="en-US" sz="1200" b="1" dirty="0">
+              <a:rPr lang="en-GB" sz="1200" b="1" dirty="0">
                 <a:solidFill>
                   <a:srgbClr val="003366"/>
                 </a:solidFill>
               </a:rPr>
               <a:t>Control of linear vibrations</a:t>
             </a:r>
-            <a:endParaRPr lang="en-US" sz="1300" b="1" dirty="0">
+            <a:endParaRPr lang="en-GB" sz="1300" b="1" dirty="0">
               <a:solidFill>
                 <a:srgbClr val="003366"/>
               </a:solidFill>
@@ -20394,1728 +16741,679 @@
           </a:p>
         </p:txBody>
       </p:sp>
-      <p:sp>
-        <p:nvSpPr>
-          <p:cNvPr id="45" name="Rectangle 39"/>
-          <p:cNvSpPr>
-            <a:spLocks noChangeArrowheads="1"/>
-          </p:cNvSpPr>
+      <p:grpSp>
+        <p:nvGrpSpPr>
+          <p:cNvPr id="30" name="Gruppo 29"/>
+          <p:cNvGrpSpPr/>
           <p:nvPr/>
-        </p:nvSpPr>
-        <p:spPr bwMode="auto">
-          <a:xfrm>
-            <a:off x="2106219" y="1929660"/>
-            <a:ext cx="12192000" cy="457200"/>
+        </p:nvGrpSpPr>
+        <p:grpSpPr>
+          <a:xfrm>
+            <a:off x="2215548" y="987464"/>
+            <a:ext cx="3254227" cy="478272"/>
+            <a:chOff x="2798273" y="1113053"/>
+            <a:chExt cx="8171907" cy="478272"/>
+          </a:xfrm>
+        </p:grpSpPr>
+        <p:sp>
+          <p:nvSpPr>
+            <p:cNvPr id="31" name="Rettangolo arrotondato 30"/>
+            <p:cNvSpPr/>
+            <p:nvPr/>
+          </p:nvSpPr>
+          <p:spPr>
+            <a:xfrm>
+              <a:off x="2798273" y="1113053"/>
+              <a:ext cx="8171907" cy="478272"/>
+            </a:xfrm>
+            <a:prstGeom prst="roundRect">
+              <a:avLst/>
+            </a:prstGeom>
+            <a:solidFill>
+              <a:schemeClr val="bg2"/>
+            </a:solidFill>
+          </p:spPr>
+          <p:style>
+            <a:lnRef idx="2">
+              <a:schemeClr val="accent1">
+                <a:shade val="50000"/>
+              </a:schemeClr>
+            </a:lnRef>
+            <a:fillRef idx="1">
+              <a:schemeClr val="accent1"/>
+            </a:fillRef>
+            <a:effectRef idx="0">
+              <a:schemeClr val="accent1"/>
+            </a:effectRef>
+            <a:fontRef idx="minor">
+              <a:schemeClr val="lt1"/>
+            </a:fontRef>
+          </p:style>
+          <p:txBody>
+            <a:bodyPr rtlCol="0" anchor="ctr"/>
+            <a:lstStyle/>
+            <a:p>
+              <a:pPr algn="ctr"/>
+              <a:endParaRPr lang="en-GB" dirty="0"/>
+            </a:p>
+          </p:txBody>
+        </p:sp>
+        <p:sp>
+          <p:nvSpPr>
+            <p:cNvPr id="37" name="Rettangolo 36"/>
+            <p:cNvSpPr/>
+            <p:nvPr/>
+          </p:nvSpPr>
+          <p:spPr>
+            <a:xfrm>
+              <a:off x="2904331" y="1165276"/>
+              <a:ext cx="8065849" cy="369332"/>
+            </a:xfrm>
+            <a:prstGeom prst="rect">
+              <a:avLst/>
+            </a:prstGeom>
+          </p:spPr>
+          <p:txBody>
+            <a:bodyPr wrap="none">
+              <a:spAutoFit/>
+            </a:bodyPr>
+            <a:lstStyle/>
+            <a:p>
+              <a:r>
+                <a:rPr lang="en-GB" dirty="0"/>
+                <a:t>1. Define a model for the system</a:t>
+              </a:r>
+            </a:p>
+          </p:txBody>
+        </p:sp>
+      </p:grpSp>
+      <p:grpSp>
+        <p:nvGrpSpPr>
+          <p:cNvPr id="44" name="Gruppo 43"/>
+          <p:cNvGrpSpPr/>
+          <p:nvPr/>
+        </p:nvGrpSpPr>
+        <p:grpSpPr>
+          <a:xfrm>
+            <a:off x="2215548" y="1952264"/>
+            <a:ext cx="4384757" cy="959518"/>
+            <a:chOff x="2692214" y="1110806"/>
+            <a:chExt cx="10948228" cy="1444256"/>
+          </a:xfrm>
+        </p:grpSpPr>
+        <p:sp>
+          <p:nvSpPr>
+            <p:cNvPr id="46" name="Rettangolo arrotondato 45"/>
+            <p:cNvSpPr/>
+            <p:nvPr/>
+          </p:nvSpPr>
+          <p:spPr>
+            <a:xfrm>
+              <a:off x="2692214" y="1110806"/>
+              <a:ext cx="10842169" cy="977800"/>
+            </a:xfrm>
+            <a:prstGeom prst="roundRect">
+              <a:avLst/>
+            </a:prstGeom>
+            <a:solidFill>
+              <a:schemeClr val="bg2"/>
+            </a:solidFill>
+          </p:spPr>
+          <p:style>
+            <a:lnRef idx="2">
+              <a:schemeClr val="accent1">
+                <a:shade val="50000"/>
+              </a:schemeClr>
+            </a:lnRef>
+            <a:fillRef idx="1">
+              <a:schemeClr val="accent1"/>
+            </a:fillRef>
+            <a:effectRef idx="0">
+              <a:schemeClr val="accent1"/>
+            </a:effectRef>
+            <a:fontRef idx="minor">
+              <a:schemeClr val="lt1"/>
+            </a:fontRef>
+          </p:style>
+          <p:txBody>
+            <a:bodyPr rtlCol="0" anchor="ctr"/>
+            <a:lstStyle/>
+            <a:p>
+              <a:pPr algn="ctr"/>
+              <a:endParaRPr lang="en-GB" dirty="0"/>
+            </a:p>
+          </p:txBody>
+        </p:sp>
+        <p:sp>
+          <p:nvSpPr>
+            <p:cNvPr id="48" name="Rettangolo 47"/>
+            <p:cNvSpPr/>
+            <p:nvPr/>
+          </p:nvSpPr>
+          <p:spPr>
+            <a:xfrm>
+              <a:off x="2904332" y="1165276"/>
+              <a:ext cx="10736110" cy="1389786"/>
+            </a:xfrm>
+            <a:prstGeom prst="rect">
+              <a:avLst/>
+            </a:prstGeom>
+          </p:spPr>
+          <p:txBody>
+            <a:bodyPr wrap="square">
+              <a:spAutoFit/>
+            </a:bodyPr>
+            <a:lstStyle/>
+            <a:p>
+              <a:r>
+                <a:rPr lang="en-GB" dirty="0"/>
+                <a:t>2. Perform a set of tests on the real system</a:t>
+              </a:r>
+            </a:p>
+            <a:p>
+              <a:pPr marL="182563"/>
+              <a:r>
+                <a:rPr lang="en-GB" dirty="0"/>
+                <a:t> and collect the relevant data		</a:t>
+              </a:r>
+            </a:p>
+          </p:txBody>
+        </p:sp>
+      </p:grpSp>
+      <p:grpSp>
+        <p:nvGrpSpPr>
+          <p:cNvPr id="50" name="Gruppo 49"/>
+          <p:cNvGrpSpPr/>
+          <p:nvPr/>
+        </p:nvGrpSpPr>
+        <p:grpSpPr>
+          <a:xfrm>
+            <a:off x="2215548" y="3053648"/>
+            <a:ext cx="4317584" cy="697696"/>
+            <a:chOff x="2798273" y="1113053"/>
+            <a:chExt cx="10842169" cy="709348"/>
+          </a:xfrm>
+        </p:grpSpPr>
+        <p:sp>
+          <p:nvSpPr>
+            <p:cNvPr id="51" name="Rettangolo arrotondato 50"/>
+            <p:cNvSpPr/>
+            <p:nvPr/>
+          </p:nvSpPr>
+          <p:spPr>
+            <a:xfrm>
+              <a:off x="2798273" y="1113053"/>
+              <a:ext cx="10842169" cy="698554"/>
+            </a:xfrm>
+            <a:prstGeom prst="roundRect">
+              <a:avLst/>
+            </a:prstGeom>
+            <a:solidFill>
+              <a:schemeClr val="bg2"/>
+            </a:solidFill>
+          </p:spPr>
+          <p:style>
+            <a:lnRef idx="2">
+              <a:schemeClr val="accent1">
+                <a:shade val="50000"/>
+              </a:schemeClr>
+            </a:lnRef>
+            <a:fillRef idx="1">
+              <a:schemeClr val="accent1"/>
+            </a:fillRef>
+            <a:effectRef idx="0">
+              <a:schemeClr val="accent1"/>
+            </a:effectRef>
+            <a:fontRef idx="minor">
+              <a:schemeClr val="lt1"/>
+            </a:fontRef>
+          </p:style>
+          <p:txBody>
+            <a:bodyPr rtlCol="0" anchor="ctr"/>
+            <a:lstStyle/>
+            <a:p>
+              <a:pPr algn="ctr"/>
+              <a:endParaRPr lang="en-GB" dirty="0"/>
+            </a:p>
+          </p:txBody>
+        </p:sp>
+        <p:sp>
+          <p:nvSpPr>
+            <p:cNvPr id="52" name="Rettangolo 51"/>
+            <p:cNvSpPr/>
+            <p:nvPr/>
+          </p:nvSpPr>
+          <p:spPr>
+            <a:xfrm>
+              <a:off x="2904332" y="1165276"/>
+              <a:ext cx="10736110" cy="657125"/>
+            </a:xfrm>
+            <a:prstGeom prst="rect">
+              <a:avLst/>
+            </a:prstGeom>
+          </p:spPr>
+          <p:txBody>
+            <a:bodyPr wrap="square">
+              <a:spAutoFit/>
+            </a:bodyPr>
+            <a:lstStyle/>
+            <a:p>
+              <a:pPr marL="266700" indent="-266700"/>
+              <a:r>
+                <a:rPr lang="en-GB" dirty="0"/>
+                <a:t>3. Use model to get the wanted parameters from measured data</a:t>
+              </a:r>
+            </a:p>
+          </p:txBody>
+        </p:sp>
+      </p:grpSp>
+      <p:grpSp>
+        <p:nvGrpSpPr>
+          <p:cNvPr id="53" name="Gruppo 52"/>
+          <p:cNvGrpSpPr/>
+          <p:nvPr/>
+        </p:nvGrpSpPr>
+        <p:grpSpPr>
+          <a:xfrm>
+            <a:off x="2215548" y="4167331"/>
+            <a:ext cx="4384757" cy="697696"/>
+            <a:chOff x="2798273" y="1113053"/>
+            <a:chExt cx="10842169" cy="709348"/>
+          </a:xfrm>
+        </p:grpSpPr>
+        <p:sp>
+          <p:nvSpPr>
+            <p:cNvPr id="54" name="Rettangolo arrotondato 53"/>
+            <p:cNvSpPr/>
+            <p:nvPr/>
+          </p:nvSpPr>
+          <p:spPr>
+            <a:xfrm>
+              <a:off x="2798273" y="1113053"/>
+              <a:ext cx="10842169" cy="698554"/>
+            </a:xfrm>
+            <a:prstGeom prst="roundRect">
+              <a:avLst/>
+            </a:prstGeom>
+            <a:solidFill>
+              <a:schemeClr val="bg2"/>
+            </a:solidFill>
+          </p:spPr>
+          <p:style>
+            <a:lnRef idx="2">
+              <a:schemeClr val="accent1">
+                <a:shade val="50000"/>
+              </a:schemeClr>
+            </a:lnRef>
+            <a:fillRef idx="1">
+              <a:schemeClr val="accent1"/>
+            </a:fillRef>
+            <a:effectRef idx="0">
+              <a:schemeClr val="accent1"/>
+            </a:effectRef>
+            <a:fontRef idx="minor">
+              <a:schemeClr val="lt1"/>
+            </a:fontRef>
+          </p:style>
+          <p:txBody>
+            <a:bodyPr rtlCol="0" anchor="ctr"/>
+            <a:lstStyle/>
+            <a:p>
+              <a:pPr algn="ctr"/>
+              <a:endParaRPr lang="en-GB" dirty="0"/>
+            </a:p>
+          </p:txBody>
+        </p:sp>
+        <p:sp>
+          <p:nvSpPr>
+            <p:cNvPr id="55" name="Rettangolo 54"/>
+            <p:cNvSpPr/>
+            <p:nvPr/>
+          </p:nvSpPr>
+          <p:spPr>
+            <a:xfrm>
+              <a:off x="2904332" y="1165276"/>
+              <a:ext cx="10736110" cy="657125"/>
+            </a:xfrm>
+            <a:prstGeom prst="rect">
+              <a:avLst/>
+            </a:prstGeom>
+          </p:spPr>
+          <p:txBody>
+            <a:bodyPr wrap="square">
+              <a:spAutoFit/>
+            </a:bodyPr>
+            <a:lstStyle/>
+            <a:p>
+              <a:pPr marL="266700" indent="-266700"/>
+              <a:r>
+                <a:rPr lang="en-GB" dirty="0"/>
+                <a:t>4. Perform a simulation of the system with     the identified parameters</a:t>
+              </a:r>
+            </a:p>
+          </p:txBody>
+        </p:sp>
+      </p:grpSp>
+      <p:grpSp>
+        <p:nvGrpSpPr>
+          <p:cNvPr id="59" name="Gruppo 58"/>
+          <p:cNvGrpSpPr/>
+          <p:nvPr/>
+        </p:nvGrpSpPr>
+        <p:grpSpPr>
+          <a:xfrm>
+            <a:off x="2215547" y="5260521"/>
+            <a:ext cx="4742205" cy="697696"/>
+            <a:chOff x="2798273" y="1113053"/>
+            <a:chExt cx="10842169" cy="709348"/>
+          </a:xfrm>
+        </p:grpSpPr>
+        <p:sp>
+          <p:nvSpPr>
+            <p:cNvPr id="60" name="Rettangolo arrotondato 59"/>
+            <p:cNvSpPr/>
+            <p:nvPr/>
+          </p:nvSpPr>
+          <p:spPr>
+            <a:xfrm>
+              <a:off x="2798273" y="1113053"/>
+              <a:ext cx="10842169" cy="698554"/>
+            </a:xfrm>
+            <a:prstGeom prst="roundRect">
+              <a:avLst/>
+            </a:prstGeom>
+            <a:solidFill>
+              <a:schemeClr val="bg2"/>
+            </a:solidFill>
+          </p:spPr>
+          <p:style>
+            <a:lnRef idx="2">
+              <a:schemeClr val="accent1">
+                <a:shade val="50000"/>
+              </a:schemeClr>
+            </a:lnRef>
+            <a:fillRef idx="1">
+              <a:schemeClr val="accent1"/>
+            </a:fillRef>
+            <a:effectRef idx="0">
+              <a:schemeClr val="accent1"/>
+            </a:effectRef>
+            <a:fontRef idx="minor">
+              <a:schemeClr val="lt1"/>
+            </a:fontRef>
+          </p:style>
+          <p:txBody>
+            <a:bodyPr rtlCol="0" anchor="ctr"/>
+            <a:lstStyle/>
+            <a:p>
+              <a:pPr algn="ctr"/>
+              <a:endParaRPr lang="en-GB" dirty="0"/>
+            </a:p>
+          </p:txBody>
+        </p:sp>
+        <p:sp>
+          <p:nvSpPr>
+            <p:cNvPr id="61" name="Rettangolo 60"/>
+            <p:cNvSpPr/>
+            <p:nvPr/>
+          </p:nvSpPr>
+          <p:spPr>
+            <a:xfrm>
+              <a:off x="2904332" y="1165276"/>
+              <a:ext cx="10736110" cy="657125"/>
+            </a:xfrm>
+            <a:prstGeom prst="rect">
+              <a:avLst/>
+            </a:prstGeom>
+          </p:spPr>
+          <p:txBody>
+            <a:bodyPr wrap="square">
+              <a:spAutoFit/>
+            </a:bodyPr>
+            <a:lstStyle/>
+            <a:p>
+              <a:pPr marL="266700" indent="-266700"/>
+              <a:r>
+                <a:rPr lang="en-GB" dirty="0"/>
+                <a:t>5. Validate the results comparing the simulation output with the real one</a:t>
+              </a:r>
+            </a:p>
+          </p:txBody>
+        </p:sp>
+      </p:grpSp>
+      <p:sp>
+        <p:nvSpPr>
+          <p:cNvPr id="4" name="Freccia in giù 3"/>
+          <p:cNvSpPr/>
+          <p:nvPr/>
+        </p:nvSpPr>
+        <p:spPr>
+          <a:xfrm>
+            <a:off x="3269673" y="1469700"/>
+            <a:ext cx="484632" cy="471947"/>
+          </a:xfrm>
+          <a:prstGeom prst="downArrow">
+            <a:avLst/>
+          </a:prstGeom>
+        </p:spPr>
+        <p:style>
+          <a:lnRef idx="2">
+            <a:schemeClr val="accent1">
+              <a:shade val="50000"/>
+            </a:schemeClr>
+          </a:lnRef>
+          <a:fillRef idx="1">
+            <a:schemeClr val="accent1"/>
+          </a:fillRef>
+          <a:effectRef idx="0">
+            <a:schemeClr val="accent1"/>
+          </a:effectRef>
+          <a:fontRef idx="minor">
+            <a:schemeClr val="lt1"/>
+          </a:fontRef>
+        </p:style>
+        <p:txBody>
+          <a:bodyPr rtlCol="0" anchor="ctr"/>
+          <a:lstStyle/>
+          <a:p>
+            <a:pPr algn="ctr"/>
+            <a:endParaRPr lang="it-IT"/>
+          </a:p>
+        </p:txBody>
+      </p:sp>
+      <p:sp>
+        <p:nvSpPr>
+          <p:cNvPr id="62" name="Freccia in giù 61"/>
+          <p:cNvSpPr/>
+          <p:nvPr/>
+        </p:nvSpPr>
+        <p:spPr>
+          <a:xfrm>
+            <a:off x="3754305" y="2610655"/>
+            <a:ext cx="484632" cy="442993"/>
+          </a:xfrm>
+          <a:prstGeom prst="downArrow">
+            <a:avLst/>
+          </a:prstGeom>
+        </p:spPr>
+        <p:style>
+          <a:lnRef idx="2">
+            <a:schemeClr val="accent1">
+              <a:shade val="50000"/>
+            </a:schemeClr>
+          </a:lnRef>
+          <a:fillRef idx="1">
+            <a:schemeClr val="accent1"/>
+          </a:fillRef>
+          <a:effectRef idx="0">
+            <a:schemeClr val="accent1"/>
+          </a:effectRef>
+          <a:fontRef idx="minor">
+            <a:schemeClr val="lt1"/>
+          </a:fontRef>
+        </p:style>
+        <p:txBody>
+          <a:bodyPr rtlCol="0" anchor="ctr"/>
+          <a:lstStyle/>
+          <a:p>
+            <a:pPr algn="ctr"/>
+            <a:endParaRPr lang="it-IT"/>
+          </a:p>
+        </p:txBody>
+      </p:sp>
+      <p:sp>
+        <p:nvSpPr>
+          <p:cNvPr id="63" name="Freccia in giù 62"/>
+          <p:cNvSpPr/>
+          <p:nvPr/>
+        </p:nvSpPr>
+        <p:spPr>
+          <a:xfrm>
+            <a:off x="4245938" y="3750713"/>
+            <a:ext cx="484632" cy="406002"/>
+          </a:xfrm>
+          <a:prstGeom prst="downArrow">
+            <a:avLst/>
+          </a:prstGeom>
+        </p:spPr>
+        <p:style>
+          <a:lnRef idx="2">
+            <a:schemeClr val="accent1">
+              <a:shade val="50000"/>
+            </a:schemeClr>
+          </a:lnRef>
+          <a:fillRef idx="1">
+            <a:schemeClr val="accent1"/>
+          </a:fillRef>
+          <a:effectRef idx="0">
+            <a:schemeClr val="accent1"/>
+          </a:effectRef>
+          <a:fontRef idx="minor">
+            <a:schemeClr val="lt1"/>
+          </a:fontRef>
+        </p:style>
+        <p:txBody>
+          <a:bodyPr rtlCol="0" anchor="ctr"/>
+          <a:lstStyle/>
+          <a:p>
+            <a:pPr algn="ctr"/>
+            <a:endParaRPr lang="it-IT"/>
+          </a:p>
+        </p:txBody>
+      </p:sp>
+      <p:sp>
+        <p:nvSpPr>
+          <p:cNvPr id="64" name="Freccia in giù 63"/>
+          <p:cNvSpPr/>
+          <p:nvPr/>
+        </p:nvSpPr>
+        <p:spPr>
+          <a:xfrm>
+            <a:off x="4730570" y="4867869"/>
+            <a:ext cx="484632" cy="406002"/>
+          </a:xfrm>
+          <a:prstGeom prst="downArrow">
+            <a:avLst/>
+          </a:prstGeom>
+        </p:spPr>
+        <p:style>
+          <a:lnRef idx="2">
+            <a:schemeClr val="accent1">
+              <a:shade val="50000"/>
+            </a:schemeClr>
+          </a:lnRef>
+          <a:fillRef idx="1">
+            <a:schemeClr val="accent1"/>
+          </a:fillRef>
+          <a:effectRef idx="0">
+            <a:schemeClr val="accent1"/>
+          </a:effectRef>
+          <a:fontRef idx="minor">
+            <a:schemeClr val="lt1"/>
+          </a:fontRef>
+        </p:style>
+        <p:txBody>
+          <a:bodyPr rtlCol="0" anchor="ctr"/>
+          <a:lstStyle/>
+          <a:p>
+            <a:pPr algn="ctr"/>
+            <a:endParaRPr lang="it-IT"/>
+          </a:p>
+        </p:txBody>
+      </p:sp>
+      <p:sp>
+        <p:nvSpPr>
+          <p:cNvPr id="5" name="Freccia a destra 4"/>
+          <p:cNvSpPr/>
+          <p:nvPr/>
+        </p:nvSpPr>
+        <p:spPr>
+          <a:xfrm>
+            <a:off x="6957752" y="5348869"/>
+            <a:ext cx="978408" cy="484632"/>
+          </a:xfrm>
+          <a:prstGeom prst="rightArrow">
+            <a:avLst/>
+          </a:prstGeom>
+        </p:spPr>
+        <p:style>
+          <a:lnRef idx="2">
+            <a:schemeClr val="accent1">
+              <a:shade val="50000"/>
+            </a:schemeClr>
+          </a:lnRef>
+          <a:fillRef idx="1">
+            <a:schemeClr val="accent1"/>
+          </a:fillRef>
+          <a:effectRef idx="0">
+            <a:schemeClr val="accent1"/>
+          </a:effectRef>
+          <a:fontRef idx="minor">
+            <a:schemeClr val="lt1"/>
+          </a:fontRef>
+        </p:style>
+        <p:txBody>
+          <a:bodyPr rtlCol="0" anchor="ctr"/>
+          <a:lstStyle/>
+          <a:p>
+            <a:pPr algn="ctr"/>
+            <a:endParaRPr lang="it-IT"/>
+          </a:p>
+        </p:txBody>
+      </p:sp>
+      <p:sp>
+        <p:nvSpPr>
+          <p:cNvPr id="6" name="CasellaDiTesto 5"/>
+          <p:cNvSpPr txBox="1"/>
+          <p:nvPr/>
+        </p:nvSpPr>
+        <p:spPr>
+          <a:xfrm>
+            <a:off x="8237913" y="5503025"/>
+            <a:ext cx="1851725" cy="369332"/>
           </a:xfrm>
           <a:prstGeom prst="rect">
             <a:avLst/>
           </a:prstGeom>
           <a:noFill/>
-          <a:ln>
-            <a:noFill/>
-          </a:ln>
-          <a:effectLst/>
-          <a:extLst>
-            <a:ext uri="{909E8E84-426E-40DD-AFC4-6F175D3DCCD1}">
-              <a14:hiddenFill xmlns:a14="http://schemas.microsoft.com/office/drawing/2010/main">
-                <a:solidFill>
-                  <a:schemeClr val="accent1"/>
-                </a:solidFill>
-              </a14:hiddenFill>
-            </a:ext>
-            <a:ext uri="{91240B29-F687-4F45-9708-019B960494DF}">
-              <a14:hiddenLine xmlns:a14="http://schemas.microsoft.com/office/drawing/2010/main" w="9525">
-                <a:solidFill>
-                  <a:schemeClr val="tx1"/>
-                </a:solidFill>
-                <a:miter lim="800000"/>
-                <a:headEnd/>
-                <a:tailEnd/>
-              </a14:hiddenLine>
-            </a:ext>
-            <a:ext uri="{AF507438-7753-43E0-B8FC-AC1667EBCBE1}">
-              <a14:hiddenEffects xmlns:a14="http://schemas.microsoft.com/office/drawing/2010/main">
-                <a:effectLst>
-                  <a:outerShdw dist="35921" dir="2700000" algn="ctr" rotWithShape="0">
-                    <a:schemeClr val="bg2"/>
-                  </a:outerShdw>
-                </a:effectLst>
-              </a14:hiddenEffects>
-            </a:ext>
-          </a:extLst>
         </p:spPr>
         <p:txBody>
-          <a:bodyPr vert="horz" wrap="none" lIns="91440" tIns="45720" rIns="91440" bIns="45720" numCol="1" anchor="ctr" anchorCtr="0" compatLnSpc="1">
-            <a:prstTxWarp prst="textNoShape">
-              <a:avLst/>
-            </a:prstTxWarp>
+          <a:bodyPr wrap="none" rtlCol="0">
             <a:spAutoFit/>
           </a:bodyPr>
           <a:lstStyle/>
           <a:p>
-            <a:endParaRPr lang="en-US"/>
-          </a:p>
-        </p:txBody>
-      </p:sp>
-      <p:sp>
-        <p:nvSpPr>
-          <p:cNvPr id="49" name="Rectangle 39"/>
-          <p:cNvSpPr>
-            <a:spLocks noChangeArrowheads="1"/>
-          </p:cNvSpPr>
-          <p:nvPr/>
-        </p:nvSpPr>
-        <p:spPr bwMode="auto">
-          <a:xfrm>
-            <a:off x="2120169" y="1929728"/>
-            <a:ext cx="12192000" cy="457200"/>
-          </a:xfrm>
-          <a:prstGeom prst="rect">
-            <a:avLst/>
-          </a:prstGeom>
-          <a:noFill/>
-          <a:ln>
-            <a:noFill/>
-          </a:ln>
-          <a:effectLst/>
-          <a:extLst>
-            <a:ext uri="{909E8E84-426E-40DD-AFC4-6F175D3DCCD1}">
-              <a14:hiddenFill xmlns:a14="http://schemas.microsoft.com/office/drawing/2010/main">
-                <a:solidFill>
-                  <a:schemeClr val="accent1"/>
-                </a:solidFill>
-              </a14:hiddenFill>
-            </a:ext>
-            <a:ext uri="{91240B29-F687-4F45-9708-019B960494DF}">
-              <a14:hiddenLine xmlns:a14="http://schemas.microsoft.com/office/drawing/2010/main" w="9525">
-                <a:solidFill>
-                  <a:schemeClr val="tx1"/>
-                </a:solidFill>
-                <a:miter lim="800000"/>
-                <a:headEnd/>
-                <a:tailEnd/>
-              </a14:hiddenLine>
-            </a:ext>
-            <a:ext uri="{AF507438-7753-43E0-B8FC-AC1667EBCBE1}">
-              <a14:hiddenEffects xmlns:a14="http://schemas.microsoft.com/office/drawing/2010/main">
-                <a:effectLst>
-                  <a:outerShdw dist="35921" dir="2700000" algn="ctr" rotWithShape="0">
-                    <a:schemeClr val="bg2"/>
-                  </a:outerShdw>
-                </a:effectLst>
-              </a14:hiddenEffects>
-            </a:ext>
-          </a:extLst>
-        </p:spPr>
-        <p:txBody>
-          <a:bodyPr vert="horz" wrap="none" lIns="91440" tIns="45720" rIns="91440" bIns="45720" numCol="1" anchor="ctr" anchorCtr="0" compatLnSpc="1">
-            <a:prstTxWarp prst="textNoShape">
-              <a:avLst/>
-            </a:prstTxWarp>
-            <a:spAutoFit/>
-          </a:bodyPr>
-          <a:lstStyle/>
-          <a:p>
-            <a:endParaRPr lang="en-US"/>
-          </a:p>
-        </p:txBody>
-      </p:sp>
-      <p:graphicFrame>
-        <p:nvGraphicFramePr>
-          <p:cNvPr id="2" name="Oggetto 1"/>
-          <p:cNvGraphicFramePr>
-            <a:graphicFrameLocks noChangeAspect="1"/>
-          </p:cNvGraphicFramePr>
-          <p:nvPr>
-            <p:extLst>
-              <p:ext uri="{D42A27DB-BD31-4B8C-83A1-F6EECF244321}">
-                <p14:modId xmlns:p14="http://schemas.microsoft.com/office/powerpoint/2010/main" val="723022473"/>
-              </p:ext>
-            </p:extLst>
-          </p:nvPr>
-        </p:nvGraphicFramePr>
-        <p:xfrm>
-          <a:off x="2867481" y="1238084"/>
-          <a:ext cx="1158602" cy="302244"/>
-        </p:xfrm>
-        <a:graphic>
-          <a:graphicData uri="http://schemas.openxmlformats.org/presentationml/2006/ole">
-            <mc:AlternateContent xmlns:mc="http://schemas.openxmlformats.org/markup-compatibility/2006">
-              <mc:Choice xmlns:v="urn:schemas-microsoft-com:vml" Requires="v">
-                <p:oleObj spid="_x0000_s6574" name="Equazione" r:id="rId7" imgW="660113" imgH="177723" progId="Equation.3">
-                  <p:embed/>
-                </p:oleObj>
-              </mc:Choice>
-              <mc:Fallback>
-                <p:oleObj name="Equazione" r:id="rId7" imgW="660113" imgH="177723" progId="Equation.3">
-                  <p:embed/>
-                  <p:pic>
-                    <p:nvPicPr>
-                      <p:cNvPr id="0" name="Object 10"/>
-                      <p:cNvPicPr>
-                        <a:picLocks noChangeAspect="1" noChangeArrowheads="1"/>
-                      </p:cNvPicPr>
-                      <p:nvPr/>
-                    </p:nvPicPr>
-                    <p:blipFill>
-                      <a:blip r:embed="rId8">
-                        <a:extLst>
-                          <a:ext uri="{28A0092B-C50C-407E-A947-70E740481C1C}">
-                            <a14:useLocalDpi xmlns:a14="http://schemas.microsoft.com/office/drawing/2010/main" val="0"/>
-                          </a:ext>
-                        </a:extLst>
-                      </a:blip>
-                      <a:srcRect/>
-                      <a:stretch>
-                        <a:fillRect/>
-                      </a:stretch>
-                    </p:blipFill>
-                    <p:spPr bwMode="auto">
-                      <a:xfrm>
-                        <a:off x="2867481" y="1238084"/>
-                        <a:ext cx="1158602" cy="302244"/>
-                      </a:xfrm>
-                      <a:prstGeom prst="rect">
-                        <a:avLst/>
-                      </a:prstGeom>
-                      <a:noFill/>
-                    </p:spPr>
-                  </p:pic>
-                </p:oleObj>
-              </mc:Fallback>
-            </mc:AlternateContent>
-          </a:graphicData>
-        </a:graphic>
-      </p:graphicFrame>
-      <p:graphicFrame>
-        <p:nvGraphicFramePr>
-          <p:cNvPr id="4" name="Oggetto 3"/>
-          <p:cNvGraphicFramePr>
-            <a:graphicFrameLocks noChangeAspect="1"/>
-          </p:cNvGraphicFramePr>
-          <p:nvPr>
-            <p:extLst>
-              <p:ext uri="{D42A27DB-BD31-4B8C-83A1-F6EECF244321}">
-                <p14:modId xmlns:p14="http://schemas.microsoft.com/office/powerpoint/2010/main" val="2251363178"/>
-              </p:ext>
-            </p:extLst>
-          </p:nvPr>
-        </p:nvGraphicFramePr>
-        <p:xfrm>
-          <a:off x="2867481" y="1570196"/>
-          <a:ext cx="1143000" cy="642938"/>
-        </p:xfrm>
-        <a:graphic>
-          <a:graphicData uri="http://schemas.openxmlformats.org/presentationml/2006/ole">
-            <mc:AlternateContent xmlns:mc="http://schemas.openxmlformats.org/markup-compatibility/2006">
-              <mc:Choice xmlns:v="urn:schemas-microsoft-com:vml" Requires="v">
-                <p:oleObj spid="_x0000_s6575" name="Equazione" r:id="rId9" imgW="761669" imgH="431613" progId="Equation.3">
-                  <p:embed/>
-                </p:oleObj>
-              </mc:Choice>
-              <mc:Fallback>
-                <p:oleObj name="Equazione" r:id="rId9" imgW="761669" imgH="431613" progId="Equation.3">
-                  <p:embed/>
-                  <p:pic>
-                    <p:nvPicPr>
-                      <p:cNvPr id="0" name="Object 8"/>
-                      <p:cNvPicPr>
-                        <a:picLocks noChangeAspect="1" noChangeArrowheads="1"/>
-                      </p:cNvPicPr>
-                      <p:nvPr/>
-                    </p:nvPicPr>
-                    <p:blipFill>
-                      <a:blip r:embed="rId10">
-                        <a:extLst>
-                          <a:ext uri="{28A0092B-C50C-407E-A947-70E740481C1C}">
-                            <a14:useLocalDpi xmlns:a14="http://schemas.microsoft.com/office/drawing/2010/main" val="0"/>
-                          </a:ext>
-                        </a:extLst>
-                      </a:blip>
-                      <a:srcRect/>
-                      <a:stretch>
-                        <a:fillRect/>
-                      </a:stretch>
-                    </p:blipFill>
-                    <p:spPr bwMode="auto">
-                      <a:xfrm>
-                        <a:off x="2867481" y="1570196"/>
-                        <a:ext cx="1143000" cy="642938"/>
-                      </a:xfrm>
-                      <a:prstGeom prst="rect">
-                        <a:avLst/>
-                      </a:prstGeom>
-                      <a:noFill/>
-                    </p:spPr>
-                  </p:pic>
-                </p:oleObj>
-              </mc:Fallback>
-            </mc:AlternateContent>
-          </a:graphicData>
-        </a:graphic>
-      </p:graphicFrame>
-      <p:graphicFrame>
-        <p:nvGraphicFramePr>
-          <p:cNvPr id="5" name="Oggetto 4"/>
-          <p:cNvGraphicFramePr>
-            <a:graphicFrameLocks noChangeAspect="1"/>
-          </p:cNvGraphicFramePr>
-          <p:nvPr>
-            <p:extLst>
-              <p:ext uri="{D42A27DB-BD31-4B8C-83A1-F6EECF244321}">
-                <p14:modId xmlns:p14="http://schemas.microsoft.com/office/powerpoint/2010/main" val="1563268373"/>
-              </p:ext>
-            </p:extLst>
-          </p:nvPr>
-        </p:nvGraphicFramePr>
-        <p:xfrm>
-          <a:off x="4129188" y="1556406"/>
-          <a:ext cx="1667168" cy="666867"/>
-        </p:xfrm>
-        <a:graphic>
-          <a:graphicData uri="http://schemas.openxmlformats.org/presentationml/2006/ole">
-            <mc:AlternateContent xmlns:mc="http://schemas.openxmlformats.org/markup-compatibility/2006">
-              <mc:Choice xmlns:v="urn:schemas-microsoft-com:vml" Requires="v">
-                <p:oleObj spid="_x0000_s6576" name="Equazione" r:id="rId11" imgW="1143000" imgH="457200" progId="Equation.3">
-                  <p:embed/>
-                </p:oleObj>
-              </mc:Choice>
-              <mc:Fallback>
-                <p:oleObj name="Equazione" r:id="rId11" imgW="1143000" imgH="457200" progId="Equation.3">
-                  <p:embed/>
-                  <p:pic>
-                    <p:nvPicPr>
-                      <p:cNvPr id="0" name="Object 7"/>
-                      <p:cNvPicPr>
-                        <a:picLocks noChangeAspect="1" noChangeArrowheads="1"/>
-                      </p:cNvPicPr>
-                      <p:nvPr/>
-                    </p:nvPicPr>
-                    <p:blipFill>
-                      <a:blip r:embed="rId12">
-                        <a:extLst>
-                          <a:ext uri="{28A0092B-C50C-407E-A947-70E740481C1C}">
-                            <a14:useLocalDpi xmlns:a14="http://schemas.microsoft.com/office/drawing/2010/main" val="0"/>
-                          </a:ext>
-                        </a:extLst>
-                      </a:blip>
-                      <a:srcRect/>
-                      <a:stretch>
-                        <a:fillRect/>
-                      </a:stretch>
-                    </p:blipFill>
-                    <p:spPr bwMode="auto">
-                      <a:xfrm>
-                        <a:off x="4129188" y="1556406"/>
-                        <a:ext cx="1667168" cy="666867"/>
-                      </a:xfrm>
-                      <a:prstGeom prst="rect">
-                        <a:avLst/>
-                      </a:prstGeom>
-                      <a:noFill/>
-                    </p:spPr>
-                  </p:pic>
-                </p:oleObj>
-              </mc:Fallback>
-            </mc:AlternateContent>
-          </a:graphicData>
-        </a:graphic>
-      </p:graphicFrame>
-      <p:graphicFrame>
-        <p:nvGraphicFramePr>
-          <p:cNvPr id="6" name="Oggetto 5"/>
-          <p:cNvGraphicFramePr>
-            <a:graphicFrameLocks noChangeAspect="1"/>
-          </p:cNvGraphicFramePr>
-          <p:nvPr>
-            <p:extLst>
-              <p:ext uri="{D42A27DB-BD31-4B8C-83A1-F6EECF244321}">
-                <p14:modId xmlns:p14="http://schemas.microsoft.com/office/powerpoint/2010/main" val="1983378476"/>
-              </p:ext>
-            </p:extLst>
-          </p:nvPr>
-        </p:nvGraphicFramePr>
-        <p:xfrm>
-          <a:off x="5915063" y="1724226"/>
-          <a:ext cx="1003300" cy="309562"/>
-        </p:xfrm>
-        <a:graphic>
-          <a:graphicData uri="http://schemas.openxmlformats.org/presentationml/2006/ole">
-            <mc:AlternateContent xmlns:mc="http://schemas.openxmlformats.org/markup-compatibility/2006">
-              <mc:Choice xmlns:v="urn:schemas-microsoft-com:vml" Requires="v">
-                <p:oleObj spid="_x0000_s6577" name="Equazione" r:id="rId13" imgW="647640" imgH="203040" progId="Equation.3">
-                  <p:embed/>
-                </p:oleObj>
-              </mc:Choice>
-              <mc:Fallback>
-                <p:oleObj name="Equazione" r:id="rId13" imgW="647640" imgH="203040" progId="Equation.3">
-                  <p:embed/>
-                  <p:pic>
-                    <p:nvPicPr>
-                      <p:cNvPr id="0" name="Object 6"/>
-                      <p:cNvPicPr>
-                        <a:picLocks noChangeAspect="1" noChangeArrowheads="1"/>
-                      </p:cNvPicPr>
-                      <p:nvPr/>
-                    </p:nvPicPr>
-                    <p:blipFill>
-                      <a:blip r:embed="rId14"/>
-                      <a:srcRect/>
-                      <a:stretch>
-                        <a:fillRect/>
-                      </a:stretch>
-                    </p:blipFill>
-                    <p:spPr bwMode="auto">
-                      <a:xfrm>
-                        <a:off x="5915063" y="1724226"/>
-                        <a:ext cx="1003300" cy="309562"/>
-                      </a:xfrm>
-                      <a:prstGeom prst="rect">
-                        <a:avLst/>
-                      </a:prstGeom>
-                      <a:noFill/>
-                    </p:spPr>
-                  </p:pic>
-                </p:oleObj>
-              </mc:Fallback>
-            </mc:AlternateContent>
-          </a:graphicData>
-        </a:graphic>
-      </p:graphicFrame>
-      <p:graphicFrame>
-        <p:nvGraphicFramePr>
-          <p:cNvPr id="7" name="Oggetto 6"/>
-          <p:cNvGraphicFramePr>
-            <a:graphicFrameLocks noChangeAspect="1"/>
-          </p:cNvGraphicFramePr>
-          <p:nvPr>
-            <p:extLst>
-              <p:ext uri="{D42A27DB-BD31-4B8C-83A1-F6EECF244321}">
-                <p14:modId xmlns:p14="http://schemas.microsoft.com/office/powerpoint/2010/main" val="3172358127"/>
-              </p:ext>
-            </p:extLst>
-          </p:nvPr>
-        </p:nvGraphicFramePr>
-        <p:xfrm>
-          <a:off x="2867481" y="2402387"/>
-          <a:ext cx="677863" cy="417146"/>
-        </p:xfrm>
-        <a:graphic>
-          <a:graphicData uri="http://schemas.openxmlformats.org/presentationml/2006/ole">
-            <mc:AlternateContent xmlns:mc="http://schemas.openxmlformats.org/markup-compatibility/2006">
-              <mc:Choice xmlns:v="urn:schemas-microsoft-com:vml" Requires="v">
-                <p:oleObj spid="_x0000_s6578" name="Equazione" r:id="rId15" imgW="368280" imgH="228600" progId="Equation.3">
-                  <p:embed/>
-                </p:oleObj>
-              </mc:Choice>
-              <mc:Fallback>
-                <p:oleObj name="Equazione" r:id="rId15" imgW="368280" imgH="228600" progId="Equation.3">
-                  <p:embed/>
-                  <p:pic>
-                    <p:nvPicPr>
-                      <p:cNvPr id="0" name="Object 5"/>
-                      <p:cNvPicPr>
-                        <a:picLocks noChangeAspect="1" noChangeArrowheads="1"/>
-                      </p:cNvPicPr>
-                      <p:nvPr/>
-                    </p:nvPicPr>
-                    <p:blipFill>
-                      <a:blip r:embed="rId16"/>
-                      <a:srcRect/>
-                      <a:stretch>
-                        <a:fillRect/>
-                      </a:stretch>
-                    </p:blipFill>
-                    <p:spPr bwMode="auto">
-                      <a:xfrm>
-                        <a:off x="2867481" y="2402387"/>
-                        <a:ext cx="677863" cy="417146"/>
-                      </a:xfrm>
-                      <a:prstGeom prst="rect">
-                        <a:avLst/>
-                      </a:prstGeom>
-                      <a:noFill/>
-                    </p:spPr>
-                  </p:pic>
-                </p:oleObj>
-              </mc:Fallback>
-            </mc:AlternateContent>
-          </a:graphicData>
-        </a:graphic>
-      </p:graphicFrame>
-      <p:graphicFrame>
-        <p:nvGraphicFramePr>
-          <p:cNvPr id="8" name="Oggetto 7"/>
-          <p:cNvGraphicFramePr>
-            <a:graphicFrameLocks noChangeAspect="1"/>
-          </p:cNvGraphicFramePr>
-          <p:nvPr>
-            <p:extLst>
-              <p:ext uri="{D42A27DB-BD31-4B8C-83A1-F6EECF244321}">
-                <p14:modId xmlns:p14="http://schemas.microsoft.com/office/powerpoint/2010/main" val="1986525970"/>
-              </p:ext>
-            </p:extLst>
-          </p:nvPr>
-        </p:nvGraphicFramePr>
-        <p:xfrm>
-          <a:off x="8888475" y="2042888"/>
-          <a:ext cx="1437649" cy="1245962"/>
-        </p:xfrm>
-        <a:graphic>
-          <a:graphicData uri="http://schemas.openxmlformats.org/presentationml/2006/ole">
-            <mc:AlternateContent xmlns:mc="http://schemas.openxmlformats.org/markup-compatibility/2006">
-              <mc:Choice xmlns:v="urn:schemas-microsoft-com:vml" Requires="v">
-                <p:oleObj spid="_x0000_s6579" name="Equazione" r:id="rId17" imgW="1002865" imgH="863225" progId="Equation.3">
-                  <p:embed/>
-                </p:oleObj>
-              </mc:Choice>
-              <mc:Fallback>
-                <p:oleObj name="Equazione" r:id="rId17" imgW="1002865" imgH="863225" progId="Equation.3">
-                  <p:embed/>
-                  <p:pic>
-                    <p:nvPicPr>
-                      <p:cNvPr id="0" name="Object 4"/>
-                      <p:cNvPicPr>
-                        <a:picLocks noChangeAspect="1" noChangeArrowheads="1"/>
-                      </p:cNvPicPr>
-                      <p:nvPr/>
-                    </p:nvPicPr>
-                    <p:blipFill>
-                      <a:blip r:embed="rId18">
-                        <a:extLst>
-                          <a:ext uri="{28A0092B-C50C-407E-A947-70E740481C1C}">
-                            <a14:useLocalDpi xmlns:a14="http://schemas.microsoft.com/office/drawing/2010/main" val="0"/>
-                          </a:ext>
-                        </a:extLst>
-                      </a:blip>
-                      <a:srcRect/>
-                      <a:stretch>
-                        <a:fillRect/>
-                      </a:stretch>
-                    </p:blipFill>
-                    <p:spPr bwMode="auto">
-                      <a:xfrm>
-                        <a:off x="8888475" y="2042888"/>
-                        <a:ext cx="1437649" cy="1245962"/>
-                      </a:xfrm>
-                      <a:prstGeom prst="rect">
-                        <a:avLst/>
-                      </a:prstGeom>
-                      <a:noFill/>
-                    </p:spPr>
-                  </p:pic>
-                </p:oleObj>
-              </mc:Fallback>
-            </mc:AlternateContent>
-          </a:graphicData>
-        </a:graphic>
-      </p:graphicFrame>
-      <p:graphicFrame>
-        <p:nvGraphicFramePr>
-          <p:cNvPr id="9" name="Oggetto 8"/>
-          <p:cNvGraphicFramePr>
-            <a:graphicFrameLocks noChangeAspect="1"/>
-          </p:cNvGraphicFramePr>
-          <p:nvPr>
-            <p:extLst>
-              <p:ext uri="{D42A27DB-BD31-4B8C-83A1-F6EECF244321}">
-                <p14:modId xmlns:p14="http://schemas.microsoft.com/office/powerpoint/2010/main" val="2219717474"/>
-              </p:ext>
-            </p:extLst>
-          </p:nvPr>
-        </p:nvGraphicFramePr>
-        <p:xfrm>
-          <a:off x="2867481" y="3320477"/>
-          <a:ext cx="1296407" cy="394559"/>
-        </p:xfrm>
-        <a:graphic>
-          <a:graphicData uri="http://schemas.openxmlformats.org/presentationml/2006/ole">
-            <mc:AlternateContent xmlns:mc="http://schemas.openxmlformats.org/markup-compatibility/2006">
-              <mc:Choice xmlns:v="urn:schemas-microsoft-com:vml" Requires="v">
-                <p:oleObj spid="_x0000_s6580" name="Equazione" r:id="rId19" imgW="875920" imgH="266584" progId="Equation.3">
-                  <p:embed/>
-                </p:oleObj>
-              </mc:Choice>
-              <mc:Fallback>
-                <p:oleObj name="Equazione" r:id="rId19" imgW="875920" imgH="266584" progId="Equation.3">
-                  <p:embed/>
-                  <p:pic>
-                    <p:nvPicPr>
-                      <p:cNvPr id="0" name="Object 3"/>
-                      <p:cNvPicPr>
-                        <a:picLocks noChangeAspect="1" noChangeArrowheads="1"/>
-                      </p:cNvPicPr>
-                      <p:nvPr/>
-                    </p:nvPicPr>
-                    <p:blipFill>
-                      <a:blip r:embed="rId20">
-                        <a:extLst>
-                          <a:ext uri="{28A0092B-C50C-407E-A947-70E740481C1C}">
-                            <a14:useLocalDpi xmlns:a14="http://schemas.microsoft.com/office/drawing/2010/main" val="0"/>
-                          </a:ext>
-                        </a:extLst>
-                      </a:blip>
-                      <a:srcRect/>
-                      <a:stretch>
-                        <a:fillRect/>
-                      </a:stretch>
-                    </p:blipFill>
-                    <p:spPr bwMode="auto">
-                      <a:xfrm>
-                        <a:off x="2867481" y="3320477"/>
-                        <a:ext cx="1296407" cy="394559"/>
-                      </a:xfrm>
-                      <a:prstGeom prst="rect">
-                        <a:avLst/>
-                      </a:prstGeom>
-                      <a:noFill/>
-                    </p:spPr>
-                  </p:pic>
-                </p:oleObj>
-              </mc:Fallback>
-            </mc:AlternateContent>
-          </a:graphicData>
-        </a:graphic>
-      </p:graphicFrame>
-      <p:graphicFrame>
-        <p:nvGraphicFramePr>
-          <p:cNvPr id="11" name="Oggetto 10"/>
-          <p:cNvGraphicFramePr>
-            <a:graphicFrameLocks noChangeAspect="1"/>
-          </p:cNvGraphicFramePr>
-          <p:nvPr>
-            <p:extLst>
-              <p:ext uri="{D42A27DB-BD31-4B8C-83A1-F6EECF244321}">
-                <p14:modId xmlns:p14="http://schemas.microsoft.com/office/powerpoint/2010/main" val="4032197932"/>
-              </p:ext>
-            </p:extLst>
-          </p:nvPr>
-        </p:nvGraphicFramePr>
-        <p:xfrm>
-          <a:off x="2867481" y="3763645"/>
-          <a:ext cx="2084377" cy="338007"/>
-        </p:xfrm>
-        <a:graphic>
-          <a:graphicData uri="http://schemas.openxmlformats.org/presentationml/2006/ole">
-            <mc:AlternateContent xmlns:mc="http://schemas.openxmlformats.org/markup-compatibility/2006">
-              <mc:Choice xmlns:v="urn:schemas-microsoft-com:vml" Requires="v">
-                <p:oleObj spid="_x0000_s6581" name="Equazione" r:id="rId21" imgW="1409700" imgH="228600" progId="Equation.3">
-                  <p:embed/>
-                </p:oleObj>
-              </mc:Choice>
-              <mc:Fallback>
-                <p:oleObj name="Equazione" r:id="rId21" imgW="1409700" imgH="228600" progId="Equation.3">
-                  <p:embed/>
-                  <p:pic>
-                    <p:nvPicPr>
-                      <p:cNvPr id="0" name="Object 1"/>
-                      <p:cNvPicPr>
-                        <a:picLocks noChangeAspect="1" noChangeArrowheads="1"/>
-                      </p:cNvPicPr>
-                      <p:nvPr/>
-                    </p:nvPicPr>
-                    <p:blipFill>
-                      <a:blip r:embed="rId22">
-                        <a:extLst>
-                          <a:ext uri="{28A0092B-C50C-407E-A947-70E740481C1C}">
-                            <a14:useLocalDpi xmlns:a14="http://schemas.microsoft.com/office/drawing/2010/main" val="0"/>
-                          </a:ext>
-                        </a:extLst>
-                      </a:blip>
-                      <a:srcRect/>
-                      <a:stretch>
-                        <a:fillRect/>
-                      </a:stretch>
-                    </p:blipFill>
-                    <p:spPr bwMode="auto">
-                      <a:xfrm>
-                        <a:off x="2867481" y="3763645"/>
-                        <a:ext cx="2084377" cy="338007"/>
-                      </a:xfrm>
-                      <a:prstGeom prst="rect">
-                        <a:avLst/>
-                      </a:prstGeom>
-                      <a:noFill/>
-                    </p:spPr>
-                  </p:pic>
-                </p:oleObj>
-              </mc:Fallback>
-            </mc:AlternateContent>
-          </a:graphicData>
-        </a:graphic>
-      </p:graphicFrame>
-      <p:sp>
-        <p:nvSpPr>
-          <p:cNvPr id="12" name="Rectangle 11"/>
-          <p:cNvSpPr>
-            <a:spLocks noChangeArrowheads="1"/>
-          </p:cNvSpPr>
-          <p:nvPr/>
-        </p:nvSpPr>
-        <p:spPr bwMode="auto">
-          <a:xfrm>
-            <a:off x="2215550" y="888305"/>
-            <a:ext cx="6535892" cy="369332"/>
-          </a:xfrm>
-          <a:prstGeom prst="rect">
-            <a:avLst/>
-          </a:prstGeom>
-          <a:noFill/>
-          <a:ln>
-            <a:noFill/>
-          </a:ln>
-          <a:effectLst/>
-          <a:extLst>
-            <a:ext uri="{909E8E84-426E-40DD-AFC4-6F175D3DCCD1}">
-              <a14:hiddenFill xmlns:a14="http://schemas.microsoft.com/office/drawing/2010/main">
-                <a:solidFill>
-                  <a:schemeClr val="accent1"/>
-                </a:solidFill>
-              </a14:hiddenFill>
-            </a:ext>
-            <a:ext uri="{91240B29-F687-4F45-9708-019B960494DF}">
-              <a14:hiddenLine xmlns:a14="http://schemas.microsoft.com/office/drawing/2010/main" w="9525">
-                <a:solidFill>
-                  <a:schemeClr val="tx1"/>
-                </a:solidFill>
-                <a:miter lim="800000"/>
-                <a:headEnd/>
-                <a:tailEnd/>
-              </a14:hiddenLine>
-            </a:ext>
-            <a:ext uri="{AF507438-7753-43E0-B8FC-AC1667EBCBE1}">
-              <a14:hiddenEffects xmlns:a14="http://schemas.microsoft.com/office/drawing/2010/main">
-                <a:effectLst>
-                  <a:outerShdw dist="35921" dir="2700000" algn="ctr" rotWithShape="0">
-                    <a:schemeClr val="bg2"/>
-                  </a:outerShdw>
-                </a:effectLst>
-              </a14:hiddenEffects>
-            </a:ext>
-          </a:extLst>
-        </p:spPr>
-        <p:txBody>
-          <a:bodyPr vert="horz" wrap="none" lIns="91440" tIns="45720" rIns="91440" bIns="45720" numCol="1" anchor="ctr" anchorCtr="0" compatLnSpc="1">
-            <a:prstTxWarp prst="textNoShape">
-              <a:avLst/>
-            </a:prstTxWarp>
-            <a:spAutoFit/>
-          </a:bodyPr>
-          <a:lstStyle>
-            <a:lvl1pPr eaLnBrk="0" fontAlgn="base" hangingPunct="0">
-              <a:spcBef>
-                <a:spcPct val="0"/>
-              </a:spcBef>
-              <a:spcAft>
-                <a:spcPct val="0"/>
-              </a:spcAft>
-              <a:defRPr>
-                <a:solidFill>
-                  <a:schemeClr val="tx1"/>
-                </a:solidFill>
-                <a:latin typeface="Arial" panose="020B0604020202020204" pitchFamily="34" charset="0"/>
-              </a:defRPr>
-            </a:lvl1pPr>
-            <a:lvl2pPr eaLnBrk="0" fontAlgn="base" hangingPunct="0">
-              <a:spcBef>
-                <a:spcPct val="0"/>
-              </a:spcBef>
-              <a:spcAft>
-                <a:spcPct val="0"/>
-              </a:spcAft>
-              <a:defRPr>
-                <a:solidFill>
-                  <a:schemeClr val="tx1"/>
-                </a:solidFill>
-                <a:latin typeface="Arial" panose="020B0604020202020204" pitchFamily="34" charset="0"/>
-              </a:defRPr>
-            </a:lvl2pPr>
-            <a:lvl3pPr eaLnBrk="0" fontAlgn="base" hangingPunct="0">
-              <a:spcBef>
-                <a:spcPct val="0"/>
-              </a:spcBef>
-              <a:spcAft>
-                <a:spcPct val="0"/>
-              </a:spcAft>
-              <a:defRPr>
-                <a:solidFill>
-                  <a:schemeClr val="tx1"/>
-                </a:solidFill>
-                <a:latin typeface="Arial" panose="020B0604020202020204" pitchFamily="34" charset="0"/>
-              </a:defRPr>
-            </a:lvl3pPr>
-            <a:lvl4pPr eaLnBrk="0" fontAlgn="base" hangingPunct="0">
-              <a:spcBef>
-                <a:spcPct val="0"/>
-              </a:spcBef>
-              <a:spcAft>
-                <a:spcPct val="0"/>
-              </a:spcAft>
-              <a:defRPr>
-                <a:solidFill>
-                  <a:schemeClr val="tx1"/>
-                </a:solidFill>
-                <a:latin typeface="Arial" panose="020B0604020202020204" pitchFamily="34" charset="0"/>
-              </a:defRPr>
-            </a:lvl4pPr>
-            <a:lvl5pPr eaLnBrk="0" fontAlgn="base" hangingPunct="0">
-              <a:spcBef>
-                <a:spcPct val="0"/>
-              </a:spcBef>
-              <a:spcAft>
-                <a:spcPct val="0"/>
-              </a:spcAft>
-              <a:defRPr>
-                <a:solidFill>
-                  <a:schemeClr val="tx1"/>
-                </a:solidFill>
-                <a:latin typeface="Arial" panose="020B0604020202020204" pitchFamily="34" charset="0"/>
-              </a:defRPr>
-            </a:lvl5pPr>
-            <a:lvl6pPr eaLnBrk="0" fontAlgn="base" hangingPunct="0">
-              <a:spcBef>
-                <a:spcPct val="0"/>
-              </a:spcBef>
-              <a:spcAft>
-                <a:spcPct val="0"/>
-              </a:spcAft>
-              <a:defRPr>
-                <a:solidFill>
-                  <a:schemeClr val="tx1"/>
-                </a:solidFill>
-                <a:latin typeface="Arial" panose="020B0604020202020204" pitchFamily="34" charset="0"/>
-              </a:defRPr>
-            </a:lvl6pPr>
-            <a:lvl7pPr eaLnBrk="0" fontAlgn="base" hangingPunct="0">
-              <a:spcBef>
-                <a:spcPct val="0"/>
-              </a:spcBef>
-              <a:spcAft>
-                <a:spcPct val="0"/>
-              </a:spcAft>
-              <a:defRPr>
-                <a:solidFill>
-                  <a:schemeClr val="tx1"/>
-                </a:solidFill>
-                <a:latin typeface="Arial" panose="020B0604020202020204" pitchFamily="34" charset="0"/>
-              </a:defRPr>
-            </a:lvl7pPr>
-            <a:lvl8pPr eaLnBrk="0" fontAlgn="base" hangingPunct="0">
-              <a:spcBef>
-                <a:spcPct val="0"/>
-              </a:spcBef>
-              <a:spcAft>
-                <a:spcPct val="0"/>
-              </a:spcAft>
-              <a:defRPr>
-                <a:solidFill>
-                  <a:schemeClr val="tx1"/>
-                </a:solidFill>
-                <a:latin typeface="Arial" panose="020B0604020202020204" pitchFamily="34" charset="0"/>
-              </a:defRPr>
-            </a:lvl8pPr>
-            <a:lvl9pPr eaLnBrk="0" fontAlgn="base" hangingPunct="0">
-              <a:spcBef>
-                <a:spcPct val="0"/>
-              </a:spcBef>
-              <a:spcAft>
-                <a:spcPct val="0"/>
-              </a:spcAft>
-              <a:defRPr>
-                <a:solidFill>
-                  <a:schemeClr val="tx1"/>
-                </a:solidFill>
-                <a:latin typeface="Arial" panose="020B0604020202020204" pitchFamily="34" charset="0"/>
-              </a:defRPr>
-            </a:lvl9pPr>
-          </a:lstStyle>
-          <a:p>
-            <a:pPr marL="0" marR="0" lvl="0" indent="0" algn="l" defTabSz="914400" rtl="0" eaLnBrk="0" fontAlgn="base" latinLnBrk="0" hangingPunct="0">
-              <a:lnSpc>
-                <a:spcPct val="100000"/>
-              </a:lnSpc>
-              <a:spcBef>
-                <a:spcPct val="0"/>
-              </a:spcBef>
-              <a:spcAft>
-                <a:spcPct val="0"/>
-              </a:spcAft>
-              <a:buClrTx/>
-              <a:buSzTx/>
-              <a:buFontTx/>
-              <a:buNone/>
-              <a:tabLst/>
-            </a:pPr>
-            <a:r>
-              <a:rPr kumimoji="0" lang="en-US" altLang="en-US" sz="1800" b="0" i="0" u="none" strike="noStrike" cap="none" normalizeH="0" baseline="0" dirty="0">
-                <a:ln>
-                  <a:noFill/>
-                </a:ln>
-                <a:solidFill>
-                  <a:schemeClr val="tx1"/>
-                </a:solidFill>
-                <a:effectLst/>
-                <a:latin typeface="Calibri" panose="020F0502020204030204" pitchFamily="34" charset="0"/>
-                <a:ea typeface="Calibri" panose="020F0502020204030204" pitchFamily="34" charset="0"/>
-                <a:cs typeface="Times New Roman" panose="02020603050405020304" pitchFamily="18" charset="0"/>
-              </a:rPr>
-              <a:t>The cart was released from a fixed position and allowed to oscillate:</a:t>
-            </a:r>
-            <a:endParaRPr kumimoji="0" lang="en-US" altLang="en-US" sz="1800" b="0" i="0" u="none" strike="noStrike" cap="none" normalizeH="0" baseline="0" dirty="0">
-              <a:ln>
-                <a:noFill/>
-              </a:ln>
-              <a:solidFill>
-                <a:schemeClr val="tx1"/>
-              </a:solidFill>
-              <a:effectLst/>
-              <a:latin typeface="Arial" panose="020B0604020202020204" pitchFamily="34" charset="0"/>
-            </a:endParaRPr>
-          </a:p>
-        </p:txBody>
-      </p:sp>
-      <p:sp>
-        <p:nvSpPr>
-          <p:cNvPr id="18" name="Rectangle 13"/>
-          <p:cNvSpPr>
-            <a:spLocks noChangeArrowheads="1"/>
-          </p:cNvSpPr>
-          <p:nvPr/>
-        </p:nvSpPr>
-        <p:spPr bwMode="auto">
-          <a:xfrm>
-            <a:off x="2460358" y="1201962"/>
-            <a:ext cx="7381640" cy="369332"/>
-          </a:xfrm>
-          <a:prstGeom prst="rect">
-            <a:avLst/>
-          </a:prstGeom>
-          <a:noFill/>
-          <a:ln>
-            <a:noFill/>
-          </a:ln>
-          <a:effectLst/>
-          <a:extLst>
-            <a:ext uri="{909E8E84-426E-40DD-AFC4-6F175D3DCCD1}">
-              <a14:hiddenFill xmlns:a14="http://schemas.microsoft.com/office/drawing/2010/main">
-                <a:solidFill>
-                  <a:schemeClr val="accent1"/>
-                </a:solidFill>
-              </a14:hiddenFill>
-            </a:ext>
-            <a:ext uri="{91240B29-F687-4F45-9708-019B960494DF}">
-              <a14:hiddenLine xmlns:a14="http://schemas.microsoft.com/office/drawing/2010/main" w="9525">
-                <a:solidFill>
-                  <a:schemeClr val="tx1"/>
-                </a:solidFill>
-                <a:miter lim="800000"/>
-                <a:headEnd/>
-                <a:tailEnd/>
-              </a14:hiddenLine>
-            </a:ext>
-            <a:ext uri="{AF507438-7753-43E0-B8FC-AC1667EBCBE1}">
-              <a14:hiddenEffects xmlns:a14="http://schemas.microsoft.com/office/drawing/2010/main">
-                <a:effectLst>
-                  <a:outerShdw dist="35921" dir="2700000" algn="ctr" rotWithShape="0">
-                    <a:schemeClr val="bg2"/>
-                  </a:outerShdw>
-                </a:effectLst>
-              </a14:hiddenEffects>
-            </a:ext>
-          </a:extLst>
-        </p:spPr>
-        <p:txBody>
-          <a:bodyPr vert="horz" wrap="square" lIns="91440" tIns="45720" rIns="91440" bIns="45720" numCol="1" anchor="ctr" anchorCtr="0" compatLnSpc="1">
-            <a:prstTxWarp prst="textNoShape">
-              <a:avLst/>
-            </a:prstTxWarp>
-            <a:spAutoFit/>
-          </a:bodyPr>
-          <a:lstStyle>
-            <a:lvl1pPr eaLnBrk="0" fontAlgn="base" hangingPunct="0">
-              <a:spcBef>
-                <a:spcPct val="0"/>
-              </a:spcBef>
-              <a:spcAft>
-                <a:spcPct val="0"/>
-              </a:spcAft>
-              <a:defRPr>
-                <a:solidFill>
-                  <a:schemeClr val="tx1"/>
-                </a:solidFill>
-                <a:latin typeface="Arial" panose="020B0604020202020204" pitchFamily="34" charset="0"/>
-              </a:defRPr>
-            </a:lvl1pPr>
-            <a:lvl2pPr eaLnBrk="0" fontAlgn="base" hangingPunct="0">
-              <a:spcBef>
-                <a:spcPct val="0"/>
-              </a:spcBef>
-              <a:spcAft>
-                <a:spcPct val="0"/>
-              </a:spcAft>
-              <a:defRPr>
-                <a:solidFill>
-                  <a:schemeClr val="tx1"/>
-                </a:solidFill>
-                <a:latin typeface="Arial" panose="020B0604020202020204" pitchFamily="34" charset="0"/>
-              </a:defRPr>
-            </a:lvl2pPr>
-            <a:lvl3pPr eaLnBrk="0" fontAlgn="base" hangingPunct="0">
-              <a:spcBef>
-                <a:spcPct val="0"/>
-              </a:spcBef>
-              <a:spcAft>
-                <a:spcPct val="0"/>
-              </a:spcAft>
-              <a:defRPr>
-                <a:solidFill>
-                  <a:schemeClr val="tx1"/>
-                </a:solidFill>
-                <a:latin typeface="Arial" panose="020B0604020202020204" pitchFamily="34" charset="0"/>
-              </a:defRPr>
-            </a:lvl3pPr>
-            <a:lvl4pPr eaLnBrk="0" fontAlgn="base" hangingPunct="0">
-              <a:spcBef>
-                <a:spcPct val="0"/>
-              </a:spcBef>
-              <a:spcAft>
-                <a:spcPct val="0"/>
-              </a:spcAft>
-              <a:defRPr>
-                <a:solidFill>
-                  <a:schemeClr val="tx1"/>
-                </a:solidFill>
-                <a:latin typeface="Arial" panose="020B0604020202020204" pitchFamily="34" charset="0"/>
-              </a:defRPr>
-            </a:lvl4pPr>
-            <a:lvl5pPr eaLnBrk="0" fontAlgn="base" hangingPunct="0">
-              <a:spcBef>
-                <a:spcPct val="0"/>
-              </a:spcBef>
-              <a:spcAft>
-                <a:spcPct val="0"/>
-              </a:spcAft>
-              <a:defRPr>
-                <a:solidFill>
-                  <a:schemeClr val="tx1"/>
-                </a:solidFill>
-                <a:latin typeface="Arial" panose="020B0604020202020204" pitchFamily="34" charset="0"/>
-              </a:defRPr>
-            </a:lvl5pPr>
-            <a:lvl6pPr eaLnBrk="0" fontAlgn="base" hangingPunct="0">
-              <a:spcBef>
-                <a:spcPct val="0"/>
-              </a:spcBef>
-              <a:spcAft>
-                <a:spcPct val="0"/>
-              </a:spcAft>
-              <a:defRPr>
-                <a:solidFill>
-                  <a:schemeClr val="tx1"/>
-                </a:solidFill>
-                <a:latin typeface="Arial" panose="020B0604020202020204" pitchFamily="34" charset="0"/>
-              </a:defRPr>
-            </a:lvl6pPr>
-            <a:lvl7pPr eaLnBrk="0" fontAlgn="base" hangingPunct="0">
-              <a:spcBef>
-                <a:spcPct val="0"/>
-              </a:spcBef>
-              <a:spcAft>
-                <a:spcPct val="0"/>
-              </a:spcAft>
-              <a:defRPr>
-                <a:solidFill>
-                  <a:schemeClr val="tx1"/>
-                </a:solidFill>
-                <a:latin typeface="Arial" panose="020B0604020202020204" pitchFamily="34" charset="0"/>
-              </a:defRPr>
-            </a:lvl7pPr>
-            <a:lvl8pPr eaLnBrk="0" fontAlgn="base" hangingPunct="0">
-              <a:spcBef>
-                <a:spcPct val="0"/>
-              </a:spcBef>
-              <a:spcAft>
-                <a:spcPct val="0"/>
-              </a:spcAft>
-              <a:defRPr>
-                <a:solidFill>
-                  <a:schemeClr val="tx1"/>
-                </a:solidFill>
-                <a:latin typeface="Arial" panose="020B0604020202020204" pitchFamily="34" charset="0"/>
-              </a:defRPr>
-            </a:lvl8pPr>
-            <a:lvl9pPr eaLnBrk="0" fontAlgn="base" hangingPunct="0">
-              <a:spcBef>
-                <a:spcPct val="0"/>
-              </a:spcBef>
-              <a:spcAft>
-                <a:spcPct val="0"/>
-              </a:spcAft>
-              <a:defRPr>
-                <a:solidFill>
-                  <a:schemeClr val="tx1"/>
-                </a:solidFill>
-                <a:latin typeface="Arial" panose="020B0604020202020204" pitchFamily="34" charset="0"/>
-              </a:defRPr>
-            </a:lvl9pPr>
-          </a:lstStyle>
-          <a:p>
-            <a:pPr marL="0" marR="0" lvl="0" indent="0" algn="l" defTabSz="914400" rtl="0" eaLnBrk="0" fontAlgn="base" latinLnBrk="0" hangingPunct="0">
-              <a:lnSpc>
-                <a:spcPct val="100000"/>
-              </a:lnSpc>
-              <a:spcBef>
-                <a:spcPct val="0"/>
-              </a:spcBef>
-              <a:spcAft>
-                <a:spcPct val="0"/>
-              </a:spcAft>
-              <a:buClrTx/>
-              <a:buSzTx/>
-              <a:buFontTx/>
-              <a:buNone/>
-              <a:tabLst/>
-            </a:pPr>
-            <a:r>
-              <a:rPr kumimoji="0" lang="en-US" altLang="en-US" sz="1800" b="0" i="0" u="none" strike="noStrike" cap="none" normalizeH="0" baseline="0" dirty="0">
-                <a:ln>
-                  <a:noFill/>
-                </a:ln>
-                <a:solidFill>
-                  <a:schemeClr val="tx1"/>
-                </a:solidFill>
-                <a:effectLst/>
-                <a:latin typeface="Calibri" panose="020F0502020204030204" pitchFamily="34" charset="0"/>
-                <a:ea typeface="Calibri" panose="020F0502020204030204" pitchFamily="34" charset="0"/>
-                <a:cs typeface="Times New Roman" panose="02020603050405020304" pitchFamily="18" charset="0"/>
-              </a:rPr>
-              <a:t>-	</a:t>
-            </a:r>
-            <a:r>
-              <a:rPr kumimoji="0" lang="en-US" altLang="en-US" sz="1800" b="0" i="0" u="none" strike="noStrike" cap="none" normalizeH="0" dirty="0">
-                <a:ln>
-                  <a:noFill/>
-                </a:ln>
-                <a:solidFill>
-                  <a:schemeClr val="tx1"/>
-                </a:solidFill>
-                <a:effectLst/>
-                <a:latin typeface="Calibri" panose="020F0502020204030204" pitchFamily="34" charset="0"/>
-                <a:ea typeface="Calibri" panose="020F0502020204030204" pitchFamily="34" charset="0"/>
-                <a:cs typeface="Times New Roman" panose="02020603050405020304" pitchFamily="18" charset="0"/>
-              </a:rPr>
-              <a:t>          </a:t>
-            </a:r>
-            <a:r>
-              <a:rPr kumimoji="0" lang="en-US" altLang="en-US" sz="1800" b="0" i="0" u="none" strike="noStrike" cap="none" normalizeH="0" baseline="0" dirty="0">
-                <a:ln>
-                  <a:noFill/>
-                </a:ln>
-                <a:solidFill>
-                  <a:schemeClr val="tx1"/>
-                </a:solidFill>
-                <a:effectLst/>
-                <a:latin typeface="Calibri" panose="020F0502020204030204" pitchFamily="34" charset="0"/>
-                <a:ea typeface="Calibri" panose="020F0502020204030204" pitchFamily="34" charset="0"/>
-                <a:cs typeface="Times New Roman" panose="02020603050405020304" pitchFamily="18" charset="0"/>
-              </a:rPr>
-              <a:t>; </a:t>
-            </a:r>
-            <a:r>
-              <a:rPr kumimoji="0" lang="en-US" altLang="en-US" sz="1800" b="0" i="1" u="none" strike="noStrike" cap="none" normalizeH="0" baseline="0" dirty="0">
-                <a:ln>
-                  <a:noFill/>
-                </a:ln>
-                <a:solidFill>
-                  <a:schemeClr val="tx1"/>
-                </a:solidFill>
-                <a:effectLst/>
-                <a:latin typeface="Calibri" panose="020F0502020204030204" pitchFamily="34" charset="0"/>
-                <a:ea typeface="Calibri" panose="020F0502020204030204" pitchFamily="34" charset="0"/>
-                <a:cs typeface="Times New Roman" panose="02020603050405020304" pitchFamily="18" charset="0"/>
-              </a:rPr>
-              <a:t>T </a:t>
-            </a:r>
-            <a:r>
-              <a:rPr kumimoji="0" lang="en-US" altLang="en-US" sz="1800" b="0" i="0" u="none" strike="noStrike" cap="none" normalizeH="0" baseline="0" dirty="0">
-                <a:ln>
-                  <a:noFill/>
-                </a:ln>
-                <a:solidFill>
-                  <a:schemeClr val="tx1"/>
-                </a:solidFill>
-                <a:effectLst/>
-                <a:latin typeface="Calibri" panose="020F0502020204030204" pitchFamily="34" charset="0"/>
-                <a:ea typeface="Calibri" panose="020F0502020204030204" pitchFamily="34" charset="0"/>
-                <a:cs typeface="Times New Roman" panose="02020603050405020304" pitchFamily="18" charset="0"/>
-              </a:rPr>
-              <a:t> : time difference between first and second peak</a:t>
-            </a:r>
-            <a:endParaRPr kumimoji="0" lang="en-US" altLang="en-US" sz="800" b="0" i="0" u="none" strike="noStrike" cap="none" normalizeH="0" baseline="0" dirty="0">
-              <a:ln>
-                <a:noFill/>
-              </a:ln>
-              <a:solidFill>
-                <a:schemeClr val="tx1"/>
-              </a:solidFill>
-              <a:effectLst/>
-            </a:endParaRPr>
-          </a:p>
-        </p:txBody>
-      </p:sp>
-      <p:sp>
-        <p:nvSpPr>
-          <p:cNvPr id="21" name="Rectangle 14"/>
-          <p:cNvSpPr>
-            <a:spLocks noChangeArrowheads="1"/>
-          </p:cNvSpPr>
-          <p:nvPr/>
-        </p:nvSpPr>
-        <p:spPr bwMode="auto">
-          <a:xfrm>
-            <a:off x="2460358" y="1677946"/>
-            <a:ext cx="9731642" cy="369332"/>
-          </a:xfrm>
-          <a:prstGeom prst="rect">
-            <a:avLst/>
-          </a:prstGeom>
-          <a:noFill/>
-          <a:ln>
-            <a:noFill/>
-          </a:ln>
-          <a:effectLst/>
-          <a:extLst>
-            <a:ext uri="{909E8E84-426E-40DD-AFC4-6F175D3DCCD1}">
-              <a14:hiddenFill xmlns:a14="http://schemas.microsoft.com/office/drawing/2010/main">
-                <a:solidFill>
-                  <a:schemeClr val="accent1"/>
-                </a:solidFill>
-              </a14:hiddenFill>
-            </a:ext>
-            <a:ext uri="{91240B29-F687-4F45-9708-019B960494DF}">
-              <a14:hiddenLine xmlns:a14="http://schemas.microsoft.com/office/drawing/2010/main" w="9525">
-                <a:solidFill>
-                  <a:schemeClr val="tx1"/>
-                </a:solidFill>
-                <a:miter lim="800000"/>
-                <a:headEnd/>
-                <a:tailEnd/>
-              </a14:hiddenLine>
-            </a:ext>
-            <a:ext uri="{AF507438-7753-43E0-B8FC-AC1667EBCBE1}">
-              <a14:hiddenEffects xmlns:a14="http://schemas.microsoft.com/office/drawing/2010/main">
-                <a:effectLst>
-                  <a:outerShdw dist="35921" dir="2700000" algn="ctr" rotWithShape="0">
-                    <a:schemeClr val="bg2"/>
-                  </a:outerShdw>
-                </a:effectLst>
-              </a14:hiddenEffects>
-            </a:ext>
-          </a:extLst>
-        </p:spPr>
-        <p:txBody>
-          <a:bodyPr vert="horz" wrap="square" lIns="91440" tIns="45720" rIns="91440" bIns="45720" numCol="1" anchor="ctr" anchorCtr="0" compatLnSpc="1">
-            <a:prstTxWarp prst="textNoShape">
-              <a:avLst/>
-            </a:prstTxWarp>
-            <a:spAutoFit/>
-          </a:bodyPr>
-          <a:lstStyle/>
-          <a:p>
-            <a:pPr marL="0" marR="0" lvl="0" indent="0" algn="l" defTabSz="914400" rtl="0" eaLnBrk="0" fontAlgn="base" latinLnBrk="0" hangingPunct="0">
-              <a:lnSpc>
-                <a:spcPct val="100000"/>
-              </a:lnSpc>
-              <a:spcBef>
-                <a:spcPct val="0"/>
-              </a:spcBef>
-              <a:spcAft>
-                <a:spcPct val="0"/>
-              </a:spcAft>
-              <a:buClrTx/>
-              <a:buSzTx/>
-              <a:buFontTx/>
-              <a:buNone/>
-              <a:tabLst/>
-            </a:pPr>
-            <a:r>
-              <a:rPr kumimoji="0" lang="en-US" altLang="en-US" sz="1800" b="0" i="0" u="none" strike="noStrike" cap="none" normalizeH="0" baseline="0" dirty="0">
-                <a:ln>
-                  <a:noFill/>
-                </a:ln>
-                <a:solidFill>
-                  <a:schemeClr val="tx1"/>
-                </a:solidFill>
-                <a:effectLst/>
-                <a:latin typeface="Calibri" panose="020F0502020204030204" pitchFamily="34" charset="0"/>
-                <a:ea typeface="Calibri" panose="020F0502020204030204" pitchFamily="34" charset="0"/>
-                <a:cs typeface="Times New Roman" panose="02020603050405020304" pitchFamily="18" charset="0"/>
-              </a:rPr>
-              <a:t>-	          ,	</a:t>
-            </a:r>
-            <a:r>
-              <a:rPr kumimoji="0" lang="en-US" altLang="en-US" sz="1800" b="0" i="0" u="none" strike="noStrike" cap="none" normalizeH="0" dirty="0">
-                <a:ln>
-                  <a:noFill/>
-                </a:ln>
-                <a:solidFill>
-                  <a:schemeClr val="tx1"/>
-                </a:solidFill>
-                <a:effectLst/>
-                <a:latin typeface="Calibri" panose="020F0502020204030204" pitchFamily="34" charset="0"/>
-                <a:ea typeface="Calibri" panose="020F0502020204030204" pitchFamily="34" charset="0"/>
-                <a:cs typeface="Times New Roman" panose="02020603050405020304" pitchFamily="18" charset="0"/>
-              </a:rPr>
-              <a:t>                           ;	             : amplitudes of first and second peaks</a:t>
-            </a:r>
-            <a:endParaRPr kumimoji="0" lang="en-US" altLang="en-US" sz="1800" b="0" i="0" u="none" strike="noStrike" cap="none" normalizeH="0" baseline="0" dirty="0">
-              <a:ln>
-                <a:noFill/>
-              </a:ln>
-              <a:solidFill>
-                <a:schemeClr val="tx1"/>
-              </a:solidFill>
-              <a:effectLst/>
-              <a:latin typeface="Arial" panose="020B0604020202020204" pitchFamily="34" charset="0"/>
-            </a:endParaRPr>
-          </a:p>
-        </p:txBody>
-      </p:sp>
-      <p:sp>
-        <p:nvSpPr>
-          <p:cNvPr id="24" name="Rectangle 17"/>
-          <p:cNvSpPr>
-            <a:spLocks noChangeArrowheads="1"/>
-          </p:cNvSpPr>
-          <p:nvPr/>
-        </p:nvSpPr>
-        <p:spPr bwMode="auto">
-          <a:xfrm>
-            <a:off x="2460359" y="2449441"/>
-            <a:ext cx="9166710" cy="369332"/>
-          </a:xfrm>
-          <a:prstGeom prst="rect">
-            <a:avLst/>
-          </a:prstGeom>
-          <a:noFill/>
-          <a:ln>
-            <a:noFill/>
-          </a:ln>
-          <a:effectLst/>
-          <a:extLst>
-            <a:ext uri="{909E8E84-426E-40DD-AFC4-6F175D3DCCD1}">
-              <a14:hiddenFill xmlns:a14="http://schemas.microsoft.com/office/drawing/2010/main">
-                <a:solidFill>
-                  <a:schemeClr val="accent1"/>
-                </a:solidFill>
-              </a14:hiddenFill>
-            </a:ext>
-            <a:ext uri="{91240B29-F687-4F45-9708-019B960494DF}">
-              <a14:hiddenLine xmlns:a14="http://schemas.microsoft.com/office/drawing/2010/main" w="9525">
-                <a:solidFill>
-                  <a:schemeClr val="tx1"/>
-                </a:solidFill>
-                <a:miter lim="800000"/>
-                <a:headEnd/>
-                <a:tailEnd/>
-              </a14:hiddenLine>
-            </a:ext>
-            <a:ext uri="{AF507438-7753-43E0-B8FC-AC1667EBCBE1}">
-              <a14:hiddenEffects xmlns:a14="http://schemas.microsoft.com/office/drawing/2010/main">
-                <a:effectLst>
-                  <a:outerShdw dist="35921" dir="2700000" algn="ctr" rotWithShape="0">
-                    <a:schemeClr val="bg2"/>
-                  </a:outerShdw>
-                </a:effectLst>
-              </a14:hiddenEffects>
-            </a:ext>
-          </a:extLst>
-        </p:spPr>
-        <p:txBody>
-          <a:bodyPr vert="horz" wrap="square" lIns="91440" tIns="45720" rIns="91440" bIns="45720" numCol="1" anchor="ctr" anchorCtr="0" compatLnSpc="1">
-            <a:prstTxWarp prst="textNoShape">
-              <a:avLst/>
-            </a:prstTxWarp>
-            <a:spAutoFit/>
-          </a:bodyPr>
-          <a:lstStyle/>
-          <a:p>
-            <a:pPr marL="0" marR="0" lvl="0" indent="0" algn="l" defTabSz="914400" rtl="0" eaLnBrk="0" fontAlgn="base" latinLnBrk="0" hangingPunct="0">
-              <a:lnSpc>
-                <a:spcPct val="100000"/>
-              </a:lnSpc>
-              <a:spcBef>
-                <a:spcPct val="0"/>
-              </a:spcBef>
-              <a:spcAft>
-                <a:spcPct val="0"/>
-              </a:spcAft>
-              <a:buClrTx/>
-              <a:buSzTx/>
-              <a:buFontTx/>
-              <a:buNone/>
-              <a:tabLst/>
-            </a:pPr>
-            <a:r>
-              <a:rPr kumimoji="0" lang="en-US" altLang="en-US" sz="1800" b="0" i="0" u="none" strike="noStrike" cap="none" normalizeH="0" baseline="0" dirty="0">
-                <a:ln>
-                  <a:noFill/>
-                </a:ln>
-                <a:solidFill>
-                  <a:schemeClr val="tx1"/>
-                </a:solidFill>
-                <a:effectLst/>
-                <a:latin typeface="Calibri" panose="020F0502020204030204" pitchFamily="34" charset="0"/>
-                <a:ea typeface="Calibri" panose="020F0502020204030204" pitchFamily="34" charset="0"/>
-                <a:cs typeface="Times New Roman" panose="02020603050405020304" pitchFamily="18" charset="0"/>
-              </a:rPr>
-              <a:t>-                 : for each spring two experiments, with and without load: </a:t>
-            </a:r>
-            <a:endParaRPr kumimoji="0" lang="en-US" altLang="en-US" sz="1800" b="0" i="0" u="none" strike="noStrike" cap="none" normalizeH="0" baseline="0" dirty="0">
-              <a:ln>
-                <a:noFill/>
-              </a:ln>
-              <a:solidFill>
-                <a:schemeClr val="tx1"/>
-              </a:solidFill>
-              <a:effectLst/>
-              <a:latin typeface="Arial" panose="020B0604020202020204" pitchFamily="34" charset="0"/>
-            </a:endParaRPr>
-          </a:p>
-        </p:txBody>
-      </p:sp>
-      <p:sp>
-        <p:nvSpPr>
-          <p:cNvPr id="26" name="Rectangle 19"/>
-          <p:cNvSpPr>
-            <a:spLocks noChangeArrowheads="1"/>
-          </p:cNvSpPr>
-          <p:nvPr/>
-        </p:nvSpPr>
-        <p:spPr bwMode="auto">
-          <a:xfrm>
-            <a:off x="2460358" y="3332334"/>
-            <a:ext cx="6699877" cy="369332"/>
-          </a:xfrm>
-          <a:prstGeom prst="rect">
-            <a:avLst/>
-          </a:prstGeom>
-          <a:noFill/>
-          <a:ln>
-            <a:noFill/>
-          </a:ln>
-          <a:effectLst/>
-          <a:extLst>
-            <a:ext uri="{909E8E84-426E-40DD-AFC4-6F175D3DCCD1}">
-              <a14:hiddenFill xmlns:a14="http://schemas.microsoft.com/office/drawing/2010/main">
-                <a:solidFill>
-                  <a:schemeClr val="accent1"/>
-                </a:solidFill>
-              </a14:hiddenFill>
-            </a:ext>
-            <a:ext uri="{91240B29-F687-4F45-9708-019B960494DF}">
-              <a14:hiddenLine xmlns:a14="http://schemas.microsoft.com/office/drawing/2010/main" w="9525">
-                <a:solidFill>
-                  <a:schemeClr val="tx1"/>
-                </a:solidFill>
-                <a:miter lim="800000"/>
-                <a:headEnd/>
-                <a:tailEnd/>
-              </a14:hiddenLine>
-            </a:ext>
-            <a:ext uri="{AF507438-7753-43E0-B8FC-AC1667EBCBE1}">
-              <a14:hiddenEffects xmlns:a14="http://schemas.microsoft.com/office/drawing/2010/main">
-                <a:effectLst>
-                  <a:outerShdw dist="35921" dir="2700000" algn="ctr" rotWithShape="0">
-                    <a:schemeClr val="bg2"/>
-                  </a:outerShdw>
-                </a:effectLst>
-              </a14:hiddenEffects>
-            </a:ext>
-          </a:extLst>
-        </p:spPr>
-        <p:txBody>
-          <a:bodyPr vert="horz" wrap="square" lIns="91440" tIns="45720" rIns="91440" bIns="45720" numCol="1" anchor="ctr" anchorCtr="0" compatLnSpc="1">
-            <a:prstTxWarp prst="textNoShape">
-              <a:avLst/>
-            </a:prstTxWarp>
-            <a:spAutoFit/>
-          </a:bodyPr>
-          <a:lstStyle/>
-          <a:p>
-            <a:pPr eaLnBrk="0" fontAlgn="base" hangingPunct="0">
-              <a:spcBef>
-                <a:spcPct val="0"/>
-              </a:spcBef>
-              <a:spcAft>
-                <a:spcPct val="0"/>
-              </a:spcAft>
-            </a:pPr>
-            <a:r>
-              <a:rPr kumimoji="0" lang="en-US" altLang="en-US" sz="1800" b="0" i="0" u="none" strike="noStrike" cap="none" normalizeH="0" baseline="0" dirty="0">
-                <a:ln>
-                  <a:noFill/>
-                </a:ln>
-                <a:solidFill>
-                  <a:schemeClr val="tx1"/>
-                </a:solidFill>
-                <a:effectLst/>
-                <a:latin typeface="Calibri" panose="020F0502020204030204" pitchFamily="34" charset="0"/>
-                <a:ea typeface="Calibri" panose="020F0502020204030204" pitchFamily="34" charset="0"/>
-                <a:cs typeface="Times New Roman" panose="02020603050405020304" pitchFamily="18" charset="0"/>
-              </a:rPr>
-              <a:t>-                             varies with</a:t>
-            </a:r>
-            <a:r>
-              <a:rPr lang="en-US" altLang="en-US" dirty="0">
-                <a:latin typeface="Calibri" panose="020F0502020204030204" pitchFamily="34" charset="0"/>
-                <a:ea typeface="Calibri" panose="020F0502020204030204" pitchFamily="34" charset="0"/>
-                <a:cs typeface="Times New Roman" panose="02020603050405020304" pitchFamily="18" charset="0"/>
-              </a:rPr>
-              <a:t> M (ball bearing friction?): </a:t>
-            </a:r>
-            <a:endParaRPr lang="en-US" altLang="en-US" dirty="0">
-              <a:latin typeface="Arial" panose="020B0604020202020204" pitchFamily="34" charset="0"/>
-            </a:endParaRPr>
-          </a:p>
-        </p:txBody>
-      </p:sp>
-      <p:sp>
-        <p:nvSpPr>
-          <p:cNvPr id="28" name="Rectangle 21"/>
-          <p:cNvSpPr>
-            <a:spLocks noChangeArrowheads="1"/>
-          </p:cNvSpPr>
-          <p:nvPr/>
-        </p:nvSpPr>
-        <p:spPr bwMode="auto">
-          <a:xfrm>
-            <a:off x="2215550" y="4656489"/>
-            <a:ext cx="5883021" cy="646331"/>
-          </a:xfrm>
-          <a:prstGeom prst="rect">
-            <a:avLst/>
-          </a:prstGeom>
-          <a:noFill/>
-          <a:ln>
-            <a:noFill/>
-          </a:ln>
-          <a:effectLst/>
-          <a:extLst>
-            <a:ext uri="{909E8E84-426E-40DD-AFC4-6F175D3DCCD1}">
-              <a14:hiddenFill xmlns:a14="http://schemas.microsoft.com/office/drawing/2010/main">
-                <a:solidFill>
-                  <a:schemeClr val="accent1"/>
-                </a:solidFill>
-              </a14:hiddenFill>
-            </a:ext>
-            <a:ext uri="{91240B29-F687-4F45-9708-019B960494DF}">
-              <a14:hiddenLine xmlns:a14="http://schemas.microsoft.com/office/drawing/2010/main" w="9525">
-                <a:solidFill>
-                  <a:schemeClr val="tx1"/>
-                </a:solidFill>
-                <a:miter lim="800000"/>
-                <a:headEnd/>
-                <a:tailEnd/>
-              </a14:hiddenLine>
-            </a:ext>
-            <a:ext uri="{AF507438-7753-43E0-B8FC-AC1667EBCBE1}">
-              <a14:hiddenEffects xmlns:a14="http://schemas.microsoft.com/office/drawing/2010/main">
-                <a:effectLst>
-                  <a:outerShdw dist="35921" dir="2700000" algn="ctr" rotWithShape="0">
-                    <a:schemeClr val="bg2"/>
-                  </a:outerShdw>
-                </a:effectLst>
-              </a14:hiddenEffects>
-            </a:ext>
-          </a:extLst>
-        </p:spPr>
-        <p:txBody>
-          <a:bodyPr vert="horz" wrap="none" lIns="91440" tIns="45720" rIns="91440" bIns="45720" numCol="1" anchor="ctr" anchorCtr="0" compatLnSpc="1">
-            <a:prstTxWarp prst="textNoShape">
-              <a:avLst/>
-            </a:prstTxWarp>
-            <a:spAutoFit/>
-          </a:bodyPr>
-          <a:lstStyle/>
-          <a:p>
-            <a:pPr marL="0" marR="0" lvl="0" indent="0" algn="l" defTabSz="914400" rtl="0" eaLnBrk="0" fontAlgn="base" latinLnBrk="0" hangingPunct="0">
-              <a:lnSpc>
-                <a:spcPct val="100000"/>
-              </a:lnSpc>
-              <a:spcBef>
-                <a:spcPct val="0"/>
-              </a:spcBef>
-              <a:spcAft>
-                <a:spcPct val="0"/>
-              </a:spcAft>
-              <a:buClrTx/>
-              <a:buSzTx/>
-              <a:buFontTx/>
-              <a:buNone/>
-              <a:tabLst/>
-            </a:pPr>
-            <a:r>
-              <a:rPr kumimoji="0" lang="en-US" altLang="en-US" sz="1800" b="1" i="0" u="none" strike="noStrike" cap="none" normalizeH="0" baseline="0" dirty="0">
-                <a:ln>
-                  <a:noFill/>
-                </a:ln>
-                <a:solidFill>
-                  <a:schemeClr val="tx1"/>
-                </a:solidFill>
-                <a:effectLst/>
-                <a:latin typeface="Calibri" panose="020F0502020204030204" pitchFamily="34" charset="0"/>
-                <a:ea typeface="Calibri" panose="020F0502020204030204" pitchFamily="34" charset="0"/>
-                <a:cs typeface="Times New Roman" panose="02020603050405020304" pitchFamily="18" charset="0"/>
-              </a:rPr>
-              <a:t>Validation</a:t>
-            </a:r>
-            <a:r>
-              <a:rPr kumimoji="0" lang="en-US" altLang="en-US" sz="1800" b="0" i="0" u="none" strike="noStrike" cap="none" normalizeH="0" baseline="0" dirty="0">
-                <a:ln>
-                  <a:noFill/>
-                </a:ln>
-                <a:solidFill>
-                  <a:schemeClr val="tx1"/>
-                </a:solidFill>
-                <a:effectLst/>
-                <a:latin typeface="Calibri" panose="020F0502020204030204" pitchFamily="34" charset="0"/>
-                <a:ea typeface="Calibri" panose="020F0502020204030204" pitchFamily="34" charset="0"/>
-                <a:cs typeface="Times New Roman" panose="02020603050405020304" pitchFamily="18" charset="0"/>
-              </a:rPr>
-              <a:t>: real output vs simulation (identified parameters):</a:t>
-            </a:r>
-          </a:p>
-          <a:p>
-            <a:pPr marL="0" marR="0" lvl="0" indent="0" algn="l" defTabSz="914400" rtl="0" eaLnBrk="0" fontAlgn="base" latinLnBrk="0" hangingPunct="0">
-              <a:lnSpc>
-                <a:spcPct val="100000"/>
-              </a:lnSpc>
-              <a:spcBef>
-                <a:spcPct val="0"/>
-              </a:spcBef>
-              <a:spcAft>
-                <a:spcPct val="0"/>
-              </a:spcAft>
-              <a:buClrTx/>
-              <a:buSzTx/>
-              <a:buFontTx/>
-              <a:buNone/>
-              <a:tabLst/>
-            </a:pPr>
-            <a:r>
-              <a:rPr kumimoji="0" lang="en-US" altLang="en-US" sz="1800" b="0" i="0" u="none" strike="noStrike" cap="none" normalizeH="0" baseline="0" dirty="0">
-                <a:ln>
-                  <a:noFill/>
-                </a:ln>
-                <a:solidFill>
-                  <a:schemeClr val="tx1"/>
-                </a:solidFill>
-                <a:effectLst/>
-                <a:latin typeface="Calibri" panose="020F0502020204030204" pitchFamily="34" charset="0"/>
-                <a:ea typeface="Calibri" panose="020F0502020204030204" pitchFamily="34" charset="0"/>
-                <a:cs typeface="Times New Roman" panose="02020603050405020304" pitchFamily="18" charset="0"/>
-              </a:rPr>
-              <a:t>fit=0.9449±0.0263</a:t>
-            </a:r>
-            <a:endParaRPr kumimoji="0" lang="en-US" altLang="en-US" sz="1800" b="0" i="0" u="none" strike="noStrike" cap="none" normalizeH="0" baseline="0" dirty="0">
-              <a:ln>
-                <a:noFill/>
-              </a:ln>
-              <a:solidFill>
-                <a:schemeClr val="tx1"/>
-              </a:solidFill>
-              <a:effectLst/>
-              <a:latin typeface="Arial" panose="020B0604020202020204" pitchFamily="34" charset="0"/>
-            </a:endParaRPr>
-          </a:p>
-        </p:txBody>
-      </p:sp>
-      <p:pic>
-        <p:nvPicPr>
-          <p:cNvPr id="44" name="Immagine 43" descr="C:\Users\user\Documents\GitHub\linearVibrationsControl\finalReport\parts\Identification\img\validation_ml_km_full.png"/>
-          <p:cNvPicPr>
-            <a:picLocks noChangeAspect="1"/>
-          </p:cNvPicPr>
-          <p:nvPr/>
-        </p:nvPicPr>
-        <p:blipFill>
-          <a:blip r:embed="rId23">
-            <a:extLst>
-              <a:ext uri="{28A0092B-C50C-407E-A947-70E740481C1C}">
-                <a14:useLocalDpi xmlns:a14="http://schemas.microsoft.com/office/drawing/2010/main" val="0"/>
-              </a:ext>
-            </a:extLst>
-          </a:blip>
-          <a:srcRect/>
-          <a:stretch>
-            <a:fillRect/>
-          </a:stretch>
-        </p:blipFill>
-        <p:spPr bwMode="auto">
-          <a:xfrm>
-            <a:off x="7961869" y="3473362"/>
-            <a:ext cx="3946982" cy="2959590"/>
-          </a:xfrm>
-          <a:prstGeom prst="rect">
-            <a:avLst/>
-          </a:prstGeom>
-          <a:noFill/>
-          <a:ln>
-            <a:noFill/>
-          </a:ln>
-        </p:spPr>
-      </p:pic>
-      <p:sp>
-        <p:nvSpPr>
-          <p:cNvPr id="31" name="Rettangolo 30"/>
-          <p:cNvSpPr/>
-          <p:nvPr/>
-        </p:nvSpPr>
-        <p:spPr>
-          <a:xfrm>
-            <a:off x="4710318" y="5663309"/>
-            <a:ext cx="3658437" cy="388696"/>
-          </a:xfrm>
-          <a:prstGeom prst="rect">
-            <a:avLst/>
-          </a:prstGeom>
-        </p:spPr>
-        <p:txBody>
-          <a:bodyPr wrap="none">
-            <a:spAutoFit/>
-          </a:bodyPr>
-          <a:lstStyle/>
-          <a:p>
-            <a:pPr marL="457200">
-              <a:lnSpc>
-                <a:spcPct val="107000"/>
-              </a:lnSpc>
-              <a:spcAft>
-                <a:spcPts val="800"/>
-              </a:spcAft>
-            </a:pPr>
-            <a:r>
-              <a:rPr lang="en-US" dirty="0">
-                <a:latin typeface="Calibri" panose="020F0502020204030204" pitchFamily="34" charset="0"/>
-                <a:ea typeface="Calibri" panose="020F0502020204030204" pitchFamily="34" charset="0"/>
-                <a:cs typeface="Times New Roman" panose="02020603050405020304" pitchFamily="18" charset="0"/>
-              </a:rPr>
-              <a:t>Loss of accuracy on the long run</a:t>
-            </a:r>
-            <a:endParaRPr lang="en-US" sz="1100" dirty="0">
-              <a:effectLst/>
-              <a:latin typeface="Calibri" panose="020F0502020204030204" pitchFamily="34" charset="0"/>
-              <a:ea typeface="Calibri" panose="020F0502020204030204" pitchFamily="34" charset="0"/>
-              <a:cs typeface="Times New Roman" panose="02020603050405020304" pitchFamily="18" charset="0"/>
-            </a:endParaRPr>
+            <a:r>
+              <a:rPr lang="it-IT" dirty="0"/>
+              <a:t>How to compare?</a:t>
+            </a:r>
           </a:p>
         </p:txBody>
       </p:sp>
     </p:spTree>
     <p:extLst>
       <p:ext uri="{BB962C8B-B14F-4D97-AF65-F5344CB8AC3E}">
-        <p14:creationId xmlns:p14="http://schemas.microsoft.com/office/powerpoint/2010/main" val="3350085282"/>
+        <p14:creationId xmlns:p14="http://schemas.microsoft.com/office/powerpoint/2010/main" val="2442095312"/>
       </p:ext>
     </p:extLst>
   </p:cSld>

--- a/finalPresentation/Part 1/Part1.pptx
+++ b/finalPresentation/Part 1/Part1.pptx
@@ -6,7 +6,7 @@
     <p:sldMasterId id="2147483660" r:id="rId2"/>
   </p:sldMasterIdLst>
   <p:notesMasterIdLst>
-    <p:notesMasterId r:id="rId14"/>
+    <p:notesMasterId r:id="rId16"/>
   </p:notesMasterIdLst>
   <p:sldIdLst>
     <p:sldId id="257" r:id="rId3"/>
@@ -18,8 +18,10 @@
     <p:sldId id="268" r:id="rId9"/>
     <p:sldId id="260" r:id="rId10"/>
     <p:sldId id="263" r:id="rId11"/>
-    <p:sldId id="272" r:id="rId12"/>
-    <p:sldId id="271" r:id="rId13"/>
+    <p:sldId id="273" r:id="rId12"/>
+    <p:sldId id="272" r:id="rId13"/>
+    <p:sldId id="271" r:id="rId14"/>
+    <p:sldId id="274" r:id="rId15"/>
   </p:sldIdLst>
   <p:sldSz cx="12192000" cy="6858000"/>
   <p:notesSz cx="6858000" cy="9144000"/>
@@ -798,7 +800,377 @@
     </p:spTree>
     <p:extLst>
       <p:ext uri="{BB962C8B-B14F-4D97-AF65-F5344CB8AC3E}">
+        <p14:creationId xmlns:p14="http://schemas.microsoft.com/office/powerpoint/2010/main" val="2328796011"/>
+      </p:ext>
+    </p:extLst>
+  </p:cSld>
+  <p:clrMapOvr>
+    <a:masterClrMapping/>
+  </p:clrMapOvr>
+</p:notes>
+</file>
+
+<file path=ppt/notesSlides/notesSlide11.xml><?xml version="1.0" encoding="utf-8"?>
+<p:notes xmlns:a="http://schemas.openxmlformats.org/drawingml/2006/main" xmlns:r="http://schemas.openxmlformats.org/officeDocument/2006/relationships" xmlns:p="http://schemas.openxmlformats.org/presentationml/2006/main" showMasterSp="0" showMasterPhAnim="0">
+  <p:cSld>
+    <p:spTree>
+      <p:nvGrpSpPr>
+        <p:cNvPr id="1" name="Shape 32"/>
+        <p:cNvGrpSpPr/>
+        <p:nvPr/>
+      </p:nvGrpSpPr>
+      <p:grpSpPr>
+        <a:xfrm>
+          <a:off x="0" y="0"/>
+          <a:ext cx="0" cy="0"/>
+          <a:chOff x="0" y="0"/>
+          <a:chExt cx="0" cy="0"/>
+        </a:xfrm>
+      </p:grpSpPr>
+      <p:sp>
+        <p:nvSpPr>
+          <p:cNvPr id="33" name="Shape 33"/>
+          <p:cNvSpPr>
+            <a:spLocks noGrp="1" noRot="1" noChangeAspect="1"/>
+          </p:cNvSpPr>
+          <p:nvPr>
+            <p:ph type="sldImg" idx="2"/>
+          </p:nvPr>
+        </p:nvSpPr>
+        <p:spPr>
+          <a:xfrm>
+            <a:off x="381000" y="685800"/>
+            <a:ext cx="6096000" cy="3429000"/>
+          </a:xfrm>
+          <a:custGeom>
+            <a:avLst/>
+            <a:gdLst/>
+            <a:ahLst/>
+            <a:cxnLst/>
+            <a:rect l="0" t="0" r="0" b="0"/>
+            <a:pathLst>
+              <a:path w="120000" h="120000" extrusionOk="0">
+                <a:moveTo>
+                  <a:pt x="0" y="0"/>
+                </a:moveTo>
+                <a:lnTo>
+                  <a:pt x="120000" y="0"/>
+                </a:lnTo>
+                <a:lnTo>
+                  <a:pt x="120000" y="120000"/>
+                </a:lnTo>
+                <a:lnTo>
+                  <a:pt x="0" y="120000"/>
+                </a:lnTo>
+                <a:close/>
+              </a:path>
+            </a:pathLst>
+          </a:custGeom>
+          <a:noFill/>
+          <a:ln w="9525" cap="flat" cmpd="sng">
+            <a:solidFill>
+              <a:srgbClr val="000000"/>
+            </a:solidFill>
+            <a:prstDash val="solid"/>
+            <a:round/>
+            <a:headEnd type="none" w="med" len="med"/>
+            <a:tailEnd type="none" w="med" len="med"/>
+          </a:ln>
+        </p:spPr>
+      </p:sp>
+      <p:sp>
+        <p:nvSpPr>
+          <p:cNvPr id="34" name="Shape 34"/>
+          <p:cNvSpPr txBox="1">
+            <a:spLocks noGrp="1"/>
+          </p:cNvSpPr>
+          <p:nvPr>
+            <p:ph type="body" idx="1"/>
+          </p:nvPr>
+        </p:nvSpPr>
+        <p:spPr>
+          <a:xfrm>
+            <a:off x="685800" y="4343400"/>
+            <a:ext cx="5486399" cy="4114800"/>
+          </a:xfrm>
+          <a:prstGeom prst="rect">
+            <a:avLst/>
+          </a:prstGeom>
+        </p:spPr>
+        <p:txBody>
+          <a:bodyPr lIns="91425" tIns="91425" rIns="91425" bIns="91425" anchor="t" anchorCtr="0">
+            <a:noAutofit/>
+          </a:bodyPr>
+          <a:lstStyle/>
+          <a:p>
+            <a:pPr lvl="0" rtl="0">
+              <a:spcBef>
+                <a:spcPts val="0"/>
+              </a:spcBef>
+              <a:buNone/>
+            </a:pPr>
+            <a:r>
+              <a:rPr lang="it-IT" dirty="0"/>
+              <a:t>Voltaggio</a:t>
+            </a:r>
+            <a:r>
+              <a:rPr lang="it-IT" baseline="0" dirty="0"/>
+              <a:t> a onda quadra con corrente che lo segue e fare vedere che la </a:t>
+            </a:r>
+            <a:r>
+              <a:rPr lang="it-IT" baseline="0" dirty="0" err="1"/>
+              <a:t>disatnza</a:t>
+            </a:r>
+            <a:r>
+              <a:rPr lang="it-IT" baseline="0" dirty="0"/>
+              <a:t> a steady state è R. L’abbiamo </a:t>
+            </a:r>
+            <a:r>
+              <a:rPr lang="it-IT" baseline="0" dirty="0" err="1"/>
+              <a:t>idnetificata</a:t>
+            </a:r>
+            <a:r>
+              <a:rPr lang="it-IT" baseline="0" dirty="0"/>
+              <a:t> cosi.</a:t>
+            </a:r>
+          </a:p>
+          <a:p>
+            <a:pPr lvl="0" rtl="0">
+              <a:spcBef>
+                <a:spcPts val="0"/>
+              </a:spcBef>
+              <a:buNone/>
+            </a:pPr>
+            <a:endParaRPr lang="it-IT" baseline="0" dirty="0"/>
+          </a:p>
+          <a:p>
+            <a:pPr lvl="0" rtl="0">
+              <a:spcBef>
+                <a:spcPts val="0"/>
+              </a:spcBef>
+              <a:buNone/>
+            </a:pPr>
+            <a:r>
+              <a:rPr lang="it-IT" baseline="0" dirty="0"/>
+              <a:t>Per la </a:t>
+            </a:r>
+            <a:r>
+              <a:rPr lang="it-IT" baseline="0" dirty="0" err="1"/>
+              <a:t>fuznione</a:t>
+            </a:r>
+            <a:r>
+              <a:rPr lang="it-IT" baseline="0" dirty="0"/>
+              <a:t> di </a:t>
+            </a:r>
+            <a:r>
+              <a:rPr lang="it-IT" baseline="0" dirty="0" err="1"/>
+              <a:t>straferimento</a:t>
+            </a:r>
+            <a:r>
+              <a:rPr lang="it-IT" baseline="0" dirty="0"/>
+              <a:t> mettere il blocchetto di </a:t>
+            </a:r>
+            <a:r>
+              <a:rPr lang="it-IT" baseline="0" dirty="0" err="1"/>
+              <a:t>simulink</a:t>
+            </a:r>
+            <a:r>
+              <a:rPr lang="it-IT" baseline="0" dirty="0"/>
+              <a:t> nei modelli</a:t>
+            </a:r>
+            <a:endParaRPr dirty="0"/>
+          </a:p>
+        </p:txBody>
+      </p:sp>
+    </p:spTree>
+    <p:extLst>
+      <p:ext uri="{BB962C8B-B14F-4D97-AF65-F5344CB8AC3E}">
         <p14:creationId xmlns:p14="http://schemas.microsoft.com/office/powerpoint/2010/main" val="851829052"/>
+      </p:ext>
+    </p:extLst>
+  </p:cSld>
+  <p:clrMapOvr>
+    <a:masterClrMapping/>
+  </p:clrMapOvr>
+</p:notes>
+</file>
+
+<file path=ppt/notesSlides/notesSlide12.xml><?xml version="1.0" encoding="utf-8"?>
+<p:notes xmlns:a="http://schemas.openxmlformats.org/drawingml/2006/main" xmlns:r="http://schemas.openxmlformats.org/officeDocument/2006/relationships" xmlns:p="http://schemas.openxmlformats.org/presentationml/2006/main" showMasterSp="0" showMasterPhAnim="0">
+  <p:cSld>
+    <p:spTree>
+      <p:nvGrpSpPr>
+        <p:cNvPr id="1" name="Shape 32"/>
+        <p:cNvGrpSpPr/>
+        <p:nvPr/>
+      </p:nvGrpSpPr>
+      <p:grpSpPr>
+        <a:xfrm>
+          <a:off x="0" y="0"/>
+          <a:ext cx="0" cy="0"/>
+          <a:chOff x="0" y="0"/>
+          <a:chExt cx="0" cy="0"/>
+        </a:xfrm>
+      </p:grpSpPr>
+      <p:sp>
+        <p:nvSpPr>
+          <p:cNvPr id="33" name="Shape 33"/>
+          <p:cNvSpPr>
+            <a:spLocks noGrp="1" noRot="1" noChangeAspect="1"/>
+          </p:cNvSpPr>
+          <p:nvPr>
+            <p:ph type="sldImg" idx="2"/>
+          </p:nvPr>
+        </p:nvSpPr>
+        <p:spPr>
+          <a:xfrm>
+            <a:off x="381000" y="685800"/>
+            <a:ext cx="6096000" cy="3429000"/>
+          </a:xfrm>
+          <a:custGeom>
+            <a:avLst/>
+            <a:gdLst/>
+            <a:ahLst/>
+            <a:cxnLst/>
+            <a:rect l="0" t="0" r="0" b="0"/>
+            <a:pathLst>
+              <a:path w="120000" h="120000" extrusionOk="0">
+                <a:moveTo>
+                  <a:pt x="0" y="0"/>
+                </a:moveTo>
+                <a:lnTo>
+                  <a:pt x="120000" y="0"/>
+                </a:lnTo>
+                <a:lnTo>
+                  <a:pt x="120000" y="120000"/>
+                </a:lnTo>
+                <a:lnTo>
+                  <a:pt x="0" y="120000"/>
+                </a:lnTo>
+                <a:close/>
+              </a:path>
+            </a:pathLst>
+          </a:custGeom>
+          <a:noFill/>
+          <a:ln w="9525" cap="flat" cmpd="sng">
+            <a:solidFill>
+              <a:srgbClr val="000000"/>
+            </a:solidFill>
+            <a:prstDash val="solid"/>
+            <a:round/>
+            <a:headEnd type="none" w="med" len="med"/>
+            <a:tailEnd type="none" w="med" len="med"/>
+          </a:ln>
+        </p:spPr>
+      </p:sp>
+      <p:sp>
+        <p:nvSpPr>
+          <p:cNvPr id="34" name="Shape 34"/>
+          <p:cNvSpPr txBox="1">
+            <a:spLocks noGrp="1"/>
+          </p:cNvSpPr>
+          <p:nvPr>
+            <p:ph type="body" idx="1"/>
+          </p:nvPr>
+        </p:nvSpPr>
+        <p:spPr>
+          <a:xfrm>
+            <a:off x="685800" y="4343400"/>
+            <a:ext cx="5486399" cy="4114800"/>
+          </a:xfrm>
+          <a:prstGeom prst="rect">
+            <a:avLst/>
+          </a:prstGeom>
+        </p:spPr>
+        <p:txBody>
+          <a:bodyPr lIns="91425" tIns="91425" rIns="91425" bIns="91425" anchor="t" anchorCtr="0">
+            <a:noAutofit/>
+          </a:bodyPr>
+          <a:lstStyle/>
+          <a:p>
+            <a:pPr lvl="0" rtl="0">
+              <a:spcBef>
+                <a:spcPts val="0"/>
+              </a:spcBef>
+              <a:buNone/>
+            </a:pPr>
+            <a:r>
+              <a:rPr lang="it-IT" dirty="0"/>
+              <a:t>Voltaggio</a:t>
+            </a:r>
+            <a:r>
+              <a:rPr lang="it-IT" baseline="0" dirty="0"/>
+              <a:t> a onda quadra con corrente che lo segue e fare vedere che la </a:t>
+            </a:r>
+            <a:r>
+              <a:rPr lang="it-IT" baseline="0" dirty="0" err="1"/>
+              <a:t>disatnza</a:t>
+            </a:r>
+            <a:r>
+              <a:rPr lang="it-IT" baseline="0" dirty="0"/>
+              <a:t> a steady state è R. L’abbiamo </a:t>
+            </a:r>
+            <a:r>
+              <a:rPr lang="it-IT" baseline="0" dirty="0" err="1"/>
+              <a:t>idnetificata</a:t>
+            </a:r>
+            <a:r>
+              <a:rPr lang="it-IT" baseline="0" dirty="0"/>
+              <a:t> cosi.</a:t>
+            </a:r>
+          </a:p>
+          <a:p>
+            <a:pPr lvl="0" rtl="0">
+              <a:spcBef>
+                <a:spcPts val="0"/>
+              </a:spcBef>
+              <a:buNone/>
+            </a:pPr>
+            <a:endParaRPr lang="it-IT" baseline="0" dirty="0"/>
+          </a:p>
+          <a:p>
+            <a:pPr lvl="0" rtl="0">
+              <a:spcBef>
+                <a:spcPts val="0"/>
+              </a:spcBef>
+              <a:buNone/>
+            </a:pPr>
+            <a:r>
+              <a:rPr lang="it-IT" baseline="0" dirty="0"/>
+              <a:t>Per la </a:t>
+            </a:r>
+            <a:r>
+              <a:rPr lang="it-IT" baseline="0" dirty="0" err="1"/>
+              <a:t>fuznione</a:t>
+            </a:r>
+            <a:r>
+              <a:rPr lang="it-IT" baseline="0" dirty="0"/>
+              <a:t> di </a:t>
+            </a:r>
+            <a:r>
+              <a:rPr lang="it-IT" baseline="0" dirty="0" err="1"/>
+              <a:t>straferimento</a:t>
+            </a:r>
+            <a:r>
+              <a:rPr lang="it-IT" baseline="0" dirty="0"/>
+              <a:t> mettere il blocchetto di </a:t>
+            </a:r>
+            <a:r>
+              <a:rPr lang="it-IT" baseline="0" dirty="0" err="1"/>
+              <a:t>simulink</a:t>
+            </a:r>
+            <a:r>
+              <a:rPr lang="it-IT" baseline="0" dirty="0"/>
+              <a:t> nei modelli</a:t>
+            </a:r>
+            <a:endParaRPr dirty="0"/>
+          </a:p>
+        </p:txBody>
+      </p:sp>
+    </p:spTree>
+    <p:extLst>
+      <p:ext uri="{BB962C8B-B14F-4D97-AF65-F5344CB8AC3E}">
+        <p14:creationId xmlns:p14="http://schemas.microsoft.com/office/powerpoint/2010/main" val="278173629"/>
       </p:ext>
     </p:extLst>
   </p:cSld>
@@ -1940,7 +2312,7 @@
     </p:spTree>
     <p:extLst>
       <p:ext uri="{BB962C8B-B14F-4D97-AF65-F5344CB8AC3E}">
-        <p14:creationId xmlns:p14="http://schemas.microsoft.com/office/powerpoint/2010/main" val="2328796011"/>
+        <p14:creationId xmlns:p14="http://schemas.microsoft.com/office/powerpoint/2010/main" val="369319978"/>
       </p:ext>
     </p:extLst>
   </p:cSld>
@@ -6257,6 +6629,786 @@
           <a:chExt cx="0" cy="0"/>
         </a:xfrm>
       </p:grpSpPr>
+      <p:pic>
+        <p:nvPicPr>
+          <p:cNvPr id="7" name="Immagine 6"/>
+          <p:cNvPicPr>
+            <a:picLocks noChangeAspect="1"/>
+          </p:cNvPicPr>
+          <p:nvPr/>
+        </p:nvPicPr>
+        <p:blipFill>
+          <a:blip r:embed="rId4">
+            <a:extLst>
+              <a:ext uri="{28A0092B-C50C-407E-A947-70E740481C1C}">
+                <a14:useLocalDpi xmlns:a14="http://schemas.microsoft.com/office/drawing/2010/main" val="0"/>
+              </a:ext>
+            </a:extLst>
+          </a:blip>
+          <a:stretch>
+            <a:fillRect/>
+          </a:stretch>
+        </p:blipFill>
+        <p:spPr>
+          <a:xfrm>
+            <a:off x="1606450" y="848772"/>
+            <a:ext cx="5173767" cy="3880325"/>
+          </a:xfrm>
+          <a:prstGeom prst="rect">
+            <a:avLst/>
+          </a:prstGeom>
+        </p:spPr>
+      </p:pic>
+      <p:sp>
+        <p:nvSpPr>
+          <p:cNvPr id="36" name="Shape 36"/>
+          <p:cNvSpPr txBox="1">
+            <a:spLocks noGrp="1"/>
+          </p:cNvSpPr>
+          <p:nvPr>
+            <p:ph type="title"/>
+          </p:nvPr>
+        </p:nvSpPr>
+        <p:spPr>
+          <a:xfrm>
+            <a:off x="2361450" y="131951"/>
+            <a:ext cx="8136900" cy="498599"/>
+          </a:xfrm>
+          <a:prstGeom prst="rect">
+            <a:avLst/>
+          </a:prstGeom>
+        </p:spPr>
+        <p:txBody>
+          <a:bodyPr lIns="91425" tIns="91425" rIns="91425" bIns="91425" anchor="b" anchorCtr="0">
+            <a:noAutofit/>
+          </a:bodyPr>
+          <a:lstStyle/>
+          <a:p>
+            <a:r>
+              <a:rPr lang="en-GB" sz="3000" dirty="0">
+                <a:solidFill>
+                  <a:srgbClr val="003366"/>
+                </a:solidFill>
+              </a:rPr>
+              <a:t>Validation cost function</a:t>
+            </a:r>
+          </a:p>
+        </p:txBody>
+      </p:sp>
+      <p:pic>
+        <p:nvPicPr>
+          <p:cNvPr id="38" name="Shape 38"/>
+          <p:cNvPicPr preferRelativeResize="0"/>
+          <p:nvPr/>
+        </p:nvPicPr>
+        <p:blipFill>
+          <a:blip r:embed="rId5">
+            <a:alphaModFix/>
+          </a:blip>
+          <a:stretch>
+            <a:fillRect/>
+          </a:stretch>
+        </p:blipFill>
+        <p:spPr>
+          <a:xfrm>
+            <a:off x="1606450" y="65950"/>
+            <a:ext cx="464900" cy="498650"/>
+          </a:xfrm>
+          <a:prstGeom prst="rect">
+            <a:avLst/>
+          </a:prstGeom>
+          <a:noFill/>
+          <a:ln>
+            <a:noFill/>
+          </a:ln>
+        </p:spPr>
+      </p:pic>
+      <p:pic>
+        <p:nvPicPr>
+          <p:cNvPr id="39" name="Shape 39"/>
+          <p:cNvPicPr preferRelativeResize="0"/>
+          <p:nvPr/>
+        </p:nvPicPr>
+        <p:blipFill>
+          <a:blip r:embed="rId6">
+            <a:alphaModFix/>
+          </a:blip>
+          <a:stretch>
+            <a:fillRect/>
+          </a:stretch>
+        </p:blipFill>
+        <p:spPr>
+          <a:xfrm>
+            <a:off x="1524000" y="630540"/>
+            <a:ext cx="9143998" cy="97471"/>
+          </a:xfrm>
+          <a:prstGeom prst="rect">
+            <a:avLst/>
+          </a:prstGeom>
+          <a:noFill/>
+          <a:ln>
+            <a:noFill/>
+          </a:ln>
+        </p:spPr>
+      </p:pic>
+      <p:cxnSp>
+        <p:nvCxnSpPr>
+          <p:cNvPr id="40" name="Shape 40"/>
+          <p:cNvCxnSpPr/>
+          <p:nvPr/>
+        </p:nvCxnSpPr>
+        <p:spPr>
+          <a:xfrm rot="10800000">
+            <a:off x="2215550" y="126"/>
+            <a:ext cx="0" cy="630299"/>
+          </a:xfrm>
+          <a:prstGeom prst="straightConnector1">
+            <a:avLst/>
+          </a:prstGeom>
+          <a:noFill/>
+          <a:ln w="9525" cap="flat" cmpd="sng">
+            <a:solidFill>
+              <a:srgbClr val="003366"/>
+            </a:solidFill>
+            <a:prstDash val="solid"/>
+            <a:round/>
+            <a:headEnd type="none" w="lg" len="lg"/>
+            <a:tailEnd type="none" w="lg" len="lg"/>
+          </a:ln>
+        </p:spPr>
+      </p:cxnSp>
+      <p:sp>
+        <p:nvSpPr>
+          <p:cNvPr id="41" name="Shape 41"/>
+          <p:cNvSpPr txBox="1"/>
+          <p:nvPr/>
+        </p:nvSpPr>
+        <p:spPr>
+          <a:xfrm>
+            <a:off x="8307700" y="6531001"/>
+            <a:ext cx="2599200" cy="363899"/>
+          </a:xfrm>
+          <a:prstGeom prst="rect">
+            <a:avLst/>
+          </a:prstGeom>
+          <a:noFill/>
+          <a:ln>
+            <a:noFill/>
+          </a:ln>
+        </p:spPr>
+        <p:txBody>
+          <a:bodyPr lIns="91425" tIns="91425" rIns="91425" bIns="91425" anchor="t" anchorCtr="0">
+            <a:noAutofit/>
+          </a:bodyPr>
+          <a:lstStyle/>
+          <a:p>
+            <a:r>
+              <a:rPr lang="en-GB" sz="1200" b="1" dirty="0">
+                <a:solidFill>
+                  <a:srgbClr val="FFFFFF"/>
+                </a:solidFill>
+              </a:rPr>
+              <a:t>POLITECNICO DI MILANO</a:t>
+            </a:r>
+          </a:p>
+        </p:txBody>
+      </p:sp>
+      <p:pic>
+        <p:nvPicPr>
+          <p:cNvPr id="42" name="Shape 42"/>
+          <p:cNvPicPr preferRelativeResize="0"/>
+          <p:nvPr/>
+        </p:nvPicPr>
+        <p:blipFill>
+          <a:blip r:embed="rId7">
+            <a:alphaModFix/>
+          </a:blip>
+          <a:stretch>
+            <a:fillRect/>
+          </a:stretch>
+        </p:blipFill>
+        <p:spPr>
+          <a:xfrm>
+            <a:off x="1524000" y="6571226"/>
+            <a:ext cx="9144000" cy="286775"/>
+          </a:xfrm>
+          <a:prstGeom prst="rect">
+            <a:avLst/>
+          </a:prstGeom>
+          <a:noFill/>
+          <a:ln>
+            <a:noFill/>
+          </a:ln>
+        </p:spPr>
+      </p:pic>
+      <p:sp>
+        <p:nvSpPr>
+          <p:cNvPr id="43" name="Shape 43"/>
+          <p:cNvSpPr txBox="1">
+            <a:spLocks noGrp="1"/>
+          </p:cNvSpPr>
+          <p:nvPr>
+            <p:ph type="ctrTitle" idx="4294967295"/>
+          </p:nvPr>
+        </p:nvSpPr>
+        <p:spPr>
+          <a:xfrm>
+            <a:off x="3575453" y="6500850"/>
+            <a:ext cx="3238799" cy="424199"/>
+          </a:xfrm>
+          <a:prstGeom prst="rect">
+            <a:avLst/>
+          </a:prstGeom>
+        </p:spPr>
+        <p:txBody>
+          <a:bodyPr lIns="91425" tIns="91425" rIns="91425" bIns="91425" anchor="ctr" anchorCtr="0">
+            <a:noAutofit/>
+          </a:bodyPr>
+          <a:lstStyle/>
+          <a:p>
+            <a:pPr indent="457200">
+              <a:lnSpc>
+                <a:spcPct val="115000"/>
+              </a:lnSpc>
+            </a:pPr>
+            <a:r>
+              <a:rPr lang="en-GB" sz="1200" b="1" dirty="0">
+                <a:solidFill>
+                  <a:srgbClr val="003366"/>
+                </a:solidFill>
+              </a:rPr>
+              <a:t>Control of linear vibrations</a:t>
+            </a:r>
+            <a:endParaRPr lang="en-GB" sz="1300" b="1" dirty="0">
+              <a:solidFill>
+                <a:srgbClr val="003366"/>
+              </a:solidFill>
+            </a:endParaRPr>
+          </a:p>
+        </p:txBody>
+      </p:sp>
+      <p:graphicFrame>
+        <p:nvGraphicFramePr>
+          <p:cNvPr id="34" name="Oggetto 33"/>
+          <p:cNvGraphicFramePr>
+            <a:graphicFrameLocks noChangeAspect="1"/>
+          </p:cNvGraphicFramePr>
+          <p:nvPr>
+            <p:extLst>
+              <p:ext uri="{D42A27DB-BD31-4B8C-83A1-F6EECF244321}">
+                <p14:modId xmlns:p14="http://schemas.microsoft.com/office/powerpoint/2010/main" val="90763860"/>
+              </p:ext>
+            </p:extLst>
+          </p:nvPr>
+        </p:nvGraphicFramePr>
+        <p:xfrm>
+          <a:off x="6523119" y="3256208"/>
+          <a:ext cx="2628900" cy="638175"/>
+        </p:xfrm>
+        <a:graphic>
+          <a:graphicData uri="http://schemas.openxmlformats.org/presentationml/2006/ole">
+            <mc:AlternateContent xmlns:mc="http://schemas.openxmlformats.org/markup-compatibility/2006">
+              <mc:Choice xmlns:v="urn:schemas-microsoft-com:vml" Requires="v">
+                <p:oleObj spid="_x0000_s14387" name="Equazione" r:id="rId8" imgW="1714320" imgH="419040" progId="Equation.3">
+                  <p:embed/>
+                </p:oleObj>
+              </mc:Choice>
+              <mc:Fallback>
+                <p:oleObj name="Equazione" r:id="rId8" imgW="1714320" imgH="419040" progId="Equation.3">
+                  <p:embed/>
+                  <p:pic>
+                    <p:nvPicPr>
+                      <p:cNvPr id="32" name="Oggetto 31"/>
+                      <p:cNvPicPr>
+                        <a:picLocks noChangeAspect="1" noChangeArrowheads="1"/>
+                      </p:cNvPicPr>
+                      <p:nvPr/>
+                    </p:nvPicPr>
+                    <p:blipFill>
+                      <a:blip r:embed="rId9"/>
+                      <a:srcRect/>
+                      <a:stretch>
+                        <a:fillRect/>
+                      </a:stretch>
+                    </p:blipFill>
+                    <p:spPr bwMode="auto">
+                      <a:xfrm>
+                        <a:off x="6523119" y="3256208"/>
+                        <a:ext cx="2628900" cy="638175"/>
+                      </a:xfrm>
+                      <a:prstGeom prst="rect">
+                        <a:avLst/>
+                      </a:prstGeom>
+                      <a:noFill/>
+                    </p:spPr>
+                  </p:pic>
+                </p:oleObj>
+              </mc:Fallback>
+            </mc:AlternateContent>
+          </a:graphicData>
+        </a:graphic>
+      </p:graphicFrame>
+      <p:grpSp>
+        <p:nvGrpSpPr>
+          <p:cNvPr id="45" name="Gruppo 44"/>
+          <p:cNvGrpSpPr/>
+          <p:nvPr/>
+        </p:nvGrpSpPr>
+        <p:grpSpPr>
+          <a:xfrm>
+            <a:off x="4386152" y="1674759"/>
+            <a:ext cx="1865019" cy="478272"/>
+            <a:chOff x="2798273" y="1113053"/>
+            <a:chExt cx="8171907" cy="478272"/>
+          </a:xfrm>
+        </p:grpSpPr>
+        <p:sp>
+          <p:nvSpPr>
+            <p:cNvPr id="47" name="Rettangolo arrotondato 46"/>
+            <p:cNvSpPr/>
+            <p:nvPr/>
+          </p:nvSpPr>
+          <p:spPr>
+            <a:xfrm>
+              <a:off x="2798273" y="1113053"/>
+              <a:ext cx="8171907" cy="478272"/>
+            </a:xfrm>
+            <a:prstGeom prst="roundRect">
+              <a:avLst/>
+            </a:prstGeom>
+            <a:solidFill>
+              <a:schemeClr val="bg2"/>
+            </a:solidFill>
+          </p:spPr>
+          <p:style>
+            <a:lnRef idx="2">
+              <a:schemeClr val="accent1">
+                <a:shade val="50000"/>
+              </a:schemeClr>
+            </a:lnRef>
+            <a:fillRef idx="1">
+              <a:schemeClr val="accent1"/>
+            </a:fillRef>
+            <a:effectRef idx="0">
+              <a:schemeClr val="accent1"/>
+            </a:effectRef>
+            <a:fontRef idx="minor">
+              <a:schemeClr val="lt1"/>
+            </a:fontRef>
+          </p:style>
+          <p:txBody>
+            <a:bodyPr rtlCol="0" anchor="ctr"/>
+            <a:lstStyle/>
+            <a:p>
+              <a:pPr algn="ctr"/>
+              <a:endParaRPr lang="en-GB" dirty="0"/>
+            </a:p>
+          </p:txBody>
+        </p:sp>
+        <p:sp>
+          <p:nvSpPr>
+            <p:cNvPr id="49" name="Rettangolo 48"/>
+            <p:cNvSpPr/>
+            <p:nvPr/>
+          </p:nvSpPr>
+          <p:spPr>
+            <a:xfrm>
+              <a:off x="2904331" y="1165276"/>
+              <a:ext cx="8065849" cy="369332"/>
+            </a:xfrm>
+            <a:prstGeom prst="rect">
+              <a:avLst/>
+            </a:prstGeom>
+          </p:spPr>
+          <p:txBody>
+            <a:bodyPr wrap="square">
+              <a:spAutoFit/>
+            </a:bodyPr>
+            <a:lstStyle/>
+            <a:p>
+              <a:r>
+                <a:rPr lang="en-GB" dirty="0">
+                  <a:solidFill>
+                    <a:schemeClr val="accent2"/>
+                  </a:solidFill>
+                </a:rPr>
+                <a:t>Simulated output</a:t>
+              </a:r>
+            </a:p>
+          </p:txBody>
+        </p:sp>
+      </p:grpSp>
+      <p:grpSp>
+        <p:nvGrpSpPr>
+          <p:cNvPr id="65" name="Gruppo 64"/>
+          <p:cNvGrpSpPr/>
+          <p:nvPr/>
+        </p:nvGrpSpPr>
+        <p:grpSpPr>
+          <a:xfrm>
+            <a:off x="4860882" y="3249710"/>
+            <a:ext cx="1298850" cy="478272"/>
+            <a:chOff x="2798273" y="1113053"/>
+            <a:chExt cx="8171907" cy="478272"/>
+          </a:xfrm>
+        </p:grpSpPr>
+        <p:sp>
+          <p:nvSpPr>
+            <p:cNvPr id="66" name="Rettangolo arrotondato 65"/>
+            <p:cNvSpPr/>
+            <p:nvPr/>
+          </p:nvSpPr>
+          <p:spPr>
+            <a:xfrm>
+              <a:off x="2798273" y="1113053"/>
+              <a:ext cx="8171907" cy="478272"/>
+            </a:xfrm>
+            <a:prstGeom prst="roundRect">
+              <a:avLst/>
+            </a:prstGeom>
+            <a:solidFill>
+              <a:schemeClr val="bg2"/>
+            </a:solidFill>
+          </p:spPr>
+          <p:style>
+            <a:lnRef idx="2">
+              <a:schemeClr val="accent1">
+                <a:shade val="50000"/>
+              </a:schemeClr>
+            </a:lnRef>
+            <a:fillRef idx="1">
+              <a:schemeClr val="accent1"/>
+            </a:fillRef>
+            <a:effectRef idx="0">
+              <a:schemeClr val="accent1"/>
+            </a:effectRef>
+            <a:fontRef idx="minor">
+              <a:schemeClr val="lt1"/>
+            </a:fontRef>
+          </p:style>
+          <p:txBody>
+            <a:bodyPr rtlCol="0" anchor="ctr"/>
+            <a:lstStyle/>
+            <a:p>
+              <a:pPr algn="ctr"/>
+              <a:endParaRPr lang="en-GB" dirty="0"/>
+            </a:p>
+          </p:txBody>
+        </p:sp>
+        <p:sp>
+          <p:nvSpPr>
+            <p:cNvPr id="67" name="Rettangolo 66"/>
+            <p:cNvSpPr/>
+            <p:nvPr/>
+          </p:nvSpPr>
+          <p:spPr>
+            <a:xfrm>
+              <a:off x="2904331" y="1165276"/>
+              <a:ext cx="8065849" cy="369332"/>
+            </a:xfrm>
+            <a:prstGeom prst="rect">
+              <a:avLst/>
+            </a:prstGeom>
+          </p:spPr>
+          <p:txBody>
+            <a:bodyPr wrap="square">
+              <a:spAutoFit/>
+            </a:bodyPr>
+            <a:lstStyle/>
+            <a:p>
+              <a:r>
+                <a:rPr lang="en-GB" dirty="0">
+                  <a:solidFill>
+                    <a:schemeClr val="accent1">
+                      <a:lumMod val="75000"/>
+                    </a:schemeClr>
+                  </a:solidFill>
+                </a:rPr>
+                <a:t>Real output</a:t>
+              </a:r>
+            </a:p>
+          </p:txBody>
+        </p:sp>
+      </p:grpSp>
+      <p:cxnSp>
+        <p:nvCxnSpPr>
+          <p:cNvPr id="11" name="Connettore 2 10"/>
+          <p:cNvCxnSpPr/>
+          <p:nvPr/>
+        </p:nvCxnSpPr>
+        <p:spPr>
+          <a:xfrm>
+            <a:off x="5330764" y="2153031"/>
+            <a:ext cx="471520" cy="440540"/>
+          </a:xfrm>
+          <a:prstGeom prst="straightConnector1">
+            <a:avLst/>
+          </a:prstGeom>
+          <a:ln>
+            <a:solidFill>
+              <a:schemeClr val="accent2"/>
+            </a:solidFill>
+            <a:tailEnd type="triangle"/>
+          </a:ln>
+        </p:spPr>
+        <p:style>
+          <a:lnRef idx="1">
+            <a:schemeClr val="accent1"/>
+          </a:lnRef>
+          <a:fillRef idx="0">
+            <a:schemeClr val="accent1"/>
+          </a:fillRef>
+          <a:effectRef idx="0">
+            <a:schemeClr val="accent1"/>
+          </a:effectRef>
+          <a:fontRef idx="minor">
+            <a:schemeClr val="tx1"/>
+          </a:fontRef>
+        </p:style>
+      </p:cxnSp>
+      <p:cxnSp>
+        <p:nvCxnSpPr>
+          <p:cNvPr id="15" name="Connettore 2 14"/>
+          <p:cNvCxnSpPr/>
+          <p:nvPr/>
+        </p:nvCxnSpPr>
+        <p:spPr>
+          <a:xfrm flipH="1" flipV="1">
+            <a:off x="5394960" y="2714332"/>
+            <a:ext cx="115348" cy="535378"/>
+          </a:xfrm>
+          <a:prstGeom prst="straightConnector1">
+            <a:avLst/>
+          </a:prstGeom>
+          <a:ln>
+            <a:tailEnd type="triangle"/>
+          </a:ln>
+        </p:spPr>
+        <p:style>
+          <a:lnRef idx="1">
+            <a:schemeClr val="accent1"/>
+          </a:lnRef>
+          <a:fillRef idx="0">
+            <a:schemeClr val="accent1"/>
+          </a:fillRef>
+          <a:effectRef idx="0">
+            <a:schemeClr val="accent1"/>
+          </a:effectRef>
+          <a:fontRef idx="minor">
+            <a:schemeClr val="tx1"/>
+          </a:fontRef>
+        </p:style>
+      </p:cxnSp>
+      <p:sp>
+        <p:nvSpPr>
+          <p:cNvPr id="18" name="CasellaDiTesto 17"/>
+          <p:cNvSpPr txBox="1"/>
+          <p:nvPr/>
+        </p:nvSpPr>
+        <p:spPr>
+          <a:xfrm>
+            <a:off x="6508865" y="1214247"/>
+            <a:ext cx="3050643" cy="369332"/>
+          </a:xfrm>
+          <a:prstGeom prst="rect">
+            <a:avLst/>
+          </a:prstGeom>
+          <a:noFill/>
+        </p:spPr>
+        <p:txBody>
+          <a:bodyPr wrap="none" rtlCol="0">
+            <a:spAutoFit/>
+          </a:bodyPr>
+          <a:lstStyle/>
+          <a:p>
+            <a:r>
+              <a:rPr lang="en-GB" dirty="0"/>
+              <a:t>Distance expressed by </a:t>
+            </a:r>
+            <a:r>
+              <a:rPr lang="en-GB" i="1" dirty="0"/>
+              <a:t>L</a:t>
+            </a:r>
+            <a:r>
+              <a:rPr lang="en-GB" baseline="-25000" dirty="0"/>
+              <a:t>2</a:t>
+            </a:r>
+            <a:r>
+              <a:rPr lang="en-GB" dirty="0"/>
+              <a:t> norm</a:t>
+            </a:r>
+          </a:p>
+        </p:txBody>
+      </p:sp>
+      <p:graphicFrame>
+        <p:nvGraphicFramePr>
+          <p:cNvPr id="68" name="Oggetto 67"/>
+          <p:cNvGraphicFramePr>
+            <a:graphicFrameLocks noChangeAspect="1"/>
+          </p:cNvGraphicFramePr>
+          <p:nvPr>
+            <p:extLst>
+              <p:ext uri="{D42A27DB-BD31-4B8C-83A1-F6EECF244321}">
+                <p14:modId xmlns:p14="http://schemas.microsoft.com/office/powerpoint/2010/main" val="1706847993"/>
+              </p:ext>
+            </p:extLst>
+          </p:nvPr>
+        </p:nvGraphicFramePr>
+        <p:xfrm>
+          <a:off x="6524838" y="1649766"/>
+          <a:ext cx="3973512" cy="503238"/>
+        </p:xfrm>
+        <a:graphic>
+          <a:graphicData uri="http://schemas.openxmlformats.org/presentationml/2006/ole">
+            <mc:AlternateContent xmlns:mc="http://schemas.openxmlformats.org/markup-compatibility/2006">
+              <mc:Choice xmlns:v="urn:schemas-microsoft-com:vml" Requires="v">
+                <p:oleObj spid="_x0000_s14388" name="Equazione" r:id="rId10" imgW="2590560" imgH="330120" progId="Equation.3">
+                  <p:embed/>
+                </p:oleObj>
+              </mc:Choice>
+              <mc:Fallback>
+                <p:oleObj name="Equazione" r:id="rId10" imgW="2590560" imgH="330120" progId="Equation.3">
+                  <p:embed/>
+                  <p:pic>
+                    <p:nvPicPr>
+                      <p:cNvPr id="34" name="Oggetto 33"/>
+                      <p:cNvPicPr>
+                        <a:picLocks noChangeAspect="1" noChangeArrowheads="1"/>
+                      </p:cNvPicPr>
+                      <p:nvPr/>
+                    </p:nvPicPr>
+                    <p:blipFill>
+                      <a:blip r:embed="rId11"/>
+                      <a:srcRect/>
+                      <a:stretch>
+                        <a:fillRect/>
+                      </a:stretch>
+                    </p:blipFill>
+                    <p:spPr bwMode="auto">
+                      <a:xfrm>
+                        <a:off x="6524838" y="1649766"/>
+                        <a:ext cx="3973512" cy="503238"/>
+                      </a:xfrm>
+                      <a:prstGeom prst="rect">
+                        <a:avLst/>
+                      </a:prstGeom>
+                      <a:noFill/>
+                    </p:spPr>
+                  </p:pic>
+                </p:oleObj>
+              </mc:Fallback>
+            </mc:AlternateContent>
+          </a:graphicData>
+        </a:graphic>
+      </p:graphicFrame>
+      <p:sp>
+        <p:nvSpPr>
+          <p:cNvPr id="19" name="CasellaDiTesto 18"/>
+          <p:cNvSpPr txBox="1"/>
+          <p:nvPr/>
+        </p:nvSpPr>
+        <p:spPr>
+          <a:xfrm>
+            <a:off x="6513169" y="2254447"/>
+            <a:ext cx="4451988" cy="923330"/>
+          </a:xfrm>
+          <a:prstGeom prst="rect">
+            <a:avLst/>
+          </a:prstGeom>
+          <a:noFill/>
+        </p:spPr>
+        <p:txBody>
+          <a:bodyPr wrap="none" rtlCol="0">
+            <a:spAutoFit/>
+          </a:bodyPr>
+          <a:lstStyle/>
+          <a:p>
+            <a:r>
+              <a:rPr lang="en-GB" dirty="0"/>
+              <a:t>represents the energy of the difference signal</a:t>
+            </a:r>
+          </a:p>
+          <a:p>
+            <a:endParaRPr lang="en-GB" dirty="0"/>
+          </a:p>
+          <a:p>
+            <a:r>
+              <a:rPr lang="en-GB" dirty="0"/>
+              <a:t>A more practical index is:</a:t>
+            </a:r>
+          </a:p>
+        </p:txBody>
+      </p:sp>
+      <p:sp>
+        <p:nvSpPr>
+          <p:cNvPr id="20" name="CasellaDiTesto 19"/>
+          <p:cNvSpPr txBox="1"/>
+          <p:nvPr/>
+        </p:nvSpPr>
+        <p:spPr>
+          <a:xfrm>
+            <a:off x="2215550" y="4702781"/>
+            <a:ext cx="5057317" cy="369332"/>
+          </a:xfrm>
+          <a:prstGeom prst="rect">
+            <a:avLst/>
+          </a:prstGeom>
+          <a:noFill/>
+        </p:spPr>
+        <p:txBody>
+          <a:bodyPr wrap="square" rtlCol="0">
+            <a:spAutoFit/>
+          </a:bodyPr>
+          <a:lstStyle/>
+          <a:p>
+            <a:r>
+              <a:rPr lang="en-GB" dirty="0"/>
+              <a:t>In this way </a:t>
+            </a:r>
+            <a:r>
+              <a:rPr lang="en-GB" i="1" dirty="0"/>
+              <a:t>d</a:t>
+            </a:r>
+            <a:r>
+              <a:rPr lang="en-GB" dirty="0"/>
+              <a:t>=1 represents a perfect fit</a:t>
+            </a:r>
+          </a:p>
+        </p:txBody>
+      </p:sp>
+    </p:spTree>
+    <p:extLst>
+      <p:ext uri="{BB962C8B-B14F-4D97-AF65-F5344CB8AC3E}">
+        <p14:creationId xmlns:p14="http://schemas.microsoft.com/office/powerpoint/2010/main" val="927456250"/>
+      </p:ext>
+    </p:extLst>
+  </p:cSld>
+  <p:clrMapOvr>
+    <a:masterClrMapping/>
+  </p:clrMapOvr>
+  <p:transition spd="slow">
+    <p:cut/>
+  </p:transition>
+</p:sld>
+</file>
+
+<file path=ppt/slides/slide11.xml><?xml version="1.0" encoding="utf-8"?>
+<p:sld xmlns:a="http://schemas.openxmlformats.org/drawingml/2006/main" xmlns:r="http://schemas.openxmlformats.org/officeDocument/2006/relationships" xmlns:p="http://schemas.openxmlformats.org/presentationml/2006/main">
+  <p:cSld>
+    <p:spTree>
+      <p:nvGrpSpPr>
+        <p:cNvPr id="1" name="Shape 35"/>
+        <p:cNvGrpSpPr/>
+        <p:nvPr/>
+      </p:nvGrpSpPr>
+      <p:grpSpPr>
+        <a:xfrm>
+          <a:off x="0" y="0"/>
+          <a:ext cx="0" cy="0"/>
+          <a:chOff x="0" y="0"/>
+          <a:chExt cx="0" cy="0"/>
+        </a:xfrm>
+      </p:grpSpPr>
       <p:sp>
         <p:nvSpPr>
           <p:cNvPr id="36" name="Shape 36"/>
@@ -6603,7 +7755,7 @@
           <a:graphicData uri="http://schemas.openxmlformats.org/presentationml/2006/ole">
             <mc:AlternateContent xmlns:mc="http://schemas.openxmlformats.org/markup-compatibility/2006">
               <mc:Choice xmlns:v="urn:schemas-microsoft-com:vml" Requires="v">
-                <p:oleObj spid="_x0000_s13316" name="Equazione" r:id="rId7" imgW="876240" imgH="253800" progId="Equation.3">
+                <p:oleObj spid="_x0000_s13335" name="Equazione" r:id="rId7" imgW="876240" imgH="253800" progId="Equation.3">
                   <p:embed/>
                 </p:oleObj>
               </mc:Choice>
@@ -6687,7 +7839,753 @@
 </p:sld>
 </file>
 
-<file path=ppt/slides/slide11.xml><?xml version="1.0" encoding="utf-8"?>
+<file path=ppt/slides/slide12.xml><?xml version="1.0" encoding="utf-8"?>
+<p:sld xmlns:a="http://schemas.openxmlformats.org/drawingml/2006/main" xmlns:r="http://schemas.openxmlformats.org/officeDocument/2006/relationships" xmlns:p="http://schemas.openxmlformats.org/presentationml/2006/main">
+  <p:cSld>
+    <p:spTree>
+      <p:nvGrpSpPr>
+        <p:cNvPr id="1" name="Shape 35"/>
+        <p:cNvGrpSpPr/>
+        <p:nvPr/>
+      </p:nvGrpSpPr>
+      <p:grpSpPr>
+        <a:xfrm>
+          <a:off x="0" y="0"/>
+          <a:ext cx="0" cy="0"/>
+          <a:chOff x="0" y="0"/>
+          <a:chExt cx="0" cy="0"/>
+        </a:xfrm>
+      </p:grpSpPr>
+      <p:pic>
+        <p:nvPicPr>
+          <p:cNvPr id="3" name="Immagine 2"/>
+          <p:cNvPicPr>
+            <a:picLocks noChangeAspect="1"/>
+          </p:cNvPicPr>
+          <p:nvPr/>
+        </p:nvPicPr>
+        <p:blipFill>
+          <a:blip r:embed="rId4">
+            <a:extLst>
+              <a:ext uri="{28A0092B-C50C-407E-A947-70E740481C1C}">
+                <a14:useLocalDpi xmlns:a14="http://schemas.microsoft.com/office/drawing/2010/main" val="0"/>
+              </a:ext>
+            </a:extLst>
+          </a:blip>
+          <a:stretch>
+            <a:fillRect/>
+          </a:stretch>
+        </p:blipFill>
+        <p:spPr>
+          <a:xfrm>
+            <a:off x="1524000" y="1063189"/>
+            <a:ext cx="6400800" cy="4800600"/>
+          </a:xfrm>
+          <a:prstGeom prst="rect">
+            <a:avLst/>
+          </a:prstGeom>
+        </p:spPr>
+      </p:pic>
+      <p:sp>
+        <p:nvSpPr>
+          <p:cNvPr id="36" name="Shape 36"/>
+          <p:cNvSpPr txBox="1">
+            <a:spLocks noGrp="1"/>
+          </p:cNvSpPr>
+          <p:nvPr>
+            <p:ph type="title"/>
+          </p:nvPr>
+        </p:nvSpPr>
+        <p:spPr>
+          <a:xfrm>
+            <a:off x="2361450" y="131951"/>
+            <a:ext cx="8136900" cy="498599"/>
+          </a:xfrm>
+          <a:prstGeom prst="rect">
+            <a:avLst/>
+          </a:prstGeom>
+        </p:spPr>
+        <p:txBody>
+          <a:bodyPr lIns="91425" tIns="91425" rIns="91425" bIns="91425" anchor="b" anchorCtr="0">
+            <a:noAutofit/>
+          </a:bodyPr>
+          <a:lstStyle/>
+          <a:p>
+            <a:r>
+              <a:rPr lang="en-US" sz="3000" dirty="0">
+                <a:solidFill>
+                  <a:srgbClr val="003366"/>
+                </a:solidFill>
+              </a:rPr>
+              <a:t>Motor identification: resistance</a:t>
+            </a:r>
+          </a:p>
+        </p:txBody>
+      </p:sp>
+      <p:pic>
+        <p:nvPicPr>
+          <p:cNvPr id="38" name="Shape 38"/>
+          <p:cNvPicPr preferRelativeResize="0"/>
+          <p:nvPr/>
+        </p:nvPicPr>
+        <p:blipFill>
+          <a:blip r:embed="rId5">
+            <a:alphaModFix/>
+          </a:blip>
+          <a:stretch>
+            <a:fillRect/>
+          </a:stretch>
+        </p:blipFill>
+        <p:spPr>
+          <a:xfrm>
+            <a:off x="1606450" y="65950"/>
+            <a:ext cx="464900" cy="498650"/>
+          </a:xfrm>
+          <a:prstGeom prst="rect">
+            <a:avLst/>
+          </a:prstGeom>
+          <a:noFill/>
+          <a:ln>
+            <a:noFill/>
+          </a:ln>
+        </p:spPr>
+      </p:pic>
+      <p:pic>
+        <p:nvPicPr>
+          <p:cNvPr id="39" name="Shape 39"/>
+          <p:cNvPicPr preferRelativeResize="0"/>
+          <p:nvPr/>
+        </p:nvPicPr>
+        <p:blipFill>
+          <a:blip r:embed="rId6">
+            <a:alphaModFix/>
+          </a:blip>
+          <a:stretch>
+            <a:fillRect/>
+          </a:stretch>
+        </p:blipFill>
+        <p:spPr>
+          <a:xfrm>
+            <a:off x="1524000" y="630540"/>
+            <a:ext cx="9143998" cy="97471"/>
+          </a:xfrm>
+          <a:prstGeom prst="rect">
+            <a:avLst/>
+          </a:prstGeom>
+          <a:noFill/>
+          <a:ln>
+            <a:noFill/>
+          </a:ln>
+        </p:spPr>
+      </p:pic>
+      <p:cxnSp>
+        <p:nvCxnSpPr>
+          <p:cNvPr id="40" name="Shape 40"/>
+          <p:cNvCxnSpPr/>
+          <p:nvPr/>
+        </p:nvCxnSpPr>
+        <p:spPr>
+          <a:xfrm rot="10800000">
+            <a:off x="2215550" y="126"/>
+            <a:ext cx="0" cy="630299"/>
+          </a:xfrm>
+          <a:prstGeom prst="straightConnector1">
+            <a:avLst/>
+          </a:prstGeom>
+          <a:noFill/>
+          <a:ln w="9525" cap="flat" cmpd="sng">
+            <a:solidFill>
+              <a:srgbClr val="003366"/>
+            </a:solidFill>
+            <a:prstDash val="solid"/>
+            <a:round/>
+            <a:headEnd type="none" w="lg" len="lg"/>
+            <a:tailEnd type="none" w="lg" len="lg"/>
+          </a:ln>
+        </p:spPr>
+      </p:cxnSp>
+      <p:sp>
+        <p:nvSpPr>
+          <p:cNvPr id="41" name="Shape 41"/>
+          <p:cNvSpPr txBox="1"/>
+          <p:nvPr/>
+        </p:nvSpPr>
+        <p:spPr>
+          <a:xfrm>
+            <a:off x="8307700" y="6531001"/>
+            <a:ext cx="2599200" cy="363899"/>
+          </a:xfrm>
+          <a:prstGeom prst="rect">
+            <a:avLst/>
+          </a:prstGeom>
+          <a:noFill/>
+          <a:ln>
+            <a:noFill/>
+          </a:ln>
+        </p:spPr>
+        <p:txBody>
+          <a:bodyPr lIns="91425" tIns="91425" rIns="91425" bIns="91425" anchor="t" anchorCtr="0">
+            <a:noAutofit/>
+          </a:bodyPr>
+          <a:lstStyle/>
+          <a:p>
+            <a:r>
+              <a:rPr lang="en-US" sz="1200" b="1" dirty="0">
+                <a:solidFill>
+                  <a:srgbClr val="FFFFFF"/>
+                </a:solidFill>
+              </a:rPr>
+              <a:t>POLITECNICO DI MILANO</a:t>
+            </a:r>
+          </a:p>
+        </p:txBody>
+      </p:sp>
+      <p:pic>
+        <p:nvPicPr>
+          <p:cNvPr id="42" name="Shape 42"/>
+          <p:cNvPicPr preferRelativeResize="0"/>
+          <p:nvPr/>
+        </p:nvPicPr>
+        <p:blipFill>
+          <a:blip r:embed="rId7">
+            <a:alphaModFix/>
+          </a:blip>
+          <a:stretch>
+            <a:fillRect/>
+          </a:stretch>
+        </p:blipFill>
+        <p:spPr>
+          <a:xfrm>
+            <a:off x="1524000" y="6571226"/>
+            <a:ext cx="9144000" cy="286775"/>
+          </a:xfrm>
+          <a:prstGeom prst="rect">
+            <a:avLst/>
+          </a:prstGeom>
+          <a:noFill/>
+          <a:ln>
+            <a:noFill/>
+          </a:ln>
+        </p:spPr>
+      </p:pic>
+      <p:sp>
+        <p:nvSpPr>
+          <p:cNvPr id="43" name="Shape 43"/>
+          <p:cNvSpPr txBox="1">
+            <a:spLocks noGrp="1"/>
+          </p:cNvSpPr>
+          <p:nvPr>
+            <p:ph type="ctrTitle" idx="4294967295"/>
+          </p:nvPr>
+        </p:nvSpPr>
+        <p:spPr>
+          <a:xfrm>
+            <a:off x="3575453" y="6500850"/>
+            <a:ext cx="3238799" cy="424199"/>
+          </a:xfrm>
+          <a:prstGeom prst="rect">
+            <a:avLst/>
+          </a:prstGeom>
+        </p:spPr>
+        <p:txBody>
+          <a:bodyPr lIns="91425" tIns="91425" rIns="91425" bIns="91425" anchor="ctr" anchorCtr="0">
+            <a:noAutofit/>
+          </a:bodyPr>
+          <a:lstStyle/>
+          <a:p>
+            <a:pPr indent="457200">
+              <a:lnSpc>
+                <a:spcPct val="115000"/>
+              </a:lnSpc>
+            </a:pPr>
+            <a:r>
+              <a:rPr lang="en-US" sz="1200" b="1" dirty="0">
+                <a:solidFill>
+                  <a:srgbClr val="003366"/>
+                </a:solidFill>
+              </a:rPr>
+              <a:t>Control of linear vibrations</a:t>
+            </a:r>
+            <a:endParaRPr lang="en-US" sz="1300" b="1" dirty="0">
+              <a:solidFill>
+                <a:srgbClr val="003366"/>
+              </a:solidFill>
+            </a:endParaRPr>
+          </a:p>
+        </p:txBody>
+      </p:sp>
+      <p:graphicFrame>
+        <p:nvGraphicFramePr>
+          <p:cNvPr id="13" name="Oggetto 12"/>
+          <p:cNvGraphicFramePr>
+            <a:graphicFrameLocks noChangeAspect="1"/>
+          </p:cNvGraphicFramePr>
+          <p:nvPr>
+            <p:extLst>
+              <p:ext uri="{D42A27DB-BD31-4B8C-83A1-F6EECF244321}">
+                <p14:modId xmlns:p14="http://schemas.microsoft.com/office/powerpoint/2010/main" val="149716300"/>
+              </p:ext>
+            </p:extLst>
+          </p:nvPr>
+        </p:nvGraphicFramePr>
+        <p:xfrm>
+          <a:off x="4288979" y="867086"/>
+          <a:ext cx="3264190" cy="355171"/>
+        </p:xfrm>
+        <a:graphic>
+          <a:graphicData uri="http://schemas.openxmlformats.org/presentationml/2006/ole">
+            <mc:AlternateContent xmlns:mc="http://schemas.openxmlformats.org/markup-compatibility/2006">
+              <mc:Choice xmlns:v="urn:schemas-microsoft-com:vml" Requires="v">
+                <p:oleObj spid="_x0000_s12421" name="Equazione" r:id="rId8" imgW="1841500" imgH="203200" progId="Equation.3">
+                  <p:embed/>
+                </p:oleObj>
+              </mc:Choice>
+              <mc:Fallback>
+                <p:oleObj name="Equazione" r:id="rId8" imgW="1841500" imgH="203200" progId="Equation.3">
+                  <p:embed/>
+                  <p:pic>
+                    <p:nvPicPr>
+                      <p:cNvPr id="13" name="Oggetto 12"/>
+                      <p:cNvPicPr>
+                        <a:picLocks noChangeAspect="1" noChangeArrowheads="1"/>
+                      </p:cNvPicPr>
+                      <p:nvPr/>
+                    </p:nvPicPr>
+                    <p:blipFill>
+                      <a:blip r:embed="rId9">
+                        <a:extLst>
+                          <a:ext uri="{28A0092B-C50C-407E-A947-70E740481C1C}">
+                            <a14:useLocalDpi xmlns:a14="http://schemas.microsoft.com/office/drawing/2010/main" val="0"/>
+                          </a:ext>
+                        </a:extLst>
+                      </a:blip>
+                      <a:srcRect/>
+                      <a:stretch>
+                        <a:fillRect/>
+                      </a:stretch>
+                    </p:blipFill>
+                    <p:spPr bwMode="auto">
+                      <a:xfrm>
+                        <a:off x="4288979" y="867086"/>
+                        <a:ext cx="3264190" cy="355171"/>
+                      </a:xfrm>
+                      <a:prstGeom prst="rect">
+                        <a:avLst/>
+                      </a:prstGeom>
+                      <a:noFill/>
+                    </p:spPr>
+                  </p:pic>
+                </p:oleObj>
+              </mc:Fallback>
+            </mc:AlternateContent>
+          </a:graphicData>
+        </a:graphic>
+      </p:graphicFrame>
+      <p:sp>
+        <p:nvSpPr>
+          <p:cNvPr id="4" name="CasellaDiTesto 3"/>
+          <p:cNvSpPr txBox="1"/>
+          <p:nvPr/>
+        </p:nvSpPr>
+        <p:spPr>
+          <a:xfrm>
+            <a:off x="2215550" y="852891"/>
+            <a:ext cx="2213426" cy="369332"/>
+          </a:xfrm>
+          <a:prstGeom prst="rect">
+            <a:avLst/>
+          </a:prstGeom>
+          <a:noFill/>
+        </p:spPr>
+        <p:txBody>
+          <a:bodyPr wrap="none" rtlCol="0">
+            <a:spAutoFit/>
+          </a:bodyPr>
+          <a:lstStyle/>
+          <a:p>
+            <a:r>
+              <a:rPr lang="it-IT" dirty="0"/>
+              <a:t>Steady state: </a:t>
+            </a:r>
+            <a:r>
+              <a:rPr lang="it-IT" dirty="0" err="1"/>
+              <a:t>identify</a:t>
+            </a:r>
+            <a:r>
+              <a:rPr lang="it-IT" dirty="0"/>
+              <a:t> </a:t>
+            </a:r>
+          </a:p>
+        </p:txBody>
+      </p:sp>
+      <p:cxnSp>
+        <p:nvCxnSpPr>
+          <p:cNvPr id="9" name="Connettore 2 8"/>
+          <p:cNvCxnSpPr>
+            <a:stCxn id="10" idx="1"/>
+          </p:cNvCxnSpPr>
+          <p:nvPr/>
+        </p:nvCxnSpPr>
+        <p:spPr>
+          <a:xfrm flipH="1">
+            <a:off x="6716684" y="1396538"/>
+            <a:ext cx="1209200" cy="415637"/>
+          </a:xfrm>
+          <a:prstGeom prst="straightConnector1">
+            <a:avLst/>
+          </a:prstGeom>
+          <a:ln>
+            <a:tailEnd type="triangle"/>
+          </a:ln>
+        </p:spPr>
+        <p:style>
+          <a:lnRef idx="1">
+            <a:schemeClr val="accent1"/>
+          </a:lnRef>
+          <a:fillRef idx="0">
+            <a:schemeClr val="accent1"/>
+          </a:fillRef>
+          <a:effectRef idx="0">
+            <a:schemeClr val="accent1"/>
+          </a:effectRef>
+          <a:fontRef idx="minor">
+            <a:schemeClr val="tx1"/>
+          </a:fontRef>
+        </p:style>
+      </p:cxnSp>
+      <p:sp>
+        <p:nvSpPr>
+          <p:cNvPr id="10" name="CasellaDiTesto 9"/>
+          <p:cNvSpPr txBox="1"/>
+          <p:nvPr/>
+        </p:nvSpPr>
+        <p:spPr>
+          <a:xfrm>
+            <a:off x="7925884" y="1211872"/>
+            <a:ext cx="888385" cy="369332"/>
+          </a:xfrm>
+          <a:prstGeom prst="rect">
+            <a:avLst/>
+          </a:prstGeom>
+          <a:noFill/>
+          <a:ln>
+            <a:solidFill>
+              <a:schemeClr val="accent1"/>
+            </a:solidFill>
+          </a:ln>
+        </p:spPr>
+        <p:txBody>
+          <a:bodyPr wrap="none" rtlCol="0">
+            <a:spAutoFit/>
+          </a:bodyPr>
+          <a:lstStyle/>
+          <a:p>
+            <a:r>
+              <a:rPr lang="it-IT" dirty="0"/>
+              <a:t>Voltage</a:t>
+            </a:r>
+          </a:p>
+        </p:txBody>
+      </p:sp>
+      <p:cxnSp>
+        <p:nvCxnSpPr>
+          <p:cNvPr id="37" name="Connettore 2 36"/>
+          <p:cNvCxnSpPr>
+            <a:stCxn id="44" idx="1"/>
+          </p:cNvCxnSpPr>
+          <p:nvPr/>
+        </p:nvCxnSpPr>
+        <p:spPr>
+          <a:xfrm flipH="1">
+            <a:off x="6991004" y="1996841"/>
+            <a:ext cx="961512" cy="567183"/>
+          </a:xfrm>
+          <a:prstGeom prst="straightConnector1">
+            <a:avLst/>
+          </a:prstGeom>
+          <a:ln>
+            <a:solidFill>
+              <a:schemeClr val="accent2"/>
+            </a:solidFill>
+            <a:tailEnd type="triangle"/>
+          </a:ln>
+        </p:spPr>
+        <p:style>
+          <a:lnRef idx="1">
+            <a:schemeClr val="accent1"/>
+          </a:lnRef>
+          <a:fillRef idx="0">
+            <a:schemeClr val="accent1"/>
+          </a:fillRef>
+          <a:effectRef idx="0">
+            <a:schemeClr val="accent1"/>
+          </a:effectRef>
+          <a:fontRef idx="minor">
+            <a:schemeClr val="tx1"/>
+          </a:fontRef>
+        </p:style>
+      </p:cxnSp>
+      <p:sp>
+        <p:nvSpPr>
+          <p:cNvPr id="44" name="CasellaDiTesto 43"/>
+          <p:cNvSpPr txBox="1"/>
+          <p:nvPr/>
+        </p:nvSpPr>
+        <p:spPr>
+          <a:xfrm>
+            <a:off x="7952516" y="1812175"/>
+            <a:ext cx="899285" cy="369332"/>
+          </a:xfrm>
+          <a:prstGeom prst="rect">
+            <a:avLst/>
+          </a:prstGeom>
+          <a:noFill/>
+          <a:ln>
+            <a:solidFill>
+              <a:schemeClr val="accent2"/>
+            </a:solidFill>
+          </a:ln>
+        </p:spPr>
+        <p:txBody>
+          <a:bodyPr wrap="none" rtlCol="0">
+            <a:spAutoFit/>
+          </a:bodyPr>
+          <a:lstStyle/>
+          <a:p>
+            <a:r>
+              <a:rPr lang="it-IT" dirty="0" err="1"/>
+              <a:t>Current</a:t>
+            </a:r>
+            <a:endParaRPr lang="it-IT" dirty="0"/>
+          </a:p>
+        </p:txBody>
+      </p:sp>
+      <p:cxnSp>
+        <p:nvCxnSpPr>
+          <p:cNvPr id="26" name="Connettore diritto 25"/>
+          <p:cNvCxnSpPr/>
+          <p:nvPr/>
+        </p:nvCxnSpPr>
+        <p:spPr>
+          <a:xfrm>
+            <a:off x="3865417" y="1396537"/>
+            <a:ext cx="0" cy="3956859"/>
+          </a:xfrm>
+          <a:prstGeom prst="line">
+            <a:avLst/>
+          </a:prstGeom>
+          <a:ln w="63500">
+            <a:solidFill>
+              <a:schemeClr val="accent5">
+                <a:lumMod val="50000"/>
+              </a:schemeClr>
+            </a:solidFill>
+          </a:ln>
+        </p:spPr>
+        <p:style>
+          <a:lnRef idx="3">
+            <a:schemeClr val="accent6"/>
+          </a:lnRef>
+          <a:fillRef idx="0">
+            <a:schemeClr val="accent6"/>
+          </a:fillRef>
+          <a:effectRef idx="2">
+            <a:schemeClr val="accent6"/>
+          </a:effectRef>
+          <a:fontRef idx="minor">
+            <a:schemeClr val="tx1"/>
+          </a:fontRef>
+        </p:style>
+      </p:cxnSp>
+      <p:grpSp>
+        <p:nvGrpSpPr>
+          <p:cNvPr id="46" name="Gruppo 45"/>
+          <p:cNvGrpSpPr/>
+          <p:nvPr/>
+        </p:nvGrpSpPr>
+        <p:grpSpPr>
+          <a:xfrm>
+            <a:off x="2687544" y="4170504"/>
+            <a:ext cx="1122180" cy="478272"/>
+            <a:chOff x="2798273" y="1113053"/>
+            <a:chExt cx="8919303" cy="478272"/>
+          </a:xfrm>
+        </p:grpSpPr>
+        <p:sp>
+          <p:nvSpPr>
+            <p:cNvPr id="48" name="Rettangolo arrotondato 47"/>
+            <p:cNvSpPr/>
+            <p:nvPr/>
+          </p:nvSpPr>
+          <p:spPr>
+            <a:xfrm>
+              <a:off x="2798273" y="1113053"/>
+              <a:ext cx="8919303" cy="478272"/>
+            </a:xfrm>
+            <a:prstGeom prst="roundRect">
+              <a:avLst/>
+            </a:prstGeom>
+            <a:solidFill>
+              <a:schemeClr val="bg2"/>
+            </a:solidFill>
+          </p:spPr>
+          <p:style>
+            <a:lnRef idx="2">
+              <a:schemeClr val="accent1">
+                <a:shade val="50000"/>
+              </a:schemeClr>
+            </a:lnRef>
+            <a:fillRef idx="1">
+              <a:schemeClr val="accent1"/>
+            </a:fillRef>
+            <a:effectRef idx="0">
+              <a:schemeClr val="accent1"/>
+            </a:effectRef>
+            <a:fontRef idx="minor">
+              <a:schemeClr val="lt1"/>
+            </a:fontRef>
+          </p:style>
+          <p:txBody>
+            <a:bodyPr rtlCol="0" anchor="ctr"/>
+            <a:lstStyle/>
+            <a:p>
+              <a:pPr algn="ctr"/>
+              <a:endParaRPr lang="en-GB" dirty="0"/>
+            </a:p>
+          </p:txBody>
+        </p:sp>
+        <p:sp>
+          <p:nvSpPr>
+            <p:cNvPr id="50" name="Rettangolo 49"/>
+            <p:cNvSpPr/>
+            <p:nvPr/>
+          </p:nvSpPr>
+          <p:spPr>
+            <a:xfrm>
+              <a:off x="2904321" y="1165276"/>
+              <a:ext cx="8813255" cy="369332"/>
+            </a:xfrm>
+            <a:prstGeom prst="rect">
+              <a:avLst/>
+            </a:prstGeom>
+          </p:spPr>
+          <p:txBody>
+            <a:bodyPr wrap="square">
+              <a:spAutoFit/>
+            </a:bodyPr>
+            <a:lstStyle/>
+            <a:p>
+              <a:r>
+                <a:rPr lang="en-GB" dirty="0"/>
+                <a:t>Transient</a:t>
+              </a:r>
+            </a:p>
+          </p:txBody>
+        </p:sp>
+      </p:grpSp>
+      <p:grpSp>
+        <p:nvGrpSpPr>
+          <p:cNvPr id="51" name="Gruppo 50"/>
+          <p:cNvGrpSpPr/>
+          <p:nvPr/>
+        </p:nvGrpSpPr>
+        <p:grpSpPr>
+          <a:xfrm>
+            <a:off x="5057711" y="4168257"/>
+            <a:ext cx="1372189" cy="478272"/>
+            <a:chOff x="2798273" y="1113053"/>
+            <a:chExt cx="8919303" cy="478272"/>
+          </a:xfrm>
+        </p:grpSpPr>
+        <p:sp>
+          <p:nvSpPr>
+            <p:cNvPr id="52" name="Rettangolo arrotondato 51"/>
+            <p:cNvSpPr/>
+            <p:nvPr/>
+          </p:nvSpPr>
+          <p:spPr>
+            <a:xfrm>
+              <a:off x="2798273" y="1113053"/>
+              <a:ext cx="8919303" cy="478272"/>
+            </a:xfrm>
+            <a:prstGeom prst="roundRect">
+              <a:avLst/>
+            </a:prstGeom>
+            <a:solidFill>
+              <a:schemeClr val="bg2"/>
+            </a:solidFill>
+          </p:spPr>
+          <p:style>
+            <a:lnRef idx="2">
+              <a:schemeClr val="accent1">
+                <a:shade val="50000"/>
+              </a:schemeClr>
+            </a:lnRef>
+            <a:fillRef idx="1">
+              <a:schemeClr val="accent1"/>
+            </a:fillRef>
+            <a:effectRef idx="0">
+              <a:schemeClr val="accent1"/>
+            </a:effectRef>
+            <a:fontRef idx="minor">
+              <a:schemeClr val="lt1"/>
+            </a:fontRef>
+          </p:style>
+          <p:txBody>
+            <a:bodyPr rtlCol="0" anchor="ctr"/>
+            <a:lstStyle/>
+            <a:p>
+              <a:pPr algn="ctr"/>
+              <a:endParaRPr lang="en-GB" dirty="0"/>
+            </a:p>
+          </p:txBody>
+        </p:sp>
+        <p:sp>
+          <p:nvSpPr>
+            <p:cNvPr id="53" name="Rettangolo 52"/>
+            <p:cNvSpPr/>
+            <p:nvPr/>
+          </p:nvSpPr>
+          <p:spPr>
+            <a:xfrm>
+              <a:off x="2904321" y="1165276"/>
+              <a:ext cx="8813255" cy="369332"/>
+            </a:xfrm>
+            <a:prstGeom prst="rect">
+              <a:avLst/>
+            </a:prstGeom>
+          </p:spPr>
+          <p:txBody>
+            <a:bodyPr wrap="square">
+              <a:spAutoFit/>
+            </a:bodyPr>
+            <a:lstStyle/>
+            <a:p>
+              <a:r>
+                <a:rPr lang="en-GB" dirty="0"/>
+                <a:t>Steady state</a:t>
+              </a:r>
+            </a:p>
+          </p:txBody>
+        </p:sp>
+      </p:grpSp>
+    </p:spTree>
+    <p:extLst>
+      <p:ext uri="{BB962C8B-B14F-4D97-AF65-F5344CB8AC3E}">
+        <p14:creationId xmlns:p14="http://schemas.microsoft.com/office/powerpoint/2010/main" val="4288432972"/>
+      </p:ext>
+    </p:extLst>
+  </p:cSld>
+  <p:clrMapOvr>
+    <a:masterClrMapping/>
+  </p:clrMapOvr>
+  <p:transition spd="slow">
+    <p:cut/>
+  </p:transition>
+</p:sld>
+</file>
+
+<file path=ppt/slides/slide13.xml><?xml version="1.0" encoding="utf-8"?>
 <p:sld xmlns:a="http://schemas.openxmlformats.org/drawingml/2006/main" xmlns:r="http://schemas.openxmlformats.org/officeDocument/2006/relationships" xmlns:p="http://schemas.openxmlformats.org/presentationml/2006/main">
   <p:cSld>
     <p:spTree>
@@ -6707,7 +8605,9 @@
       <p:pic>
         <p:nvPicPr>
           <p:cNvPr id="47" name="Immagine 46" descr="C:\Users\user\Documents\GitHub\linearVibrationsControl\finalReport\parts\Identification\img\motor_validation.png"/>
-          <p:cNvPicPr/>
+          <p:cNvPicPr>
+            <a:picLocks noChangeAspect="1"/>
+          </p:cNvPicPr>
           <p:nvPr/>
         </p:nvPicPr>
         <p:blipFill>
@@ -6725,8 +8625,8 @@
         </p:blipFill>
         <p:spPr bwMode="auto">
           <a:xfrm>
-            <a:off x="1415501" y="3520433"/>
-            <a:ext cx="4451846" cy="3083294"/>
+            <a:off x="878954" y="1886369"/>
+            <a:ext cx="6844536" cy="4740442"/>
           </a:xfrm>
           <a:prstGeom prst="rect">
             <a:avLst/>
@@ -6768,7 +8668,7 @@
                   <a:srgbClr val="003366"/>
                 </a:solidFill>
               </a:rPr>
-              <a:t>Identification: validation cost function</a:t>
+              <a:t>Motor identification: inductance</a:t>
             </a:r>
           </a:p>
         </p:txBody>
@@ -6965,9 +8865,338 @@
           </a:p>
         </p:txBody>
       </p:sp>
+      <p:graphicFrame>
+        <p:nvGraphicFramePr>
+          <p:cNvPr id="14" name="Oggetto 13"/>
+          <p:cNvGraphicFramePr>
+            <a:graphicFrameLocks noChangeAspect="1"/>
+          </p:cNvGraphicFramePr>
+          <p:nvPr>
+            <p:extLst>
+              <p:ext uri="{D42A27DB-BD31-4B8C-83A1-F6EECF244321}">
+                <p14:modId xmlns:p14="http://schemas.microsoft.com/office/powerpoint/2010/main" val="979431262"/>
+              </p:ext>
+            </p:extLst>
+          </p:nvPr>
+        </p:nvGraphicFramePr>
+        <p:xfrm>
+          <a:off x="4174204" y="802043"/>
+          <a:ext cx="1717782" cy="572594"/>
+        </p:xfrm>
+        <a:graphic>
+          <a:graphicData uri="http://schemas.openxmlformats.org/presentationml/2006/ole">
+            <mc:AlternateContent xmlns:mc="http://schemas.openxmlformats.org/markup-compatibility/2006">
+              <mc:Choice xmlns:v="urn:schemas-microsoft-com:vml" Requires="v">
+                <p:oleObj spid="_x0000_s15437" name="Equazione" r:id="rId8" imgW="1167893" imgH="393529" progId="Equation.3">
+                  <p:embed/>
+                </p:oleObj>
+              </mc:Choice>
+              <mc:Fallback>
+                <p:oleObj name="Equazione" r:id="rId8" imgW="1167893" imgH="393529" progId="Equation.3">
+                  <p:embed/>
+                  <p:pic>
+                    <p:nvPicPr>
+                      <p:cNvPr id="14" name="Oggetto 13"/>
+                      <p:cNvPicPr>
+                        <a:picLocks noChangeAspect="1" noChangeArrowheads="1"/>
+                      </p:cNvPicPr>
+                      <p:nvPr/>
+                    </p:nvPicPr>
+                    <p:blipFill>
+                      <a:blip r:embed="rId9">
+                        <a:extLst>
+                          <a:ext uri="{28A0092B-C50C-407E-A947-70E740481C1C}">
+                            <a14:useLocalDpi xmlns:a14="http://schemas.microsoft.com/office/drawing/2010/main" val="0"/>
+                          </a:ext>
+                        </a:extLst>
+                      </a:blip>
+                      <a:srcRect/>
+                      <a:stretch>
+                        <a:fillRect/>
+                      </a:stretch>
+                    </p:blipFill>
+                    <p:spPr bwMode="auto">
+                      <a:xfrm>
+                        <a:off x="4174204" y="802043"/>
+                        <a:ext cx="1717782" cy="572594"/>
+                      </a:xfrm>
+                      <a:prstGeom prst="rect">
+                        <a:avLst/>
+                      </a:prstGeom>
+                      <a:noFill/>
+                    </p:spPr>
+                  </p:pic>
+                </p:oleObj>
+              </mc:Fallback>
+            </mc:AlternateContent>
+          </a:graphicData>
+        </a:graphic>
+      </p:graphicFrame>
+      <p:graphicFrame>
+        <p:nvGraphicFramePr>
+          <p:cNvPr id="16" name="Oggetto 15"/>
+          <p:cNvGraphicFramePr>
+            <a:graphicFrameLocks noChangeAspect="1"/>
+          </p:cNvGraphicFramePr>
+          <p:nvPr>
+            <p:extLst>
+              <p:ext uri="{D42A27DB-BD31-4B8C-83A1-F6EECF244321}">
+                <p14:modId xmlns:p14="http://schemas.microsoft.com/office/powerpoint/2010/main" val="2339216678"/>
+              </p:ext>
+            </p:extLst>
+          </p:nvPr>
+        </p:nvGraphicFramePr>
+        <p:xfrm>
+          <a:off x="4518466" y="1412888"/>
+          <a:ext cx="1179209" cy="508922"/>
+        </p:xfrm>
+        <a:graphic>
+          <a:graphicData uri="http://schemas.openxmlformats.org/presentationml/2006/ole">
+            <mc:AlternateContent xmlns:mc="http://schemas.openxmlformats.org/markup-compatibility/2006">
+              <mc:Choice xmlns:v="urn:schemas-microsoft-com:vml" Requires="v">
+                <p:oleObj spid="_x0000_s15438" name="Equazione" r:id="rId10" imgW="901309" imgH="393529" progId="Equation.3">
+                  <p:embed/>
+                </p:oleObj>
+              </mc:Choice>
+              <mc:Fallback>
+                <p:oleObj name="Equazione" r:id="rId10" imgW="901309" imgH="393529" progId="Equation.3">
+                  <p:embed/>
+                  <p:pic>
+                    <p:nvPicPr>
+                      <p:cNvPr id="16" name="Oggetto 15"/>
+                      <p:cNvPicPr>
+                        <a:picLocks noChangeAspect="1" noChangeArrowheads="1"/>
+                      </p:cNvPicPr>
+                      <p:nvPr/>
+                    </p:nvPicPr>
+                    <p:blipFill>
+                      <a:blip r:embed="rId11">
+                        <a:extLst>
+                          <a:ext uri="{28A0092B-C50C-407E-A947-70E740481C1C}">
+                            <a14:useLocalDpi xmlns:a14="http://schemas.microsoft.com/office/drawing/2010/main" val="0"/>
+                          </a:ext>
+                        </a:extLst>
+                      </a:blip>
+                      <a:srcRect/>
+                      <a:stretch>
+                        <a:fillRect/>
+                      </a:stretch>
+                    </p:blipFill>
+                    <p:spPr bwMode="auto">
+                      <a:xfrm>
+                        <a:off x="4518466" y="1412888"/>
+                        <a:ext cx="1179209" cy="508922"/>
+                      </a:xfrm>
+                      <a:prstGeom prst="rect">
+                        <a:avLst/>
+                      </a:prstGeom>
+                      <a:noFill/>
+                    </p:spPr>
+                  </p:pic>
+                </p:oleObj>
+              </mc:Fallback>
+            </mc:AlternateContent>
+          </a:graphicData>
+        </a:graphic>
+      </p:graphicFrame>
+      <p:graphicFrame>
+        <p:nvGraphicFramePr>
+          <p:cNvPr id="19" name="Oggetto 18"/>
+          <p:cNvGraphicFramePr>
+            <a:graphicFrameLocks noChangeAspect="1"/>
+          </p:cNvGraphicFramePr>
+          <p:nvPr>
+            <p:extLst>
+              <p:ext uri="{D42A27DB-BD31-4B8C-83A1-F6EECF244321}">
+                <p14:modId xmlns:p14="http://schemas.microsoft.com/office/powerpoint/2010/main" val="3347964650"/>
+              </p:ext>
+            </p:extLst>
+          </p:nvPr>
+        </p:nvGraphicFramePr>
+        <p:xfrm>
+          <a:off x="7621246" y="912827"/>
+          <a:ext cx="2727069" cy="360179"/>
+        </p:xfrm>
+        <a:graphic>
+          <a:graphicData uri="http://schemas.openxmlformats.org/presentationml/2006/ole">
+            <mc:AlternateContent xmlns:mc="http://schemas.openxmlformats.org/markup-compatibility/2006">
+              <mc:Choice xmlns:v="urn:schemas-microsoft-com:vml" Requires="v">
+                <p:oleObj spid="_x0000_s15439" name="Equazione" r:id="rId12" imgW="1511300" imgH="203200" progId="Equation.3">
+                  <p:embed/>
+                </p:oleObj>
+              </mc:Choice>
+              <mc:Fallback>
+                <p:oleObj name="Equazione" r:id="rId12" imgW="1511300" imgH="203200" progId="Equation.3">
+                  <p:embed/>
+                  <p:pic>
+                    <p:nvPicPr>
+                      <p:cNvPr id="19" name="Oggetto 18"/>
+                      <p:cNvPicPr>
+                        <a:picLocks noChangeAspect="1" noChangeArrowheads="1"/>
+                      </p:cNvPicPr>
+                      <p:nvPr/>
+                    </p:nvPicPr>
+                    <p:blipFill>
+                      <a:blip r:embed="rId13">
+                        <a:extLst>
+                          <a:ext uri="{28A0092B-C50C-407E-A947-70E740481C1C}">
+                            <a14:useLocalDpi xmlns:a14="http://schemas.microsoft.com/office/drawing/2010/main" val="0"/>
+                          </a:ext>
+                        </a:extLst>
+                      </a:blip>
+                      <a:srcRect/>
+                      <a:stretch>
+                        <a:fillRect/>
+                      </a:stretch>
+                    </p:blipFill>
+                    <p:spPr bwMode="auto">
+                      <a:xfrm>
+                        <a:off x="7621246" y="912827"/>
+                        <a:ext cx="2727069" cy="360179"/>
+                      </a:xfrm>
+                      <a:prstGeom prst="rect">
+                        <a:avLst/>
+                      </a:prstGeom>
+                      <a:noFill/>
+                    </p:spPr>
+                  </p:pic>
+                </p:oleObj>
+              </mc:Fallback>
+            </mc:AlternateContent>
+          </a:graphicData>
+        </a:graphic>
+      </p:graphicFrame>
+      <p:graphicFrame>
+        <p:nvGraphicFramePr>
+          <p:cNvPr id="20" name="Oggetto 19"/>
+          <p:cNvGraphicFramePr>
+            <a:graphicFrameLocks noChangeAspect="1"/>
+          </p:cNvGraphicFramePr>
+          <p:nvPr>
+            <p:extLst>
+              <p:ext uri="{D42A27DB-BD31-4B8C-83A1-F6EECF244321}">
+                <p14:modId xmlns:p14="http://schemas.microsoft.com/office/powerpoint/2010/main" val="927427361"/>
+              </p:ext>
+            </p:extLst>
+          </p:nvPr>
+        </p:nvGraphicFramePr>
+        <p:xfrm>
+          <a:off x="7483536" y="2663165"/>
+          <a:ext cx="1064119" cy="375571"/>
+        </p:xfrm>
+        <a:graphic>
+          <a:graphicData uri="http://schemas.openxmlformats.org/presentationml/2006/ole">
+            <mc:AlternateContent xmlns:mc="http://schemas.openxmlformats.org/markup-compatibility/2006">
+              <mc:Choice xmlns:v="urn:schemas-microsoft-com:vml" Requires="v">
+                <p:oleObj spid="_x0000_s15440" name="Equazione" r:id="rId14" imgW="647640" imgH="228600" progId="Equation.3">
+                  <p:embed/>
+                </p:oleObj>
+              </mc:Choice>
+              <mc:Fallback>
+                <p:oleObj name="Equazione" r:id="rId14" imgW="647640" imgH="228600" progId="Equation.3">
+                  <p:embed/>
+                  <p:pic>
+                    <p:nvPicPr>
+                      <p:cNvPr id="20" name="Oggetto 19"/>
+                      <p:cNvPicPr>
+                        <a:picLocks noChangeAspect="1" noChangeArrowheads="1"/>
+                      </p:cNvPicPr>
+                      <p:nvPr/>
+                    </p:nvPicPr>
+                    <p:blipFill>
+                      <a:blip r:embed="rId15"/>
+                      <a:srcRect/>
+                      <a:stretch>
+                        <a:fillRect/>
+                      </a:stretch>
+                    </p:blipFill>
+                    <p:spPr bwMode="auto">
+                      <a:xfrm>
+                        <a:off x="7483536" y="2663165"/>
+                        <a:ext cx="1064119" cy="375571"/>
+                      </a:xfrm>
+                      <a:prstGeom prst="rect">
+                        <a:avLst/>
+                      </a:prstGeom>
+                      <a:noFill/>
+                    </p:spPr>
+                  </p:pic>
+                </p:oleObj>
+              </mc:Fallback>
+            </mc:AlternateContent>
+          </a:graphicData>
+        </a:graphic>
+      </p:graphicFrame>
+      <p:graphicFrame>
+        <p:nvGraphicFramePr>
+          <p:cNvPr id="22" name="Oggetto 21"/>
+          <p:cNvGraphicFramePr>
+            <a:graphicFrameLocks noChangeAspect="1"/>
+          </p:cNvGraphicFramePr>
+          <p:nvPr>
+            <p:extLst>
+              <p:ext uri="{D42A27DB-BD31-4B8C-83A1-F6EECF244321}">
+                <p14:modId xmlns:p14="http://schemas.microsoft.com/office/powerpoint/2010/main" val="4261224269"/>
+              </p:ext>
+            </p:extLst>
+          </p:nvPr>
+        </p:nvGraphicFramePr>
+        <p:xfrm>
+          <a:off x="8770303" y="2656502"/>
+          <a:ext cx="1458372" cy="376354"/>
+        </p:xfrm>
+        <a:graphic>
+          <a:graphicData uri="http://schemas.openxmlformats.org/presentationml/2006/ole">
+            <mc:AlternateContent xmlns:mc="http://schemas.openxmlformats.org/markup-compatibility/2006">
+              <mc:Choice xmlns:v="urn:schemas-microsoft-com:vml" Requires="v">
+                <p:oleObj spid="_x0000_s15441" name="Equazione" r:id="rId16" imgW="889000" imgH="228600" progId="Equation.3">
+                  <p:embed/>
+                </p:oleObj>
+              </mc:Choice>
+              <mc:Fallback>
+                <p:oleObj name="Equazione" r:id="rId16" imgW="889000" imgH="228600" progId="Equation.3">
+                  <p:embed/>
+                  <p:pic>
+                    <p:nvPicPr>
+                      <p:cNvPr id="22" name="Oggetto 21"/>
+                      <p:cNvPicPr>
+                        <a:picLocks noChangeAspect="1" noChangeArrowheads="1"/>
+                      </p:cNvPicPr>
+                      <p:nvPr/>
+                    </p:nvPicPr>
+                    <p:blipFill>
+                      <a:blip r:embed="rId17">
+                        <a:extLst>
+                          <a:ext uri="{28A0092B-C50C-407E-A947-70E740481C1C}">
+                            <a14:useLocalDpi xmlns:a14="http://schemas.microsoft.com/office/drawing/2010/main" val="0"/>
+                          </a:ext>
+                        </a:extLst>
+                      </a:blip>
+                      <a:srcRect/>
+                      <a:stretch>
+                        <a:fillRect/>
+                      </a:stretch>
+                    </p:blipFill>
+                    <p:spPr bwMode="auto">
+                      <a:xfrm>
+                        <a:off x="8770303" y="2656502"/>
+                        <a:ext cx="1458372" cy="376354"/>
+                      </a:xfrm>
+                      <a:prstGeom prst="rect">
+                        <a:avLst/>
+                      </a:prstGeom>
+                      <a:noFill/>
+                    </p:spPr>
+                  </p:pic>
+                </p:oleObj>
+              </mc:Fallback>
+            </mc:AlternateContent>
+          </a:graphicData>
+        </a:graphic>
+      </p:graphicFrame>
       <p:sp>
         <p:nvSpPr>
-          <p:cNvPr id="45" name="Rectangle 39"/>
+          <p:cNvPr id="25" name="Rectangle 10"/>
           <p:cNvSpPr>
             <a:spLocks noChangeArrowheads="1"/>
           </p:cNvSpPr>
@@ -6975,8 +9204,8 @@
         </p:nvSpPr>
         <p:spPr bwMode="auto">
           <a:xfrm>
-            <a:off x="2106219" y="1929660"/>
-            <a:ext cx="12192000" cy="457200"/>
+            <a:off x="1606450" y="903674"/>
+            <a:ext cx="2567754" cy="369332"/>
           </a:xfrm>
           <a:prstGeom prst="rect">
             <a:avLst/>
@@ -7024,13 +9253,112 @@
           </a:bodyPr>
           <a:lstStyle/>
           <a:p>
-            <a:endParaRPr lang="en-US"/>
+            <a:pPr marL="0" marR="0" lvl="0" indent="0" algn="l" defTabSz="914400" rtl="0" eaLnBrk="0" fontAlgn="base" latinLnBrk="0" hangingPunct="0">
+              <a:lnSpc>
+                <a:spcPct val="100000"/>
+              </a:lnSpc>
+              <a:spcBef>
+                <a:spcPct val="0"/>
+              </a:spcBef>
+              <a:spcAft>
+                <a:spcPct val="0"/>
+              </a:spcAft>
+              <a:buClrTx/>
+              <a:buSzTx/>
+              <a:buFontTx/>
+              <a:buNone/>
+              <a:tabLst/>
+            </a:pPr>
+            <a:r>
+              <a:rPr kumimoji="0" lang="en-US" altLang="en-US" sz="1800" b="0" i="0" u="none" strike="noStrike" cap="none" normalizeH="0" baseline="0" dirty="0" err="1">
+                <a:ln>
+                  <a:noFill/>
+                </a:ln>
+                <a:solidFill>
+                  <a:schemeClr val="tx1"/>
+                </a:solidFill>
+                <a:effectLst/>
+                <a:latin typeface="Calibri" panose="020F0502020204030204" pitchFamily="34" charset="0"/>
+                <a:ea typeface="Calibri" panose="020F0502020204030204" pitchFamily="34" charset="0"/>
+                <a:cs typeface="Times New Roman" panose="02020603050405020304" pitchFamily="18" charset="0"/>
+              </a:rPr>
+              <a:t>Matlab</a:t>
+            </a:r>
+            <a:r>
+              <a:rPr kumimoji="0" lang="en-US" altLang="en-US" sz="1800" b="0" i="0" u="none" strike="noStrike" cap="none" normalizeH="0" baseline="0" dirty="0">
+                <a:ln>
+                  <a:noFill/>
+                </a:ln>
+                <a:solidFill>
+                  <a:schemeClr val="tx1"/>
+                </a:solidFill>
+                <a:effectLst/>
+                <a:latin typeface="Calibri" panose="020F0502020204030204" pitchFamily="34" charset="0"/>
+                <a:ea typeface="Calibri" panose="020F0502020204030204" pitchFamily="34" charset="0"/>
+                <a:cs typeface="Times New Roman" panose="02020603050405020304" pitchFamily="18" charset="0"/>
+              </a:rPr>
+              <a:t> </a:t>
+            </a:r>
+            <a:r>
+              <a:rPr kumimoji="0" lang="en-US" altLang="en-US" sz="1800" b="0" u="none" strike="noStrike" cap="none" normalizeH="0" baseline="0" dirty="0" err="1">
+                <a:ln>
+                  <a:noFill/>
+                </a:ln>
+                <a:solidFill>
+                  <a:schemeClr val="tx1"/>
+                </a:solidFill>
+                <a:effectLst/>
+                <a:latin typeface="Lucida Calligraphy" panose="03010101010101010101" pitchFamily="66" charset="0"/>
+                <a:ea typeface="Calibri" panose="020F0502020204030204" pitchFamily="34" charset="0"/>
+                <a:cs typeface="Times New Roman" panose="02020603050405020304" pitchFamily="18" charset="0"/>
+              </a:rPr>
+              <a:t>tfest</a:t>
+            </a:r>
+            <a:r>
+              <a:rPr kumimoji="0" lang="en-US" altLang="en-US" sz="1800" b="0" u="none" strike="noStrike" cap="none" normalizeH="0" baseline="0" dirty="0">
+                <a:ln>
+                  <a:noFill/>
+                </a:ln>
+                <a:solidFill>
+                  <a:schemeClr val="tx1"/>
+                </a:solidFill>
+                <a:effectLst/>
+                <a:latin typeface="Calibri" panose="020F0502020204030204" pitchFamily="34" charset="0"/>
+                <a:ea typeface="Calibri" panose="020F0502020204030204" pitchFamily="34" charset="0"/>
+                <a:cs typeface="Times New Roman" panose="02020603050405020304" pitchFamily="18" charset="0"/>
+              </a:rPr>
+              <a:t> </a:t>
+            </a:r>
+            <a:r>
+              <a:rPr kumimoji="0" lang="en-US" altLang="en-US" sz="1800" b="0" i="0" u="none" strike="noStrike" cap="none" normalizeH="0" baseline="0" dirty="0">
+                <a:ln>
+                  <a:noFill/>
+                </a:ln>
+                <a:solidFill>
+                  <a:schemeClr val="tx1"/>
+                </a:solidFill>
+                <a:effectLst/>
+                <a:latin typeface="Calibri" panose="020F0502020204030204" pitchFamily="34" charset="0"/>
+                <a:ea typeface="Calibri" panose="020F0502020204030204" pitchFamily="34" charset="0"/>
+                <a:cs typeface="Times New Roman" panose="02020603050405020304" pitchFamily="18" charset="0"/>
+              </a:rPr>
+              <a:t>(first order)</a:t>
+            </a:r>
+            <a:endParaRPr kumimoji="0" lang="en-US" altLang="en-US" sz="800" b="0" i="0" u="none" strike="noStrike" cap="none" normalizeH="0" baseline="0" dirty="0">
+              <a:ln>
+                <a:noFill/>
+              </a:ln>
+              <a:solidFill>
+                <a:schemeClr val="tx1"/>
+              </a:solidFill>
+              <a:effectLst/>
+            </a:endParaRPr>
           </a:p>
         </p:txBody>
       </p:sp>
       <p:sp>
         <p:nvSpPr>
-          <p:cNvPr id="49" name="Rectangle 39"/>
+          <p:cNvPr id="27" name="Rectangle 11"/>
           <p:cNvSpPr>
             <a:spLocks noChangeArrowheads="1"/>
           </p:cNvSpPr>
@@ -7038,8 +9366,8 @@
         </p:nvSpPr>
         <p:spPr bwMode="auto">
           <a:xfrm>
-            <a:off x="2120169" y="1929728"/>
-            <a:ext cx="12192000" cy="457200"/>
+            <a:off x="1606450" y="1449989"/>
+            <a:ext cx="2912016" cy="369332"/>
           </a:xfrm>
           <a:prstGeom prst="rect">
             <a:avLst/>
@@ -7087,511 +9415,83 @@
           </a:bodyPr>
           <a:lstStyle/>
           <a:p>
-            <a:endParaRPr lang="en-US"/>
+            <a:pPr marL="0" marR="0" lvl="0" indent="0" algn="l" defTabSz="914400" rtl="0" eaLnBrk="0" fontAlgn="base" latinLnBrk="0" hangingPunct="0">
+              <a:lnSpc>
+                <a:spcPct val="100000"/>
+              </a:lnSpc>
+              <a:spcBef>
+                <a:spcPct val="0"/>
+              </a:spcBef>
+              <a:spcAft>
+                <a:spcPct val="0"/>
+              </a:spcAft>
+              <a:buClrTx/>
+              <a:buSzTx/>
+              <a:buFontTx/>
+              <a:buNone/>
+              <a:tabLst/>
+            </a:pPr>
+            <a:r>
+              <a:rPr kumimoji="0" lang="en-US" altLang="en-US" sz="1800" b="0" i="0" u="none" strike="noStrike" cap="none" normalizeH="0" baseline="0" dirty="0">
+                <a:ln>
+                  <a:noFill/>
+                </a:ln>
+                <a:solidFill>
+                  <a:schemeClr val="tx1"/>
+                </a:solidFill>
+                <a:effectLst/>
+                <a:latin typeface="Calibri" panose="020F0502020204030204" pitchFamily="34" charset="0"/>
+                <a:ea typeface="Calibri" panose="020F0502020204030204" pitchFamily="34" charset="0"/>
+                <a:cs typeface="Times New Roman" panose="02020603050405020304" pitchFamily="18" charset="0"/>
+              </a:rPr>
+              <a:t>back-</a:t>
+            </a:r>
+            <a:r>
+              <a:rPr kumimoji="0" lang="en-US" altLang="en-US" sz="1800" b="0" i="0" u="none" strike="noStrike" cap="none" normalizeH="0" baseline="0" dirty="0" err="1">
+                <a:ln>
+                  <a:noFill/>
+                </a:ln>
+                <a:solidFill>
+                  <a:schemeClr val="tx1"/>
+                </a:solidFill>
+                <a:effectLst/>
+                <a:latin typeface="Calibri" panose="020F0502020204030204" pitchFamily="34" charset="0"/>
+                <a:ea typeface="Calibri" panose="020F0502020204030204" pitchFamily="34" charset="0"/>
+                <a:cs typeface="Times New Roman" panose="02020603050405020304" pitchFamily="18" charset="0"/>
+              </a:rPr>
+              <a:t>emf</a:t>
+            </a:r>
+            <a:r>
+              <a:rPr kumimoji="0" lang="en-US" altLang="en-US" sz="1800" b="0" i="0" u="none" strike="noStrike" cap="none" normalizeH="0" baseline="0" dirty="0">
+                <a:ln>
+                  <a:noFill/>
+                </a:ln>
+                <a:solidFill>
+                  <a:schemeClr val="tx1"/>
+                </a:solidFill>
+                <a:effectLst/>
+                <a:latin typeface="Calibri" panose="020F0502020204030204" pitchFamily="34" charset="0"/>
+                <a:ea typeface="Calibri" panose="020F0502020204030204" pitchFamily="34" charset="0"/>
+                <a:cs typeface="Times New Roman" panose="02020603050405020304" pitchFamily="18" charset="0"/>
+              </a:rPr>
+              <a:t> neglected because </a:t>
+            </a:r>
+            <a:endParaRPr kumimoji="0" lang="en-US" altLang="en-US" sz="1800" b="0" i="0" u="none" strike="noStrike" cap="none" normalizeH="0" baseline="0" dirty="0">
+              <a:ln>
+                <a:noFill/>
+              </a:ln>
+              <a:solidFill>
+                <a:schemeClr val="tx1"/>
+              </a:solidFill>
+              <a:effectLst/>
+              <a:latin typeface="Arial" panose="020B0604020202020204" pitchFamily="34" charset="0"/>
+            </a:endParaRPr>
           </a:p>
         </p:txBody>
       </p:sp>
-      <p:graphicFrame>
-        <p:nvGraphicFramePr>
-          <p:cNvPr id="13" name="Oggetto 12"/>
-          <p:cNvGraphicFramePr>
-            <a:graphicFrameLocks noChangeAspect="1"/>
-          </p:cNvGraphicFramePr>
-          <p:nvPr>
-            <p:extLst/>
-          </p:nvPr>
-        </p:nvGraphicFramePr>
-        <p:xfrm>
-          <a:off x="8307700" y="924792"/>
-          <a:ext cx="3264190" cy="355171"/>
-        </p:xfrm>
-        <a:graphic>
-          <a:graphicData uri="http://schemas.openxmlformats.org/presentationml/2006/ole">
-            <mc:AlternateContent xmlns:mc="http://schemas.openxmlformats.org/markup-compatibility/2006">
-              <mc:Choice xmlns:v="urn:schemas-microsoft-com:vml" Requires="v">
-                <p:oleObj spid="_x0000_s12322" name="Equazione" r:id="rId8" imgW="1841500" imgH="203200" progId="Equation.3">
-                  <p:embed/>
-                </p:oleObj>
-              </mc:Choice>
-              <mc:Fallback>
-                <p:oleObj name="Equazione" r:id="rId8" imgW="1841500" imgH="203200" progId="Equation.3">
-                  <p:embed/>
-                  <p:pic>
-                    <p:nvPicPr>
-                      <p:cNvPr id="13" name="Oggetto 12"/>
-                      <p:cNvPicPr>
-                        <a:picLocks noChangeAspect="1" noChangeArrowheads="1"/>
-                      </p:cNvPicPr>
-                      <p:nvPr/>
-                    </p:nvPicPr>
-                    <p:blipFill>
-                      <a:blip r:embed="rId9">
-                        <a:extLst>
-                          <a:ext uri="{28A0092B-C50C-407E-A947-70E740481C1C}">
-                            <a14:useLocalDpi xmlns:a14="http://schemas.microsoft.com/office/drawing/2010/main" val="0"/>
-                          </a:ext>
-                        </a:extLst>
-                      </a:blip>
-                      <a:srcRect/>
-                      <a:stretch>
-                        <a:fillRect/>
-                      </a:stretch>
-                    </p:blipFill>
-                    <p:spPr bwMode="auto">
-                      <a:xfrm>
-                        <a:off x="8307700" y="924792"/>
-                        <a:ext cx="3264190" cy="355171"/>
-                      </a:xfrm>
-                      <a:prstGeom prst="rect">
-                        <a:avLst/>
-                      </a:prstGeom>
-                      <a:noFill/>
-                    </p:spPr>
-                  </p:pic>
-                </p:oleObj>
-              </mc:Fallback>
-            </mc:AlternateContent>
-          </a:graphicData>
-        </a:graphic>
-      </p:graphicFrame>
-      <p:graphicFrame>
-        <p:nvGraphicFramePr>
-          <p:cNvPr id="14" name="Oggetto 13"/>
-          <p:cNvGraphicFramePr>
-            <a:graphicFrameLocks noChangeAspect="1"/>
-          </p:cNvGraphicFramePr>
-          <p:nvPr>
-            <p:extLst/>
-          </p:nvPr>
-        </p:nvGraphicFramePr>
-        <p:xfrm>
-          <a:off x="1676659" y="1595869"/>
-          <a:ext cx="1717782" cy="572594"/>
-        </p:xfrm>
-        <a:graphic>
-          <a:graphicData uri="http://schemas.openxmlformats.org/presentationml/2006/ole">
-            <mc:AlternateContent xmlns:mc="http://schemas.openxmlformats.org/markup-compatibility/2006">
-              <mc:Choice xmlns:v="urn:schemas-microsoft-com:vml" Requires="v">
-                <p:oleObj spid="_x0000_s12323" name="Equazione" r:id="rId10" imgW="1167893" imgH="393529" progId="Equation.3">
-                  <p:embed/>
-                </p:oleObj>
-              </mc:Choice>
-              <mc:Fallback>
-                <p:oleObj name="Equazione" r:id="rId10" imgW="1167893" imgH="393529" progId="Equation.3">
-                  <p:embed/>
-                  <p:pic>
-                    <p:nvPicPr>
-                      <p:cNvPr id="14" name="Oggetto 13"/>
-                      <p:cNvPicPr>
-                        <a:picLocks noChangeAspect="1" noChangeArrowheads="1"/>
-                      </p:cNvPicPr>
-                      <p:nvPr/>
-                    </p:nvPicPr>
-                    <p:blipFill>
-                      <a:blip r:embed="rId11">
-                        <a:extLst>
-                          <a:ext uri="{28A0092B-C50C-407E-A947-70E740481C1C}">
-                            <a14:useLocalDpi xmlns:a14="http://schemas.microsoft.com/office/drawing/2010/main" val="0"/>
-                          </a:ext>
-                        </a:extLst>
-                      </a:blip>
-                      <a:srcRect/>
-                      <a:stretch>
-                        <a:fillRect/>
-                      </a:stretch>
-                    </p:blipFill>
-                    <p:spPr bwMode="auto">
-                      <a:xfrm>
-                        <a:off x="1676659" y="1595869"/>
-                        <a:ext cx="1717782" cy="572594"/>
-                      </a:xfrm>
-                      <a:prstGeom prst="rect">
-                        <a:avLst/>
-                      </a:prstGeom>
-                      <a:noFill/>
-                    </p:spPr>
-                  </p:pic>
-                </p:oleObj>
-              </mc:Fallback>
-            </mc:AlternateContent>
-          </a:graphicData>
-        </a:graphic>
-      </p:graphicFrame>
-      <p:graphicFrame>
-        <p:nvGraphicFramePr>
-          <p:cNvPr id="15" name="Oggetto 14"/>
-          <p:cNvGraphicFramePr>
-            <a:graphicFrameLocks noChangeAspect="1"/>
-          </p:cNvGraphicFramePr>
-          <p:nvPr>
-            <p:extLst/>
-          </p:nvPr>
-        </p:nvGraphicFramePr>
-        <p:xfrm>
-          <a:off x="4418872" y="1691068"/>
-          <a:ext cx="885554" cy="372865"/>
-        </p:xfrm>
-        <a:graphic>
-          <a:graphicData uri="http://schemas.openxmlformats.org/presentationml/2006/ole">
-            <mc:AlternateContent xmlns:mc="http://schemas.openxmlformats.org/markup-compatibility/2006">
-              <mc:Choice xmlns:v="urn:schemas-microsoft-com:vml" Requires="v">
-                <p:oleObj spid="_x0000_s12324" name="Equazione" r:id="rId12" imgW="545863" imgH="228501" progId="Equation.3">
-                  <p:embed/>
-                </p:oleObj>
-              </mc:Choice>
-              <mc:Fallback>
-                <p:oleObj name="Equazione" r:id="rId12" imgW="545863" imgH="228501" progId="Equation.3">
-                  <p:embed/>
-                  <p:pic>
-                    <p:nvPicPr>
-                      <p:cNvPr id="15" name="Oggetto 14"/>
-                      <p:cNvPicPr>
-                        <a:picLocks noChangeAspect="1" noChangeArrowheads="1"/>
-                      </p:cNvPicPr>
-                      <p:nvPr/>
-                    </p:nvPicPr>
-                    <p:blipFill>
-                      <a:blip r:embed="rId13">
-                        <a:extLst>
-                          <a:ext uri="{28A0092B-C50C-407E-A947-70E740481C1C}">
-                            <a14:useLocalDpi xmlns:a14="http://schemas.microsoft.com/office/drawing/2010/main" val="0"/>
-                          </a:ext>
-                        </a:extLst>
-                      </a:blip>
-                      <a:srcRect/>
-                      <a:stretch>
-                        <a:fillRect/>
-                      </a:stretch>
-                    </p:blipFill>
-                    <p:spPr bwMode="auto">
-                      <a:xfrm>
-                        <a:off x="4418872" y="1691068"/>
-                        <a:ext cx="885554" cy="372865"/>
-                      </a:xfrm>
-                      <a:prstGeom prst="rect">
-                        <a:avLst/>
-                      </a:prstGeom>
-                      <a:noFill/>
-                    </p:spPr>
-                  </p:pic>
-                </p:oleObj>
-              </mc:Fallback>
-            </mc:AlternateContent>
-          </a:graphicData>
-        </a:graphic>
-      </p:graphicFrame>
-      <p:graphicFrame>
-        <p:nvGraphicFramePr>
-          <p:cNvPr id="16" name="Oggetto 15"/>
-          <p:cNvGraphicFramePr>
-            <a:graphicFrameLocks noChangeAspect="1"/>
-          </p:cNvGraphicFramePr>
-          <p:nvPr>
-            <p:extLst/>
-          </p:nvPr>
-        </p:nvGraphicFramePr>
-        <p:xfrm>
-          <a:off x="7128491" y="1608151"/>
-          <a:ext cx="1179209" cy="508922"/>
-        </p:xfrm>
-        <a:graphic>
-          <a:graphicData uri="http://schemas.openxmlformats.org/presentationml/2006/ole">
-            <mc:AlternateContent xmlns:mc="http://schemas.openxmlformats.org/markup-compatibility/2006">
-              <mc:Choice xmlns:v="urn:schemas-microsoft-com:vml" Requires="v">
-                <p:oleObj spid="_x0000_s12325" name="Equazione" r:id="rId14" imgW="901309" imgH="393529" progId="Equation.3">
-                  <p:embed/>
-                </p:oleObj>
-              </mc:Choice>
-              <mc:Fallback>
-                <p:oleObj name="Equazione" r:id="rId14" imgW="901309" imgH="393529" progId="Equation.3">
-                  <p:embed/>
-                  <p:pic>
-                    <p:nvPicPr>
-                      <p:cNvPr id="16" name="Oggetto 15"/>
-                      <p:cNvPicPr>
-                        <a:picLocks noChangeAspect="1" noChangeArrowheads="1"/>
-                      </p:cNvPicPr>
-                      <p:nvPr/>
-                    </p:nvPicPr>
-                    <p:blipFill>
-                      <a:blip r:embed="rId15">
-                        <a:extLst>
-                          <a:ext uri="{28A0092B-C50C-407E-A947-70E740481C1C}">
-                            <a14:useLocalDpi xmlns:a14="http://schemas.microsoft.com/office/drawing/2010/main" val="0"/>
-                          </a:ext>
-                        </a:extLst>
-                      </a:blip>
-                      <a:srcRect/>
-                      <a:stretch>
-                        <a:fillRect/>
-                      </a:stretch>
-                    </p:blipFill>
-                    <p:spPr bwMode="auto">
-                      <a:xfrm>
-                        <a:off x="7128491" y="1608151"/>
-                        <a:ext cx="1179209" cy="508922"/>
-                      </a:xfrm>
-                      <a:prstGeom prst="rect">
-                        <a:avLst/>
-                      </a:prstGeom>
-                      <a:noFill/>
-                    </p:spPr>
-                  </p:pic>
-                </p:oleObj>
-              </mc:Fallback>
-            </mc:AlternateContent>
-          </a:graphicData>
-        </a:graphic>
-      </p:graphicFrame>
-      <p:graphicFrame>
-        <p:nvGraphicFramePr>
-          <p:cNvPr id="17" name="Oggetto 16"/>
-          <p:cNvGraphicFramePr>
-            <a:graphicFrameLocks noChangeAspect="1"/>
-          </p:cNvGraphicFramePr>
-          <p:nvPr>
-            <p:extLst/>
-          </p:nvPr>
-        </p:nvGraphicFramePr>
-        <p:xfrm>
-          <a:off x="2052978" y="2230862"/>
-          <a:ext cx="2682925" cy="361163"/>
-        </p:xfrm>
-        <a:graphic>
-          <a:graphicData uri="http://schemas.openxmlformats.org/presentationml/2006/ole">
-            <mc:AlternateContent xmlns:mc="http://schemas.openxmlformats.org/markup-compatibility/2006">
-              <mc:Choice xmlns:v="urn:schemas-microsoft-com:vml" Requires="v">
-                <p:oleObj spid="_x0000_s12326" name="Equazione" r:id="rId16" imgW="1485900" imgH="203200" progId="Equation.3">
-                  <p:embed/>
-                </p:oleObj>
-              </mc:Choice>
-              <mc:Fallback>
-                <p:oleObj name="Equazione" r:id="rId16" imgW="1485900" imgH="203200" progId="Equation.3">
-                  <p:embed/>
-                  <p:pic>
-                    <p:nvPicPr>
-                      <p:cNvPr id="17" name="Oggetto 16"/>
-                      <p:cNvPicPr>
-                        <a:picLocks noChangeAspect="1" noChangeArrowheads="1"/>
-                      </p:cNvPicPr>
-                      <p:nvPr/>
-                    </p:nvPicPr>
-                    <p:blipFill>
-                      <a:blip r:embed="rId17">
-                        <a:extLst>
-                          <a:ext uri="{28A0092B-C50C-407E-A947-70E740481C1C}">
-                            <a14:useLocalDpi xmlns:a14="http://schemas.microsoft.com/office/drawing/2010/main" val="0"/>
-                          </a:ext>
-                        </a:extLst>
-                      </a:blip>
-                      <a:srcRect/>
-                      <a:stretch>
-                        <a:fillRect/>
-                      </a:stretch>
-                    </p:blipFill>
-                    <p:spPr bwMode="auto">
-                      <a:xfrm>
-                        <a:off x="2052978" y="2230862"/>
-                        <a:ext cx="2682925" cy="361163"/>
-                      </a:xfrm>
-                      <a:prstGeom prst="rect">
-                        <a:avLst/>
-                      </a:prstGeom>
-                      <a:noFill/>
-                    </p:spPr>
-                  </p:pic>
-                </p:oleObj>
-              </mc:Fallback>
-            </mc:AlternateContent>
-          </a:graphicData>
-        </a:graphic>
-      </p:graphicFrame>
-      <p:graphicFrame>
-        <p:nvGraphicFramePr>
-          <p:cNvPr id="19" name="Oggetto 18"/>
-          <p:cNvGraphicFramePr>
-            <a:graphicFrameLocks noChangeAspect="1"/>
-          </p:cNvGraphicFramePr>
-          <p:nvPr>
-            <p:extLst/>
-          </p:nvPr>
-        </p:nvGraphicFramePr>
-        <p:xfrm>
-          <a:off x="4789144" y="2222975"/>
-          <a:ext cx="2727069" cy="360179"/>
-        </p:xfrm>
-        <a:graphic>
-          <a:graphicData uri="http://schemas.openxmlformats.org/presentationml/2006/ole">
-            <mc:AlternateContent xmlns:mc="http://schemas.openxmlformats.org/markup-compatibility/2006">
-              <mc:Choice xmlns:v="urn:schemas-microsoft-com:vml" Requires="v">
-                <p:oleObj spid="_x0000_s12327" name="Equazione" r:id="rId18" imgW="1511300" imgH="203200" progId="Equation.3">
-                  <p:embed/>
-                </p:oleObj>
-              </mc:Choice>
-              <mc:Fallback>
-                <p:oleObj name="Equazione" r:id="rId18" imgW="1511300" imgH="203200" progId="Equation.3">
-                  <p:embed/>
-                  <p:pic>
-                    <p:nvPicPr>
-                      <p:cNvPr id="19" name="Oggetto 18"/>
-                      <p:cNvPicPr>
-                        <a:picLocks noChangeAspect="1" noChangeArrowheads="1"/>
-                      </p:cNvPicPr>
-                      <p:nvPr/>
-                    </p:nvPicPr>
-                    <p:blipFill>
-                      <a:blip r:embed="rId19">
-                        <a:extLst>
-                          <a:ext uri="{28A0092B-C50C-407E-A947-70E740481C1C}">
-                            <a14:useLocalDpi xmlns:a14="http://schemas.microsoft.com/office/drawing/2010/main" val="0"/>
-                          </a:ext>
-                        </a:extLst>
-                      </a:blip>
-                      <a:srcRect/>
-                      <a:stretch>
-                        <a:fillRect/>
-                      </a:stretch>
-                    </p:blipFill>
-                    <p:spPr bwMode="auto">
-                      <a:xfrm>
-                        <a:off x="4789144" y="2222975"/>
-                        <a:ext cx="2727069" cy="360179"/>
-                      </a:xfrm>
-                      <a:prstGeom prst="rect">
-                        <a:avLst/>
-                      </a:prstGeom>
-                      <a:noFill/>
-                    </p:spPr>
-                  </p:pic>
-                </p:oleObj>
-              </mc:Fallback>
-            </mc:AlternateContent>
-          </a:graphicData>
-        </a:graphic>
-      </p:graphicFrame>
-      <p:graphicFrame>
-        <p:nvGraphicFramePr>
-          <p:cNvPr id="20" name="Oggetto 19"/>
-          <p:cNvGraphicFramePr>
-            <a:graphicFrameLocks noChangeAspect="1"/>
-          </p:cNvGraphicFramePr>
-          <p:nvPr>
-            <p:extLst/>
-          </p:nvPr>
-        </p:nvGraphicFramePr>
-        <p:xfrm>
-          <a:off x="5365781" y="2682332"/>
-          <a:ext cx="1064119" cy="375571"/>
-        </p:xfrm>
-        <a:graphic>
-          <a:graphicData uri="http://schemas.openxmlformats.org/presentationml/2006/ole">
-            <mc:AlternateContent xmlns:mc="http://schemas.openxmlformats.org/markup-compatibility/2006">
-              <mc:Choice xmlns:v="urn:schemas-microsoft-com:vml" Requires="v">
-                <p:oleObj spid="_x0000_s12328" name="Equazione" r:id="rId20" imgW="647640" imgH="228600" progId="Equation.3">
-                  <p:embed/>
-                </p:oleObj>
-              </mc:Choice>
-              <mc:Fallback>
-                <p:oleObj name="Equazione" r:id="rId20" imgW="647640" imgH="228600" progId="Equation.3">
-                  <p:embed/>
-                  <p:pic>
-                    <p:nvPicPr>
-                      <p:cNvPr id="20" name="Oggetto 19"/>
-                      <p:cNvPicPr>
-                        <a:picLocks noChangeAspect="1" noChangeArrowheads="1"/>
-                      </p:cNvPicPr>
-                      <p:nvPr/>
-                    </p:nvPicPr>
-                    <p:blipFill>
-                      <a:blip r:embed="rId21"/>
-                      <a:srcRect/>
-                      <a:stretch>
-                        <a:fillRect/>
-                      </a:stretch>
-                    </p:blipFill>
-                    <p:spPr bwMode="auto">
-                      <a:xfrm>
-                        <a:off x="5365781" y="2682332"/>
-                        <a:ext cx="1064119" cy="375571"/>
-                      </a:xfrm>
-                      <a:prstGeom prst="rect">
-                        <a:avLst/>
-                      </a:prstGeom>
-                      <a:noFill/>
-                    </p:spPr>
-                  </p:pic>
-                </p:oleObj>
-              </mc:Fallback>
-            </mc:AlternateContent>
-          </a:graphicData>
-        </a:graphic>
-      </p:graphicFrame>
-      <p:graphicFrame>
-        <p:nvGraphicFramePr>
-          <p:cNvPr id="22" name="Oggetto 21"/>
-          <p:cNvGraphicFramePr>
-            <a:graphicFrameLocks noChangeAspect="1"/>
-          </p:cNvGraphicFramePr>
-          <p:nvPr>
-            <p:extLst/>
-          </p:nvPr>
-        </p:nvGraphicFramePr>
-        <p:xfrm>
-          <a:off x="6484314" y="2681549"/>
-          <a:ext cx="1458372" cy="376354"/>
-        </p:xfrm>
-        <a:graphic>
-          <a:graphicData uri="http://schemas.openxmlformats.org/presentationml/2006/ole">
-            <mc:AlternateContent xmlns:mc="http://schemas.openxmlformats.org/markup-compatibility/2006">
-              <mc:Choice xmlns:v="urn:schemas-microsoft-com:vml" Requires="v">
-                <p:oleObj spid="_x0000_s12329" name="Equazione" r:id="rId22" imgW="889000" imgH="228600" progId="Equation.3">
-                  <p:embed/>
-                </p:oleObj>
-              </mc:Choice>
-              <mc:Fallback>
-                <p:oleObj name="Equazione" r:id="rId22" imgW="889000" imgH="228600" progId="Equation.3">
-                  <p:embed/>
-                  <p:pic>
-                    <p:nvPicPr>
-                      <p:cNvPr id="22" name="Oggetto 21"/>
-                      <p:cNvPicPr>
-                        <a:picLocks noChangeAspect="1" noChangeArrowheads="1"/>
-                      </p:cNvPicPr>
-                      <p:nvPr/>
-                    </p:nvPicPr>
-                    <p:blipFill>
-                      <a:blip r:embed="rId23">
-                        <a:extLst>
-                          <a:ext uri="{28A0092B-C50C-407E-A947-70E740481C1C}">
-                            <a14:useLocalDpi xmlns:a14="http://schemas.microsoft.com/office/drawing/2010/main" val="0"/>
-                          </a:ext>
-                        </a:extLst>
-                      </a:blip>
-                      <a:srcRect/>
-                      <a:stretch>
-                        <a:fillRect/>
-                      </a:stretch>
-                    </p:blipFill>
-                    <p:spPr bwMode="auto">
-                      <a:xfrm>
-                        <a:off x="6484314" y="2681549"/>
-                        <a:ext cx="1458372" cy="376354"/>
-                      </a:xfrm>
-                      <a:prstGeom prst="rect">
-                        <a:avLst/>
-                      </a:prstGeom>
-                      <a:noFill/>
-                    </p:spPr>
-                  </p:pic>
-                </p:oleObj>
-              </mc:Fallback>
-            </mc:AlternateContent>
-          </a:graphicData>
-        </a:graphic>
-      </p:graphicFrame>
       <p:sp>
         <p:nvSpPr>
-          <p:cNvPr id="23" name="Rectangle 9"/>
+          <p:cNvPr id="33" name="Rectangle 15"/>
           <p:cNvSpPr>
             <a:spLocks noChangeArrowheads="1"/>
           </p:cNvSpPr>
@@ -7599,8 +9499,8 @@
         </p:nvSpPr>
         <p:spPr bwMode="auto">
           <a:xfrm>
-            <a:off x="1606450" y="860788"/>
-            <a:ext cx="12192000" cy="457200"/>
+            <a:off x="7361725" y="2216794"/>
+            <a:ext cx="3913764" cy="369332"/>
           </a:xfrm>
           <a:prstGeom prst="rect">
             <a:avLst/>
@@ -7677,7 +9577,7 @@
                 <a:ea typeface="Calibri" panose="020F0502020204030204" pitchFamily="34" charset="0"/>
                 <a:cs typeface="Times New Roman" panose="02020603050405020304" pitchFamily="18" charset="0"/>
               </a:rPr>
-              <a:t>Resistance only: voltage pulses to motor: steady state measurement of </a:t>
+              <a:t>Nominal values from motor datasheet </a:t>
             </a:r>
             <a:endParaRPr kumimoji="0" lang="en-US" altLang="en-US" sz="1800" b="0" i="0" u="none" strike="noStrike" cap="none" normalizeH="0" baseline="0" dirty="0">
               <a:ln>
@@ -7694,7 +9594,7 @@
       </p:sp>
       <p:sp>
         <p:nvSpPr>
-          <p:cNvPr id="25" name="Rectangle 10"/>
+          <p:cNvPr id="35" name="Rectangle 17"/>
           <p:cNvSpPr>
             <a:spLocks noChangeArrowheads="1"/>
           </p:cNvSpPr>
@@ -7702,8 +9602,8 @@
         </p:nvSpPr>
         <p:spPr bwMode="auto">
           <a:xfrm>
-            <a:off x="1624903" y="1242560"/>
-            <a:ext cx="8942192" cy="369332"/>
+            <a:off x="7361725" y="3379871"/>
+            <a:ext cx="2170338" cy="923330"/>
           </a:xfrm>
           <a:prstGeom prst="rect">
             <a:avLst/>
@@ -7768,6 +9668,21 @@
               <a:tabLst/>
             </a:pPr>
             <a:r>
+              <a:rPr kumimoji="0" lang="en-US" altLang="en-US" sz="1800" b="1" i="0" u="none" strike="noStrike" cap="none" normalizeH="0" baseline="0" dirty="0">
+                <a:ln>
+                  <a:noFill/>
+                </a:ln>
+                <a:solidFill>
+                  <a:schemeClr val="tx1"/>
+                </a:solidFill>
+                <a:effectLst/>
+                <a:latin typeface="Calibri" panose="020F0502020204030204" pitchFamily="34" charset="0"/>
+                <a:ea typeface="Calibri" panose="020F0502020204030204" pitchFamily="34" charset="0"/>
+                <a:cs typeface="Times New Roman" panose="02020603050405020304" pitchFamily="18" charset="0"/>
+              </a:rPr>
+              <a:t>Validation</a:t>
+            </a:r>
+            <a:r>
               <a:rPr kumimoji="0" lang="en-US" altLang="en-US" sz="1800" b="0" i="0" u="none" strike="noStrike" cap="none" normalizeH="0" baseline="0" dirty="0">
                 <a:ln>
                   <a:noFill/>
@@ -7780,138 +9695,9 @@
                 <a:ea typeface="Calibri" panose="020F0502020204030204" pitchFamily="34" charset="0"/>
                 <a:cs typeface="Times New Roman" panose="02020603050405020304" pitchFamily="18" charset="0"/>
               </a:rPr>
-              <a:t>Resistance and inductance: experimental input/output data given to </a:t>
-            </a:r>
-            <a:r>
-              <a:rPr kumimoji="0" lang="en-US" altLang="en-US" sz="1800" b="0" i="0" u="none" strike="noStrike" cap="none" normalizeH="0" baseline="0" dirty="0" err="1">
-                <a:ln>
-                  <a:noFill/>
-                </a:ln>
-                <a:solidFill>
-                  <a:schemeClr val="tx1"/>
-                </a:solidFill>
-                <a:effectLst/>
-                <a:latin typeface="Calibri" panose="020F0502020204030204" pitchFamily="34" charset="0"/>
-                <a:ea typeface="Calibri" panose="020F0502020204030204" pitchFamily="34" charset="0"/>
-                <a:cs typeface="Times New Roman" panose="02020603050405020304" pitchFamily="18" charset="0"/>
-              </a:rPr>
-              <a:t>Matlab</a:t>
-            </a:r>
-            <a:r>
-              <a:rPr kumimoji="0" lang="en-US" altLang="en-US" sz="1800" b="0" i="0" u="none" strike="noStrike" cap="none" normalizeH="0" baseline="0" dirty="0">
-                <a:ln>
-                  <a:noFill/>
-                </a:ln>
-                <a:solidFill>
-                  <a:schemeClr val="tx1"/>
-                </a:solidFill>
-                <a:effectLst/>
-                <a:latin typeface="Calibri" panose="020F0502020204030204" pitchFamily="34" charset="0"/>
-                <a:ea typeface="Calibri" panose="020F0502020204030204" pitchFamily="34" charset="0"/>
-                <a:cs typeface="Times New Roman" panose="02020603050405020304" pitchFamily="18" charset="0"/>
-              </a:rPr>
-              <a:t> </a:t>
-            </a:r>
-            <a:r>
-              <a:rPr kumimoji="0" lang="en-US" altLang="en-US" sz="1800" b="0" i="1" u="none" strike="noStrike" cap="none" normalizeH="0" baseline="0" dirty="0" err="1">
-                <a:ln>
-                  <a:noFill/>
-                </a:ln>
-                <a:solidFill>
-                  <a:schemeClr val="tx1"/>
-                </a:solidFill>
-                <a:effectLst/>
-                <a:latin typeface="Calibri" panose="020F0502020204030204" pitchFamily="34" charset="0"/>
-                <a:ea typeface="Calibri" panose="020F0502020204030204" pitchFamily="34" charset="0"/>
-                <a:cs typeface="Times New Roman" panose="02020603050405020304" pitchFamily="18" charset="0"/>
-              </a:rPr>
-              <a:t>tfest</a:t>
-            </a:r>
-            <a:r>
-              <a:rPr kumimoji="0" lang="en-US" altLang="en-US" sz="1800" b="0" i="0" u="none" strike="noStrike" cap="none" normalizeH="0" baseline="0" dirty="0">
-                <a:ln>
-                  <a:noFill/>
-                </a:ln>
-                <a:solidFill>
-                  <a:schemeClr val="tx1"/>
-                </a:solidFill>
-                <a:effectLst/>
-                <a:latin typeface="Calibri" panose="020F0502020204030204" pitchFamily="34" charset="0"/>
-                <a:ea typeface="Calibri" panose="020F0502020204030204" pitchFamily="34" charset="0"/>
-                <a:cs typeface="Times New Roman" panose="02020603050405020304" pitchFamily="18" charset="0"/>
-              </a:rPr>
-              <a:t> (first order)</a:t>
-            </a:r>
-            <a:endParaRPr kumimoji="0" lang="en-US" altLang="en-US" sz="800" b="0" i="0" u="none" strike="noStrike" cap="none" normalizeH="0" baseline="0" dirty="0">
-              <a:ln>
-                <a:noFill/>
-              </a:ln>
-              <a:solidFill>
-                <a:schemeClr val="tx1"/>
-              </a:solidFill>
-              <a:effectLst/>
-            </a:endParaRPr>
-          </a:p>
-        </p:txBody>
-      </p:sp>
-      <p:sp>
-        <p:nvSpPr>
-          <p:cNvPr id="27" name="Rectangle 11"/>
-          <p:cNvSpPr>
-            <a:spLocks noChangeArrowheads="1"/>
-          </p:cNvSpPr>
-          <p:nvPr/>
-        </p:nvSpPr>
-        <p:spPr bwMode="auto">
-          <a:xfrm>
-            <a:off x="3275819" y="1677721"/>
-            <a:ext cx="3937681" cy="369332"/>
-          </a:xfrm>
-          <a:prstGeom prst="rect">
-            <a:avLst/>
-          </a:prstGeom>
-          <a:noFill/>
-          <a:ln>
-            <a:noFill/>
-          </a:ln>
-          <a:effectLst/>
-          <a:extLst>
-            <a:ext uri="{909E8E84-426E-40DD-AFC4-6F175D3DCCD1}">
-              <a14:hiddenFill xmlns:a14="http://schemas.microsoft.com/office/drawing/2010/main">
-                <a:solidFill>
-                  <a:schemeClr val="accent1"/>
-                </a:solidFill>
-              </a14:hiddenFill>
-            </a:ext>
-            <a:ext uri="{91240B29-F687-4F45-9708-019B960494DF}">
-              <a14:hiddenLine xmlns:a14="http://schemas.microsoft.com/office/drawing/2010/main" w="9525">
-                <a:solidFill>
-                  <a:schemeClr val="tx1"/>
-                </a:solidFill>
-                <a:miter lim="800000"/>
-                <a:headEnd/>
-                <a:tailEnd/>
-              </a14:hiddenLine>
-            </a:ext>
-            <a:ext uri="{AF507438-7753-43E0-B8FC-AC1667EBCBE1}">
-              <a14:hiddenEffects xmlns:a14="http://schemas.microsoft.com/office/drawing/2010/main">
-                <a:effectLst>
-                  <a:outerShdw dist="35921" dir="2700000" algn="ctr" rotWithShape="0">
-                    <a:schemeClr val="bg2"/>
-                  </a:outerShdw>
-                </a:effectLst>
-              </a14:hiddenEffects>
-            </a:ext>
-          </a:extLst>
-        </p:spPr>
-        <p:txBody>
-          <a:bodyPr vert="horz" wrap="none" lIns="91440" tIns="45720" rIns="91440" bIns="45720" numCol="1" anchor="ctr" anchorCtr="0" compatLnSpc="1">
-            <a:prstTxWarp prst="textNoShape">
-              <a:avLst/>
-            </a:prstTxWarp>
-            <a:spAutoFit/>
-          </a:bodyPr>
-          <a:lstStyle/>
+              <a:t> with input</a:t>
+            </a:r>
+          </a:p>
           <a:p>
             <a:pPr marL="0" marR="0" lvl="0" indent="0" algn="l" defTabSz="914400" rtl="0" eaLnBrk="0" fontAlgn="base" latinLnBrk="0" hangingPunct="0">
               <a:lnSpc>
@@ -7929,145 +9715,12 @@
               <a:buNone/>
               <a:tabLst/>
             </a:pPr>
-            <a:r>
-              <a:rPr kumimoji="0" lang="en-US" altLang="en-US" sz="1800" b="0" i="0" u="none" strike="noStrike" cap="none" normalizeH="0" baseline="0" dirty="0">
-                <a:ln>
-                  <a:noFill/>
-                </a:ln>
-                <a:solidFill>
-                  <a:schemeClr val="tx1"/>
-                </a:solidFill>
-                <a:effectLst/>
-                <a:latin typeface="Calibri" panose="020F0502020204030204" pitchFamily="34" charset="0"/>
-                <a:ea typeface="Calibri" panose="020F0502020204030204" pitchFamily="34" charset="0"/>
-                <a:cs typeface="Times New Roman" panose="02020603050405020304" pitchFamily="18" charset="0"/>
-              </a:rPr>
-              <a:t>;</a:t>
-            </a:r>
-            <a:r>
-              <a:rPr lang="en-US" altLang="en-US" dirty="0">
-                <a:latin typeface="Calibri" panose="020F0502020204030204" pitchFamily="34" charset="0"/>
-                <a:ea typeface="Calibri" panose="020F0502020204030204" pitchFamily="34" charset="0"/>
-                <a:cs typeface="Times New Roman" panose="02020603050405020304" pitchFamily="18" charset="0"/>
-              </a:rPr>
-              <a:t> </a:t>
-            </a:r>
-            <a:r>
-              <a:rPr kumimoji="0" lang="en-US" altLang="en-US" sz="1800" b="0" i="0" u="none" strike="noStrike" cap="none" normalizeH="0" baseline="0" dirty="0">
-                <a:ln>
-                  <a:noFill/>
-                </a:ln>
-                <a:solidFill>
-                  <a:schemeClr val="tx1"/>
-                </a:solidFill>
-                <a:effectLst/>
-                <a:latin typeface="Calibri" panose="020F0502020204030204" pitchFamily="34" charset="0"/>
-                <a:ea typeface="Calibri" panose="020F0502020204030204" pitchFamily="34" charset="0"/>
-                <a:cs typeface="Times New Roman" panose="02020603050405020304" pitchFamily="18" charset="0"/>
-              </a:rPr>
-              <a:t>back-</a:t>
-            </a:r>
-            <a:r>
-              <a:rPr kumimoji="0" lang="en-US" altLang="en-US" sz="1800" b="0" i="0" u="none" strike="noStrike" cap="none" normalizeH="0" baseline="0" dirty="0" err="1">
-                <a:ln>
-                  <a:noFill/>
-                </a:ln>
-                <a:solidFill>
-                  <a:schemeClr val="tx1"/>
-                </a:solidFill>
-                <a:effectLst/>
-                <a:latin typeface="Calibri" panose="020F0502020204030204" pitchFamily="34" charset="0"/>
-                <a:ea typeface="Calibri" panose="020F0502020204030204" pitchFamily="34" charset="0"/>
-                <a:cs typeface="Times New Roman" panose="02020603050405020304" pitchFamily="18" charset="0"/>
-              </a:rPr>
-              <a:t>emf</a:t>
-            </a:r>
-            <a:r>
-              <a:rPr kumimoji="0" lang="en-US" altLang="en-US" sz="1800" b="0" i="0" u="none" strike="noStrike" cap="none" normalizeH="0" baseline="0" dirty="0">
-                <a:ln>
-                  <a:noFill/>
-                </a:ln>
-                <a:solidFill>
-                  <a:schemeClr val="tx1"/>
-                </a:solidFill>
-                <a:effectLst/>
-                <a:latin typeface="Calibri" panose="020F0502020204030204" pitchFamily="34" charset="0"/>
-                <a:ea typeface="Calibri" panose="020F0502020204030204" pitchFamily="34" charset="0"/>
-                <a:cs typeface="Times New Roman" panose="02020603050405020304" pitchFamily="18" charset="0"/>
-              </a:rPr>
-              <a:t>	  neglected because </a:t>
-            </a:r>
-            <a:endParaRPr kumimoji="0" lang="en-US" altLang="en-US" sz="1800" b="0" i="0" u="none" strike="noStrike" cap="none" normalizeH="0" baseline="0" dirty="0">
-              <a:ln>
-                <a:noFill/>
-              </a:ln>
-              <a:solidFill>
-                <a:schemeClr val="tx1"/>
-              </a:solidFill>
-              <a:effectLst/>
-              <a:latin typeface="Arial" panose="020B0604020202020204" pitchFamily="34" charset="0"/>
+            <a:endParaRPr lang="en-US" altLang="en-US" dirty="0">
+              <a:latin typeface="Calibri" panose="020F0502020204030204" pitchFamily="34" charset="0"/>
+              <a:ea typeface="Calibri" panose="020F0502020204030204" pitchFamily="34" charset="0"/>
+              <a:cs typeface="Times New Roman" panose="02020603050405020304" pitchFamily="18" charset="0"/>
             </a:endParaRPr>
           </a:p>
-        </p:txBody>
-      </p:sp>
-      <p:sp>
-        <p:nvSpPr>
-          <p:cNvPr id="32" name="Rectangle 14"/>
-          <p:cNvSpPr>
-            <a:spLocks noChangeArrowheads="1"/>
-          </p:cNvSpPr>
-          <p:nvPr/>
-        </p:nvSpPr>
-        <p:spPr bwMode="auto">
-          <a:xfrm flipH="1">
-            <a:off x="4654954" y="2222693"/>
-            <a:ext cx="148140" cy="369332"/>
-          </a:xfrm>
-          <a:prstGeom prst="rect">
-            <a:avLst/>
-          </a:prstGeom>
-          <a:noFill/>
-          <a:ln>
-            <a:noFill/>
-          </a:ln>
-          <a:effectLst/>
-          <a:extLst>
-            <a:ext uri="{909E8E84-426E-40DD-AFC4-6F175D3DCCD1}">
-              <a14:hiddenFill xmlns:a14="http://schemas.microsoft.com/office/drawing/2010/main">
-                <a:solidFill>
-                  <a:schemeClr val="accent1"/>
-                </a:solidFill>
-              </a14:hiddenFill>
-            </a:ext>
-            <a:ext uri="{91240B29-F687-4F45-9708-019B960494DF}">
-              <a14:hiddenLine xmlns:a14="http://schemas.microsoft.com/office/drawing/2010/main" w="9525">
-                <a:solidFill>
-                  <a:schemeClr val="tx1"/>
-                </a:solidFill>
-                <a:miter lim="800000"/>
-                <a:headEnd/>
-                <a:tailEnd/>
-              </a14:hiddenLine>
-            </a:ext>
-            <a:ext uri="{AF507438-7753-43E0-B8FC-AC1667EBCBE1}">
-              <a14:hiddenEffects xmlns:a14="http://schemas.microsoft.com/office/drawing/2010/main">
-                <a:effectLst>
-                  <a:outerShdw dist="35921" dir="2700000" algn="ctr" rotWithShape="0">
-                    <a:schemeClr val="bg2"/>
-                  </a:outerShdw>
-                </a:effectLst>
-              </a14:hiddenEffects>
-            </a:ext>
-          </a:extLst>
-        </p:spPr>
-        <p:txBody>
-          <a:bodyPr vert="horz" wrap="square" lIns="91440" tIns="45720" rIns="91440" bIns="45720" numCol="1" anchor="ctr" anchorCtr="0" compatLnSpc="1">
-            <a:prstTxWarp prst="textNoShape">
-              <a:avLst/>
-            </a:prstTxWarp>
-            <a:spAutoFit/>
-          </a:bodyPr>
-          <a:lstStyle/>
           <a:p>
             <a:pPr marL="0" marR="0" lvl="0" indent="0" algn="l" defTabSz="914400" rtl="0" eaLnBrk="0" fontAlgn="base" latinLnBrk="0" hangingPunct="0">
               <a:lnSpc>
@@ -8098,7 +9751,7 @@
                 <a:ea typeface="Calibri" panose="020F0502020204030204" pitchFamily="34" charset="0"/>
                 <a:cs typeface="Times New Roman" panose="02020603050405020304" pitchFamily="18" charset="0"/>
               </a:rPr>
-              <a:t>,</a:t>
+              <a:t>Fit = (81.42±3,64) %</a:t>
             </a:r>
             <a:endParaRPr kumimoji="0" lang="en-US" altLang="en-US" sz="1800" b="0" i="0" u="none" strike="noStrike" cap="none" normalizeH="0" baseline="0" dirty="0">
               <a:ln>
@@ -8115,332 +9768,120 @@
       </p:sp>
       <p:sp>
         <p:nvSpPr>
-          <p:cNvPr id="33" name="Rectangle 15"/>
-          <p:cNvSpPr>
-            <a:spLocks noChangeArrowheads="1"/>
-          </p:cNvSpPr>
+          <p:cNvPr id="29" name="Freccia a destra con strisce 28"/>
+          <p:cNvSpPr/>
           <p:nvPr/>
         </p:nvSpPr>
-        <p:spPr bwMode="auto">
-          <a:xfrm>
-            <a:off x="1676659" y="2697927"/>
-            <a:ext cx="3913764" cy="369332"/>
-          </a:xfrm>
-          <a:prstGeom prst="rect">
+        <p:spPr>
+          <a:xfrm>
+            <a:off x="6008515" y="843959"/>
+            <a:ext cx="1353210" cy="484632"/>
+          </a:xfrm>
+          <a:prstGeom prst="stripedRightArrow">
             <a:avLst/>
           </a:prstGeom>
           <a:noFill/>
-          <a:ln>
-            <a:noFill/>
+          <a:ln w="9525" cap="flat" cmpd="sng" algn="ctr">
+            <a:solidFill>
+              <a:schemeClr val="accent5"/>
+            </a:solidFill>
+            <a:prstDash val="solid"/>
+            <a:round/>
+            <a:headEnd type="none" w="med" len="med"/>
+            <a:tailEnd type="none" w="med" len="med"/>
           </a:ln>
-          <a:effectLst/>
-          <a:extLst>
-            <a:ext uri="{909E8E84-426E-40DD-AFC4-6F175D3DCCD1}">
-              <a14:hiddenFill xmlns:a14="http://schemas.microsoft.com/office/drawing/2010/main">
-                <a:solidFill>
-                  <a:schemeClr val="accent1"/>
-                </a:solidFill>
-              </a14:hiddenFill>
-            </a:ext>
-            <a:ext uri="{91240B29-F687-4F45-9708-019B960494DF}">
-              <a14:hiddenLine xmlns:a14="http://schemas.microsoft.com/office/drawing/2010/main" w="9525">
-                <a:solidFill>
-                  <a:schemeClr val="tx1"/>
-                </a:solidFill>
-                <a:miter lim="800000"/>
-                <a:headEnd/>
-                <a:tailEnd/>
-              </a14:hiddenLine>
-            </a:ext>
-            <a:ext uri="{AF507438-7753-43E0-B8FC-AC1667EBCBE1}">
-              <a14:hiddenEffects xmlns:a14="http://schemas.microsoft.com/office/drawing/2010/main">
-                <a:effectLst>
-                  <a:outerShdw dist="35921" dir="2700000" algn="ctr" rotWithShape="0">
-                    <a:schemeClr val="bg2"/>
-                  </a:outerShdw>
-                </a:effectLst>
-              </a14:hiddenEffects>
-            </a:ext>
-          </a:extLst>
-        </p:spPr>
+        </p:spPr>
+        <p:style>
+          <a:lnRef idx="0">
+            <a:scrgbClr r="0" g="0" b="0"/>
+          </a:lnRef>
+          <a:fillRef idx="0">
+            <a:scrgbClr r="0" g="0" b="0"/>
+          </a:fillRef>
+          <a:effectRef idx="0">
+            <a:scrgbClr r="0" g="0" b="0"/>
+          </a:effectRef>
+          <a:fontRef idx="minor">
+            <a:schemeClr val="accent5"/>
+          </a:fontRef>
+        </p:style>
         <p:txBody>
-          <a:bodyPr vert="horz" wrap="none" lIns="91440" tIns="45720" rIns="91440" bIns="45720" numCol="1" anchor="ctr" anchorCtr="0" compatLnSpc="1">
-            <a:prstTxWarp prst="textNoShape">
-              <a:avLst/>
-            </a:prstTxWarp>
-            <a:spAutoFit/>
-          </a:bodyPr>
+          <a:bodyPr rtlCol="0" anchor="ctr"/>
           <a:lstStyle/>
           <a:p>
-            <a:pPr marL="0" marR="0" lvl="0" indent="0" algn="l" defTabSz="914400" rtl="0" eaLnBrk="0" fontAlgn="base" latinLnBrk="0" hangingPunct="0">
-              <a:lnSpc>
-                <a:spcPct val="100000"/>
-              </a:lnSpc>
-              <a:spcBef>
-                <a:spcPct val="0"/>
-              </a:spcBef>
-              <a:spcAft>
-                <a:spcPct val="0"/>
-              </a:spcAft>
-              <a:buClrTx/>
-              <a:buSzTx/>
-              <a:buFontTx/>
-              <a:buNone/>
-              <a:tabLst/>
-            </a:pPr>
-            <a:r>
-              <a:rPr kumimoji="0" lang="en-US" altLang="en-US" sz="1800" b="0" i="0" u="none" strike="noStrike" cap="none" normalizeH="0" baseline="0" dirty="0">
-                <a:ln>
-                  <a:noFill/>
-                </a:ln>
-                <a:solidFill>
-                  <a:schemeClr val="tx1"/>
-                </a:solidFill>
-                <a:effectLst/>
-                <a:latin typeface="Calibri" panose="020F0502020204030204" pitchFamily="34" charset="0"/>
-                <a:ea typeface="Calibri" panose="020F0502020204030204" pitchFamily="34" charset="0"/>
-                <a:cs typeface="Times New Roman" panose="02020603050405020304" pitchFamily="18" charset="0"/>
-              </a:rPr>
-              <a:t>Nominal values from motor datasheet </a:t>
-            </a:r>
-            <a:endParaRPr kumimoji="0" lang="en-US" altLang="en-US" sz="1800" b="0" i="0" u="none" strike="noStrike" cap="none" normalizeH="0" baseline="0" dirty="0">
-              <a:ln>
-                <a:noFill/>
-              </a:ln>
-              <a:solidFill>
-                <a:schemeClr val="tx1"/>
-              </a:solidFill>
-              <a:effectLst/>
-              <a:latin typeface="Arial" panose="020B0604020202020204" pitchFamily="34" charset="0"/>
-            </a:endParaRPr>
+            <a:pPr algn="ctr"/>
+            <a:r>
+              <a:rPr lang="en-GB" dirty="0"/>
+              <a:t>From data</a:t>
+            </a:r>
           </a:p>
         </p:txBody>
       </p:sp>
-      <p:sp>
-        <p:nvSpPr>
-          <p:cNvPr id="34" name="Rectangle 16"/>
-          <p:cNvSpPr>
-            <a:spLocks noChangeArrowheads="1"/>
-          </p:cNvSpPr>
-          <p:nvPr/>
-        </p:nvSpPr>
-        <p:spPr bwMode="auto">
-          <a:xfrm>
-            <a:off x="6335920" y="2690519"/>
-            <a:ext cx="242374" cy="369332"/>
-          </a:xfrm>
-          <a:prstGeom prst="rect">
-            <a:avLst/>
-          </a:prstGeom>
-          <a:noFill/>
-          <a:ln>
-            <a:noFill/>
-          </a:ln>
-          <a:effectLst/>
-          <a:extLst>
-            <a:ext uri="{909E8E84-426E-40DD-AFC4-6F175D3DCCD1}">
-              <a14:hiddenFill xmlns:a14="http://schemas.microsoft.com/office/drawing/2010/main">
-                <a:solidFill>
-                  <a:schemeClr val="accent1"/>
-                </a:solidFill>
-              </a14:hiddenFill>
-            </a:ext>
-            <a:ext uri="{91240B29-F687-4F45-9708-019B960494DF}">
-              <a14:hiddenLine xmlns:a14="http://schemas.microsoft.com/office/drawing/2010/main" w="9525">
-                <a:solidFill>
-                  <a:schemeClr val="tx1"/>
-                </a:solidFill>
-                <a:miter lim="800000"/>
-                <a:headEnd/>
-                <a:tailEnd/>
-              </a14:hiddenLine>
-            </a:ext>
-            <a:ext uri="{AF507438-7753-43E0-B8FC-AC1667EBCBE1}">
-              <a14:hiddenEffects xmlns:a14="http://schemas.microsoft.com/office/drawing/2010/main">
-                <a:effectLst>
-                  <a:outerShdw dist="35921" dir="2700000" algn="ctr" rotWithShape="0">
-                    <a:schemeClr val="bg2"/>
-                  </a:outerShdw>
-                </a:effectLst>
-              </a14:hiddenEffects>
-            </a:ext>
-          </a:extLst>
-        </p:spPr>
-        <p:txBody>
-          <a:bodyPr vert="horz" wrap="none" lIns="91440" tIns="45720" rIns="91440" bIns="45720" numCol="1" anchor="ctr" anchorCtr="0" compatLnSpc="1">
-            <a:prstTxWarp prst="textNoShape">
-              <a:avLst/>
-            </a:prstTxWarp>
-            <a:spAutoFit/>
-          </a:bodyPr>
-          <a:lstStyle/>
-          <a:p>
-            <a:pPr marL="0" marR="0" lvl="0" indent="0" algn="l" defTabSz="914400" rtl="0" eaLnBrk="0" fontAlgn="base" latinLnBrk="0" hangingPunct="0">
-              <a:lnSpc>
-                <a:spcPct val="100000"/>
-              </a:lnSpc>
-              <a:spcBef>
-                <a:spcPct val="0"/>
-              </a:spcBef>
-              <a:spcAft>
-                <a:spcPct val="0"/>
-              </a:spcAft>
-              <a:buClrTx/>
-              <a:buSzTx/>
-              <a:buFontTx/>
-              <a:buNone/>
-              <a:tabLst/>
-            </a:pPr>
-            <a:r>
-              <a:rPr kumimoji="0" lang="en-US" altLang="en-US" sz="1800" b="0" i="0" u="none" strike="noStrike" cap="none" normalizeH="0" baseline="0" dirty="0">
-                <a:ln>
-                  <a:noFill/>
-                </a:ln>
-                <a:solidFill>
-                  <a:schemeClr val="tx1"/>
-                </a:solidFill>
-                <a:effectLst/>
-                <a:latin typeface="Calibri" panose="020F0502020204030204" pitchFamily="34" charset="0"/>
-                <a:ea typeface="Calibri" panose="020F0502020204030204" pitchFamily="34" charset="0"/>
-                <a:cs typeface="Times New Roman" panose="02020603050405020304" pitchFamily="18" charset="0"/>
-              </a:rPr>
-              <a:t>,</a:t>
-            </a:r>
-            <a:endParaRPr kumimoji="0" lang="en-US" altLang="en-US" sz="1800" b="0" i="0" u="none" strike="noStrike" cap="none" normalizeH="0" baseline="0" dirty="0">
-              <a:ln>
-                <a:noFill/>
-              </a:ln>
-              <a:solidFill>
-                <a:schemeClr val="tx1"/>
-              </a:solidFill>
-              <a:effectLst/>
-              <a:latin typeface="Arial" panose="020B0604020202020204" pitchFamily="34" charset="0"/>
-            </a:endParaRPr>
-          </a:p>
-        </p:txBody>
-      </p:sp>
-      <p:sp>
-        <p:nvSpPr>
-          <p:cNvPr id="35" name="Rectangle 17"/>
-          <p:cNvSpPr>
-            <a:spLocks noChangeArrowheads="1"/>
-          </p:cNvSpPr>
-          <p:nvPr/>
-        </p:nvSpPr>
-        <p:spPr bwMode="auto">
-          <a:xfrm>
-            <a:off x="1676659" y="3151101"/>
-            <a:ext cx="7574318" cy="369332"/>
-          </a:xfrm>
-          <a:prstGeom prst="rect">
-            <a:avLst/>
-          </a:prstGeom>
-          <a:noFill/>
-          <a:ln>
-            <a:noFill/>
-          </a:ln>
-          <a:effectLst/>
-          <a:extLst>
-            <a:ext uri="{909E8E84-426E-40DD-AFC4-6F175D3DCCD1}">
-              <a14:hiddenFill xmlns:a14="http://schemas.microsoft.com/office/drawing/2010/main">
-                <a:solidFill>
-                  <a:schemeClr val="accent1"/>
-                </a:solidFill>
-              </a14:hiddenFill>
-            </a:ext>
-            <a:ext uri="{91240B29-F687-4F45-9708-019B960494DF}">
-              <a14:hiddenLine xmlns:a14="http://schemas.microsoft.com/office/drawing/2010/main" w="9525">
-                <a:solidFill>
-                  <a:schemeClr val="tx1"/>
-                </a:solidFill>
-                <a:miter lim="800000"/>
-                <a:headEnd/>
-                <a:tailEnd/>
-              </a14:hiddenLine>
-            </a:ext>
-            <a:ext uri="{AF507438-7753-43E0-B8FC-AC1667EBCBE1}">
-              <a14:hiddenEffects xmlns:a14="http://schemas.microsoft.com/office/drawing/2010/main">
-                <a:effectLst>
-                  <a:outerShdw dist="35921" dir="2700000" algn="ctr" rotWithShape="0">
-                    <a:schemeClr val="bg2"/>
-                  </a:outerShdw>
-                </a:effectLst>
-              </a14:hiddenEffects>
-            </a:ext>
-          </a:extLst>
-        </p:spPr>
-        <p:txBody>
-          <a:bodyPr vert="horz" wrap="none" lIns="91440" tIns="45720" rIns="91440" bIns="45720" numCol="1" anchor="ctr" anchorCtr="0" compatLnSpc="1">
-            <a:prstTxWarp prst="textNoShape">
-              <a:avLst/>
-            </a:prstTxWarp>
-            <a:spAutoFit/>
-          </a:bodyPr>
-          <a:lstStyle/>
-          <a:p>
-            <a:pPr marL="0" marR="0" lvl="0" indent="0" algn="l" defTabSz="914400" rtl="0" eaLnBrk="0" fontAlgn="base" latinLnBrk="0" hangingPunct="0">
-              <a:lnSpc>
-                <a:spcPct val="100000"/>
-              </a:lnSpc>
-              <a:spcBef>
-                <a:spcPct val="0"/>
-              </a:spcBef>
-              <a:spcAft>
-                <a:spcPct val="0"/>
-              </a:spcAft>
-              <a:buClrTx/>
-              <a:buSzTx/>
-              <a:buFontTx/>
-              <a:buNone/>
-              <a:tabLst/>
-            </a:pPr>
-            <a:r>
-              <a:rPr kumimoji="0" lang="en-US" altLang="en-US" sz="1800" b="1" i="0" u="none" strike="noStrike" cap="none" normalizeH="0" baseline="0" dirty="0">
-                <a:ln>
-                  <a:noFill/>
-                </a:ln>
-                <a:solidFill>
-                  <a:schemeClr val="tx1"/>
-                </a:solidFill>
-                <a:effectLst/>
-                <a:latin typeface="Calibri" panose="020F0502020204030204" pitchFamily="34" charset="0"/>
-                <a:ea typeface="Calibri" panose="020F0502020204030204" pitchFamily="34" charset="0"/>
-                <a:cs typeface="Times New Roman" panose="02020603050405020304" pitchFamily="18" charset="0"/>
-              </a:rPr>
-              <a:t>Validation</a:t>
-            </a:r>
-            <a:r>
-              <a:rPr kumimoji="0" lang="en-US" altLang="en-US" sz="1800" b="0" i="0" u="none" strike="noStrike" cap="none" normalizeH="0" baseline="0" dirty="0">
-                <a:ln>
-                  <a:noFill/>
-                </a:ln>
-                <a:solidFill>
-                  <a:schemeClr val="tx1"/>
-                </a:solidFill>
-                <a:effectLst/>
-                <a:latin typeface="Calibri" panose="020F0502020204030204" pitchFamily="34" charset="0"/>
-                <a:ea typeface="Calibri" panose="020F0502020204030204" pitchFamily="34" charset="0"/>
-                <a:cs typeface="Times New Roman" panose="02020603050405020304" pitchFamily="18" charset="0"/>
-              </a:rPr>
-              <a:t>: real output vs simulation with input = N(0,9/4): fit=0.8142±0.0364</a:t>
-            </a:r>
-            <a:endParaRPr kumimoji="0" lang="en-US" altLang="en-US" sz="1800" b="0" i="0" u="none" strike="noStrike" cap="none" normalizeH="0" baseline="0" dirty="0">
-              <a:ln>
-                <a:noFill/>
-              </a:ln>
-              <a:solidFill>
-                <a:schemeClr val="tx1"/>
-              </a:solidFill>
-              <a:effectLst/>
-              <a:latin typeface="Arial" panose="020B0604020202020204" pitchFamily="34" charset="0"/>
-            </a:endParaRPr>
-          </a:p>
-        </p:txBody>
-      </p:sp>
+      <p:graphicFrame>
+        <p:nvGraphicFramePr>
+          <p:cNvPr id="30" name="Oggetto 29"/>
+          <p:cNvGraphicFramePr>
+            <a:graphicFrameLocks noChangeAspect="1"/>
+          </p:cNvGraphicFramePr>
+          <p:nvPr>
+            <p:extLst>
+              <p:ext uri="{D42A27DB-BD31-4B8C-83A1-F6EECF244321}">
+                <p14:modId xmlns:p14="http://schemas.microsoft.com/office/powerpoint/2010/main" val="914178720"/>
+              </p:ext>
+            </p:extLst>
+          </p:nvPr>
+        </p:nvGraphicFramePr>
+        <p:xfrm>
+          <a:off x="9499489" y="3272998"/>
+          <a:ext cx="831850" cy="647700"/>
+        </p:xfrm>
+        <a:graphic>
+          <a:graphicData uri="http://schemas.openxmlformats.org/presentationml/2006/ole">
+            <mc:AlternateContent xmlns:mc="http://schemas.openxmlformats.org/markup-compatibility/2006">
+              <mc:Choice xmlns:v="urn:schemas-microsoft-com:vml" Requires="v">
+                <p:oleObj spid="_x0000_s15442" name="Equazione" r:id="rId18" imgW="507960" imgH="393480" progId="Equation.3">
+                  <p:embed/>
+                </p:oleObj>
+              </mc:Choice>
+              <mc:Fallback>
+                <p:oleObj name="Equazione" r:id="rId18" imgW="507960" imgH="393480" progId="Equation.3">
+                  <p:embed/>
+                  <p:pic>
+                    <p:nvPicPr>
+                      <p:cNvPr id="22" name="Oggetto 21"/>
+                      <p:cNvPicPr>
+                        <a:picLocks noChangeAspect="1" noChangeArrowheads="1"/>
+                      </p:cNvPicPr>
+                      <p:nvPr/>
+                    </p:nvPicPr>
+                    <p:blipFill>
+                      <a:blip r:embed="rId19"/>
+                      <a:srcRect/>
+                      <a:stretch>
+                        <a:fillRect/>
+                      </a:stretch>
+                    </p:blipFill>
+                    <p:spPr bwMode="auto">
+                      <a:xfrm>
+                        <a:off x="9499489" y="3272998"/>
+                        <a:ext cx="831850" cy="647700"/>
+                      </a:xfrm>
+                      <a:prstGeom prst="rect">
+                        <a:avLst/>
+                      </a:prstGeom>
+                      <a:noFill/>
+                    </p:spPr>
+                  </p:pic>
+                </p:oleObj>
+              </mc:Fallback>
+            </mc:AlternateContent>
+          </a:graphicData>
+        </a:graphic>
+      </p:graphicFrame>
     </p:spTree>
     <p:extLst>
       <p:ext uri="{BB962C8B-B14F-4D97-AF65-F5344CB8AC3E}">
-        <p14:creationId xmlns:p14="http://schemas.microsoft.com/office/powerpoint/2010/main" val="4288432972"/>
+        <p14:creationId xmlns:p14="http://schemas.microsoft.com/office/powerpoint/2010/main" val="4247654423"/>
       </p:ext>
     </p:extLst>
   </p:cSld>
@@ -11616,8 +13057,8 @@
         </p:blipFill>
         <p:spPr>
           <a:xfrm>
-            <a:off x="8719368" y="1164637"/>
-            <a:ext cx="3472632" cy="1741742"/>
+            <a:off x="6676201" y="1960436"/>
+            <a:ext cx="4001743" cy="2007124"/>
           </a:xfrm>
           <a:prstGeom prst="rect">
             <a:avLst/>
@@ -11992,7 +13433,7 @@
           <a:graphicData uri="http://schemas.openxmlformats.org/presentationml/2006/ole">
             <mc:AlternateContent xmlns:mc="http://schemas.openxmlformats.org/markup-compatibility/2006">
               <mc:Choice xmlns:v="urn:schemas-microsoft-com:vml" Requires="v">
-                <p:oleObj spid="_x0000_s2717" name="Equazione" r:id="rId8" imgW="1815312" imgH="393529" progId="Equation.3">
+                <p:oleObj spid="_x0000_s2793" name="Equazione" r:id="rId8" imgW="1815312" imgH="393529" progId="Equation.3">
                   <p:embed/>
                 </p:oleObj>
               </mc:Choice>
@@ -12059,7 +13500,7 @@
           <a:graphicData uri="http://schemas.openxmlformats.org/presentationml/2006/ole">
             <mc:AlternateContent xmlns:mc="http://schemas.openxmlformats.org/markup-compatibility/2006">
               <mc:Choice xmlns:v="urn:schemas-microsoft-com:vml" Requires="v">
-                <p:oleObj spid="_x0000_s2718" name="Equazione" r:id="rId10" imgW="457200" imgH="241200" progId="Equation.3">
+                <p:oleObj spid="_x0000_s2794" name="Equazione" r:id="rId10" imgW="457200" imgH="241200" progId="Equation.3">
                   <p:embed/>
                 </p:oleObj>
               </mc:Choice>
@@ -12107,20 +13548,20 @@
           <p:nvPr>
             <p:extLst>
               <p:ext uri="{D42A27DB-BD31-4B8C-83A1-F6EECF244321}">
-                <p14:modId xmlns:p14="http://schemas.microsoft.com/office/powerpoint/2010/main" val="1659584791"/>
+                <p14:modId xmlns:p14="http://schemas.microsoft.com/office/powerpoint/2010/main" val="1837174191"/>
               </p:ext>
             </p:extLst>
           </p:nvPr>
         </p:nvGraphicFramePr>
         <p:xfrm>
-          <a:off x="6750299" y="3530588"/>
+          <a:off x="6814252" y="4681249"/>
           <a:ext cx="317204" cy="362519"/>
         </p:xfrm>
         <a:graphic>
           <a:graphicData uri="http://schemas.openxmlformats.org/presentationml/2006/ole">
             <mc:AlternateContent xmlns:mc="http://schemas.openxmlformats.org/markup-compatibility/2006">
               <mc:Choice xmlns:v="urn:schemas-microsoft-com:vml" Requires="v">
-                <p:oleObj spid="_x0000_s2719" name="Equazione" r:id="rId12" imgW="203112" imgH="228501" progId="Equation.3">
+                <p:oleObj spid="_x0000_s2795" name="Equazione" r:id="rId12" imgW="203112" imgH="228501" progId="Equation.3">
                   <p:embed/>
                 </p:oleObj>
               </mc:Choice>
@@ -12150,7 +13591,7 @@
                     </p:blipFill>
                     <p:spPr bwMode="auto">
                       <a:xfrm>
-                        <a:off x="6750299" y="3530588"/>
+                        <a:off x="6814252" y="4681249"/>
                         <a:ext cx="317204" cy="362519"/>
                       </a:xfrm>
                       <a:prstGeom prst="rect">
@@ -12315,20 +13756,20 @@
           <p:nvPr>
             <p:extLst>
               <p:ext uri="{D42A27DB-BD31-4B8C-83A1-F6EECF244321}">
-                <p14:modId xmlns:p14="http://schemas.microsoft.com/office/powerpoint/2010/main" val="4143628291"/>
+                <p14:modId xmlns:p14="http://schemas.microsoft.com/office/powerpoint/2010/main" val="1354070928"/>
               </p:ext>
             </p:extLst>
           </p:nvPr>
         </p:nvGraphicFramePr>
         <p:xfrm>
-          <a:off x="6750299" y="3033617"/>
+          <a:off x="6792417" y="4174120"/>
           <a:ext cx="1263573" cy="365371"/>
         </p:xfrm>
         <a:graphic>
           <a:graphicData uri="http://schemas.openxmlformats.org/presentationml/2006/ole">
             <mc:AlternateContent xmlns:mc="http://schemas.openxmlformats.org/markup-compatibility/2006">
               <mc:Choice xmlns:v="urn:schemas-microsoft-com:vml" Requires="v">
-                <p:oleObj spid="_x0000_s2720" name="Equazione" r:id="rId14" imgW="787400" imgH="228600" progId="Equation.3">
+                <p:oleObj spid="_x0000_s2796" name="Equazione" r:id="rId14" imgW="787400" imgH="228600" progId="Equation.3">
                   <p:embed/>
                 </p:oleObj>
               </mc:Choice>
@@ -12358,7 +13799,7 @@
                     </p:blipFill>
                     <p:spPr bwMode="auto">
                       <a:xfrm>
-                        <a:off x="6750299" y="3033617"/>
+                        <a:off x="6792417" y="4174120"/>
                         <a:ext cx="1263573" cy="365371"/>
                       </a:xfrm>
                       <a:prstGeom prst="rect">
@@ -12509,7 +13950,7 @@
         </p:nvSpPr>
         <p:spPr>
           <a:xfrm>
-            <a:off x="7023871" y="3495953"/>
+            <a:off x="7024136" y="4656600"/>
             <a:ext cx="1846596" cy="369332"/>
           </a:xfrm>
           <a:prstGeom prst="rect">
@@ -12542,7 +13983,7 @@
         </p:nvSpPr>
         <p:spPr>
           <a:xfrm>
-            <a:off x="9948333" y="1362184"/>
+            <a:off x="8085577" y="2311974"/>
             <a:ext cx="414867" cy="1279416"/>
           </a:xfrm>
           <a:prstGeom prst="ellipse">
@@ -12586,13 +14027,14 @@
           <p:cNvPr id="10" name="Connettore 2 9"/>
           <p:cNvCxnSpPr>
             <a:stCxn id="27" idx="2"/>
+            <a:endCxn id="8" idx="0"/>
           </p:cNvCxnSpPr>
           <p:nvPr/>
         </p:nvCxnSpPr>
         <p:spPr>
           <a:xfrm>
             <a:off x="8202219" y="1779659"/>
-            <a:ext cx="1746114" cy="0"/>
+            <a:ext cx="90792" cy="532315"/>
           </a:xfrm>
           <a:prstGeom prst="straightConnector1">
             <a:avLst/>
@@ -12627,7 +14069,7 @@
         </p:nvSpPr>
         <p:spPr>
           <a:xfrm>
-            <a:off x="7881969" y="3022128"/>
+            <a:off x="7947434" y="4140084"/>
             <a:ext cx="1568443" cy="369332"/>
           </a:xfrm>
           <a:prstGeom prst="rect">
@@ -13075,7 +14517,7 @@
           <a:graphicData uri="http://schemas.openxmlformats.org/presentationml/2006/ole">
             <mc:AlternateContent xmlns:mc="http://schemas.openxmlformats.org/markup-compatibility/2006">
               <mc:Choice xmlns:v="urn:schemas-microsoft-com:vml" Requires="v">
-                <p:oleObj spid="_x0000_s11326" name="Equazione" r:id="rId8" imgW="1625400" imgH="241200" progId="Equation.3">
+                <p:oleObj spid="_x0000_s11421" name="Equazione" r:id="rId8" imgW="1625400" imgH="241200" progId="Equation.3">
                   <p:embed/>
                 </p:oleObj>
               </mc:Choice>
@@ -13141,7 +14583,7 @@
           <a:graphicData uri="http://schemas.openxmlformats.org/presentationml/2006/ole">
             <mc:AlternateContent xmlns:mc="http://schemas.openxmlformats.org/markup-compatibility/2006">
               <mc:Choice xmlns:v="urn:schemas-microsoft-com:vml" Requires="v">
-                <p:oleObj spid="_x0000_s11327" name="Equazione" r:id="rId10" imgW="304668" imgH="228501" progId="Equation.3">
+                <p:oleObj spid="_x0000_s11422" name="Equazione" r:id="rId10" imgW="304668" imgH="228501" progId="Equation.3">
                   <p:embed/>
                 </p:oleObj>
               </mc:Choice>
@@ -13208,7 +14650,7 @@
           <a:graphicData uri="http://schemas.openxmlformats.org/presentationml/2006/ole">
             <mc:AlternateContent xmlns:mc="http://schemas.openxmlformats.org/markup-compatibility/2006">
               <mc:Choice xmlns:v="urn:schemas-microsoft-com:vml" Requires="v">
-                <p:oleObj spid="_x0000_s11328" name="Equazione" r:id="rId12" imgW="139579" imgH="177646" progId="Equation.3">
+                <p:oleObj spid="_x0000_s11423" name="Equazione" r:id="rId12" imgW="139579" imgH="177646" progId="Equation.3">
                   <p:embed/>
                 </p:oleObj>
               </mc:Choice>
@@ -13275,7 +14717,7 @@
           <a:graphicData uri="http://schemas.openxmlformats.org/presentationml/2006/ole">
             <mc:AlternateContent xmlns:mc="http://schemas.openxmlformats.org/markup-compatibility/2006">
               <mc:Choice xmlns:v="urn:schemas-microsoft-com:vml" Requires="v">
-                <p:oleObj spid="_x0000_s11329" name="Equazione" r:id="rId14" imgW="545760" imgH="241200" progId="Equation.3">
+                <p:oleObj spid="_x0000_s11424" name="Equazione" r:id="rId14" imgW="545760" imgH="241200" progId="Equation.3">
                   <p:embed/>
                 </p:oleObj>
               </mc:Choice>
@@ -13862,7 +15304,7 @@
           <a:graphicData uri="http://schemas.openxmlformats.org/presentationml/2006/ole">
             <mc:AlternateContent xmlns:mc="http://schemas.openxmlformats.org/markup-compatibility/2006">
               <mc:Choice xmlns:v="urn:schemas-microsoft-com:vml" Requires="v">
-                <p:oleObj spid="_x0000_s11330" name="Equazione" r:id="rId12" imgW="139579" imgH="177646" progId="Equation.3">
+                <p:oleObj spid="_x0000_s11425" name="Equazione" r:id="rId12" imgW="139579" imgH="177646" progId="Equation.3">
                   <p:embed/>
                 </p:oleObj>
               </mc:Choice>
@@ -14190,7 +15632,7 @@
           <a:graphicData uri="http://schemas.openxmlformats.org/presentationml/2006/ole">
             <mc:AlternateContent xmlns:mc="http://schemas.openxmlformats.org/markup-compatibility/2006">
               <mc:Choice xmlns:v="urn:schemas-microsoft-com:vml" Requires="v">
-                <p:oleObj spid="_x0000_s9349" name="Equazione" r:id="rId7" imgW="1549400" imgH="228600" progId="Equation.3">
+                <p:oleObj spid="_x0000_s9463" name="Equazione" r:id="rId7" imgW="1549400" imgH="228600" progId="Equation.3">
                   <p:embed/>
                 </p:oleObj>
               </mc:Choice>
@@ -14262,7 +15704,7 @@
           <a:graphicData uri="http://schemas.openxmlformats.org/presentationml/2006/ole">
             <mc:AlternateContent xmlns:mc="http://schemas.openxmlformats.org/markup-compatibility/2006">
               <mc:Choice xmlns:v="urn:schemas-microsoft-com:vml" Requires="v">
-                <p:oleObj spid="_x0000_s9350" name="Equazione" r:id="rId9" imgW="469900" imgH="228600" progId="Equation.3">
+                <p:oleObj spid="_x0000_s9464" name="Equazione" r:id="rId9" imgW="469900" imgH="228600" progId="Equation.3">
                   <p:embed/>
                 </p:oleObj>
               </mc:Choice>
@@ -14462,7 +15904,7 @@
           <a:graphicData uri="http://schemas.openxmlformats.org/presentationml/2006/ole">
             <mc:AlternateContent xmlns:mc="http://schemas.openxmlformats.org/markup-compatibility/2006">
               <mc:Choice xmlns:v="urn:schemas-microsoft-com:vml" Requires="v">
-                <p:oleObj spid="_x0000_s9351" name="Equazione" r:id="rId11" imgW="520474" imgH="393529" progId="Equation.3">
+                <p:oleObj spid="_x0000_s9465" name="Equazione" r:id="rId11" imgW="520474" imgH="393529" progId="Equation.3">
                   <p:embed/>
                 </p:oleObj>
               </mc:Choice>
@@ -14529,7 +15971,7 @@
           <a:graphicData uri="http://schemas.openxmlformats.org/presentationml/2006/ole">
             <mc:AlternateContent xmlns:mc="http://schemas.openxmlformats.org/markup-compatibility/2006">
               <mc:Choice xmlns:v="urn:schemas-microsoft-com:vml" Requires="v">
-                <p:oleObj spid="_x0000_s9352" name="Equazione" r:id="rId13" imgW="2044700" imgH="393700" progId="Equation.3">
+                <p:oleObj spid="_x0000_s9466" name="Equazione" r:id="rId13" imgW="2044700" imgH="393700" progId="Equation.3">
                   <p:embed/>
                 </p:oleObj>
               </mc:Choice>
@@ -14601,7 +16043,7 @@
           <a:graphicData uri="http://schemas.openxmlformats.org/presentationml/2006/ole">
             <mc:AlternateContent xmlns:mc="http://schemas.openxmlformats.org/markup-compatibility/2006">
               <mc:Choice xmlns:v="urn:schemas-microsoft-com:vml" Requires="v">
-                <p:oleObj spid="_x0000_s9353" name="Equazione" r:id="rId15" imgW="571252" imgH="393529" progId="Equation.3">
+                <p:oleObj spid="_x0000_s9467" name="Equazione" r:id="rId15" imgW="571252" imgH="393529" progId="Equation.3">
                   <p:embed/>
                 </p:oleObj>
               </mc:Choice>
@@ -15047,7 +16489,7 @@
           <a:graphicData uri="http://schemas.openxmlformats.org/presentationml/2006/ole">
             <mc:AlternateContent xmlns:mc="http://schemas.openxmlformats.org/markup-compatibility/2006">
               <mc:Choice xmlns:v="urn:schemas-microsoft-com:vml" Requires="v">
-                <p:oleObj spid="_x0000_s9354" name="Equazione" r:id="rId18" imgW="190440" imgH="152280" progId="Equation.3">
+                <p:oleObj spid="_x0000_s9468" name="Equazione" r:id="rId18" imgW="190440" imgH="152280" progId="Equation.3">
                   <p:embed/>
                 </p:oleObj>
               </mc:Choice>
@@ -15558,7 +17000,7 @@
           <a:graphicData uri="http://schemas.openxmlformats.org/presentationml/2006/ole">
             <mc:AlternateContent xmlns:mc="http://schemas.openxmlformats.org/markup-compatibility/2006">
               <mc:Choice xmlns:v="urn:schemas-microsoft-com:vml" Requires="v">
-                <p:oleObj spid="_x0000_s3598" name="Equazione" r:id="rId7" imgW="1651000" imgH="660400" progId="Equation.3">
+                <p:oleObj spid="_x0000_s3750" name="Equazione" r:id="rId7" imgW="1651000" imgH="660400" progId="Equation.3">
                   <p:embed/>
                 </p:oleObj>
               </mc:Choice>
@@ -15625,7 +17067,7 @@
           <a:graphicData uri="http://schemas.openxmlformats.org/presentationml/2006/ole">
             <mc:AlternateContent xmlns:mc="http://schemas.openxmlformats.org/markup-compatibility/2006">
               <mc:Choice xmlns:v="urn:schemas-microsoft-com:vml" Requires="v">
-                <p:oleObj spid="_x0000_s3599" name="Equazione" r:id="rId9" imgW="965160" imgH="393480" progId="Equation.3">
+                <p:oleObj spid="_x0000_s3751" name="Equazione" r:id="rId9" imgW="965160" imgH="393480" progId="Equation.3">
                   <p:embed/>
                 </p:oleObj>
               </mc:Choice>
@@ -15686,7 +17128,7 @@
           <a:graphicData uri="http://schemas.openxmlformats.org/presentationml/2006/ole">
             <mc:AlternateContent xmlns:mc="http://schemas.openxmlformats.org/markup-compatibility/2006">
               <mc:Choice xmlns:v="urn:schemas-microsoft-com:vml" Requires="v">
-                <p:oleObj spid="_x0000_s3600" name="Equazione" r:id="rId11" imgW="2374560" imgH="965160" progId="Equation.3">
+                <p:oleObj spid="_x0000_s3752" name="Equazione" r:id="rId11" imgW="2374560" imgH="965160" progId="Equation.3">
                   <p:embed/>
                 </p:oleObj>
               </mc:Choice>
@@ -15747,7 +17189,7 @@
           <a:graphicData uri="http://schemas.openxmlformats.org/presentationml/2006/ole">
             <mc:AlternateContent xmlns:mc="http://schemas.openxmlformats.org/markup-compatibility/2006">
               <mc:Choice xmlns:v="urn:schemas-microsoft-com:vml" Requires="v">
-                <p:oleObj spid="_x0000_s3601" name="Equazione" r:id="rId13" imgW="190440" imgH="152280" progId="Equation.3">
+                <p:oleObj spid="_x0000_s3753" name="Equazione" r:id="rId13" imgW="190440" imgH="152280" progId="Equation.3">
                   <p:embed/>
                 </p:oleObj>
               </mc:Choice>
@@ -15979,7 +17421,7 @@
           <a:graphicData uri="http://schemas.openxmlformats.org/presentationml/2006/ole">
             <mc:AlternateContent xmlns:mc="http://schemas.openxmlformats.org/markup-compatibility/2006">
               <mc:Choice xmlns:v="urn:schemas-microsoft-com:vml" Requires="v">
-                <p:oleObj spid="_x0000_s3602" name="Equazione" r:id="rId15" imgW="1892300" imgH="482600" progId="Equation.3">
+                <p:oleObj spid="_x0000_s3754" name="Equazione" r:id="rId15" imgW="1892300" imgH="482600" progId="Equation.3">
                   <p:embed/>
                 </p:oleObj>
               </mc:Choice>
@@ -16046,7 +17488,7 @@
           <a:graphicData uri="http://schemas.openxmlformats.org/presentationml/2006/ole">
             <mc:AlternateContent xmlns:mc="http://schemas.openxmlformats.org/markup-compatibility/2006">
               <mc:Choice xmlns:v="urn:schemas-microsoft-com:vml" Requires="v">
-                <p:oleObj spid="_x0000_s3603" name="Equazione" r:id="rId17" imgW="774364" imgH="457002" progId="Equation.3">
+                <p:oleObj spid="_x0000_s3755" name="Equazione" r:id="rId17" imgW="774364" imgH="457002" progId="Equation.3">
                   <p:embed/>
                 </p:oleObj>
               </mc:Choice>
@@ -16113,7 +17555,7 @@
           <a:graphicData uri="http://schemas.openxmlformats.org/presentationml/2006/ole">
             <mc:AlternateContent xmlns:mc="http://schemas.openxmlformats.org/markup-compatibility/2006">
               <mc:Choice xmlns:v="urn:schemas-microsoft-com:vml" Requires="v">
-                <p:oleObj spid="_x0000_s3604" name="Equazione" r:id="rId19" imgW="3009900" imgH="1143000" progId="Equation.3">
+                <p:oleObj spid="_x0000_s3756" name="Equazione" r:id="rId19" imgW="3009900" imgH="1143000" progId="Equation.3">
                   <p:embed/>
                 </p:oleObj>
               </mc:Choice>
@@ -16354,7 +17796,7 @@
           <a:graphicData uri="http://schemas.openxmlformats.org/presentationml/2006/ole">
             <mc:AlternateContent xmlns:mc="http://schemas.openxmlformats.org/markup-compatibility/2006">
               <mc:Choice xmlns:v="urn:schemas-microsoft-com:vml" Requires="v">
-                <p:oleObj spid="_x0000_s3605" name="Equazione" r:id="rId21" imgW="3251160" imgH="1600200" progId="Equation.3">
+                <p:oleObj spid="_x0000_s3757" name="Equazione" r:id="rId21" imgW="3251160" imgH="1600200" progId="Equation.3">
                   <p:embed/>
                 </p:oleObj>
               </mc:Choice>
@@ -17389,13 +18831,18 @@
         </p:nvSpPr>
         <p:spPr>
           <a:xfrm>
-            <a:off x="8237913" y="5503025"/>
+            <a:off x="7936160" y="5401452"/>
             <a:ext cx="1851725" cy="369332"/>
           </a:xfrm>
           <a:prstGeom prst="rect">
             <a:avLst/>
           </a:prstGeom>
           <a:noFill/>
+          <a:ln>
+            <a:solidFill>
+              <a:schemeClr val="tx1"/>
+            </a:solidFill>
+          </a:ln>
         </p:spPr>
         <p:txBody>
           <a:bodyPr wrap="none" rtlCol="0">
@@ -17410,6 +18857,65 @@
           </a:p>
         </p:txBody>
       </p:sp>
+      <p:pic>
+        <p:nvPicPr>
+          <p:cNvPr id="2" name="Immagine 1"/>
+          <p:cNvPicPr>
+            <a:picLocks noChangeAspect="1"/>
+          </p:cNvPicPr>
+          <p:nvPr/>
+        </p:nvPicPr>
+        <p:blipFill>
+          <a:blip r:embed="rId6" cstate="print">
+            <a:extLst>
+              <a:ext uri="{28A0092B-C50C-407E-A947-70E740481C1C}">
+                <a14:useLocalDpi xmlns:a14="http://schemas.microsoft.com/office/drawing/2010/main" val="0"/>
+              </a:ext>
+            </a:extLst>
+          </a:blip>
+          <a:stretch>
+            <a:fillRect/>
+          </a:stretch>
+        </p:blipFill>
+        <p:spPr>
+          <a:xfrm>
+            <a:off x="6889068" y="3127807"/>
+            <a:ext cx="4657312" cy="2035253"/>
+          </a:xfrm>
+          <a:prstGeom prst="rect">
+            <a:avLst/>
+          </a:prstGeom>
+        </p:spPr>
+      </p:pic>
+      <p:pic>
+        <p:nvPicPr>
+          <p:cNvPr id="32" name="Immagine 31"/>
+          <p:cNvPicPr>
+            <a:picLocks noChangeAspect="1"/>
+          </p:cNvPicPr>
+          <p:nvPr/>
+        </p:nvPicPr>
+        <p:blipFill rotWithShape="1">
+          <a:blip r:embed="rId7" cstate="print">
+            <a:extLst>
+              <a:ext uri="{28A0092B-C50C-407E-A947-70E740481C1C}">
+                <a14:useLocalDpi xmlns:a14="http://schemas.microsoft.com/office/drawing/2010/main" val="0"/>
+              </a:ext>
+            </a:extLst>
+          </a:blip>
+          <a:srcRect t="13063"/>
+          <a:stretch/>
+        </p:blipFill>
+        <p:spPr>
+          <a:xfrm>
+            <a:off x="7008532" y="1520081"/>
+            <a:ext cx="3407315" cy="1666241"/>
+          </a:xfrm>
+          <a:prstGeom prst="rect">
+            <a:avLst/>
+          </a:prstGeom>
+        </p:spPr>
+      </p:pic>
     </p:spTree>
     <p:extLst>
       <p:ext uri="{BB962C8B-B14F-4D97-AF65-F5344CB8AC3E}">

--- a/finalPresentation/Part 1/Part1.pptx
+++ b/finalPresentation/Part 1/Part1.pptx
@@ -6909,7 +6909,7 @@
           <a:graphicData uri="http://schemas.openxmlformats.org/presentationml/2006/ole">
             <mc:AlternateContent xmlns:mc="http://schemas.openxmlformats.org/markup-compatibility/2006">
               <mc:Choice xmlns:v="urn:schemas-microsoft-com:vml" Requires="v">
-                <p:oleObj spid="_x0000_s14387" name="Equazione" r:id="rId8" imgW="1714320" imgH="419040" progId="Equation.3">
+                <p:oleObj spid="_x0000_s14389" name="Equazione" r:id="rId8" imgW="1714320" imgH="419040" progId="Equation.3">
                   <p:embed/>
                 </p:oleObj>
               </mc:Choice>
@@ -7262,7 +7262,7 @@
           <a:graphicData uri="http://schemas.openxmlformats.org/presentationml/2006/ole">
             <mc:AlternateContent xmlns:mc="http://schemas.openxmlformats.org/markup-compatibility/2006">
               <mc:Choice xmlns:v="urn:schemas-microsoft-com:vml" Requires="v">
-                <p:oleObj spid="_x0000_s14388" name="Equazione" r:id="rId10" imgW="2590560" imgH="330120" progId="Equation.3">
+                <p:oleObj spid="_x0000_s14390" name="Equazione" r:id="rId10" imgW="2590560" imgH="330120" progId="Equation.3">
                   <p:embed/>
                 </p:oleObj>
               </mc:Choice>
@@ -7755,7 +7755,7 @@
           <a:graphicData uri="http://schemas.openxmlformats.org/presentationml/2006/ole">
             <mc:AlternateContent xmlns:mc="http://schemas.openxmlformats.org/markup-compatibility/2006">
               <mc:Choice xmlns:v="urn:schemas-microsoft-com:vml" Requires="v">
-                <p:oleObj spid="_x0000_s13335" name="Equazione" r:id="rId7" imgW="876240" imgH="253800" progId="Equation.3">
+                <p:oleObj spid="_x0000_s13336" name="Equazione" r:id="rId7" imgW="876240" imgH="253800" progId="Equation.3">
                   <p:embed/>
                 </p:oleObj>
               </mc:Choice>
@@ -8136,7 +8136,7 @@
           <a:graphicData uri="http://schemas.openxmlformats.org/presentationml/2006/ole">
             <mc:AlternateContent xmlns:mc="http://schemas.openxmlformats.org/markup-compatibility/2006">
               <mc:Choice xmlns:v="urn:schemas-microsoft-com:vml" Requires="v">
-                <p:oleObj spid="_x0000_s12421" name="Equazione" r:id="rId8" imgW="1841500" imgH="203200" progId="Equation.3">
+                <p:oleObj spid="_x0000_s12422" name="Equazione" r:id="rId8" imgW="1841500" imgH="203200" progId="Equation.3">
                   <p:embed/>
                 </p:oleObj>
               </mc:Choice>
@@ -8887,7 +8887,7 @@
           <a:graphicData uri="http://schemas.openxmlformats.org/presentationml/2006/ole">
             <mc:AlternateContent xmlns:mc="http://schemas.openxmlformats.org/markup-compatibility/2006">
               <mc:Choice xmlns:v="urn:schemas-microsoft-com:vml" Requires="v">
-                <p:oleObj spid="_x0000_s15437" name="Equazione" r:id="rId8" imgW="1167893" imgH="393529" progId="Equation.3">
+                <p:oleObj spid="_x0000_s15443" name="Equazione" r:id="rId8" imgW="1167893" imgH="393529" progId="Equation.3">
                   <p:embed/>
                 </p:oleObj>
               </mc:Choice>
@@ -8954,7 +8954,7 @@
           <a:graphicData uri="http://schemas.openxmlformats.org/presentationml/2006/ole">
             <mc:AlternateContent xmlns:mc="http://schemas.openxmlformats.org/markup-compatibility/2006">
               <mc:Choice xmlns:v="urn:schemas-microsoft-com:vml" Requires="v">
-                <p:oleObj spid="_x0000_s15438" name="Equazione" r:id="rId10" imgW="901309" imgH="393529" progId="Equation.3">
+                <p:oleObj spid="_x0000_s15444" name="Equazione" r:id="rId10" imgW="901309" imgH="393529" progId="Equation.3">
                   <p:embed/>
                 </p:oleObj>
               </mc:Choice>
@@ -9021,7 +9021,7 @@
           <a:graphicData uri="http://schemas.openxmlformats.org/presentationml/2006/ole">
             <mc:AlternateContent xmlns:mc="http://schemas.openxmlformats.org/markup-compatibility/2006">
               <mc:Choice xmlns:v="urn:schemas-microsoft-com:vml" Requires="v">
-                <p:oleObj spid="_x0000_s15439" name="Equazione" r:id="rId12" imgW="1511300" imgH="203200" progId="Equation.3">
+                <p:oleObj spid="_x0000_s15445" name="Equazione" r:id="rId12" imgW="1511300" imgH="203200" progId="Equation.3">
                   <p:embed/>
                 </p:oleObj>
               </mc:Choice>
@@ -9088,7 +9088,7 @@
           <a:graphicData uri="http://schemas.openxmlformats.org/presentationml/2006/ole">
             <mc:AlternateContent xmlns:mc="http://schemas.openxmlformats.org/markup-compatibility/2006">
               <mc:Choice xmlns:v="urn:schemas-microsoft-com:vml" Requires="v">
-                <p:oleObj spid="_x0000_s15440" name="Equazione" r:id="rId14" imgW="647640" imgH="228600" progId="Equation.3">
+                <p:oleObj spid="_x0000_s15446" name="Equazione" r:id="rId14" imgW="647640" imgH="228600" progId="Equation.3">
                   <p:embed/>
                 </p:oleObj>
               </mc:Choice>
@@ -9149,7 +9149,7 @@
           <a:graphicData uri="http://schemas.openxmlformats.org/presentationml/2006/ole">
             <mc:AlternateContent xmlns:mc="http://schemas.openxmlformats.org/markup-compatibility/2006">
               <mc:Choice xmlns:v="urn:schemas-microsoft-com:vml" Requires="v">
-                <p:oleObj spid="_x0000_s15441" name="Equazione" r:id="rId16" imgW="889000" imgH="228600" progId="Equation.3">
+                <p:oleObj spid="_x0000_s15447" name="Equazione" r:id="rId16" imgW="889000" imgH="228600" progId="Equation.3">
                   <p:embed/>
                 </p:oleObj>
               </mc:Choice>
@@ -9839,7 +9839,7 @@
           <a:graphicData uri="http://schemas.openxmlformats.org/presentationml/2006/ole">
             <mc:AlternateContent xmlns:mc="http://schemas.openxmlformats.org/markup-compatibility/2006">
               <mc:Choice xmlns:v="urn:schemas-microsoft-com:vml" Requires="v">
-                <p:oleObj spid="_x0000_s15442" name="Equazione" r:id="rId18" imgW="507960" imgH="393480" progId="Equation.3">
+                <p:oleObj spid="_x0000_s15448" name="Equazione" r:id="rId18" imgW="507960" imgH="393480" progId="Equation.3">
                   <p:embed/>
                 </p:oleObj>
               </mc:Choice>
@@ -13057,7 +13057,7 @@
         </p:blipFill>
         <p:spPr>
           <a:xfrm>
-            <a:off x="6676201" y="1960436"/>
+            <a:off x="6676201" y="1936163"/>
             <a:ext cx="4001743" cy="2007124"/>
           </a:xfrm>
           <a:prstGeom prst="rect">
@@ -13433,7 +13433,7 @@
           <a:graphicData uri="http://schemas.openxmlformats.org/presentationml/2006/ole">
             <mc:AlternateContent xmlns:mc="http://schemas.openxmlformats.org/markup-compatibility/2006">
               <mc:Choice xmlns:v="urn:schemas-microsoft-com:vml" Requires="v">
-                <p:oleObj spid="_x0000_s2793" name="Equazione" r:id="rId8" imgW="1815312" imgH="393529" progId="Equation.3">
+                <p:oleObj spid="_x0000_s2797" name="Equazione" r:id="rId8" imgW="1815312" imgH="393529" progId="Equation.3">
                   <p:embed/>
                 </p:oleObj>
               </mc:Choice>
@@ -13500,7 +13500,7 @@
           <a:graphicData uri="http://schemas.openxmlformats.org/presentationml/2006/ole">
             <mc:AlternateContent xmlns:mc="http://schemas.openxmlformats.org/markup-compatibility/2006">
               <mc:Choice xmlns:v="urn:schemas-microsoft-com:vml" Requires="v">
-                <p:oleObj spid="_x0000_s2794" name="Equazione" r:id="rId10" imgW="457200" imgH="241200" progId="Equation.3">
+                <p:oleObj spid="_x0000_s2798" name="Equazione" r:id="rId10" imgW="457200" imgH="241200" progId="Equation.3">
                   <p:embed/>
                 </p:oleObj>
               </mc:Choice>
@@ -13561,7 +13561,7 @@
           <a:graphicData uri="http://schemas.openxmlformats.org/presentationml/2006/ole">
             <mc:AlternateContent xmlns:mc="http://schemas.openxmlformats.org/markup-compatibility/2006">
               <mc:Choice xmlns:v="urn:schemas-microsoft-com:vml" Requires="v">
-                <p:oleObj spid="_x0000_s2795" name="Equazione" r:id="rId12" imgW="203112" imgH="228501" progId="Equation.3">
+                <p:oleObj spid="_x0000_s2799" name="Equazione" r:id="rId12" imgW="203112" imgH="228501" progId="Equation.3">
                   <p:embed/>
                 </p:oleObj>
               </mc:Choice>
@@ -13769,7 +13769,7 @@
           <a:graphicData uri="http://schemas.openxmlformats.org/presentationml/2006/ole">
             <mc:AlternateContent xmlns:mc="http://schemas.openxmlformats.org/markup-compatibility/2006">
               <mc:Choice xmlns:v="urn:schemas-microsoft-com:vml" Requires="v">
-                <p:oleObj spid="_x0000_s2796" name="Equazione" r:id="rId14" imgW="787400" imgH="228600" progId="Equation.3">
+                <p:oleObj spid="_x0000_s2800" name="Equazione" r:id="rId14" imgW="787400" imgH="228600" progId="Equation.3">
                   <p:embed/>
                 </p:oleObj>
               </mc:Choice>
@@ -13983,8 +13983,8 @@
         </p:nvSpPr>
         <p:spPr>
           <a:xfrm>
-            <a:off x="8085577" y="2311974"/>
-            <a:ext cx="414867" cy="1279416"/>
+            <a:off x="7555062" y="2150388"/>
+            <a:ext cx="500928" cy="861696"/>
           </a:xfrm>
           <a:prstGeom prst="ellipse">
             <a:avLst/>
@@ -14032,9 +14032,9 @@
           <p:nvPr/>
         </p:nvCxnSpPr>
         <p:spPr>
-          <a:xfrm>
-            <a:off x="8202219" y="1779659"/>
-            <a:ext cx="90792" cy="532315"/>
+          <a:xfrm flipH="1">
+            <a:off x="7805526" y="1779659"/>
+            <a:ext cx="396693" cy="370729"/>
           </a:xfrm>
           <a:prstGeom prst="straightConnector1">
             <a:avLst/>
@@ -14517,7 +14517,7 @@
           <a:graphicData uri="http://schemas.openxmlformats.org/presentationml/2006/ole">
             <mc:AlternateContent xmlns:mc="http://schemas.openxmlformats.org/markup-compatibility/2006">
               <mc:Choice xmlns:v="urn:schemas-microsoft-com:vml" Requires="v">
-                <p:oleObj spid="_x0000_s11421" name="Equazione" r:id="rId8" imgW="1625400" imgH="241200" progId="Equation.3">
+                <p:oleObj spid="_x0000_s11426" name="Equazione" r:id="rId8" imgW="1625400" imgH="241200" progId="Equation.3">
                   <p:embed/>
                 </p:oleObj>
               </mc:Choice>
@@ -14583,7 +14583,7 @@
           <a:graphicData uri="http://schemas.openxmlformats.org/presentationml/2006/ole">
             <mc:AlternateContent xmlns:mc="http://schemas.openxmlformats.org/markup-compatibility/2006">
               <mc:Choice xmlns:v="urn:schemas-microsoft-com:vml" Requires="v">
-                <p:oleObj spid="_x0000_s11422" name="Equazione" r:id="rId10" imgW="304668" imgH="228501" progId="Equation.3">
+                <p:oleObj spid="_x0000_s11427" name="Equazione" r:id="rId10" imgW="304668" imgH="228501" progId="Equation.3">
                   <p:embed/>
                 </p:oleObj>
               </mc:Choice>
@@ -14650,7 +14650,7 @@
           <a:graphicData uri="http://schemas.openxmlformats.org/presentationml/2006/ole">
             <mc:AlternateContent xmlns:mc="http://schemas.openxmlformats.org/markup-compatibility/2006">
               <mc:Choice xmlns:v="urn:schemas-microsoft-com:vml" Requires="v">
-                <p:oleObj spid="_x0000_s11423" name="Equazione" r:id="rId12" imgW="139579" imgH="177646" progId="Equation.3">
+                <p:oleObj spid="_x0000_s11428" name="Equazione" r:id="rId12" imgW="139579" imgH="177646" progId="Equation.3">
                   <p:embed/>
                 </p:oleObj>
               </mc:Choice>
@@ -14717,7 +14717,7 @@
           <a:graphicData uri="http://schemas.openxmlformats.org/presentationml/2006/ole">
             <mc:AlternateContent xmlns:mc="http://schemas.openxmlformats.org/markup-compatibility/2006">
               <mc:Choice xmlns:v="urn:schemas-microsoft-com:vml" Requires="v">
-                <p:oleObj spid="_x0000_s11424" name="Equazione" r:id="rId14" imgW="545760" imgH="241200" progId="Equation.3">
+                <p:oleObj spid="_x0000_s11429" name="Equazione" r:id="rId14" imgW="545760" imgH="241200" progId="Equation.3">
                   <p:embed/>
                 </p:oleObj>
               </mc:Choice>
@@ -15304,7 +15304,7 @@
           <a:graphicData uri="http://schemas.openxmlformats.org/presentationml/2006/ole">
             <mc:AlternateContent xmlns:mc="http://schemas.openxmlformats.org/markup-compatibility/2006">
               <mc:Choice xmlns:v="urn:schemas-microsoft-com:vml" Requires="v">
-                <p:oleObj spid="_x0000_s11425" name="Equazione" r:id="rId12" imgW="139579" imgH="177646" progId="Equation.3">
+                <p:oleObj spid="_x0000_s11430" name="Equazione" r:id="rId12" imgW="139579" imgH="177646" progId="Equation.3">
                   <p:embed/>
                 </p:oleObj>
               </mc:Choice>
@@ -15632,7 +15632,7 @@
           <a:graphicData uri="http://schemas.openxmlformats.org/presentationml/2006/ole">
             <mc:AlternateContent xmlns:mc="http://schemas.openxmlformats.org/markup-compatibility/2006">
               <mc:Choice xmlns:v="urn:schemas-microsoft-com:vml" Requires="v">
-                <p:oleObj spid="_x0000_s9463" name="Equazione" r:id="rId7" imgW="1549400" imgH="228600" progId="Equation.3">
+                <p:oleObj spid="_x0000_s9469" name="Equazione" r:id="rId7" imgW="1549400" imgH="228600" progId="Equation.3">
                   <p:embed/>
                 </p:oleObj>
               </mc:Choice>
@@ -15704,7 +15704,7 @@
           <a:graphicData uri="http://schemas.openxmlformats.org/presentationml/2006/ole">
             <mc:AlternateContent xmlns:mc="http://schemas.openxmlformats.org/markup-compatibility/2006">
               <mc:Choice xmlns:v="urn:schemas-microsoft-com:vml" Requires="v">
-                <p:oleObj spid="_x0000_s9464" name="Equazione" r:id="rId9" imgW="469900" imgH="228600" progId="Equation.3">
+                <p:oleObj spid="_x0000_s9470" name="Equazione" r:id="rId9" imgW="469900" imgH="228600" progId="Equation.3">
                   <p:embed/>
                 </p:oleObj>
               </mc:Choice>
@@ -15904,7 +15904,7 @@
           <a:graphicData uri="http://schemas.openxmlformats.org/presentationml/2006/ole">
             <mc:AlternateContent xmlns:mc="http://schemas.openxmlformats.org/markup-compatibility/2006">
               <mc:Choice xmlns:v="urn:schemas-microsoft-com:vml" Requires="v">
-                <p:oleObj spid="_x0000_s9465" name="Equazione" r:id="rId11" imgW="520474" imgH="393529" progId="Equation.3">
+                <p:oleObj spid="_x0000_s9471" name="Equazione" r:id="rId11" imgW="520474" imgH="393529" progId="Equation.3">
                   <p:embed/>
                 </p:oleObj>
               </mc:Choice>
@@ -15971,7 +15971,7 @@
           <a:graphicData uri="http://schemas.openxmlformats.org/presentationml/2006/ole">
             <mc:AlternateContent xmlns:mc="http://schemas.openxmlformats.org/markup-compatibility/2006">
               <mc:Choice xmlns:v="urn:schemas-microsoft-com:vml" Requires="v">
-                <p:oleObj spid="_x0000_s9466" name="Equazione" r:id="rId13" imgW="2044700" imgH="393700" progId="Equation.3">
+                <p:oleObj spid="_x0000_s9472" name="Equazione" r:id="rId13" imgW="2044700" imgH="393700" progId="Equation.3">
                   <p:embed/>
                 </p:oleObj>
               </mc:Choice>
@@ -16043,7 +16043,7 @@
           <a:graphicData uri="http://schemas.openxmlformats.org/presentationml/2006/ole">
             <mc:AlternateContent xmlns:mc="http://schemas.openxmlformats.org/markup-compatibility/2006">
               <mc:Choice xmlns:v="urn:schemas-microsoft-com:vml" Requires="v">
-                <p:oleObj spid="_x0000_s9467" name="Equazione" r:id="rId15" imgW="571252" imgH="393529" progId="Equation.3">
+                <p:oleObj spid="_x0000_s9473" name="Equazione" r:id="rId15" imgW="571252" imgH="393529" progId="Equation.3">
                   <p:embed/>
                 </p:oleObj>
               </mc:Choice>
@@ -16489,7 +16489,7 @@
           <a:graphicData uri="http://schemas.openxmlformats.org/presentationml/2006/ole">
             <mc:AlternateContent xmlns:mc="http://schemas.openxmlformats.org/markup-compatibility/2006">
               <mc:Choice xmlns:v="urn:schemas-microsoft-com:vml" Requires="v">
-                <p:oleObj spid="_x0000_s9468" name="Equazione" r:id="rId18" imgW="190440" imgH="152280" progId="Equation.3">
+                <p:oleObj spid="_x0000_s9474" name="Equazione" r:id="rId18" imgW="190440" imgH="152280" progId="Equation.3">
                   <p:embed/>
                 </p:oleObj>
               </mc:Choice>
@@ -17000,7 +17000,7 @@
           <a:graphicData uri="http://schemas.openxmlformats.org/presentationml/2006/ole">
             <mc:AlternateContent xmlns:mc="http://schemas.openxmlformats.org/markup-compatibility/2006">
               <mc:Choice xmlns:v="urn:schemas-microsoft-com:vml" Requires="v">
-                <p:oleObj spid="_x0000_s3750" name="Equazione" r:id="rId7" imgW="1651000" imgH="660400" progId="Equation.3">
+                <p:oleObj spid="_x0000_s3758" name="Equazione" r:id="rId7" imgW="1651000" imgH="660400" progId="Equation.3">
                   <p:embed/>
                 </p:oleObj>
               </mc:Choice>
@@ -17067,7 +17067,7 @@
           <a:graphicData uri="http://schemas.openxmlformats.org/presentationml/2006/ole">
             <mc:AlternateContent xmlns:mc="http://schemas.openxmlformats.org/markup-compatibility/2006">
               <mc:Choice xmlns:v="urn:schemas-microsoft-com:vml" Requires="v">
-                <p:oleObj spid="_x0000_s3751" name="Equazione" r:id="rId9" imgW="965160" imgH="393480" progId="Equation.3">
+                <p:oleObj spid="_x0000_s3759" name="Equazione" r:id="rId9" imgW="965160" imgH="393480" progId="Equation.3">
                   <p:embed/>
                 </p:oleObj>
               </mc:Choice>
@@ -17128,7 +17128,7 @@
           <a:graphicData uri="http://schemas.openxmlformats.org/presentationml/2006/ole">
             <mc:AlternateContent xmlns:mc="http://schemas.openxmlformats.org/markup-compatibility/2006">
               <mc:Choice xmlns:v="urn:schemas-microsoft-com:vml" Requires="v">
-                <p:oleObj spid="_x0000_s3752" name="Equazione" r:id="rId11" imgW="2374560" imgH="965160" progId="Equation.3">
+                <p:oleObj spid="_x0000_s3760" name="Equazione" r:id="rId11" imgW="2374560" imgH="965160" progId="Equation.3">
                   <p:embed/>
                 </p:oleObj>
               </mc:Choice>
@@ -17189,7 +17189,7 @@
           <a:graphicData uri="http://schemas.openxmlformats.org/presentationml/2006/ole">
             <mc:AlternateContent xmlns:mc="http://schemas.openxmlformats.org/markup-compatibility/2006">
               <mc:Choice xmlns:v="urn:schemas-microsoft-com:vml" Requires="v">
-                <p:oleObj spid="_x0000_s3753" name="Equazione" r:id="rId13" imgW="190440" imgH="152280" progId="Equation.3">
+                <p:oleObj spid="_x0000_s3761" name="Equazione" r:id="rId13" imgW="190440" imgH="152280" progId="Equation.3">
                   <p:embed/>
                 </p:oleObj>
               </mc:Choice>
@@ -17421,7 +17421,7 @@
           <a:graphicData uri="http://schemas.openxmlformats.org/presentationml/2006/ole">
             <mc:AlternateContent xmlns:mc="http://schemas.openxmlformats.org/markup-compatibility/2006">
               <mc:Choice xmlns:v="urn:schemas-microsoft-com:vml" Requires="v">
-                <p:oleObj spid="_x0000_s3754" name="Equazione" r:id="rId15" imgW="1892300" imgH="482600" progId="Equation.3">
+                <p:oleObj spid="_x0000_s3762" name="Equazione" r:id="rId15" imgW="1892300" imgH="482600" progId="Equation.3">
                   <p:embed/>
                 </p:oleObj>
               </mc:Choice>
@@ -17488,7 +17488,7 @@
           <a:graphicData uri="http://schemas.openxmlformats.org/presentationml/2006/ole">
             <mc:AlternateContent xmlns:mc="http://schemas.openxmlformats.org/markup-compatibility/2006">
               <mc:Choice xmlns:v="urn:schemas-microsoft-com:vml" Requires="v">
-                <p:oleObj spid="_x0000_s3755" name="Equazione" r:id="rId17" imgW="774364" imgH="457002" progId="Equation.3">
+                <p:oleObj spid="_x0000_s3763" name="Equazione" r:id="rId17" imgW="774364" imgH="457002" progId="Equation.3">
                   <p:embed/>
                 </p:oleObj>
               </mc:Choice>
@@ -17555,7 +17555,7 @@
           <a:graphicData uri="http://schemas.openxmlformats.org/presentationml/2006/ole">
             <mc:AlternateContent xmlns:mc="http://schemas.openxmlformats.org/markup-compatibility/2006">
               <mc:Choice xmlns:v="urn:schemas-microsoft-com:vml" Requires="v">
-                <p:oleObj spid="_x0000_s3756" name="Equazione" r:id="rId19" imgW="3009900" imgH="1143000" progId="Equation.3">
+                <p:oleObj spid="_x0000_s3764" name="Equazione" r:id="rId19" imgW="3009900" imgH="1143000" progId="Equation.3">
                   <p:embed/>
                 </p:oleObj>
               </mc:Choice>
@@ -17796,7 +17796,7 @@
           <a:graphicData uri="http://schemas.openxmlformats.org/presentationml/2006/ole">
             <mc:AlternateContent xmlns:mc="http://schemas.openxmlformats.org/markup-compatibility/2006">
               <mc:Choice xmlns:v="urn:schemas-microsoft-com:vml" Requires="v">
-                <p:oleObj spid="_x0000_s3757" name="Equazione" r:id="rId21" imgW="3251160" imgH="1600200" progId="Equation.3">
+                <p:oleObj spid="_x0000_s3765" name="Equazione" r:id="rId21" imgW="3251160" imgH="1600200" progId="Equation.3">
                   <p:embed/>
                 </p:oleObj>
               </mc:Choice>

--- a/finalPresentation/Part 1/Part1.pptx
+++ b/finalPresentation/Part 1/Part1.pptx
@@ -14301,7 +14301,7 @@
         </p:nvSpPr>
         <p:spPr bwMode="auto">
           <a:xfrm>
-            <a:off x="731846" y="4477704"/>
+            <a:off x="1468221" y="4655728"/>
             <a:ext cx="7445375" cy="369332"/>
           </a:xfrm>
           <a:prstGeom prst="rect">
@@ -14447,7 +14447,7 @@
               </a:rPr>
               <a:t>Control of linear vibrations</a:t>
             </a:r>
-            <a:endParaRPr lang="it-IT" altLang="en-US" sz="2200" b="1" i="1" dirty="0">
+            <a:endParaRPr lang="en-GB" altLang="en-US" sz="2200" b="1" i="1" dirty="0">
               <a:solidFill>
                 <a:srgbClr val="004F84"/>
               </a:solidFill>
@@ -14465,7 +14465,7 @@
         </p:nvSpPr>
         <p:spPr bwMode="auto">
           <a:xfrm>
-            <a:off x="4915444" y="5524144"/>
+            <a:off x="3614020" y="5284284"/>
             <a:ext cx="5549011" cy="941796"/>
           </a:xfrm>
           <a:prstGeom prst="rect">
@@ -14604,17 +14604,34 @@
               </a:spcBef>
             </a:pPr>
             <a:r>
-              <a:rPr lang="it-IT" altLang="en-US" sz="1800" b="1" dirty="0"/>
-              <a:t>Alessio Russo, Gianluca </a:t>
-            </a:r>
-            <a:r>
-              <a:rPr lang="it-IT" altLang="en-US" sz="1800" b="1" dirty="0" err="1"/>
+              <a:rPr lang="en-GB" altLang="en-US" sz="1800" b="1" dirty="0" err="1"/>
+              <a:t>Alessio</a:t>
+            </a:r>
+            <a:r>
+              <a:rPr lang="en-GB" altLang="en-US" sz="1800" b="1" dirty="0"/>
+              <a:t> Russo, </a:t>
+            </a:r>
+            <a:r>
+              <a:rPr lang="en-GB" altLang="en-US" sz="1800" b="1" dirty="0" err="1"/>
+              <a:t>Gianluca</a:t>
+            </a:r>
+            <a:r>
+              <a:rPr lang="en-GB" altLang="en-US" sz="1800" b="1" dirty="0"/>
+              <a:t> </a:t>
+            </a:r>
+            <a:r>
+              <a:rPr lang="en-GB" altLang="en-US" sz="1800" b="1" dirty="0" err="1"/>
               <a:t>Savaia</a:t>
             </a:r>
             <a:r>
-              <a:rPr lang="it-IT" altLang="en-US" sz="1800" b="1" dirty="0"/>
-              <a:t>, Alberto Ficicchia</a:t>
-            </a:r>
+              <a:rPr lang="en-GB" altLang="en-US" sz="1800" b="1" dirty="0"/>
+              <a:t>, Alberto </a:t>
+            </a:r>
+            <a:r>
+              <a:rPr lang="en-GB" altLang="en-US" sz="1800" b="1" dirty="0" err="1"/>
+              <a:t>Ficicchia</a:t>
+            </a:r>
+            <a:endParaRPr lang="en-GB" altLang="en-US" sz="1800" b="1" dirty="0"/>
           </a:p>
           <a:p>
             <a:pPr>
@@ -14623,7 +14640,7 @@
               </a:spcBef>
             </a:pPr>
             <a:r>
-              <a:rPr lang="it-IT" altLang="en-US" sz="1800" i="1" dirty="0"/>
+              <a:rPr lang="en-GB" altLang="en-US" sz="1800" i="1" dirty="0"/>
               <a:t>School of Industrial and Information Engineering</a:t>
             </a:r>
           </a:p>
@@ -14634,8 +14651,12 @@
               </a:spcBef>
             </a:pPr>
             <a:r>
-              <a:rPr lang="it-IT" altLang="en-US" sz="1800" i="1" dirty="0"/>
-              <a:t>Politecnico di milano</a:t>
+              <a:rPr lang="en-GB" altLang="en-US" sz="1800" i="1" dirty="0" err="1"/>
+              <a:t>Politecnico</a:t>
+            </a:r>
+            <a:r>
+              <a:rPr lang="en-GB" altLang="en-US" sz="1800" i="1" dirty="0"/>
+              <a:t> di Milano</a:t>
             </a:r>
           </a:p>
         </p:txBody>
@@ -14650,8 +14671,8 @@
         </p:nvSpPr>
         <p:spPr bwMode="auto">
           <a:xfrm>
-            <a:off x="3236211" y="8"/>
-            <a:ext cx="7060819" cy="1274195"/>
+            <a:off x="2083181" y="0"/>
+            <a:ext cx="7060819" cy="1175706"/>
           </a:xfrm>
           <a:prstGeom prst="rect">
             <a:avLst/>
@@ -14789,7 +14810,7 @@
               </a:spcBef>
             </a:pPr>
             <a:r>
-              <a:rPr lang="it-IT" altLang="en-US" b="1" dirty="0">
+              <a:rPr lang="en-GB" altLang="en-US" sz="2200" b="1" dirty="0">
                 <a:solidFill>
                   <a:srgbClr val="FF9900"/>
                 </a:solidFill>
@@ -14804,7 +14825,7 @@
               </a:spcBef>
             </a:pPr>
             <a:r>
-              <a:rPr lang="it-IT" altLang="en-US" b="1" dirty="0">
+              <a:rPr lang="en-GB" altLang="en-US" sz="2200" b="1" dirty="0">
                 <a:solidFill>
                   <a:srgbClr val="FF9900"/>
                 </a:solidFill>
@@ -14812,14 +14833,14 @@
               <a:t>Automation and Control Engineering</a:t>
             </a:r>
             <a:br>
-              <a:rPr lang="it-IT" altLang="en-US" b="1" dirty="0">
+              <a:rPr lang="en-GB" altLang="en-US" sz="2200" b="1" dirty="0">
                 <a:solidFill>
                   <a:srgbClr val="FF9900"/>
                 </a:solidFill>
               </a:rPr>
             </a:br>
             <a:r>
-              <a:rPr lang="it-IT" altLang="en-US" b="1" dirty="0">
+              <a:rPr lang="en-GB" altLang="en-US" sz="2200" b="1" dirty="0">
                 <a:solidFill>
                   <a:srgbClr val="FF9900"/>
                 </a:solidFill>
@@ -14837,7 +14858,7 @@
         </p:nvSpPr>
         <p:spPr>
           <a:xfrm>
-            <a:off x="-568561" y="6096607"/>
+            <a:off x="111170" y="6363644"/>
             <a:ext cx="5216236" cy="369332"/>
           </a:xfrm>
           <a:prstGeom prst="rect">
@@ -15128,7 +15149,7 @@
         </p:nvSpPr>
         <p:spPr>
           <a:xfrm>
-            <a:off x="691551" y="2217921"/>
+            <a:off x="1041400" y="2518398"/>
             <a:ext cx="7061200" cy="2262457"/>
           </a:xfrm>
           <a:prstGeom prst="rect">
@@ -16617,7 +16638,7 @@
           <a:graphicData uri="http://schemas.openxmlformats.org/presentationml/2006/ole">
             <mc:AlternateContent xmlns:mc="http://schemas.openxmlformats.org/markup-compatibility/2006">
               <mc:Choice xmlns:v="urn:schemas-microsoft-com:vml" Requires="v">
-                <p:oleObj spid="_x0000_s14441" name="Equazione" r:id="rId8" imgW="1714320" imgH="419040" progId="Equation.3">
+                <p:oleObj spid="_x0000_s14463" name="Equazione" r:id="rId8" imgW="1714320" imgH="419040" progId="Equation.3">
                   <p:embed/>
                 </p:oleObj>
               </mc:Choice>
@@ -16970,7 +16991,7 @@
           <a:graphicData uri="http://schemas.openxmlformats.org/presentationml/2006/ole">
             <mc:AlternateContent xmlns:mc="http://schemas.openxmlformats.org/markup-compatibility/2006">
               <mc:Choice xmlns:v="urn:schemas-microsoft-com:vml" Requires="v">
-                <p:oleObj spid="_x0000_s14442" name="Equazione" r:id="rId10" imgW="2590560" imgH="330120" progId="Equation.3">
+                <p:oleObj spid="_x0000_s14464" name="Equazione" r:id="rId10" imgW="2590560" imgH="330120" progId="Equation.3">
                   <p:embed/>
                 </p:oleObj>
               </mc:Choice>
@@ -17173,7 +17194,7 @@
           <a:lstStyle/>
           <a:p>
             <a:r>
-              <a:rPr lang="en-US" sz="3000" dirty="0">
+              <a:rPr lang="en-GB" sz="3000" dirty="0">
                 <a:solidFill>
                   <a:srgbClr val="003366"/>
                 </a:solidFill>
@@ -17214,14 +17235,14 @@
               </a:lnSpc>
             </a:pPr>
             <a:r>
-              <a:rPr lang="en-US" sz="1200" b="1" dirty="0">
+              <a:rPr lang="en-GB" sz="1200" b="1" dirty="0">
                 <a:solidFill>
                   <a:srgbClr val="003366"/>
                 </a:solidFill>
               </a:rPr>
               <a:t>Control of linear vibrations</a:t>
             </a:r>
-            <a:endParaRPr lang="en-US" sz="1300" b="1" dirty="0">
+            <a:endParaRPr lang="en-GB" sz="1300" b="1" dirty="0">
               <a:solidFill>
                 <a:srgbClr val="003366"/>
               </a:solidFill>
@@ -17337,7 +17358,7 @@
           <a:lstStyle/>
           <a:p>
             <a:r>
-              <a:rPr lang="en-US" sz="1200" b="1" dirty="0">
+              <a:rPr lang="en-GB" sz="1200" b="1" dirty="0">
                 <a:solidFill>
                   <a:srgbClr val="FFFFFF"/>
                 </a:solidFill>
@@ -17384,7 +17405,7 @@
           <p:nvPr>
             <p:extLst>
               <p:ext uri="{D42A27DB-BD31-4B8C-83A1-F6EECF244321}">
-                <p14:modId xmlns:p14="http://schemas.microsoft.com/office/powerpoint/2010/main" val="149716300"/>
+                <p14:modId xmlns:p14="http://schemas.microsoft.com/office/powerpoint/2010/main" val="1045594897"/>
               </p:ext>
             </p:extLst>
           </p:nvPr>
@@ -17397,7 +17418,7 @@
           <a:graphicData uri="http://schemas.openxmlformats.org/presentationml/2006/ole">
             <mc:AlternateContent xmlns:mc="http://schemas.openxmlformats.org/markup-compatibility/2006">
               <mc:Choice xmlns:v="urn:schemas-microsoft-com:vml" Requires="v">
-                <p:oleObj spid="_x0000_s12448" name="Equazione" r:id="rId8" imgW="1841500" imgH="203200" progId="Equation.3">
+                <p:oleObj spid="_x0000_s12459" name="Equazione" r:id="rId8" imgW="1841500" imgH="203200" progId="Equation.3">
                   <p:embed/>
                 </p:oleObj>
               </mc:Choice>
@@ -17465,16 +17486,8 @@
           <a:lstStyle/>
           <a:p>
             <a:r>
-              <a:rPr lang="it-IT" dirty="0"/>
-              <a:t>Steady state: </a:t>
-            </a:r>
-            <a:r>
-              <a:rPr lang="it-IT" dirty="0" err="1"/>
-              <a:t>identify</a:t>
-            </a:r>
-            <a:r>
-              <a:rPr lang="it-IT" dirty="0"/>
-              <a:t> </a:t>
+              <a:rPr lang="en-GB" dirty="0"/>
+              <a:t>Steady state: identify </a:t>
             </a:r>
           </a:p>
         </p:txBody>
@@ -17542,7 +17555,7 @@
           <a:lstStyle/>
           <a:p>
             <a:r>
-              <a:rPr lang="it-IT" dirty="0"/>
+              <a:rPr lang="en-GB" dirty="0"/>
               <a:t>Voltage</a:t>
             </a:r>
           </a:p>
@@ -17614,10 +17627,9 @@
           <a:lstStyle/>
           <a:p>
             <a:r>
-              <a:rPr lang="it-IT" dirty="0" err="1"/>
+              <a:rPr lang="en-GB" dirty="0"/>
               <a:t>Current</a:t>
             </a:r>
-            <a:endParaRPr lang="it-IT" dirty="0"/>
           </a:p>
         </p:txBody>
       </p:sp>
@@ -17924,7 +17936,7 @@
           <a:lstStyle/>
           <a:p>
             <a:r>
-              <a:rPr lang="en-US" sz="3000" dirty="0">
+              <a:rPr lang="en-GB" sz="3000" dirty="0">
                 <a:solidFill>
                   <a:srgbClr val="003366"/>
                 </a:solidFill>
@@ -17965,14 +17977,14 @@
               </a:lnSpc>
             </a:pPr>
             <a:r>
-              <a:rPr lang="en-US" sz="1200" b="1" dirty="0">
+              <a:rPr lang="en-GB" sz="1200" b="1" dirty="0">
                 <a:solidFill>
                   <a:srgbClr val="003366"/>
                 </a:solidFill>
               </a:rPr>
               <a:t>Control of linear vibrations</a:t>
             </a:r>
-            <a:endParaRPr lang="en-US" sz="1300" b="1" dirty="0">
+            <a:endParaRPr lang="en-GB" sz="1300" b="1" dirty="0">
               <a:solidFill>
                 <a:srgbClr val="003366"/>
               </a:solidFill>
@@ -18088,7 +18100,7 @@
           <a:lstStyle/>
           <a:p>
             <a:r>
-              <a:rPr lang="en-US" sz="1200" b="1" dirty="0">
+              <a:rPr lang="en-GB" sz="1200" b="1" dirty="0">
                 <a:solidFill>
                   <a:srgbClr val="FFFFFF"/>
                 </a:solidFill>
@@ -18135,7 +18147,7 @@
           <p:nvPr>
             <p:extLst>
               <p:ext uri="{D42A27DB-BD31-4B8C-83A1-F6EECF244321}">
-                <p14:modId xmlns:p14="http://schemas.microsoft.com/office/powerpoint/2010/main" val="979431262"/>
+                <p14:modId xmlns:p14="http://schemas.microsoft.com/office/powerpoint/2010/main" val="3959870300"/>
               </p:ext>
             </p:extLst>
           </p:nvPr>
@@ -18148,7 +18160,7 @@
           <a:graphicData uri="http://schemas.openxmlformats.org/presentationml/2006/ole">
             <mc:AlternateContent xmlns:mc="http://schemas.openxmlformats.org/markup-compatibility/2006">
               <mc:Choice xmlns:v="urn:schemas-microsoft-com:vml" Requires="v">
-                <p:oleObj spid="_x0000_s15599" name="Equazione" r:id="rId8" imgW="1167893" imgH="393529" progId="Equation.3">
+                <p:oleObj spid="_x0000_s15665" name="Equazione" r:id="rId8" imgW="1167893" imgH="393529" progId="Equation.3">
                   <p:embed/>
                 </p:oleObj>
               </mc:Choice>
@@ -18202,20 +18214,20 @@
           <p:nvPr>
             <p:extLst>
               <p:ext uri="{D42A27DB-BD31-4B8C-83A1-F6EECF244321}">
-                <p14:modId xmlns:p14="http://schemas.microsoft.com/office/powerpoint/2010/main" val="2339216678"/>
+                <p14:modId xmlns:p14="http://schemas.microsoft.com/office/powerpoint/2010/main" val="2015605643"/>
               </p:ext>
             </p:extLst>
           </p:nvPr>
         </p:nvGraphicFramePr>
         <p:xfrm>
-          <a:off x="2994475" y="1412895"/>
+          <a:off x="5369940" y="1383689"/>
           <a:ext cx="1179209" cy="508923"/>
         </p:xfrm>
         <a:graphic>
           <a:graphicData uri="http://schemas.openxmlformats.org/presentationml/2006/ole">
             <mc:AlternateContent xmlns:mc="http://schemas.openxmlformats.org/markup-compatibility/2006">
               <mc:Choice xmlns:v="urn:schemas-microsoft-com:vml" Requires="v">
-                <p:oleObj spid="_x0000_s15600" name="Equazione" r:id="rId10" imgW="901309" imgH="393529" progId="Equation.3">
+                <p:oleObj spid="_x0000_s15666" name="Equazione" r:id="rId10" imgW="901309" imgH="393529" progId="Equation.3">
                   <p:embed/>
                 </p:oleObj>
               </mc:Choice>
@@ -18245,7 +18257,7 @@
                     </p:blipFill>
                     <p:spPr bwMode="auto">
                       <a:xfrm>
-                        <a:off x="2994475" y="1412895"/>
+                        <a:off x="5369940" y="1383689"/>
                         <a:ext cx="1179209" cy="508923"/>
                       </a:xfrm>
                       <a:prstGeom prst="rect">
@@ -18269,7 +18281,7 @@
           <p:nvPr>
             <p:extLst>
               <p:ext uri="{D42A27DB-BD31-4B8C-83A1-F6EECF244321}">
-                <p14:modId xmlns:p14="http://schemas.microsoft.com/office/powerpoint/2010/main" val="3347964650"/>
+                <p14:modId xmlns:p14="http://schemas.microsoft.com/office/powerpoint/2010/main" val="2230448482"/>
               </p:ext>
             </p:extLst>
           </p:nvPr>
@@ -18282,7 +18294,7 @@
           <a:graphicData uri="http://schemas.openxmlformats.org/presentationml/2006/ole">
             <mc:AlternateContent xmlns:mc="http://schemas.openxmlformats.org/markup-compatibility/2006">
               <mc:Choice xmlns:v="urn:schemas-microsoft-com:vml" Requires="v">
-                <p:oleObj spid="_x0000_s15601" name="Equazione" r:id="rId12" imgW="1511300" imgH="203200" progId="Equation.3">
+                <p:oleObj spid="_x0000_s15667" name="Equazione" r:id="rId12" imgW="1511300" imgH="203200" progId="Equation.3">
                   <p:embed/>
                 </p:oleObj>
               </mc:Choice>
@@ -18336,7 +18348,7 @@
           <p:nvPr>
             <p:extLst>
               <p:ext uri="{D42A27DB-BD31-4B8C-83A1-F6EECF244321}">
-                <p14:modId xmlns:p14="http://schemas.microsoft.com/office/powerpoint/2010/main" val="927427361"/>
+                <p14:modId xmlns:p14="http://schemas.microsoft.com/office/powerpoint/2010/main" val="3465403742"/>
               </p:ext>
             </p:extLst>
           </p:nvPr>
@@ -18349,7 +18361,7 @@
           <a:graphicData uri="http://schemas.openxmlformats.org/presentationml/2006/ole">
             <mc:AlternateContent xmlns:mc="http://schemas.openxmlformats.org/markup-compatibility/2006">
               <mc:Choice xmlns:v="urn:schemas-microsoft-com:vml" Requires="v">
-                <p:oleObj spid="_x0000_s15602" name="Equazione" r:id="rId14" imgW="647640" imgH="228600" progId="Equation.3">
+                <p:oleObj spid="_x0000_s15668" name="Equazione" r:id="rId14" imgW="647640" imgH="228600" progId="Equation.3">
                   <p:embed/>
                 </p:oleObj>
               </mc:Choice>
@@ -18397,7 +18409,7 @@
           <p:nvPr>
             <p:extLst>
               <p:ext uri="{D42A27DB-BD31-4B8C-83A1-F6EECF244321}">
-                <p14:modId xmlns:p14="http://schemas.microsoft.com/office/powerpoint/2010/main" val="4261224269"/>
+                <p14:modId xmlns:p14="http://schemas.microsoft.com/office/powerpoint/2010/main" val="730651932"/>
               </p:ext>
             </p:extLst>
           </p:nvPr>
@@ -18410,7 +18422,7 @@
           <a:graphicData uri="http://schemas.openxmlformats.org/presentationml/2006/ole">
             <mc:AlternateContent xmlns:mc="http://schemas.openxmlformats.org/markup-compatibility/2006">
               <mc:Choice xmlns:v="urn:schemas-microsoft-com:vml" Requires="v">
-                <p:oleObj spid="_x0000_s15603" name="Equazione" r:id="rId16" imgW="889000" imgH="228600" progId="Equation.3">
+                <p:oleObj spid="_x0000_s15669" name="Equazione" r:id="rId16" imgW="889000" imgH="228600" progId="Equation.3">
                   <p:embed/>
                 </p:oleObj>
               </mc:Choice>
@@ -18523,7 +18535,7 @@
               </a:spcAft>
             </a:pPr>
             <a:r>
-              <a:rPr lang="en-US" altLang="en-US" dirty="0" err="1">
+              <a:rPr lang="en-GB" altLang="en-US" dirty="0" err="1">
                 <a:latin typeface="Calibri" panose="020F0502020204030204" pitchFamily="34" charset="0"/>
                 <a:ea typeface="Calibri" panose="020F0502020204030204" pitchFamily="34" charset="0"/>
                 <a:cs typeface="Times New Roman" panose="02020603050405020304" pitchFamily="18" charset="0"/>
@@ -18531,7 +18543,7 @@
               <a:t>Matlab</a:t>
             </a:r>
             <a:r>
-              <a:rPr lang="en-US" altLang="en-US" dirty="0">
+              <a:rPr lang="en-GB" altLang="en-US" dirty="0">
                 <a:latin typeface="Calibri" panose="020F0502020204030204" pitchFamily="34" charset="0"/>
                 <a:ea typeface="Calibri" panose="020F0502020204030204" pitchFamily="34" charset="0"/>
                 <a:cs typeface="Times New Roman" panose="02020603050405020304" pitchFamily="18" charset="0"/>
@@ -18539,7 +18551,7 @@
               <a:t> </a:t>
             </a:r>
             <a:r>
-              <a:rPr lang="en-US" altLang="en-US" dirty="0" err="1">
+              <a:rPr lang="en-GB" altLang="en-US" dirty="0" err="1">
                 <a:latin typeface="Lucida Calligraphy" panose="03010101010101010101" pitchFamily="66" charset="0"/>
                 <a:ea typeface="Calibri" panose="020F0502020204030204" pitchFamily="34" charset="0"/>
                 <a:cs typeface="Times New Roman" panose="02020603050405020304" pitchFamily="18" charset="0"/>
@@ -18547,14 +18559,14 @@
               <a:t>tfest</a:t>
             </a:r>
             <a:r>
-              <a:rPr lang="en-US" altLang="en-US" dirty="0">
+              <a:rPr lang="en-GB" altLang="en-US" dirty="0">
                 <a:latin typeface="Calibri" panose="020F0502020204030204" pitchFamily="34" charset="0"/>
                 <a:ea typeface="Calibri" panose="020F0502020204030204" pitchFamily="34" charset="0"/>
                 <a:cs typeface="Times New Roman" panose="02020603050405020304" pitchFamily="18" charset="0"/>
               </a:rPr>
               <a:t> (first order)</a:t>
             </a:r>
-            <a:endParaRPr lang="en-US" altLang="en-US" sz="800" dirty="0"/>
+            <a:endParaRPr lang="en-GB" altLang="en-US" sz="800" dirty="0"/>
           </a:p>
         </p:txBody>
       </p:sp>
@@ -18568,8 +18580,8 @@
         </p:nvSpPr>
         <p:spPr bwMode="auto">
           <a:xfrm>
-            <a:off x="82451" y="1449990"/>
-            <a:ext cx="2912016" cy="369332"/>
+            <a:off x="82450" y="1456979"/>
+            <a:ext cx="5407571" cy="369332"/>
           </a:xfrm>
           <a:prstGeom prst="rect">
             <a:avLst/>
@@ -18626,7 +18638,7 @@
               </a:spcAft>
             </a:pPr>
             <a:r>
-              <a:rPr lang="en-US" altLang="en-US" dirty="0">
+              <a:rPr lang="en-GB" altLang="en-US" dirty="0">
                 <a:latin typeface="Calibri" panose="020F0502020204030204" pitchFamily="34" charset="0"/>
                 <a:ea typeface="Calibri" panose="020F0502020204030204" pitchFamily="34" charset="0"/>
                 <a:cs typeface="Times New Roman" panose="02020603050405020304" pitchFamily="18" charset="0"/>
@@ -18634,7 +18646,7 @@
               <a:t>back-</a:t>
             </a:r>
             <a:r>
-              <a:rPr lang="en-US" altLang="en-US" dirty="0" err="1">
+              <a:rPr lang="en-GB" altLang="en-US" dirty="0" err="1">
                 <a:latin typeface="Calibri" panose="020F0502020204030204" pitchFamily="34" charset="0"/>
                 <a:ea typeface="Calibri" panose="020F0502020204030204" pitchFamily="34" charset="0"/>
                 <a:cs typeface="Times New Roman" panose="02020603050405020304" pitchFamily="18" charset="0"/>
@@ -18642,14 +18654,30 @@
               <a:t>emf</a:t>
             </a:r>
             <a:r>
-              <a:rPr lang="en-US" altLang="en-US" dirty="0">
+              <a:rPr lang="en-GB" altLang="en-US" dirty="0">
                 <a:latin typeface="Calibri" panose="020F0502020204030204" pitchFamily="34" charset="0"/>
                 <a:ea typeface="Calibri" panose="020F0502020204030204" pitchFamily="34" charset="0"/>
                 <a:cs typeface="Times New Roman" panose="02020603050405020304" pitchFamily="18" charset="0"/>
               </a:rPr>
-              <a:t> neglected because </a:t>
-            </a:r>
-            <a:endParaRPr lang="en-US" altLang="en-US" dirty="0">
+              <a:t> neglected in </a:t>
+            </a:r>
+            <a:r>
+              <a:rPr lang="en-GB" altLang="en-US" b="1" dirty="0">
+                <a:latin typeface="Calibri" panose="020F0502020204030204" pitchFamily="34" charset="0"/>
+                <a:ea typeface="Calibri" panose="020F0502020204030204" pitchFamily="34" charset="0"/>
+                <a:cs typeface="Times New Roman" panose="02020603050405020304" pitchFamily="18" charset="0"/>
+              </a:rPr>
+              <a:t>white</a:t>
+            </a:r>
+            <a:r>
+              <a:rPr lang="en-GB" altLang="en-US" dirty="0">
+                <a:latin typeface="Calibri" panose="020F0502020204030204" pitchFamily="34" charset="0"/>
+                <a:ea typeface="Calibri" panose="020F0502020204030204" pitchFamily="34" charset="0"/>
+                <a:cs typeface="Times New Roman" panose="02020603050405020304" pitchFamily="18" charset="0"/>
+              </a:rPr>
+              <a:t> box identification because </a:t>
+            </a:r>
+            <a:endParaRPr lang="en-GB" altLang="en-US" dirty="0">
               <a:latin typeface="Arial" panose="020B0604020202020204" pitchFamily="34" charset="0"/>
             </a:endParaRPr>
           </a:p>
@@ -18723,14 +18751,14 @@
               </a:spcAft>
             </a:pPr>
             <a:r>
-              <a:rPr lang="en-US" altLang="en-US" dirty="0">
+              <a:rPr lang="en-GB" altLang="en-US" dirty="0">
                 <a:latin typeface="Calibri" panose="020F0502020204030204" pitchFamily="34" charset="0"/>
                 <a:ea typeface="Calibri" panose="020F0502020204030204" pitchFamily="34" charset="0"/>
                 <a:cs typeface="Times New Roman" panose="02020603050405020304" pitchFamily="18" charset="0"/>
               </a:rPr>
               <a:t>Nominal values from datasheet </a:t>
             </a:r>
-            <a:endParaRPr lang="en-US" altLang="en-US" dirty="0">
+            <a:endParaRPr lang="en-GB" altLang="en-US" dirty="0">
               <a:latin typeface="Arial" panose="020B0604020202020204" pitchFamily="34" charset="0"/>
             </a:endParaRPr>
           </a:p>
@@ -18804,7 +18832,7 @@
               </a:spcAft>
             </a:pPr>
             <a:r>
-              <a:rPr lang="en-US" altLang="en-US" b="1" dirty="0">
+              <a:rPr lang="en-GB" altLang="en-US" b="1" dirty="0">
                 <a:latin typeface="Calibri" panose="020F0502020204030204" pitchFamily="34" charset="0"/>
                 <a:ea typeface="Calibri" panose="020F0502020204030204" pitchFamily="34" charset="0"/>
                 <a:cs typeface="Times New Roman" panose="02020603050405020304" pitchFamily="18" charset="0"/>
@@ -18812,7 +18840,7 @@
               <a:t>Validation</a:t>
             </a:r>
             <a:r>
-              <a:rPr lang="en-US" altLang="en-US" dirty="0">
+              <a:rPr lang="en-GB" altLang="en-US" dirty="0">
                 <a:latin typeface="Calibri" panose="020F0502020204030204" pitchFamily="34" charset="0"/>
                 <a:ea typeface="Calibri" panose="020F0502020204030204" pitchFamily="34" charset="0"/>
                 <a:cs typeface="Times New Roman" panose="02020603050405020304" pitchFamily="18" charset="0"/>
@@ -18829,7 +18857,7 @@
                 <a:spcPct val="0"/>
               </a:spcAft>
             </a:pPr>
-            <a:endParaRPr lang="en-US" altLang="en-US" dirty="0">
+            <a:endParaRPr lang="en-GB" altLang="en-US" dirty="0">
               <a:latin typeface="Calibri" panose="020F0502020204030204" pitchFamily="34" charset="0"/>
               <a:ea typeface="Calibri" panose="020F0502020204030204" pitchFamily="34" charset="0"/>
               <a:cs typeface="Times New Roman" panose="02020603050405020304" pitchFamily="18" charset="0"/>
@@ -18845,14 +18873,14 @@
               </a:spcAft>
             </a:pPr>
             <a:r>
-              <a:rPr lang="en-US" altLang="en-US" dirty="0">
+              <a:rPr lang="en-GB" altLang="en-US" dirty="0">
                 <a:latin typeface="Calibri" panose="020F0502020204030204" pitchFamily="34" charset="0"/>
                 <a:ea typeface="Calibri" panose="020F0502020204030204" pitchFamily="34" charset="0"/>
                 <a:cs typeface="Times New Roman" panose="02020603050405020304" pitchFamily="18" charset="0"/>
               </a:rPr>
               <a:t>Fit = (81.42±3,64) %</a:t>
             </a:r>
-            <a:endParaRPr lang="en-US" altLang="en-US" dirty="0">
+            <a:endParaRPr lang="en-GB" altLang="en-US" dirty="0">
               <a:latin typeface="Arial" panose="020B0604020202020204" pitchFamily="34" charset="0"/>
             </a:endParaRPr>
           </a:p>
@@ -18918,7 +18946,7 @@
           <p:nvPr>
             <p:extLst>
               <p:ext uri="{D42A27DB-BD31-4B8C-83A1-F6EECF244321}">
-                <p14:modId xmlns:p14="http://schemas.microsoft.com/office/powerpoint/2010/main" val="914178720"/>
+                <p14:modId xmlns:p14="http://schemas.microsoft.com/office/powerpoint/2010/main" val="582419066"/>
               </p:ext>
             </p:extLst>
           </p:nvPr>
@@ -18931,7 +18959,7 @@
           <a:graphicData uri="http://schemas.openxmlformats.org/presentationml/2006/ole">
             <mc:AlternateContent xmlns:mc="http://schemas.openxmlformats.org/markup-compatibility/2006">
               <mc:Choice xmlns:v="urn:schemas-microsoft-com:vml" Requires="v">
-                <p:oleObj spid="_x0000_s15604" name="Equazione" r:id="rId18" imgW="507960" imgH="393480" progId="Equation.3">
+                <p:oleObj spid="_x0000_s15670" name="Equazione" r:id="rId18" imgW="507960" imgH="393480" progId="Equation.3">
                   <p:embed/>
                 </p:oleObj>
               </mc:Choice>
@@ -20976,8 +21004,8 @@
         </p:nvSpPr>
         <p:spPr>
           <a:xfrm>
-            <a:off x="2565465" y="5871850"/>
-            <a:ext cx="1836913" cy="369332"/>
+            <a:off x="2708219" y="5853642"/>
+            <a:ext cx="1642950" cy="369332"/>
           </a:xfrm>
           <a:prstGeom prst="rect">
             <a:avLst/>
@@ -20991,14 +21019,9 @@
           <a:lstStyle/>
           <a:p>
             <a:r>
-              <a:rPr lang="it-IT" dirty="0"/>
-              <a:t>Fourier </a:t>
-            </a:r>
-            <a:r>
-              <a:rPr lang="it-IT" dirty="0" err="1"/>
-              <a:t>transform</a:t>
-            </a:r>
-            <a:endParaRPr lang="it-IT" dirty="0"/>
+              <a:rPr lang="en-GB" dirty="0"/>
+              <a:t>Fourier analysis</a:t>
+            </a:r>
           </a:p>
         </p:txBody>
       </p:sp>
@@ -21075,7 +21098,7 @@
           <a:lstStyle/>
           <a:p>
             <a:pPr algn="ctr"/>
-            <a:endParaRPr lang="it-IT" dirty="0"/>
+            <a:endParaRPr lang="en-GB" dirty="0"/>
           </a:p>
         </p:txBody>
       </p:sp>
@@ -21102,14 +21125,9 @@
           <a:lstStyle/>
           <a:p>
             <a:r>
-              <a:rPr lang="it-IT" dirty="0"/>
-              <a:t>LS </a:t>
-            </a:r>
-            <a:r>
-              <a:rPr lang="it-IT" dirty="0" err="1"/>
-              <a:t>estimation</a:t>
-            </a:r>
-            <a:endParaRPr lang="it-IT" dirty="0"/>
+              <a:rPr lang="en-GB" dirty="0"/>
+              <a:t>LS estimation</a:t>
+            </a:r>
           </a:p>
         </p:txBody>
       </p:sp>
@@ -21516,9 +21534,9 @@
         <p:grpSpPr>
           <a:xfrm>
             <a:off x="115323" y="759919"/>
-            <a:ext cx="3409519" cy="745698"/>
+            <a:ext cx="3409519" cy="794550"/>
             <a:chOff x="2671903" y="701782"/>
-            <a:chExt cx="6075704" cy="745697"/>
+            <a:chExt cx="6075704" cy="920177"/>
           </a:xfrm>
         </p:grpSpPr>
         <p:sp>
@@ -21530,7 +21548,7 @@
           <p:spPr>
             <a:xfrm>
               <a:off x="2671903" y="701782"/>
-              <a:ext cx="5929963" cy="745697"/>
+              <a:ext cx="5929963" cy="920177"/>
             </a:xfrm>
             <a:prstGeom prst="roundRect">
               <a:avLst/>
@@ -21597,7 +21615,7 @@
             <a:p>
               <a:r>
                 <a:rPr lang="en-US" dirty="0"/>
-                <a:t>Selects input, noise and reference</a:t>
+                <a:t>Selects input, applies noise</a:t>
               </a:r>
               <a:endParaRPr lang="it-IT" dirty="0"/>
             </a:p>
@@ -21724,11 +21742,11 @@
             <a:p>
               <a:r>
                 <a:rPr lang="en-US" b="1" dirty="0"/>
-                <a:t>Protector</a:t>
+                <a:t>Protector </a:t>
               </a:r>
               <a:r>
                 <a:rPr lang="en-US" dirty="0"/>
-                <a:t>: </a:t>
+                <a:t>(state machines): </a:t>
               </a:r>
             </a:p>
             <a:p>
@@ -22307,7 +22325,7 @@
         </p:nvSpPr>
         <p:spPr>
           <a:xfrm>
-            <a:off x="691551" y="2217921"/>
+            <a:off x="1041400" y="2518398"/>
             <a:ext cx="7061200" cy="2262457"/>
           </a:xfrm>
           <a:prstGeom prst="rect">
@@ -22538,7 +22556,7 @@
         </p:blipFill>
         <p:spPr>
           <a:xfrm>
-            <a:off x="5152209" y="1936163"/>
+            <a:off x="4926270" y="2673225"/>
             <a:ext cx="4001743" cy="2007124"/>
           </a:xfrm>
           <a:prstGeom prst="rect">
@@ -22784,7 +22802,7 @@
         </p:nvSpPr>
         <p:spPr bwMode="auto">
           <a:xfrm>
-            <a:off x="7782393" y="878014"/>
+            <a:off x="7507265" y="1622478"/>
             <a:ext cx="788047" cy="369332"/>
           </a:xfrm>
           <a:prstGeom prst="rect">
@@ -22870,18 +22888,22 @@
             <a:graphicFrameLocks noChangeAspect="1"/>
           </p:cNvGraphicFramePr>
           <p:nvPr>
-            <p:extLst/>
+            <p:extLst>
+              <p:ext uri="{D42A27DB-BD31-4B8C-83A1-F6EECF244321}">
+                <p14:modId xmlns:p14="http://schemas.microsoft.com/office/powerpoint/2010/main" val="1129128832"/>
+              </p:ext>
+            </p:extLst>
           </p:nvPr>
         </p:nvGraphicFramePr>
         <p:xfrm>
-          <a:off x="5152208" y="806368"/>
+          <a:off x="4877080" y="1550832"/>
           <a:ext cx="2589331" cy="555825"/>
         </p:xfrm>
         <a:graphic>
           <a:graphicData uri="http://schemas.openxmlformats.org/presentationml/2006/ole">
             <mc:AlternateContent xmlns:mc="http://schemas.openxmlformats.org/markup-compatibility/2006">
               <mc:Choice xmlns:v="urn:schemas-microsoft-com:vml" Requires="v">
-                <p:oleObj spid="_x0000_s16486" name="Equazione" r:id="rId8" imgW="1815312" imgH="393529" progId="Equation.3">
+                <p:oleObj spid="_x0000_s16530" name="Equazione" r:id="rId8" imgW="1815312" imgH="393529" progId="Equation.3">
                   <p:embed/>
                 </p:oleObj>
               </mc:Choice>
@@ -22911,7 +22933,7 @@
                     </p:blipFill>
                     <p:spPr bwMode="auto">
                       <a:xfrm>
-                        <a:off x="5152208" y="806368"/>
+                        <a:off x="4877080" y="1550832"/>
                         <a:ext cx="2589331" cy="555825"/>
                       </a:xfrm>
                       <a:prstGeom prst="rect">
@@ -22933,18 +22955,22 @@
             <a:graphicFrameLocks noChangeAspect="1"/>
           </p:cNvGraphicFramePr>
           <p:nvPr>
-            <p:extLst/>
+            <p:extLst>
+              <p:ext uri="{D42A27DB-BD31-4B8C-83A1-F6EECF244321}">
+                <p14:modId xmlns:p14="http://schemas.microsoft.com/office/powerpoint/2010/main" val="787914554"/>
+              </p:ext>
+            </p:extLst>
           </p:nvPr>
         </p:nvGraphicFramePr>
         <p:xfrm>
-          <a:off x="5152209" y="1430041"/>
+          <a:off x="4877081" y="2174505"/>
           <a:ext cx="705885" cy="366985"/>
         </p:xfrm>
         <a:graphic>
           <a:graphicData uri="http://schemas.openxmlformats.org/presentationml/2006/ole">
             <mc:AlternateContent xmlns:mc="http://schemas.openxmlformats.org/markup-compatibility/2006">
               <mc:Choice xmlns:v="urn:schemas-microsoft-com:vml" Requires="v">
-                <p:oleObj spid="_x0000_s16487" name="Equazione" r:id="rId10" imgW="457200" imgH="241200" progId="Equation.3">
+                <p:oleObj spid="_x0000_s16531" name="Equazione" r:id="rId10" imgW="457200" imgH="241200" progId="Equation.3">
                   <p:embed/>
                 </p:oleObj>
               </mc:Choice>
@@ -22968,7 +22994,7 @@
                     </p:blipFill>
                     <p:spPr bwMode="auto">
                       <a:xfrm>
-                        <a:off x="5152209" y="1430041"/>
+                        <a:off x="4877081" y="2174505"/>
                         <a:ext cx="705885" cy="366985"/>
                       </a:xfrm>
                       <a:prstGeom prst="rect">
@@ -22990,23 +23016,27 @@
             <a:graphicFrameLocks noChangeAspect="1"/>
           </p:cNvGraphicFramePr>
           <p:nvPr>
-            <p:extLst/>
+            <p:extLst>
+              <p:ext uri="{D42A27DB-BD31-4B8C-83A1-F6EECF244321}">
+                <p14:modId xmlns:p14="http://schemas.microsoft.com/office/powerpoint/2010/main" val="2857020188"/>
+              </p:ext>
+            </p:extLst>
           </p:nvPr>
         </p:nvGraphicFramePr>
         <p:xfrm>
-          <a:off x="5290253" y="4681257"/>
+          <a:off x="5015125" y="5425721"/>
           <a:ext cx="317204" cy="362519"/>
         </p:xfrm>
         <a:graphic>
           <a:graphicData uri="http://schemas.openxmlformats.org/presentationml/2006/ole">
             <mc:AlternateContent xmlns:mc="http://schemas.openxmlformats.org/markup-compatibility/2006">
               <mc:Choice xmlns:v="urn:schemas-microsoft-com:vml" Requires="v">
-                <p:oleObj spid="_x0000_s16488" name="Equazione" r:id="rId12" imgW="203112" imgH="228501" progId="Equation.3">
+                <p:oleObj spid="_x0000_s16532" name="Equazione" r:id="rId12" imgW="203040" imgH="228600" progId="Equation.3">
                   <p:embed/>
                 </p:oleObj>
               </mc:Choice>
               <mc:Fallback>
-                <p:oleObj name="Equazione" r:id="rId12" imgW="203112" imgH="228501" progId="Equation.3">
+                <p:oleObj name="Equazione" r:id="rId12" imgW="203040" imgH="228600" progId="Equation.3">
                   <p:embed/>
                   <p:pic>
                     <p:nvPicPr>
@@ -23017,13 +23047,7 @@
                       <p:nvPr/>
                     </p:nvPicPr>
                     <p:blipFill>
-                      <a:blip r:embed="rId13">
-                        <a:extLst>
-                          <a:ext uri="{28A0092B-C50C-407E-A947-70E740481C1C}">
-                            <a14:useLocalDpi xmlns:a14="http://schemas.microsoft.com/office/drawing/2010/main" val="0"/>
-                          </a:ext>
-                        </a:extLst>
-                      </a:blip>
+                      <a:blip r:embed="rId13"/>
                       <a:srcRect/>
                       <a:stretch>
                         <a:fillRect/>
@@ -23031,7 +23055,7 @@
                     </p:blipFill>
                     <p:spPr bwMode="auto">
                       <a:xfrm>
-                        <a:off x="5290253" y="4681257"/>
+                        <a:off x="5015125" y="5425721"/>
                         <a:ext cx="317204" cy="362519"/>
                       </a:xfrm>
                       <a:prstGeom prst="rect">
@@ -23056,7 +23080,7 @@
         </p:nvSpPr>
         <p:spPr bwMode="auto">
           <a:xfrm>
-            <a:off x="5744815" y="1410328"/>
+            <a:off x="5469687" y="2154792"/>
             <a:ext cx="1866808" cy="369332"/>
           </a:xfrm>
           <a:prstGeom prst="rect">
@@ -23150,18 +23174,22 @@
             <a:graphicFrameLocks noChangeAspect="1"/>
           </p:cNvGraphicFramePr>
           <p:nvPr>
-            <p:extLst/>
+            <p:extLst>
+              <p:ext uri="{D42A27DB-BD31-4B8C-83A1-F6EECF244321}">
+                <p14:modId xmlns:p14="http://schemas.microsoft.com/office/powerpoint/2010/main" val="3931494634"/>
+              </p:ext>
+            </p:extLst>
           </p:nvPr>
         </p:nvGraphicFramePr>
         <p:xfrm>
-          <a:off x="5268425" y="4174128"/>
+          <a:off x="4993297" y="4918592"/>
           <a:ext cx="1263573" cy="365371"/>
         </p:xfrm>
         <a:graphic>
           <a:graphicData uri="http://schemas.openxmlformats.org/presentationml/2006/ole">
             <mc:AlternateContent xmlns:mc="http://schemas.openxmlformats.org/markup-compatibility/2006">
               <mc:Choice xmlns:v="urn:schemas-microsoft-com:vml" Requires="v">
-                <p:oleObj spid="_x0000_s16489" name="Equazione" r:id="rId14" imgW="787400" imgH="228600" progId="Equation.3">
+                <p:oleObj spid="_x0000_s16533" name="Equazione" r:id="rId14" imgW="787400" imgH="228600" progId="Equation.3">
                   <p:embed/>
                 </p:oleObj>
               </mc:Choice>
@@ -23191,7 +23219,7 @@
                     </p:blipFill>
                     <p:spPr bwMode="auto">
                       <a:xfrm>
-                        <a:off x="5268425" y="4174128"/>
+                        <a:off x="4993297" y="4918592"/>
                         <a:ext cx="1263573" cy="365371"/>
                       </a:xfrm>
                       <a:prstGeom prst="rect">
@@ -23206,69 +23234,6 @@
           </a:graphicData>
         </a:graphic>
       </p:graphicFrame>
-      <p:sp>
-        <p:nvSpPr>
-          <p:cNvPr id="68" name="Rectangle 58"/>
-          <p:cNvSpPr>
-            <a:spLocks noChangeArrowheads="1"/>
-          </p:cNvSpPr>
-          <p:nvPr/>
-        </p:nvSpPr>
-        <p:spPr bwMode="auto">
-          <a:xfrm>
-            <a:off x="1004558" y="5501468"/>
-            <a:ext cx="184731" cy="369332"/>
-          </a:xfrm>
-          <a:prstGeom prst="rect">
-            <a:avLst/>
-          </a:prstGeom>
-          <a:noFill/>
-          <a:ln>
-            <a:noFill/>
-          </a:ln>
-          <a:effectLst/>
-          <a:extLst>
-            <a:ext uri="{909E8E84-426E-40DD-AFC4-6F175D3DCCD1}">
-              <a14:hiddenFill xmlns:a14="http://schemas.microsoft.com/office/drawing/2010/main">
-                <a:solidFill>
-                  <a:schemeClr val="accent1"/>
-                </a:solidFill>
-              </a14:hiddenFill>
-            </a:ext>
-            <a:ext uri="{91240B29-F687-4F45-9708-019B960494DF}">
-              <a14:hiddenLine xmlns:a14="http://schemas.microsoft.com/office/drawing/2010/main" w="9525">
-                <a:solidFill>
-                  <a:schemeClr val="tx1"/>
-                </a:solidFill>
-                <a:miter lim="800000"/>
-                <a:headEnd/>
-                <a:tailEnd/>
-              </a14:hiddenLine>
-            </a:ext>
-            <a:ext uri="{AF507438-7753-43E0-B8FC-AC1667EBCBE1}">
-              <a14:hiddenEffects xmlns:a14="http://schemas.microsoft.com/office/drawing/2010/main">
-                <a:effectLst>
-                  <a:outerShdw dist="35921" dir="2700000" algn="ctr" rotWithShape="0">
-                    <a:schemeClr val="bg2"/>
-                  </a:outerShdw>
-                </a:effectLst>
-              </a14:hiddenEffects>
-            </a:ext>
-          </a:extLst>
-        </p:spPr>
-        <p:txBody>
-          <a:bodyPr vert="horz" wrap="none" lIns="91440" tIns="45720" rIns="91440" bIns="45720" numCol="1" anchor="ctr" anchorCtr="0" compatLnSpc="1">
-            <a:prstTxWarp prst="textNoShape">
-              <a:avLst/>
-            </a:prstTxWarp>
-            <a:spAutoFit/>
-          </a:bodyPr>
-          <a:lstStyle/>
-          <a:p>
-            <a:endParaRPr lang="en-US"/>
-          </a:p>
-        </p:txBody>
-      </p:sp>
       <p:pic>
         <p:nvPicPr>
           <p:cNvPr id="3" name="Immagine 2"/>
@@ -23290,7 +23255,7 @@
         </p:blipFill>
         <p:spPr>
           <a:xfrm rot="5400000">
-            <a:off x="319511" y="1277208"/>
+            <a:off x="84843" y="1317668"/>
             <a:ext cx="4784172" cy="4328495"/>
           </a:xfrm>
           <a:prstGeom prst="rect">
@@ -23301,13 +23266,15 @@
       <p:cxnSp>
         <p:nvCxnSpPr>
           <p:cNvPr id="5" name="Connettore 2 4"/>
-          <p:cNvCxnSpPr/>
+          <p:cNvCxnSpPr>
+            <a:stCxn id="34" idx="1"/>
+          </p:cNvCxnSpPr>
           <p:nvPr/>
         </p:nvCxnSpPr>
         <p:spPr>
-          <a:xfrm flipH="1">
-            <a:off x="3742275" y="1062989"/>
-            <a:ext cx="1363133" cy="316240"/>
+          <a:xfrm flipH="1" flipV="1">
+            <a:off x="3465019" y="1459320"/>
+            <a:ext cx="1412061" cy="369424"/>
           </a:xfrm>
           <a:prstGeom prst="straightConnector1">
             <a:avLst/>
@@ -23342,7 +23309,7 @@
         </p:nvSpPr>
         <p:spPr>
           <a:xfrm>
-            <a:off x="5500136" y="4656600"/>
+            <a:off x="5225008" y="5401064"/>
             <a:ext cx="1846596" cy="369332"/>
           </a:xfrm>
           <a:prstGeom prst="rect">
@@ -23375,7 +23342,7 @@
         </p:nvSpPr>
         <p:spPr>
           <a:xfrm>
-            <a:off x="6031063" y="2150388"/>
+            <a:off x="5755935" y="2894852"/>
             <a:ext cx="500928" cy="861696"/>
           </a:xfrm>
           <a:prstGeom prst="ellipse">
@@ -23425,7 +23392,7 @@
         </p:nvCxnSpPr>
         <p:spPr>
           <a:xfrm flipH="1">
-            <a:off x="6281527" y="1779660"/>
+            <a:off x="6006399" y="2524124"/>
             <a:ext cx="396692" cy="370728"/>
           </a:xfrm>
           <a:prstGeom prst="straightConnector1">
@@ -23461,7 +23428,7 @@
         </p:nvSpPr>
         <p:spPr>
           <a:xfrm>
-            <a:off x="6423443" y="4140084"/>
+            <a:off x="6148315" y="4884548"/>
             <a:ext cx="1568443" cy="369332"/>
           </a:xfrm>
           <a:prstGeom prst="rect">
@@ -23493,6 +23460,39 @@
             <a:endParaRPr lang="en-US" altLang="en-US" dirty="0">
               <a:latin typeface="Arial" panose="020B0604020202020204" pitchFamily="34" charset="0"/>
             </a:endParaRPr>
+          </a:p>
+        </p:txBody>
+      </p:sp>
+      <p:sp>
+        <p:nvSpPr>
+          <p:cNvPr id="25" name="Rettangolo 24"/>
+          <p:cNvSpPr/>
+          <p:nvPr/>
+        </p:nvSpPr>
+        <p:spPr>
+          <a:xfrm>
+            <a:off x="4877080" y="1175893"/>
+            <a:ext cx="2566536" cy="369332"/>
+          </a:xfrm>
+          <a:prstGeom prst="rect">
+            <a:avLst/>
+          </a:prstGeom>
+        </p:spPr>
+        <p:txBody>
+          <a:bodyPr wrap="none">
+            <a:spAutoFit/>
+          </a:bodyPr>
+          <a:lstStyle/>
+          <a:p>
+            <a:r>
+              <a:rPr lang="en-US" altLang="en-US" dirty="0">
+                <a:latin typeface="Calibri" panose="020F0502020204030204" pitchFamily="34" charset="0"/>
+                <a:ea typeface="Calibri" panose="020F0502020204030204" pitchFamily="34" charset="0"/>
+                <a:cs typeface="Times New Roman" panose="02020603050405020304" pitchFamily="18" charset="0"/>
+              </a:rPr>
+              <a:t>Linear first order system:</a:t>
+            </a:r>
+            <a:endParaRPr lang="it-IT" dirty="0"/>
           </a:p>
         </p:txBody>
       </p:sp>
@@ -23909,7 +23909,7 @@
           <a:graphicData uri="http://schemas.openxmlformats.org/presentationml/2006/ole">
             <mc:AlternateContent xmlns:mc="http://schemas.openxmlformats.org/markup-compatibility/2006">
               <mc:Choice xmlns:v="urn:schemas-microsoft-com:vml" Requires="v">
-                <p:oleObj spid="_x0000_s11556" name="Equazione" r:id="rId8" imgW="1625400" imgH="241200" progId="Equation.3">
+                <p:oleObj spid="_x0000_s11611" name="Equazione" r:id="rId8" imgW="1625400" imgH="241200" progId="Equation.3">
                   <p:embed/>
                 </p:oleObj>
               </mc:Choice>
@@ -23975,7 +23975,7 @@
           <a:graphicData uri="http://schemas.openxmlformats.org/presentationml/2006/ole">
             <mc:AlternateContent xmlns:mc="http://schemas.openxmlformats.org/markup-compatibility/2006">
               <mc:Choice xmlns:v="urn:schemas-microsoft-com:vml" Requires="v">
-                <p:oleObj spid="_x0000_s11557" name="Equazione" r:id="rId10" imgW="304668" imgH="228501" progId="Equation.3">
+                <p:oleObj spid="_x0000_s11612" name="Equazione" r:id="rId10" imgW="304668" imgH="228501" progId="Equation.3">
                   <p:embed/>
                 </p:oleObj>
               </mc:Choice>
@@ -24042,7 +24042,7 @@
           <a:graphicData uri="http://schemas.openxmlformats.org/presentationml/2006/ole">
             <mc:AlternateContent xmlns:mc="http://schemas.openxmlformats.org/markup-compatibility/2006">
               <mc:Choice xmlns:v="urn:schemas-microsoft-com:vml" Requires="v">
-                <p:oleObj spid="_x0000_s11558" name="Equazione" r:id="rId12" imgW="139579" imgH="177646" progId="Equation.3">
+                <p:oleObj spid="_x0000_s11613" name="Equazione" r:id="rId12" imgW="139579" imgH="177646" progId="Equation.3">
                   <p:embed/>
                 </p:oleObj>
               </mc:Choice>
@@ -24109,7 +24109,7 @@
           <a:graphicData uri="http://schemas.openxmlformats.org/presentationml/2006/ole">
             <mc:AlternateContent xmlns:mc="http://schemas.openxmlformats.org/markup-compatibility/2006">
               <mc:Choice xmlns:v="urn:schemas-microsoft-com:vml" Requires="v">
-                <p:oleObj spid="_x0000_s11559" name="Equazione" r:id="rId14" imgW="545760" imgH="241200" progId="Equation.3">
+                <p:oleObj spid="_x0000_s11614" name="Equazione" r:id="rId14" imgW="545760" imgH="241200" progId="Equation.3">
                   <p:embed/>
                 </p:oleObj>
               </mc:Choice>
@@ -24578,7 +24578,7 @@
           <a:graphicData uri="http://schemas.openxmlformats.org/presentationml/2006/ole">
             <mc:AlternateContent xmlns:mc="http://schemas.openxmlformats.org/markup-compatibility/2006">
               <mc:Choice xmlns:v="urn:schemas-microsoft-com:vml" Requires="v">
-                <p:oleObj spid="_x0000_s11560" name="Equazione" r:id="rId12" imgW="139579" imgH="177646" progId="Equation.3">
+                <p:oleObj spid="_x0000_s11615" name="Equazione" r:id="rId12" imgW="139579" imgH="177646" progId="Equation.3">
                   <p:embed/>
                 </p:oleObj>
               </mc:Choice>
@@ -24938,7 +24938,7 @@
           <a:graphicData uri="http://schemas.openxmlformats.org/presentationml/2006/ole">
             <mc:AlternateContent xmlns:mc="http://schemas.openxmlformats.org/markup-compatibility/2006">
               <mc:Choice xmlns:v="urn:schemas-microsoft-com:vml" Requires="v">
-                <p:oleObj spid="_x0000_s9625" name="Equazione" r:id="rId7" imgW="1549400" imgH="228600" progId="Equation.3">
+                <p:oleObj spid="_x0000_s9691" name="Equazione" r:id="rId7" imgW="1549400" imgH="228600" progId="Equation.3">
                   <p:embed/>
                 </p:oleObj>
               </mc:Choice>
@@ -25010,7 +25010,7 @@
           <a:graphicData uri="http://schemas.openxmlformats.org/presentationml/2006/ole">
             <mc:AlternateContent xmlns:mc="http://schemas.openxmlformats.org/markup-compatibility/2006">
               <mc:Choice xmlns:v="urn:schemas-microsoft-com:vml" Requires="v">
-                <p:oleObj spid="_x0000_s9626" name="Equazione" r:id="rId9" imgW="469900" imgH="228600" progId="Equation.3">
+                <p:oleObj spid="_x0000_s9692" name="Equazione" r:id="rId9" imgW="469900" imgH="228600" progId="Equation.3">
                   <p:embed/>
                 </p:oleObj>
               </mc:Choice>
@@ -25174,7 +25174,7 @@
           <a:graphicData uri="http://schemas.openxmlformats.org/presentationml/2006/ole">
             <mc:AlternateContent xmlns:mc="http://schemas.openxmlformats.org/markup-compatibility/2006">
               <mc:Choice xmlns:v="urn:schemas-microsoft-com:vml" Requires="v">
-                <p:oleObj spid="_x0000_s9627" name="Equazione" r:id="rId11" imgW="520474" imgH="393529" progId="Equation.3">
+                <p:oleObj spid="_x0000_s9693" name="Equazione" r:id="rId11" imgW="520474" imgH="393529" progId="Equation.3">
                   <p:embed/>
                 </p:oleObj>
               </mc:Choice>
@@ -25241,7 +25241,7 @@
           <a:graphicData uri="http://schemas.openxmlformats.org/presentationml/2006/ole">
             <mc:AlternateContent xmlns:mc="http://schemas.openxmlformats.org/markup-compatibility/2006">
               <mc:Choice xmlns:v="urn:schemas-microsoft-com:vml" Requires="v">
-                <p:oleObj spid="_x0000_s9628" name="Equazione" r:id="rId13" imgW="2044700" imgH="393700" progId="Equation.3">
+                <p:oleObj spid="_x0000_s9694" name="Equazione" r:id="rId13" imgW="2044700" imgH="393700" progId="Equation.3">
                   <p:embed/>
                 </p:oleObj>
               </mc:Choice>
@@ -25300,20 +25300,20 @@
           <p:nvPr>
             <p:extLst>
               <p:ext uri="{D42A27DB-BD31-4B8C-83A1-F6EECF244321}">
-                <p14:modId xmlns:p14="http://schemas.microsoft.com/office/powerpoint/2010/main" val="3305841075"/>
+                <p14:modId xmlns:p14="http://schemas.microsoft.com/office/powerpoint/2010/main" val="2347840157"/>
               </p:ext>
             </p:extLst>
           </p:nvPr>
         </p:nvGraphicFramePr>
         <p:xfrm>
-          <a:off x="5446324" y="3199068"/>
+          <a:off x="4823240" y="3296172"/>
           <a:ext cx="876803" cy="599148"/>
         </p:xfrm>
         <a:graphic>
           <a:graphicData uri="http://schemas.openxmlformats.org/presentationml/2006/ole">
             <mc:AlternateContent xmlns:mc="http://schemas.openxmlformats.org/markup-compatibility/2006">
               <mc:Choice xmlns:v="urn:schemas-microsoft-com:vml" Requires="v">
-                <p:oleObj spid="_x0000_s9629" name="Equazione" r:id="rId15" imgW="571252" imgH="393529" progId="Equation.3">
+                <p:oleObj spid="_x0000_s9695" name="Equazione" r:id="rId15" imgW="571252" imgH="393529" progId="Equation.3">
                   <p:embed/>
                 </p:oleObj>
               </mc:Choice>
@@ -25343,7 +25343,7 @@
                     </p:blipFill>
                     <p:spPr bwMode="auto">
                       <a:xfrm>
-                        <a:off x="5446324" y="3199068"/>
+                        <a:off x="4823240" y="3296172"/>
                         <a:ext cx="876803" cy="599148"/>
                       </a:xfrm>
                       <a:prstGeom prst="rect">
@@ -25449,7 +25449,7 @@
         </p:nvSpPr>
         <p:spPr bwMode="auto">
           <a:xfrm>
-            <a:off x="4608791" y="3331555"/>
+            <a:off x="3985707" y="3428659"/>
             <a:ext cx="779572" cy="369332"/>
           </a:xfrm>
           <a:prstGeom prst="rect">
@@ -25685,7 +25685,7 @@
           <a:graphicData uri="http://schemas.openxmlformats.org/presentationml/2006/ole">
             <mc:AlternateContent xmlns:mc="http://schemas.openxmlformats.org/markup-compatibility/2006">
               <mc:Choice xmlns:v="urn:schemas-microsoft-com:vml" Requires="v">
-                <p:oleObj spid="_x0000_s9630" name="Equazione" r:id="rId18" imgW="190440" imgH="152280" progId="Equation.3">
+                <p:oleObj spid="_x0000_s9696" name="Equazione" r:id="rId18" imgW="190440" imgH="152280" progId="Equation.3">
                   <p:embed/>
                 </p:oleObj>
               </mc:Choice>
@@ -26007,7 +26007,7 @@
           <a:graphicData uri="http://schemas.openxmlformats.org/presentationml/2006/ole">
             <mc:AlternateContent xmlns:mc="http://schemas.openxmlformats.org/markup-compatibility/2006">
               <mc:Choice xmlns:v="urn:schemas-microsoft-com:vml" Requires="v">
-                <p:oleObj spid="_x0000_s3963" name="Equazione" r:id="rId7" imgW="1651000" imgH="660400" progId="Equation.3">
+                <p:oleObj spid="_x0000_s4040" name="Equazione" r:id="rId7" imgW="1651000" imgH="660400" progId="Equation.3">
                   <p:embed/>
                 </p:oleObj>
               </mc:Choice>
@@ -26074,7 +26074,7 @@
           <a:graphicData uri="http://schemas.openxmlformats.org/presentationml/2006/ole">
             <mc:AlternateContent xmlns:mc="http://schemas.openxmlformats.org/markup-compatibility/2006">
               <mc:Choice xmlns:v="urn:schemas-microsoft-com:vml" Requires="v">
-                <p:oleObj spid="_x0000_s3964" name="Equazione" r:id="rId9" imgW="2311200" imgH="965160" progId="Equation.3">
+                <p:oleObj spid="_x0000_s4041" name="Equazione" r:id="rId9" imgW="2311200" imgH="965160" progId="Equation.3">
                   <p:embed/>
                 </p:oleObj>
               </mc:Choice>
@@ -26135,7 +26135,7 @@
           <a:graphicData uri="http://schemas.openxmlformats.org/presentationml/2006/ole">
             <mc:AlternateContent xmlns:mc="http://schemas.openxmlformats.org/markup-compatibility/2006">
               <mc:Choice xmlns:v="urn:schemas-microsoft-com:vml" Requires="v">
-                <p:oleObj spid="_x0000_s3965" name="Equazione" r:id="rId11" imgW="190440" imgH="152280" progId="Equation.3">
+                <p:oleObj spid="_x0000_s4042" name="Equazione" r:id="rId11" imgW="190440" imgH="152280" progId="Equation.3">
                   <p:embed/>
                 </p:oleObj>
               </mc:Choice>
@@ -26301,7 +26301,7 @@
           <a:graphicData uri="http://schemas.openxmlformats.org/presentationml/2006/ole">
             <mc:AlternateContent xmlns:mc="http://schemas.openxmlformats.org/markup-compatibility/2006">
               <mc:Choice xmlns:v="urn:schemas-microsoft-com:vml" Requires="v">
-                <p:oleObj spid="_x0000_s3966" name="Equazione" r:id="rId13" imgW="1892300" imgH="482600" progId="Equation.3">
+                <p:oleObj spid="_x0000_s4043" name="Equazione" r:id="rId13" imgW="1892300" imgH="482600" progId="Equation.3">
                   <p:embed/>
                 </p:oleObj>
               </mc:Choice>
@@ -26368,7 +26368,7 @@
           <a:graphicData uri="http://schemas.openxmlformats.org/presentationml/2006/ole">
             <mc:AlternateContent xmlns:mc="http://schemas.openxmlformats.org/markup-compatibility/2006">
               <mc:Choice xmlns:v="urn:schemas-microsoft-com:vml" Requires="v">
-                <p:oleObj spid="_x0000_s3967" name="Equazione" r:id="rId15" imgW="774364" imgH="457002" progId="Equation.3">
+                <p:oleObj spid="_x0000_s4044" name="Equazione" r:id="rId15" imgW="774364" imgH="457002" progId="Equation.3">
                   <p:embed/>
                 </p:oleObj>
               </mc:Choice>
@@ -26435,7 +26435,7 @@
           <a:graphicData uri="http://schemas.openxmlformats.org/presentationml/2006/ole">
             <mc:AlternateContent xmlns:mc="http://schemas.openxmlformats.org/markup-compatibility/2006">
               <mc:Choice xmlns:v="urn:schemas-microsoft-com:vml" Requires="v">
-                <p:oleObj spid="_x0000_s3968" name="Equazione" r:id="rId17" imgW="3009900" imgH="1143000" progId="Equation.3">
+                <p:oleObj spid="_x0000_s4045" name="Equazione" r:id="rId17" imgW="3009900" imgH="1143000" progId="Equation.3">
                   <p:embed/>
                 </p:oleObj>
               </mc:Choice>
@@ -26676,7 +26676,7 @@
           <a:graphicData uri="http://schemas.openxmlformats.org/presentationml/2006/ole">
             <mc:AlternateContent xmlns:mc="http://schemas.openxmlformats.org/markup-compatibility/2006">
               <mc:Choice xmlns:v="urn:schemas-microsoft-com:vml" Requires="v">
-                <p:oleObj spid="_x0000_s3969" name="Equazione" r:id="rId19" imgW="3251160" imgH="1600200" progId="Equation.3">
+                <p:oleObj spid="_x0000_s4046" name="Equazione" r:id="rId19" imgW="3251160" imgH="1600200" progId="Equation.3">
                   <p:embed/>
                 </p:oleObj>
               </mc:Choice>

--- a/finalPresentation/Part 1/Part1.pptx
+++ b/finalPresentation/Part 1/Part1.pptx
@@ -12041,14 +12041,14 @@
           <a:effectLst/>
           <a:extLst>
             <a:ext uri="{909E8E84-426E-40dd-AFC4-6F175D3DCCD1}">
-              <a14:hiddenFill xmlns="" xmlns:a14="http://schemas.microsoft.com/office/drawing/2010/main">
+              <a14:hiddenFill xmlns:a14="http://schemas.microsoft.com/office/drawing/2010/main" xmlns="">
                 <a:solidFill>
                   <a:schemeClr val="accent1"/>
                 </a:solidFill>
               </a14:hiddenFill>
             </a:ext>
             <a:ext uri="{91240B29-F687-4f45-9708-019B960494DF}">
-              <a14:hiddenLine xmlns="" xmlns:a14="http://schemas.microsoft.com/office/drawing/2010/main" w="9525">
+              <a14:hiddenLine xmlns:a14="http://schemas.microsoft.com/office/drawing/2010/main" xmlns="" w="9525">
                 <a:solidFill>
                   <a:srgbClr val="FF6600"/>
                 </a:solidFill>
@@ -12058,7 +12058,7 @@
               </a14:hiddenLine>
             </a:ext>
             <a:ext uri="{AF507438-7753-43e0-B8FC-AC1667EBCBE1}">
-              <a14:hiddenEffects xmlns="" xmlns:a14="http://schemas.microsoft.com/office/drawing/2010/main">
+              <a14:hiddenEffects xmlns:a14="http://schemas.microsoft.com/office/drawing/2010/main" xmlns="">
                 <a:effectLst>
                   <a:outerShdw blurRad="63500" dist="38099" dir="2700000" algn="ctr" rotWithShape="0">
                     <a:schemeClr val="bg2">
@@ -12623,14 +12623,14 @@
           <a:effectLst/>
           <a:extLst>
             <a:ext uri="{909E8E84-426E-40dd-AFC4-6F175D3DCCD1}">
-              <a14:hiddenFill xmlns="" xmlns:a14="http://schemas.microsoft.com/office/drawing/2010/main">
+              <a14:hiddenFill xmlns:a14="http://schemas.microsoft.com/office/drawing/2010/main" xmlns="">
                 <a:solidFill>
                   <a:schemeClr val="accent1"/>
                 </a:solidFill>
               </a14:hiddenFill>
             </a:ext>
             <a:ext uri="{91240B29-F687-4f45-9708-019B960494DF}">
-              <a14:hiddenLine xmlns="" xmlns:a14="http://schemas.microsoft.com/office/drawing/2010/main" w="9525">
+              <a14:hiddenLine xmlns:a14="http://schemas.microsoft.com/office/drawing/2010/main" xmlns="" w="9525">
                 <a:solidFill>
                   <a:srgbClr val="FF6600"/>
                 </a:solidFill>
@@ -12640,7 +12640,7 @@
               </a14:hiddenLine>
             </a:ext>
             <a:ext uri="{AF507438-7753-43e0-B8FC-AC1667EBCBE1}">
-              <a14:hiddenEffects xmlns="" xmlns:a14="http://schemas.microsoft.com/office/drawing/2010/main">
+              <a14:hiddenEffects xmlns:a14="http://schemas.microsoft.com/office/drawing/2010/main" xmlns="">
                 <a:effectLst>
                   <a:outerShdw blurRad="63500" dist="38099" dir="2700000" algn="ctr" rotWithShape="0">
                     <a:schemeClr val="bg2">
@@ -13205,14 +13205,14 @@
           <a:effectLst/>
           <a:extLst>
             <a:ext uri="{909E8E84-426E-40dd-AFC4-6F175D3DCCD1}">
-              <a14:hiddenFill xmlns="" xmlns:a14="http://schemas.microsoft.com/office/drawing/2010/main">
+              <a14:hiddenFill xmlns:a14="http://schemas.microsoft.com/office/drawing/2010/main" xmlns="">
                 <a:solidFill>
                   <a:schemeClr val="accent1"/>
                 </a:solidFill>
               </a14:hiddenFill>
             </a:ext>
             <a:ext uri="{91240B29-F687-4f45-9708-019B960494DF}">
-              <a14:hiddenLine xmlns="" xmlns:a14="http://schemas.microsoft.com/office/drawing/2010/main" w="9525">
+              <a14:hiddenLine xmlns:a14="http://schemas.microsoft.com/office/drawing/2010/main" xmlns="" w="9525">
                 <a:solidFill>
                   <a:srgbClr val="FF6600"/>
                 </a:solidFill>
@@ -13222,7 +13222,7 @@
               </a14:hiddenLine>
             </a:ext>
             <a:ext uri="{AF507438-7753-43e0-B8FC-AC1667EBCBE1}">
-              <a14:hiddenEffects xmlns="" xmlns:a14="http://schemas.microsoft.com/office/drawing/2010/main">
+              <a14:hiddenEffects xmlns:a14="http://schemas.microsoft.com/office/drawing/2010/main" xmlns="">
                 <a:effectLst>
                   <a:outerShdw blurRad="63500" dist="38099" dir="2700000" algn="ctr" rotWithShape="0">
                     <a:schemeClr val="bg2">
@@ -14671,7 +14671,7 @@
         </p:nvSpPr>
         <p:spPr bwMode="auto">
           <a:xfrm>
-            <a:off x="2083181" y="0"/>
+            <a:off x="2083181" y="137564"/>
             <a:ext cx="7060819" cy="1175706"/>
           </a:xfrm>
           <a:prstGeom prst="rect">
@@ -14812,7 +14812,7 @@
             <a:r>
               <a:rPr lang="en-GB" altLang="en-US" sz="2200" b="1" dirty="0">
                 <a:solidFill>
-                  <a:srgbClr val="FF9900"/>
+                  <a:schemeClr val="accent4"/>
                 </a:solidFill>
               </a:rPr>
               <a:t>AUTOMATION AND CONTROL LABORATORY</a:t>
@@ -14827,7 +14827,7 @@
             <a:r>
               <a:rPr lang="en-GB" altLang="en-US" sz="2200" b="1" dirty="0">
                 <a:solidFill>
-                  <a:srgbClr val="FF9900"/>
+                  <a:schemeClr val="accent4"/>
                 </a:solidFill>
               </a:rPr>
               <a:t>Automation and Control Engineering</a:t>
@@ -14835,14 +14835,14 @@
             <a:br>
               <a:rPr lang="en-GB" altLang="en-US" sz="2200" b="1" dirty="0">
                 <a:solidFill>
-                  <a:srgbClr val="FF9900"/>
+                  <a:schemeClr val="accent4"/>
                 </a:solidFill>
               </a:rPr>
             </a:br>
             <a:r>
               <a:rPr lang="en-GB" altLang="en-US" sz="2200" b="1" dirty="0">
                 <a:solidFill>
-                  <a:srgbClr val="FF9900"/>
+                  <a:schemeClr val="accent4"/>
                 </a:solidFill>
               </a:rPr>
               <a:t>2015/2016</a:t>
@@ -16638,7 +16638,7 @@
           <a:graphicData uri="http://schemas.openxmlformats.org/presentationml/2006/ole">
             <mc:AlternateContent xmlns:mc="http://schemas.openxmlformats.org/markup-compatibility/2006">
               <mc:Choice xmlns:v="urn:schemas-microsoft-com:vml" Requires="v">
-                <p:oleObj spid="_x0000_s14463" name="Equazione" r:id="rId8" imgW="1714320" imgH="419040" progId="Equation.3">
+                <p:oleObj spid="_x0000_s14471" name="Equazione" r:id="rId8" imgW="1714320" imgH="419040" progId="Equation.3">
                   <p:embed/>
                 </p:oleObj>
               </mc:Choice>
@@ -16991,7 +16991,7 @@
           <a:graphicData uri="http://schemas.openxmlformats.org/presentationml/2006/ole">
             <mc:AlternateContent xmlns:mc="http://schemas.openxmlformats.org/markup-compatibility/2006">
               <mc:Choice xmlns:v="urn:schemas-microsoft-com:vml" Requires="v">
-                <p:oleObj spid="_x0000_s14464" name="Equazione" r:id="rId10" imgW="2590560" imgH="330120" progId="Equation.3">
+                <p:oleObj spid="_x0000_s14472" name="Equazione" r:id="rId10" imgW="2590560" imgH="330120" progId="Equation.3">
                   <p:embed/>
                 </p:oleObj>
               </mc:Choice>
@@ -17418,7 +17418,7 @@
           <a:graphicData uri="http://schemas.openxmlformats.org/presentationml/2006/ole">
             <mc:AlternateContent xmlns:mc="http://schemas.openxmlformats.org/markup-compatibility/2006">
               <mc:Choice xmlns:v="urn:schemas-microsoft-com:vml" Requires="v">
-                <p:oleObj spid="_x0000_s12459" name="Equazione" r:id="rId8" imgW="1841500" imgH="203200" progId="Equation.3">
+                <p:oleObj spid="_x0000_s12463" name="Equazione" r:id="rId8" imgW="1841500" imgH="203200" progId="Equation.3">
                   <p:embed/>
                 </p:oleObj>
               </mc:Choice>
@@ -17898,8 +17898,8 @@
         </p:blipFill>
         <p:spPr bwMode="auto">
           <a:xfrm>
-            <a:off x="-278080" y="1958913"/>
-            <a:ext cx="6545093" cy="4533052"/>
+            <a:off x="-440903" y="1580666"/>
+            <a:ext cx="6908215" cy="4784546"/>
           </a:xfrm>
           <a:prstGeom prst="rect">
             <a:avLst/>
@@ -18160,7 +18160,7 @@
           <a:graphicData uri="http://schemas.openxmlformats.org/presentationml/2006/ole">
             <mc:AlternateContent xmlns:mc="http://schemas.openxmlformats.org/markup-compatibility/2006">
               <mc:Choice xmlns:v="urn:schemas-microsoft-com:vml" Requires="v">
-                <p:oleObj spid="_x0000_s15665" name="Equazione" r:id="rId8" imgW="1167893" imgH="393529" progId="Equation.3">
+                <p:oleObj spid="_x0000_s15686" name="Equazione" r:id="rId8" imgW="1167893" imgH="393529" progId="Equation.3">
                   <p:embed/>
                 </p:oleObj>
               </mc:Choice>
@@ -18207,73 +18207,6 @@
       </p:graphicFrame>
       <p:graphicFrame>
         <p:nvGraphicFramePr>
-          <p:cNvPr id="16" name="Oggetto 15"/>
-          <p:cNvGraphicFramePr>
-            <a:graphicFrameLocks noChangeAspect="1"/>
-          </p:cNvGraphicFramePr>
-          <p:nvPr>
-            <p:extLst>
-              <p:ext uri="{D42A27DB-BD31-4B8C-83A1-F6EECF244321}">
-                <p14:modId xmlns:p14="http://schemas.microsoft.com/office/powerpoint/2010/main" val="2015605643"/>
-              </p:ext>
-            </p:extLst>
-          </p:nvPr>
-        </p:nvGraphicFramePr>
-        <p:xfrm>
-          <a:off x="5369940" y="1383689"/>
-          <a:ext cx="1179209" cy="508923"/>
-        </p:xfrm>
-        <a:graphic>
-          <a:graphicData uri="http://schemas.openxmlformats.org/presentationml/2006/ole">
-            <mc:AlternateContent xmlns:mc="http://schemas.openxmlformats.org/markup-compatibility/2006">
-              <mc:Choice xmlns:v="urn:schemas-microsoft-com:vml" Requires="v">
-                <p:oleObj spid="_x0000_s15666" name="Equazione" r:id="rId10" imgW="901309" imgH="393529" progId="Equation.3">
-                  <p:embed/>
-                </p:oleObj>
-              </mc:Choice>
-              <mc:Fallback>
-                <p:oleObj name="Equazione" r:id="rId10" imgW="901309" imgH="393529" progId="Equation.3">
-                  <p:embed/>
-                  <p:pic>
-                    <p:nvPicPr>
-                      <p:cNvPr id="16" name="Oggetto 15"/>
-                      <p:cNvPicPr>
-                        <a:picLocks noChangeAspect="1" noChangeArrowheads="1"/>
-                      </p:cNvPicPr>
-                      <p:nvPr/>
-                    </p:nvPicPr>
-                    <p:blipFill>
-                      <a:blip r:embed="rId11">
-                        <a:extLst>
-                          <a:ext uri="{28A0092B-C50C-407E-A947-70E740481C1C}">
-                            <a14:useLocalDpi xmlns:a14="http://schemas.microsoft.com/office/drawing/2010/main" val="0"/>
-                          </a:ext>
-                        </a:extLst>
-                      </a:blip>
-                      <a:srcRect/>
-                      <a:stretch>
-                        <a:fillRect/>
-                      </a:stretch>
-                    </p:blipFill>
-                    <p:spPr bwMode="auto">
-                      <a:xfrm>
-                        <a:off x="5369940" y="1383689"/>
-                        <a:ext cx="1179209" cy="508923"/>
-                      </a:xfrm>
-                      <a:prstGeom prst="rect">
-                        <a:avLst/>
-                      </a:prstGeom>
-                      <a:noFill/>
-                    </p:spPr>
-                  </p:pic>
-                </p:oleObj>
-              </mc:Fallback>
-            </mc:AlternateContent>
-          </a:graphicData>
-        </a:graphic>
-      </p:graphicFrame>
-      <p:graphicFrame>
-        <p:nvGraphicFramePr>
           <p:cNvPr id="19" name="Oggetto 18"/>
           <p:cNvGraphicFramePr>
             <a:graphicFrameLocks noChangeAspect="1"/>
@@ -18294,12 +18227,12 @@
           <a:graphicData uri="http://schemas.openxmlformats.org/presentationml/2006/ole">
             <mc:AlternateContent xmlns:mc="http://schemas.openxmlformats.org/markup-compatibility/2006">
               <mc:Choice xmlns:v="urn:schemas-microsoft-com:vml" Requires="v">
-                <p:oleObj spid="_x0000_s15667" name="Equazione" r:id="rId12" imgW="1511300" imgH="203200" progId="Equation.3">
+                <p:oleObj spid="_x0000_s15687" name="Equazione" r:id="rId10" imgW="1511300" imgH="203200" progId="Equation.3">
                   <p:embed/>
                 </p:oleObj>
               </mc:Choice>
               <mc:Fallback>
-                <p:oleObj name="Equazione" r:id="rId12" imgW="1511300" imgH="203200" progId="Equation.3">
+                <p:oleObj name="Equazione" r:id="rId10" imgW="1511300" imgH="203200" progId="Equation.3">
                   <p:embed/>
                   <p:pic>
                     <p:nvPicPr>
@@ -18310,7 +18243,7 @@
                       <p:nvPr/>
                     </p:nvPicPr>
                     <p:blipFill>
-                      <a:blip r:embed="rId13">
+                      <a:blip r:embed="rId11">
                         <a:extLst>
                           <a:ext uri="{28A0092B-C50C-407E-A947-70E740481C1C}">
                             <a14:useLocalDpi xmlns:a14="http://schemas.microsoft.com/office/drawing/2010/main" val="0"/>
@@ -18361,12 +18294,12 @@
           <a:graphicData uri="http://schemas.openxmlformats.org/presentationml/2006/ole">
             <mc:AlternateContent xmlns:mc="http://schemas.openxmlformats.org/markup-compatibility/2006">
               <mc:Choice xmlns:v="urn:schemas-microsoft-com:vml" Requires="v">
-                <p:oleObj spid="_x0000_s15668" name="Equazione" r:id="rId14" imgW="647640" imgH="228600" progId="Equation.3">
+                <p:oleObj spid="_x0000_s15688" name="Equazione" r:id="rId12" imgW="647640" imgH="228600" progId="Equation.3">
                   <p:embed/>
                 </p:oleObj>
               </mc:Choice>
               <mc:Fallback>
-                <p:oleObj name="Equazione" r:id="rId14" imgW="647640" imgH="228600" progId="Equation.3">
+                <p:oleObj name="Equazione" r:id="rId12" imgW="647640" imgH="228600" progId="Equation.3">
                   <p:embed/>
                   <p:pic>
                     <p:nvPicPr>
@@ -18377,7 +18310,7 @@
                       <p:nvPr/>
                     </p:nvPicPr>
                     <p:blipFill>
-                      <a:blip r:embed="rId15"/>
+                      <a:blip r:embed="rId13"/>
                       <a:srcRect/>
                       <a:stretch>
                         <a:fillRect/>
@@ -18422,12 +18355,12 @@
           <a:graphicData uri="http://schemas.openxmlformats.org/presentationml/2006/ole">
             <mc:AlternateContent xmlns:mc="http://schemas.openxmlformats.org/markup-compatibility/2006">
               <mc:Choice xmlns:v="urn:schemas-microsoft-com:vml" Requires="v">
-                <p:oleObj spid="_x0000_s15669" name="Equazione" r:id="rId16" imgW="889000" imgH="228600" progId="Equation.3">
+                <p:oleObj spid="_x0000_s15689" name="Equazione" r:id="rId14" imgW="889000" imgH="228600" progId="Equation.3">
                   <p:embed/>
                 </p:oleObj>
               </mc:Choice>
               <mc:Fallback>
-                <p:oleObj name="Equazione" r:id="rId16" imgW="889000" imgH="228600" progId="Equation.3">
+                <p:oleObj name="Equazione" r:id="rId14" imgW="889000" imgH="228600" progId="Equation.3">
                   <p:embed/>
                   <p:pic>
                     <p:nvPicPr>
@@ -18438,7 +18371,7 @@
                       <p:nvPr/>
                     </p:nvPicPr>
                     <p:blipFill>
-                      <a:blip r:embed="rId17">
+                      <a:blip r:embed="rId15">
                         <a:extLst>
                           <a:ext uri="{28A0092B-C50C-407E-A947-70E740481C1C}">
                             <a14:useLocalDpi xmlns:a14="http://schemas.microsoft.com/office/drawing/2010/main" val="0"/>
@@ -18572,7 +18505,7 @@
       </p:sp>
       <p:sp>
         <p:nvSpPr>
-          <p:cNvPr id="27" name="Rectangle 11"/>
+          <p:cNvPr id="33" name="Rectangle 15"/>
           <p:cNvSpPr>
             <a:spLocks noChangeArrowheads="1"/>
           </p:cNvSpPr>
@@ -18580,8 +18513,8 @@
         </p:nvSpPr>
         <p:spPr bwMode="auto">
           <a:xfrm>
-            <a:off x="82450" y="1456979"/>
-            <a:ext cx="5407571" cy="369332"/>
+            <a:off x="5837733" y="2216795"/>
+            <a:ext cx="3220305" cy="369332"/>
           </a:xfrm>
           <a:prstGeom prst="rect">
             <a:avLst/>
@@ -18643,39 +18576,7 @@
                 <a:ea typeface="Calibri" panose="020F0502020204030204" pitchFamily="34" charset="0"/>
                 <a:cs typeface="Times New Roman" panose="02020603050405020304" pitchFamily="18" charset="0"/>
               </a:rPr>
-              <a:t>back-</a:t>
-            </a:r>
-            <a:r>
-              <a:rPr lang="en-GB" altLang="en-US" dirty="0" err="1">
-                <a:latin typeface="Calibri" panose="020F0502020204030204" pitchFamily="34" charset="0"/>
-                <a:ea typeface="Calibri" panose="020F0502020204030204" pitchFamily="34" charset="0"/>
-                <a:cs typeface="Times New Roman" panose="02020603050405020304" pitchFamily="18" charset="0"/>
-              </a:rPr>
-              <a:t>emf</a:t>
-            </a:r>
-            <a:r>
-              <a:rPr lang="en-GB" altLang="en-US" dirty="0">
-                <a:latin typeface="Calibri" panose="020F0502020204030204" pitchFamily="34" charset="0"/>
-                <a:ea typeface="Calibri" panose="020F0502020204030204" pitchFamily="34" charset="0"/>
-                <a:cs typeface="Times New Roman" panose="02020603050405020304" pitchFamily="18" charset="0"/>
-              </a:rPr>
-              <a:t> neglected in </a:t>
-            </a:r>
-            <a:r>
-              <a:rPr lang="en-GB" altLang="en-US" b="1" dirty="0">
-                <a:latin typeface="Calibri" panose="020F0502020204030204" pitchFamily="34" charset="0"/>
-                <a:ea typeface="Calibri" panose="020F0502020204030204" pitchFamily="34" charset="0"/>
-                <a:cs typeface="Times New Roman" panose="02020603050405020304" pitchFamily="18" charset="0"/>
-              </a:rPr>
-              <a:t>white</a:t>
-            </a:r>
-            <a:r>
-              <a:rPr lang="en-GB" altLang="en-US" dirty="0">
-                <a:latin typeface="Calibri" panose="020F0502020204030204" pitchFamily="34" charset="0"/>
-                <a:ea typeface="Calibri" panose="020F0502020204030204" pitchFamily="34" charset="0"/>
-                <a:cs typeface="Times New Roman" panose="02020603050405020304" pitchFamily="18" charset="0"/>
-              </a:rPr>
-              <a:t> box identification because </a:t>
+              <a:t>Nominal values from datasheet </a:t>
             </a:r>
             <a:endParaRPr lang="en-GB" altLang="en-US" dirty="0">
               <a:latin typeface="Arial" panose="020B0604020202020204" pitchFamily="34" charset="0"/>
@@ -18685,7 +18586,7 @@
       </p:sp>
       <p:sp>
         <p:nvSpPr>
-          <p:cNvPr id="33" name="Rectangle 15"/>
+          <p:cNvPr id="35" name="Rectangle 17"/>
           <p:cNvSpPr>
             <a:spLocks noChangeArrowheads="1"/>
           </p:cNvSpPr>
@@ -18693,8 +18594,8 @@
         </p:nvSpPr>
         <p:spPr bwMode="auto">
           <a:xfrm>
-            <a:off x="5837733" y="2216795"/>
-            <a:ext cx="3220305" cy="369332"/>
+            <a:off x="5837726" y="3379872"/>
+            <a:ext cx="2170338" cy="923330"/>
           </a:xfrm>
           <a:prstGeom prst="rect">
             <a:avLst/>
@@ -18751,87 +18652,6 @@
               </a:spcAft>
             </a:pPr>
             <a:r>
-              <a:rPr lang="en-GB" altLang="en-US" dirty="0">
-                <a:latin typeface="Calibri" panose="020F0502020204030204" pitchFamily="34" charset="0"/>
-                <a:ea typeface="Calibri" panose="020F0502020204030204" pitchFamily="34" charset="0"/>
-                <a:cs typeface="Times New Roman" panose="02020603050405020304" pitchFamily="18" charset="0"/>
-              </a:rPr>
-              <a:t>Nominal values from datasheet </a:t>
-            </a:r>
-            <a:endParaRPr lang="en-GB" altLang="en-US" dirty="0">
-              <a:latin typeface="Arial" panose="020B0604020202020204" pitchFamily="34" charset="0"/>
-            </a:endParaRPr>
-          </a:p>
-        </p:txBody>
-      </p:sp>
-      <p:sp>
-        <p:nvSpPr>
-          <p:cNvPr id="35" name="Rectangle 17"/>
-          <p:cNvSpPr>
-            <a:spLocks noChangeArrowheads="1"/>
-          </p:cNvSpPr>
-          <p:nvPr/>
-        </p:nvSpPr>
-        <p:spPr bwMode="auto">
-          <a:xfrm>
-            <a:off x="5837726" y="3379872"/>
-            <a:ext cx="2170338" cy="923330"/>
-          </a:xfrm>
-          <a:prstGeom prst="rect">
-            <a:avLst/>
-          </a:prstGeom>
-          <a:noFill/>
-          <a:ln>
-            <a:noFill/>
-          </a:ln>
-          <a:effectLst/>
-          <a:extLst>
-            <a:ext uri="{909E8E84-426E-40DD-AFC4-6F175D3DCCD1}">
-              <a14:hiddenFill xmlns:a14="http://schemas.microsoft.com/office/drawing/2010/main">
-                <a:solidFill>
-                  <a:schemeClr val="accent1"/>
-                </a:solidFill>
-              </a14:hiddenFill>
-            </a:ext>
-            <a:ext uri="{91240B29-F687-4F45-9708-019B960494DF}">
-              <a14:hiddenLine xmlns:a14="http://schemas.microsoft.com/office/drawing/2010/main" w="9525">
-                <a:solidFill>
-                  <a:schemeClr val="tx1"/>
-                </a:solidFill>
-                <a:miter lim="800000"/>
-                <a:headEnd/>
-                <a:tailEnd/>
-              </a14:hiddenLine>
-            </a:ext>
-            <a:ext uri="{AF507438-7753-43E0-B8FC-AC1667EBCBE1}">
-              <a14:hiddenEffects xmlns:a14="http://schemas.microsoft.com/office/drawing/2010/main">
-                <a:effectLst>
-                  <a:outerShdw dist="35921" dir="2700000" algn="ctr" rotWithShape="0">
-                    <a:schemeClr val="bg2"/>
-                  </a:outerShdw>
-                </a:effectLst>
-              </a14:hiddenEffects>
-            </a:ext>
-          </a:extLst>
-        </p:spPr>
-        <p:txBody>
-          <a:bodyPr vert="horz" wrap="none" lIns="91440" tIns="45720" rIns="91440" bIns="45720" numCol="1" anchor="ctr" anchorCtr="0" compatLnSpc="1">
-            <a:prstTxWarp prst="textNoShape">
-              <a:avLst/>
-            </a:prstTxWarp>
-            <a:spAutoFit/>
-          </a:bodyPr>
-          <a:lstStyle/>
-          <a:p>
-            <a:pPr defTabSz="914377" eaLnBrk="0" fontAlgn="base" hangingPunct="0">
-              <a:spcBef>
-                <a:spcPct val="0"/>
-              </a:spcBef>
-              <a:spcAft>
-                <a:spcPct val="0"/>
-              </a:spcAft>
-            </a:pPr>
-            <a:r>
               <a:rPr lang="en-GB" altLang="en-US" b="1" dirty="0">
                 <a:latin typeface="Calibri" panose="020F0502020204030204" pitchFamily="34" charset="0"/>
                 <a:ea typeface="Calibri" panose="020F0502020204030204" pitchFamily="34" charset="0"/>
@@ -18959,12 +18779,12 @@
           <a:graphicData uri="http://schemas.openxmlformats.org/presentationml/2006/ole">
             <mc:AlternateContent xmlns:mc="http://schemas.openxmlformats.org/markup-compatibility/2006">
               <mc:Choice xmlns:v="urn:schemas-microsoft-com:vml" Requires="v">
-                <p:oleObj spid="_x0000_s15670" name="Equazione" r:id="rId18" imgW="507960" imgH="393480" progId="Equation.3">
+                <p:oleObj spid="_x0000_s15690" name="Equazione" r:id="rId16" imgW="507960" imgH="393480" progId="Equation.3">
                   <p:embed/>
                 </p:oleObj>
               </mc:Choice>
               <mc:Fallback>
-                <p:oleObj name="Equazione" r:id="rId18" imgW="507960" imgH="393480" progId="Equation.3">
+                <p:oleObj name="Equazione" r:id="rId16" imgW="507960" imgH="393480" progId="Equation.3">
                   <p:embed/>
                   <p:pic>
                     <p:nvPicPr>
@@ -18975,7 +18795,7 @@
                       <p:nvPr/>
                     </p:nvPicPr>
                     <p:blipFill>
-                      <a:blip r:embed="rId19"/>
+                      <a:blip r:embed="rId17"/>
                       <a:srcRect/>
                       <a:stretch>
                         <a:fillRect/>
@@ -22556,7 +22376,7 @@
         </p:blipFill>
         <p:spPr>
           <a:xfrm>
-            <a:off x="4926270" y="2673225"/>
+            <a:off x="4821074" y="2681317"/>
             <a:ext cx="4001743" cy="2007124"/>
           </a:xfrm>
           <a:prstGeom prst="rect">
@@ -22802,7 +22622,7 @@
         </p:nvSpPr>
         <p:spPr bwMode="auto">
           <a:xfrm>
-            <a:off x="7507265" y="1622478"/>
+            <a:off x="7402069" y="1630570"/>
             <a:ext cx="788047" cy="369332"/>
           </a:xfrm>
           <a:prstGeom prst="rect">
@@ -22890,20 +22710,20 @@
           <p:nvPr>
             <p:extLst>
               <p:ext uri="{D42A27DB-BD31-4B8C-83A1-F6EECF244321}">
-                <p14:modId xmlns:p14="http://schemas.microsoft.com/office/powerpoint/2010/main" val="1129128832"/>
+                <p14:modId xmlns:p14="http://schemas.microsoft.com/office/powerpoint/2010/main" val="1853509563"/>
               </p:ext>
             </p:extLst>
           </p:nvPr>
         </p:nvGraphicFramePr>
         <p:xfrm>
-          <a:off x="4877080" y="1550832"/>
+          <a:off x="4771884" y="1558924"/>
           <a:ext cx="2589331" cy="555825"/>
         </p:xfrm>
         <a:graphic>
           <a:graphicData uri="http://schemas.openxmlformats.org/presentationml/2006/ole">
             <mc:AlternateContent xmlns:mc="http://schemas.openxmlformats.org/markup-compatibility/2006">
               <mc:Choice xmlns:v="urn:schemas-microsoft-com:vml" Requires="v">
-                <p:oleObj spid="_x0000_s16530" name="Equazione" r:id="rId8" imgW="1815312" imgH="393529" progId="Equation.3">
+                <p:oleObj spid="_x0000_s16546" name="Equazione" r:id="rId8" imgW="1815312" imgH="393529" progId="Equation.3">
                   <p:embed/>
                 </p:oleObj>
               </mc:Choice>
@@ -22933,7 +22753,7 @@
                     </p:blipFill>
                     <p:spPr bwMode="auto">
                       <a:xfrm>
-                        <a:off x="4877080" y="1550832"/>
+                        <a:off x="4771884" y="1558924"/>
                         <a:ext cx="2589331" cy="555825"/>
                       </a:xfrm>
                       <a:prstGeom prst="rect">
@@ -22957,20 +22777,20 @@
           <p:nvPr>
             <p:extLst>
               <p:ext uri="{D42A27DB-BD31-4B8C-83A1-F6EECF244321}">
-                <p14:modId xmlns:p14="http://schemas.microsoft.com/office/powerpoint/2010/main" val="787914554"/>
+                <p14:modId xmlns:p14="http://schemas.microsoft.com/office/powerpoint/2010/main" val="2163195850"/>
               </p:ext>
             </p:extLst>
           </p:nvPr>
         </p:nvGraphicFramePr>
         <p:xfrm>
-          <a:off x="4877081" y="2174505"/>
+          <a:off x="4771885" y="2182597"/>
           <a:ext cx="705885" cy="366985"/>
         </p:xfrm>
         <a:graphic>
           <a:graphicData uri="http://schemas.openxmlformats.org/presentationml/2006/ole">
             <mc:AlternateContent xmlns:mc="http://schemas.openxmlformats.org/markup-compatibility/2006">
               <mc:Choice xmlns:v="urn:schemas-microsoft-com:vml" Requires="v">
-                <p:oleObj spid="_x0000_s16531" name="Equazione" r:id="rId10" imgW="457200" imgH="241200" progId="Equation.3">
+                <p:oleObj spid="_x0000_s16547" name="Equazione" r:id="rId10" imgW="457200" imgH="241200" progId="Equation.3">
                   <p:embed/>
                 </p:oleObj>
               </mc:Choice>
@@ -22994,7 +22814,7 @@
                     </p:blipFill>
                     <p:spPr bwMode="auto">
                       <a:xfrm>
-                        <a:off x="4877081" y="2174505"/>
+                        <a:off x="4771885" y="2182597"/>
                         <a:ext cx="705885" cy="366985"/>
                       </a:xfrm>
                       <a:prstGeom prst="rect">
@@ -23018,20 +22838,20 @@
           <p:nvPr>
             <p:extLst>
               <p:ext uri="{D42A27DB-BD31-4B8C-83A1-F6EECF244321}">
-                <p14:modId xmlns:p14="http://schemas.microsoft.com/office/powerpoint/2010/main" val="2857020188"/>
+                <p14:modId xmlns:p14="http://schemas.microsoft.com/office/powerpoint/2010/main" val="3835220417"/>
               </p:ext>
             </p:extLst>
           </p:nvPr>
         </p:nvGraphicFramePr>
         <p:xfrm>
-          <a:off x="5015125" y="5425721"/>
+          <a:off x="4909929" y="5433813"/>
           <a:ext cx="317204" cy="362519"/>
         </p:xfrm>
         <a:graphic>
           <a:graphicData uri="http://schemas.openxmlformats.org/presentationml/2006/ole">
             <mc:AlternateContent xmlns:mc="http://schemas.openxmlformats.org/markup-compatibility/2006">
               <mc:Choice xmlns:v="urn:schemas-microsoft-com:vml" Requires="v">
-                <p:oleObj spid="_x0000_s16532" name="Equazione" r:id="rId12" imgW="203040" imgH="228600" progId="Equation.3">
+                <p:oleObj spid="_x0000_s16548" name="Equazione" r:id="rId12" imgW="203040" imgH="228600" progId="Equation.3">
                   <p:embed/>
                 </p:oleObj>
               </mc:Choice>
@@ -23055,7 +22875,7 @@
                     </p:blipFill>
                     <p:spPr bwMode="auto">
                       <a:xfrm>
-                        <a:off x="5015125" y="5425721"/>
+                        <a:off x="4909929" y="5433813"/>
                         <a:ext cx="317204" cy="362519"/>
                       </a:xfrm>
                       <a:prstGeom prst="rect">
@@ -23080,7 +22900,7 @@
         </p:nvSpPr>
         <p:spPr bwMode="auto">
           <a:xfrm>
-            <a:off x="5469687" y="2154792"/>
+            <a:off x="5364491" y="2162884"/>
             <a:ext cx="1866808" cy="369332"/>
           </a:xfrm>
           <a:prstGeom prst="rect">
@@ -23176,20 +22996,20 @@
           <p:nvPr>
             <p:extLst>
               <p:ext uri="{D42A27DB-BD31-4B8C-83A1-F6EECF244321}">
-                <p14:modId xmlns:p14="http://schemas.microsoft.com/office/powerpoint/2010/main" val="3931494634"/>
+                <p14:modId xmlns:p14="http://schemas.microsoft.com/office/powerpoint/2010/main" val="1553961781"/>
               </p:ext>
             </p:extLst>
           </p:nvPr>
         </p:nvGraphicFramePr>
         <p:xfrm>
-          <a:off x="4993297" y="4918592"/>
+          <a:off x="4888101" y="4926684"/>
           <a:ext cx="1263573" cy="365371"/>
         </p:xfrm>
         <a:graphic>
           <a:graphicData uri="http://schemas.openxmlformats.org/presentationml/2006/ole">
             <mc:AlternateContent xmlns:mc="http://schemas.openxmlformats.org/markup-compatibility/2006">
               <mc:Choice xmlns:v="urn:schemas-microsoft-com:vml" Requires="v">
-                <p:oleObj spid="_x0000_s16533" name="Equazione" r:id="rId14" imgW="787400" imgH="228600" progId="Equation.3">
+                <p:oleObj spid="_x0000_s16549" name="Equazione" r:id="rId14" imgW="787400" imgH="228600" progId="Equation.3">
                   <p:embed/>
                 </p:oleObj>
               </mc:Choice>
@@ -23219,7 +23039,7 @@
                     </p:blipFill>
                     <p:spPr bwMode="auto">
                       <a:xfrm>
-                        <a:off x="4993297" y="4918592"/>
+                        <a:off x="4888101" y="4926684"/>
                         <a:ext cx="1263573" cy="365371"/>
                       </a:xfrm>
                       <a:prstGeom prst="rect">
@@ -23255,7 +23075,7 @@
         </p:blipFill>
         <p:spPr>
           <a:xfrm rot="5400000">
-            <a:off x="84843" y="1317668"/>
+            <a:off x="-145388" y="1379702"/>
             <a:ext cx="4784172" cy="4328495"/>
           </a:xfrm>
           <a:prstGeom prst="rect">
@@ -23273,8 +23093,8 @@
         </p:nvCxnSpPr>
         <p:spPr>
           <a:xfrm flipH="1" flipV="1">
-            <a:off x="3465019" y="1459320"/>
-            <a:ext cx="1412061" cy="369424"/>
+            <a:off x="3293459" y="1553317"/>
+            <a:ext cx="1478425" cy="283519"/>
           </a:xfrm>
           <a:prstGeom prst="straightConnector1">
             <a:avLst/>
@@ -23309,7 +23129,7 @@
         </p:nvSpPr>
         <p:spPr>
           <a:xfrm>
-            <a:off x="5225008" y="5401064"/>
+            <a:off x="5119812" y="5409156"/>
             <a:ext cx="1846596" cy="369332"/>
           </a:xfrm>
           <a:prstGeom prst="rect">
@@ -23342,7 +23162,7 @@
         </p:nvSpPr>
         <p:spPr>
           <a:xfrm>
-            <a:off x="5755935" y="2894852"/>
+            <a:off x="5650739" y="2902944"/>
             <a:ext cx="500928" cy="861696"/>
           </a:xfrm>
           <a:prstGeom prst="ellipse">
@@ -23392,7 +23212,7 @@
         </p:nvCxnSpPr>
         <p:spPr>
           <a:xfrm flipH="1">
-            <a:off x="6006399" y="2524124"/>
+            <a:off x="5901203" y="2532216"/>
             <a:ext cx="396692" cy="370728"/>
           </a:xfrm>
           <a:prstGeom prst="straightConnector1">
@@ -23428,7 +23248,7 @@
         </p:nvSpPr>
         <p:spPr>
           <a:xfrm>
-            <a:off x="6148315" y="4884548"/>
+            <a:off x="6043119" y="4892640"/>
             <a:ext cx="1568443" cy="369332"/>
           </a:xfrm>
           <a:prstGeom prst="rect">
@@ -23471,7 +23291,7 @@
         </p:nvSpPr>
         <p:spPr>
           <a:xfrm>
-            <a:off x="4877080" y="1175893"/>
+            <a:off x="4771884" y="1183985"/>
             <a:ext cx="2566536" cy="369332"/>
           </a:xfrm>
           <a:prstGeom prst="rect">
@@ -23841,7 +23661,7 @@
         </p:blipFill>
         <p:spPr>
           <a:xfrm rot="5400000">
-            <a:off x="181947" y="1277208"/>
+            <a:off x="-145388" y="1377508"/>
             <a:ext cx="4784172" cy="4328495"/>
           </a:xfrm>
           <a:prstGeom prst="rect">
@@ -23859,8 +23679,8 @@
         </p:nvCxnSpPr>
         <p:spPr>
           <a:xfrm flipH="1">
-            <a:off x="2692866" y="1255886"/>
-            <a:ext cx="2179509" cy="1980928"/>
+            <a:off x="2280060" y="1490554"/>
+            <a:ext cx="2438567" cy="2026156"/>
           </a:xfrm>
           <a:prstGeom prst="straightConnector1">
             <a:avLst/>
@@ -23896,20 +23716,20 @@
           <p:nvPr>
             <p:extLst>
               <p:ext uri="{D42A27DB-BD31-4B8C-83A1-F6EECF244321}">
-                <p14:modId xmlns:p14="http://schemas.microsoft.com/office/powerpoint/2010/main" val="13363995"/>
+                <p14:modId xmlns:p14="http://schemas.microsoft.com/office/powerpoint/2010/main" val="2450290886"/>
               </p:ext>
             </p:extLst>
           </p:nvPr>
         </p:nvGraphicFramePr>
         <p:xfrm>
-          <a:off x="6175093" y="1058890"/>
+          <a:off x="6021345" y="1293558"/>
           <a:ext cx="2680711" cy="394223"/>
         </p:xfrm>
         <a:graphic>
           <a:graphicData uri="http://schemas.openxmlformats.org/presentationml/2006/ole">
             <mc:AlternateContent xmlns:mc="http://schemas.openxmlformats.org/markup-compatibility/2006">
               <mc:Choice xmlns:v="urn:schemas-microsoft-com:vml" Requires="v">
-                <p:oleObj spid="_x0000_s11611" name="Equazione" r:id="rId8" imgW="1625400" imgH="241200" progId="Equation.3">
+                <p:oleObj spid="_x0000_s11631" name="Equazione" r:id="rId8" imgW="1625400" imgH="241200" progId="Equation.3">
                   <p:embed/>
                 </p:oleObj>
               </mc:Choice>
@@ -23933,7 +23753,7 @@
                     </p:blipFill>
                     <p:spPr bwMode="auto">
                       <a:xfrm>
-                        <a:off x="6175093" y="1058890"/>
+                        <a:off x="6021345" y="1293558"/>
                         <a:ext cx="2680711" cy="394223"/>
                       </a:xfrm>
                       <a:prstGeom prst="rect">
@@ -23962,20 +23782,20 @@
           <p:nvPr>
             <p:extLst>
               <p:ext uri="{D42A27DB-BD31-4B8C-83A1-F6EECF244321}">
-                <p14:modId xmlns:p14="http://schemas.microsoft.com/office/powerpoint/2010/main" val="1669676479"/>
+                <p14:modId xmlns:p14="http://schemas.microsoft.com/office/powerpoint/2010/main" val="3361213031"/>
               </p:ext>
             </p:extLst>
           </p:nvPr>
         </p:nvGraphicFramePr>
         <p:xfrm>
-          <a:off x="5019813" y="2543912"/>
+          <a:off x="4866065" y="2778580"/>
           <a:ext cx="531464" cy="398599"/>
         </p:xfrm>
         <a:graphic>
           <a:graphicData uri="http://schemas.openxmlformats.org/presentationml/2006/ole">
             <mc:AlternateContent xmlns:mc="http://schemas.openxmlformats.org/markup-compatibility/2006">
               <mc:Choice xmlns:v="urn:schemas-microsoft-com:vml" Requires="v">
-                <p:oleObj spid="_x0000_s11612" name="Equazione" r:id="rId10" imgW="304668" imgH="228501" progId="Equation.3">
+                <p:oleObj spid="_x0000_s11632" name="Equazione" r:id="rId10" imgW="304668" imgH="228501" progId="Equation.3">
                   <p:embed/>
                 </p:oleObj>
               </mc:Choice>
@@ -24005,7 +23825,7 @@
                     </p:blipFill>
                     <p:spPr bwMode="auto">
                       <a:xfrm>
-                        <a:off x="5019813" y="2543912"/>
+                        <a:off x="4866065" y="2778580"/>
                         <a:ext cx="531464" cy="398599"/>
                       </a:xfrm>
                       <a:prstGeom prst="rect">
@@ -24029,20 +23849,20 @@
           <p:nvPr>
             <p:extLst>
               <p:ext uri="{D42A27DB-BD31-4B8C-83A1-F6EECF244321}">
-                <p14:modId xmlns:p14="http://schemas.microsoft.com/office/powerpoint/2010/main" val="3735835046"/>
+                <p14:modId xmlns:p14="http://schemas.microsoft.com/office/powerpoint/2010/main" val="2146399643"/>
               </p:ext>
             </p:extLst>
           </p:nvPr>
         </p:nvGraphicFramePr>
         <p:xfrm>
-          <a:off x="1985549" y="2256978"/>
+          <a:off x="1663743" y="2460628"/>
           <a:ext cx="255231" cy="328155"/>
         </p:xfrm>
         <a:graphic>
           <a:graphicData uri="http://schemas.openxmlformats.org/presentationml/2006/ole">
             <mc:AlternateContent xmlns:mc="http://schemas.openxmlformats.org/markup-compatibility/2006">
               <mc:Choice xmlns:v="urn:schemas-microsoft-com:vml" Requires="v">
-                <p:oleObj spid="_x0000_s11613" name="Equazione" r:id="rId12" imgW="139579" imgH="177646" progId="Equation.3">
+                <p:oleObj spid="_x0000_s11633" name="Equazione" r:id="rId12" imgW="139579" imgH="177646" progId="Equation.3">
                   <p:embed/>
                 </p:oleObj>
               </mc:Choice>
@@ -24072,7 +23892,7 @@
                     </p:blipFill>
                     <p:spPr bwMode="auto">
                       <a:xfrm>
-                        <a:off x="1985549" y="2256978"/>
+                        <a:off x="1663743" y="2460628"/>
                         <a:ext cx="255231" cy="328155"/>
                       </a:xfrm>
                       <a:prstGeom prst="rect">
@@ -24096,20 +23916,20 @@
           <p:nvPr>
             <p:extLst>
               <p:ext uri="{D42A27DB-BD31-4B8C-83A1-F6EECF244321}">
-                <p14:modId xmlns:p14="http://schemas.microsoft.com/office/powerpoint/2010/main" val="1217776056"/>
+                <p14:modId xmlns:p14="http://schemas.microsoft.com/office/powerpoint/2010/main" val="524704923"/>
               </p:ext>
             </p:extLst>
           </p:nvPr>
         </p:nvGraphicFramePr>
         <p:xfrm>
-          <a:off x="5013686" y="2993859"/>
+          <a:off x="4859938" y="3228527"/>
           <a:ext cx="932380" cy="408939"/>
         </p:xfrm>
         <a:graphic>
           <a:graphicData uri="http://schemas.openxmlformats.org/presentationml/2006/ole">
             <mc:AlternateContent xmlns:mc="http://schemas.openxmlformats.org/markup-compatibility/2006">
               <mc:Choice xmlns:v="urn:schemas-microsoft-com:vml" Requires="v">
-                <p:oleObj spid="_x0000_s11614" name="Equazione" r:id="rId14" imgW="545760" imgH="241200" progId="Equation.3">
+                <p:oleObj spid="_x0000_s11634" name="Equazione" r:id="rId14" imgW="545760" imgH="241200" progId="Equation.3">
                   <p:embed/>
                 </p:oleObj>
               </mc:Choice>
@@ -24133,7 +23953,7 @@
                     </p:blipFill>
                     <p:spPr bwMode="auto">
                       <a:xfrm>
-                        <a:off x="5013686" y="2993859"/>
+                        <a:off x="4859938" y="3228527"/>
                         <a:ext cx="932380" cy="408939"/>
                       </a:xfrm>
                       <a:prstGeom prst="rect">
@@ -24158,7 +23978,7 @@
         </p:nvSpPr>
         <p:spPr bwMode="auto">
           <a:xfrm>
-            <a:off x="5409210" y="2549687"/>
+            <a:off x="5255462" y="2784355"/>
             <a:ext cx="3665555" cy="369332"/>
           </a:xfrm>
           <a:prstGeom prst="rect">
@@ -24239,7 +24059,7 @@
         </p:nvSpPr>
         <p:spPr bwMode="auto">
           <a:xfrm>
-            <a:off x="5163291" y="2092518"/>
+            <a:off x="5009543" y="2327186"/>
             <a:ext cx="3323795" cy="369332"/>
           </a:xfrm>
           <a:prstGeom prst="rect">
@@ -24318,7 +24138,7 @@
         </p:nvSpPr>
         <p:spPr bwMode="auto">
           <a:xfrm>
-            <a:off x="5747379" y="3013657"/>
+            <a:off x="5593631" y="3248325"/>
             <a:ext cx="2668679" cy="369332"/>
           </a:xfrm>
           <a:prstGeom prst="rect">
@@ -24399,7 +24219,7 @@
         </p:nvSpPr>
         <p:spPr bwMode="auto">
           <a:xfrm>
-            <a:off x="4872375" y="1071220"/>
+            <a:off x="4718627" y="1305888"/>
             <a:ext cx="1382769" cy="369332"/>
           </a:xfrm>
           <a:prstGeom prst="rect">
@@ -24484,8 +24304,8 @@
         </p:nvCxnSpPr>
         <p:spPr>
           <a:xfrm flipH="1">
-            <a:off x="2840304" y="1255886"/>
-            <a:ext cx="2032071" cy="3202826"/>
+            <a:off x="2498294" y="1490554"/>
+            <a:ext cx="2220333" cy="3064365"/>
           </a:xfrm>
           <a:prstGeom prst="straightConnector1">
             <a:avLst/>
@@ -24520,7 +24340,7 @@
         </p:nvSpPr>
         <p:spPr>
           <a:xfrm>
-            <a:off x="1563607" y="2057283"/>
+            <a:off x="1183283" y="2251491"/>
             <a:ext cx="1216152" cy="731520"/>
           </a:xfrm>
           <a:prstGeom prst="curvedDownArrow">
@@ -24565,20 +24385,20 @@
           <p:nvPr>
             <p:extLst>
               <p:ext uri="{D42A27DB-BD31-4B8C-83A1-F6EECF244321}">
-                <p14:modId xmlns:p14="http://schemas.microsoft.com/office/powerpoint/2010/main" val="426385067"/>
+                <p14:modId xmlns:p14="http://schemas.microsoft.com/office/powerpoint/2010/main" val="556714423"/>
               </p:ext>
             </p:extLst>
           </p:nvPr>
         </p:nvGraphicFramePr>
         <p:xfrm>
-          <a:off x="5013693" y="2120924"/>
+          <a:off x="4859945" y="2355592"/>
           <a:ext cx="264215" cy="339704"/>
         </p:xfrm>
         <a:graphic>
           <a:graphicData uri="http://schemas.openxmlformats.org/presentationml/2006/ole">
             <mc:AlternateContent xmlns:mc="http://schemas.openxmlformats.org/markup-compatibility/2006">
               <mc:Choice xmlns:v="urn:schemas-microsoft-com:vml" Requires="v">
-                <p:oleObj spid="_x0000_s11615" name="Equazione" r:id="rId12" imgW="139579" imgH="177646" progId="Equation.3">
+                <p:oleObj spid="_x0000_s11635" name="Equazione" r:id="rId12" imgW="139579" imgH="177646" progId="Equation.3">
                   <p:embed/>
                 </p:oleObj>
               </mc:Choice>
@@ -24608,7 +24428,7 @@
                     </p:blipFill>
                     <p:spPr bwMode="auto">
                       <a:xfrm>
-                        <a:off x="5013693" y="2120924"/>
+                        <a:off x="4859945" y="2355592"/>
                         <a:ext cx="264215" cy="339704"/>
                       </a:xfrm>
                       <a:prstGeom prst="rect">
@@ -24631,7 +24451,7 @@
         </p:nvSpPr>
         <p:spPr>
           <a:xfrm>
-            <a:off x="5013686" y="1604446"/>
+            <a:off x="4859938" y="1839114"/>
             <a:ext cx="842090" cy="369332"/>
           </a:xfrm>
           <a:prstGeom prst="rect">
@@ -24938,7 +24758,7 @@
           <a:graphicData uri="http://schemas.openxmlformats.org/presentationml/2006/ole">
             <mc:AlternateContent xmlns:mc="http://schemas.openxmlformats.org/markup-compatibility/2006">
               <mc:Choice xmlns:v="urn:schemas-microsoft-com:vml" Requires="v">
-                <p:oleObj spid="_x0000_s9691" name="Equazione" r:id="rId7" imgW="1549400" imgH="228600" progId="Equation.3">
+                <p:oleObj spid="_x0000_s9715" name="Equazione" r:id="rId7" imgW="1549400" imgH="228600" progId="Equation.3">
                   <p:embed/>
                 </p:oleObj>
               </mc:Choice>
@@ -25010,7 +24830,7 @@
           <a:graphicData uri="http://schemas.openxmlformats.org/presentationml/2006/ole">
             <mc:AlternateContent xmlns:mc="http://schemas.openxmlformats.org/markup-compatibility/2006">
               <mc:Choice xmlns:v="urn:schemas-microsoft-com:vml" Requires="v">
-                <p:oleObj spid="_x0000_s9692" name="Equazione" r:id="rId9" imgW="469900" imgH="228600" progId="Equation.3">
+                <p:oleObj spid="_x0000_s9716" name="Equazione" r:id="rId9" imgW="469900" imgH="228600" progId="Equation.3">
                   <p:embed/>
                 </p:oleObj>
               </mc:Choice>
@@ -25174,7 +24994,7 @@
           <a:graphicData uri="http://schemas.openxmlformats.org/presentationml/2006/ole">
             <mc:AlternateContent xmlns:mc="http://schemas.openxmlformats.org/markup-compatibility/2006">
               <mc:Choice xmlns:v="urn:schemas-microsoft-com:vml" Requires="v">
-                <p:oleObj spid="_x0000_s9693" name="Equazione" r:id="rId11" imgW="520474" imgH="393529" progId="Equation.3">
+                <p:oleObj spid="_x0000_s9717" name="Equazione" r:id="rId11" imgW="520474" imgH="393529" progId="Equation.3">
                   <p:embed/>
                 </p:oleObj>
               </mc:Choice>
@@ -25241,7 +25061,7 @@
           <a:graphicData uri="http://schemas.openxmlformats.org/presentationml/2006/ole">
             <mc:AlternateContent xmlns:mc="http://schemas.openxmlformats.org/markup-compatibility/2006">
               <mc:Choice xmlns:v="urn:schemas-microsoft-com:vml" Requires="v">
-                <p:oleObj spid="_x0000_s9694" name="Equazione" r:id="rId13" imgW="2044700" imgH="393700" progId="Equation.3">
+                <p:oleObj spid="_x0000_s9718" name="Equazione" r:id="rId13" imgW="2044700" imgH="393700" progId="Equation.3">
                   <p:embed/>
                 </p:oleObj>
               </mc:Choice>
@@ -25313,7 +25133,7 @@
           <a:graphicData uri="http://schemas.openxmlformats.org/presentationml/2006/ole">
             <mc:AlternateContent xmlns:mc="http://schemas.openxmlformats.org/markup-compatibility/2006">
               <mc:Choice xmlns:v="urn:schemas-microsoft-com:vml" Requires="v">
-                <p:oleObj spid="_x0000_s9695" name="Equazione" r:id="rId15" imgW="571252" imgH="393529" progId="Equation.3">
+                <p:oleObj spid="_x0000_s9719" name="Equazione" r:id="rId15" imgW="571252" imgH="393529" progId="Equation.3">
                   <p:embed/>
                 </p:oleObj>
               </mc:Choice>
@@ -25685,7 +25505,7 @@
           <a:graphicData uri="http://schemas.openxmlformats.org/presentationml/2006/ole">
             <mc:AlternateContent xmlns:mc="http://schemas.openxmlformats.org/markup-compatibility/2006">
               <mc:Choice xmlns:v="urn:schemas-microsoft-com:vml" Requires="v">
-                <p:oleObj spid="_x0000_s9696" name="Equazione" r:id="rId18" imgW="190440" imgH="152280" progId="Equation.3">
+                <p:oleObj spid="_x0000_s9720" name="Equazione" r:id="rId18" imgW="190440" imgH="152280" progId="Equation.3">
                   <p:embed/>
                 </p:oleObj>
               </mc:Choice>
@@ -26007,7 +25827,7 @@
           <a:graphicData uri="http://schemas.openxmlformats.org/presentationml/2006/ole">
             <mc:AlternateContent xmlns:mc="http://schemas.openxmlformats.org/markup-compatibility/2006">
               <mc:Choice xmlns:v="urn:schemas-microsoft-com:vml" Requires="v">
-                <p:oleObj spid="_x0000_s4040" name="Equazione" r:id="rId7" imgW="1651000" imgH="660400" progId="Equation.3">
+                <p:oleObj spid="_x0000_s4068" name="Equazione" r:id="rId7" imgW="1651000" imgH="660400" progId="Equation.3">
                   <p:embed/>
                 </p:oleObj>
               </mc:Choice>
@@ -26074,7 +25894,7 @@
           <a:graphicData uri="http://schemas.openxmlformats.org/presentationml/2006/ole">
             <mc:AlternateContent xmlns:mc="http://schemas.openxmlformats.org/markup-compatibility/2006">
               <mc:Choice xmlns:v="urn:schemas-microsoft-com:vml" Requires="v">
-                <p:oleObj spid="_x0000_s4041" name="Equazione" r:id="rId9" imgW="2311200" imgH="965160" progId="Equation.3">
+                <p:oleObj spid="_x0000_s4069" name="Equazione" r:id="rId9" imgW="2311200" imgH="965160" progId="Equation.3">
                   <p:embed/>
                 </p:oleObj>
               </mc:Choice>
@@ -26135,7 +25955,7 @@
           <a:graphicData uri="http://schemas.openxmlformats.org/presentationml/2006/ole">
             <mc:AlternateContent xmlns:mc="http://schemas.openxmlformats.org/markup-compatibility/2006">
               <mc:Choice xmlns:v="urn:schemas-microsoft-com:vml" Requires="v">
-                <p:oleObj spid="_x0000_s4042" name="Equazione" r:id="rId11" imgW="190440" imgH="152280" progId="Equation.3">
+                <p:oleObj spid="_x0000_s4070" name="Equazione" r:id="rId11" imgW="190440" imgH="152280" progId="Equation.3">
                   <p:embed/>
                 </p:oleObj>
               </mc:Choice>
@@ -26301,7 +26121,7 @@
           <a:graphicData uri="http://schemas.openxmlformats.org/presentationml/2006/ole">
             <mc:AlternateContent xmlns:mc="http://schemas.openxmlformats.org/markup-compatibility/2006">
               <mc:Choice xmlns:v="urn:schemas-microsoft-com:vml" Requires="v">
-                <p:oleObj spid="_x0000_s4043" name="Equazione" r:id="rId13" imgW="1892300" imgH="482600" progId="Equation.3">
+                <p:oleObj spid="_x0000_s4071" name="Equazione" r:id="rId13" imgW="1892300" imgH="482600" progId="Equation.3">
                   <p:embed/>
                 </p:oleObj>
               </mc:Choice>
@@ -26368,7 +26188,7 @@
           <a:graphicData uri="http://schemas.openxmlformats.org/presentationml/2006/ole">
             <mc:AlternateContent xmlns:mc="http://schemas.openxmlformats.org/markup-compatibility/2006">
               <mc:Choice xmlns:v="urn:schemas-microsoft-com:vml" Requires="v">
-                <p:oleObj spid="_x0000_s4044" name="Equazione" r:id="rId15" imgW="774364" imgH="457002" progId="Equation.3">
+                <p:oleObj spid="_x0000_s4072" name="Equazione" r:id="rId15" imgW="774364" imgH="457002" progId="Equation.3">
                   <p:embed/>
                 </p:oleObj>
               </mc:Choice>
@@ -26435,7 +26255,7 @@
           <a:graphicData uri="http://schemas.openxmlformats.org/presentationml/2006/ole">
             <mc:AlternateContent xmlns:mc="http://schemas.openxmlformats.org/markup-compatibility/2006">
               <mc:Choice xmlns:v="urn:schemas-microsoft-com:vml" Requires="v">
-                <p:oleObj spid="_x0000_s4045" name="Equazione" r:id="rId17" imgW="3009900" imgH="1143000" progId="Equation.3">
+                <p:oleObj spid="_x0000_s4073" name="Equazione" r:id="rId17" imgW="3009900" imgH="1143000" progId="Equation.3">
                   <p:embed/>
                 </p:oleObj>
               </mc:Choice>
@@ -26676,7 +26496,7 @@
           <a:graphicData uri="http://schemas.openxmlformats.org/presentationml/2006/ole">
             <mc:AlternateContent xmlns:mc="http://schemas.openxmlformats.org/markup-compatibility/2006">
               <mc:Choice xmlns:v="urn:schemas-microsoft-com:vml" Requires="v">
-                <p:oleObj spid="_x0000_s4046" name="Equazione" r:id="rId19" imgW="3251160" imgH="1600200" progId="Equation.3">
+                <p:oleObj spid="_x0000_s4074" name="Equazione" r:id="rId19" imgW="3251160" imgH="1600200" progId="Equation.3">
                   <p:embed/>
                 </p:oleObj>
               </mc:Choice>
